--- a/PPT/DSLab_이승건,송민섭_특허.pptx
+++ b/PPT/DSLab_이승건,송민섭_특허.pptx
@@ -3736,7 +3736,7 @@
                 <a:ea typeface="KoPubWorld돋움체 Medium" panose="00000600000000000000" pitchFamily="2" charset="-127"/>
                 <a:cs typeface="Noto Sans" panose="020B0502040504020204" pitchFamily="34" charset="0"/>
               </a:rPr>
-              <a:t>쿼리 자동생성을 위한 자연어 질의 정제 및 표준화 시스템</a:t>
+              <a:t>쿼리 자동 생성을 위한 자연어 질의 정제 및 표준화 시스템</a:t>
             </a:r>
             <a:r>
               <a:rPr lang="en-US" altLang="ko-KR" sz="2000" b="1" dirty="0">
@@ -3846,15 +3846,7 @@
                 <a:ea typeface="KoPubWorld돋움체 Medium" panose="00000600000000000000" pitchFamily="2" charset="-127"/>
                 <a:cs typeface="Noto Sans" panose="020B0502040504020204" pitchFamily="34" charset="0"/>
               </a:rPr>
-              <a:t>석사과정 </a:t>
-            </a:r>
-            <a:r>
-              <a:rPr lang="ko-KR" altLang="en-US" dirty="0" err="1">
-                <a:latin typeface="Noto Sans" panose="020B0502040504020204" pitchFamily="34" charset="0"/>
-                <a:ea typeface="KoPubWorld돋움체 Medium" panose="00000600000000000000" pitchFamily="2" charset="-127"/>
-                <a:cs typeface="Noto Sans" panose="020B0502040504020204" pitchFamily="34" charset="0"/>
-              </a:rPr>
-              <a:t>이승건</a:t>
+              <a:t>석사과정 송민섭</a:t>
             </a:r>
             <a:endParaRPr lang="en-US" altLang="ko-KR" dirty="0">
               <a:latin typeface="Noto Sans" panose="020B0502040504020204" pitchFamily="34" charset="0"/>
@@ -3869,7 +3861,7 @@
                 <a:ea typeface="KoPubWorld돋움체 Medium" panose="00000600000000000000" pitchFamily="2" charset="-127"/>
                 <a:cs typeface="Noto Sans" panose="020B0502040504020204" pitchFamily="34" charset="0"/>
               </a:rPr>
-              <a:t>석사과정 송민섭</a:t>
+              <a:t>석사과정 이승건</a:t>
             </a:r>
           </a:p>
         </p:txBody>
@@ -9532,31 +9524,7 @@
                 <a:ea typeface="KoPubWorld돋움체 Medium" panose="00000600000000000000" pitchFamily="2" charset="-127"/>
                 <a:cs typeface="Noto Sans" panose="020B0502040504020204" pitchFamily="34" charset="0"/>
               </a:rPr>
-              <a:t>발명 배경 </a:t>
-            </a:r>
-            <a:r>
-              <a:rPr lang="en-US" altLang="ko-KR" sz="1600" b="1" dirty="0">
-                <a:latin typeface="Noto Sans" panose="020B0502040504020204" pitchFamily="34" charset="0"/>
-                <a:ea typeface="Noto Sans" panose="020B0502040504020204" pitchFamily="34" charset="0"/>
-                <a:cs typeface="Noto Sans" panose="020B0502040504020204" pitchFamily="34" charset="0"/>
-              </a:rPr>
-              <a:t>(</a:t>
-            </a:r>
-            <a:r>
-              <a:rPr lang="ko-KR" altLang="en-US" sz="1600" dirty="0">
-                <a:latin typeface="Noto Sans" panose="020B0502040504020204" pitchFamily="34" charset="0"/>
-                <a:ea typeface="KoPubWorld돋움체 Medium" panose="00000600000000000000" pitchFamily="2" charset="-127"/>
-                <a:cs typeface="Noto Sans" panose="020B0502040504020204" pitchFamily="34" charset="0"/>
-              </a:rPr>
-              <a:t>다음 슬라이드 녹일지 고민</a:t>
-            </a:r>
-            <a:r>
-              <a:rPr lang="en-US" altLang="ko-KR" sz="1600" dirty="0">
-                <a:latin typeface="Noto Sans" panose="020B0502040504020204" pitchFamily="34" charset="0"/>
-                <a:ea typeface="Noto Sans" panose="020B0502040504020204" pitchFamily="34" charset="0"/>
-                <a:cs typeface="Noto Sans" panose="020B0502040504020204" pitchFamily="34" charset="0"/>
-              </a:rPr>
-              <a:t>)</a:t>
+              <a:t>발명 배경</a:t>
             </a:r>
             <a:endParaRPr lang="ko-KR" altLang="en-US" sz="2400" dirty="0">
               <a:latin typeface="Noto Sans" panose="020B0502040504020204" pitchFamily="34" charset="0"/>
@@ -9982,7 +9950,7 @@
         </p:nvSpPr>
         <p:spPr>
           <a:xfrm>
-            <a:off x="935975" y="6076175"/>
+            <a:off x="935975" y="6148716"/>
             <a:ext cx="5226111" cy="523220"/>
           </a:xfrm>
           <a:prstGeom prst="rect">
@@ -10309,42 +10277,46 @@
               <a:t>＂</a:t>
             </a:r>
             <a:r>
+              <a:rPr lang="ko-KR" altLang="en-US" sz="900" b="1" dirty="0">
+                <a:latin typeface="Noto Sans" panose="020B0502040504020204" pitchFamily="34" charset="0"/>
+                <a:cs typeface="Noto Sans" panose="020B0502040504020204" pitchFamily="34" charset="0"/>
+              </a:rPr>
+              <a:t>숫자</a:t>
+            </a:r>
+            <a:r>
+              <a:rPr lang="ko-KR" altLang="en-US" sz="900" b="1" dirty="0">
+                <a:solidFill>
+                  <a:srgbClr val="FF0000"/>
+                </a:solidFill>
+                <a:latin typeface="Noto Sans" panose="020B0502040504020204" pitchFamily="34" charset="0"/>
+                <a:cs typeface="Noto Sans" panose="020B0502040504020204" pitchFamily="34" charset="0"/>
+              </a:rPr>
+              <a:t> </a:t>
+            </a:r>
+            <a:r>
+              <a:rPr lang="en-US" altLang="ko-KR" sz="900" b="1" dirty="0">
+                <a:latin typeface="Noto Sans" panose="020B0502040504020204" pitchFamily="34" charset="0"/>
+                <a:ea typeface="Noto Sans" panose="020B0502040504020204" pitchFamily="34" charset="0"/>
+                <a:cs typeface="Noto Sans" panose="020B0502040504020204" pitchFamily="34" charset="0"/>
+              </a:rPr>
+              <a:t>71</a:t>
+            </a:r>
+            <a:r>
+              <a:rPr lang="ko-KR" altLang="en-US" sz="900" b="1" dirty="0">
+                <a:latin typeface="Noto Sans" panose="020B0502040504020204" pitchFamily="34" charset="0"/>
+                <a:cs typeface="Noto Sans" panose="020B0502040504020204" pitchFamily="34" charset="0"/>
+              </a:rPr>
+              <a:t>이 포함</a:t>
+            </a:r>
+            <a:r>
               <a:rPr lang="ko-KR" altLang="en-US" sz="900" dirty="0">
                 <a:latin typeface="Noto Sans" panose="020B0502040504020204" pitchFamily="34" charset="0"/>
                 <a:cs typeface="Noto Sans" panose="020B0502040504020204" pitchFamily="34" charset="0"/>
               </a:rPr>
-              <a:t>숫자</a:t>
-            </a:r>
-            <a:r>
-              <a:rPr lang="ko-KR" altLang="en-US" sz="900" dirty="0">
-                <a:solidFill>
-                  <a:srgbClr val="FF0000"/>
-                </a:solidFill>
-                <a:latin typeface="Noto Sans" panose="020B0502040504020204" pitchFamily="34" charset="0"/>
-                <a:cs typeface="Noto Sans" panose="020B0502040504020204" pitchFamily="34" charset="0"/>
-              </a:rPr>
-              <a:t> </a:t>
-            </a:r>
-            <a:r>
-              <a:rPr lang="en-US" altLang="ko-KR" sz="900" dirty="0">
-                <a:latin typeface="Noto Sans" panose="020B0502040504020204" pitchFamily="34" charset="0"/>
-                <a:ea typeface="Noto Sans" panose="020B0502040504020204" pitchFamily="34" charset="0"/>
-                <a:cs typeface="Noto Sans" panose="020B0502040504020204" pitchFamily="34" charset="0"/>
-              </a:rPr>
-              <a:t>71</a:t>
-            </a:r>
-            <a:r>
-              <a:rPr lang="ko-KR" altLang="en-US" sz="900" dirty="0">
-                <a:latin typeface="Noto Sans" panose="020B0502040504020204" pitchFamily="34" charset="0"/>
-                <a:cs typeface="Noto Sans" panose="020B0502040504020204" pitchFamily="34" charset="0"/>
-              </a:rPr>
-              <a:t>이 포함되어 있는 화학물질을 등록일자 기준으로 </a:t>
-            </a:r>
-            <a:r>
-              <a:rPr lang="ko-KR" altLang="en-US" sz="900" dirty="0">
-                <a:solidFill>
-                  <a:srgbClr val="FF0000"/>
-                </a:solidFill>
+              <a:t>되어 있는 화학물질을 등록일자 기준으로 </a:t>
+            </a:r>
+            <a:r>
+              <a:rPr lang="ko-KR" altLang="en-US" sz="900" b="1" dirty="0">
                 <a:latin typeface="Noto Sans" panose="020B0502040504020204" pitchFamily="34" charset="0"/>
                 <a:cs typeface="Noto Sans" panose="020B0502040504020204" pitchFamily="34" charset="0"/>
               </a:rPr>
@@ -13129,8 +13101,8 @@
         </p:nvSpPr>
         <p:spPr>
           <a:xfrm>
-            <a:off x="2826562" y="5044540"/>
-            <a:ext cx="8103106" cy="800219"/>
+            <a:off x="2826561" y="5044540"/>
+            <a:ext cx="8258355" cy="800219"/>
           </a:xfrm>
           <a:prstGeom prst="rect">
             <a:avLst/>

--- a/PPT/DSLab_이승건,송민섭_특허.pptx
+++ b/PPT/DSLab_이승건,송민섭_특허.pptx
@@ -5,7 +5,7 @@
     <p:sldMasterId id="2147483648" r:id="rId1"/>
   </p:sldMasterIdLst>
   <p:notesMasterIdLst>
-    <p:notesMasterId r:id="rId18"/>
+    <p:notesMasterId r:id="rId16"/>
   </p:notesMasterIdLst>
   <p:sldIdLst>
     <p:sldId id="258" r:id="rId2"/>
@@ -14,16 +14,14 @@
     <p:sldId id="271" r:id="rId5"/>
     <p:sldId id="272" r:id="rId6"/>
     <p:sldId id="273" r:id="rId7"/>
-    <p:sldId id="275" r:id="rId8"/>
-    <p:sldId id="265" r:id="rId9"/>
-    <p:sldId id="267" r:id="rId10"/>
-    <p:sldId id="256" r:id="rId11"/>
-    <p:sldId id="276" r:id="rId12"/>
-    <p:sldId id="268" r:id="rId13"/>
-    <p:sldId id="269" r:id="rId14"/>
-    <p:sldId id="274" r:id="rId15"/>
-    <p:sldId id="277" r:id="rId16"/>
-    <p:sldId id="278" r:id="rId17"/>
+    <p:sldId id="265" r:id="rId8"/>
+    <p:sldId id="267" r:id="rId9"/>
+    <p:sldId id="256" r:id="rId10"/>
+    <p:sldId id="268" r:id="rId11"/>
+    <p:sldId id="269" r:id="rId12"/>
+    <p:sldId id="274" r:id="rId13"/>
+    <p:sldId id="277" r:id="rId14"/>
+    <p:sldId id="278" r:id="rId15"/>
   </p:sldIdLst>
   <p:sldSz cx="12192000" cy="6858000"/>
   <p:notesSz cx="6858000" cy="9144000"/>
@@ -3725,7 +3723,7 @@
             <a:r>
               <a:rPr lang="en-US" altLang="ko-KR" sz="3000" b="1" dirty="0">
                 <a:latin typeface="Noto Sans" panose="020B0502040504020204" pitchFamily="34" charset="0"/>
-                <a:ea typeface="Noto Sans" panose="020B0502040504020204" pitchFamily="34" charset="0"/>
+                <a:ea typeface="KoPubWorld돋움체 Medium" panose="00000600000000000000"/>
                 <a:cs typeface="Noto Sans" panose="020B0502040504020204" pitchFamily="34" charset="0"/>
               </a:rPr>
               <a:t>SQL </a:t>
@@ -3733,7 +3731,7 @@
             <a:r>
               <a:rPr lang="ko-KR" altLang="en-US" sz="3000" b="1" dirty="0">
                 <a:latin typeface="Noto Sans" panose="020B0502040504020204" pitchFamily="34" charset="0"/>
-                <a:ea typeface="KoPubWorld돋움체 Medium" panose="00000600000000000000" pitchFamily="2" charset="-127"/>
+                <a:ea typeface="KoPubWorld돋움체 Medium" panose="00000600000000000000"/>
                 <a:cs typeface="Noto Sans" panose="020B0502040504020204" pitchFamily="34" charset="0"/>
               </a:rPr>
               <a:t>쿼리 자동 생성을 위한 자연어 질의 정제 및 표준화 시스템</a:t>
@@ -3741,7 +3739,7 @@
             <a:r>
               <a:rPr lang="en-US" altLang="ko-KR" sz="2000" b="1" dirty="0">
                 <a:latin typeface="Noto Sans" panose="020B0502040504020204" pitchFamily="34" charset="0"/>
-                <a:ea typeface="Noto Sans" panose="020B0502040504020204" pitchFamily="34" charset="0"/>
+                <a:ea typeface="KoPubWorld돋움체 Medium" panose="00000600000000000000"/>
                 <a:cs typeface="Noto Sans" panose="020B0502040504020204" pitchFamily="34" charset="0"/>
               </a:rPr>
               <a:t> </a:t>
@@ -3749,21 +3747,21 @@
             <a:br>
               <a:rPr lang="en-US" altLang="ko-KR" sz="2000" b="1" dirty="0">
                 <a:latin typeface="Noto Sans" panose="020B0502040504020204" pitchFamily="34" charset="0"/>
-                <a:ea typeface="Noto Sans" panose="020B0502040504020204" pitchFamily="34" charset="0"/>
+                <a:ea typeface="KoPubWorld돋움체 Medium" panose="00000600000000000000"/>
                 <a:cs typeface="Noto Sans" panose="020B0502040504020204" pitchFamily="34" charset="0"/>
               </a:rPr>
             </a:br>
             <a:r>
               <a:rPr lang="en-US" altLang="ko-KR" sz="1500" b="1" dirty="0">
                 <a:latin typeface="Noto Sans" panose="020B0502040504020204" pitchFamily="34" charset="0"/>
-                <a:ea typeface="Noto Sans" panose="020B0502040504020204" pitchFamily="34" charset="0"/>
+                <a:ea typeface="KoPubWorld돋움체 Medium" panose="00000600000000000000"/>
                 <a:cs typeface="Noto Sans" panose="020B0502040504020204" pitchFamily="34" charset="0"/>
               </a:rPr>
               <a:t>Natural language query refinement and standardization system for automatic generation of SQL query</a:t>
             </a:r>
             <a:endParaRPr lang="ko-KR" altLang="en-US" sz="1500" b="1" dirty="0">
               <a:latin typeface="Noto Sans" panose="020B0502040504020204" pitchFamily="34" charset="0"/>
-              <a:ea typeface="KoPubWorld돋움체 Medium" panose="00000600000000000000" pitchFamily="2" charset="-127"/>
+              <a:ea typeface="KoPubWorld돋움체 Medium" panose="00000600000000000000"/>
               <a:cs typeface="Noto Sans" panose="020B0502040504020204" pitchFamily="34" charset="0"/>
             </a:endParaRPr>
           </a:p>
@@ -3771,10 +3769,10 @@
       </p:sp>
       <p:sp>
         <p:nvSpPr>
-          <p:cNvPr id="6" name="TextBox 5">
-            <a:extLst>
-              <a:ext uri="{FF2B5EF4-FFF2-40B4-BE49-F238E27FC236}">
-                <a16:creationId xmlns:a16="http://schemas.microsoft.com/office/drawing/2014/main" id="{C2222754-EAC1-4970-B1B9-1639FA5F81EB}"/>
+          <p:cNvPr id="3" name="TextBox 2">
+            <a:extLst>
+              <a:ext uri="{FF2B5EF4-FFF2-40B4-BE49-F238E27FC236}">
+                <a16:creationId xmlns:a16="http://schemas.microsoft.com/office/drawing/2014/main" id="{C82C453B-0BB4-4087-B7B5-41E5EC825AFB}"/>
               </a:ext>
             </a:extLst>
           </p:cNvPr>
@@ -3783,8 +3781,8 @@
         </p:nvSpPr>
         <p:spPr>
           <a:xfrm>
-            <a:off x="11699631" y="6410326"/>
-            <a:ext cx="432460" cy="276999"/>
+            <a:off x="9686925" y="5648325"/>
+            <a:ext cx="1859805" cy="646331"/>
           </a:xfrm>
           <a:prstGeom prst="rect">
             <a:avLst/>
@@ -3792,49 +3790,6 @@
           <a:noFill/>
         </p:spPr>
         <p:txBody>
-          <a:bodyPr wrap="square" rtlCol="0">
-            <a:spAutoFit/>
-          </a:bodyPr>
-          <a:lstStyle/>
-          <a:p>
-            <a:r>
-              <a:rPr lang="en-US" altLang="ko-KR" sz="1200" b="1" dirty="0">
-                <a:latin typeface="Noto Sans" panose="020B0502040504020204" pitchFamily="34" charset="0"/>
-                <a:ea typeface="Noto Sans" panose="020B0502040504020204" pitchFamily="34" charset="0"/>
-                <a:cs typeface="Noto Sans" panose="020B0502040504020204" pitchFamily="34" charset="0"/>
-              </a:rPr>
-              <a:t>1</a:t>
-            </a:r>
-            <a:endParaRPr lang="ko-KR" altLang="en-US" sz="1200" b="1" dirty="0">
-              <a:latin typeface="Noto Sans" panose="020B0502040504020204" pitchFamily="34" charset="0"/>
-              <a:cs typeface="Noto Sans" panose="020B0502040504020204" pitchFamily="34" charset="0"/>
-            </a:endParaRPr>
-          </a:p>
-        </p:txBody>
-      </p:sp>
-      <p:sp>
-        <p:nvSpPr>
-          <p:cNvPr id="3" name="TextBox 2">
-            <a:extLst>
-              <a:ext uri="{FF2B5EF4-FFF2-40B4-BE49-F238E27FC236}">
-                <a16:creationId xmlns:a16="http://schemas.microsoft.com/office/drawing/2014/main" id="{C82C453B-0BB4-4087-B7B5-41E5EC825AFB}"/>
-              </a:ext>
-            </a:extLst>
-          </p:cNvPr>
-          <p:cNvSpPr txBox="1"/>
-          <p:nvPr/>
-        </p:nvSpPr>
-        <p:spPr>
-          <a:xfrm>
-            <a:off x="9686925" y="5648325"/>
-            <a:ext cx="1859805" cy="646331"/>
-          </a:xfrm>
-          <a:prstGeom prst="rect">
-            <a:avLst/>
-          </a:prstGeom>
-          <a:noFill/>
-        </p:spPr>
-        <p:txBody>
           <a:bodyPr wrap="none" rtlCol="0">
             <a:spAutoFit/>
           </a:bodyPr>
@@ -3843,14 +3798,14 @@
             <a:r>
               <a:rPr lang="ko-KR" altLang="en-US" dirty="0">
                 <a:latin typeface="Noto Sans" panose="020B0502040504020204" pitchFamily="34" charset="0"/>
-                <a:ea typeface="KoPubWorld돋움체 Medium" panose="00000600000000000000" pitchFamily="2" charset="-127"/>
+                <a:ea typeface="KoPubWorld돋움체 Medium" panose="00000600000000000000"/>
                 <a:cs typeface="Noto Sans" panose="020B0502040504020204" pitchFamily="34" charset="0"/>
               </a:rPr>
               <a:t>석사과정 송민섭</a:t>
             </a:r>
             <a:endParaRPr lang="en-US" altLang="ko-KR" dirty="0">
               <a:latin typeface="Noto Sans" panose="020B0502040504020204" pitchFamily="34" charset="0"/>
-              <a:ea typeface="Noto Sans" panose="020B0502040504020204" pitchFamily="34" charset="0"/>
+              <a:ea typeface="KoPubWorld돋움체 Medium" panose="00000600000000000000"/>
               <a:cs typeface="Noto Sans" panose="020B0502040504020204" pitchFamily="34" charset="0"/>
             </a:endParaRPr>
           </a:p>
@@ -3858,7 +3813,7 @@
             <a:r>
               <a:rPr lang="ko-KR" altLang="en-US" dirty="0">
                 <a:latin typeface="Noto Sans" panose="020B0502040504020204" pitchFamily="34" charset="0"/>
-                <a:ea typeface="KoPubWorld돋움체 Medium" panose="00000600000000000000" pitchFamily="2" charset="-127"/>
+                <a:ea typeface="KoPubWorld돋움체 Medium" panose="00000600000000000000"/>
                 <a:cs typeface="Noto Sans" panose="020B0502040504020204" pitchFamily="34" charset="0"/>
               </a:rPr>
               <a:t>석사과정 이승건</a:t>
@@ -3880,1500 +3835,6 @@
 </file>
 
 <file path=ppt/slides/slide10.xml><?xml version="1.0" encoding="utf-8"?>
-<p:sld xmlns:a="http://schemas.openxmlformats.org/drawingml/2006/main" xmlns:r="http://schemas.openxmlformats.org/officeDocument/2006/relationships" xmlns:p="http://schemas.openxmlformats.org/presentationml/2006/main">
-  <p:cSld>
-    <p:spTree>
-      <p:nvGrpSpPr>
-        <p:cNvPr id="1" name=""/>
-        <p:cNvGrpSpPr/>
-        <p:nvPr/>
-      </p:nvGrpSpPr>
-      <p:grpSpPr>
-        <a:xfrm>
-          <a:off x="0" y="0"/>
-          <a:ext cx="0" cy="0"/>
-          <a:chOff x="0" y="0"/>
-          <a:chExt cx="0" cy="0"/>
-        </a:xfrm>
-      </p:grpSpPr>
-      <p:sp>
-        <p:nvSpPr>
-          <p:cNvPr id="11" name="순서도: 자기 디스크 10">
-            <a:extLst>
-              <a:ext uri="{FF2B5EF4-FFF2-40B4-BE49-F238E27FC236}">
-                <a16:creationId xmlns:a16="http://schemas.microsoft.com/office/drawing/2014/main" id="{3C41BC82-4371-B842-F76D-67053839BD88}"/>
-              </a:ext>
-            </a:extLst>
-          </p:cNvPr>
-          <p:cNvSpPr/>
-          <p:nvPr/>
-        </p:nvSpPr>
-        <p:spPr>
-          <a:xfrm>
-            <a:off x="1986103" y="4924739"/>
-            <a:ext cx="1386373" cy="736441"/>
-          </a:xfrm>
-          <a:prstGeom prst="flowChartMagneticDisk">
-            <a:avLst/>
-          </a:prstGeom>
-          <a:noFill/>
-          <a:effectLst>
-            <a:outerShdw blurRad="1270000" dist="50800" dir="5400000" algn="ctr" rotWithShape="0">
-              <a:srgbClr val="000000">
-                <a:alpha val="43137"/>
-              </a:srgbClr>
-            </a:outerShdw>
-          </a:effectLst>
-        </p:spPr>
-        <p:style>
-          <a:lnRef idx="2">
-            <a:schemeClr val="accent1">
-              <a:shade val="15000"/>
-            </a:schemeClr>
-          </a:lnRef>
-          <a:fillRef idx="1">
-            <a:schemeClr val="accent1"/>
-          </a:fillRef>
-          <a:effectRef idx="0">
-            <a:schemeClr val="accent1"/>
-          </a:effectRef>
-          <a:fontRef idx="minor">
-            <a:schemeClr val="lt1"/>
-          </a:fontRef>
-        </p:style>
-        <p:txBody>
-          <a:bodyPr rtlCol="0" anchor="ctr"/>
-          <a:lstStyle/>
-          <a:p>
-            <a:pPr algn="ctr"/>
-            <a:r>
-              <a:rPr lang="ko-KR" altLang="en-US" sz="1000" i="1" dirty="0">
-                <a:solidFill>
-                  <a:schemeClr val="tx1"/>
-                </a:solidFill>
-                <a:latin typeface="Noto Sans" panose="020B0502040504020204" pitchFamily="34" charset="0"/>
-                <a:cs typeface="Noto Sans" panose="020B0502040504020204" pitchFamily="34" charset="0"/>
-              </a:rPr>
-              <a:t>표준 질의문장</a:t>
-            </a:r>
-            <a:endParaRPr lang="en-US" altLang="ko-KR" sz="1000" i="1" dirty="0">
-              <a:solidFill>
-                <a:schemeClr val="tx1"/>
-              </a:solidFill>
-              <a:latin typeface="Noto Sans" panose="020B0502040504020204" pitchFamily="34" charset="0"/>
-              <a:ea typeface="Noto Sans" panose="020B0502040504020204" pitchFamily="34" charset="0"/>
-              <a:cs typeface="Noto Sans" panose="020B0502040504020204" pitchFamily="34" charset="0"/>
-            </a:endParaRPr>
-          </a:p>
-          <a:p>
-            <a:pPr algn="ctr"/>
-            <a:r>
-              <a:rPr lang="ko-KR" altLang="en-US" sz="1000" i="1" dirty="0">
-                <a:solidFill>
-                  <a:schemeClr val="tx1"/>
-                </a:solidFill>
-                <a:latin typeface="Noto Sans" panose="020B0502040504020204" pitchFamily="34" charset="0"/>
-                <a:cs typeface="Noto Sans" panose="020B0502040504020204" pitchFamily="34" charset="0"/>
-              </a:rPr>
-              <a:t>데이터셋 </a:t>
-            </a:r>
-            <a:endParaRPr lang="en-US" altLang="ko-KR" sz="1000" i="1" dirty="0">
-              <a:solidFill>
-                <a:schemeClr val="tx1"/>
-              </a:solidFill>
-              <a:latin typeface="Noto Sans" panose="020B0502040504020204" pitchFamily="34" charset="0"/>
-              <a:ea typeface="Noto Sans" panose="020B0502040504020204" pitchFamily="34" charset="0"/>
-              <a:cs typeface="Noto Sans" panose="020B0502040504020204" pitchFamily="34" charset="0"/>
-            </a:endParaRPr>
-          </a:p>
-        </p:txBody>
-      </p:sp>
-      <p:sp>
-        <p:nvSpPr>
-          <p:cNvPr id="3" name="순서도: 자기 디스크 2">
-            <a:extLst>
-              <a:ext uri="{FF2B5EF4-FFF2-40B4-BE49-F238E27FC236}">
-                <a16:creationId xmlns:a16="http://schemas.microsoft.com/office/drawing/2014/main" id="{67497B06-66A1-DC3C-F43C-27DEF43DF924}"/>
-              </a:ext>
-            </a:extLst>
-          </p:cNvPr>
-          <p:cNvSpPr/>
-          <p:nvPr/>
-        </p:nvSpPr>
-        <p:spPr>
-          <a:xfrm>
-            <a:off x="9176036" y="1312463"/>
-            <a:ext cx="1386373" cy="736441"/>
-          </a:xfrm>
-          <a:prstGeom prst="flowChartMagneticDisk">
-            <a:avLst/>
-          </a:prstGeom>
-          <a:noFill/>
-          <a:effectLst>
-            <a:outerShdw blurRad="1270000" dist="50800" dir="5400000" algn="ctr" rotWithShape="0">
-              <a:srgbClr val="000000">
-                <a:alpha val="43137"/>
-              </a:srgbClr>
-            </a:outerShdw>
-          </a:effectLst>
-        </p:spPr>
-        <p:style>
-          <a:lnRef idx="2">
-            <a:schemeClr val="accent1">
-              <a:shade val="15000"/>
-            </a:schemeClr>
-          </a:lnRef>
-          <a:fillRef idx="1">
-            <a:schemeClr val="accent1"/>
-          </a:fillRef>
-          <a:effectRef idx="0">
-            <a:schemeClr val="accent1"/>
-          </a:effectRef>
-          <a:fontRef idx="minor">
-            <a:schemeClr val="lt1"/>
-          </a:fontRef>
-        </p:style>
-        <p:txBody>
-          <a:bodyPr rtlCol="0" anchor="ctr"/>
-          <a:lstStyle/>
-          <a:p>
-            <a:pPr algn="ctr"/>
-            <a:r>
-              <a:rPr lang="ko-KR" altLang="en-US" sz="1200" i="1" dirty="0">
-                <a:solidFill>
-                  <a:schemeClr val="tx1"/>
-                </a:solidFill>
-                <a:latin typeface="Noto Sans" panose="020B0502040504020204" pitchFamily="34" charset="0"/>
-                <a:cs typeface="Noto Sans" panose="020B0502040504020204" pitchFamily="34" charset="0"/>
-              </a:rPr>
-              <a:t>비표준 질의문장 </a:t>
-            </a:r>
-            <a:endParaRPr lang="en-US" altLang="ko-KR" sz="1200" i="1" dirty="0">
-              <a:solidFill>
-                <a:schemeClr val="tx1"/>
-              </a:solidFill>
-              <a:latin typeface="Noto Sans" panose="020B0502040504020204" pitchFamily="34" charset="0"/>
-              <a:ea typeface="Noto Sans" panose="020B0502040504020204" pitchFamily="34" charset="0"/>
-              <a:cs typeface="Noto Sans" panose="020B0502040504020204" pitchFamily="34" charset="0"/>
-            </a:endParaRPr>
-          </a:p>
-        </p:txBody>
-      </p:sp>
-      <p:cxnSp>
-        <p:nvCxnSpPr>
-          <p:cNvPr id="19" name="직선 화살표 연결선 18">
-            <a:extLst>
-              <a:ext uri="{FF2B5EF4-FFF2-40B4-BE49-F238E27FC236}">
-                <a16:creationId xmlns:a16="http://schemas.microsoft.com/office/drawing/2014/main" id="{E639758F-ADBF-9FB9-C5C2-0C000C1B0DF7}"/>
-              </a:ext>
-            </a:extLst>
-          </p:cNvPr>
-          <p:cNvCxnSpPr>
-            <a:cxnSpLocks/>
-          </p:cNvCxnSpPr>
-          <p:nvPr/>
-        </p:nvCxnSpPr>
-        <p:spPr>
-          <a:xfrm flipV="1">
-            <a:off x="2679290" y="4147429"/>
-            <a:ext cx="0" cy="336590"/>
-          </a:xfrm>
-          <a:prstGeom prst="straightConnector1">
-            <a:avLst/>
-          </a:prstGeom>
-          <a:ln>
-            <a:tailEnd type="triangle"/>
-          </a:ln>
-        </p:spPr>
-        <p:style>
-          <a:lnRef idx="1">
-            <a:schemeClr val="dk1"/>
-          </a:lnRef>
-          <a:fillRef idx="0">
-            <a:schemeClr val="dk1"/>
-          </a:fillRef>
-          <a:effectRef idx="0">
-            <a:schemeClr val="dk1"/>
-          </a:effectRef>
-          <a:fontRef idx="minor">
-            <a:schemeClr val="tx1"/>
-          </a:fontRef>
-        </p:style>
-      </p:cxnSp>
-      <p:sp>
-        <p:nvSpPr>
-          <p:cNvPr id="34" name="직사각형 33">
-            <a:extLst>
-              <a:ext uri="{FF2B5EF4-FFF2-40B4-BE49-F238E27FC236}">
-                <a16:creationId xmlns:a16="http://schemas.microsoft.com/office/drawing/2014/main" id="{B1DADC86-AD6D-72E2-3E7B-A53FF1720575}"/>
-              </a:ext>
-            </a:extLst>
-          </p:cNvPr>
-          <p:cNvSpPr/>
-          <p:nvPr/>
-        </p:nvSpPr>
-        <p:spPr>
-          <a:xfrm>
-            <a:off x="4892781" y="2949651"/>
-            <a:ext cx="2132307" cy="888603"/>
-          </a:xfrm>
-          <a:prstGeom prst="rect">
-            <a:avLst/>
-          </a:prstGeom>
-          <a:noFill/>
-          <a:effectLst>
-            <a:outerShdw blurRad="1270000" dist="50800" dir="5400000" algn="ctr" rotWithShape="0">
-              <a:srgbClr val="000000">
-                <a:alpha val="43137"/>
-              </a:srgbClr>
-            </a:outerShdw>
-          </a:effectLst>
-        </p:spPr>
-        <p:style>
-          <a:lnRef idx="2">
-            <a:schemeClr val="accent1">
-              <a:shade val="15000"/>
-            </a:schemeClr>
-          </a:lnRef>
-          <a:fillRef idx="1">
-            <a:schemeClr val="accent1"/>
-          </a:fillRef>
-          <a:effectRef idx="0">
-            <a:schemeClr val="accent1"/>
-          </a:effectRef>
-          <a:fontRef idx="minor">
-            <a:schemeClr val="lt1"/>
-          </a:fontRef>
-        </p:style>
-        <p:txBody>
-          <a:bodyPr rtlCol="0" anchor="ctr"/>
-          <a:lstStyle/>
-          <a:p>
-            <a:pPr algn="ctr"/>
-            <a:r>
-              <a:rPr lang="en-US" altLang="ko-KR" sz="1500" dirty="0">
-                <a:solidFill>
-                  <a:schemeClr val="tx1"/>
-                </a:solidFill>
-                <a:latin typeface="Noto Sans" panose="020B0502040504020204" pitchFamily="34" charset="0"/>
-                <a:ea typeface="Noto Sans" panose="020B0502040504020204" pitchFamily="34" charset="0"/>
-                <a:cs typeface="Noto Sans" panose="020B0502040504020204" pitchFamily="34" charset="0"/>
-              </a:rPr>
-              <a:t>sql2text</a:t>
-            </a:r>
-            <a:endParaRPr lang="ko-KR" altLang="en-US" sz="1500" dirty="0">
-              <a:solidFill>
-                <a:schemeClr val="tx1"/>
-              </a:solidFill>
-              <a:latin typeface="Noto Sans" panose="020B0502040504020204" pitchFamily="34" charset="0"/>
-              <a:cs typeface="Noto Sans" panose="020B0502040504020204" pitchFamily="34" charset="0"/>
-            </a:endParaRPr>
-          </a:p>
-        </p:txBody>
-      </p:sp>
-      <p:sp>
-        <p:nvSpPr>
-          <p:cNvPr id="35" name="순서도: 문서 34">
-            <a:extLst>
-              <a:ext uri="{FF2B5EF4-FFF2-40B4-BE49-F238E27FC236}">
-                <a16:creationId xmlns:a16="http://schemas.microsoft.com/office/drawing/2014/main" id="{0D21D022-88ED-151F-D344-CE842BBABE08}"/>
-              </a:ext>
-            </a:extLst>
-          </p:cNvPr>
-          <p:cNvSpPr/>
-          <p:nvPr/>
-        </p:nvSpPr>
-        <p:spPr>
-          <a:xfrm>
-            <a:off x="8912501" y="2530731"/>
-            <a:ext cx="2138913" cy="888602"/>
-          </a:xfrm>
-          <a:prstGeom prst="flowChartDocument">
-            <a:avLst/>
-          </a:prstGeom>
-          <a:solidFill>
-            <a:schemeClr val="bg1"/>
-          </a:solidFill>
-          <a:effectLst>
-            <a:outerShdw blurRad="127000" dist="50800" dir="5400000" algn="ctr" rotWithShape="0">
-              <a:srgbClr val="000000">
-                <a:alpha val="50000"/>
-              </a:srgbClr>
-            </a:outerShdw>
-          </a:effectLst>
-        </p:spPr>
-        <p:style>
-          <a:lnRef idx="2">
-            <a:schemeClr val="accent1">
-              <a:shade val="15000"/>
-            </a:schemeClr>
-          </a:lnRef>
-          <a:fillRef idx="1">
-            <a:schemeClr val="accent1"/>
-          </a:fillRef>
-          <a:effectRef idx="0">
-            <a:schemeClr val="accent1"/>
-          </a:effectRef>
-          <a:fontRef idx="minor">
-            <a:schemeClr val="lt1"/>
-          </a:fontRef>
-        </p:style>
-        <p:txBody>
-          <a:bodyPr rtlCol="0" anchor="ctr"/>
-          <a:lstStyle/>
-          <a:p>
-            <a:pPr algn="ctr"/>
-            <a:endParaRPr lang="ko-KR" altLang="en-US" dirty="0">
-              <a:latin typeface="Noto Sans" panose="020B0502040504020204" pitchFamily="34" charset="0"/>
-              <a:cs typeface="Noto Sans" panose="020B0502040504020204" pitchFamily="34" charset="0"/>
-            </a:endParaRPr>
-          </a:p>
-        </p:txBody>
-      </p:sp>
-      <p:sp>
-        <p:nvSpPr>
-          <p:cNvPr id="36" name="순서도: 문서 35">
-            <a:extLst>
-              <a:ext uri="{FF2B5EF4-FFF2-40B4-BE49-F238E27FC236}">
-                <a16:creationId xmlns:a16="http://schemas.microsoft.com/office/drawing/2014/main" id="{76A233EB-66A2-5EF0-D792-14FB5EB9ADAB}"/>
-              </a:ext>
-            </a:extLst>
-          </p:cNvPr>
-          <p:cNvSpPr/>
-          <p:nvPr/>
-        </p:nvSpPr>
-        <p:spPr>
-          <a:xfrm>
-            <a:off x="8840614" y="2567943"/>
-            <a:ext cx="2138913" cy="888602"/>
-          </a:xfrm>
-          <a:prstGeom prst="flowChartDocument">
-            <a:avLst/>
-          </a:prstGeom>
-          <a:solidFill>
-            <a:schemeClr val="bg1"/>
-          </a:solidFill>
-          <a:effectLst>
-            <a:outerShdw blurRad="127000" dist="50800" dir="5400000" algn="ctr" rotWithShape="0">
-              <a:srgbClr val="000000">
-                <a:alpha val="50000"/>
-              </a:srgbClr>
-            </a:outerShdw>
-          </a:effectLst>
-        </p:spPr>
-        <p:style>
-          <a:lnRef idx="2">
-            <a:schemeClr val="accent1">
-              <a:shade val="15000"/>
-            </a:schemeClr>
-          </a:lnRef>
-          <a:fillRef idx="1">
-            <a:schemeClr val="accent1"/>
-          </a:fillRef>
-          <a:effectRef idx="0">
-            <a:schemeClr val="accent1"/>
-          </a:effectRef>
-          <a:fontRef idx="minor">
-            <a:schemeClr val="lt1"/>
-          </a:fontRef>
-        </p:style>
-        <p:txBody>
-          <a:bodyPr rtlCol="0" anchor="ctr"/>
-          <a:lstStyle/>
-          <a:p>
-            <a:pPr algn="ctr"/>
-            <a:endParaRPr lang="ko-KR" altLang="en-US" dirty="0">
-              <a:latin typeface="Noto Sans" panose="020B0502040504020204" pitchFamily="34" charset="0"/>
-              <a:cs typeface="Noto Sans" panose="020B0502040504020204" pitchFamily="34" charset="0"/>
-            </a:endParaRPr>
-          </a:p>
-        </p:txBody>
-      </p:sp>
-      <p:sp>
-        <p:nvSpPr>
-          <p:cNvPr id="37" name="순서도: 문서 36">
-            <a:extLst>
-              <a:ext uri="{FF2B5EF4-FFF2-40B4-BE49-F238E27FC236}">
-                <a16:creationId xmlns:a16="http://schemas.microsoft.com/office/drawing/2014/main" id="{7DDC720E-36DE-0409-308A-34206AD37E19}"/>
-              </a:ext>
-            </a:extLst>
-          </p:cNvPr>
-          <p:cNvSpPr/>
-          <p:nvPr/>
-        </p:nvSpPr>
-        <p:spPr>
-          <a:xfrm>
-            <a:off x="8768727" y="2619983"/>
-            <a:ext cx="2138913" cy="888602"/>
-          </a:xfrm>
-          <a:prstGeom prst="flowChartDocument">
-            <a:avLst/>
-          </a:prstGeom>
-          <a:solidFill>
-            <a:schemeClr val="bg1"/>
-          </a:solidFill>
-          <a:effectLst>
-            <a:outerShdw blurRad="127000" dist="50800" dir="5400000" algn="ctr" rotWithShape="0">
-              <a:srgbClr val="000000">
-                <a:alpha val="50000"/>
-              </a:srgbClr>
-            </a:outerShdw>
-          </a:effectLst>
-        </p:spPr>
-        <p:style>
-          <a:lnRef idx="2">
-            <a:schemeClr val="accent1">
-              <a:shade val="15000"/>
-            </a:schemeClr>
-          </a:lnRef>
-          <a:fillRef idx="1">
-            <a:schemeClr val="accent1"/>
-          </a:fillRef>
-          <a:effectRef idx="0">
-            <a:schemeClr val="accent1"/>
-          </a:effectRef>
-          <a:fontRef idx="minor">
-            <a:schemeClr val="lt1"/>
-          </a:fontRef>
-        </p:style>
-        <p:txBody>
-          <a:bodyPr rtlCol="0" anchor="ctr"/>
-          <a:lstStyle/>
-          <a:p>
-            <a:pPr algn="ctr"/>
-            <a:endParaRPr lang="ko-KR" altLang="en-US" dirty="0">
-              <a:latin typeface="Noto Sans" panose="020B0502040504020204" pitchFamily="34" charset="0"/>
-              <a:cs typeface="Noto Sans" panose="020B0502040504020204" pitchFamily="34" charset="0"/>
-            </a:endParaRPr>
-          </a:p>
-        </p:txBody>
-      </p:sp>
-      <p:sp>
-        <p:nvSpPr>
-          <p:cNvPr id="38" name="순서도: 문서 37">
-            <a:extLst>
-              <a:ext uri="{FF2B5EF4-FFF2-40B4-BE49-F238E27FC236}">
-                <a16:creationId xmlns:a16="http://schemas.microsoft.com/office/drawing/2014/main" id="{B995F21A-CB1B-C02D-0B96-509F9190E921}"/>
-              </a:ext>
-            </a:extLst>
-          </p:cNvPr>
-          <p:cNvSpPr/>
-          <p:nvPr/>
-        </p:nvSpPr>
-        <p:spPr>
-          <a:xfrm>
-            <a:off x="8696840" y="2672023"/>
-            <a:ext cx="2138913" cy="888602"/>
-          </a:xfrm>
-          <a:prstGeom prst="flowChartDocument">
-            <a:avLst/>
-          </a:prstGeom>
-          <a:solidFill>
-            <a:schemeClr val="bg1"/>
-          </a:solidFill>
-          <a:effectLst>
-            <a:outerShdw blurRad="127000" dist="50800" dir="5400000" algn="ctr" rotWithShape="0">
-              <a:srgbClr val="000000">
-                <a:alpha val="50000"/>
-              </a:srgbClr>
-            </a:outerShdw>
-          </a:effectLst>
-        </p:spPr>
-        <p:style>
-          <a:lnRef idx="2">
-            <a:schemeClr val="accent1">
-              <a:shade val="15000"/>
-            </a:schemeClr>
-          </a:lnRef>
-          <a:fillRef idx="1">
-            <a:schemeClr val="accent1"/>
-          </a:fillRef>
-          <a:effectRef idx="0">
-            <a:schemeClr val="accent1"/>
-          </a:effectRef>
-          <a:fontRef idx="minor">
-            <a:schemeClr val="lt1"/>
-          </a:fontRef>
-        </p:style>
-        <p:txBody>
-          <a:bodyPr rtlCol="0" anchor="ctr"/>
-          <a:lstStyle/>
-          <a:p>
-            <a:pPr algn="ctr"/>
-            <a:endParaRPr lang="ko-KR" altLang="en-US" dirty="0">
-              <a:latin typeface="Noto Sans" panose="020B0502040504020204" pitchFamily="34" charset="0"/>
-              <a:cs typeface="Noto Sans" panose="020B0502040504020204" pitchFamily="34" charset="0"/>
-            </a:endParaRPr>
-          </a:p>
-        </p:txBody>
-      </p:sp>
-      <p:sp>
-        <p:nvSpPr>
-          <p:cNvPr id="39" name="순서도: 문서 38">
-            <a:extLst>
-              <a:ext uri="{FF2B5EF4-FFF2-40B4-BE49-F238E27FC236}">
-                <a16:creationId xmlns:a16="http://schemas.microsoft.com/office/drawing/2014/main" id="{EE82F94E-E8B9-D6B5-6CB8-381DA255BD9E}"/>
-              </a:ext>
-            </a:extLst>
-          </p:cNvPr>
-          <p:cNvSpPr/>
-          <p:nvPr/>
-        </p:nvSpPr>
-        <p:spPr>
-          <a:xfrm>
-            <a:off x="8632055" y="2710198"/>
-            <a:ext cx="2138913" cy="888602"/>
-          </a:xfrm>
-          <a:prstGeom prst="flowChartDocument">
-            <a:avLst/>
-          </a:prstGeom>
-          <a:solidFill>
-            <a:schemeClr val="bg1"/>
-          </a:solidFill>
-          <a:effectLst>
-            <a:outerShdw blurRad="127000" dist="50800" dir="5400000" algn="ctr" rotWithShape="0">
-              <a:srgbClr val="000000">
-                <a:alpha val="50000"/>
-              </a:srgbClr>
-            </a:outerShdw>
-          </a:effectLst>
-        </p:spPr>
-        <p:style>
-          <a:lnRef idx="2">
-            <a:schemeClr val="accent1">
-              <a:shade val="15000"/>
-            </a:schemeClr>
-          </a:lnRef>
-          <a:fillRef idx="1">
-            <a:schemeClr val="accent1"/>
-          </a:fillRef>
-          <a:effectRef idx="0">
-            <a:schemeClr val="accent1"/>
-          </a:effectRef>
-          <a:fontRef idx="minor">
-            <a:schemeClr val="lt1"/>
-          </a:fontRef>
-        </p:style>
-        <p:txBody>
-          <a:bodyPr rtlCol="0" anchor="ctr"/>
-          <a:lstStyle/>
-          <a:p>
-            <a:pPr algn="ctr"/>
-            <a:endParaRPr lang="ko-KR" altLang="en-US" dirty="0">
-              <a:latin typeface="Noto Sans" panose="020B0502040504020204" pitchFamily="34" charset="0"/>
-              <a:cs typeface="Noto Sans" panose="020B0502040504020204" pitchFamily="34" charset="0"/>
-            </a:endParaRPr>
-          </a:p>
-        </p:txBody>
-      </p:sp>
-      <p:sp>
-        <p:nvSpPr>
-          <p:cNvPr id="40" name="순서도: 문서 39">
-            <a:extLst>
-              <a:ext uri="{FF2B5EF4-FFF2-40B4-BE49-F238E27FC236}">
-                <a16:creationId xmlns:a16="http://schemas.microsoft.com/office/drawing/2014/main" id="{8402F7EB-782F-02DF-D1B3-1A82CC74EC16}"/>
-              </a:ext>
-            </a:extLst>
-          </p:cNvPr>
-          <p:cNvSpPr/>
-          <p:nvPr/>
-        </p:nvSpPr>
-        <p:spPr>
-          <a:xfrm>
-            <a:off x="8560168" y="2747410"/>
-            <a:ext cx="2138913" cy="888602"/>
-          </a:xfrm>
-          <a:prstGeom prst="flowChartDocument">
-            <a:avLst/>
-          </a:prstGeom>
-          <a:solidFill>
-            <a:schemeClr val="bg1"/>
-          </a:solidFill>
-          <a:effectLst>
-            <a:outerShdw blurRad="127000" dist="50800" dir="5400000" algn="ctr" rotWithShape="0">
-              <a:srgbClr val="000000">
-                <a:alpha val="50000"/>
-              </a:srgbClr>
-            </a:outerShdw>
-          </a:effectLst>
-        </p:spPr>
-        <p:style>
-          <a:lnRef idx="2">
-            <a:schemeClr val="accent1">
-              <a:shade val="15000"/>
-            </a:schemeClr>
-          </a:lnRef>
-          <a:fillRef idx="1">
-            <a:schemeClr val="accent1"/>
-          </a:fillRef>
-          <a:effectRef idx="0">
-            <a:schemeClr val="accent1"/>
-          </a:effectRef>
-          <a:fontRef idx="minor">
-            <a:schemeClr val="lt1"/>
-          </a:fontRef>
-        </p:style>
-        <p:txBody>
-          <a:bodyPr rtlCol="0" anchor="ctr"/>
-          <a:lstStyle/>
-          <a:p>
-            <a:pPr algn="ctr"/>
-            <a:endParaRPr lang="ko-KR" altLang="en-US" dirty="0">
-              <a:latin typeface="Noto Sans" panose="020B0502040504020204" pitchFamily="34" charset="0"/>
-              <a:cs typeface="Noto Sans" panose="020B0502040504020204" pitchFamily="34" charset="0"/>
-            </a:endParaRPr>
-          </a:p>
-        </p:txBody>
-      </p:sp>
-      <p:sp>
-        <p:nvSpPr>
-          <p:cNvPr id="41" name="순서도: 문서 40">
-            <a:extLst>
-              <a:ext uri="{FF2B5EF4-FFF2-40B4-BE49-F238E27FC236}">
-                <a16:creationId xmlns:a16="http://schemas.microsoft.com/office/drawing/2014/main" id="{BE413858-D913-AD30-D734-3221282C938B}"/>
-              </a:ext>
-            </a:extLst>
-          </p:cNvPr>
-          <p:cNvSpPr/>
-          <p:nvPr/>
-        </p:nvSpPr>
-        <p:spPr>
-          <a:xfrm>
-            <a:off x="8488281" y="2799450"/>
-            <a:ext cx="2138913" cy="888602"/>
-          </a:xfrm>
-          <a:prstGeom prst="flowChartDocument">
-            <a:avLst/>
-          </a:prstGeom>
-          <a:solidFill>
-            <a:schemeClr val="bg1"/>
-          </a:solidFill>
-          <a:effectLst>
-            <a:outerShdw blurRad="127000" dist="50800" dir="5400000" algn="ctr" rotWithShape="0">
-              <a:srgbClr val="000000">
-                <a:alpha val="50000"/>
-              </a:srgbClr>
-            </a:outerShdw>
-          </a:effectLst>
-        </p:spPr>
-        <p:style>
-          <a:lnRef idx="2">
-            <a:schemeClr val="accent1">
-              <a:shade val="15000"/>
-            </a:schemeClr>
-          </a:lnRef>
-          <a:fillRef idx="1">
-            <a:schemeClr val="accent1"/>
-          </a:fillRef>
-          <a:effectRef idx="0">
-            <a:schemeClr val="accent1"/>
-          </a:effectRef>
-          <a:fontRef idx="minor">
-            <a:schemeClr val="lt1"/>
-          </a:fontRef>
-        </p:style>
-        <p:txBody>
-          <a:bodyPr rtlCol="0" anchor="ctr"/>
-          <a:lstStyle/>
-          <a:p>
-            <a:pPr algn="ctr"/>
-            <a:endParaRPr lang="ko-KR" altLang="en-US" dirty="0">
-              <a:latin typeface="Noto Sans" panose="020B0502040504020204" pitchFamily="34" charset="0"/>
-              <a:cs typeface="Noto Sans" panose="020B0502040504020204" pitchFamily="34" charset="0"/>
-            </a:endParaRPr>
-          </a:p>
-        </p:txBody>
-      </p:sp>
-      <p:sp>
-        <p:nvSpPr>
-          <p:cNvPr id="42" name="순서도: 문서 41">
-            <a:extLst>
-              <a:ext uri="{FF2B5EF4-FFF2-40B4-BE49-F238E27FC236}">
-                <a16:creationId xmlns:a16="http://schemas.microsoft.com/office/drawing/2014/main" id="{1D05AF93-C143-75BA-0545-D7340B9CB820}"/>
-              </a:ext>
-            </a:extLst>
-          </p:cNvPr>
-          <p:cNvSpPr/>
-          <p:nvPr/>
-        </p:nvSpPr>
-        <p:spPr>
-          <a:xfrm>
-            <a:off x="8423496" y="2851490"/>
-            <a:ext cx="2138913" cy="888602"/>
-          </a:xfrm>
-          <a:prstGeom prst="flowChartDocument">
-            <a:avLst/>
-          </a:prstGeom>
-          <a:solidFill>
-            <a:schemeClr val="bg1"/>
-          </a:solidFill>
-          <a:effectLst>
-            <a:outerShdw blurRad="127000" dist="50800" dir="5400000" algn="ctr" rotWithShape="0">
-              <a:srgbClr val="000000">
-                <a:alpha val="50000"/>
-              </a:srgbClr>
-            </a:outerShdw>
-          </a:effectLst>
-        </p:spPr>
-        <p:style>
-          <a:lnRef idx="2">
-            <a:schemeClr val="accent1">
-              <a:shade val="15000"/>
-            </a:schemeClr>
-          </a:lnRef>
-          <a:fillRef idx="1">
-            <a:schemeClr val="accent1"/>
-          </a:fillRef>
-          <a:effectRef idx="0">
-            <a:schemeClr val="accent1"/>
-          </a:effectRef>
-          <a:fontRef idx="minor">
-            <a:schemeClr val="lt1"/>
-          </a:fontRef>
-        </p:style>
-        <p:txBody>
-          <a:bodyPr rtlCol="0" anchor="ctr"/>
-          <a:lstStyle/>
-          <a:p>
-            <a:pPr algn="ctr"/>
-            <a:endParaRPr lang="ko-KR" altLang="en-US" dirty="0">
-              <a:latin typeface="Noto Sans" panose="020B0502040504020204" pitchFamily="34" charset="0"/>
-              <a:cs typeface="Noto Sans" panose="020B0502040504020204" pitchFamily="34" charset="0"/>
-            </a:endParaRPr>
-          </a:p>
-        </p:txBody>
-      </p:sp>
-      <p:sp>
-        <p:nvSpPr>
-          <p:cNvPr id="43" name="순서도: 문서 42">
-            <a:extLst>
-              <a:ext uri="{FF2B5EF4-FFF2-40B4-BE49-F238E27FC236}">
-                <a16:creationId xmlns:a16="http://schemas.microsoft.com/office/drawing/2014/main" id="{579E26CE-8CFE-E0C8-23DF-46347AB3FAAA}"/>
-              </a:ext>
-            </a:extLst>
-          </p:cNvPr>
-          <p:cNvSpPr/>
-          <p:nvPr/>
-        </p:nvSpPr>
-        <p:spPr>
-          <a:xfrm>
-            <a:off x="8358711" y="2913829"/>
-            <a:ext cx="2138913" cy="888602"/>
-          </a:xfrm>
-          <a:prstGeom prst="flowChartDocument">
-            <a:avLst/>
-          </a:prstGeom>
-          <a:solidFill>
-            <a:schemeClr val="bg1"/>
-          </a:solidFill>
-          <a:effectLst>
-            <a:outerShdw blurRad="127000" dist="50800" dir="5400000" algn="ctr" rotWithShape="0">
-              <a:srgbClr val="000000">
-                <a:alpha val="50000"/>
-              </a:srgbClr>
-            </a:outerShdw>
-          </a:effectLst>
-        </p:spPr>
-        <p:style>
-          <a:lnRef idx="2">
-            <a:schemeClr val="accent1">
-              <a:shade val="15000"/>
-            </a:schemeClr>
-          </a:lnRef>
-          <a:fillRef idx="1">
-            <a:schemeClr val="accent1"/>
-          </a:fillRef>
-          <a:effectRef idx="0">
-            <a:schemeClr val="accent1"/>
-          </a:effectRef>
-          <a:fontRef idx="minor">
-            <a:schemeClr val="lt1"/>
-          </a:fontRef>
-        </p:style>
-        <p:txBody>
-          <a:bodyPr rtlCol="0" anchor="ctr"/>
-          <a:lstStyle/>
-          <a:p>
-            <a:pPr algn="ctr"/>
-            <a:endParaRPr lang="ko-KR" altLang="en-US" dirty="0">
-              <a:latin typeface="Noto Sans" panose="020B0502040504020204" pitchFamily="34" charset="0"/>
-              <a:cs typeface="Noto Sans" panose="020B0502040504020204" pitchFamily="34" charset="0"/>
-            </a:endParaRPr>
-          </a:p>
-        </p:txBody>
-      </p:sp>
-      <p:sp>
-        <p:nvSpPr>
-          <p:cNvPr id="44" name="순서도: 문서 43">
-            <a:extLst>
-              <a:ext uri="{FF2B5EF4-FFF2-40B4-BE49-F238E27FC236}">
-                <a16:creationId xmlns:a16="http://schemas.microsoft.com/office/drawing/2014/main" id="{CE1320D1-C2A8-AB93-CB2B-940780E22C0A}"/>
-              </a:ext>
-            </a:extLst>
-          </p:cNvPr>
-          <p:cNvSpPr/>
-          <p:nvPr/>
-        </p:nvSpPr>
-        <p:spPr>
-          <a:xfrm>
-            <a:off x="8286825" y="2993907"/>
-            <a:ext cx="2132306" cy="870185"/>
-          </a:xfrm>
-          <a:prstGeom prst="flowChartDocument">
-            <a:avLst/>
-          </a:prstGeom>
-          <a:solidFill>
-            <a:schemeClr val="bg1"/>
-          </a:solidFill>
-          <a:effectLst>
-            <a:outerShdw blurRad="127000" dist="50800" dir="5400000" algn="ctr" rotWithShape="0">
-              <a:srgbClr val="000000">
-                <a:alpha val="50000"/>
-              </a:srgbClr>
-            </a:outerShdw>
-          </a:effectLst>
-        </p:spPr>
-        <p:style>
-          <a:lnRef idx="2">
-            <a:schemeClr val="accent1">
-              <a:shade val="15000"/>
-            </a:schemeClr>
-          </a:lnRef>
-          <a:fillRef idx="1">
-            <a:schemeClr val="accent1"/>
-          </a:fillRef>
-          <a:effectRef idx="0">
-            <a:schemeClr val="accent1"/>
-          </a:effectRef>
-          <a:fontRef idx="minor">
-            <a:schemeClr val="lt1"/>
-          </a:fontRef>
-        </p:style>
-        <p:txBody>
-          <a:bodyPr rtlCol="0" anchor="ctr"/>
-          <a:lstStyle/>
-          <a:p>
-            <a:pPr algn="ctr"/>
-            <a:r>
-              <a:rPr lang="ko-KR" altLang="en-US" sz="1500" dirty="0">
-                <a:solidFill>
-                  <a:schemeClr val="tx1"/>
-                </a:solidFill>
-                <a:latin typeface="Noto Sans" panose="020B0502040504020204" pitchFamily="34" charset="0"/>
-                <a:cs typeface="Noto Sans" panose="020B0502040504020204" pitchFamily="34" charset="0"/>
-              </a:rPr>
-              <a:t>비표준 질의문장</a:t>
-            </a:r>
-          </a:p>
-        </p:txBody>
-      </p:sp>
-      <p:cxnSp>
-        <p:nvCxnSpPr>
-          <p:cNvPr id="46" name="직선 화살표 연결선 45">
-            <a:extLst>
-              <a:ext uri="{FF2B5EF4-FFF2-40B4-BE49-F238E27FC236}">
-                <a16:creationId xmlns:a16="http://schemas.microsoft.com/office/drawing/2014/main" id="{D931FE36-F6AA-6BF3-F6B0-DE6FF7853309}"/>
-              </a:ext>
-            </a:extLst>
-          </p:cNvPr>
-          <p:cNvCxnSpPr/>
-          <p:nvPr/>
-        </p:nvCxnSpPr>
-        <p:spPr>
-          <a:xfrm>
-            <a:off x="3943230" y="3446303"/>
-            <a:ext cx="646981" cy="0"/>
-          </a:xfrm>
-          <a:prstGeom prst="straightConnector1">
-            <a:avLst/>
-          </a:prstGeom>
-          <a:ln>
-            <a:tailEnd type="triangle"/>
-          </a:ln>
-        </p:spPr>
-        <p:style>
-          <a:lnRef idx="1">
-            <a:schemeClr val="dk1"/>
-          </a:lnRef>
-          <a:fillRef idx="0">
-            <a:schemeClr val="dk1"/>
-          </a:fillRef>
-          <a:effectRef idx="0">
-            <a:schemeClr val="dk1"/>
-          </a:effectRef>
-          <a:fontRef idx="minor">
-            <a:schemeClr val="tx1"/>
-          </a:fontRef>
-        </p:style>
-      </p:cxnSp>
-      <p:cxnSp>
-        <p:nvCxnSpPr>
-          <p:cNvPr id="47" name="직선 화살표 연결선 46">
-            <a:extLst>
-              <a:ext uri="{FF2B5EF4-FFF2-40B4-BE49-F238E27FC236}">
-                <a16:creationId xmlns:a16="http://schemas.microsoft.com/office/drawing/2014/main" id="{8340BAA2-1407-8607-C5A9-FEF690145075}"/>
-              </a:ext>
-            </a:extLst>
-          </p:cNvPr>
-          <p:cNvCxnSpPr/>
-          <p:nvPr/>
-        </p:nvCxnSpPr>
-        <p:spPr>
-          <a:xfrm>
-            <a:off x="7244272" y="3469786"/>
-            <a:ext cx="646981" cy="0"/>
-          </a:xfrm>
-          <a:prstGeom prst="straightConnector1">
-            <a:avLst/>
-          </a:prstGeom>
-          <a:ln>
-            <a:tailEnd type="triangle"/>
-          </a:ln>
-        </p:spPr>
-        <p:style>
-          <a:lnRef idx="1">
-            <a:schemeClr val="dk1"/>
-          </a:lnRef>
-          <a:fillRef idx="0">
-            <a:schemeClr val="dk1"/>
-          </a:fillRef>
-          <a:effectRef idx="0">
-            <a:schemeClr val="dk1"/>
-          </a:effectRef>
-          <a:fontRef idx="minor">
-            <a:schemeClr val="tx1"/>
-          </a:fontRef>
-        </p:style>
-      </p:cxnSp>
-      <p:cxnSp>
-        <p:nvCxnSpPr>
-          <p:cNvPr id="49" name="직선 화살표 연결선 48">
-            <a:extLst>
-              <a:ext uri="{FF2B5EF4-FFF2-40B4-BE49-F238E27FC236}">
-                <a16:creationId xmlns:a16="http://schemas.microsoft.com/office/drawing/2014/main" id="{B3B3FD0A-A689-BB93-DFFF-D4A8A7815344}"/>
-              </a:ext>
-            </a:extLst>
-          </p:cNvPr>
-          <p:cNvCxnSpPr>
-            <a:cxnSpLocks/>
-          </p:cNvCxnSpPr>
-          <p:nvPr/>
-        </p:nvCxnSpPr>
-        <p:spPr>
-          <a:xfrm flipV="1">
-            <a:off x="9883161" y="2083849"/>
-            <a:ext cx="0" cy="329151"/>
-          </a:xfrm>
-          <a:prstGeom prst="straightConnector1">
-            <a:avLst/>
-          </a:prstGeom>
-          <a:ln>
-            <a:tailEnd type="triangle"/>
-          </a:ln>
-        </p:spPr>
-        <p:style>
-          <a:lnRef idx="1">
-            <a:schemeClr val="dk1"/>
-          </a:lnRef>
-          <a:fillRef idx="0">
-            <a:schemeClr val="dk1"/>
-          </a:fillRef>
-          <a:effectRef idx="0">
-            <a:schemeClr val="dk1"/>
-          </a:effectRef>
-          <a:fontRef idx="minor">
-            <a:schemeClr val="tx1"/>
-          </a:fontRef>
-        </p:style>
-      </p:cxnSp>
-      <p:sp>
-        <p:nvSpPr>
-          <p:cNvPr id="50" name="순서도: 문서 49">
-            <a:extLst>
-              <a:ext uri="{FF2B5EF4-FFF2-40B4-BE49-F238E27FC236}">
-                <a16:creationId xmlns:a16="http://schemas.microsoft.com/office/drawing/2014/main" id="{57BDC1D1-D247-E664-7246-D567DC503AE6}"/>
-              </a:ext>
-            </a:extLst>
-          </p:cNvPr>
-          <p:cNvSpPr/>
-          <p:nvPr/>
-        </p:nvSpPr>
-        <p:spPr>
-          <a:xfrm>
-            <a:off x="1674531" y="3064283"/>
-            <a:ext cx="2070913" cy="888603"/>
-          </a:xfrm>
-          <a:prstGeom prst="flowChartDocument">
-            <a:avLst/>
-          </a:prstGeom>
-          <a:solidFill>
-            <a:schemeClr val="bg1"/>
-          </a:solidFill>
-          <a:effectLst>
-            <a:outerShdw blurRad="127000" dist="50800" dir="5400000" algn="ctr" rotWithShape="0">
-              <a:srgbClr val="000000">
-                <a:alpha val="50000"/>
-              </a:srgbClr>
-            </a:outerShdw>
-          </a:effectLst>
-        </p:spPr>
-        <p:style>
-          <a:lnRef idx="2">
-            <a:schemeClr val="accent1">
-              <a:shade val="15000"/>
-            </a:schemeClr>
-          </a:lnRef>
-          <a:fillRef idx="1">
-            <a:schemeClr val="accent1"/>
-          </a:fillRef>
-          <a:effectRef idx="0">
-            <a:schemeClr val="accent1"/>
-          </a:effectRef>
-          <a:fontRef idx="minor">
-            <a:schemeClr val="lt1"/>
-          </a:fontRef>
-        </p:style>
-        <p:txBody>
-          <a:bodyPr rtlCol="0" anchor="ctr"/>
-          <a:lstStyle/>
-          <a:p>
-            <a:pPr algn="ctr"/>
-            <a:r>
-              <a:rPr lang="en-US" altLang="ko-KR" sz="1300" dirty="0">
-                <a:solidFill>
-                  <a:schemeClr val="tx1"/>
-                </a:solidFill>
-                <a:latin typeface="Noto Sans" panose="020B0502040504020204" pitchFamily="34" charset="0"/>
-                <a:ea typeface="Noto Sans" panose="020B0502040504020204" pitchFamily="34" charset="0"/>
-                <a:cs typeface="Noto Sans" panose="020B0502040504020204" pitchFamily="34" charset="0"/>
-              </a:rPr>
-              <a:t>SQL</a:t>
-            </a:r>
-            <a:r>
-              <a:rPr lang="ko-KR" altLang="en-US" sz="1300" dirty="0">
-                <a:solidFill>
-                  <a:schemeClr val="tx1"/>
-                </a:solidFill>
-                <a:latin typeface="Noto Sans" panose="020B0502040504020204" pitchFamily="34" charset="0"/>
-                <a:cs typeface="Noto Sans" panose="020B0502040504020204" pitchFamily="34" charset="0"/>
-              </a:rPr>
-              <a:t>쿼리</a:t>
-            </a:r>
-          </a:p>
-        </p:txBody>
-      </p:sp>
-      <p:sp>
-        <p:nvSpPr>
-          <p:cNvPr id="52" name="순서도: 자기 디스크 51">
-            <a:extLst>
-              <a:ext uri="{FF2B5EF4-FFF2-40B4-BE49-F238E27FC236}">
-                <a16:creationId xmlns:a16="http://schemas.microsoft.com/office/drawing/2014/main" id="{C98C4FCC-252F-9C14-8C77-C0C04426AA65}"/>
-              </a:ext>
-            </a:extLst>
-          </p:cNvPr>
-          <p:cNvSpPr/>
-          <p:nvPr/>
-        </p:nvSpPr>
-        <p:spPr>
-          <a:xfrm>
-            <a:off x="5265747" y="1317534"/>
-            <a:ext cx="1386373" cy="736441"/>
-          </a:xfrm>
-          <a:prstGeom prst="flowChartMagneticDisk">
-            <a:avLst/>
-          </a:prstGeom>
-          <a:noFill/>
-          <a:effectLst>
-            <a:outerShdw blurRad="1270000" dist="50800" dir="5400000" algn="ctr" rotWithShape="0">
-              <a:srgbClr val="000000">
-                <a:alpha val="43137"/>
-              </a:srgbClr>
-            </a:outerShdw>
-          </a:effectLst>
-        </p:spPr>
-        <p:style>
-          <a:lnRef idx="2">
-            <a:schemeClr val="accent1">
-              <a:shade val="15000"/>
-            </a:schemeClr>
-          </a:lnRef>
-          <a:fillRef idx="1">
-            <a:schemeClr val="accent1"/>
-          </a:fillRef>
-          <a:effectRef idx="0">
-            <a:schemeClr val="accent1"/>
-          </a:effectRef>
-          <a:fontRef idx="minor">
-            <a:schemeClr val="lt1"/>
-          </a:fontRef>
-        </p:style>
-        <p:txBody>
-          <a:bodyPr rtlCol="0" anchor="ctr"/>
-          <a:lstStyle/>
-          <a:p>
-            <a:pPr algn="ctr"/>
-            <a:r>
-              <a:rPr lang="en-US" altLang="ko-KR" sz="1200" i="1" dirty="0">
-                <a:solidFill>
-                  <a:schemeClr val="tx1"/>
-                </a:solidFill>
-                <a:latin typeface="Noto Sans" panose="020B0502040504020204" pitchFamily="34" charset="0"/>
-                <a:ea typeface="Noto Sans" panose="020B0502040504020204" pitchFamily="34" charset="0"/>
-                <a:cs typeface="Noto Sans" panose="020B0502040504020204" pitchFamily="34" charset="0"/>
-              </a:rPr>
-              <a:t>RAG</a:t>
-            </a:r>
-          </a:p>
-        </p:txBody>
-      </p:sp>
-      <p:cxnSp>
-        <p:nvCxnSpPr>
-          <p:cNvPr id="54" name="직선 화살표 연결선 53">
-            <a:extLst>
-              <a:ext uri="{FF2B5EF4-FFF2-40B4-BE49-F238E27FC236}">
-                <a16:creationId xmlns:a16="http://schemas.microsoft.com/office/drawing/2014/main" id="{77091F2B-FA8E-86A9-CB88-050A811954D8}"/>
-              </a:ext>
-            </a:extLst>
-          </p:cNvPr>
-          <p:cNvCxnSpPr/>
-          <p:nvPr/>
-        </p:nvCxnSpPr>
-        <p:spPr>
-          <a:xfrm>
-            <a:off x="5958933" y="2308086"/>
-            <a:ext cx="0" cy="439324"/>
-          </a:xfrm>
-          <a:prstGeom prst="straightConnector1">
-            <a:avLst/>
-          </a:prstGeom>
-          <a:ln>
-            <a:tailEnd type="triangle"/>
-          </a:ln>
-        </p:spPr>
-        <p:style>
-          <a:lnRef idx="1">
-            <a:schemeClr val="dk1"/>
-          </a:lnRef>
-          <a:fillRef idx="0">
-            <a:schemeClr val="dk1"/>
-          </a:fillRef>
-          <a:effectRef idx="0">
-            <a:schemeClr val="dk1"/>
-          </a:effectRef>
-          <a:fontRef idx="minor">
-            <a:schemeClr val="tx1"/>
-          </a:fontRef>
-        </p:style>
-      </p:cxnSp>
-      <p:sp>
-        <p:nvSpPr>
-          <p:cNvPr id="59" name="TextBox 58">
-            <a:extLst>
-              <a:ext uri="{FF2B5EF4-FFF2-40B4-BE49-F238E27FC236}">
-                <a16:creationId xmlns:a16="http://schemas.microsoft.com/office/drawing/2014/main" id="{D4760F01-062D-A7FE-3B3F-7DF817D5D7E8}"/>
-              </a:ext>
-            </a:extLst>
-          </p:cNvPr>
-          <p:cNvSpPr txBox="1"/>
-          <p:nvPr/>
-        </p:nvSpPr>
-        <p:spPr>
-          <a:xfrm>
-            <a:off x="4736172" y="992182"/>
-            <a:ext cx="2791939" cy="246221"/>
-          </a:xfrm>
-          <a:prstGeom prst="rect">
-            <a:avLst/>
-          </a:prstGeom>
-          <a:noFill/>
-        </p:spPr>
-        <p:txBody>
-          <a:bodyPr wrap="square" rtlCol="0">
-            <a:spAutoFit/>
-          </a:bodyPr>
-          <a:lstStyle/>
-          <a:p>
-            <a:r>
-              <a:rPr lang="ko-KR" altLang="en-US" sz="1000" dirty="0">
-                <a:latin typeface="Noto Sans" panose="020B0502040504020204" pitchFamily="34" charset="0"/>
-                <a:cs typeface="Noto Sans" panose="020B0502040504020204" pitchFamily="34" charset="0"/>
-              </a:rPr>
-              <a:t>표준 질의문장 데이터셋의 </a:t>
-            </a:r>
-            <a:r>
-              <a:rPr lang="en-US" altLang="ko-KR" sz="1000" dirty="0">
-                <a:latin typeface="Noto Sans" panose="020B0502040504020204" pitchFamily="34" charset="0"/>
-                <a:ea typeface="Noto Sans" panose="020B0502040504020204" pitchFamily="34" charset="0"/>
-                <a:cs typeface="Noto Sans" panose="020B0502040504020204" pitchFamily="34" charset="0"/>
-              </a:rPr>
-              <a:t>Description</a:t>
-            </a:r>
-            <a:r>
-              <a:rPr lang="ko-KR" altLang="en-US" sz="1000" dirty="0">
-                <a:latin typeface="Noto Sans" panose="020B0502040504020204" pitchFamily="34" charset="0"/>
-                <a:cs typeface="Noto Sans" panose="020B0502040504020204" pitchFamily="34" charset="0"/>
-              </a:rPr>
-              <a:t>을 참조</a:t>
-            </a:r>
-          </a:p>
-        </p:txBody>
-      </p:sp>
-      <p:sp>
-        <p:nvSpPr>
-          <p:cNvPr id="25" name="TextBox 24">
-            <a:extLst>
-              <a:ext uri="{FF2B5EF4-FFF2-40B4-BE49-F238E27FC236}">
-                <a16:creationId xmlns:a16="http://schemas.microsoft.com/office/drawing/2014/main" id="{4B28F850-8010-437D-AC38-05B3282451E2}"/>
-              </a:ext>
-            </a:extLst>
-          </p:cNvPr>
-          <p:cNvSpPr txBox="1"/>
-          <p:nvPr/>
-        </p:nvSpPr>
-        <p:spPr>
-          <a:xfrm>
-            <a:off x="70339" y="87923"/>
-            <a:ext cx="1485900" cy="461665"/>
-          </a:xfrm>
-          <a:prstGeom prst="rect">
-            <a:avLst/>
-          </a:prstGeom>
-          <a:noFill/>
-        </p:spPr>
-        <p:txBody>
-          <a:bodyPr wrap="square" rtlCol="0">
-            <a:spAutoFit/>
-          </a:bodyPr>
-          <a:lstStyle/>
-          <a:p>
-            <a:r>
-              <a:rPr lang="en-US" altLang="ko-KR" sz="2400" b="1" dirty="0">
-                <a:latin typeface="Noto Sans" panose="020B0502040504020204" pitchFamily="34" charset="0"/>
-                <a:ea typeface="Noto Sans" panose="020B0502040504020204" pitchFamily="34" charset="0"/>
-                <a:cs typeface="Noto Sans" panose="020B0502040504020204" pitchFamily="34" charset="0"/>
-              </a:rPr>
-              <a:t>Phase 1</a:t>
-            </a:r>
-            <a:endParaRPr lang="ko-KR" altLang="en-US" sz="2400" b="1" dirty="0">
-              <a:latin typeface="Noto Sans" panose="020B0502040504020204" pitchFamily="34" charset="0"/>
-              <a:ea typeface="KoPubWorld돋움체 Medium" panose="00000600000000000000" pitchFamily="2" charset="-127"/>
-              <a:cs typeface="Noto Sans" panose="020B0502040504020204" pitchFamily="34" charset="0"/>
-            </a:endParaRPr>
-          </a:p>
-        </p:txBody>
-      </p:sp>
-      <p:sp>
-        <p:nvSpPr>
-          <p:cNvPr id="26" name="TextBox 25">
-            <a:extLst>
-              <a:ext uri="{FF2B5EF4-FFF2-40B4-BE49-F238E27FC236}">
-                <a16:creationId xmlns:a16="http://schemas.microsoft.com/office/drawing/2014/main" id="{EA887484-EE31-46F3-AB99-13AFBB3B60B5}"/>
-              </a:ext>
-            </a:extLst>
-          </p:cNvPr>
-          <p:cNvSpPr txBox="1"/>
-          <p:nvPr/>
-        </p:nvSpPr>
-        <p:spPr>
-          <a:xfrm>
-            <a:off x="11699631" y="6410326"/>
-            <a:ext cx="432460" cy="276999"/>
-          </a:xfrm>
-          <a:prstGeom prst="rect">
-            <a:avLst/>
-          </a:prstGeom>
-          <a:noFill/>
-        </p:spPr>
-        <p:txBody>
-          <a:bodyPr wrap="square" rtlCol="0">
-            <a:spAutoFit/>
-          </a:bodyPr>
-          <a:lstStyle/>
-          <a:p>
-            <a:r>
-              <a:rPr lang="en-US" altLang="ko-KR" sz="1200" b="1" dirty="0">
-                <a:latin typeface="Noto Sans" panose="020B0502040504020204" pitchFamily="34" charset="0"/>
-                <a:ea typeface="Noto Sans" panose="020B0502040504020204" pitchFamily="34" charset="0"/>
-                <a:cs typeface="Noto Sans" panose="020B0502040504020204" pitchFamily="34" charset="0"/>
-              </a:rPr>
-              <a:t>10</a:t>
-            </a:r>
-            <a:endParaRPr lang="ko-KR" altLang="en-US" sz="1200" b="1" dirty="0">
-              <a:latin typeface="Noto Sans" panose="020B0502040504020204" pitchFamily="34" charset="0"/>
-              <a:cs typeface="Noto Sans" panose="020B0502040504020204" pitchFamily="34" charset="0"/>
-            </a:endParaRPr>
-          </a:p>
-        </p:txBody>
-      </p:sp>
-    </p:spTree>
-    <p:extLst>
-      <p:ext uri="{BB962C8B-B14F-4D97-AF65-F5344CB8AC3E}">
-        <p14:creationId xmlns:p14="http://schemas.microsoft.com/office/powerpoint/2010/main" val="3884380071"/>
-      </p:ext>
-    </p:extLst>
-  </p:cSld>
-  <p:clrMapOvr>
-    <a:masterClrMapping/>
-  </p:clrMapOvr>
-</p:sld>
-</file>
-
-<file path=ppt/slides/slide11.xml><?xml version="1.0" encoding="utf-8"?>
-<p:sld xmlns:a="http://schemas.openxmlformats.org/drawingml/2006/main" xmlns:r="http://schemas.openxmlformats.org/officeDocument/2006/relationships" xmlns:p="http://schemas.openxmlformats.org/presentationml/2006/main">
-  <p:cSld>
-    <p:spTree>
-      <p:nvGrpSpPr>
-        <p:cNvPr id="1" name=""/>
-        <p:cNvGrpSpPr/>
-        <p:nvPr/>
-      </p:nvGrpSpPr>
-      <p:grpSpPr>
-        <a:xfrm>
-          <a:off x="0" y="0"/>
-          <a:ext cx="0" cy="0"/>
-          <a:chOff x="0" y="0"/>
-          <a:chExt cx="0" cy="0"/>
-        </a:xfrm>
-      </p:grpSpPr>
-      <p:sp>
-        <p:nvSpPr>
-          <p:cNvPr id="7" name="TextBox 6">
-            <a:extLst>
-              <a:ext uri="{FF2B5EF4-FFF2-40B4-BE49-F238E27FC236}">
-                <a16:creationId xmlns:a16="http://schemas.microsoft.com/office/drawing/2014/main" id="{EAD81958-EA21-43DB-8E66-3F0BC85E2F32}"/>
-              </a:ext>
-            </a:extLst>
-          </p:cNvPr>
-          <p:cNvSpPr txBox="1"/>
-          <p:nvPr/>
-        </p:nvSpPr>
-        <p:spPr>
-          <a:xfrm>
-            <a:off x="70338" y="87923"/>
-            <a:ext cx="2949087" cy="461665"/>
-          </a:xfrm>
-          <a:prstGeom prst="rect">
-            <a:avLst/>
-          </a:prstGeom>
-          <a:noFill/>
-        </p:spPr>
-        <p:txBody>
-          <a:bodyPr wrap="square" rtlCol="0">
-            <a:spAutoFit/>
-          </a:bodyPr>
-          <a:lstStyle/>
-          <a:p>
-            <a:r>
-              <a:rPr lang="ko-KR" altLang="en-US" sz="2400" b="1" dirty="0">
-                <a:latin typeface="Noto Sans" panose="020B0502040504020204" pitchFamily="34" charset="0"/>
-                <a:ea typeface="KoPubWorld돋움체 Medium" panose="00000600000000000000" pitchFamily="2" charset="-127"/>
-                <a:cs typeface="Noto Sans" panose="020B0502040504020204" pitchFamily="34" charset="0"/>
-              </a:rPr>
-              <a:t>발명 내용 </a:t>
-            </a:r>
-            <a:r>
-              <a:rPr lang="en-US" altLang="ko-KR" sz="2400" b="1" dirty="0">
-                <a:latin typeface="Noto Sans" panose="020B0502040504020204" pitchFamily="34" charset="0"/>
-                <a:ea typeface="Noto Sans" panose="020B0502040504020204" pitchFamily="34" charset="0"/>
-                <a:cs typeface="Noto Sans" panose="020B0502040504020204" pitchFamily="34" charset="0"/>
-              </a:rPr>
-              <a:t>: Phase 2</a:t>
-            </a:r>
-            <a:endParaRPr lang="ko-KR" altLang="en-US" sz="2400" b="1" dirty="0">
-              <a:latin typeface="Noto Sans" panose="020B0502040504020204" pitchFamily="34" charset="0"/>
-              <a:ea typeface="KoPubWorld돋움체 Medium" panose="00000600000000000000" pitchFamily="2" charset="-127"/>
-              <a:cs typeface="Noto Sans" panose="020B0502040504020204" pitchFamily="34" charset="0"/>
-            </a:endParaRPr>
-          </a:p>
-        </p:txBody>
-      </p:sp>
-      <p:pic>
-        <p:nvPicPr>
-          <p:cNvPr id="23" name="그림 22">
-            <a:extLst>
-              <a:ext uri="{FF2B5EF4-FFF2-40B4-BE49-F238E27FC236}">
-                <a16:creationId xmlns:a16="http://schemas.microsoft.com/office/drawing/2014/main" id="{675D0F18-352B-43F9-A99D-C88C4E0C4481}"/>
-              </a:ext>
-            </a:extLst>
-          </p:cNvPr>
-          <p:cNvPicPr>
-            <a:picLocks noChangeAspect="1"/>
-          </p:cNvPicPr>
-          <p:nvPr/>
-        </p:nvPicPr>
-        <p:blipFill>
-          <a:blip r:embed="rId2"/>
-          <a:stretch>
-            <a:fillRect/>
-          </a:stretch>
-        </p:blipFill>
-        <p:spPr>
-          <a:xfrm>
-            <a:off x="3999246" y="1518280"/>
-            <a:ext cx="4193507" cy="3821440"/>
-          </a:xfrm>
-          <a:prstGeom prst="rect">
-            <a:avLst/>
-          </a:prstGeom>
-        </p:spPr>
-      </p:pic>
-      <p:sp>
-        <p:nvSpPr>
-          <p:cNvPr id="6" name="TextBox 5">
-            <a:extLst>
-              <a:ext uri="{FF2B5EF4-FFF2-40B4-BE49-F238E27FC236}">
-                <a16:creationId xmlns:a16="http://schemas.microsoft.com/office/drawing/2014/main" id="{BBB45078-FDBD-4F2A-ABD8-64A7F9935D59}"/>
-              </a:ext>
-            </a:extLst>
-          </p:cNvPr>
-          <p:cNvSpPr txBox="1"/>
-          <p:nvPr/>
-        </p:nvSpPr>
-        <p:spPr>
-          <a:xfrm>
-            <a:off x="11699631" y="6410326"/>
-            <a:ext cx="432460" cy="276999"/>
-          </a:xfrm>
-          <a:prstGeom prst="rect">
-            <a:avLst/>
-          </a:prstGeom>
-          <a:noFill/>
-        </p:spPr>
-        <p:txBody>
-          <a:bodyPr wrap="square" rtlCol="0">
-            <a:spAutoFit/>
-          </a:bodyPr>
-          <a:lstStyle/>
-          <a:p>
-            <a:r>
-              <a:rPr lang="en-US" altLang="ko-KR" sz="1200" b="1" dirty="0">
-                <a:latin typeface="Noto Sans" panose="020B0502040504020204" pitchFamily="34" charset="0"/>
-                <a:ea typeface="Noto Sans" panose="020B0502040504020204" pitchFamily="34" charset="0"/>
-                <a:cs typeface="Noto Sans" panose="020B0502040504020204" pitchFamily="34" charset="0"/>
-              </a:rPr>
-              <a:t>11</a:t>
-            </a:r>
-            <a:endParaRPr lang="ko-KR" altLang="en-US" sz="1200" b="1" dirty="0">
-              <a:latin typeface="Noto Sans" panose="020B0502040504020204" pitchFamily="34" charset="0"/>
-              <a:cs typeface="Noto Sans" panose="020B0502040504020204" pitchFamily="34" charset="0"/>
-            </a:endParaRPr>
-          </a:p>
-        </p:txBody>
-      </p:sp>
-    </p:spTree>
-    <p:extLst>
-      <p:ext uri="{BB962C8B-B14F-4D97-AF65-F5344CB8AC3E}">
-        <p14:creationId xmlns:p14="http://schemas.microsoft.com/office/powerpoint/2010/main" val="3290433"/>
-      </p:ext>
-    </p:extLst>
-  </p:cSld>
-  <p:clrMapOvr>
-    <a:masterClrMapping/>
-  </p:clrMapOvr>
-</p:sld>
-</file>
-
-<file path=ppt/slides/slide12.xml><?xml version="1.0" encoding="utf-8"?>
 <p:sld xmlns:a="http://schemas.openxmlformats.org/drawingml/2006/main" xmlns:r="http://schemas.openxmlformats.org/officeDocument/2006/relationships" xmlns:p="http://schemas.openxmlformats.org/presentationml/2006/main">
   <p:cSld>
     <p:spTree>
@@ -6732,7 +5193,7 @@
           <a:lstStyle/>
           <a:p>
             <a:r>
-              <a:rPr lang="en-US" altLang="ko-KR" sz="2400" b="1">
+              <a:rPr lang="en-US" altLang="ko-KR" sz="2400" b="1" dirty="0">
                 <a:latin typeface="Noto Sans" panose="020B0502040504020204" pitchFamily="34" charset="0"/>
                 <a:ea typeface="KoPubWorld돋움체 Medium" panose="00000600000000000000" pitchFamily="2" charset="-127"/>
                 <a:cs typeface="Noto Sans" panose="020B0502040504020204" pitchFamily="34" charset="0"/>
@@ -6784,7 +5245,7 @@
                 <a:ea typeface="Noto Sans" panose="020B0502040504020204" pitchFamily="34" charset="0"/>
                 <a:cs typeface="Noto Sans" panose="020B0502040504020204" pitchFamily="34" charset="0"/>
               </a:rPr>
-              <a:t>12</a:t>
+              <a:t>10</a:t>
             </a:r>
             <a:endParaRPr lang="ko-KR" altLang="en-US" sz="1200" b="1" dirty="0">
               <a:latin typeface="Noto Sans" panose="020B0502040504020204" pitchFamily="34" charset="0"/>
@@ -6806,7 +5267,7 @@
 </p:sld>
 </file>
 
-<file path=ppt/slides/slide13.xml><?xml version="1.0" encoding="utf-8"?>
+<file path=ppt/slides/slide11.xml><?xml version="1.0" encoding="utf-8"?>
 <p:sld xmlns:a="http://schemas.openxmlformats.org/drawingml/2006/main" xmlns:r="http://schemas.openxmlformats.org/officeDocument/2006/relationships" xmlns:p="http://schemas.openxmlformats.org/presentationml/2006/main">
   <p:cSld>
     <p:spTree>
@@ -7405,7 +5866,7 @@
                 <a:ea typeface="Noto Sans" panose="020B0502040504020204" pitchFamily="34" charset="0"/>
                 <a:cs typeface="Noto Sans" panose="020B0502040504020204" pitchFamily="34" charset="0"/>
               </a:rPr>
-              <a:t>13</a:t>
+              <a:t>11</a:t>
             </a:r>
             <a:endParaRPr lang="ko-KR" altLang="en-US" sz="1200" b="1" dirty="0">
               <a:latin typeface="Noto Sans" panose="020B0502040504020204" pitchFamily="34" charset="0"/>
@@ -7427,7 +5888,7 @@
 </p:sld>
 </file>
 
-<file path=ppt/slides/slide14.xml><?xml version="1.0" encoding="utf-8"?>
+<file path=ppt/slides/slide12.xml><?xml version="1.0" encoding="utf-8"?>
 <p:sld xmlns:a="http://schemas.openxmlformats.org/drawingml/2006/main" xmlns:r="http://schemas.openxmlformats.org/officeDocument/2006/relationships" xmlns:p="http://schemas.openxmlformats.org/presentationml/2006/main">
   <p:cSld>
     <p:spTree>
@@ -8867,7 +7328,7 @@
                 <a:ea typeface="Noto Sans" panose="020B0502040504020204" pitchFamily="34" charset="0"/>
                 <a:cs typeface="Noto Sans" panose="020B0502040504020204" pitchFamily="34" charset="0"/>
               </a:rPr>
-              <a:t>14</a:t>
+              <a:t>12</a:t>
             </a:r>
             <a:endParaRPr lang="ko-KR" altLang="en-US" sz="1200" b="1" dirty="0">
               <a:latin typeface="Noto Sans" panose="020B0502040504020204" pitchFamily="34" charset="0"/>
@@ -8889,7 +7350,7 @@
 </p:sld>
 </file>
 
-<file path=ppt/slides/slide15.xml><?xml version="1.0" encoding="utf-8"?>
+<file path=ppt/slides/slide13.xml><?xml version="1.0" encoding="utf-8"?>
 <p:sld xmlns:a="http://schemas.openxmlformats.org/drawingml/2006/main" xmlns:r="http://schemas.openxmlformats.org/officeDocument/2006/relationships" xmlns:p="http://schemas.openxmlformats.org/presentationml/2006/main">
   <p:cSld>
     <p:spTree>
@@ -9382,7 +7843,7 @@
                 <a:ea typeface="Noto Sans" panose="020B0502040504020204" pitchFamily="34" charset="0"/>
                 <a:cs typeface="Noto Sans" panose="020B0502040504020204" pitchFamily="34" charset="0"/>
               </a:rPr>
-              <a:t>15</a:t>
+              <a:t>13</a:t>
             </a:r>
             <a:endParaRPr lang="ko-KR" altLang="en-US" sz="1200" b="1" dirty="0">
               <a:latin typeface="Noto Sans" panose="020B0502040504020204" pitchFamily="34" charset="0"/>
@@ -9404,7 +7865,7 @@
 </p:sld>
 </file>
 
-<file path=ppt/slides/slide16.xml><?xml version="1.0" encoding="utf-8"?>
+<file path=ppt/slides/slide14.xml><?xml version="1.0" encoding="utf-8"?>
 <p:sld xmlns:a="http://schemas.openxmlformats.org/drawingml/2006/main" xmlns:r="http://schemas.openxmlformats.org/officeDocument/2006/relationships" xmlns:p="http://schemas.openxmlformats.org/presentationml/2006/main">
   <p:cSld>
     <p:spTree>
@@ -10135,110 +8596,6 @@
           <a:chExt cx="0" cy="0"/>
         </a:xfrm>
       </p:grpSpPr>
-      <p:sp>
-        <p:nvSpPr>
-          <p:cNvPr id="4" name="TextBox 3">
-            <a:extLst>
-              <a:ext uri="{FF2B5EF4-FFF2-40B4-BE49-F238E27FC236}">
-                <a16:creationId xmlns:a16="http://schemas.microsoft.com/office/drawing/2014/main" id="{2171ECB2-CD96-4623-A66B-9D9082540847}"/>
-              </a:ext>
-            </a:extLst>
-          </p:cNvPr>
-          <p:cNvSpPr txBox="1"/>
-          <p:nvPr/>
-        </p:nvSpPr>
-        <p:spPr>
-          <a:xfrm>
-            <a:off x="2755983" y="1024516"/>
-            <a:ext cx="6680034" cy="646331"/>
-          </a:xfrm>
-          <a:prstGeom prst="rect">
-            <a:avLst/>
-          </a:prstGeom>
-          <a:noFill/>
-        </p:spPr>
-        <p:txBody>
-          <a:bodyPr wrap="none" rtlCol="0">
-            <a:spAutoFit/>
-          </a:bodyPr>
-          <a:lstStyle/>
-          <a:p>
-            <a:r>
-              <a:rPr lang="ko-KR" altLang="en-US" dirty="0">
-                <a:latin typeface="Noto Sans" panose="020B0502040504020204" pitchFamily="34" charset="0"/>
-                <a:cs typeface="Noto Sans" panose="020B0502040504020204" pitchFamily="34" charset="0"/>
-              </a:rPr>
-              <a:t>표준 질의문장 </a:t>
-            </a:r>
-            <a:r>
-              <a:rPr lang="en-US" altLang="ko-KR" dirty="0">
-                <a:latin typeface="Noto Sans" panose="020B0502040504020204" pitchFamily="34" charset="0"/>
-                <a:ea typeface="Noto Sans" panose="020B0502040504020204" pitchFamily="34" charset="0"/>
-                <a:cs typeface="Noto Sans" panose="020B0502040504020204" pitchFamily="34" charset="0"/>
-              </a:rPr>
-              <a:t>– SQL </a:t>
-            </a:r>
-            <a:r>
-              <a:rPr lang="ko-KR" altLang="en-US" dirty="0">
-                <a:latin typeface="Noto Sans" panose="020B0502040504020204" pitchFamily="34" charset="0"/>
-                <a:cs typeface="Noto Sans" panose="020B0502040504020204" pitchFamily="34" charset="0"/>
-              </a:rPr>
-              <a:t>쿼리를 만들기 위해 </a:t>
-            </a:r>
-            <a:r>
-              <a:rPr lang="ko-KR" altLang="en-US" b="1" dirty="0">
-                <a:latin typeface="Noto Sans" panose="020B0502040504020204" pitchFamily="34" charset="0"/>
-                <a:cs typeface="Noto Sans" panose="020B0502040504020204" pitchFamily="34" charset="0"/>
-              </a:rPr>
-              <a:t>표준</a:t>
-            </a:r>
-            <a:r>
-              <a:rPr lang="ko-KR" altLang="en-US" dirty="0">
-                <a:latin typeface="Noto Sans" panose="020B0502040504020204" pitchFamily="34" charset="0"/>
-                <a:cs typeface="Noto Sans" panose="020B0502040504020204" pitchFamily="34" charset="0"/>
-              </a:rPr>
-              <a:t>이 되는 질의문장</a:t>
-            </a:r>
-            <a:endParaRPr lang="en-US" altLang="ko-KR" dirty="0">
-              <a:latin typeface="Noto Sans" panose="020B0502040504020204" pitchFamily="34" charset="0"/>
-              <a:ea typeface="Noto Sans" panose="020B0502040504020204" pitchFamily="34" charset="0"/>
-              <a:cs typeface="Noto Sans" panose="020B0502040504020204" pitchFamily="34" charset="0"/>
-            </a:endParaRPr>
-          </a:p>
-          <a:p>
-            <a:r>
-              <a:rPr lang="ko-KR" altLang="en-US" dirty="0">
-                <a:latin typeface="Noto Sans" panose="020B0502040504020204" pitchFamily="34" charset="0"/>
-                <a:cs typeface="Noto Sans" panose="020B0502040504020204" pitchFamily="34" charset="0"/>
-              </a:rPr>
-              <a:t>비표준 질의문장 </a:t>
-            </a:r>
-            <a:r>
-              <a:rPr lang="en-US" altLang="ko-KR" dirty="0">
-                <a:latin typeface="Noto Sans" panose="020B0502040504020204" pitchFamily="34" charset="0"/>
-                <a:ea typeface="Noto Sans" panose="020B0502040504020204" pitchFamily="34" charset="0"/>
-                <a:cs typeface="Noto Sans" panose="020B0502040504020204" pitchFamily="34" charset="0"/>
-              </a:rPr>
-              <a:t>– </a:t>
-            </a:r>
-            <a:r>
-              <a:rPr lang="en-US" altLang="ko-KR" b="1" dirty="0">
-                <a:latin typeface="Noto Sans" panose="020B0502040504020204" pitchFamily="34" charset="0"/>
-                <a:ea typeface="Noto Sans" panose="020B0502040504020204" pitchFamily="34" charset="0"/>
-                <a:cs typeface="Noto Sans" panose="020B0502040504020204" pitchFamily="34" charset="0"/>
-              </a:rPr>
-              <a:t>AI</a:t>
-            </a:r>
-            <a:r>
-              <a:rPr lang="ko-KR" altLang="en-US" dirty="0">
-                <a:latin typeface="Noto Sans" panose="020B0502040504020204" pitchFamily="34" charset="0"/>
-                <a:cs typeface="Noto Sans" panose="020B0502040504020204" pitchFamily="34" charset="0"/>
-              </a:rPr>
-              <a:t>가 생성한 질의문장</a:t>
-            </a:r>
-          </a:p>
-        </p:txBody>
-      </p:sp>
       <p:sp>
         <p:nvSpPr>
           <p:cNvPr id="8" name="TextBox 7">
@@ -11812,6 +10169,160 @@
           </a:p>
         </p:txBody>
       </p:sp>
+      <p:sp>
+        <p:nvSpPr>
+          <p:cNvPr id="3" name="TextBox 2">
+            <a:extLst>
+              <a:ext uri="{FF2B5EF4-FFF2-40B4-BE49-F238E27FC236}">
+                <a16:creationId xmlns:a16="http://schemas.microsoft.com/office/drawing/2014/main" id="{BEEC3A20-8A5C-7BB2-38AF-C651D42CD63A}"/>
+              </a:ext>
+            </a:extLst>
+          </p:cNvPr>
+          <p:cNvSpPr txBox="1"/>
+          <p:nvPr/>
+        </p:nvSpPr>
+        <p:spPr>
+          <a:xfrm>
+            <a:off x="70338" y="87923"/>
+            <a:ext cx="5636495" cy="461665"/>
+          </a:xfrm>
+          <a:prstGeom prst="rect">
+            <a:avLst/>
+          </a:prstGeom>
+          <a:noFill/>
+        </p:spPr>
+        <p:txBody>
+          <a:bodyPr wrap="square" rtlCol="0">
+            <a:spAutoFit/>
+          </a:bodyPr>
+          <a:lstStyle/>
+          <a:p>
+            <a:r>
+              <a:rPr lang="ko-KR" altLang="en-US" sz="2400" b="1" dirty="0">
+                <a:latin typeface="Noto Sans" panose="020B0502040504020204" pitchFamily="34" charset="0"/>
+                <a:ea typeface="KoPubWorld돋움체 Medium" panose="00000600000000000000" pitchFamily="2" charset="-127"/>
+                <a:cs typeface="Noto Sans" panose="020B0502040504020204" pitchFamily="34" charset="0"/>
+              </a:rPr>
+              <a:t>발명 배경</a:t>
+            </a:r>
+            <a:endParaRPr lang="ko-KR" altLang="en-US" sz="2400" dirty="0">
+              <a:latin typeface="Noto Sans" panose="020B0502040504020204" pitchFamily="34" charset="0"/>
+              <a:ea typeface="KoPubWorld돋움체 Medium" panose="00000600000000000000" pitchFamily="2" charset="-127"/>
+              <a:cs typeface="Noto Sans" panose="020B0502040504020204" pitchFamily="34" charset="0"/>
+            </a:endParaRPr>
+          </a:p>
+        </p:txBody>
+      </p:sp>
+      <p:sp>
+        <p:nvSpPr>
+          <p:cNvPr id="7" name="TextBox 6">
+            <a:extLst>
+              <a:ext uri="{FF2B5EF4-FFF2-40B4-BE49-F238E27FC236}">
+                <a16:creationId xmlns:a16="http://schemas.microsoft.com/office/drawing/2014/main" id="{CF3776DB-26F2-544E-A369-7EA88A14B5C5}"/>
+              </a:ext>
+            </a:extLst>
+          </p:cNvPr>
+          <p:cNvSpPr txBox="1"/>
+          <p:nvPr/>
+        </p:nvSpPr>
+        <p:spPr>
+          <a:xfrm>
+            <a:off x="935975" y="1154638"/>
+            <a:ext cx="6676249" cy="584775"/>
+          </a:xfrm>
+          <a:prstGeom prst="rect">
+            <a:avLst/>
+          </a:prstGeom>
+          <a:noFill/>
+        </p:spPr>
+        <p:txBody>
+          <a:bodyPr wrap="square" rtlCol="0">
+            <a:spAutoFit/>
+          </a:bodyPr>
+          <a:lstStyle/>
+          <a:p>
+            <a:r>
+              <a:rPr lang="ko-KR" altLang="en-US" sz="1600" dirty="0">
+                <a:latin typeface="Noto Sans" panose="020B0502040504020204" pitchFamily="34" charset="0"/>
+                <a:ea typeface="KoPubWorld돋움체 Medium" panose="00000600000000000000"/>
+                <a:cs typeface="Noto Sans" panose="020B0502040504020204" pitchFamily="34" charset="0"/>
+              </a:rPr>
+              <a:t>표준 질의문장 </a:t>
+            </a:r>
+            <a:r>
+              <a:rPr lang="en-US" altLang="ko-KR" sz="1600" dirty="0">
+                <a:latin typeface="Noto Sans" panose="020B0502040504020204" pitchFamily="34" charset="0"/>
+                <a:ea typeface="KoPubWorld돋움체 Medium" panose="00000600000000000000"/>
+                <a:cs typeface="Noto Sans" panose="020B0502040504020204" pitchFamily="34" charset="0"/>
+              </a:rPr>
+              <a:t>– SQL </a:t>
+            </a:r>
+            <a:r>
+              <a:rPr lang="ko-KR" altLang="en-US" sz="1600" dirty="0">
+                <a:latin typeface="Noto Sans" panose="020B0502040504020204" pitchFamily="34" charset="0"/>
+                <a:ea typeface="KoPubWorld돋움체 Medium" panose="00000600000000000000"/>
+                <a:cs typeface="Noto Sans" panose="020B0502040504020204" pitchFamily="34" charset="0"/>
+              </a:rPr>
+              <a:t>쿼리를 만들기 위해 </a:t>
+            </a:r>
+            <a:r>
+              <a:rPr lang="ko-KR" altLang="en-US" sz="1600" b="1" dirty="0">
+                <a:latin typeface="Noto Sans" panose="020B0502040504020204" pitchFamily="34" charset="0"/>
+                <a:ea typeface="KoPubWorld돋움체 Medium" panose="00000600000000000000"/>
+                <a:cs typeface="Noto Sans" panose="020B0502040504020204" pitchFamily="34" charset="0"/>
+              </a:rPr>
+              <a:t>표준</a:t>
+            </a:r>
+            <a:r>
+              <a:rPr lang="ko-KR" altLang="en-US" sz="1600" dirty="0">
+                <a:latin typeface="Noto Sans" panose="020B0502040504020204" pitchFamily="34" charset="0"/>
+                <a:ea typeface="KoPubWorld돋움체 Medium" panose="00000600000000000000"/>
+                <a:cs typeface="Noto Sans" panose="020B0502040504020204" pitchFamily="34" charset="0"/>
+              </a:rPr>
+              <a:t>이 되는 질의문장</a:t>
+            </a:r>
+            <a:endParaRPr lang="en-US" altLang="ko-KR" sz="1600" dirty="0">
+              <a:latin typeface="Noto Sans" panose="020B0502040504020204" pitchFamily="34" charset="0"/>
+              <a:ea typeface="KoPubWorld돋움체 Medium" panose="00000600000000000000"/>
+              <a:cs typeface="Noto Sans" panose="020B0502040504020204" pitchFamily="34" charset="0"/>
+            </a:endParaRPr>
+          </a:p>
+          <a:p>
+            <a:r>
+              <a:rPr lang="ko-KR" altLang="en-US" sz="1600" dirty="0">
+                <a:latin typeface="Noto Sans" panose="020B0502040504020204" pitchFamily="34" charset="0"/>
+                <a:ea typeface="KoPubWorld돋움체 Medium" panose="00000600000000000000"/>
+                <a:cs typeface="Noto Sans" panose="020B0502040504020204" pitchFamily="34" charset="0"/>
+              </a:rPr>
+              <a:t>비표준 질의문장 </a:t>
+            </a:r>
+            <a:r>
+              <a:rPr lang="en-US" altLang="ko-KR" sz="1600" dirty="0">
+                <a:latin typeface="Noto Sans" panose="020B0502040504020204" pitchFamily="34" charset="0"/>
+                <a:ea typeface="KoPubWorld돋움체 Medium" panose="00000600000000000000"/>
+                <a:cs typeface="Noto Sans" panose="020B0502040504020204" pitchFamily="34" charset="0"/>
+              </a:rPr>
+              <a:t>– </a:t>
+            </a:r>
+            <a:r>
+              <a:rPr lang="en-US" altLang="ko-KR" sz="1600" b="1" dirty="0">
+                <a:latin typeface="Noto Sans" panose="020B0502040504020204" pitchFamily="34" charset="0"/>
+                <a:ea typeface="KoPubWorld돋움체 Medium" panose="00000600000000000000"/>
+                <a:cs typeface="Noto Sans" panose="020B0502040504020204" pitchFamily="34" charset="0"/>
+              </a:rPr>
+              <a:t>AI</a:t>
+            </a:r>
+            <a:r>
+              <a:rPr lang="ko-KR" altLang="en-US" sz="1600" dirty="0">
+                <a:latin typeface="Noto Sans" panose="020B0502040504020204" pitchFamily="34" charset="0"/>
+                <a:ea typeface="KoPubWorld돋움체 Medium" panose="00000600000000000000"/>
+                <a:cs typeface="Noto Sans" panose="020B0502040504020204" pitchFamily="34" charset="0"/>
+              </a:rPr>
+              <a:t>가 생성한 질의문장</a:t>
+            </a:r>
+          </a:p>
+        </p:txBody>
+      </p:sp>
     </p:spTree>
     <p:extLst>
       <p:ext uri="{BB962C8B-B14F-4D97-AF65-F5344CB8AC3E}">
@@ -14927,161 +13438,6 @@
 </file>
 
 <file path=ppt/slides/slide7.xml><?xml version="1.0" encoding="utf-8"?>
-<p:sld xmlns:a="http://schemas.openxmlformats.org/drawingml/2006/main" xmlns:r="http://schemas.openxmlformats.org/officeDocument/2006/relationships" xmlns:p="http://schemas.openxmlformats.org/presentationml/2006/main">
-  <p:cSld>
-    <p:spTree>
-      <p:nvGrpSpPr>
-        <p:cNvPr id="1" name=""/>
-        <p:cNvGrpSpPr/>
-        <p:nvPr/>
-      </p:nvGrpSpPr>
-      <p:grpSpPr>
-        <a:xfrm>
-          <a:off x="0" y="0"/>
-          <a:ext cx="0" cy="0"/>
-          <a:chOff x="0" y="0"/>
-          <a:chExt cx="0" cy="0"/>
-        </a:xfrm>
-      </p:grpSpPr>
-      <p:sp>
-        <p:nvSpPr>
-          <p:cNvPr id="7" name="TextBox 6">
-            <a:extLst>
-              <a:ext uri="{FF2B5EF4-FFF2-40B4-BE49-F238E27FC236}">
-                <a16:creationId xmlns:a16="http://schemas.microsoft.com/office/drawing/2014/main" id="{EAD81958-EA21-43DB-8E66-3F0BC85E2F32}"/>
-              </a:ext>
-            </a:extLst>
-          </p:cNvPr>
-          <p:cNvSpPr txBox="1"/>
-          <p:nvPr/>
-        </p:nvSpPr>
-        <p:spPr>
-          <a:xfrm>
-            <a:off x="70338" y="87923"/>
-            <a:ext cx="2949087" cy="461665"/>
-          </a:xfrm>
-          <a:prstGeom prst="rect">
-            <a:avLst/>
-          </a:prstGeom>
-          <a:noFill/>
-        </p:spPr>
-        <p:txBody>
-          <a:bodyPr wrap="square" rtlCol="0">
-            <a:spAutoFit/>
-          </a:bodyPr>
-          <a:lstStyle/>
-          <a:p>
-            <a:r>
-              <a:rPr lang="ko-KR" altLang="en-US" sz="2400" b="1" dirty="0">
-                <a:latin typeface="Noto Sans" panose="020B0502040504020204" pitchFamily="34" charset="0"/>
-                <a:ea typeface="KoPubWorld돋움체 Medium" panose="00000600000000000000" pitchFamily="2" charset="-127"/>
-                <a:cs typeface="Noto Sans" panose="020B0502040504020204" pitchFamily="34" charset="0"/>
-              </a:rPr>
-              <a:t>발명 내용 </a:t>
-            </a:r>
-            <a:r>
-              <a:rPr lang="en-US" altLang="ko-KR" sz="2400" b="1" dirty="0">
-                <a:latin typeface="Noto Sans" panose="020B0502040504020204" pitchFamily="34" charset="0"/>
-                <a:ea typeface="Noto Sans" panose="020B0502040504020204" pitchFamily="34" charset="0"/>
-                <a:cs typeface="Noto Sans" panose="020B0502040504020204" pitchFamily="34" charset="0"/>
-              </a:rPr>
-              <a:t>: Phase 1</a:t>
-            </a:r>
-            <a:endParaRPr lang="ko-KR" altLang="en-US" sz="2400" b="1" dirty="0">
-              <a:latin typeface="Noto Sans" panose="020B0502040504020204" pitchFamily="34" charset="0"/>
-              <a:ea typeface="KoPubWorld돋움체 Medium" panose="00000600000000000000" pitchFamily="2" charset="-127"/>
-              <a:cs typeface="Noto Sans" panose="020B0502040504020204" pitchFamily="34" charset="0"/>
-            </a:endParaRPr>
-          </a:p>
-        </p:txBody>
-      </p:sp>
-      <p:pic>
-        <p:nvPicPr>
-          <p:cNvPr id="26" name="그림 25">
-            <a:extLst>
-              <a:ext uri="{FF2B5EF4-FFF2-40B4-BE49-F238E27FC236}">
-                <a16:creationId xmlns:a16="http://schemas.microsoft.com/office/drawing/2014/main" id="{723F3982-5F3A-4321-9664-25FDAAAA4A62}"/>
-              </a:ext>
-            </a:extLst>
-          </p:cNvPr>
-          <p:cNvPicPr>
-            <a:picLocks noChangeAspect="1"/>
-          </p:cNvPicPr>
-          <p:nvPr/>
-        </p:nvPicPr>
-        <p:blipFill>
-          <a:blip r:embed="rId2"/>
-          <a:stretch>
-            <a:fillRect/>
-          </a:stretch>
-        </p:blipFill>
-        <p:spPr>
-          <a:xfrm>
-            <a:off x="3588541" y="1869501"/>
-            <a:ext cx="5511841" cy="3371386"/>
-          </a:xfrm>
-          <a:prstGeom prst="rect">
-            <a:avLst/>
-          </a:prstGeom>
-        </p:spPr>
-      </p:pic>
-      <p:sp>
-        <p:nvSpPr>
-          <p:cNvPr id="9" name="TextBox 8">
-            <a:extLst>
-              <a:ext uri="{FF2B5EF4-FFF2-40B4-BE49-F238E27FC236}">
-                <a16:creationId xmlns:a16="http://schemas.microsoft.com/office/drawing/2014/main" id="{EF2E23E7-C232-44FE-9D4D-4C6F334418A9}"/>
-              </a:ext>
-            </a:extLst>
-          </p:cNvPr>
-          <p:cNvSpPr txBox="1"/>
-          <p:nvPr/>
-        </p:nvSpPr>
-        <p:spPr>
-          <a:xfrm>
-            <a:off x="11699631" y="6410326"/>
-            <a:ext cx="432460" cy="276999"/>
-          </a:xfrm>
-          <a:prstGeom prst="rect">
-            <a:avLst/>
-          </a:prstGeom>
-          <a:noFill/>
-        </p:spPr>
-        <p:txBody>
-          <a:bodyPr wrap="square" rtlCol="0">
-            <a:spAutoFit/>
-          </a:bodyPr>
-          <a:lstStyle/>
-          <a:p>
-            <a:r>
-              <a:rPr lang="en-US" altLang="ko-KR" sz="1200" b="1" dirty="0">
-                <a:latin typeface="Noto Sans" panose="020B0502040504020204" pitchFamily="34" charset="0"/>
-                <a:ea typeface="Noto Sans" panose="020B0502040504020204" pitchFamily="34" charset="0"/>
-                <a:cs typeface="Noto Sans" panose="020B0502040504020204" pitchFamily="34" charset="0"/>
-              </a:rPr>
-              <a:t>7</a:t>
-            </a:r>
-            <a:endParaRPr lang="ko-KR" altLang="en-US" sz="1200" b="1" dirty="0">
-              <a:latin typeface="Noto Sans" panose="020B0502040504020204" pitchFamily="34" charset="0"/>
-              <a:cs typeface="Noto Sans" panose="020B0502040504020204" pitchFamily="34" charset="0"/>
-            </a:endParaRPr>
-          </a:p>
-        </p:txBody>
-      </p:sp>
-    </p:spTree>
-    <p:extLst>
-      <p:ext uri="{BB962C8B-B14F-4D97-AF65-F5344CB8AC3E}">
-        <p14:creationId xmlns:p14="http://schemas.microsoft.com/office/powerpoint/2010/main" val="823594617"/>
-      </p:ext>
-    </p:extLst>
-  </p:cSld>
-  <p:clrMapOvr>
-    <a:masterClrMapping/>
-  </p:clrMapOvr>
-</p:sld>
-</file>
-
-<file path=ppt/slides/slide8.xml><?xml version="1.0" encoding="utf-8"?>
 <p:sld xmlns:a="http://schemas.openxmlformats.org/drawingml/2006/main" xmlns:r="http://schemas.openxmlformats.org/officeDocument/2006/relationships" xmlns:p="http://schemas.openxmlformats.org/presentationml/2006/main">
   <p:cSld>
     <p:spTree>
@@ -17056,12 +15412,20 @@
           <a:lstStyle/>
           <a:p>
             <a:r>
+              <a:rPr lang="ko-KR" altLang="en-US" sz="2400" b="1" dirty="0">
+                <a:latin typeface="Noto Sans" panose="020B0502040504020204" pitchFamily="34" charset="0"/>
+                <a:ea typeface="Noto Sans" panose="020B0502040504020204" pitchFamily="34" charset="0"/>
+                <a:cs typeface="Noto Sans" panose="020B0502040504020204" pitchFamily="34" charset="0"/>
+              </a:rPr>
+              <a:t>발명내용 </a:t>
+            </a:r>
+            <a:r>
               <a:rPr lang="en-US" altLang="ko-KR" sz="2400" b="1" dirty="0">
                 <a:latin typeface="Noto Sans" panose="020B0502040504020204" pitchFamily="34" charset="0"/>
                 <a:ea typeface="Noto Sans" panose="020B0502040504020204" pitchFamily="34" charset="0"/>
                 <a:cs typeface="Noto Sans" panose="020B0502040504020204" pitchFamily="34" charset="0"/>
               </a:rPr>
-              <a:t>Phase 1</a:t>
+              <a:t>: Phase 1</a:t>
             </a:r>
             <a:endParaRPr lang="ko-KR" altLang="en-US" sz="2400" b="1" dirty="0">
               <a:latin typeface="Noto Sans" panose="020B0502040504020204" pitchFamily="34" charset="0"/>
@@ -17104,7 +15468,7 @@
                 <a:latin typeface="Noto Sans" panose="020B0502040504020204" pitchFamily="34" charset="0"/>
                 <a:cs typeface="Noto Sans" panose="020B0502040504020204" pitchFamily="34" charset="0"/>
               </a:rPr>
-              <a:t>8</a:t>
+              <a:t>7</a:t>
             </a:r>
             <a:endParaRPr lang="ko-KR" altLang="en-US" sz="1200" b="1" dirty="0">
               <a:latin typeface="Noto Sans" panose="020B0502040504020204" pitchFamily="34" charset="0"/>
@@ -17126,7 +15490,7 @@
 </p:sld>
 </file>
 
-<file path=ppt/slides/slide9.xml><?xml version="1.0" encoding="utf-8"?>
+<file path=ppt/slides/slide8.xml><?xml version="1.0" encoding="utf-8"?>
 <p:sld xmlns:a="http://schemas.openxmlformats.org/drawingml/2006/main" xmlns:r="http://schemas.openxmlformats.org/officeDocument/2006/relationships" xmlns:p="http://schemas.openxmlformats.org/presentationml/2006/main">
   <p:cSld>
     <p:spTree>
@@ -17958,10 +16322,10 @@
       </p:sp>
       <p:sp>
         <p:nvSpPr>
-          <p:cNvPr id="16" name="TextBox 15">
-            <a:extLst>
-              <a:ext uri="{FF2B5EF4-FFF2-40B4-BE49-F238E27FC236}">
-                <a16:creationId xmlns:a16="http://schemas.microsoft.com/office/drawing/2014/main" id="{FCE036FE-0E24-4CC3-A847-50878E4B4AC3}"/>
+          <p:cNvPr id="18" name="TextBox 17">
+            <a:extLst>
+              <a:ext uri="{FF2B5EF4-FFF2-40B4-BE49-F238E27FC236}">
+                <a16:creationId xmlns:a16="http://schemas.microsoft.com/office/drawing/2014/main" id="{EAD52BC5-FF88-4DE2-BF41-790A31648962}"/>
               </a:ext>
             </a:extLst>
           </p:cNvPr>
@@ -17970,8 +16334,8 @@
         </p:nvSpPr>
         <p:spPr>
           <a:xfrm>
-            <a:off x="70338" y="87923"/>
-            <a:ext cx="2949087" cy="461665"/>
+            <a:off x="11699631" y="6410326"/>
+            <a:ext cx="432460" cy="276999"/>
           </a:xfrm>
           <a:prstGeom prst="rect">
             <a:avLst/>
@@ -17985,12 +16349,62 @@
           <a:lstStyle/>
           <a:p>
             <a:r>
+              <a:rPr lang="en-US" altLang="ko-KR" sz="1200" b="1" dirty="0">
+                <a:latin typeface="Noto Sans" panose="020B0502040504020204" pitchFamily="34" charset="0"/>
+                <a:cs typeface="Noto Sans" panose="020B0502040504020204" pitchFamily="34" charset="0"/>
+              </a:rPr>
+              <a:t>8</a:t>
+            </a:r>
+            <a:endParaRPr lang="ko-KR" altLang="en-US" sz="1200" b="1" dirty="0">
+              <a:latin typeface="Noto Sans" panose="020B0502040504020204" pitchFamily="34" charset="0"/>
+              <a:cs typeface="Noto Sans" panose="020B0502040504020204" pitchFamily="34" charset="0"/>
+            </a:endParaRPr>
+          </a:p>
+        </p:txBody>
+      </p:sp>
+      <p:sp>
+        <p:nvSpPr>
+          <p:cNvPr id="2" name="TextBox 1">
+            <a:extLst>
+              <a:ext uri="{FF2B5EF4-FFF2-40B4-BE49-F238E27FC236}">
+                <a16:creationId xmlns:a16="http://schemas.microsoft.com/office/drawing/2014/main" id="{E742BB03-E17B-BB2D-A4EE-5B4B4D1CC991}"/>
+              </a:ext>
+            </a:extLst>
+          </p:cNvPr>
+          <p:cNvSpPr txBox="1"/>
+          <p:nvPr/>
+        </p:nvSpPr>
+        <p:spPr>
+          <a:xfrm>
+            <a:off x="70338" y="87923"/>
+            <a:ext cx="2949087" cy="461665"/>
+          </a:xfrm>
+          <a:prstGeom prst="rect">
+            <a:avLst/>
+          </a:prstGeom>
+          <a:noFill/>
+        </p:spPr>
+        <p:txBody>
+          <a:bodyPr wrap="square" rtlCol="0">
+            <a:spAutoFit/>
+          </a:bodyPr>
+          <a:lstStyle/>
+          <a:p>
+            <a:r>
+              <a:rPr lang="ko-KR" altLang="en-US" sz="2400" b="1" dirty="0">
+                <a:latin typeface="Noto Sans" panose="020B0502040504020204" pitchFamily="34" charset="0"/>
+                <a:ea typeface="Noto Sans" panose="020B0502040504020204" pitchFamily="34" charset="0"/>
+                <a:cs typeface="Noto Sans" panose="020B0502040504020204" pitchFamily="34" charset="0"/>
+              </a:rPr>
+              <a:t>발명내용 </a:t>
+            </a:r>
+            <a:r>
               <a:rPr lang="en-US" altLang="ko-KR" sz="2400" b="1" dirty="0">
                 <a:latin typeface="Noto Sans" panose="020B0502040504020204" pitchFamily="34" charset="0"/>
                 <a:ea typeface="Noto Sans" panose="020B0502040504020204" pitchFamily="34" charset="0"/>
                 <a:cs typeface="Noto Sans" panose="020B0502040504020204" pitchFamily="34" charset="0"/>
               </a:rPr>
-              <a:t>Phase 1</a:t>
+              <a:t>: Phase 1</a:t>
             </a:r>
             <a:endParaRPr lang="ko-KR" altLang="en-US" sz="2400" b="1" dirty="0">
               <a:latin typeface="Noto Sans" panose="020B0502040504020204" pitchFamily="34" charset="0"/>
@@ -18000,27 +16414,1226 @@
           </a:p>
         </p:txBody>
       </p:sp>
-      <p:sp>
-        <p:nvSpPr>
-          <p:cNvPr id="18" name="TextBox 17">
-            <a:extLst>
-              <a:ext uri="{FF2B5EF4-FFF2-40B4-BE49-F238E27FC236}">
-                <a16:creationId xmlns:a16="http://schemas.microsoft.com/office/drawing/2014/main" id="{EAD52BC5-FF88-4DE2-BF41-790A31648962}"/>
-              </a:ext>
-            </a:extLst>
-          </p:cNvPr>
-          <p:cNvSpPr txBox="1"/>
+    </p:spTree>
+    <p:extLst>
+      <p:ext uri="{BB962C8B-B14F-4D97-AF65-F5344CB8AC3E}">
+        <p14:creationId xmlns:p14="http://schemas.microsoft.com/office/powerpoint/2010/main" val="2023954309"/>
+      </p:ext>
+    </p:extLst>
+  </p:cSld>
+  <p:clrMapOvr>
+    <a:masterClrMapping/>
+  </p:clrMapOvr>
+</p:sld>
+</file>
+
+<file path=ppt/slides/slide9.xml><?xml version="1.0" encoding="utf-8"?>
+<p:sld xmlns:a="http://schemas.openxmlformats.org/drawingml/2006/main" xmlns:r="http://schemas.openxmlformats.org/officeDocument/2006/relationships" xmlns:p="http://schemas.openxmlformats.org/presentationml/2006/main">
+  <p:cSld>
+    <p:spTree>
+      <p:nvGrpSpPr>
+        <p:cNvPr id="1" name=""/>
+        <p:cNvGrpSpPr/>
+        <p:nvPr/>
+      </p:nvGrpSpPr>
+      <p:grpSpPr>
+        <a:xfrm>
+          <a:off x="0" y="0"/>
+          <a:ext cx="0" cy="0"/>
+          <a:chOff x="0" y="0"/>
+          <a:chExt cx="0" cy="0"/>
+        </a:xfrm>
+      </p:grpSpPr>
+      <p:sp>
+        <p:nvSpPr>
+          <p:cNvPr id="11" name="순서도: 자기 디스크 10">
+            <a:extLst>
+              <a:ext uri="{FF2B5EF4-FFF2-40B4-BE49-F238E27FC236}">
+                <a16:creationId xmlns:a16="http://schemas.microsoft.com/office/drawing/2014/main" id="{3C41BC82-4371-B842-F76D-67053839BD88}"/>
+              </a:ext>
+            </a:extLst>
+          </p:cNvPr>
+          <p:cNvSpPr/>
           <p:nvPr/>
         </p:nvSpPr>
         <p:spPr>
           <a:xfrm>
-            <a:off x="11699631" y="6410326"/>
-            <a:ext cx="432460" cy="276999"/>
+            <a:off x="1986103" y="4924739"/>
+            <a:ext cx="1386373" cy="736441"/>
+          </a:xfrm>
+          <a:prstGeom prst="flowChartMagneticDisk">
+            <a:avLst/>
+          </a:prstGeom>
+          <a:noFill/>
+          <a:effectLst>
+            <a:outerShdw blurRad="1270000" dist="50800" dir="5400000" algn="ctr" rotWithShape="0">
+              <a:srgbClr val="000000">
+                <a:alpha val="43137"/>
+              </a:srgbClr>
+            </a:outerShdw>
+          </a:effectLst>
+        </p:spPr>
+        <p:style>
+          <a:lnRef idx="2">
+            <a:schemeClr val="accent1">
+              <a:shade val="15000"/>
+            </a:schemeClr>
+          </a:lnRef>
+          <a:fillRef idx="1">
+            <a:schemeClr val="accent1"/>
+          </a:fillRef>
+          <a:effectRef idx="0">
+            <a:schemeClr val="accent1"/>
+          </a:effectRef>
+          <a:fontRef idx="minor">
+            <a:schemeClr val="lt1"/>
+          </a:fontRef>
+        </p:style>
+        <p:txBody>
+          <a:bodyPr rtlCol="0" anchor="ctr"/>
+          <a:lstStyle/>
+          <a:p>
+            <a:pPr algn="ctr"/>
+            <a:r>
+              <a:rPr lang="ko-KR" altLang="en-US" sz="1000" i="1" dirty="0">
+                <a:solidFill>
+                  <a:schemeClr val="tx1"/>
+                </a:solidFill>
+                <a:latin typeface="Noto Sans" panose="020B0502040504020204" pitchFamily="34" charset="0"/>
+                <a:cs typeface="Noto Sans" panose="020B0502040504020204" pitchFamily="34" charset="0"/>
+              </a:rPr>
+              <a:t>표준 질의문장</a:t>
+            </a:r>
+            <a:endParaRPr lang="en-US" altLang="ko-KR" sz="1000" i="1" dirty="0">
+              <a:solidFill>
+                <a:schemeClr val="tx1"/>
+              </a:solidFill>
+              <a:latin typeface="Noto Sans" panose="020B0502040504020204" pitchFamily="34" charset="0"/>
+              <a:ea typeface="Noto Sans" panose="020B0502040504020204" pitchFamily="34" charset="0"/>
+              <a:cs typeface="Noto Sans" panose="020B0502040504020204" pitchFamily="34" charset="0"/>
+            </a:endParaRPr>
+          </a:p>
+          <a:p>
+            <a:pPr algn="ctr"/>
+            <a:r>
+              <a:rPr lang="ko-KR" altLang="en-US" sz="1000" i="1" dirty="0">
+                <a:solidFill>
+                  <a:schemeClr val="tx1"/>
+                </a:solidFill>
+                <a:latin typeface="Noto Sans" panose="020B0502040504020204" pitchFamily="34" charset="0"/>
+                <a:cs typeface="Noto Sans" panose="020B0502040504020204" pitchFamily="34" charset="0"/>
+              </a:rPr>
+              <a:t>데이터셋 </a:t>
+            </a:r>
+            <a:endParaRPr lang="en-US" altLang="ko-KR" sz="1000" i="1" dirty="0">
+              <a:solidFill>
+                <a:schemeClr val="tx1"/>
+              </a:solidFill>
+              <a:latin typeface="Noto Sans" panose="020B0502040504020204" pitchFamily="34" charset="0"/>
+              <a:ea typeface="Noto Sans" panose="020B0502040504020204" pitchFamily="34" charset="0"/>
+              <a:cs typeface="Noto Sans" panose="020B0502040504020204" pitchFamily="34" charset="0"/>
+            </a:endParaRPr>
+          </a:p>
+        </p:txBody>
+      </p:sp>
+      <p:sp>
+        <p:nvSpPr>
+          <p:cNvPr id="3" name="순서도: 자기 디스크 2">
+            <a:extLst>
+              <a:ext uri="{FF2B5EF4-FFF2-40B4-BE49-F238E27FC236}">
+                <a16:creationId xmlns:a16="http://schemas.microsoft.com/office/drawing/2014/main" id="{67497B06-66A1-DC3C-F43C-27DEF43DF924}"/>
+              </a:ext>
+            </a:extLst>
+          </p:cNvPr>
+          <p:cNvSpPr/>
+          <p:nvPr/>
+        </p:nvSpPr>
+        <p:spPr>
+          <a:xfrm>
+            <a:off x="9176036" y="1312463"/>
+            <a:ext cx="1386373" cy="736441"/>
+          </a:xfrm>
+          <a:prstGeom prst="flowChartMagneticDisk">
+            <a:avLst/>
+          </a:prstGeom>
+          <a:noFill/>
+          <a:effectLst>
+            <a:outerShdw blurRad="1270000" dist="50800" dir="5400000" algn="ctr" rotWithShape="0">
+              <a:srgbClr val="000000">
+                <a:alpha val="43137"/>
+              </a:srgbClr>
+            </a:outerShdw>
+          </a:effectLst>
+        </p:spPr>
+        <p:style>
+          <a:lnRef idx="2">
+            <a:schemeClr val="accent1">
+              <a:shade val="15000"/>
+            </a:schemeClr>
+          </a:lnRef>
+          <a:fillRef idx="1">
+            <a:schemeClr val="accent1"/>
+          </a:fillRef>
+          <a:effectRef idx="0">
+            <a:schemeClr val="accent1"/>
+          </a:effectRef>
+          <a:fontRef idx="minor">
+            <a:schemeClr val="lt1"/>
+          </a:fontRef>
+        </p:style>
+        <p:txBody>
+          <a:bodyPr rtlCol="0" anchor="ctr"/>
+          <a:lstStyle/>
+          <a:p>
+            <a:pPr algn="ctr"/>
+            <a:r>
+              <a:rPr lang="ko-KR" altLang="en-US" sz="1200" i="1" dirty="0">
+                <a:solidFill>
+                  <a:schemeClr val="tx1"/>
+                </a:solidFill>
+                <a:latin typeface="Noto Sans" panose="020B0502040504020204" pitchFamily="34" charset="0"/>
+                <a:cs typeface="Noto Sans" panose="020B0502040504020204" pitchFamily="34" charset="0"/>
+              </a:rPr>
+              <a:t>비표준 질의문장 </a:t>
+            </a:r>
+            <a:endParaRPr lang="en-US" altLang="ko-KR" sz="1200" i="1" dirty="0">
+              <a:solidFill>
+                <a:schemeClr val="tx1"/>
+              </a:solidFill>
+              <a:latin typeface="Noto Sans" panose="020B0502040504020204" pitchFamily="34" charset="0"/>
+              <a:ea typeface="Noto Sans" panose="020B0502040504020204" pitchFamily="34" charset="0"/>
+              <a:cs typeface="Noto Sans" panose="020B0502040504020204" pitchFamily="34" charset="0"/>
+            </a:endParaRPr>
+          </a:p>
+        </p:txBody>
+      </p:sp>
+      <p:cxnSp>
+        <p:nvCxnSpPr>
+          <p:cNvPr id="19" name="직선 화살표 연결선 18">
+            <a:extLst>
+              <a:ext uri="{FF2B5EF4-FFF2-40B4-BE49-F238E27FC236}">
+                <a16:creationId xmlns:a16="http://schemas.microsoft.com/office/drawing/2014/main" id="{E639758F-ADBF-9FB9-C5C2-0C000C1B0DF7}"/>
+              </a:ext>
+            </a:extLst>
+          </p:cNvPr>
+          <p:cNvCxnSpPr>
+            <a:cxnSpLocks/>
+          </p:cNvCxnSpPr>
+          <p:nvPr/>
+        </p:nvCxnSpPr>
+        <p:spPr>
+          <a:xfrm flipV="1">
+            <a:off x="2679290" y="4147429"/>
+            <a:ext cx="0" cy="336590"/>
+          </a:xfrm>
+          <a:prstGeom prst="straightConnector1">
+            <a:avLst/>
+          </a:prstGeom>
+          <a:ln>
+            <a:tailEnd type="triangle"/>
+          </a:ln>
+        </p:spPr>
+        <p:style>
+          <a:lnRef idx="1">
+            <a:schemeClr val="dk1"/>
+          </a:lnRef>
+          <a:fillRef idx="0">
+            <a:schemeClr val="dk1"/>
+          </a:fillRef>
+          <a:effectRef idx="0">
+            <a:schemeClr val="dk1"/>
+          </a:effectRef>
+          <a:fontRef idx="minor">
+            <a:schemeClr val="tx1"/>
+          </a:fontRef>
+        </p:style>
+      </p:cxnSp>
+      <p:sp>
+        <p:nvSpPr>
+          <p:cNvPr id="34" name="직사각형 33">
+            <a:extLst>
+              <a:ext uri="{FF2B5EF4-FFF2-40B4-BE49-F238E27FC236}">
+                <a16:creationId xmlns:a16="http://schemas.microsoft.com/office/drawing/2014/main" id="{B1DADC86-AD6D-72E2-3E7B-A53FF1720575}"/>
+              </a:ext>
+            </a:extLst>
+          </p:cNvPr>
+          <p:cNvSpPr/>
+          <p:nvPr/>
+        </p:nvSpPr>
+        <p:spPr>
+          <a:xfrm>
+            <a:off x="4892781" y="2949651"/>
+            <a:ext cx="2132307" cy="888603"/>
           </a:xfrm>
           <a:prstGeom prst="rect">
             <a:avLst/>
           </a:prstGeom>
           <a:noFill/>
+          <a:effectLst>
+            <a:outerShdw blurRad="1270000" dist="50800" dir="5400000" algn="ctr" rotWithShape="0">
+              <a:srgbClr val="000000">
+                <a:alpha val="43137"/>
+              </a:srgbClr>
+            </a:outerShdw>
+          </a:effectLst>
+        </p:spPr>
+        <p:style>
+          <a:lnRef idx="2">
+            <a:schemeClr val="accent1">
+              <a:shade val="15000"/>
+            </a:schemeClr>
+          </a:lnRef>
+          <a:fillRef idx="1">
+            <a:schemeClr val="accent1"/>
+          </a:fillRef>
+          <a:effectRef idx="0">
+            <a:schemeClr val="accent1"/>
+          </a:effectRef>
+          <a:fontRef idx="minor">
+            <a:schemeClr val="lt1"/>
+          </a:fontRef>
+        </p:style>
+        <p:txBody>
+          <a:bodyPr rtlCol="0" anchor="ctr"/>
+          <a:lstStyle/>
+          <a:p>
+            <a:pPr algn="ctr"/>
+            <a:r>
+              <a:rPr lang="en-US" altLang="ko-KR" sz="1500" dirty="0">
+                <a:solidFill>
+                  <a:schemeClr val="tx1"/>
+                </a:solidFill>
+                <a:latin typeface="Noto Sans" panose="020B0502040504020204" pitchFamily="34" charset="0"/>
+                <a:ea typeface="Noto Sans" panose="020B0502040504020204" pitchFamily="34" charset="0"/>
+                <a:cs typeface="Noto Sans" panose="020B0502040504020204" pitchFamily="34" charset="0"/>
+              </a:rPr>
+              <a:t>sql2text</a:t>
+            </a:r>
+            <a:endParaRPr lang="ko-KR" altLang="en-US" sz="1500" dirty="0">
+              <a:solidFill>
+                <a:schemeClr val="tx1"/>
+              </a:solidFill>
+              <a:latin typeface="Noto Sans" panose="020B0502040504020204" pitchFamily="34" charset="0"/>
+              <a:cs typeface="Noto Sans" panose="020B0502040504020204" pitchFamily="34" charset="0"/>
+            </a:endParaRPr>
+          </a:p>
+        </p:txBody>
+      </p:sp>
+      <p:sp>
+        <p:nvSpPr>
+          <p:cNvPr id="35" name="순서도: 문서 34">
+            <a:extLst>
+              <a:ext uri="{FF2B5EF4-FFF2-40B4-BE49-F238E27FC236}">
+                <a16:creationId xmlns:a16="http://schemas.microsoft.com/office/drawing/2014/main" id="{0D21D022-88ED-151F-D344-CE842BBABE08}"/>
+              </a:ext>
+            </a:extLst>
+          </p:cNvPr>
+          <p:cNvSpPr/>
+          <p:nvPr/>
+        </p:nvSpPr>
+        <p:spPr>
+          <a:xfrm>
+            <a:off x="8912501" y="2530731"/>
+            <a:ext cx="2138913" cy="888602"/>
+          </a:xfrm>
+          <a:prstGeom prst="flowChartDocument">
+            <a:avLst/>
+          </a:prstGeom>
+          <a:solidFill>
+            <a:schemeClr val="bg1"/>
+          </a:solidFill>
+          <a:effectLst>
+            <a:outerShdw blurRad="127000" dist="50800" dir="5400000" algn="ctr" rotWithShape="0">
+              <a:srgbClr val="000000">
+                <a:alpha val="50000"/>
+              </a:srgbClr>
+            </a:outerShdw>
+          </a:effectLst>
+        </p:spPr>
+        <p:style>
+          <a:lnRef idx="2">
+            <a:schemeClr val="accent1">
+              <a:shade val="15000"/>
+            </a:schemeClr>
+          </a:lnRef>
+          <a:fillRef idx="1">
+            <a:schemeClr val="accent1"/>
+          </a:fillRef>
+          <a:effectRef idx="0">
+            <a:schemeClr val="accent1"/>
+          </a:effectRef>
+          <a:fontRef idx="minor">
+            <a:schemeClr val="lt1"/>
+          </a:fontRef>
+        </p:style>
+        <p:txBody>
+          <a:bodyPr rtlCol="0" anchor="ctr"/>
+          <a:lstStyle/>
+          <a:p>
+            <a:pPr algn="ctr"/>
+            <a:endParaRPr lang="ko-KR" altLang="en-US" dirty="0">
+              <a:latin typeface="Noto Sans" panose="020B0502040504020204" pitchFamily="34" charset="0"/>
+              <a:cs typeface="Noto Sans" panose="020B0502040504020204" pitchFamily="34" charset="0"/>
+            </a:endParaRPr>
+          </a:p>
+        </p:txBody>
+      </p:sp>
+      <p:sp>
+        <p:nvSpPr>
+          <p:cNvPr id="36" name="순서도: 문서 35">
+            <a:extLst>
+              <a:ext uri="{FF2B5EF4-FFF2-40B4-BE49-F238E27FC236}">
+                <a16:creationId xmlns:a16="http://schemas.microsoft.com/office/drawing/2014/main" id="{76A233EB-66A2-5EF0-D792-14FB5EB9ADAB}"/>
+              </a:ext>
+            </a:extLst>
+          </p:cNvPr>
+          <p:cNvSpPr/>
+          <p:nvPr/>
+        </p:nvSpPr>
+        <p:spPr>
+          <a:xfrm>
+            <a:off x="8840614" y="2567943"/>
+            <a:ext cx="2138913" cy="888602"/>
+          </a:xfrm>
+          <a:prstGeom prst="flowChartDocument">
+            <a:avLst/>
+          </a:prstGeom>
+          <a:solidFill>
+            <a:schemeClr val="bg1"/>
+          </a:solidFill>
+          <a:effectLst>
+            <a:outerShdw blurRad="127000" dist="50800" dir="5400000" algn="ctr" rotWithShape="0">
+              <a:srgbClr val="000000">
+                <a:alpha val="50000"/>
+              </a:srgbClr>
+            </a:outerShdw>
+          </a:effectLst>
+        </p:spPr>
+        <p:style>
+          <a:lnRef idx="2">
+            <a:schemeClr val="accent1">
+              <a:shade val="15000"/>
+            </a:schemeClr>
+          </a:lnRef>
+          <a:fillRef idx="1">
+            <a:schemeClr val="accent1"/>
+          </a:fillRef>
+          <a:effectRef idx="0">
+            <a:schemeClr val="accent1"/>
+          </a:effectRef>
+          <a:fontRef idx="minor">
+            <a:schemeClr val="lt1"/>
+          </a:fontRef>
+        </p:style>
+        <p:txBody>
+          <a:bodyPr rtlCol="0" anchor="ctr"/>
+          <a:lstStyle/>
+          <a:p>
+            <a:pPr algn="ctr"/>
+            <a:endParaRPr lang="ko-KR" altLang="en-US" dirty="0">
+              <a:latin typeface="Noto Sans" panose="020B0502040504020204" pitchFamily="34" charset="0"/>
+              <a:cs typeface="Noto Sans" panose="020B0502040504020204" pitchFamily="34" charset="0"/>
+            </a:endParaRPr>
+          </a:p>
+        </p:txBody>
+      </p:sp>
+      <p:sp>
+        <p:nvSpPr>
+          <p:cNvPr id="37" name="순서도: 문서 36">
+            <a:extLst>
+              <a:ext uri="{FF2B5EF4-FFF2-40B4-BE49-F238E27FC236}">
+                <a16:creationId xmlns:a16="http://schemas.microsoft.com/office/drawing/2014/main" id="{7DDC720E-36DE-0409-308A-34206AD37E19}"/>
+              </a:ext>
+            </a:extLst>
+          </p:cNvPr>
+          <p:cNvSpPr/>
+          <p:nvPr/>
+        </p:nvSpPr>
+        <p:spPr>
+          <a:xfrm>
+            <a:off x="8768727" y="2619983"/>
+            <a:ext cx="2138913" cy="888602"/>
+          </a:xfrm>
+          <a:prstGeom prst="flowChartDocument">
+            <a:avLst/>
+          </a:prstGeom>
+          <a:solidFill>
+            <a:schemeClr val="bg1"/>
+          </a:solidFill>
+          <a:effectLst>
+            <a:outerShdw blurRad="127000" dist="50800" dir="5400000" algn="ctr" rotWithShape="0">
+              <a:srgbClr val="000000">
+                <a:alpha val="50000"/>
+              </a:srgbClr>
+            </a:outerShdw>
+          </a:effectLst>
+        </p:spPr>
+        <p:style>
+          <a:lnRef idx="2">
+            <a:schemeClr val="accent1">
+              <a:shade val="15000"/>
+            </a:schemeClr>
+          </a:lnRef>
+          <a:fillRef idx="1">
+            <a:schemeClr val="accent1"/>
+          </a:fillRef>
+          <a:effectRef idx="0">
+            <a:schemeClr val="accent1"/>
+          </a:effectRef>
+          <a:fontRef idx="minor">
+            <a:schemeClr val="lt1"/>
+          </a:fontRef>
+        </p:style>
+        <p:txBody>
+          <a:bodyPr rtlCol="0" anchor="ctr"/>
+          <a:lstStyle/>
+          <a:p>
+            <a:pPr algn="ctr"/>
+            <a:endParaRPr lang="ko-KR" altLang="en-US" dirty="0">
+              <a:latin typeface="Noto Sans" panose="020B0502040504020204" pitchFamily="34" charset="0"/>
+              <a:cs typeface="Noto Sans" panose="020B0502040504020204" pitchFamily="34" charset="0"/>
+            </a:endParaRPr>
+          </a:p>
+        </p:txBody>
+      </p:sp>
+      <p:sp>
+        <p:nvSpPr>
+          <p:cNvPr id="38" name="순서도: 문서 37">
+            <a:extLst>
+              <a:ext uri="{FF2B5EF4-FFF2-40B4-BE49-F238E27FC236}">
+                <a16:creationId xmlns:a16="http://schemas.microsoft.com/office/drawing/2014/main" id="{B995F21A-CB1B-C02D-0B96-509F9190E921}"/>
+              </a:ext>
+            </a:extLst>
+          </p:cNvPr>
+          <p:cNvSpPr/>
+          <p:nvPr/>
+        </p:nvSpPr>
+        <p:spPr>
+          <a:xfrm>
+            <a:off x="8696840" y="2672023"/>
+            <a:ext cx="2138913" cy="888602"/>
+          </a:xfrm>
+          <a:prstGeom prst="flowChartDocument">
+            <a:avLst/>
+          </a:prstGeom>
+          <a:solidFill>
+            <a:schemeClr val="bg1"/>
+          </a:solidFill>
+          <a:effectLst>
+            <a:outerShdw blurRad="127000" dist="50800" dir="5400000" algn="ctr" rotWithShape="0">
+              <a:srgbClr val="000000">
+                <a:alpha val="50000"/>
+              </a:srgbClr>
+            </a:outerShdw>
+          </a:effectLst>
+        </p:spPr>
+        <p:style>
+          <a:lnRef idx="2">
+            <a:schemeClr val="accent1">
+              <a:shade val="15000"/>
+            </a:schemeClr>
+          </a:lnRef>
+          <a:fillRef idx="1">
+            <a:schemeClr val="accent1"/>
+          </a:fillRef>
+          <a:effectRef idx="0">
+            <a:schemeClr val="accent1"/>
+          </a:effectRef>
+          <a:fontRef idx="minor">
+            <a:schemeClr val="lt1"/>
+          </a:fontRef>
+        </p:style>
+        <p:txBody>
+          <a:bodyPr rtlCol="0" anchor="ctr"/>
+          <a:lstStyle/>
+          <a:p>
+            <a:pPr algn="ctr"/>
+            <a:endParaRPr lang="ko-KR" altLang="en-US" dirty="0">
+              <a:latin typeface="Noto Sans" panose="020B0502040504020204" pitchFamily="34" charset="0"/>
+              <a:cs typeface="Noto Sans" panose="020B0502040504020204" pitchFamily="34" charset="0"/>
+            </a:endParaRPr>
+          </a:p>
+        </p:txBody>
+      </p:sp>
+      <p:sp>
+        <p:nvSpPr>
+          <p:cNvPr id="39" name="순서도: 문서 38">
+            <a:extLst>
+              <a:ext uri="{FF2B5EF4-FFF2-40B4-BE49-F238E27FC236}">
+                <a16:creationId xmlns:a16="http://schemas.microsoft.com/office/drawing/2014/main" id="{EE82F94E-E8B9-D6B5-6CB8-381DA255BD9E}"/>
+              </a:ext>
+            </a:extLst>
+          </p:cNvPr>
+          <p:cNvSpPr/>
+          <p:nvPr/>
+        </p:nvSpPr>
+        <p:spPr>
+          <a:xfrm>
+            <a:off x="8632055" y="2710198"/>
+            <a:ext cx="2138913" cy="888602"/>
+          </a:xfrm>
+          <a:prstGeom prst="flowChartDocument">
+            <a:avLst/>
+          </a:prstGeom>
+          <a:solidFill>
+            <a:schemeClr val="bg1"/>
+          </a:solidFill>
+          <a:effectLst>
+            <a:outerShdw blurRad="127000" dist="50800" dir="5400000" algn="ctr" rotWithShape="0">
+              <a:srgbClr val="000000">
+                <a:alpha val="50000"/>
+              </a:srgbClr>
+            </a:outerShdw>
+          </a:effectLst>
+        </p:spPr>
+        <p:style>
+          <a:lnRef idx="2">
+            <a:schemeClr val="accent1">
+              <a:shade val="15000"/>
+            </a:schemeClr>
+          </a:lnRef>
+          <a:fillRef idx="1">
+            <a:schemeClr val="accent1"/>
+          </a:fillRef>
+          <a:effectRef idx="0">
+            <a:schemeClr val="accent1"/>
+          </a:effectRef>
+          <a:fontRef idx="minor">
+            <a:schemeClr val="lt1"/>
+          </a:fontRef>
+        </p:style>
+        <p:txBody>
+          <a:bodyPr rtlCol="0" anchor="ctr"/>
+          <a:lstStyle/>
+          <a:p>
+            <a:pPr algn="ctr"/>
+            <a:endParaRPr lang="ko-KR" altLang="en-US" dirty="0">
+              <a:latin typeface="Noto Sans" panose="020B0502040504020204" pitchFamily="34" charset="0"/>
+              <a:cs typeface="Noto Sans" panose="020B0502040504020204" pitchFamily="34" charset="0"/>
+            </a:endParaRPr>
+          </a:p>
+        </p:txBody>
+      </p:sp>
+      <p:sp>
+        <p:nvSpPr>
+          <p:cNvPr id="40" name="순서도: 문서 39">
+            <a:extLst>
+              <a:ext uri="{FF2B5EF4-FFF2-40B4-BE49-F238E27FC236}">
+                <a16:creationId xmlns:a16="http://schemas.microsoft.com/office/drawing/2014/main" id="{8402F7EB-782F-02DF-D1B3-1A82CC74EC16}"/>
+              </a:ext>
+            </a:extLst>
+          </p:cNvPr>
+          <p:cNvSpPr/>
+          <p:nvPr/>
+        </p:nvSpPr>
+        <p:spPr>
+          <a:xfrm>
+            <a:off x="8560168" y="2747410"/>
+            <a:ext cx="2138913" cy="888602"/>
+          </a:xfrm>
+          <a:prstGeom prst="flowChartDocument">
+            <a:avLst/>
+          </a:prstGeom>
+          <a:solidFill>
+            <a:schemeClr val="bg1"/>
+          </a:solidFill>
+          <a:effectLst>
+            <a:outerShdw blurRad="127000" dist="50800" dir="5400000" algn="ctr" rotWithShape="0">
+              <a:srgbClr val="000000">
+                <a:alpha val="50000"/>
+              </a:srgbClr>
+            </a:outerShdw>
+          </a:effectLst>
+        </p:spPr>
+        <p:style>
+          <a:lnRef idx="2">
+            <a:schemeClr val="accent1">
+              <a:shade val="15000"/>
+            </a:schemeClr>
+          </a:lnRef>
+          <a:fillRef idx="1">
+            <a:schemeClr val="accent1"/>
+          </a:fillRef>
+          <a:effectRef idx="0">
+            <a:schemeClr val="accent1"/>
+          </a:effectRef>
+          <a:fontRef idx="minor">
+            <a:schemeClr val="lt1"/>
+          </a:fontRef>
+        </p:style>
+        <p:txBody>
+          <a:bodyPr rtlCol="0" anchor="ctr"/>
+          <a:lstStyle/>
+          <a:p>
+            <a:pPr algn="ctr"/>
+            <a:endParaRPr lang="ko-KR" altLang="en-US" dirty="0">
+              <a:latin typeface="Noto Sans" panose="020B0502040504020204" pitchFamily="34" charset="0"/>
+              <a:cs typeface="Noto Sans" panose="020B0502040504020204" pitchFamily="34" charset="0"/>
+            </a:endParaRPr>
+          </a:p>
+        </p:txBody>
+      </p:sp>
+      <p:sp>
+        <p:nvSpPr>
+          <p:cNvPr id="41" name="순서도: 문서 40">
+            <a:extLst>
+              <a:ext uri="{FF2B5EF4-FFF2-40B4-BE49-F238E27FC236}">
+                <a16:creationId xmlns:a16="http://schemas.microsoft.com/office/drawing/2014/main" id="{BE413858-D913-AD30-D734-3221282C938B}"/>
+              </a:ext>
+            </a:extLst>
+          </p:cNvPr>
+          <p:cNvSpPr/>
+          <p:nvPr/>
+        </p:nvSpPr>
+        <p:spPr>
+          <a:xfrm>
+            <a:off x="8488281" y="2799450"/>
+            <a:ext cx="2138913" cy="888602"/>
+          </a:xfrm>
+          <a:prstGeom prst="flowChartDocument">
+            <a:avLst/>
+          </a:prstGeom>
+          <a:solidFill>
+            <a:schemeClr val="bg1"/>
+          </a:solidFill>
+          <a:effectLst>
+            <a:outerShdw blurRad="127000" dist="50800" dir="5400000" algn="ctr" rotWithShape="0">
+              <a:srgbClr val="000000">
+                <a:alpha val="50000"/>
+              </a:srgbClr>
+            </a:outerShdw>
+          </a:effectLst>
+        </p:spPr>
+        <p:style>
+          <a:lnRef idx="2">
+            <a:schemeClr val="accent1">
+              <a:shade val="15000"/>
+            </a:schemeClr>
+          </a:lnRef>
+          <a:fillRef idx="1">
+            <a:schemeClr val="accent1"/>
+          </a:fillRef>
+          <a:effectRef idx="0">
+            <a:schemeClr val="accent1"/>
+          </a:effectRef>
+          <a:fontRef idx="minor">
+            <a:schemeClr val="lt1"/>
+          </a:fontRef>
+        </p:style>
+        <p:txBody>
+          <a:bodyPr rtlCol="0" anchor="ctr"/>
+          <a:lstStyle/>
+          <a:p>
+            <a:pPr algn="ctr"/>
+            <a:endParaRPr lang="ko-KR" altLang="en-US" dirty="0">
+              <a:latin typeface="Noto Sans" panose="020B0502040504020204" pitchFamily="34" charset="0"/>
+              <a:cs typeface="Noto Sans" panose="020B0502040504020204" pitchFamily="34" charset="0"/>
+            </a:endParaRPr>
+          </a:p>
+        </p:txBody>
+      </p:sp>
+      <p:sp>
+        <p:nvSpPr>
+          <p:cNvPr id="42" name="순서도: 문서 41">
+            <a:extLst>
+              <a:ext uri="{FF2B5EF4-FFF2-40B4-BE49-F238E27FC236}">
+                <a16:creationId xmlns:a16="http://schemas.microsoft.com/office/drawing/2014/main" id="{1D05AF93-C143-75BA-0545-D7340B9CB820}"/>
+              </a:ext>
+            </a:extLst>
+          </p:cNvPr>
+          <p:cNvSpPr/>
+          <p:nvPr/>
+        </p:nvSpPr>
+        <p:spPr>
+          <a:xfrm>
+            <a:off x="8423496" y="2851490"/>
+            <a:ext cx="2138913" cy="888602"/>
+          </a:xfrm>
+          <a:prstGeom prst="flowChartDocument">
+            <a:avLst/>
+          </a:prstGeom>
+          <a:solidFill>
+            <a:schemeClr val="bg1"/>
+          </a:solidFill>
+          <a:effectLst>
+            <a:outerShdw blurRad="127000" dist="50800" dir="5400000" algn="ctr" rotWithShape="0">
+              <a:srgbClr val="000000">
+                <a:alpha val="50000"/>
+              </a:srgbClr>
+            </a:outerShdw>
+          </a:effectLst>
+        </p:spPr>
+        <p:style>
+          <a:lnRef idx="2">
+            <a:schemeClr val="accent1">
+              <a:shade val="15000"/>
+            </a:schemeClr>
+          </a:lnRef>
+          <a:fillRef idx="1">
+            <a:schemeClr val="accent1"/>
+          </a:fillRef>
+          <a:effectRef idx="0">
+            <a:schemeClr val="accent1"/>
+          </a:effectRef>
+          <a:fontRef idx="minor">
+            <a:schemeClr val="lt1"/>
+          </a:fontRef>
+        </p:style>
+        <p:txBody>
+          <a:bodyPr rtlCol="0" anchor="ctr"/>
+          <a:lstStyle/>
+          <a:p>
+            <a:pPr algn="ctr"/>
+            <a:endParaRPr lang="ko-KR" altLang="en-US" dirty="0">
+              <a:latin typeface="Noto Sans" panose="020B0502040504020204" pitchFamily="34" charset="0"/>
+              <a:cs typeface="Noto Sans" panose="020B0502040504020204" pitchFamily="34" charset="0"/>
+            </a:endParaRPr>
+          </a:p>
+        </p:txBody>
+      </p:sp>
+      <p:sp>
+        <p:nvSpPr>
+          <p:cNvPr id="43" name="순서도: 문서 42">
+            <a:extLst>
+              <a:ext uri="{FF2B5EF4-FFF2-40B4-BE49-F238E27FC236}">
+                <a16:creationId xmlns:a16="http://schemas.microsoft.com/office/drawing/2014/main" id="{579E26CE-8CFE-E0C8-23DF-46347AB3FAAA}"/>
+              </a:ext>
+            </a:extLst>
+          </p:cNvPr>
+          <p:cNvSpPr/>
+          <p:nvPr/>
+        </p:nvSpPr>
+        <p:spPr>
+          <a:xfrm>
+            <a:off x="8358711" y="2913829"/>
+            <a:ext cx="2138913" cy="888602"/>
+          </a:xfrm>
+          <a:prstGeom prst="flowChartDocument">
+            <a:avLst/>
+          </a:prstGeom>
+          <a:solidFill>
+            <a:schemeClr val="bg1"/>
+          </a:solidFill>
+          <a:effectLst>
+            <a:outerShdw blurRad="127000" dist="50800" dir="5400000" algn="ctr" rotWithShape="0">
+              <a:srgbClr val="000000">
+                <a:alpha val="50000"/>
+              </a:srgbClr>
+            </a:outerShdw>
+          </a:effectLst>
+        </p:spPr>
+        <p:style>
+          <a:lnRef idx="2">
+            <a:schemeClr val="accent1">
+              <a:shade val="15000"/>
+            </a:schemeClr>
+          </a:lnRef>
+          <a:fillRef idx="1">
+            <a:schemeClr val="accent1"/>
+          </a:fillRef>
+          <a:effectRef idx="0">
+            <a:schemeClr val="accent1"/>
+          </a:effectRef>
+          <a:fontRef idx="minor">
+            <a:schemeClr val="lt1"/>
+          </a:fontRef>
+        </p:style>
+        <p:txBody>
+          <a:bodyPr rtlCol="0" anchor="ctr"/>
+          <a:lstStyle/>
+          <a:p>
+            <a:pPr algn="ctr"/>
+            <a:endParaRPr lang="ko-KR" altLang="en-US" dirty="0">
+              <a:latin typeface="Noto Sans" panose="020B0502040504020204" pitchFamily="34" charset="0"/>
+              <a:cs typeface="Noto Sans" panose="020B0502040504020204" pitchFamily="34" charset="0"/>
+            </a:endParaRPr>
+          </a:p>
+        </p:txBody>
+      </p:sp>
+      <p:sp>
+        <p:nvSpPr>
+          <p:cNvPr id="44" name="순서도: 문서 43">
+            <a:extLst>
+              <a:ext uri="{FF2B5EF4-FFF2-40B4-BE49-F238E27FC236}">
+                <a16:creationId xmlns:a16="http://schemas.microsoft.com/office/drawing/2014/main" id="{CE1320D1-C2A8-AB93-CB2B-940780E22C0A}"/>
+              </a:ext>
+            </a:extLst>
+          </p:cNvPr>
+          <p:cNvSpPr/>
+          <p:nvPr/>
+        </p:nvSpPr>
+        <p:spPr>
+          <a:xfrm>
+            <a:off x="8286825" y="2993907"/>
+            <a:ext cx="2132306" cy="870185"/>
+          </a:xfrm>
+          <a:prstGeom prst="flowChartDocument">
+            <a:avLst/>
+          </a:prstGeom>
+          <a:solidFill>
+            <a:schemeClr val="bg1"/>
+          </a:solidFill>
+          <a:effectLst>
+            <a:outerShdw blurRad="127000" dist="50800" dir="5400000" algn="ctr" rotWithShape="0">
+              <a:srgbClr val="000000">
+                <a:alpha val="50000"/>
+              </a:srgbClr>
+            </a:outerShdw>
+          </a:effectLst>
+        </p:spPr>
+        <p:style>
+          <a:lnRef idx="2">
+            <a:schemeClr val="accent1">
+              <a:shade val="15000"/>
+            </a:schemeClr>
+          </a:lnRef>
+          <a:fillRef idx="1">
+            <a:schemeClr val="accent1"/>
+          </a:fillRef>
+          <a:effectRef idx="0">
+            <a:schemeClr val="accent1"/>
+          </a:effectRef>
+          <a:fontRef idx="minor">
+            <a:schemeClr val="lt1"/>
+          </a:fontRef>
+        </p:style>
+        <p:txBody>
+          <a:bodyPr rtlCol="0" anchor="ctr"/>
+          <a:lstStyle/>
+          <a:p>
+            <a:pPr algn="ctr"/>
+            <a:r>
+              <a:rPr lang="ko-KR" altLang="en-US" sz="1500" dirty="0">
+                <a:solidFill>
+                  <a:schemeClr val="tx1"/>
+                </a:solidFill>
+                <a:latin typeface="Noto Sans" panose="020B0502040504020204" pitchFamily="34" charset="0"/>
+                <a:cs typeface="Noto Sans" panose="020B0502040504020204" pitchFamily="34" charset="0"/>
+              </a:rPr>
+              <a:t>비표준 질의문장</a:t>
+            </a:r>
+          </a:p>
+        </p:txBody>
+      </p:sp>
+      <p:cxnSp>
+        <p:nvCxnSpPr>
+          <p:cNvPr id="46" name="직선 화살표 연결선 45">
+            <a:extLst>
+              <a:ext uri="{FF2B5EF4-FFF2-40B4-BE49-F238E27FC236}">
+                <a16:creationId xmlns:a16="http://schemas.microsoft.com/office/drawing/2014/main" id="{D931FE36-F6AA-6BF3-F6B0-DE6FF7853309}"/>
+              </a:ext>
+            </a:extLst>
+          </p:cNvPr>
+          <p:cNvCxnSpPr/>
+          <p:nvPr/>
+        </p:nvCxnSpPr>
+        <p:spPr>
+          <a:xfrm>
+            <a:off x="3943230" y="3446303"/>
+            <a:ext cx="646981" cy="0"/>
+          </a:xfrm>
+          <a:prstGeom prst="straightConnector1">
+            <a:avLst/>
+          </a:prstGeom>
+          <a:ln>
+            <a:tailEnd type="triangle"/>
+          </a:ln>
+        </p:spPr>
+        <p:style>
+          <a:lnRef idx="1">
+            <a:schemeClr val="dk1"/>
+          </a:lnRef>
+          <a:fillRef idx="0">
+            <a:schemeClr val="dk1"/>
+          </a:fillRef>
+          <a:effectRef idx="0">
+            <a:schemeClr val="dk1"/>
+          </a:effectRef>
+          <a:fontRef idx="minor">
+            <a:schemeClr val="tx1"/>
+          </a:fontRef>
+        </p:style>
+      </p:cxnSp>
+      <p:cxnSp>
+        <p:nvCxnSpPr>
+          <p:cNvPr id="47" name="직선 화살표 연결선 46">
+            <a:extLst>
+              <a:ext uri="{FF2B5EF4-FFF2-40B4-BE49-F238E27FC236}">
+                <a16:creationId xmlns:a16="http://schemas.microsoft.com/office/drawing/2014/main" id="{8340BAA2-1407-8607-C5A9-FEF690145075}"/>
+              </a:ext>
+            </a:extLst>
+          </p:cNvPr>
+          <p:cNvCxnSpPr/>
+          <p:nvPr/>
+        </p:nvCxnSpPr>
+        <p:spPr>
+          <a:xfrm>
+            <a:off x="7244272" y="3469786"/>
+            <a:ext cx="646981" cy="0"/>
+          </a:xfrm>
+          <a:prstGeom prst="straightConnector1">
+            <a:avLst/>
+          </a:prstGeom>
+          <a:ln>
+            <a:tailEnd type="triangle"/>
+          </a:ln>
+        </p:spPr>
+        <p:style>
+          <a:lnRef idx="1">
+            <a:schemeClr val="dk1"/>
+          </a:lnRef>
+          <a:fillRef idx="0">
+            <a:schemeClr val="dk1"/>
+          </a:fillRef>
+          <a:effectRef idx="0">
+            <a:schemeClr val="dk1"/>
+          </a:effectRef>
+          <a:fontRef idx="minor">
+            <a:schemeClr val="tx1"/>
+          </a:fontRef>
+        </p:style>
+      </p:cxnSp>
+      <p:cxnSp>
+        <p:nvCxnSpPr>
+          <p:cNvPr id="49" name="직선 화살표 연결선 48">
+            <a:extLst>
+              <a:ext uri="{FF2B5EF4-FFF2-40B4-BE49-F238E27FC236}">
+                <a16:creationId xmlns:a16="http://schemas.microsoft.com/office/drawing/2014/main" id="{B3B3FD0A-A689-BB93-DFFF-D4A8A7815344}"/>
+              </a:ext>
+            </a:extLst>
+          </p:cNvPr>
+          <p:cNvCxnSpPr>
+            <a:cxnSpLocks/>
+          </p:cNvCxnSpPr>
+          <p:nvPr/>
+        </p:nvCxnSpPr>
+        <p:spPr>
+          <a:xfrm flipV="1">
+            <a:off x="9883161" y="2083849"/>
+            <a:ext cx="0" cy="329151"/>
+          </a:xfrm>
+          <a:prstGeom prst="straightConnector1">
+            <a:avLst/>
+          </a:prstGeom>
+          <a:ln>
+            <a:tailEnd type="triangle"/>
+          </a:ln>
+        </p:spPr>
+        <p:style>
+          <a:lnRef idx="1">
+            <a:schemeClr val="dk1"/>
+          </a:lnRef>
+          <a:fillRef idx="0">
+            <a:schemeClr val="dk1"/>
+          </a:fillRef>
+          <a:effectRef idx="0">
+            <a:schemeClr val="dk1"/>
+          </a:effectRef>
+          <a:fontRef idx="minor">
+            <a:schemeClr val="tx1"/>
+          </a:fontRef>
+        </p:style>
+      </p:cxnSp>
+      <p:sp>
+        <p:nvSpPr>
+          <p:cNvPr id="50" name="순서도: 문서 49">
+            <a:extLst>
+              <a:ext uri="{FF2B5EF4-FFF2-40B4-BE49-F238E27FC236}">
+                <a16:creationId xmlns:a16="http://schemas.microsoft.com/office/drawing/2014/main" id="{57BDC1D1-D247-E664-7246-D567DC503AE6}"/>
+              </a:ext>
+            </a:extLst>
+          </p:cNvPr>
+          <p:cNvSpPr/>
+          <p:nvPr/>
+        </p:nvSpPr>
+        <p:spPr>
+          <a:xfrm>
+            <a:off x="1674531" y="3064283"/>
+            <a:ext cx="2070913" cy="888603"/>
+          </a:xfrm>
+          <a:prstGeom prst="flowChartDocument">
+            <a:avLst/>
+          </a:prstGeom>
+          <a:solidFill>
+            <a:schemeClr val="bg1"/>
+          </a:solidFill>
+          <a:effectLst>
+            <a:outerShdw blurRad="127000" dist="50800" dir="5400000" algn="ctr" rotWithShape="0">
+              <a:srgbClr val="000000">
+                <a:alpha val="50000"/>
+              </a:srgbClr>
+            </a:outerShdw>
+          </a:effectLst>
+        </p:spPr>
+        <p:style>
+          <a:lnRef idx="2">
+            <a:schemeClr val="accent1">
+              <a:shade val="15000"/>
+            </a:schemeClr>
+          </a:lnRef>
+          <a:fillRef idx="1">
+            <a:schemeClr val="accent1"/>
+          </a:fillRef>
+          <a:effectRef idx="0">
+            <a:schemeClr val="accent1"/>
+          </a:effectRef>
+          <a:fontRef idx="minor">
+            <a:schemeClr val="lt1"/>
+          </a:fontRef>
+        </p:style>
+        <p:txBody>
+          <a:bodyPr rtlCol="0" anchor="ctr"/>
+          <a:lstStyle/>
+          <a:p>
+            <a:pPr algn="ctr"/>
+            <a:r>
+              <a:rPr lang="en-US" altLang="ko-KR" sz="1300" dirty="0">
+                <a:solidFill>
+                  <a:schemeClr val="tx1"/>
+                </a:solidFill>
+                <a:latin typeface="Noto Sans" panose="020B0502040504020204" pitchFamily="34" charset="0"/>
+                <a:ea typeface="Noto Sans" panose="020B0502040504020204" pitchFamily="34" charset="0"/>
+                <a:cs typeface="Noto Sans" panose="020B0502040504020204" pitchFamily="34" charset="0"/>
+              </a:rPr>
+              <a:t>SQL</a:t>
+            </a:r>
+            <a:r>
+              <a:rPr lang="ko-KR" altLang="en-US" sz="1300" dirty="0">
+                <a:solidFill>
+                  <a:schemeClr val="tx1"/>
+                </a:solidFill>
+                <a:latin typeface="Noto Sans" panose="020B0502040504020204" pitchFamily="34" charset="0"/>
+                <a:cs typeface="Noto Sans" panose="020B0502040504020204" pitchFamily="34" charset="0"/>
+              </a:rPr>
+              <a:t>쿼리</a:t>
+            </a:r>
+          </a:p>
+        </p:txBody>
+      </p:sp>
+      <p:sp>
+        <p:nvSpPr>
+          <p:cNvPr id="52" name="순서도: 자기 디스크 51">
+            <a:extLst>
+              <a:ext uri="{FF2B5EF4-FFF2-40B4-BE49-F238E27FC236}">
+                <a16:creationId xmlns:a16="http://schemas.microsoft.com/office/drawing/2014/main" id="{C98C4FCC-252F-9C14-8C77-C0C04426AA65}"/>
+              </a:ext>
+            </a:extLst>
+          </p:cNvPr>
+          <p:cNvSpPr/>
+          <p:nvPr/>
+        </p:nvSpPr>
+        <p:spPr>
+          <a:xfrm>
+            <a:off x="5265747" y="1317534"/>
+            <a:ext cx="1386373" cy="736441"/>
+          </a:xfrm>
+          <a:prstGeom prst="flowChartMagneticDisk">
+            <a:avLst/>
+          </a:prstGeom>
+          <a:noFill/>
+          <a:effectLst>
+            <a:outerShdw blurRad="1270000" dist="50800" dir="5400000" algn="ctr" rotWithShape="0">
+              <a:srgbClr val="000000">
+                <a:alpha val="43137"/>
+              </a:srgbClr>
+            </a:outerShdw>
+          </a:effectLst>
+        </p:spPr>
+        <p:style>
+          <a:lnRef idx="2">
+            <a:schemeClr val="accent1">
+              <a:shade val="15000"/>
+            </a:schemeClr>
+          </a:lnRef>
+          <a:fillRef idx="1">
+            <a:schemeClr val="accent1"/>
+          </a:fillRef>
+          <a:effectRef idx="0">
+            <a:schemeClr val="accent1"/>
+          </a:effectRef>
+          <a:fontRef idx="minor">
+            <a:schemeClr val="lt1"/>
+          </a:fontRef>
+        </p:style>
+        <p:txBody>
+          <a:bodyPr rtlCol="0" anchor="ctr"/>
+          <a:lstStyle/>
+          <a:p>
+            <a:pPr algn="ctr"/>
+            <a:r>
+              <a:rPr lang="en-US" altLang="ko-KR" sz="1200" i="1" dirty="0">
+                <a:solidFill>
+                  <a:schemeClr val="tx1"/>
+                </a:solidFill>
+                <a:latin typeface="Noto Sans" panose="020B0502040504020204" pitchFamily="34" charset="0"/>
+                <a:ea typeface="Noto Sans" panose="020B0502040504020204" pitchFamily="34" charset="0"/>
+                <a:cs typeface="Noto Sans" panose="020B0502040504020204" pitchFamily="34" charset="0"/>
+              </a:rPr>
+              <a:t>RAG</a:t>
+            </a:r>
+          </a:p>
+        </p:txBody>
+      </p:sp>
+      <p:cxnSp>
+        <p:nvCxnSpPr>
+          <p:cNvPr id="54" name="직선 화살표 연결선 53">
+            <a:extLst>
+              <a:ext uri="{FF2B5EF4-FFF2-40B4-BE49-F238E27FC236}">
+                <a16:creationId xmlns:a16="http://schemas.microsoft.com/office/drawing/2014/main" id="{77091F2B-FA8E-86A9-CB88-050A811954D8}"/>
+              </a:ext>
+            </a:extLst>
+          </p:cNvPr>
+          <p:cNvCxnSpPr/>
+          <p:nvPr/>
+        </p:nvCxnSpPr>
+        <p:spPr>
+          <a:xfrm>
+            <a:off x="5958933" y="2308086"/>
+            <a:ext cx="0" cy="439324"/>
+          </a:xfrm>
+          <a:prstGeom prst="straightConnector1">
+            <a:avLst/>
+          </a:prstGeom>
+          <a:ln>
+            <a:tailEnd type="triangle"/>
+          </a:ln>
+        </p:spPr>
+        <p:style>
+          <a:lnRef idx="1">
+            <a:schemeClr val="dk1"/>
+          </a:lnRef>
+          <a:fillRef idx="0">
+            <a:schemeClr val="dk1"/>
+          </a:fillRef>
+          <a:effectRef idx="0">
+            <a:schemeClr val="dk1"/>
+          </a:effectRef>
+          <a:fontRef idx="minor">
+            <a:schemeClr val="tx1"/>
+          </a:fontRef>
+        </p:style>
+      </p:cxnSp>
+      <p:sp>
+        <p:nvSpPr>
+          <p:cNvPr id="59" name="TextBox 58">
+            <a:extLst>
+              <a:ext uri="{FF2B5EF4-FFF2-40B4-BE49-F238E27FC236}">
+                <a16:creationId xmlns:a16="http://schemas.microsoft.com/office/drawing/2014/main" id="{D4760F01-062D-A7FE-3B3F-7DF817D5D7E8}"/>
+              </a:ext>
+            </a:extLst>
+          </p:cNvPr>
+          <p:cNvSpPr txBox="1"/>
+          <p:nvPr/>
+        </p:nvSpPr>
+        <p:spPr>
+          <a:xfrm>
+            <a:off x="4736172" y="992182"/>
+            <a:ext cx="2791939" cy="246221"/>
+          </a:xfrm>
+          <a:prstGeom prst="rect">
+            <a:avLst/>
+          </a:prstGeom>
+          <a:noFill/>
         </p:spPr>
         <p:txBody>
           <a:bodyPr wrap="square" rtlCol="0">
@@ -18029,8 +17642,62 @@
           <a:lstStyle/>
           <a:p>
             <a:r>
+              <a:rPr lang="ko-KR" altLang="en-US" sz="1000" dirty="0">
+                <a:latin typeface="Noto Sans" panose="020B0502040504020204" pitchFamily="34" charset="0"/>
+                <a:cs typeface="Noto Sans" panose="020B0502040504020204" pitchFamily="34" charset="0"/>
+              </a:rPr>
+              <a:t>표준 질의문장 데이터셋의 </a:t>
+            </a:r>
+            <a:r>
+              <a:rPr lang="en-US" altLang="ko-KR" sz="1000" dirty="0">
+                <a:latin typeface="Noto Sans" panose="020B0502040504020204" pitchFamily="34" charset="0"/>
+                <a:ea typeface="Noto Sans" panose="020B0502040504020204" pitchFamily="34" charset="0"/>
+                <a:cs typeface="Noto Sans" panose="020B0502040504020204" pitchFamily="34" charset="0"/>
+              </a:rPr>
+              <a:t>Description</a:t>
+            </a:r>
+            <a:r>
+              <a:rPr lang="ko-KR" altLang="en-US" sz="1000" dirty="0">
+                <a:latin typeface="Noto Sans" panose="020B0502040504020204" pitchFamily="34" charset="0"/>
+                <a:cs typeface="Noto Sans" panose="020B0502040504020204" pitchFamily="34" charset="0"/>
+              </a:rPr>
+              <a:t>을 참조</a:t>
+            </a:r>
+          </a:p>
+        </p:txBody>
+      </p:sp>
+      <p:sp>
+        <p:nvSpPr>
+          <p:cNvPr id="26" name="TextBox 25">
+            <a:extLst>
+              <a:ext uri="{FF2B5EF4-FFF2-40B4-BE49-F238E27FC236}">
+                <a16:creationId xmlns:a16="http://schemas.microsoft.com/office/drawing/2014/main" id="{EA887484-EE31-46F3-AB99-13AFBB3B60B5}"/>
+              </a:ext>
+            </a:extLst>
+          </p:cNvPr>
+          <p:cNvSpPr txBox="1"/>
+          <p:nvPr/>
+        </p:nvSpPr>
+        <p:spPr>
+          <a:xfrm>
+            <a:off x="11699631" y="6410326"/>
+            <a:ext cx="432460" cy="276999"/>
+          </a:xfrm>
+          <a:prstGeom prst="rect">
+            <a:avLst/>
+          </a:prstGeom>
+          <a:noFill/>
+        </p:spPr>
+        <p:txBody>
+          <a:bodyPr wrap="square" rtlCol="0">
+            <a:spAutoFit/>
+          </a:bodyPr>
+          <a:lstStyle/>
+          <a:p>
+            <a:r>
               <a:rPr lang="en-US" altLang="ko-KR" sz="1200" b="1" dirty="0">
                 <a:latin typeface="Noto Sans" panose="020B0502040504020204" pitchFamily="34" charset="0"/>
+                <a:ea typeface="Noto Sans" panose="020B0502040504020204" pitchFamily="34" charset="0"/>
                 <a:cs typeface="Noto Sans" panose="020B0502040504020204" pitchFamily="34" charset="0"/>
               </a:rPr>
               <a:t>9</a:t>
@@ -18042,10 +17709,62 @@
           </a:p>
         </p:txBody>
       </p:sp>
+      <p:sp>
+        <p:nvSpPr>
+          <p:cNvPr id="2" name="TextBox 1">
+            <a:extLst>
+              <a:ext uri="{FF2B5EF4-FFF2-40B4-BE49-F238E27FC236}">
+                <a16:creationId xmlns:a16="http://schemas.microsoft.com/office/drawing/2014/main" id="{078024CF-EB44-AE4D-F5A6-942F7FB79BE9}"/>
+              </a:ext>
+            </a:extLst>
+          </p:cNvPr>
+          <p:cNvSpPr txBox="1"/>
+          <p:nvPr/>
+        </p:nvSpPr>
+        <p:spPr>
+          <a:xfrm>
+            <a:off x="70338" y="87923"/>
+            <a:ext cx="2949087" cy="461665"/>
+          </a:xfrm>
+          <a:prstGeom prst="rect">
+            <a:avLst/>
+          </a:prstGeom>
+          <a:noFill/>
+        </p:spPr>
+        <p:txBody>
+          <a:bodyPr wrap="square" rtlCol="0">
+            <a:spAutoFit/>
+          </a:bodyPr>
+          <a:lstStyle/>
+          <a:p>
+            <a:r>
+              <a:rPr lang="ko-KR" altLang="en-US" sz="2400" b="1" dirty="0">
+                <a:latin typeface="Noto Sans" panose="020B0502040504020204" pitchFamily="34" charset="0"/>
+                <a:ea typeface="Noto Sans" panose="020B0502040504020204" pitchFamily="34" charset="0"/>
+                <a:cs typeface="Noto Sans" panose="020B0502040504020204" pitchFamily="34" charset="0"/>
+              </a:rPr>
+              <a:t>발명내용 </a:t>
+            </a:r>
+            <a:r>
+              <a:rPr lang="en-US" altLang="ko-KR" sz="2400" b="1" dirty="0">
+                <a:latin typeface="Noto Sans" panose="020B0502040504020204" pitchFamily="34" charset="0"/>
+                <a:ea typeface="Noto Sans" panose="020B0502040504020204" pitchFamily="34" charset="0"/>
+                <a:cs typeface="Noto Sans" panose="020B0502040504020204" pitchFamily="34" charset="0"/>
+              </a:rPr>
+              <a:t>: Phase 1</a:t>
+            </a:r>
+            <a:endParaRPr lang="ko-KR" altLang="en-US" sz="2400" b="1" dirty="0">
+              <a:latin typeface="Noto Sans" panose="020B0502040504020204" pitchFamily="34" charset="0"/>
+              <a:ea typeface="KoPubWorld돋움체 Medium" panose="00000600000000000000" pitchFamily="2" charset="-127"/>
+              <a:cs typeface="Noto Sans" panose="020B0502040504020204" pitchFamily="34" charset="0"/>
+            </a:endParaRPr>
+          </a:p>
+        </p:txBody>
+      </p:sp>
     </p:spTree>
     <p:extLst>
       <p:ext uri="{BB962C8B-B14F-4D97-AF65-F5344CB8AC3E}">
-        <p14:creationId xmlns:p14="http://schemas.microsoft.com/office/powerpoint/2010/main" val="2023954309"/>
+        <p14:creationId xmlns:p14="http://schemas.microsoft.com/office/powerpoint/2010/main" val="3884380071"/>
       </p:ext>
     </p:extLst>
   </p:cSld>

--- a/PPT/DSLab_이승건,송민섭_특허.pptx
+++ b/PPT/DSLab_이승건,송민섭_특허.pptx
@@ -5,23 +5,24 @@
     <p:sldMasterId id="2147483648" r:id="rId1"/>
   </p:sldMasterIdLst>
   <p:notesMasterIdLst>
-    <p:notesMasterId r:id="rId16"/>
+    <p:notesMasterId r:id="rId17"/>
   </p:notesMasterIdLst>
   <p:sldIdLst>
     <p:sldId id="258" r:id="rId2"/>
     <p:sldId id="257" r:id="rId3"/>
-    <p:sldId id="266" r:id="rId4"/>
-    <p:sldId id="271" r:id="rId5"/>
-    <p:sldId id="272" r:id="rId6"/>
-    <p:sldId id="273" r:id="rId7"/>
-    <p:sldId id="265" r:id="rId8"/>
-    <p:sldId id="267" r:id="rId9"/>
-    <p:sldId id="256" r:id="rId10"/>
-    <p:sldId id="268" r:id="rId11"/>
-    <p:sldId id="269" r:id="rId12"/>
-    <p:sldId id="274" r:id="rId13"/>
-    <p:sldId id="277" r:id="rId14"/>
-    <p:sldId id="278" r:id="rId15"/>
+    <p:sldId id="279" r:id="rId4"/>
+    <p:sldId id="266" r:id="rId5"/>
+    <p:sldId id="271" r:id="rId6"/>
+    <p:sldId id="272" r:id="rId7"/>
+    <p:sldId id="273" r:id="rId8"/>
+    <p:sldId id="265" r:id="rId9"/>
+    <p:sldId id="267" r:id="rId10"/>
+    <p:sldId id="256" r:id="rId11"/>
+    <p:sldId id="268" r:id="rId12"/>
+    <p:sldId id="269" r:id="rId13"/>
+    <p:sldId id="274" r:id="rId14"/>
+    <p:sldId id="277" r:id="rId15"/>
+    <p:sldId id="278" r:id="rId16"/>
   </p:sldIdLst>
   <p:sldSz cx="12192000" cy="6858000"/>
   <p:notesSz cx="6858000" cy="9144000"/>
@@ -210,7 +211,7 @@
           <a:p>
             <a:fld id="{92E34C07-989B-4F61-AE3F-153A5F3AB426}" type="datetimeFigureOut">
               <a:rPr lang="ko-KR" altLang="en-US" smtClean="0"/>
-              <a:t>2025-02-28</a:t>
+              <a:t>2025-03-03</a:t>
             </a:fld>
             <a:endParaRPr lang="ko-KR" altLang="en-US"/>
           </a:p>
@@ -477,6 +478,1575 @@
 </p:notesMaster>
 </file>
 
+<file path=ppt/notesSlides/notesSlide1.xml><?xml version="1.0" encoding="utf-8"?>
+<p:notes xmlns:a="http://schemas.openxmlformats.org/drawingml/2006/main" xmlns:r="http://schemas.openxmlformats.org/officeDocument/2006/relationships" xmlns:p="http://schemas.openxmlformats.org/presentationml/2006/main">
+  <p:cSld>
+    <p:spTree>
+      <p:nvGrpSpPr>
+        <p:cNvPr id="1" name=""/>
+        <p:cNvGrpSpPr/>
+        <p:nvPr/>
+      </p:nvGrpSpPr>
+      <p:grpSpPr>
+        <a:xfrm>
+          <a:off x="0" y="0"/>
+          <a:ext cx="0" cy="0"/>
+          <a:chOff x="0" y="0"/>
+          <a:chExt cx="0" cy="0"/>
+        </a:xfrm>
+      </p:grpSpPr>
+      <p:sp>
+        <p:nvSpPr>
+          <p:cNvPr id="2" name="슬라이드 이미지 개체 틀 1"/>
+          <p:cNvSpPr>
+            <a:spLocks noGrp="1" noRot="1" noChangeAspect="1"/>
+          </p:cNvSpPr>
+          <p:nvPr>
+            <p:ph type="sldImg"/>
+          </p:nvPr>
+        </p:nvSpPr>
+        <p:spPr/>
+      </p:sp>
+      <p:sp>
+        <p:nvSpPr>
+          <p:cNvPr id="3" name="슬라이드 노트 개체 틀 2"/>
+          <p:cNvSpPr>
+            <a:spLocks noGrp="1"/>
+          </p:cNvSpPr>
+          <p:nvPr>
+            <p:ph type="body" idx="1"/>
+          </p:nvPr>
+        </p:nvSpPr>
+        <p:spPr/>
+        <p:txBody>
+          <a:bodyPr/>
+          <a:lstStyle/>
+          <a:p>
+            <a:r>
+              <a:rPr lang="en-US" altLang="ko-KR" dirty="0"/>
+              <a:t>2</a:t>
+            </a:r>
+            <a:r>
+              <a:rPr lang="ko-KR" altLang="en-US" dirty="0"/>
+              <a:t>페이지 </a:t>
+            </a:r>
+            <a:r>
+              <a:rPr lang="en-US" altLang="ko-KR" dirty="0"/>
+              <a:t>- Text2SQL </a:t>
+            </a:r>
+            <a:r>
+              <a:rPr lang="ko-KR" altLang="en-US" dirty="0"/>
+              <a:t>연구 동향 소개 추가</a:t>
+            </a:r>
+          </a:p>
+          <a:p>
+            <a:r>
+              <a:rPr lang="en-US" altLang="ko-KR" dirty="0"/>
+              <a:t>3</a:t>
+            </a:r>
+            <a:r>
+              <a:rPr lang="ko-KR" altLang="en-US" dirty="0"/>
+              <a:t>페이지 </a:t>
+            </a:r>
+            <a:r>
+              <a:rPr lang="en-US" altLang="ko-KR" dirty="0"/>
+              <a:t>- </a:t>
+            </a:r>
+            <a:r>
+              <a:rPr lang="ko-KR" altLang="en-US" dirty="0"/>
+              <a:t>예시 변경</a:t>
+            </a:r>
+            <a:endParaRPr lang="en-US" altLang="ko-KR" dirty="0"/>
+          </a:p>
+          <a:p>
+            <a:endParaRPr lang="en-US" altLang="ko-KR" dirty="0"/>
+          </a:p>
+          <a:p>
+            <a:r>
+              <a:rPr lang="en-US" altLang="ko-KR" dirty="0"/>
+              <a:t>1)</a:t>
+            </a:r>
+            <a:r>
+              <a:rPr lang="ko-KR" altLang="en-US" dirty="0"/>
+              <a:t>기존에 있던 연구 동향과</a:t>
+            </a:r>
+            <a:r>
+              <a:rPr lang="en-US" altLang="ko-KR" dirty="0"/>
+              <a:t>, </a:t>
+            </a:r>
+            <a:r>
+              <a:rPr lang="ko-KR" altLang="en-US" dirty="0"/>
+              <a:t>발명 제안에서 추가되는 부분 명시</a:t>
+            </a:r>
+          </a:p>
+          <a:p>
+            <a:r>
+              <a:rPr lang="en-US" altLang="ko-KR" dirty="0"/>
+              <a:t>2) </a:t>
+            </a:r>
+            <a:r>
+              <a:rPr lang="ko-KR" altLang="en-US" dirty="0"/>
+              <a:t>관련 업체</a:t>
+            </a:r>
+            <a:r>
+              <a:rPr lang="en-US" altLang="ko-KR" dirty="0"/>
+              <a:t>, </a:t>
+            </a:r>
+            <a:r>
+              <a:rPr lang="ko-KR" altLang="en-US" dirty="0"/>
+              <a:t>연구기관도 알아보기</a:t>
+            </a:r>
+            <a:r>
+              <a:rPr lang="en-US" altLang="ko-KR" dirty="0"/>
+              <a:t>(</a:t>
+            </a:r>
+            <a:r>
+              <a:rPr lang="ko-KR" altLang="en-US" dirty="0"/>
+              <a:t>기술이전 고려</a:t>
+            </a:r>
+            <a:r>
+              <a:rPr lang="en-US" altLang="ko-KR" dirty="0"/>
+              <a:t>) </a:t>
+            </a:r>
+            <a:endParaRPr lang="ko-KR" altLang="en-US" dirty="0"/>
+          </a:p>
+        </p:txBody>
+      </p:sp>
+      <p:sp>
+        <p:nvSpPr>
+          <p:cNvPr id="4" name="슬라이드 번호 개체 틀 3"/>
+          <p:cNvSpPr>
+            <a:spLocks noGrp="1"/>
+          </p:cNvSpPr>
+          <p:nvPr>
+            <p:ph type="sldNum" sz="quarter" idx="5"/>
+          </p:nvPr>
+        </p:nvSpPr>
+        <p:spPr/>
+        <p:txBody>
+          <a:bodyPr/>
+          <a:lstStyle/>
+          <a:p>
+            <a:fld id="{4643E048-7B4A-4117-B6D0-90433868554B}" type="slidenum">
+              <a:rPr lang="ko-KR" altLang="en-US" smtClean="0"/>
+              <a:t>1</a:t>
+            </a:fld>
+            <a:endParaRPr lang="ko-KR" altLang="en-US"/>
+          </a:p>
+        </p:txBody>
+      </p:sp>
+    </p:spTree>
+    <p:extLst>
+      <p:ext uri="{BB962C8B-B14F-4D97-AF65-F5344CB8AC3E}">
+        <p14:creationId xmlns:p14="http://schemas.microsoft.com/office/powerpoint/2010/main" val="2974550404"/>
+      </p:ext>
+    </p:extLst>
+  </p:cSld>
+  <p:clrMapOvr>
+    <a:masterClrMapping/>
+  </p:clrMapOvr>
+</p:notes>
+</file>
+
+<file path=ppt/notesSlides/notesSlide2.xml><?xml version="1.0" encoding="utf-8"?>
+<p:notes xmlns:a="http://schemas.openxmlformats.org/drawingml/2006/main" xmlns:r="http://schemas.openxmlformats.org/officeDocument/2006/relationships" xmlns:p="http://schemas.openxmlformats.org/presentationml/2006/main">
+  <p:cSld>
+    <p:spTree>
+      <p:nvGrpSpPr>
+        <p:cNvPr id="1" name=""/>
+        <p:cNvGrpSpPr/>
+        <p:nvPr/>
+      </p:nvGrpSpPr>
+      <p:grpSpPr>
+        <a:xfrm>
+          <a:off x="0" y="0"/>
+          <a:ext cx="0" cy="0"/>
+          <a:chOff x="0" y="0"/>
+          <a:chExt cx="0" cy="0"/>
+        </a:xfrm>
+      </p:grpSpPr>
+      <p:sp>
+        <p:nvSpPr>
+          <p:cNvPr id="2" name="슬라이드 이미지 개체 틀 1"/>
+          <p:cNvSpPr>
+            <a:spLocks noGrp="1" noRot="1" noChangeAspect="1"/>
+          </p:cNvSpPr>
+          <p:nvPr>
+            <p:ph type="sldImg"/>
+          </p:nvPr>
+        </p:nvSpPr>
+        <p:spPr/>
+      </p:sp>
+      <p:sp>
+        <p:nvSpPr>
+          <p:cNvPr id="3" name="슬라이드 노트 개체 틀 2"/>
+          <p:cNvSpPr>
+            <a:spLocks noGrp="1"/>
+          </p:cNvSpPr>
+          <p:nvPr>
+            <p:ph type="body" idx="1"/>
+          </p:nvPr>
+        </p:nvSpPr>
+        <p:spPr/>
+        <p:txBody>
+          <a:bodyPr/>
+          <a:lstStyle/>
+          <a:p>
+            <a:endParaRPr lang="en-US" altLang="ko-KR" dirty="0"/>
+          </a:p>
+        </p:txBody>
+      </p:sp>
+      <p:sp>
+        <p:nvSpPr>
+          <p:cNvPr id="4" name="슬라이드 번호 개체 틀 3"/>
+          <p:cNvSpPr>
+            <a:spLocks noGrp="1"/>
+          </p:cNvSpPr>
+          <p:nvPr>
+            <p:ph type="sldNum" sz="quarter" idx="5"/>
+          </p:nvPr>
+        </p:nvSpPr>
+        <p:spPr/>
+        <p:txBody>
+          <a:bodyPr/>
+          <a:lstStyle/>
+          <a:p>
+            <a:fld id="{4643E048-7B4A-4117-B6D0-90433868554B}" type="slidenum">
+              <a:rPr lang="ko-KR" altLang="en-US" smtClean="0"/>
+              <a:t>2</a:t>
+            </a:fld>
+            <a:endParaRPr lang="ko-KR" altLang="en-US"/>
+          </a:p>
+        </p:txBody>
+      </p:sp>
+    </p:spTree>
+    <p:extLst>
+      <p:ext uri="{BB962C8B-B14F-4D97-AF65-F5344CB8AC3E}">
+        <p14:creationId xmlns:p14="http://schemas.microsoft.com/office/powerpoint/2010/main" val="2712917399"/>
+      </p:ext>
+    </p:extLst>
+  </p:cSld>
+  <p:clrMapOvr>
+    <a:masterClrMapping/>
+  </p:clrMapOvr>
+</p:notes>
+</file>
+
+<file path=ppt/notesSlides/notesSlide3.xml><?xml version="1.0" encoding="utf-8"?>
+<p:notes xmlns:a="http://schemas.openxmlformats.org/drawingml/2006/main" xmlns:r="http://schemas.openxmlformats.org/officeDocument/2006/relationships" xmlns:p="http://schemas.openxmlformats.org/presentationml/2006/main">
+  <p:cSld>
+    <p:spTree>
+      <p:nvGrpSpPr>
+        <p:cNvPr id="1" name="">
+          <a:extLst>
+            <a:ext uri="{FF2B5EF4-FFF2-40B4-BE49-F238E27FC236}">
+              <a16:creationId xmlns:a16="http://schemas.microsoft.com/office/drawing/2014/main" id="{5B65632A-C616-BA59-3680-D14551497506}"/>
+            </a:ext>
+          </a:extLst>
+        </p:cNvPr>
+        <p:cNvGrpSpPr/>
+        <p:nvPr/>
+      </p:nvGrpSpPr>
+      <p:grpSpPr>
+        <a:xfrm>
+          <a:off x="0" y="0"/>
+          <a:ext cx="0" cy="0"/>
+          <a:chOff x="0" y="0"/>
+          <a:chExt cx="0" cy="0"/>
+        </a:xfrm>
+      </p:grpSpPr>
+      <p:sp>
+        <p:nvSpPr>
+          <p:cNvPr id="2" name="슬라이드 이미지 개체 틀 1">
+            <a:extLst>
+              <a:ext uri="{FF2B5EF4-FFF2-40B4-BE49-F238E27FC236}">
+                <a16:creationId xmlns:a16="http://schemas.microsoft.com/office/drawing/2014/main" id="{C9402808-A3A8-2287-5014-0A45E6ACC8F9}"/>
+              </a:ext>
+            </a:extLst>
+          </p:cNvPr>
+          <p:cNvSpPr>
+            <a:spLocks noGrp="1" noRot="1" noChangeAspect="1"/>
+          </p:cNvSpPr>
+          <p:nvPr>
+            <p:ph type="sldImg"/>
+          </p:nvPr>
+        </p:nvSpPr>
+        <p:spPr/>
+      </p:sp>
+      <p:sp>
+        <p:nvSpPr>
+          <p:cNvPr id="3" name="슬라이드 노트 개체 틀 2">
+            <a:extLst>
+              <a:ext uri="{FF2B5EF4-FFF2-40B4-BE49-F238E27FC236}">
+                <a16:creationId xmlns:a16="http://schemas.microsoft.com/office/drawing/2014/main" id="{5D90F0EF-55CD-3BAE-29CE-8D3CDF86F9EC}"/>
+              </a:ext>
+            </a:extLst>
+          </p:cNvPr>
+          <p:cNvSpPr>
+            <a:spLocks noGrp="1"/>
+          </p:cNvSpPr>
+          <p:nvPr>
+            <p:ph type="body" idx="1"/>
+          </p:nvPr>
+        </p:nvSpPr>
+        <p:spPr/>
+        <p:txBody>
+          <a:bodyPr/>
+          <a:lstStyle/>
+          <a:p>
+            <a:pPr algn="l"/>
+            <a:r>
+              <a:rPr lang="ko-KR" altLang="en-US" b="1" i="0" dirty="0">
+                <a:effectLst/>
+                <a:latin typeface="Pretendard GOV"/>
+              </a:rPr>
+              <a:t>자연어 쿼리 번역 장치 및 그것의 제어 방법 </a:t>
+            </a:r>
+            <a:r>
+              <a:rPr lang="en-US" altLang="ko-KR" b="1" i="0" dirty="0">
+                <a:effectLst/>
+                <a:latin typeface="Pretendard GOV"/>
+              </a:rPr>
+              <a:t>– </a:t>
+            </a:r>
+            <a:r>
+              <a:rPr lang="ko-KR" altLang="en-US" b="1" i="0" dirty="0" err="1">
+                <a:effectLst/>
+                <a:latin typeface="Pretendard GOV"/>
+              </a:rPr>
+              <a:t>카카오엔터프라이즈</a:t>
+            </a:r>
+            <a:r>
+              <a:rPr lang="ko-KR" altLang="en-US" b="1" i="0" dirty="0">
+                <a:effectLst/>
+                <a:latin typeface="Pretendard GOV"/>
+              </a:rPr>
+              <a:t> </a:t>
+            </a:r>
+            <a:r>
+              <a:rPr lang="en-US" altLang="ko-KR" b="1" i="0" dirty="0">
+                <a:effectLst/>
+                <a:latin typeface="Pretendard GOV"/>
+              </a:rPr>
+              <a:t>(2023.07.21</a:t>
+            </a:r>
+            <a:r>
+              <a:rPr lang="ko-KR" altLang="en-US" b="1" i="0" dirty="0">
+                <a:effectLst/>
+                <a:latin typeface="Pretendard GOV"/>
+              </a:rPr>
+              <a:t>출원 </a:t>
+            </a:r>
+            <a:r>
+              <a:rPr lang="en-US" altLang="ko-KR" b="1" i="0" dirty="0">
+                <a:effectLst/>
+                <a:latin typeface="Pretendard GOV"/>
+              </a:rPr>
+              <a:t>2025.02.03 </a:t>
+            </a:r>
+            <a:r>
+              <a:rPr lang="ko-KR" altLang="en-US" b="1" i="0" dirty="0">
+                <a:effectLst/>
+                <a:latin typeface="Pretendard GOV"/>
+              </a:rPr>
+              <a:t>등록</a:t>
+            </a:r>
+            <a:r>
+              <a:rPr lang="en-US" altLang="ko-KR" b="1" i="0" dirty="0">
+                <a:effectLst/>
+                <a:latin typeface="Pretendard GOV"/>
+              </a:rPr>
+              <a:t>)</a:t>
+            </a:r>
+          </a:p>
+          <a:p>
+            <a:pPr algn="l"/>
+            <a:r>
+              <a:rPr lang="ko-KR" altLang="en-US" b="0" i="0" dirty="0">
+                <a:solidFill>
+                  <a:srgbClr val="000000"/>
+                </a:solidFill>
+                <a:effectLst/>
+                <a:latin typeface="Pretendard GOV"/>
+              </a:rPr>
+              <a:t>본 발명은 자연어 쿼리를 </a:t>
+            </a:r>
+            <a:r>
+              <a:rPr lang="en-US" altLang="ko-KR" b="0" i="0" dirty="0">
+                <a:solidFill>
+                  <a:srgbClr val="000000"/>
+                </a:solidFill>
+                <a:effectLst/>
+                <a:latin typeface="Pretendard GOV"/>
+              </a:rPr>
+              <a:t>SQL </a:t>
+            </a:r>
+            <a:r>
+              <a:rPr lang="ko-KR" altLang="en-US" b="0" i="0" dirty="0">
+                <a:solidFill>
+                  <a:srgbClr val="000000"/>
+                </a:solidFill>
+                <a:effectLst/>
+                <a:latin typeface="Pretendard GOV"/>
+              </a:rPr>
+              <a:t>쿼리로 변환해주는 자연어 처리 기술에 관한 것이다</a:t>
+            </a:r>
+            <a:r>
+              <a:rPr lang="en-US" altLang="ko-KR" b="0" i="0" dirty="0">
+                <a:solidFill>
+                  <a:srgbClr val="000000"/>
+                </a:solidFill>
+                <a:effectLst/>
+                <a:latin typeface="Pretendard GOV"/>
+              </a:rPr>
+              <a:t>. </a:t>
+            </a:r>
+            <a:r>
+              <a:rPr lang="ko-KR" altLang="en-US" b="0" i="0" dirty="0">
+                <a:solidFill>
+                  <a:srgbClr val="000000"/>
+                </a:solidFill>
+                <a:effectLst/>
+                <a:latin typeface="Pretendard GOV"/>
+              </a:rPr>
+              <a:t>보다 구체적으로 본 발명은</a:t>
+            </a:r>
+            <a:r>
+              <a:rPr lang="en-US" altLang="ko-KR" b="0" i="0" dirty="0">
+                <a:solidFill>
+                  <a:srgbClr val="000000"/>
+                </a:solidFill>
+                <a:effectLst/>
+                <a:latin typeface="Pretendard GOV"/>
+              </a:rPr>
+              <a:t>, </a:t>
+            </a:r>
+            <a:r>
+              <a:rPr lang="ko-KR" altLang="en-US" b="0" i="0" dirty="0">
+                <a:solidFill>
+                  <a:srgbClr val="000000"/>
+                </a:solidFill>
+                <a:effectLst/>
+                <a:latin typeface="Pretendard GOV"/>
+              </a:rPr>
+              <a:t>자연어 쿼리에 기초하여 데이터 베이스를 분류하고</a:t>
+            </a:r>
+            <a:r>
+              <a:rPr lang="en-US" altLang="ko-KR" b="0" i="0" dirty="0">
+                <a:solidFill>
+                  <a:srgbClr val="000000"/>
+                </a:solidFill>
+                <a:effectLst/>
+                <a:latin typeface="Pretendard GOV"/>
+              </a:rPr>
+              <a:t>, </a:t>
+            </a:r>
+            <a:r>
+              <a:rPr lang="ko-KR" altLang="en-US" b="0" i="0" dirty="0">
+                <a:solidFill>
+                  <a:srgbClr val="000000"/>
+                </a:solidFill>
+                <a:effectLst/>
+                <a:latin typeface="Pretendard GOV"/>
+              </a:rPr>
+              <a:t>대규모 언어 모델</a:t>
+            </a:r>
+            <a:r>
+              <a:rPr lang="en-US" altLang="ko-KR" b="0" i="0" dirty="0">
+                <a:solidFill>
+                  <a:srgbClr val="000000"/>
+                </a:solidFill>
+                <a:effectLst/>
+                <a:latin typeface="Pretendard GOV"/>
+              </a:rPr>
+              <a:t>(LLM, Large Language Model)</a:t>
+            </a:r>
+            <a:r>
+              <a:rPr lang="ko-KR" altLang="en-US" b="0" i="0" dirty="0">
+                <a:solidFill>
+                  <a:srgbClr val="000000"/>
+                </a:solidFill>
+                <a:effectLst/>
+                <a:latin typeface="Pretendard GOV"/>
+              </a:rPr>
+              <a:t>을 포함하는 변환 모델을 이용하여 상기 자연어 쿼리를 분류된 데이터 베이스에 대응하는 </a:t>
+            </a:r>
+            <a:r>
+              <a:rPr lang="en-US" altLang="ko-KR" b="0" i="0" dirty="0">
+                <a:solidFill>
+                  <a:srgbClr val="000000"/>
+                </a:solidFill>
+                <a:effectLst/>
+                <a:latin typeface="Pretendard GOV"/>
+              </a:rPr>
+              <a:t>SQL </a:t>
+            </a:r>
+            <a:r>
+              <a:rPr lang="ko-KR" altLang="en-US" b="0" i="0" dirty="0">
+                <a:solidFill>
+                  <a:srgbClr val="000000"/>
+                </a:solidFill>
+                <a:effectLst/>
+                <a:latin typeface="Pretendard GOV"/>
+              </a:rPr>
+              <a:t>쿼리로 변환하는 자연어 처리 기술에 관한 것이다</a:t>
+            </a:r>
+            <a:r>
+              <a:rPr lang="en-US" altLang="ko-KR" b="0" i="0" dirty="0">
+                <a:solidFill>
+                  <a:srgbClr val="000000"/>
+                </a:solidFill>
+                <a:effectLst/>
+                <a:latin typeface="Pretendard GOV"/>
+              </a:rPr>
+              <a:t>.</a:t>
+            </a:r>
+          </a:p>
+          <a:p>
+            <a:pPr algn="l"/>
+            <a:endParaRPr lang="en-US" altLang="ko-KR" b="0" i="0" dirty="0">
+              <a:solidFill>
+                <a:srgbClr val="000000"/>
+              </a:solidFill>
+              <a:effectLst/>
+              <a:latin typeface="Pretendard GOV"/>
+            </a:endParaRPr>
+          </a:p>
+          <a:p>
+            <a:r>
+              <a:rPr lang="ko-KR" altLang="en-US" sz="1200" dirty="0">
+                <a:ea typeface="KoPubWorld돋움체 Medium" panose="00000600000000000000"/>
+              </a:rPr>
+              <a:t>기존 </a:t>
+            </a:r>
+            <a:r>
+              <a:rPr lang="en-US" altLang="ko-KR" sz="1200" dirty="0">
+                <a:ea typeface="KoPubWorld돋움체 Medium" panose="00000600000000000000"/>
+              </a:rPr>
+              <a:t>RAG</a:t>
+            </a:r>
+            <a:r>
+              <a:rPr lang="ko-KR" altLang="en-US" sz="1200" dirty="0">
+                <a:ea typeface="KoPubWorld돋움체 Medium" panose="00000600000000000000"/>
+              </a:rPr>
+              <a:t>를 활용하는 방법에서</a:t>
+            </a:r>
+            <a:r>
+              <a:rPr lang="en-US" altLang="ko-KR" sz="1200" dirty="0">
+                <a:ea typeface="KoPubWorld돋움체 Medium" panose="00000600000000000000"/>
+              </a:rPr>
+              <a:t>, </a:t>
+            </a:r>
+            <a:r>
+              <a:rPr lang="ko-KR" altLang="en-US" sz="1200" dirty="0">
+                <a:ea typeface="KoPubWorld돋움체 Medium" panose="00000600000000000000"/>
+              </a:rPr>
+              <a:t>데이터베이스와 </a:t>
+            </a:r>
+            <a:r>
+              <a:rPr lang="en-US" altLang="ko-KR" sz="1200" dirty="0">
+                <a:ea typeface="KoPubWorld돋움체 Medium" panose="00000600000000000000"/>
+              </a:rPr>
+              <a:t>LLM </a:t>
+            </a:r>
+            <a:r>
+              <a:rPr lang="ko-KR" altLang="en-US" sz="1200" dirty="0">
+                <a:ea typeface="KoPubWorld돋움체 Medium" panose="00000600000000000000"/>
+              </a:rPr>
+              <a:t>지식을 통합하는 테이블 증강 생성 기술 </a:t>
+            </a:r>
+            <a:r>
+              <a:rPr lang="en-US" altLang="ko-KR" sz="1200" dirty="0">
+                <a:ea typeface="KoPubWorld돋움체 Medium" panose="00000600000000000000"/>
+              </a:rPr>
+              <a:t>TAG </a:t>
+            </a:r>
+            <a:r>
+              <a:rPr lang="ko-KR" altLang="en-US" sz="1200" dirty="0">
+                <a:ea typeface="KoPubWorld돋움체 Medium" panose="00000600000000000000"/>
+              </a:rPr>
+              <a:t>제안</a:t>
+            </a:r>
+            <a:endParaRPr lang="en-US" altLang="ko-KR" sz="1200" dirty="0">
+              <a:ea typeface="KoPubWorld돋움체 Medium" panose="00000600000000000000"/>
+            </a:endParaRPr>
+          </a:p>
+          <a:p>
+            <a:pPr algn="l">
+              <a:lnSpc>
+                <a:spcPts val="1950"/>
+              </a:lnSpc>
+              <a:spcAft>
+                <a:spcPts val="2100"/>
+              </a:spcAft>
+            </a:pPr>
+            <a:r>
+              <a:rPr lang="en-US" altLang="ko-KR" sz="1200" b="0" i="0" dirty="0">
+                <a:solidFill>
+                  <a:srgbClr val="555555"/>
+                </a:solidFill>
+                <a:effectLst/>
+                <a:latin typeface="Noto Sans KR" panose="020B0200000000000000" pitchFamily="50" charset="-127"/>
+                <a:ea typeface="KoPubWorld돋움체 Medium" panose="00000600000000000000"/>
+              </a:rPr>
+              <a:t>- (1) </a:t>
+            </a:r>
+            <a:r>
+              <a:rPr lang="ko-KR" altLang="en-US" sz="1200" b="0" i="0" dirty="0">
+                <a:solidFill>
+                  <a:srgbClr val="555555"/>
+                </a:solidFill>
+                <a:effectLst/>
+                <a:latin typeface="Noto Sans KR" panose="020B0200000000000000" pitchFamily="50" charset="-127"/>
+                <a:ea typeface="KoPubWorld돋움체 Medium" panose="00000600000000000000"/>
+              </a:rPr>
+              <a:t>사용자 질문을 실행 가능한 </a:t>
+            </a:r>
+            <a:r>
+              <a:rPr lang="en-US" altLang="ko-KR" sz="1200" b="0" i="0" dirty="0">
+                <a:solidFill>
+                  <a:srgbClr val="555555"/>
+                </a:solidFill>
+                <a:effectLst/>
+                <a:latin typeface="Noto Sans KR" panose="020B0200000000000000" pitchFamily="50" charset="-127"/>
+                <a:ea typeface="KoPubWorld돋움체 Medium" panose="00000600000000000000"/>
+              </a:rPr>
+              <a:t>DB </a:t>
+            </a:r>
+            <a:r>
+              <a:rPr lang="ko-KR" altLang="en-US" sz="1200" b="0" i="0" dirty="0">
+                <a:solidFill>
+                  <a:srgbClr val="555555"/>
+                </a:solidFill>
+                <a:effectLst/>
+                <a:latin typeface="Noto Sans KR" panose="020B0200000000000000" pitchFamily="50" charset="-127"/>
+                <a:ea typeface="KoPubWorld돋움체 Medium" panose="00000600000000000000"/>
+              </a:rPr>
+              <a:t>쿼리로 변환하는 </a:t>
+            </a:r>
+            <a:r>
+              <a:rPr lang="en-US" altLang="ko-KR" sz="1200" b="0" i="0" dirty="0">
+                <a:solidFill>
+                  <a:srgbClr val="555555"/>
+                </a:solidFill>
+                <a:effectLst/>
+                <a:latin typeface="Noto Sans KR" panose="020B0200000000000000" pitchFamily="50" charset="-127"/>
+                <a:ea typeface="KoPubWorld돋움체 Medium" panose="00000600000000000000"/>
+              </a:rPr>
+              <a:t>'</a:t>
+            </a:r>
+            <a:r>
+              <a:rPr lang="ko-KR" altLang="en-US" sz="1200" b="0" i="0" dirty="0">
+                <a:solidFill>
+                  <a:srgbClr val="555555"/>
+                </a:solidFill>
+                <a:effectLst/>
+                <a:latin typeface="Noto Sans KR" panose="020B0200000000000000" pitchFamily="50" charset="-127"/>
+                <a:ea typeface="KoPubWorld돋움체 Medium" panose="00000600000000000000"/>
+              </a:rPr>
+              <a:t>쿼리 합성</a:t>
+            </a:r>
+            <a:r>
+              <a:rPr lang="en-US" altLang="ko-KR" sz="1200" b="0" i="0" dirty="0">
+                <a:solidFill>
+                  <a:srgbClr val="555555"/>
+                </a:solidFill>
+                <a:effectLst/>
+                <a:latin typeface="Noto Sans KR" panose="020B0200000000000000" pitchFamily="50" charset="-127"/>
+                <a:ea typeface="KoPubWorld돋움체 Medium" panose="00000600000000000000"/>
+              </a:rPr>
+              <a:t>(Query Synthesis)'</a:t>
+            </a:r>
+          </a:p>
+          <a:p>
+            <a:pPr algn="l">
+              <a:lnSpc>
+                <a:spcPts val="1950"/>
+              </a:lnSpc>
+              <a:spcAft>
+                <a:spcPts val="2100"/>
+              </a:spcAft>
+            </a:pPr>
+            <a:r>
+              <a:rPr lang="en-US" altLang="ko-KR" sz="1200" b="0" i="0" dirty="0">
+                <a:solidFill>
+                  <a:srgbClr val="555555"/>
+                </a:solidFill>
+                <a:effectLst/>
+                <a:latin typeface="Noto Sans KR" panose="020B0200000000000000" pitchFamily="50" charset="-127"/>
+                <a:ea typeface="KoPubWorld돋움체 Medium" panose="00000600000000000000"/>
+              </a:rPr>
+              <a:t>- (2) </a:t>
+            </a:r>
+            <a:r>
+              <a:rPr lang="ko-KR" altLang="en-US" sz="1200" b="0" i="0" dirty="0">
+                <a:solidFill>
+                  <a:srgbClr val="555555"/>
+                </a:solidFill>
+                <a:effectLst/>
+                <a:latin typeface="Noto Sans KR" panose="020B0200000000000000" pitchFamily="50" charset="-127"/>
+                <a:ea typeface="KoPubWorld돋움체 Medium" panose="00000600000000000000"/>
+              </a:rPr>
+              <a:t>쿼리를 실행해 관련 데이터를 검색하는 </a:t>
+            </a:r>
+            <a:r>
+              <a:rPr lang="en-US" altLang="ko-KR" sz="1200" b="0" i="0" dirty="0">
+                <a:solidFill>
+                  <a:srgbClr val="555555"/>
+                </a:solidFill>
+                <a:effectLst/>
+                <a:latin typeface="Noto Sans KR" panose="020B0200000000000000" pitchFamily="50" charset="-127"/>
+                <a:ea typeface="KoPubWorld돋움체 Medium" panose="00000600000000000000"/>
+              </a:rPr>
+              <a:t>'</a:t>
+            </a:r>
+            <a:r>
+              <a:rPr lang="ko-KR" altLang="en-US" sz="1200" b="0" i="0" dirty="0">
+                <a:solidFill>
+                  <a:srgbClr val="555555"/>
+                </a:solidFill>
+                <a:effectLst/>
+                <a:latin typeface="Noto Sans KR" panose="020B0200000000000000" pitchFamily="50" charset="-127"/>
+                <a:ea typeface="KoPubWorld돋움체 Medium" panose="00000600000000000000"/>
+              </a:rPr>
+              <a:t>쿼리 실행</a:t>
+            </a:r>
+            <a:r>
+              <a:rPr lang="en-US" altLang="ko-KR" sz="1200" b="0" i="0" dirty="0">
+                <a:solidFill>
+                  <a:srgbClr val="555555"/>
+                </a:solidFill>
+                <a:effectLst/>
+                <a:latin typeface="Noto Sans KR" panose="020B0200000000000000" pitchFamily="50" charset="-127"/>
+                <a:ea typeface="KoPubWorld돋움체 Medium" panose="00000600000000000000"/>
+              </a:rPr>
+              <a:t>(Query Execution)'</a:t>
+            </a:r>
+          </a:p>
+          <a:p>
+            <a:pPr algn="l">
+              <a:lnSpc>
+                <a:spcPts val="1950"/>
+              </a:lnSpc>
+              <a:spcAft>
+                <a:spcPts val="2100"/>
+              </a:spcAft>
+            </a:pPr>
+            <a:r>
+              <a:rPr lang="en-US" altLang="ko-KR" sz="1200" b="0" i="0" dirty="0">
+                <a:solidFill>
+                  <a:srgbClr val="555555"/>
+                </a:solidFill>
+                <a:effectLst/>
+                <a:latin typeface="Noto Sans KR" panose="020B0200000000000000" pitchFamily="50" charset="-127"/>
+                <a:ea typeface="KoPubWorld돋움체 Medium" panose="00000600000000000000"/>
+              </a:rPr>
+              <a:t>- (3) </a:t>
+            </a:r>
+            <a:r>
+              <a:rPr lang="ko-KR" altLang="en-US" sz="1200" b="0" i="0" dirty="0">
+                <a:solidFill>
+                  <a:srgbClr val="555555"/>
+                </a:solidFill>
+                <a:effectLst/>
+                <a:latin typeface="Noto Sans KR" panose="020B0200000000000000" pitchFamily="50" charset="-127"/>
+                <a:ea typeface="KoPubWorld돋움체 Medium" panose="00000600000000000000"/>
+              </a:rPr>
+              <a:t>데이터와 쿼리를 사용해 자연어 답변을 생성하는 </a:t>
+            </a:r>
+            <a:r>
+              <a:rPr lang="en-US" altLang="ko-KR" sz="1200" b="0" i="0" dirty="0">
+                <a:solidFill>
+                  <a:srgbClr val="555555"/>
+                </a:solidFill>
+                <a:effectLst/>
+                <a:latin typeface="Noto Sans KR" panose="020B0200000000000000" pitchFamily="50" charset="-127"/>
+                <a:ea typeface="KoPubWorld돋움체 Medium" panose="00000600000000000000"/>
+              </a:rPr>
+              <a:t>'</a:t>
+            </a:r>
+            <a:r>
+              <a:rPr lang="ko-KR" altLang="en-US" sz="1200" b="0" i="0" dirty="0">
+                <a:solidFill>
+                  <a:srgbClr val="555555"/>
+                </a:solidFill>
+                <a:effectLst/>
+                <a:latin typeface="Noto Sans KR" panose="020B0200000000000000" pitchFamily="50" charset="-127"/>
+                <a:ea typeface="KoPubWorld돋움체 Medium" panose="00000600000000000000"/>
+              </a:rPr>
+              <a:t>답변 생성</a:t>
+            </a:r>
+            <a:r>
+              <a:rPr lang="en-US" altLang="ko-KR" sz="1200" b="0" i="0" dirty="0">
+                <a:solidFill>
+                  <a:srgbClr val="555555"/>
+                </a:solidFill>
+                <a:effectLst/>
+                <a:latin typeface="Noto Sans KR" panose="020B0200000000000000" pitchFamily="50" charset="-127"/>
+                <a:ea typeface="KoPubWorld돋움체 Medium" panose="00000600000000000000"/>
+              </a:rPr>
+              <a:t>(Answer Generation)’</a:t>
+            </a:r>
+          </a:p>
+          <a:p>
+            <a:pPr algn="l">
+              <a:lnSpc>
+                <a:spcPts val="1950"/>
+              </a:lnSpc>
+              <a:spcAft>
+                <a:spcPts val="2100"/>
+              </a:spcAft>
+            </a:pPr>
+            <a:r>
+              <a:rPr lang="ko-KR" altLang="en-US" sz="1200" b="0" i="0" dirty="0">
+                <a:solidFill>
+                  <a:srgbClr val="555555"/>
+                </a:solidFill>
+                <a:effectLst/>
+                <a:latin typeface="Noto Sans KR" panose="020B0200000000000000" pitchFamily="50" charset="-127"/>
+                <a:ea typeface="KoPubWorld돋움체 Medium" panose="00000600000000000000"/>
+              </a:rPr>
+              <a:t>이 방식을 통해 </a:t>
+            </a:r>
+            <a:r>
+              <a:rPr lang="en-US" altLang="ko-KR" sz="1200" b="0" i="0" dirty="0">
+                <a:solidFill>
+                  <a:srgbClr val="555555"/>
+                </a:solidFill>
+                <a:effectLst/>
+                <a:latin typeface="Noto Sans KR" panose="020B0200000000000000" pitchFamily="50" charset="-127"/>
+                <a:ea typeface="KoPubWorld돋움체 Medium" panose="00000600000000000000"/>
+              </a:rPr>
+              <a:t>LLM</a:t>
+            </a:r>
+            <a:r>
+              <a:rPr lang="ko-KR" altLang="en-US" sz="1200" b="0" i="0" dirty="0">
+                <a:solidFill>
+                  <a:srgbClr val="555555"/>
+                </a:solidFill>
+                <a:effectLst/>
+                <a:latin typeface="Noto Sans KR" panose="020B0200000000000000" pitchFamily="50" charset="-127"/>
+                <a:ea typeface="KoPubWorld돋움체 Medium" panose="00000600000000000000"/>
+              </a:rPr>
+              <a:t>의 추론 능력이 쿼리 합성</a:t>
+            </a:r>
+            <a:endParaRPr lang="en-US" altLang="ko-KR" sz="1200" b="0" i="0" dirty="0">
+              <a:solidFill>
+                <a:srgbClr val="555555"/>
+              </a:solidFill>
+              <a:effectLst/>
+              <a:latin typeface="Noto Sans KR" panose="020B0200000000000000" pitchFamily="50" charset="-127"/>
+              <a:ea typeface="KoPubWorld돋움체 Medium" panose="00000600000000000000"/>
+            </a:endParaRPr>
+          </a:p>
+          <a:p>
+            <a:pPr algn="l">
+              <a:lnSpc>
+                <a:spcPts val="1950"/>
+              </a:lnSpc>
+              <a:spcAft>
+                <a:spcPts val="2100"/>
+              </a:spcAft>
+            </a:pPr>
+            <a:r>
+              <a:rPr lang="en-US" altLang="ko-KR" sz="1200" b="0" i="0" dirty="0">
+                <a:solidFill>
+                  <a:srgbClr val="555555"/>
+                </a:solidFill>
+                <a:effectLst/>
+                <a:latin typeface="Noto Sans KR" panose="020B0200000000000000" pitchFamily="50" charset="-127"/>
+                <a:ea typeface="KoPubWorld돋움체 Medium" panose="00000600000000000000"/>
+              </a:rPr>
+              <a:t>(1) </a:t>
+            </a:r>
+            <a:r>
+              <a:rPr lang="ko-KR" altLang="en-US" sz="1200" b="0" i="0" dirty="0">
+                <a:solidFill>
+                  <a:srgbClr val="555555"/>
+                </a:solidFill>
+                <a:effectLst/>
+                <a:latin typeface="Noto Sans KR" panose="020B0200000000000000" pitchFamily="50" charset="-127"/>
+                <a:ea typeface="KoPubWorld돋움체 Medium" panose="00000600000000000000"/>
+              </a:rPr>
+              <a:t>및 답변 생성</a:t>
+            </a:r>
+            <a:r>
+              <a:rPr lang="en-US" altLang="ko-KR" sz="1200" b="0" i="0" dirty="0">
+                <a:solidFill>
+                  <a:srgbClr val="555555"/>
+                </a:solidFill>
+                <a:effectLst/>
+                <a:latin typeface="Noto Sans KR" panose="020B0200000000000000" pitchFamily="50" charset="-127"/>
+                <a:ea typeface="KoPubWorld돋움체 Medium" panose="00000600000000000000"/>
+              </a:rPr>
+              <a:t>(3) </a:t>
+            </a:r>
+            <a:r>
+              <a:rPr lang="ko-KR" altLang="en-US" sz="1200" b="0" i="0" dirty="0">
+                <a:solidFill>
+                  <a:srgbClr val="555555"/>
+                </a:solidFill>
+                <a:effectLst/>
+                <a:latin typeface="Noto Sans KR" panose="020B0200000000000000" pitchFamily="50" charset="-127"/>
+                <a:ea typeface="KoPubWorld돋움체 Medium" panose="00000600000000000000"/>
+              </a:rPr>
+              <a:t>단계에 모두 통합되며</a:t>
+            </a:r>
+            <a:r>
+              <a:rPr lang="en-US" altLang="ko-KR" sz="1200" b="0" i="0" dirty="0">
+                <a:solidFill>
+                  <a:srgbClr val="555555"/>
+                </a:solidFill>
+                <a:effectLst/>
+                <a:latin typeface="Noto Sans KR" panose="020B0200000000000000" pitchFamily="50" charset="-127"/>
+                <a:ea typeface="KoPubWorld돋움체 Medium" panose="00000600000000000000"/>
+              </a:rPr>
+              <a:t>,</a:t>
+            </a:r>
+          </a:p>
+          <a:p>
+            <a:pPr algn="l">
+              <a:lnSpc>
+                <a:spcPts val="1950"/>
+              </a:lnSpc>
+              <a:spcAft>
+                <a:spcPts val="2100"/>
+              </a:spcAft>
+            </a:pPr>
+            <a:r>
+              <a:rPr lang="en-US" altLang="ko-KR" sz="1200" b="0" i="0" dirty="0">
+                <a:solidFill>
+                  <a:srgbClr val="555555"/>
+                </a:solidFill>
+                <a:effectLst/>
+                <a:latin typeface="Noto Sans KR" panose="020B0200000000000000" pitchFamily="50" charset="-127"/>
+                <a:ea typeface="KoPubWorld돋움체 Medium" panose="00000600000000000000"/>
+              </a:rPr>
+              <a:t>DB </a:t>
+            </a:r>
+            <a:r>
+              <a:rPr lang="ko-KR" altLang="en-US" sz="1200" b="0" i="0" dirty="0">
+                <a:solidFill>
+                  <a:srgbClr val="555555"/>
+                </a:solidFill>
+                <a:effectLst/>
+                <a:latin typeface="Noto Sans KR" panose="020B0200000000000000" pitchFamily="50" charset="-127"/>
+                <a:ea typeface="KoPubWorld돋움체 Medium" panose="00000600000000000000"/>
+              </a:rPr>
+              <a:t>시스템의 </a:t>
+            </a:r>
+            <a:r>
+              <a:rPr lang="en-US" altLang="ko-KR" sz="1200" b="0" i="0" dirty="0">
+                <a:solidFill>
+                  <a:srgbClr val="555555"/>
+                </a:solidFill>
+                <a:effectLst/>
+                <a:latin typeface="Noto Sans KR" panose="020B0200000000000000" pitchFamily="50" charset="-127"/>
+                <a:ea typeface="KoPubWorld돋움체 Medium" panose="00000600000000000000"/>
+              </a:rPr>
+              <a:t>(2) </a:t>
+            </a:r>
+            <a:r>
+              <a:rPr lang="ko-KR" altLang="en-US" sz="1200" b="0" i="0" dirty="0">
+                <a:solidFill>
+                  <a:srgbClr val="555555"/>
+                </a:solidFill>
+                <a:effectLst/>
+                <a:latin typeface="Noto Sans KR" panose="020B0200000000000000" pitchFamily="50" charset="-127"/>
+                <a:ea typeface="KoPubWorld돋움체 Medium" panose="00000600000000000000"/>
+              </a:rPr>
+              <a:t>쿼리 실행은 집계</a:t>
+            </a:r>
+            <a:r>
+              <a:rPr lang="en-US" altLang="ko-KR" sz="1200" b="0" i="0" dirty="0">
+                <a:solidFill>
+                  <a:srgbClr val="555555"/>
+                </a:solidFill>
+                <a:effectLst/>
+                <a:latin typeface="Noto Sans KR" panose="020B0200000000000000" pitchFamily="50" charset="-127"/>
+                <a:ea typeface="KoPubWorld돋움체 Medium" panose="00000600000000000000"/>
+              </a:rPr>
+              <a:t>, </a:t>
+            </a:r>
+            <a:r>
+              <a:rPr lang="ko-KR" altLang="en-US" sz="1200" b="0" i="0" dirty="0">
+                <a:solidFill>
+                  <a:srgbClr val="555555"/>
+                </a:solidFill>
+                <a:effectLst/>
+                <a:latin typeface="Noto Sans KR" panose="020B0200000000000000" pitchFamily="50" charset="-127"/>
+                <a:ea typeface="KoPubWorld돋움체 Medium" panose="00000600000000000000"/>
+              </a:rPr>
+              <a:t>수학 계산</a:t>
+            </a:r>
+            <a:r>
+              <a:rPr lang="en-US" altLang="ko-KR" sz="1200" b="0" i="0" dirty="0">
+                <a:solidFill>
+                  <a:srgbClr val="555555"/>
+                </a:solidFill>
+                <a:effectLst/>
+                <a:latin typeface="Noto Sans KR" panose="020B0200000000000000" pitchFamily="50" charset="-127"/>
+                <a:ea typeface="KoPubWorld돋움체 Medium" panose="00000600000000000000"/>
+              </a:rPr>
+              <a:t>, </a:t>
+            </a:r>
+            <a:r>
+              <a:rPr lang="ko-KR" altLang="en-US" sz="1200" b="0" i="0" dirty="0">
+                <a:solidFill>
+                  <a:srgbClr val="555555"/>
+                </a:solidFill>
+                <a:effectLst/>
+                <a:latin typeface="Noto Sans KR" panose="020B0200000000000000" pitchFamily="50" charset="-127"/>
+                <a:ea typeface="KoPubWorld돋움체 Medium" panose="00000600000000000000"/>
+              </a:rPr>
+              <a:t>필터링 등 계산 작업을 처리하는 데 있어 </a:t>
+            </a:r>
+            <a:r>
+              <a:rPr lang="en-US" altLang="ko-KR" sz="1200" b="0" i="0" dirty="0">
+                <a:solidFill>
+                  <a:srgbClr val="555555"/>
+                </a:solidFill>
+                <a:effectLst/>
+                <a:latin typeface="Noto Sans KR" panose="020B0200000000000000" pitchFamily="50" charset="-127"/>
+                <a:ea typeface="KoPubWorld돋움체 Medium" panose="00000600000000000000"/>
+              </a:rPr>
+              <a:t>RAG</a:t>
+            </a:r>
+            <a:r>
+              <a:rPr lang="ko-KR" altLang="en-US" sz="1200" b="0" i="0" dirty="0">
+                <a:solidFill>
+                  <a:srgbClr val="555555"/>
+                </a:solidFill>
+                <a:effectLst/>
+                <a:latin typeface="Noto Sans KR" panose="020B0200000000000000" pitchFamily="50" charset="-127"/>
+                <a:ea typeface="KoPubWorld돋움체 Medium" panose="00000600000000000000"/>
+              </a:rPr>
+              <a:t>의 비효율성을 해결한다</a:t>
+            </a:r>
+            <a:r>
+              <a:rPr lang="en-US" altLang="ko-KR" sz="1200" b="0" i="0" dirty="0">
+                <a:solidFill>
+                  <a:srgbClr val="555555"/>
+                </a:solidFill>
+                <a:effectLst/>
+                <a:latin typeface="Noto Sans KR" panose="020B0200000000000000" pitchFamily="50" charset="-127"/>
+                <a:ea typeface="KoPubWorld돋움체 Medium" panose="00000600000000000000"/>
+              </a:rPr>
+              <a:t>.</a:t>
+            </a:r>
+          </a:p>
+          <a:p>
+            <a:pPr algn="l">
+              <a:lnSpc>
+                <a:spcPts val="1950"/>
+              </a:lnSpc>
+              <a:spcAft>
+                <a:spcPts val="2100"/>
+              </a:spcAft>
+            </a:pPr>
+            <a:r>
+              <a:rPr lang="ko-KR" altLang="en-US" sz="1200" b="0" i="0" dirty="0">
+                <a:solidFill>
+                  <a:srgbClr val="555555"/>
+                </a:solidFill>
+                <a:effectLst/>
+                <a:latin typeface="Noto Sans KR" panose="020B0200000000000000" pitchFamily="50" charset="-127"/>
+                <a:ea typeface="KoPubWorld돋움체 Medium" panose="00000600000000000000"/>
+              </a:rPr>
+              <a:t>시스템은 의미적 추론</a:t>
+            </a:r>
+            <a:r>
+              <a:rPr lang="en-US" altLang="ko-KR" sz="1200" b="0" i="0" dirty="0">
+                <a:solidFill>
+                  <a:srgbClr val="555555"/>
+                </a:solidFill>
+                <a:effectLst/>
+                <a:latin typeface="Noto Sans KR" panose="020B0200000000000000" pitchFamily="50" charset="-127"/>
+                <a:ea typeface="KoPubWorld돋움체 Medium" panose="00000600000000000000"/>
+              </a:rPr>
+              <a:t>, </a:t>
+            </a:r>
+            <a:r>
+              <a:rPr lang="ko-KR" altLang="en-US" sz="1200" b="0" i="0" dirty="0">
+                <a:solidFill>
+                  <a:srgbClr val="555555"/>
+                </a:solidFill>
+                <a:effectLst/>
+                <a:latin typeface="Noto Sans KR" panose="020B0200000000000000" pitchFamily="50" charset="-127"/>
+                <a:ea typeface="KoPubWorld돋움체 Medium" panose="00000600000000000000"/>
+              </a:rPr>
+              <a:t>세계 지식</a:t>
+            </a:r>
+            <a:r>
+              <a:rPr lang="en-US" altLang="ko-KR" sz="1200" b="0" i="0" dirty="0">
+                <a:solidFill>
+                  <a:srgbClr val="555555"/>
+                </a:solidFill>
+                <a:effectLst/>
+                <a:latin typeface="Noto Sans KR" panose="020B0200000000000000" pitchFamily="50" charset="-127"/>
+                <a:ea typeface="KoPubWorld돋움체 Medium" panose="00000600000000000000"/>
+              </a:rPr>
+              <a:t>, </a:t>
+            </a:r>
+            <a:r>
+              <a:rPr lang="ko-KR" altLang="en-US" sz="1200" b="0" i="0" dirty="0">
+                <a:solidFill>
+                  <a:srgbClr val="555555"/>
+                </a:solidFill>
+                <a:effectLst/>
+                <a:latin typeface="Noto Sans KR" panose="020B0200000000000000" pitchFamily="50" charset="-127"/>
+                <a:ea typeface="KoPubWorld돋움체 Medium" panose="00000600000000000000"/>
+              </a:rPr>
+              <a:t>도메인 지식을 모두 요구하는 복잡한 질문에 답할 수 있게 된다</a:t>
+            </a:r>
+            <a:r>
+              <a:rPr lang="en-US" altLang="ko-KR" sz="1200" b="0" i="0" dirty="0">
+                <a:solidFill>
+                  <a:srgbClr val="555555"/>
+                </a:solidFill>
+                <a:effectLst/>
+                <a:latin typeface="Noto Sans KR" panose="020B0200000000000000" pitchFamily="50" charset="-127"/>
+                <a:ea typeface="KoPubWorld돋움체 Medium" panose="00000600000000000000"/>
+              </a:rPr>
+              <a:t>.</a:t>
+            </a:r>
+          </a:p>
+          <a:p>
+            <a:pPr algn="l">
+              <a:lnSpc>
+                <a:spcPts val="1950"/>
+              </a:lnSpc>
+              <a:spcAft>
+                <a:spcPts val="2100"/>
+              </a:spcAft>
+            </a:pPr>
+            <a:r>
+              <a:rPr lang="ko-KR" altLang="en-US" sz="1200" b="0" i="0" dirty="0">
+                <a:solidFill>
+                  <a:srgbClr val="555555"/>
+                </a:solidFill>
+                <a:effectLst/>
+                <a:latin typeface="Noto Sans KR" panose="020B0200000000000000" pitchFamily="50" charset="-127"/>
+                <a:ea typeface="KoPubWorld돋움체 Medium" panose="00000600000000000000"/>
+              </a:rPr>
+              <a:t>예를 들어</a:t>
+            </a:r>
+            <a:r>
+              <a:rPr lang="en-US" altLang="ko-KR" sz="1200" b="0" i="0" dirty="0">
+                <a:solidFill>
+                  <a:srgbClr val="555555"/>
+                </a:solidFill>
+                <a:effectLst/>
+                <a:latin typeface="Noto Sans KR" panose="020B0200000000000000" pitchFamily="50" charset="-127"/>
+                <a:ea typeface="KoPubWorld돋움체 Medium" panose="00000600000000000000"/>
+              </a:rPr>
+              <a:t>, '</a:t>
+            </a:r>
+            <a:r>
+              <a:rPr lang="ko-KR" altLang="en-US" sz="1200" b="0" i="0" dirty="0">
+                <a:solidFill>
+                  <a:srgbClr val="555555"/>
+                </a:solidFill>
+                <a:effectLst/>
+                <a:latin typeface="Noto Sans KR" panose="020B0200000000000000" pitchFamily="50" charset="-127"/>
+                <a:ea typeface="KoPubWorld돋움체 Medium" panose="00000600000000000000"/>
+              </a:rPr>
+              <a:t>고전으로 여겨지는 최고 수익을 올린 로맨스 영화의 리뷰 요약</a:t>
+            </a:r>
+            <a:r>
+              <a:rPr lang="en-US" altLang="ko-KR" sz="1200" b="0" i="0" dirty="0">
+                <a:solidFill>
+                  <a:srgbClr val="555555"/>
+                </a:solidFill>
+                <a:effectLst/>
+                <a:latin typeface="Noto Sans KR" panose="020B0200000000000000" pitchFamily="50" charset="-127"/>
+                <a:ea typeface="KoPubWorld돋움체 Medium" panose="00000600000000000000"/>
+              </a:rPr>
+              <a:t>'</a:t>
+            </a:r>
+            <a:r>
+              <a:rPr lang="ko-KR" altLang="en-US" sz="1200" b="0" i="0" dirty="0">
+                <a:solidFill>
+                  <a:srgbClr val="555555"/>
+                </a:solidFill>
+                <a:effectLst/>
+                <a:latin typeface="Noto Sans KR" panose="020B0200000000000000" pitchFamily="50" charset="-127"/>
+                <a:ea typeface="KoPubWorld돋움체 Medium" panose="00000600000000000000"/>
+              </a:rPr>
+              <a:t>이라는 질문에 답할 수 있다</a:t>
+            </a:r>
+            <a:r>
+              <a:rPr lang="en-US" altLang="ko-KR" sz="1200" b="0" i="0" dirty="0">
+                <a:solidFill>
+                  <a:srgbClr val="555555"/>
+                </a:solidFill>
+                <a:effectLst/>
+                <a:latin typeface="Noto Sans KR" panose="020B0200000000000000" pitchFamily="50" charset="-127"/>
+                <a:ea typeface="KoPubWorld돋움체 Medium" panose="00000600000000000000"/>
+              </a:rPr>
+              <a:t>. </a:t>
+            </a:r>
+          </a:p>
+          <a:p>
+            <a:pPr algn="l">
+              <a:lnSpc>
+                <a:spcPts val="1950"/>
+              </a:lnSpc>
+              <a:spcAft>
+                <a:spcPts val="2100"/>
+              </a:spcAft>
+            </a:pPr>
+            <a:endParaRPr lang="en-US" altLang="ko-KR" sz="1200" b="0" i="0" dirty="0">
+              <a:solidFill>
+                <a:srgbClr val="555555"/>
+              </a:solidFill>
+              <a:effectLst/>
+              <a:latin typeface="Noto Sans KR" panose="020B0200000000000000" pitchFamily="50" charset="-127"/>
+              <a:ea typeface="KoPubWorld돋움체 Medium" panose="00000600000000000000"/>
+            </a:endParaRPr>
+          </a:p>
+          <a:p>
+            <a:pPr algn="l">
+              <a:lnSpc>
+                <a:spcPts val="1950"/>
+              </a:lnSpc>
+              <a:spcAft>
+                <a:spcPts val="2100"/>
+              </a:spcAft>
+            </a:pPr>
+            <a:r>
+              <a:rPr lang="ko-KR" altLang="en-US" sz="1200" b="0" i="0" dirty="0">
+                <a:solidFill>
+                  <a:srgbClr val="555555"/>
+                </a:solidFill>
+                <a:effectLst/>
+                <a:latin typeface="Noto Sans KR" panose="020B0200000000000000" pitchFamily="50" charset="-127"/>
+                <a:ea typeface="KoPubWorld돋움체 Medium" panose="00000600000000000000"/>
+              </a:rPr>
+              <a:t>이 질문은 </a:t>
+            </a:r>
+            <a:r>
+              <a:rPr lang="en-US" altLang="ko-KR" sz="1200" b="0" i="0" dirty="0">
+                <a:solidFill>
+                  <a:srgbClr val="555555"/>
+                </a:solidFill>
+                <a:effectLst/>
+                <a:latin typeface="Noto Sans KR" panose="020B0200000000000000" pitchFamily="50" charset="-127"/>
+                <a:ea typeface="KoPubWorld돋움체 Medium" panose="00000600000000000000"/>
+              </a:rPr>
+              <a:t>text-SQL </a:t>
+            </a:r>
+            <a:r>
+              <a:rPr lang="ko-KR" altLang="en-US" sz="1200" b="0" i="0" dirty="0">
+                <a:solidFill>
+                  <a:srgbClr val="555555"/>
+                </a:solidFill>
+                <a:effectLst/>
+                <a:latin typeface="Noto Sans KR" panose="020B0200000000000000" pitchFamily="50" charset="-127"/>
+                <a:ea typeface="KoPubWorld돋움체 Medium" panose="00000600000000000000"/>
+              </a:rPr>
+              <a:t>이나 </a:t>
+            </a:r>
+            <a:r>
+              <a:rPr lang="en-US" altLang="ko-KR" sz="1200" b="0" i="0" dirty="0">
+                <a:solidFill>
+                  <a:srgbClr val="555555"/>
+                </a:solidFill>
+                <a:effectLst/>
+                <a:latin typeface="Noto Sans KR" panose="020B0200000000000000" pitchFamily="50" charset="-127"/>
+                <a:ea typeface="KoPubWorld돋움체 Medium" panose="00000600000000000000"/>
+              </a:rPr>
+              <a:t>RAG </a:t>
+            </a:r>
+            <a:r>
+              <a:rPr lang="ko-KR" altLang="en-US" sz="1200" b="0" i="0" dirty="0">
+                <a:solidFill>
+                  <a:srgbClr val="555555"/>
+                </a:solidFill>
+                <a:effectLst/>
+                <a:latin typeface="Noto Sans KR" panose="020B0200000000000000" pitchFamily="50" charset="-127"/>
+                <a:ea typeface="KoPubWorld돋움체 Medium" panose="00000600000000000000"/>
+              </a:rPr>
+              <a:t>에서는 잘 동작하지 않는다</a:t>
+            </a:r>
+            <a:r>
+              <a:rPr lang="en-US" altLang="ko-KR" sz="1200" b="0" i="0" dirty="0">
+                <a:solidFill>
+                  <a:srgbClr val="555555"/>
+                </a:solidFill>
+                <a:effectLst/>
+                <a:latin typeface="Noto Sans KR" panose="020B0200000000000000" pitchFamily="50" charset="-127"/>
+                <a:ea typeface="KoPubWorld돋움체 Medium" panose="00000600000000000000"/>
+              </a:rPr>
+              <a:t>.</a:t>
+            </a:r>
+          </a:p>
+          <a:p>
+            <a:pPr algn="l">
+              <a:lnSpc>
+                <a:spcPts val="1950"/>
+              </a:lnSpc>
+              <a:spcAft>
+                <a:spcPts val="2100"/>
+              </a:spcAft>
+            </a:pPr>
+            <a:r>
+              <a:rPr lang="ko-KR" altLang="en-US" sz="1200" b="0" i="0" dirty="0">
+                <a:solidFill>
+                  <a:srgbClr val="555555"/>
+                </a:solidFill>
+                <a:effectLst/>
+                <a:latin typeface="Noto Sans KR" panose="020B0200000000000000" pitchFamily="50" charset="-127"/>
+                <a:ea typeface="KoPubWorld돋움체 Medium" panose="00000600000000000000"/>
+              </a:rPr>
+              <a:t>왜냐하면</a:t>
+            </a:r>
+            <a:r>
+              <a:rPr lang="en-US" altLang="ko-KR" sz="1200" b="0" i="0" dirty="0">
+                <a:solidFill>
+                  <a:srgbClr val="555555"/>
+                </a:solidFill>
+                <a:effectLst/>
+                <a:latin typeface="Noto Sans KR" panose="020B0200000000000000" pitchFamily="50" charset="-127"/>
+                <a:ea typeface="KoPubWorld돋움체 Medium" panose="00000600000000000000"/>
+              </a:rPr>
+              <a:t>, DB</a:t>
+            </a:r>
+            <a:r>
+              <a:rPr lang="ko-KR" altLang="en-US" sz="1200" b="0" i="0" dirty="0">
+                <a:solidFill>
+                  <a:srgbClr val="555555"/>
+                </a:solidFill>
+                <a:effectLst/>
+                <a:latin typeface="Noto Sans KR" panose="020B0200000000000000" pitchFamily="50" charset="-127"/>
+                <a:ea typeface="KoPubWorld돋움체 Medium" panose="00000600000000000000"/>
+              </a:rPr>
+              <a:t>에서 최고 수익을 올린 로맨스 영화를 찾아야 할 뿐만 아니라 세계 지식을 활용해 해당 영화가 고전인지도 판단해야 하기 때문이다</a:t>
+            </a:r>
+            <a:r>
+              <a:rPr lang="en-US" altLang="ko-KR" sz="1200" b="0" i="0" dirty="0">
+                <a:solidFill>
+                  <a:srgbClr val="555555"/>
+                </a:solidFill>
+                <a:effectLst/>
+                <a:latin typeface="Noto Sans KR" panose="020B0200000000000000" pitchFamily="50" charset="-127"/>
+                <a:ea typeface="KoPubWorld돋움체 Medium" panose="00000600000000000000"/>
+              </a:rPr>
+              <a:t>.</a:t>
+            </a:r>
+          </a:p>
+          <a:p>
+            <a:pPr algn="l">
+              <a:lnSpc>
+                <a:spcPts val="1950"/>
+              </a:lnSpc>
+              <a:spcAft>
+                <a:spcPts val="2100"/>
+              </a:spcAft>
+            </a:pPr>
+            <a:r>
+              <a:rPr lang="en-US" altLang="ko-KR" sz="1200" b="0" i="0" dirty="0">
+                <a:solidFill>
+                  <a:srgbClr val="555555"/>
+                </a:solidFill>
+                <a:effectLst/>
+                <a:latin typeface="Noto Sans KR" panose="020B0200000000000000" pitchFamily="50" charset="-127"/>
+                <a:ea typeface="KoPubWorld돋움체 Medium" panose="00000600000000000000"/>
+              </a:rPr>
+              <a:t> </a:t>
+            </a:r>
+          </a:p>
+          <a:p>
+            <a:pPr algn="l">
+              <a:lnSpc>
+                <a:spcPts val="1950"/>
+              </a:lnSpc>
+              <a:spcAft>
+                <a:spcPts val="2100"/>
+              </a:spcAft>
+            </a:pPr>
+            <a:r>
+              <a:rPr lang="ko-KR" altLang="en-US" sz="1200" b="0" i="0" dirty="0">
+                <a:solidFill>
+                  <a:srgbClr val="555555"/>
+                </a:solidFill>
+                <a:effectLst/>
+                <a:latin typeface="Noto Sans KR" panose="020B0200000000000000" pitchFamily="50" charset="-127"/>
+                <a:ea typeface="KoPubWorld돋움체 Medium" panose="00000600000000000000"/>
+              </a:rPr>
+              <a:t>하지만 </a:t>
+            </a:r>
+            <a:r>
+              <a:rPr lang="en-US" altLang="ko-KR" sz="1200" b="0" i="0" dirty="0">
+                <a:solidFill>
+                  <a:srgbClr val="555555"/>
+                </a:solidFill>
+                <a:effectLst/>
+                <a:latin typeface="Noto Sans KR" panose="020B0200000000000000" pitchFamily="50" charset="-127"/>
+                <a:ea typeface="KoPubWorld돋움체 Medium" panose="00000600000000000000"/>
+              </a:rPr>
+              <a:t>TAG</a:t>
+            </a:r>
+            <a:r>
+              <a:rPr lang="ko-KR" altLang="en-US" sz="1200" b="0" i="0" dirty="0">
+                <a:solidFill>
+                  <a:srgbClr val="555555"/>
+                </a:solidFill>
+                <a:effectLst/>
+                <a:latin typeface="Noto Sans KR" panose="020B0200000000000000" pitchFamily="50" charset="-127"/>
+                <a:ea typeface="KoPubWorld돋움체 Medium" panose="00000600000000000000"/>
+              </a:rPr>
+              <a:t>는</a:t>
+            </a:r>
+          </a:p>
+          <a:p>
+            <a:pPr algn="l">
+              <a:lnSpc>
+                <a:spcPts val="1950"/>
+              </a:lnSpc>
+              <a:spcAft>
+                <a:spcPts val="2100"/>
+              </a:spcAft>
+            </a:pPr>
+            <a:r>
+              <a:rPr lang="ko-KR" altLang="en-US" sz="1200" b="0" i="0" dirty="0">
+                <a:solidFill>
+                  <a:srgbClr val="555555"/>
+                </a:solidFill>
+                <a:effectLst/>
+                <a:latin typeface="Noto Sans KR" panose="020B0200000000000000" pitchFamily="50" charset="-127"/>
+                <a:ea typeface="KoPubWorld돋움체 Medium" panose="00000600000000000000"/>
+              </a:rPr>
+              <a:t>시스템은 관련 영화 데이터를 위한 쿼리를 생성하고</a:t>
+            </a:r>
+            <a:r>
+              <a:rPr lang="en-US" altLang="ko-KR" sz="1200" b="0" i="0" dirty="0">
+                <a:solidFill>
+                  <a:srgbClr val="555555"/>
+                </a:solidFill>
+                <a:effectLst/>
+                <a:latin typeface="Noto Sans KR" panose="020B0200000000000000" pitchFamily="50" charset="-127"/>
+                <a:ea typeface="KoPubWorld돋움체 Medium" panose="00000600000000000000"/>
+              </a:rPr>
+              <a:t>, </a:t>
+            </a:r>
+            <a:r>
+              <a:rPr lang="ko-KR" altLang="en-US" sz="1200" b="0" i="0" dirty="0">
+                <a:solidFill>
+                  <a:srgbClr val="555555"/>
+                </a:solidFill>
+                <a:effectLst/>
+                <a:latin typeface="Noto Sans KR" panose="020B0200000000000000" pitchFamily="50" charset="-127"/>
+                <a:ea typeface="KoPubWorld돋움체 Medium" panose="00000600000000000000"/>
+              </a:rPr>
+              <a:t>필터와 </a:t>
+            </a:r>
+            <a:r>
+              <a:rPr lang="en-US" altLang="ko-KR" sz="1200" b="0" i="0" dirty="0">
+                <a:solidFill>
+                  <a:srgbClr val="555555"/>
+                </a:solidFill>
+                <a:effectLst/>
+                <a:latin typeface="Noto Sans KR" panose="020B0200000000000000" pitchFamily="50" charset="-127"/>
+                <a:ea typeface="KoPubWorld돋움체 Medium" panose="00000600000000000000"/>
+              </a:rPr>
+              <a:t>LLM</a:t>
+            </a:r>
+            <a:r>
+              <a:rPr lang="ko-KR" altLang="en-US" sz="1200" b="0" i="0" dirty="0">
+                <a:solidFill>
+                  <a:srgbClr val="555555"/>
+                </a:solidFill>
+                <a:effectLst/>
+                <a:latin typeface="Noto Sans KR" panose="020B0200000000000000" pitchFamily="50" charset="-127"/>
+                <a:ea typeface="KoPubWorld돋움체 Medium" panose="00000600000000000000"/>
+              </a:rPr>
+              <a:t>을 사용해 수익 순으로 정렬된 고전 로맨스 영화 테이블을 생성한 뒤 </a:t>
+            </a:r>
+          </a:p>
+          <a:p>
+            <a:pPr algn="l">
+              <a:lnSpc>
+                <a:spcPts val="1950"/>
+              </a:lnSpc>
+              <a:spcAft>
+                <a:spcPts val="2100"/>
+              </a:spcAft>
+            </a:pPr>
+            <a:r>
+              <a:rPr lang="ko-KR" altLang="en-US" sz="1200" b="0" i="0" dirty="0">
+                <a:solidFill>
+                  <a:srgbClr val="555555"/>
+                </a:solidFill>
+                <a:effectLst/>
+                <a:latin typeface="Noto Sans KR" panose="020B0200000000000000" pitchFamily="50" charset="-127"/>
+                <a:ea typeface="KoPubWorld돋움체 Medium" panose="00000600000000000000"/>
+              </a:rPr>
+              <a:t>테이블에서 가장 높은 순위의 영화에 대한 리뷰를 요약해 원하는 답변을 제공한다</a:t>
+            </a:r>
+            <a:r>
+              <a:rPr lang="en-US" altLang="ko-KR" sz="1200" b="0" i="0" dirty="0">
+                <a:solidFill>
+                  <a:srgbClr val="555555"/>
+                </a:solidFill>
+                <a:effectLst/>
+                <a:latin typeface="Noto Sans KR" panose="020B0200000000000000" pitchFamily="50" charset="-127"/>
+                <a:ea typeface="KoPubWorld돋움체 Medium" panose="00000600000000000000"/>
+              </a:rPr>
+              <a:t>.</a:t>
+            </a:r>
+          </a:p>
+          <a:p>
+            <a:pPr algn="l"/>
+            <a:endParaRPr lang="ko-KR" altLang="en-US" b="1" i="0" dirty="0">
+              <a:effectLst/>
+              <a:latin typeface="Pretendard GOV"/>
+            </a:endParaRPr>
+          </a:p>
+        </p:txBody>
+      </p:sp>
+      <p:sp>
+        <p:nvSpPr>
+          <p:cNvPr id="4" name="슬라이드 번호 개체 틀 3">
+            <a:extLst>
+              <a:ext uri="{FF2B5EF4-FFF2-40B4-BE49-F238E27FC236}">
+                <a16:creationId xmlns:a16="http://schemas.microsoft.com/office/drawing/2014/main" id="{A8D07CB3-3B3A-CF45-094F-3D82F297475C}"/>
+              </a:ext>
+            </a:extLst>
+          </p:cNvPr>
+          <p:cNvSpPr>
+            <a:spLocks noGrp="1"/>
+          </p:cNvSpPr>
+          <p:nvPr>
+            <p:ph type="sldNum" sz="quarter" idx="5"/>
+          </p:nvPr>
+        </p:nvSpPr>
+        <p:spPr/>
+        <p:txBody>
+          <a:bodyPr/>
+          <a:lstStyle/>
+          <a:p>
+            <a:fld id="{4643E048-7B4A-4117-B6D0-90433868554B}" type="slidenum">
+              <a:rPr lang="ko-KR" altLang="en-US" smtClean="0"/>
+              <a:t>3</a:t>
+            </a:fld>
+            <a:endParaRPr lang="ko-KR" altLang="en-US"/>
+          </a:p>
+        </p:txBody>
+      </p:sp>
+    </p:spTree>
+    <p:extLst>
+      <p:ext uri="{BB962C8B-B14F-4D97-AF65-F5344CB8AC3E}">
+        <p14:creationId xmlns:p14="http://schemas.microsoft.com/office/powerpoint/2010/main" val="2445619636"/>
+      </p:ext>
+    </p:extLst>
+  </p:cSld>
+  <p:clrMapOvr>
+    <a:masterClrMapping/>
+  </p:clrMapOvr>
+</p:notes>
+</file>
+
 <file path=ppt/slideLayouts/slideLayout1.xml><?xml version="1.0" encoding="utf-8"?>
 <p:sldLayout xmlns:a="http://schemas.openxmlformats.org/drawingml/2006/main" xmlns:r="http://schemas.openxmlformats.org/officeDocument/2006/relationships" xmlns:p="http://schemas.openxmlformats.org/presentationml/2006/main" type="title" preserve="1">
   <p:cSld name="제목 슬라이드">
@@ -624,7 +2194,7 @@
           <a:p>
             <a:fld id="{0D5E1F66-E70E-4992-8451-264A0511747B}" type="datetimeFigureOut">
               <a:rPr lang="ko-KR" altLang="en-US" smtClean="0"/>
-              <a:t>2025-02-28</a:t>
+              <a:t>2025-03-03</a:t>
             </a:fld>
             <a:endParaRPr lang="ko-KR" altLang="en-US"/>
           </a:p>
@@ -822,7 +2392,7 @@
           <a:p>
             <a:fld id="{0D5E1F66-E70E-4992-8451-264A0511747B}" type="datetimeFigureOut">
               <a:rPr lang="ko-KR" altLang="en-US" smtClean="0"/>
-              <a:t>2025-02-28</a:t>
+              <a:t>2025-03-03</a:t>
             </a:fld>
             <a:endParaRPr lang="ko-KR" altLang="en-US"/>
           </a:p>
@@ -1030,7 +2600,7 @@
           <a:p>
             <a:fld id="{0D5E1F66-E70E-4992-8451-264A0511747B}" type="datetimeFigureOut">
               <a:rPr lang="ko-KR" altLang="en-US" smtClean="0"/>
-              <a:t>2025-02-28</a:t>
+              <a:t>2025-03-03</a:t>
             </a:fld>
             <a:endParaRPr lang="ko-KR" altLang="en-US"/>
           </a:p>
@@ -1228,7 +2798,7 @@
           <a:p>
             <a:fld id="{0D5E1F66-E70E-4992-8451-264A0511747B}" type="datetimeFigureOut">
               <a:rPr lang="ko-KR" altLang="en-US" smtClean="0"/>
-              <a:t>2025-02-28</a:t>
+              <a:t>2025-03-03</a:t>
             </a:fld>
             <a:endParaRPr lang="ko-KR" altLang="en-US"/>
           </a:p>
@@ -1503,7 +3073,7 @@
           <a:p>
             <a:fld id="{0D5E1F66-E70E-4992-8451-264A0511747B}" type="datetimeFigureOut">
               <a:rPr lang="ko-KR" altLang="en-US" smtClean="0"/>
-              <a:t>2025-02-28</a:t>
+              <a:t>2025-03-03</a:t>
             </a:fld>
             <a:endParaRPr lang="ko-KR" altLang="en-US"/>
           </a:p>
@@ -1768,7 +3338,7 @@
           <a:p>
             <a:fld id="{0D5E1F66-E70E-4992-8451-264A0511747B}" type="datetimeFigureOut">
               <a:rPr lang="ko-KR" altLang="en-US" smtClean="0"/>
-              <a:t>2025-02-28</a:t>
+              <a:t>2025-03-03</a:t>
             </a:fld>
             <a:endParaRPr lang="ko-KR" altLang="en-US"/>
           </a:p>
@@ -2180,7 +3750,7 @@
           <a:p>
             <a:fld id="{0D5E1F66-E70E-4992-8451-264A0511747B}" type="datetimeFigureOut">
               <a:rPr lang="ko-KR" altLang="en-US" smtClean="0"/>
-              <a:t>2025-02-28</a:t>
+              <a:t>2025-03-03</a:t>
             </a:fld>
             <a:endParaRPr lang="ko-KR" altLang="en-US"/>
           </a:p>
@@ -2321,7 +3891,7 @@
           <a:p>
             <a:fld id="{0D5E1F66-E70E-4992-8451-264A0511747B}" type="datetimeFigureOut">
               <a:rPr lang="ko-KR" altLang="en-US" smtClean="0"/>
-              <a:t>2025-02-28</a:t>
+              <a:t>2025-03-03</a:t>
             </a:fld>
             <a:endParaRPr lang="ko-KR" altLang="en-US"/>
           </a:p>
@@ -2434,7 +4004,7 @@
           <a:p>
             <a:fld id="{0D5E1F66-E70E-4992-8451-264A0511747B}" type="datetimeFigureOut">
               <a:rPr lang="ko-KR" altLang="en-US" smtClean="0"/>
-              <a:t>2025-02-28</a:t>
+              <a:t>2025-03-03</a:t>
             </a:fld>
             <a:endParaRPr lang="ko-KR" altLang="en-US"/>
           </a:p>
@@ -2745,7 +4315,7 @@
           <a:p>
             <a:fld id="{0D5E1F66-E70E-4992-8451-264A0511747B}" type="datetimeFigureOut">
               <a:rPr lang="ko-KR" altLang="en-US" smtClean="0"/>
-              <a:t>2025-02-28</a:t>
+              <a:t>2025-03-03</a:t>
             </a:fld>
             <a:endParaRPr lang="ko-KR" altLang="en-US"/>
           </a:p>
@@ -3033,7 +4603,7 @@
           <a:p>
             <a:fld id="{0D5E1F66-E70E-4992-8451-264A0511747B}" type="datetimeFigureOut">
               <a:rPr lang="ko-KR" altLang="en-US" smtClean="0"/>
-              <a:t>2025-02-28</a:t>
+              <a:t>2025-03-03</a:t>
             </a:fld>
             <a:endParaRPr lang="ko-KR" altLang="en-US"/>
           </a:p>
@@ -3274,7 +4844,7 @@
           <a:p>
             <a:fld id="{0D5E1F66-E70E-4992-8451-264A0511747B}" type="datetimeFigureOut">
               <a:rPr lang="ko-KR" altLang="en-US" smtClean="0"/>
-              <a:t>2025-02-28</a:t>
+              <a:t>2025-03-03</a:t>
             </a:fld>
             <a:endParaRPr lang="ko-KR" altLang="en-US"/>
           </a:p>
@@ -3839,6 +5409,1353 @@
   <p:cSld>
     <p:spTree>
       <p:nvGrpSpPr>
+        <p:cNvPr id="1" name=""/>
+        <p:cNvGrpSpPr/>
+        <p:nvPr/>
+      </p:nvGrpSpPr>
+      <p:grpSpPr>
+        <a:xfrm>
+          <a:off x="0" y="0"/>
+          <a:ext cx="0" cy="0"/>
+          <a:chOff x="0" y="0"/>
+          <a:chExt cx="0" cy="0"/>
+        </a:xfrm>
+      </p:grpSpPr>
+      <p:sp>
+        <p:nvSpPr>
+          <p:cNvPr id="11" name="순서도: 자기 디스크 10">
+            <a:extLst>
+              <a:ext uri="{FF2B5EF4-FFF2-40B4-BE49-F238E27FC236}">
+                <a16:creationId xmlns:a16="http://schemas.microsoft.com/office/drawing/2014/main" id="{3C41BC82-4371-B842-F76D-67053839BD88}"/>
+              </a:ext>
+            </a:extLst>
+          </p:cNvPr>
+          <p:cNvSpPr/>
+          <p:nvPr/>
+        </p:nvSpPr>
+        <p:spPr>
+          <a:xfrm>
+            <a:off x="1986103" y="4924739"/>
+            <a:ext cx="1386373" cy="736441"/>
+          </a:xfrm>
+          <a:prstGeom prst="flowChartMagneticDisk">
+            <a:avLst/>
+          </a:prstGeom>
+          <a:noFill/>
+          <a:effectLst>
+            <a:outerShdw blurRad="1270000" dist="50800" dir="5400000" algn="ctr" rotWithShape="0">
+              <a:srgbClr val="000000">
+                <a:alpha val="43137"/>
+              </a:srgbClr>
+            </a:outerShdw>
+          </a:effectLst>
+        </p:spPr>
+        <p:style>
+          <a:lnRef idx="2">
+            <a:schemeClr val="accent1">
+              <a:shade val="15000"/>
+            </a:schemeClr>
+          </a:lnRef>
+          <a:fillRef idx="1">
+            <a:schemeClr val="accent1"/>
+          </a:fillRef>
+          <a:effectRef idx="0">
+            <a:schemeClr val="accent1"/>
+          </a:effectRef>
+          <a:fontRef idx="minor">
+            <a:schemeClr val="lt1"/>
+          </a:fontRef>
+        </p:style>
+        <p:txBody>
+          <a:bodyPr rtlCol="0" anchor="ctr"/>
+          <a:lstStyle/>
+          <a:p>
+            <a:pPr algn="ctr"/>
+            <a:r>
+              <a:rPr lang="ko-KR" altLang="en-US" sz="1000" i="1" dirty="0">
+                <a:solidFill>
+                  <a:schemeClr val="tx1"/>
+                </a:solidFill>
+                <a:latin typeface="Noto Sans" panose="020B0502040504020204" pitchFamily="34" charset="0"/>
+                <a:cs typeface="Noto Sans" panose="020B0502040504020204" pitchFamily="34" charset="0"/>
+              </a:rPr>
+              <a:t>표준 질의문장</a:t>
+            </a:r>
+            <a:endParaRPr lang="en-US" altLang="ko-KR" sz="1000" i="1" dirty="0">
+              <a:solidFill>
+                <a:schemeClr val="tx1"/>
+              </a:solidFill>
+              <a:latin typeface="Noto Sans" panose="020B0502040504020204" pitchFamily="34" charset="0"/>
+              <a:ea typeface="Noto Sans" panose="020B0502040504020204" pitchFamily="34" charset="0"/>
+              <a:cs typeface="Noto Sans" panose="020B0502040504020204" pitchFamily="34" charset="0"/>
+            </a:endParaRPr>
+          </a:p>
+          <a:p>
+            <a:pPr algn="ctr"/>
+            <a:r>
+              <a:rPr lang="ko-KR" altLang="en-US" sz="1000" i="1" dirty="0">
+                <a:solidFill>
+                  <a:schemeClr val="tx1"/>
+                </a:solidFill>
+                <a:latin typeface="Noto Sans" panose="020B0502040504020204" pitchFamily="34" charset="0"/>
+                <a:cs typeface="Noto Sans" panose="020B0502040504020204" pitchFamily="34" charset="0"/>
+              </a:rPr>
+              <a:t>데이터셋 </a:t>
+            </a:r>
+            <a:endParaRPr lang="en-US" altLang="ko-KR" sz="1000" i="1" dirty="0">
+              <a:solidFill>
+                <a:schemeClr val="tx1"/>
+              </a:solidFill>
+              <a:latin typeface="Noto Sans" panose="020B0502040504020204" pitchFamily="34" charset="0"/>
+              <a:ea typeface="Noto Sans" panose="020B0502040504020204" pitchFamily="34" charset="0"/>
+              <a:cs typeface="Noto Sans" panose="020B0502040504020204" pitchFamily="34" charset="0"/>
+            </a:endParaRPr>
+          </a:p>
+        </p:txBody>
+      </p:sp>
+      <p:sp>
+        <p:nvSpPr>
+          <p:cNvPr id="3" name="순서도: 자기 디스크 2">
+            <a:extLst>
+              <a:ext uri="{FF2B5EF4-FFF2-40B4-BE49-F238E27FC236}">
+                <a16:creationId xmlns:a16="http://schemas.microsoft.com/office/drawing/2014/main" id="{67497B06-66A1-DC3C-F43C-27DEF43DF924}"/>
+              </a:ext>
+            </a:extLst>
+          </p:cNvPr>
+          <p:cNvSpPr/>
+          <p:nvPr/>
+        </p:nvSpPr>
+        <p:spPr>
+          <a:xfrm>
+            <a:off x="9176036" y="1312463"/>
+            <a:ext cx="1386373" cy="736441"/>
+          </a:xfrm>
+          <a:prstGeom prst="flowChartMagneticDisk">
+            <a:avLst/>
+          </a:prstGeom>
+          <a:noFill/>
+          <a:effectLst>
+            <a:outerShdw blurRad="1270000" dist="50800" dir="5400000" algn="ctr" rotWithShape="0">
+              <a:srgbClr val="000000">
+                <a:alpha val="43137"/>
+              </a:srgbClr>
+            </a:outerShdw>
+          </a:effectLst>
+        </p:spPr>
+        <p:style>
+          <a:lnRef idx="2">
+            <a:schemeClr val="accent1">
+              <a:shade val="15000"/>
+            </a:schemeClr>
+          </a:lnRef>
+          <a:fillRef idx="1">
+            <a:schemeClr val="accent1"/>
+          </a:fillRef>
+          <a:effectRef idx="0">
+            <a:schemeClr val="accent1"/>
+          </a:effectRef>
+          <a:fontRef idx="minor">
+            <a:schemeClr val="lt1"/>
+          </a:fontRef>
+        </p:style>
+        <p:txBody>
+          <a:bodyPr rtlCol="0" anchor="ctr"/>
+          <a:lstStyle/>
+          <a:p>
+            <a:pPr algn="ctr"/>
+            <a:r>
+              <a:rPr lang="ko-KR" altLang="en-US" sz="1200" i="1" dirty="0">
+                <a:solidFill>
+                  <a:schemeClr val="tx1"/>
+                </a:solidFill>
+                <a:latin typeface="Noto Sans" panose="020B0502040504020204" pitchFamily="34" charset="0"/>
+                <a:cs typeface="Noto Sans" panose="020B0502040504020204" pitchFamily="34" charset="0"/>
+              </a:rPr>
+              <a:t>비표준 질의문장 </a:t>
+            </a:r>
+            <a:endParaRPr lang="en-US" altLang="ko-KR" sz="1200" i="1" dirty="0">
+              <a:solidFill>
+                <a:schemeClr val="tx1"/>
+              </a:solidFill>
+              <a:latin typeface="Noto Sans" panose="020B0502040504020204" pitchFamily="34" charset="0"/>
+              <a:ea typeface="Noto Sans" panose="020B0502040504020204" pitchFamily="34" charset="0"/>
+              <a:cs typeface="Noto Sans" panose="020B0502040504020204" pitchFamily="34" charset="0"/>
+            </a:endParaRPr>
+          </a:p>
+        </p:txBody>
+      </p:sp>
+      <p:cxnSp>
+        <p:nvCxnSpPr>
+          <p:cNvPr id="19" name="직선 화살표 연결선 18">
+            <a:extLst>
+              <a:ext uri="{FF2B5EF4-FFF2-40B4-BE49-F238E27FC236}">
+                <a16:creationId xmlns:a16="http://schemas.microsoft.com/office/drawing/2014/main" id="{E639758F-ADBF-9FB9-C5C2-0C000C1B0DF7}"/>
+              </a:ext>
+            </a:extLst>
+          </p:cNvPr>
+          <p:cNvCxnSpPr>
+            <a:cxnSpLocks/>
+          </p:cNvCxnSpPr>
+          <p:nvPr/>
+        </p:nvCxnSpPr>
+        <p:spPr>
+          <a:xfrm flipV="1">
+            <a:off x="2679290" y="4147429"/>
+            <a:ext cx="0" cy="336590"/>
+          </a:xfrm>
+          <a:prstGeom prst="straightConnector1">
+            <a:avLst/>
+          </a:prstGeom>
+          <a:ln>
+            <a:tailEnd type="triangle"/>
+          </a:ln>
+        </p:spPr>
+        <p:style>
+          <a:lnRef idx="1">
+            <a:schemeClr val="dk1"/>
+          </a:lnRef>
+          <a:fillRef idx="0">
+            <a:schemeClr val="dk1"/>
+          </a:fillRef>
+          <a:effectRef idx="0">
+            <a:schemeClr val="dk1"/>
+          </a:effectRef>
+          <a:fontRef idx="minor">
+            <a:schemeClr val="tx1"/>
+          </a:fontRef>
+        </p:style>
+      </p:cxnSp>
+      <p:sp>
+        <p:nvSpPr>
+          <p:cNvPr id="34" name="직사각형 33">
+            <a:extLst>
+              <a:ext uri="{FF2B5EF4-FFF2-40B4-BE49-F238E27FC236}">
+                <a16:creationId xmlns:a16="http://schemas.microsoft.com/office/drawing/2014/main" id="{B1DADC86-AD6D-72E2-3E7B-A53FF1720575}"/>
+              </a:ext>
+            </a:extLst>
+          </p:cNvPr>
+          <p:cNvSpPr/>
+          <p:nvPr/>
+        </p:nvSpPr>
+        <p:spPr>
+          <a:xfrm>
+            <a:off x="4892781" y="2949651"/>
+            <a:ext cx="2132307" cy="888603"/>
+          </a:xfrm>
+          <a:prstGeom prst="rect">
+            <a:avLst/>
+          </a:prstGeom>
+          <a:noFill/>
+          <a:effectLst>
+            <a:outerShdw blurRad="1270000" dist="50800" dir="5400000" algn="ctr" rotWithShape="0">
+              <a:srgbClr val="000000">
+                <a:alpha val="43137"/>
+              </a:srgbClr>
+            </a:outerShdw>
+          </a:effectLst>
+        </p:spPr>
+        <p:style>
+          <a:lnRef idx="2">
+            <a:schemeClr val="accent1">
+              <a:shade val="15000"/>
+            </a:schemeClr>
+          </a:lnRef>
+          <a:fillRef idx="1">
+            <a:schemeClr val="accent1"/>
+          </a:fillRef>
+          <a:effectRef idx="0">
+            <a:schemeClr val="accent1"/>
+          </a:effectRef>
+          <a:fontRef idx="minor">
+            <a:schemeClr val="lt1"/>
+          </a:fontRef>
+        </p:style>
+        <p:txBody>
+          <a:bodyPr rtlCol="0" anchor="ctr"/>
+          <a:lstStyle/>
+          <a:p>
+            <a:pPr algn="ctr"/>
+            <a:r>
+              <a:rPr lang="en-US" altLang="ko-KR" sz="1500" dirty="0">
+                <a:solidFill>
+                  <a:schemeClr val="tx1"/>
+                </a:solidFill>
+                <a:latin typeface="Noto Sans" panose="020B0502040504020204" pitchFamily="34" charset="0"/>
+                <a:ea typeface="Noto Sans" panose="020B0502040504020204" pitchFamily="34" charset="0"/>
+                <a:cs typeface="Noto Sans" panose="020B0502040504020204" pitchFamily="34" charset="0"/>
+              </a:rPr>
+              <a:t>sql2text</a:t>
+            </a:r>
+            <a:endParaRPr lang="ko-KR" altLang="en-US" sz="1500" dirty="0">
+              <a:solidFill>
+                <a:schemeClr val="tx1"/>
+              </a:solidFill>
+              <a:latin typeface="Noto Sans" panose="020B0502040504020204" pitchFamily="34" charset="0"/>
+              <a:cs typeface="Noto Sans" panose="020B0502040504020204" pitchFamily="34" charset="0"/>
+            </a:endParaRPr>
+          </a:p>
+        </p:txBody>
+      </p:sp>
+      <p:sp>
+        <p:nvSpPr>
+          <p:cNvPr id="35" name="순서도: 문서 34">
+            <a:extLst>
+              <a:ext uri="{FF2B5EF4-FFF2-40B4-BE49-F238E27FC236}">
+                <a16:creationId xmlns:a16="http://schemas.microsoft.com/office/drawing/2014/main" id="{0D21D022-88ED-151F-D344-CE842BBABE08}"/>
+              </a:ext>
+            </a:extLst>
+          </p:cNvPr>
+          <p:cNvSpPr/>
+          <p:nvPr/>
+        </p:nvSpPr>
+        <p:spPr>
+          <a:xfrm>
+            <a:off x="8912501" y="2530731"/>
+            <a:ext cx="2138913" cy="888602"/>
+          </a:xfrm>
+          <a:prstGeom prst="flowChartDocument">
+            <a:avLst/>
+          </a:prstGeom>
+          <a:solidFill>
+            <a:schemeClr val="bg1"/>
+          </a:solidFill>
+          <a:effectLst>
+            <a:outerShdw blurRad="127000" dist="50800" dir="5400000" algn="ctr" rotWithShape="0">
+              <a:srgbClr val="000000">
+                <a:alpha val="50000"/>
+              </a:srgbClr>
+            </a:outerShdw>
+          </a:effectLst>
+        </p:spPr>
+        <p:style>
+          <a:lnRef idx="2">
+            <a:schemeClr val="accent1">
+              <a:shade val="15000"/>
+            </a:schemeClr>
+          </a:lnRef>
+          <a:fillRef idx="1">
+            <a:schemeClr val="accent1"/>
+          </a:fillRef>
+          <a:effectRef idx="0">
+            <a:schemeClr val="accent1"/>
+          </a:effectRef>
+          <a:fontRef idx="minor">
+            <a:schemeClr val="lt1"/>
+          </a:fontRef>
+        </p:style>
+        <p:txBody>
+          <a:bodyPr rtlCol="0" anchor="ctr"/>
+          <a:lstStyle/>
+          <a:p>
+            <a:pPr algn="ctr"/>
+            <a:endParaRPr lang="ko-KR" altLang="en-US" dirty="0">
+              <a:latin typeface="Noto Sans" panose="020B0502040504020204" pitchFamily="34" charset="0"/>
+              <a:cs typeface="Noto Sans" panose="020B0502040504020204" pitchFamily="34" charset="0"/>
+            </a:endParaRPr>
+          </a:p>
+        </p:txBody>
+      </p:sp>
+      <p:sp>
+        <p:nvSpPr>
+          <p:cNvPr id="36" name="순서도: 문서 35">
+            <a:extLst>
+              <a:ext uri="{FF2B5EF4-FFF2-40B4-BE49-F238E27FC236}">
+                <a16:creationId xmlns:a16="http://schemas.microsoft.com/office/drawing/2014/main" id="{76A233EB-66A2-5EF0-D792-14FB5EB9ADAB}"/>
+              </a:ext>
+            </a:extLst>
+          </p:cNvPr>
+          <p:cNvSpPr/>
+          <p:nvPr/>
+        </p:nvSpPr>
+        <p:spPr>
+          <a:xfrm>
+            <a:off x="8840614" y="2567943"/>
+            <a:ext cx="2138913" cy="888602"/>
+          </a:xfrm>
+          <a:prstGeom prst="flowChartDocument">
+            <a:avLst/>
+          </a:prstGeom>
+          <a:solidFill>
+            <a:schemeClr val="bg1"/>
+          </a:solidFill>
+          <a:effectLst>
+            <a:outerShdw blurRad="127000" dist="50800" dir="5400000" algn="ctr" rotWithShape="0">
+              <a:srgbClr val="000000">
+                <a:alpha val="50000"/>
+              </a:srgbClr>
+            </a:outerShdw>
+          </a:effectLst>
+        </p:spPr>
+        <p:style>
+          <a:lnRef idx="2">
+            <a:schemeClr val="accent1">
+              <a:shade val="15000"/>
+            </a:schemeClr>
+          </a:lnRef>
+          <a:fillRef idx="1">
+            <a:schemeClr val="accent1"/>
+          </a:fillRef>
+          <a:effectRef idx="0">
+            <a:schemeClr val="accent1"/>
+          </a:effectRef>
+          <a:fontRef idx="minor">
+            <a:schemeClr val="lt1"/>
+          </a:fontRef>
+        </p:style>
+        <p:txBody>
+          <a:bodyPr rtlCol="0" anchor="ctr"/>
+          <a:lstStyle/>
+          <a:p>
+            <a:pPr algn="ctr"/>
+            <a:endParaRPr lang="ko-KR" altLang="en-US" dirty="0">
+              <a:latin typeface="Noto Sans" panose="020B0502040504020204" pitchFamily="34" charset="0"/>
+              <a:cs typeface="Noto Sans" panose="020B0502040504020204" pitchFamily="34" charset="0"/>
+            </a:endParaRPr>
+          </a:p>
+        </p:txBody>
+      </p:sp>
+      <p:sp>
+        <p:nvSpPr>
+          <p:cNvPr id="37" name="순서도: 문서 36">
+            <a:extLst>
+              <a:ext uri="{FF2B5EF4-FFF2-40B4-BE49-F238E27FC236}">
+                <a16:creationId xmlns:a16="http://schemas.microsoft.com/office/drawing/2014/main" id="{7DDC720E-36DE-0409-308A-34206AD37E19}"/>
+              </a:ext>
+            </a:extLst>
+          </p:cNvPr>
+          <p:cNvSpPr/>
+          <p:nvPr/>
+        </p:nvSpPr>
+        <p:spPr>
+          <a:xfrm>
+            <a:off x="8768727" y="2619983"/>
+            <a:ext cx="2138913" cy="888602"/>
+          </a:xfrm>
+          <a:prstGeom prst="flowChartDocument">
+            <a:avLst/>
+          </a:prstGeom>
+          <a:solidFill>
+            <a:schemeClr val="bg1"/>
+          </a:solidFill>
+          <a:effectLst>
+            <a:outerShdw blurRad="127000" dist="50800" dir="5400000" algn="ctr" rotWithShape="0">
+              <a:srgbClr val="000000">
+                <a:alpha val="50000"/>
+              </a:srgbClr>
+            </a:outerShdw>
+          </a:effectLst>
+        </p:spPr>
+        <p:style>
+          <a:lnRef idx="2">
+            <a:schemeClr val="accent1">
+              <a:shade val="15000"/>
+            </a:schemeClr>
+          </a:lnRef>
+          <a:fillRef idx="1">
+            <a:schemeClr val="accent1"/>
+          </a:fillRef>
+          <a:effectRef idx="0">
+            <a:schemeClr val="accent1"/>
+          </a:effectRef>
+          <a:fontRef idx="minor">
+            <a:schemeClr val="lt1"/>
+          </a:fontRef>
+        </p:style>
+        <p:txBody>
+          <a:bodyPr rtlCol="0" anchor="ctr"/>
+          <a:lstStyle/>
+          <a:p>
+            <a:pPr algn="ctr"/>
+            <a:endParaRPr lang="ko-KR" altLang="en-US" dirty="0">
+              <a:latin typeface="Noto Sans" panose="020B0502040504020204" pitchFamily="34" charset="0"/>
+              <a:cs typeface="Noto Sans" panose="020B0502040504020204" pitchFamily="34" charset="0"/>
+            </a:endParaRPr>
+          </a:p>
+        </p:txBody>
+      </p:sp>
+      <p:sp>
+        <p:nvSpPr>
+          <p:cNvPr id="38" name="순서도: 문서 37">
+            <a:extLst>
+              <a:ext uri="{FF2B5EF4-FFF2-40B4-BE49-F238E27FC236}">
+                <a16:creationId xmlns:a16="http://schemas.microsoft.com/office/drawing/2014/main" id="{B995F21A-CB1B-C02D-0B96-509F9190E921}"/>
+              </a:ext>
+            </a:extLst>
+          </p:cNvPr>
+          <p:cNvSpPr/>
+          <p:nvPr/>
+        </p:nvSpPr>
+        <p:spPr>
+          <a:xfrm>
+            <a:off x="8696840" y="2672023"/>
+            <a:ext cx="2138913" cy="888602"/>
+          </a:xfrm>
+          <a:prstGeom prst="flowChartDocument">
+            <a:avLst/>
+          </a:prstGeom>
+          <a:solidFill>
+            <a:schemeClr val="bg1"/>
+          </a:solidFill>
+          <a:effectLst>
+            <a:outerShdw blurRad="127000" dist="50800" dir="5400000" algn="ctr" rotWithShape="0">
+              <a:srgbClr val="000000">
+                <a:alpha val="50000"/>
+              </a:srgbClr>
+            </a:outerShdw>
+          </a:effectLst>
+        </p:spPr>
+        <p:style>
+          <a:lnRef idx="2">
+            <a:schemeClr val="accent1">
+              <a:shade val="15000"/>
+            </a:schemeClr>
+          </a:lnRef>
+          <a:fillRef idx="1">
+            <a:schemeClr val="accent1"/>
+          </a:fillRef>
+          <a:effectRef idx="0">
+            <a:schemeClr val="accent1"/>
+          </a:effectRef>
+          <a:fontRef idx="minor">
+            <a:schemeClr val="lt1"/>
+          </a:fontRef>
+        </p:style>
+        <p:txBody>
+          <a:bodyPr rtlCol="0" anchor="ctr"/>
+          <a:lstStyle/>
+          <a:p>
+            <a:pPr algn="ctr"/>
+            <a:endParaRPr lang="ko-KR" altLang="en-US" dirty="0">
+              <a:latin typeface="Noto Sans" panose="020B0502040504020204" pitchFamily="34" charset="0"/>
+              <a:cs typeface="Noto Sans" panose="020B0502040504020204" pitchFamily="34" charset="0"/>
+            </a:endParaRPr>
+          </a:p>
+        </p:txBody>
+      </p:sp>
+      <p:sp>
+        <p:nvSpPr>
+          <p:cNvPr id="39" name="순서도: 문서 38">
+            <a:extLst>
+              <a:ext uri="{FF2B5EF4-FFF2-40B4-BE49-F238E27FC236}">
+                <a16:creationId xmlns:a16="http://schemas.microsoft.com/office/drawing/2014/main" id="{EE82F94E-E8B9-D6B5-6CB8-381DA255BD9E}"/>
+              </a:ext>
+            </a:extLst>
+          </p:cNvPr>
+          <p:cNvSpPr/>
+          <p:nvPr/>
+        </p:nvSpPr>
+        <p:spPr>
+          <a:xfrm>
+            <a:off x="8632055" y="2710198"/>
+            <a:ext cx="2138913" cy="888602"/>
+          </a:xfrm>
+          <a:prstGeom prst="flowChartDocument">
+            <a:avLst/>
+          </a:prstGeom>
+          <a:solidFill>
+            <a:schemeClr val="bg1"/>
+          </a:solidFill>
+          <a:effectLst>
+            <a:outerShdw blurRad="127000" dist="50800" dir="5400000" algn="ctr" rotWithShape="0">
+              <a:srgbClr val="000000">
+                <a:alpha val="50000"/>
+              </a:srgbClr>
+            </a:outerShdw>
+          </a:effectLst>
+        </p:spPr>
+        <p:style>
+          <a:lnRef idx="2">
+            <a:schemeClr val="accent1">
+              <a:shade val="15000"/>
+            </a:schemeClr>
+          </a:lnRef>
+          <a:fillRef idx="1">
+            <a:schemeClr val="accent1"/>
+          </a:fillRef>
+          <a:effectRef idx="0">
+            <a:schemeClr val="accent1"/>
+          </a:effectRef>
+          <a:fontRef idx="minor">
+            <a:schemeClr val="lt1"/>
+          </a:fontRef>
+        </p:style>
+        <p:txBody>
+          <a:bodyPr rtlCol="0" anchor="ctr"/>
+          <a:lstStyle/>
+          <a:p>
+            <a:pPr algn="ctr"/>
+            <a:endParaRPr lang="ko-KR" altLang="en-US" dirty="0">
+              <a:latin typeface="Noto Sans" panose="020B0502040504020204" pitchFamily="34" charset="0"/>
+              <a:cs typeface="Noto Sans" panose="020B0502040504020204" pitchFamily="34" charset="0"/>
+            </a:endParaRPr>
+          </a:p>
+        </p:txBody>
+      </p:sp>
+      <p:sp>
+        <p:nvSpPr>
+          <p:cNvPr id="40" name="순서도: 문서 39">
+            <a:extLst>
+              <a:ext uri="{FF2B5EF4-FFF2-40B4-BE49-F238E27FC236}">
+                <a16:creationId xmlns:a16="http://schemas.microsoft.com/office/drawing/2014/main" id="{8402F7EB-782F-02DF-D1B3-1A82CC74EC16}"/>
+              </a:ext>
+            </a:extLst>
+          </p:cNvPr>
+          <p:cNvSpPr/>
+          <p:nvPr/>
+        </p:nvSpPr>
+        <p:spPr>
+          <a:xfrm>
+            <a:off x="8560168" y="2747410"/>
+            <a:ext cx="2138913" cy="888602"/>
+          </a:xfrm>
+          <a:prstGeom prst="flowChartDocument">
+            <a:avLst/>
+          </a:prstGeom>
+          <a:solidFill>
+            <a:schemeClr val="bg1"/>
+          </a:solidFill>
+          <a:effectLst>
+            <a:outerShdw blurRad="127000" dist="50800" dir="5400000" algn="ctr" rotWithShape="0">
+              <a:srgbClr val="000000">
+                <a:alpha val="50000"/>
+              </a:srgbClr>
+            </a:outerShdw>
+          </a:effectLst>
+        </p:spPr>
+        <p:style>
+          <a:lnRef idx="2">
+            <a:schemeClr val="accent1">
+              <a:shade val="15000"/>
+            </a:schemeClr>
+          </a:lnRef>
+          <a:fillRef idx="1">
+            <a:schemeClr val="accent1"/>
+          </a:fillRef>
+          <a:effectRef idx="0">
+            <a:schemeClr val="accent1"/>
+          </a:effectRef>
+          <a:fontRef idx="minor">
+            <a:schemeClr val="lt1"/>
+          </a:fontRef>
+        </p:style>
+        <p:txBody>
+          <a:bodyPr rtlCol="0" anchor="ctr"/>
+          <a:lstStyle/>
+          <a:p>
+            <a:pPr algn="ctr"/>
+            <a:endParaRPr lang="ko-KR" altLang="en-US" dirty="0">
+              <a:latin typeface="Noto Sans" panose="020B0502040504020204" pitchFamily="34" charset="0"/>
+              <a:cs typeface="Noto Sans" panose="020B0502040504020204" pitchFamily="34" charset="0"/>
+            </a:endParaRPr>
+          </a:p>
+        </p:txBody>
+      </p:sp>
+      <p:sp>
+        <p:nvSpPr>
+          <p:cNvPr id="41" name="순서도: 문서 40">
+            <a:extLst>
+              <a:ext uri="{FF2B5EF4-FFF2-40B4-BE49-F238E27FC236}">
+                <a16:creationId xmlns:a16="http://schemas.microsoft.com/office/drawing/2014/main" id="{BE413858-D913-AD30-D734-3221282C938B}"/>
+              </a:ext>
+            </a:extLst>
+          </p:cNvPr>
+          <p:cNvSpPr/>
+          <p:nvPr/>
+        </p:nvSpPr>
+        <p:spPr>
+          <a:xfrm>
+            <a:off x="8488281" y="2799450"/>
+            <a:ext cx="2138913" cy="888602"/>
+          </a:xfrm>
+          <a:prstGeom prst="flowChartDocument">
+            <a:avLst/>
+          </a:prstGeom>
+          <a:solidFill>
+            <a:schemeClr val="bg1"/>
+          </a:solidFill>
+          <a:effectLst>
+            <a:outerShdw blurRad="127000" dist="50800" dir="5400000" algn="ctr" rotWithShape="0">
+              <a:srgbClr val="000000">
+                <a:alpha val="50000"/>
+              </a:srgbClr>
+            </a:outerShdw>
+          </a:effectLst>
+        </p:spPr>
+        <p:style>
+          <a:lnRef idx="2">
+            <a:schemeClr val="accent1">
+              <a:shade val="15000"/>
+            </a:schemeClr>
+          </a:lnRef>
+          <a:fillRef idx="1">
+            <a:schemeClr val="accent1"/>
+          </a:fillRef>
+          <a:effectRef idx="0">
+            <a:schemeClr val="accent1"/>
+          </a:effectRef>
+          <a:fontRef idx="minor">
+            <a:schemeClr val="lt1"/>
+          </a:fontRef>
+        </p:style>
+        <p:txBody>
+          <a:bodyPr rtlCol="0" anchor="ctr"/>
+          <a:lstStyle/>
+          <a:p>
+            <a:pPr algn="ctr"/>
+            <a:endParaRPr lang="ko-KR" altLang="en-US" dirty="0">
+              <a:latin typeface="Noto Sans" panose="020B0502040504020204" pitchFamily="34" charset="0"/>
+              <a:cs typeface="Noto Sans" panose="020B0502040504020204" pitchFamily="34" charset="0"/>
+            </a:endParaRPr>
+          </a:p>
+        </p:txBody>
+      </p:sp>
+      <p:sp>
+        <p:nvSpPr>
+          <p:cNvPr id="42" name="순서도: 문서 41">
+            <a:extLst>
+              <a:ext uri="{FF2B5EF4-FFF2-40B4-BE49-F238E27FC236}">
+                <a16:creationId xmlns:a16="http://schemas.microsoft.com/office/drawing/2014/main" id="{1D05AF93-C143-75BA-0545-D7340B9CB820}"/>
+              </a:ext>
+            </a:extLst>
+          </p:cNvPr>
+          <p:cNvSpPr/>
+          <p:nvPr/>
+        </p:nvSpPr>
+        <p:spPr>
+          <a:xfrm>
+            <a:off x="8423496" y="2851490"/>
+            <a:ext cx="2138913" cy="888602"/>
+          </a:xfrm>
+          <a:prstGeom prst="flowChartDocument">
+            <a:avLst/>
+          </a:prstGeom>
+          <a:solidFill>
+            <a:schemeClr val="bg1"/>
+          </a:solidFill>
+          <a:effectLst>
+            <a:outerShdw blurRad="127000" dist="50800" dir="5400000" algn="ctr" rotWithShape="0">
+              <a:srgbClr val="000000">
+                <a:alpha val="50000"/>
+              </a:srgbClr>
+            </a:outerShdw>
+          </a:effectLst>
+        </p:spPr>
+        <p:style>
+          <a:lnRef idx="2">
+            <a:schemeClr val="accent1">
+              <a:shade val="15000"/>
+            </a:schemeClr>
+          </a:lnRef>
+          <a:fillRef idx="1">
+            <a:schemeClr val="accent1"/>
+          </a:fillRef>
+          <a:effectRef idx="0">
+            <a:schemeClr val="accent1"/>
+          </a:effectRef>
+          <a:fontRef idx="minor">
+            <a:schemeClr val="lt1"/>
+          </a:fontRef>
+        </p:style>
+        <p:txBody>
+          <a:bodyPr rtlCol="0" anchor="ctr"/>
+          <a:lstStyle/>
+          <a:p>
+            <a:pPr algn="ctr"/>
+            <a:endParaRPr lang="ko-KR" altLang="en-US" dirty="0">
+              <a:latin typeface="Noto Sans" panose="020B0502040504020204" pitchFamily="34" charset="0"/>
+              <a:cs typeface="Noto Sans" panose="020B0502040504020204" pitchFamily="34" charset="0"/>
+            </a:endParaRPr>
+          </a:p>
+        </p:txBody>
+      </p:sp>
+      <p:sp>
+        <p:nvSpPr>
+          <p:cNvPr id="43" name="순서도: 문서 42">
+            <a:extLst>
+              <a:ext uri="{FF2B5EF4-FFF2-40B4-BE49-F238E27FC236}">
+                <a16:creationId xmlns:a16="http://schemas.microsoft.com/office/drawing/2014/main" id="{579E26CE-8CFE-E0C8-23DF-46347AB3FAAA}"/>
+              </a:ext>
+            </a:extLst>
+          </p:cNvPr>
+          <p:cNvSpPr/>
+          <p:nvPr/>
+        </p:nvSpPr>
+        <p:spPr>
+          <a:xfrm>
+            <a:off x="8358711" y="2913829"/>
+            <a:ext cx="2138913" cy="888602"/>
+          </a:xfrm>
+          <a:prstGeom prst="flowChartDocument">
+            <a:avLst/>
+          </a:prstGeom>
+          <a:solidFill>
+            <a:schemeClr val="bg1"/>
+          </a:solidFill>
+          <a:effectLst>
+            <a:outerShdw blurRad="127000" dist="50800" dir="5400000" algn="ctr" rotWithShape="0">
+              <a:srgbClr val="000000">
+                <a:alpha val="50000"/>
+              </a:srgbClr>
+            </a:outerShdw>
+          </a:effectLst>
+        </p:spPr>
+        <p:style>
+          <a:lnRef idx="2">
+            <a:schemeClr val="accent1">
+              <a:shade val="15000"/>
+            </a:schemeClr>
+          </a:lnRef>
+          <a:fillRef idx="1">
+            <a:schemeClr val="accent1"/>
+          </a:fillRef>
+          <a:effectRef idx="0">
+            <a:schemeClr val="accent1"/>
+          </a:effectRef>
+          <a:fontRef idx="minor">
+            <a:schemeClr val="lt1"/>
+          </a:fontRef>
+        </p:style>
+        <p:txBody>
+          <a:bodyPr rtlCol="0" anchor="ctr"/>
+          <a:lstStyle/>
+          <a:p>
+            <a:pPr algn="ctr"/>
+            <a:endParaRPr lang="ko-KR" altLang="en-US" dirty="0">
+              <a:latin typeface="Noto Sans" panose="020B0502040504020204" pitchFamily="34" charset="0"/>
+              <a:cs typeface="Noto Sans" panose="020B0502040504020204" pitchFamily="34" charset="0"/>
+            </a:endParaRPr>
+          </a:p>
+        </p:txBody>
+      </p:sp>
+      <p:sp>
+        <p:nvSpPr>
+          <p:cNvPr id="44" name="순서도: 문서 43">
+            <a:extLst>
+              <a:ext uri="{FF2B5EF4-FFF2-40B4-BE49-F238E27FC236}">
+                <a16:creationId xmlns:a16="http://schemas.microsoft.com/office/drawing/2014/main" id="{CE1320D1-C2A8-AB93-CB2B-940780E22C0A}"/>
+              </a:ext>
+            </a:extLst>
+          </p:cNvPr>
+          <p:cNvSpPr/>
+          <p:nvPr/>
+        </p:nvSpPr>
+        <p:spPr>
+          <a:xfrm>
+            <a:off x="8286825" y="2993907"/>
+            <a:ext cx="2132306" cy="870185"/>
+          </a:xfrm>
+          <a:prstGeom prst="flowChartDocument">
+            <a:avLst/>
+          </a:prstGeom>
+          <a:solidFill>
+            <a:schemeClr val="bg1"/>
+          </a:solidFill>
+          <a:effectLst>
+            <a:outerShdw blurRad="127000" dist="50800" dir="5400000" algn="ctr" rotWithShape="0">
+              <a:srgbClr val="000000">
+                <a:alpha val="50000"/>
+              </a:srgbClr>
+            </a:outerShdw>
+          </a:effectLst>
+        </p:spPr>
+        <p:style>
+          <a:lnRef idx="2">
+            <a:schemeClr val="accent1">
+              <a:shade val="15000"/>
+            </a:schemeClr>
+          </a:lnRef>
+          <a:fillRef idx="1">
+            <a:schemeClr val="accent1"/>
+          </a:fillRef>
+          <a:effectRef idx="0">
+            <a:schemeClr val="accent1"/>
+          </a:effectRef>
+          <a:fontRef idx="minor">
+            <a:schemeClr val="lt1"/>
+          </a:fontRef>
+        </p:style>
+        <p:txBody>
+          <a:bodyPr rtlCol="0" anchor="ctr"/>
+          <a:lstStyle/>
+          <a:p>
+            <a:pPr algn="ctr"/>
+            <a:r>
+              <a:rPr lang="ko-KR" altLang="en-US" sz="1500" dirty="0">
+                <a:solidFill>
+                  <a:schemeClr val="tx1"/>
+                </a:solidFill>
+                <a:latin typeface="Noto Sans" panose="020B0502040504020204" pitchFamily="34" charset="0"/>
+                <a:cs typeface="Noto Sans" panose="020B0502040504020204" pitchFamily="34" charset="0"/>
+              </a:rPr>
+              <a:t>비표준 질의문장</a:t>
+            </a:r>
+          </a:p>
+        </p:txBody>
+      </p:sp>
+      <p:cxnSp>
+        <p:nvCxnSpPr>
+          <p:cNvPr id="46" name="직선 화살표 연결선 45">
+            <a:extLst>
+              <a:ext uri="{FF2B5EF4-FFF2-40B4-BE49-F238E27FC236}">
+                <a16:creationId xmlns:a16="http://schemas.microsoft.com/office/drawing/2014/main" id="{D931FE36-F6AA-6BF3-F6B0-DE6FF7853309}"/>
+              </a:ext>
+            </a:extLst>
+          </p:cNvPr>
+          <p:cNvCxnSpPr/>
+          <p:nvPr/>
+        </p:nvCxnSpPr>
+        <p:spPr>
+          <a:xfrm>
+            <a:off x="3943230" y="3446303"/>
+            <a:ext cx="646981" cy="0"/>
+          </a:xfrm>
+          <a:prstGeom prst="straightConnector1">
+            <a:avLst/>
+          </a:prstGeom>
+          <a:ln>
+            <a:tailEnd type="triangle"/>
+          </a:ln>
+        </p:spPr>
+        <p:style>
+          <a:lnRef idx="1">
+            <a:schemeClr val="dk1"/>
+          </a:lnRef>
+          <a:fillRef idx="0">
+            <a:schemeClr val="dk1"/>
+          </a:fillRef>
+          <a:effectRef idx="0">
+            <a:schemeClr val="dk1"/>
+          </a:effectRef>
+          <a:fontRef idx="minor">
+            <a:schemeClr val="tx1"/>
+          </a:fontRef>
+        </p:style>
+      </p:cxnSp>
+      <p:cxnSp>
+        <p:nvCxnSpPr>
+          <p:cNvPr id="47" name="직선 화살표 연결선 46">
+            <a:extLst>
+              <a:ext uri="{FF2B5EF4-FFF2-40B4-BE49-F238E27FC236}">
+                <a16:creationId xmlns:a16="http://schemas.microsoft.com/office/drawing/2014/main" id="{8340BAA2-1407-8607-C5A9-FEF690145075}"/>
+              </a:ext>
+            </a:extLst>
+          </p:cNvPr>
+          <p:cNvCxnSpPr/>
+          <p:nvPr/>
+        </p:nvCxnSpPr>
+        <p:spPr>
+          <a:xfrm>
+            <a:off x="7244272" y="3469786"/>
+            <a:ext cx="646981" cy="0"/>
+          </a:xfrm>
+          <a:prstGeom prst="straightConnector1">
+            <a:avLst/>
+          </a:prstGeom>
+          <a:ln>
+            <a:tailEnd type="triangle"/>
+          </a:ln>
+        </p:spPr>
+        <p:style>
+          <a:lnRef idx="1">
+            <a:schemeClr val="dk1"/>
+          </a:lnRef>
+          <a:fillRef idx="0">
+            <a:schemeClr val="dk1"/>
+          </a:fillRef>
+          <a:effectRef idx="0">
+            <a:schemeClr val="dk1"/>
+          </a:effectRef>
+          <a:fontRef idx="minor">
+            <a:schemeClr val="tx1"/>
+          </a:fontRef>
+        </p:style>
+      </p:cxnSp>
+      <p:cxnSp>
+        <p:nvCxnSpPr>
+          <p:cNvPr id="49" name="직선 화살표 연결선 48">
+            <a:extLst>
+              <a:ext uri="{FF2B5EF4-FFF2-40B4-BE49-F238E27FC236}">
+                <a16:creationId xmlns:a16="http://schemas.microsoft.com/office/drawing/2014/main" id="{B3B3FD0A-A689-BB93-DFFF-D4A8A7815344}"/>
+              </a:ext>
+            </a:extLst>
+          </p:cNvPr>
+          <p:cNvCxnSpPr>
+            <a:cxnSpLocks/>
+          </p:cNvCxnSpPr>
+          <p:nvPr/>
+        </p:nvCxnSpPr>
+        <p:spPr>
+          <a:xfrm flipV="1">
+            <a:off x="9883161" y="2083849"/>
+            <a:ext cx="0" cy="329151"/>
+          </a:xfrm>
+          <a:prstGeom prst="straightConnector1">
+            <a:avLst/>
+          </a:prstGeom>
+          <a:ln>
+            <a:tailEnd type="triangle"/>
+          </a:ln>
+        </p:spPr>
+        <p:style>
+          <a:lnRef idx="1">
+            <a:schemeClr val="dk1"/>
+          </a:lnRef>
+          <a:fillRef idx="0">
+            <a:schemeClr val="dk1"/>
+          </a:fillRef>
+          <a:effectRef idx="0">
+            <a:schemeClr val="dk1"/>
+          </a:effectRef>
+          <a:fontRef idx="minor">
+            <a:schemeClr val="tx1"/>
+          </a:fontRef>
+        </p:style>
+      </p:cxnSp>
+      <p:sp>
+        <p:nvSpPr>
+          <p:cNvPr id="50" name="순서도: 문서 49">
+            <a:extLst>
+              <a:ext uri="{FF2B5EF4-FFF2-40B4-BE49-F238E27FC236}">
+                <a16:creationId xmlns:a16="http://schemas.microsoft.com/office/drawing/2014/main" id="{57BDC1D1-D247-E664-7246-D567DC503AE6}"/>
+              </a:ext>
+            </a:extLst>
+          </p:cNvPr>
+          <p:cNvSpPr/>
+          <p:nvPr/>
+        </p:nvSpPr>
+        <p:spPr>
+          <a:xfrm>
+            <a:off x="1674531" y="3064283"/>
+            <a:ext cx="2070913" cy="888603"/>
+          </a:xfrm>
+          <a:prstGeom prst="flowChartDocument">
+            <a:avLst/>
+          </a:prstGeom>
+          <a:solidFill>
+            <a:schemeClr val="bg1"/>
+          </a:solidFill>
+          <a:effectLst>
+            <a:outerShdw blurRad="127000" dist="50800" dir="5400000" algn="ctr" rotWithShape="0">
+              <a:srgbClr val="000000">
+                <a:alpha val="50000"/>
+              </a:srgbClr>
+            </a:outerShdw>
+          </a:effectLst>
+        </p:spPr>
+        <p:style>
+          <a:lnRef idx="2">
+            <a:schemeClr val="accent1">
+              <a:shade val="15000"/>
+            </a:schemeClr>
+          </a:lnRef>
+          <a:fillRef idx="1">
+            <a:schemeClr val="accent1"/>
+          </a:fillRef>
+          <a:effectRef idx="0">
+            <a:schemeClr val="accent1"/>
+          </a:effectRef>
+          <a:fontRef idx="minor">
+            <a:schemeClr val="lt1"/>
+          </a:fontRef>
+        </p:style>
+        <p:txBody>
+          <a:bodyPr rtlCol="0" anchor="ctr"/>
+          <a:lstStyle/>
+          <a:p>
+            <a:pPr algn="ctr"/>
+            <a:r>
+              <a:rPr lang="en-US" altLang="ko-KR" sz="1300" dirty="0">
+                <a:solidFill>
+                  <a:schemeClr val="tx1"/>
+                </a:solidFill>
+                <a:latin typeface="Noto Sans" panose="020B0502040504020204" pitchFamily="34" charset="0"/>
+                <a:ea typeface="Noto Sans" panose="020B0502040504020204" pitchFamily="34" charset="0"/>
+                <a:cs typeface="Noto Sans" panose="020B0502040504020204" pitchFamily="34" charset="0"/>
+              </a:rPr>
+              <a:t>SQL</a:t>
+            </a:r>
+            <a:r>
+              <a:rPr lang="ko-KR" altLang="en-US" sz="1300" dirty="0">
+                <a:solidFill>
+                  <a:schemeClr val="tx1"/>
+                </a:solidFill>
+                <a:latin typeface="Noto Sans" panose="020B0502040504020204" pitchFamily="34" charset="0"/>
+                <a:cs typeface="Noto Sans" panose="020B0502040504020204" pitchFamily="34" charset="0"/>
+              </a:rPr>
+              <a:t>쿼리</a:t>
+            </a:r>
+          </a:p>
+        </p:txBody>
+      </p:sp>
+      <p:sp>
+        <p:nvSpPr>
+          <p:cNvPr id="52" name="순서도: 자기 디스크 51">
+            <a:extLst>
+              <a:ext uri="{FF2B5EF4-FFF2-40B4-BE49-F238E27FC236}">
+                <a16:creationId xmlns:a16="http://schemas.microsoft.com/office/drawing/2014/main" id="{C98C4FCC-252F-9C14-8C77-C0C04426AA65}"/>
+              </a:ext>
+            </a:extLst>
+          </p:cNvPr>
+          <p:cNvSpPr/>
+          <p:nvPr/>
+        </p:nvSpPr>
+        <p:spPr>
+          <a:xfrm>
+            <a:off x="5265747" y="1317534"/>
+            <a:ext cx="1386373" cy="736441"/>
+          </a:xfrm>
+          <a:prstGeom prst="flowChartMagneticDisk">
+            <a:avLst/>
+          </a:prstGeom>
+          <a:noFill/>
+          <a:effectLst>
+            <a:outerShdw blurRad="1270000" dist="50800" dir="5400000" algn="ctr" rotWithShape="0">
+              <a:srgbClr val="000000">
+                <a:alpha val="43137"/>
+              </a:srgbClr>
+            </a:outerShdw>
+          </a:effectLst>
+        </p:spPr>
+        <p:style>
+          <a:lnRef idx="2">
+            <a:schemeClr val="accent1">
+              <a:shade val="15000"/>
+            </a:schemeClr>
+          </a:lnRef>
+          <a:fillRef idx="1">
+            <a:schemeClr val="accent1"/>
+          </a:fillRef>
+          <a:effectRef idx="0">
+            <a:schemeClr val="accent1"/>
+          </a:effectRef>
+          <a:fontRef idx="minor">
+            <a:schemeClr val="lt1"/>
+          </a:fontRef>
+        </p:style>
+        <p:txBody>
+          <a:bodyPr rtlCol="0" anchor="ctr"/>
+          <a:lstStyle/>
+          <a:p>
+            <a:pPr algn="ctr"/>
+            <a:r>
+              <a:rPr lang="en-US" altLang="ko-KR" sz="1200" i="1" dirty="0">
+                <a:solidFill>
+                  <a:schemeClr val="tx1"/>
+                </a:solidFill>
+                <a:latin typeface="Noto Sans" panose="020B0502040504020204" pitchFamily="34" charset="0"/>
+                <a:ea typeface="Noto Sans" panose="020B0502040504020204" pitchFamily="34" charset="0"/>
+                <a:cs typeface="Noto Sans" panose="020B0502040504020204" pitchFamily="34" charset="0"/>
+              </a:rPr>
+              <a:t>RAG</a:t>
+            </a:r>
+          </a:p>
+        </p:txBody>
+      </p:sp>
+      <p:cxnSp>
+        <p:nvCxnSpPr>
+          <p:cNvPr id="54" name="직선 화살표 연결선 53">
+            <a:extLst>
+              <a:ext uri="{FF2B5EF4-FFF2-40B4-BE49-F238E27FC236}">
+                <a16:creationId xmlns:a16="http://schemas.microsoft.com/office/drawing/2014/main" id="{77091F2B-FA8E-86A9-CB88-050A811954D8}"/>
+              </a:ext>
+            </a:extLst>
+          </p:cNvPr>
+          <p:cNvCxnSpPr/>
+          <p:nvPr/>
+        </p:nvCxnSpPr>
+        <p:spPr>
+          <a:xfrm>
+            <a:off x="5958933" y="2308086"/>
+            <a:ext cx="0" cy="439324"/>
+          </a:xfrm>
+          <a:prstGeom prst="straightConnector1">
+            <a:avLst/>
+          </a:prstGeom>
+          <a:ln>
+            <a:tailEnd type="triangle"/>
+          </a:ln>
+        </p:spPr>
+        <p:style>
+          <a:lnRef idx="1">
+            <a:schemeClr val="dk1"/>
+          </a:lnRef>
+          <a:fillRef idx="0">
+            <a:schemeClr val="dk1"/>
+          </a:fillRef>
+          <a:effectRef idx="0">
+            <a:schemeClr val="dk1"/>
+          </a:effectRef>
+          <a:fontRef idx="minor">
+            <a:schemeClr val="tx1"/>
+          </a:fontRef>
+        </p:style>
+      </p:cxnSp>
+      <p:sp>
+        <p:nvSpPr>
+          <p:cNvPr id="59" name="TextBox 58">
+            <a:extLst>
+              <a:ext uri="{FF2B5EF4-FFF2-40B4-BE49-F238E27FC236}">
+                <a16:creationId xmlns:a16="http://schemas.microsoft.com/office/drawing/2014/main" id="{D4760F01-062D-A7FE-3B3F-7DF817D5D7E8}"/>
+              </a:ext>
+            </a:extLst>
+          </p:cNvPr>
+          <p:cNvSpPr txBox="1"/>
+          <p:nvPr/>
+        </p:nvSpPr>
+        <p:spPr>
+          <a:xfrm>
+            <a:off x="4736172" y="992182"/>
+            <a:ext cx="2791939" cy="246221"/>
+          </a:xfrm>
+          <a:prstGeom prst="rect">
+            <a:avLst/>
+          </a:prstGeom>
+          <a:noFill/>
+        </p:spPr>
+        <p:txBody>
+          <a:bodyPr wrap="square" rtlCol="0">
+            <a:spAutoFit/>
+          </a:bodyPr>
+          <a:lstStyle/>
+          <a:p>
+            <a:r>
+              <a:rPr lang="ko-KR" altLang="en-US" sz="1000" dirty="0">
+                <a:latin typeface="Noto Sans" panose="020B0502040504020204" pitchFamily="34" charset="0"/>
+                <a:cs typeface="Noto Sans" panose="020B0502040504020204" pitchFamily="34" charset="0"/>
+              </a:rPr>
+              <a:t>표준 질의문장 데이터셋의 </a:t>
+            </a:r>
+            <a:r>
+              <a:rPr lang="en-US" altLang="ko-KR" sz="1000" dirty="0">
+                <a:latin typeface="Noto Sans" panose="020B0502040504020204" pitchFamily="34" charset="0"/>
+                <a:ea typeface="Noto Sans" panose="020B0502040504020204" pitchFamily="34" charset="0"/>
+                <a:cs typeface="Noto Sans" panose="020B0502040504020204" pitchFamily="34" charset="0"/>
+              </a:rPr>
+              <a:t>Description</a:t>
+            </a:r>
+            <a:r>
+              <a:rPr lang="ko-KR" altLang="en-US" sz="1000" dirty="0">
+                <a:latin typeface="Noto Sans" panose="020B0502040504020204" pitchFamily="34" charset="0"/>
+                <a:cs typeface="Noto Sans" panose="020B0502040504020204" pitchFamily="34" charset="0"/>
+              </a:rPr>
+              <a:t>을 참조</a:t>
+            </a:r>
+          </a:p>
+        </p:txBody>
+      </p:sp>
+      <p:sp>
+        <p:nvSpPr>
+          <p:cNvPr id="26" name="TextBox 25">
+            <a:extLst>
+              <a:ext uri="{FF2B5EF4-FFF2-40B4-BE49-F238E27FC236}">
+                <a16:creationId xmlns:a16="http://schemas.microsoft.com/office/drawing/2014/main" id="{EA887484-EE31-46F3-AB99-13AFBB3B60B5}"/>
+              </a:ext>
+            </a:extLst>
+          </p:cNvPr>
+          <p:cNvSpPr txBox="1"/>
+          <p:nvPr/>
+        </p:nvSpPr>
+        <p:spPr>
+          <a:xfrm>
+            <a:off x="11699631" y="6410326"/>
+            <a:ext cx="432460" cy="276999"/>
+          </a:xfrm>
+          <a:prstGeom prst="rect">
+            <a:avLst/>
+          </a:prstGeom>
+          <a:noFill/>
+        </p:spPr>
+        <p:txBody>
+          <a:bodyPr wrap="square" rtlCol="0">
+            <a:spAutoFit/>
+          </a:bodyPr>
+          <a:lstStyle/>
+          <a:p>
+            <a:r>
+              <a:rPr lang="en-US" altLang="ko-KR" sz="1200" b="1" dirty="0">
+                <a:latin typeface="Noto Sans" panose="020B0502040504020204" pitchFamily="34" charset="0"/>
+                <a:ea typeface="Noto Sans" panose="020B0502040504020204" pitchFamily="34" charset="0"/>
+                <a:cs typeface="Noto Sans" panose="020B0502040504020204" pitchFamily="34" charset="0"/>
+              </a:rPr>
+              <a:t>9</a:t>
+            </a:r>
+            <a:endParaRPr lang="ko-KR" altLang="en-US" sz="1200" b="1" dirty="0">
+              <a:latin typeface="Noto Sans" panose="020B0502040504020204" pitchFamily="34" charset="0"/>
+              <a:cs typeface="Noto Sans" panose="020B0502040504020204" pitchFamily="34" charset="0"/>
+            </a:endParaRPr>
+          </a:p>
+        </p:txBody>
+      </p:sp>
+      <p:sp>
+        <p:nvSpPr>
+          <p:cNvPr id="2" name="TextBox 1">
+            <a:extLst>
+              <a:ext uri="{FF2B5EF4-FFF2-40B4-BE49-F238E27FC236}">
+                <a16:creationId xmlns:a16="http://schemas.microsoft.com/office/drawing/2014/main" id="{078024CF-EB44-AE4D-F5A6-942F7FB79BE9}"/>
+              </a:ext>
+            </a:extLst>
+          </p:cNvPr>
+          <p:cNvSpPr txBox="1"/>
+          <p:nvPr/>
+        </p:nvSpPr>
+        <p:spPr>
+          <a:xfrm>
+            <a:off x="70338" y="87923"/>
+            <a:ext cx="2949087" cy="461665"/>
+          </a:xfrm>
+          <a:prstGeom prst="rect">
+            <a:avLst/>
+          </a:prstGeom>
+          <a:noFill/>
+        </p:spPr>
+        <p:txBody>
+          <a:bodyPr wrap="square" rtlCol="0">
+            <a:spAutoFit/>
+          </a:bodyPr>
+          <a:lstStyle/>
+          <a:p>
+            <a:r>
+              <a:rPr lang="ko-KR" altLang="en-US" sz="2400" b="1" dirty="0">
+                <a:latin typeface="Noto Sans" panose="020B0502040504020204" pitchFamily="34" charset="0"/>
+                <a:ea typeface="Noto Sans" panose="020B0502040504020204" pitchFamily="34" charset="0"/>
+                <a:cs typeface="Noto Sans" panose="020B0502040504020204" pitchFamily="34" charset="0"/>
+              </a:rPr>
+              <a:t>발명내용 </a:t>
+            </a:r>
+            <a:r>
+              <a:rPr lang="en-US" altLang="ko-KR" sz="2400" b="1" dirty="0">
+                <a:latin typeface="Noto Sans" panose="020B0502040504020204" pitchFamily="34" charset="0"/>
+                <a:ea typeface="Noto Sans" panose="020B0502040504020204" pitchFamily="34" charset="0"/>
+                <a:cs typeface="Noto Sans" panose="020B0502040504020204" pitchFamily="34" charset="0"/>
+              </a:rPr>
+              <a:t>: Phase 1</a:t>
+            </a:r>
+            <a:endParaRPr lang="ko-KR" altLang="en-US" sz="2400" b="1" dirty="0">
+              <a:latin typeface="Noto Sans" panose="020B0502040504020204" pitchFamily="34" charset="0"/>
+              <a:ea typeface="KoPubWorld돋움체 Medium" panose="00000600000000000000" pitchFamily="2" charset="-127"/>
+              <a:cs typeface="Noto Sans" panose="020B0502040504020204" pitchFamily="34" charset="0"/>
+            </a:endParaRPr>
+          </a:p>
+        </p:txBody>
+      </p:sp>
+    </p:spTree>
+    <p:extLst>
+      <p:ext uri="{BB962C8B-B14F-4D97-AF65-F5344CB8AC3E}">
+        <p14:creationId xmlns:p14="http://schemas.microsoft.com/office/powerpoint/2010/main" val="3884380071"/>
+      </p:ext>
+    </p:extLst>
+  </p:cSld>
+  <p:clrMapOvr>
+    <a:masterClrMapping/>
+  </p:clrMapOvr>
+</p:sld>
+</file>
+
+<file path=ppt/slides/slide11.xml><?xml version="1.0" encoding="utf-8"?>
+<p:sld xmlns:a="http://schemas.openxmlformats.org/drawingml/2006/main" xmlns:r="http://schemas.openxmlformats.org/officeDocument/2006/relationships" xmlns:p="http://schemas.openxmlformats.org/presentationml/2006/main">
+  <p:cSld>
+    <p:spTree>
+      <p:nvGrpSpPr>
         <p:cNvPr id="1" name="">
           <a:extLst>
             <a:ext uri="{FF2B5EF4-FFF2-40B4-BE49-F238E27FC236}">
@@ -3914,38 +6831,92 @@
                 <a:solidFill>
                   <a:schemeClr val="tx1"/>
                 </a:solidFill>
-              </a:rPr>
-              <a:t>“</a:t>
+                <a:latin typeface="Noto Sans" panose="020B0502040504020204" pitchFamily="34" charset="0"/>
+                <a:ea typeface="Noto Sans" panose="020B0502040504020204" pitchFamily="34" charset="0"/>
+                <a:cs typeface="Noto Sans" panose="020B0502040504020204" pitchFamily="34" charset="0"/>
+              </a:rPr>
+              <a:t>“ITEM_TB</a:t>
             </a:r>
             <a:r>
               <a:rPr lang="ko-KR" altLang="en-US" sz="600" dirty="0">
                 <a:solidFill>
                   <a:schemeClr val="tx1"/>
                 </a:solidFill>
+                <a:latin typeface="Noto Sans" panose="020B0502040504020204" pitchFamily="34" charset="0"/>
+                <a:ea typeface="Noto Sans" panose="020B0502040504020204" pitchFamily="34" charset="0"/>
+                <a:cs typeface="Noto Sans" panose="020B0502040504020204" pitchFamily="34" charset="0"/>
+              </a:rPr>
+              <a:t>에서 </a:t>
+            </a:r>
+            <a:r>
+              <a:rPr lang="ko-KR" altLang="en-US" sz="600" b="1" dirty="0">
+                <a:solidFill>
+                  <a:schemeClr val="tx1"/>
+                </a:solidFill>
+                <a:latin typeface="Noto Sans" panose="020B0502040504020204" pitchFamily="34" charset="0"/>
+                <a:cs typeface="Noto Sans" panose="020B0502040504020204" pitchFamily="34" charset="0"/>
               </a:rPr>
               <a:t>숫자 </a:t>
             </a:r>
             <a:r>
+              <a:rPr lang="en-US" altLang="ko-KR" sz="600" b="1" dirty="0">
+                <a:solidFill>
+                  <a:schemeClr val="tx1"/>
+                </a:solidFill>
+                <a:latin typeface="Noto Sans" panose="020B0502040504020204" pitchFamily="34" charset="0"/>
+                <a:ea typeface="Noto Sans" panose="020B0502040504020204" pitchFamily="34" charset="0"/>
+                <a:cs typeface="Noto Sans" panose="020B0502040504020204" pitchFamily="34" charset="0"/>
+              </a:rPr>
+              <a:t>71</a:t>
+            </a:r>
+            <a:r>
+              <a:rPr lang="ko-KR" altLang="en-US" sz="600" b="1" dirty="0">
+                <a:solidFill>
+                  <a:schemeClr val="tx1"/>
+                </a:solidFill>
+                <a:latin typeface="Noto Sans" panose="020B0502040504020204" pitchFamily="34" charset="0"/>
+                <a:cs typeface="Noto Sans" panose="020B0502040504020204" pitchFamily="34" charset="0"/>
+              </a:rPr>
+              <a:t>이 포함</a:t>
+            </a:r>
+            <a:r>
+              <a:rPr lang="ko-KR" altLang="en-US" sz="600" dirty="0">
+                <a:solidFill>
+                  <a:schemeClr val="tx1"/>
+                </a:solidFill>
+                <a:latin typeface="Noto Sans" panose="020B0502040504020204" pitchFamily="34" charset="0"/>
+                <a:cs typeface="Noto Sans" panose="020B0502040504020204" pitchFamily="34" charset="0"/>
+              </a:rPr>
+              <a:t>되어 있는 화학물질을 등록일자 기준으로 </a:t>
+            </a:r>
+            <a:r>
+              <a:rPr lang="ko-KR" altLang="en-US" sz="600" b="1" dirty="0">
+                <a:solidFill>
+                  <a:schemeClr val="tx1"/>
+                </a:solidFill>
+                <a:latin typeface="Noto Sans" panose="020B0502040504020204" pitchFamily="34" charset="0"/>
+                <a:cs typeface="Noto Sans" panose="020B0502040504020204" pitchFamily="34" charset="0"/>
+              </a:rPr>
+              <a:t>오름차순 정렬</a:t>
+            </a:r>
+            <a:r>
+              <a:rPr lang="ko-KR" altLang="en-US" sz="600" dirty="0">
+                <a:solidFill>
+                  <a:schemeClr val="tx1"/>
+                </a:solidFill>
+                <a:latin typeface="Noto Sans" panose="020B0502040504020204" pitchFamily="34" charset="0"/>
+                <a:cs typeface="Noto Sans" panose="020B0502040504020204" pitchFamily="34" charset="0"/>
+              </a:rPr>
+              <a:t>해서 보여줘</a:t>
+            </a:r>
+            <a:r>
               <a:rPr lang="en-US" altLang="ko-KR" sz="600" dirty="0">
                 <a:solidFill>
                   <a:schemeClr val="tx1"/>
                 </a:solidFill>
-              </a:rPr>
-              <a:t>71</a:t>
-            </a:r>
-            <a:r>
-              <a:rPr lang="ko-KR" altLang="en-US" sz="600" dirty="0">
-                <a:solidFill>
-                  <a:schemeClr val="tx1"/>
-                </a:solidFill>
-              </a:rPr>
-              <a:t>이 포함되어 있는 화학물질을 등록일자 기준 오름차순으로 정렬해서 보여줘</a:t>
-            </a:r>
-            <a:r>
-              <a:rPr lang="en-US" altLang="ko-KR" sz="600" dirty="0">
-                <a:solidFill>
-                  <a:schemeClr val="tx1"/>
-                </a:solidFill>
+                <a:latin typeface="Noto Sans" panose="020B0502040504020204" pitchFamily="34" charset="0"/>
+                <a:ea typeface="Noto Sans" panose="020B0502040504020204" pitchFamily="34" charset="0"/>
+                <a:cs typeface="Noto Sans" panose="020B0502040504020204" pitchFamily="34" charset="0"/>
               </a:rPr>
               <a:t>"</a:t>
             </a:r>
@@ -3953,6 +6924,8 @@
               <a:solidFill>
                 <a:schemeClr val="tx1"/>
               </a:solidFill>
+              <a:latin typeface="Noto Sans" panose="020B0502040504020204" pitchFamily="34" charset="0"/>
+              <a:cs typeface="Noto Sans" panose="020B0502040504020204" pitchFamily="34" charset="0"/>
             </a:endParaRPr>
           </a:p>
         </p:txBody>
@@ -4162,72 +7135,139 @@
                 <a:solidFill>
                   <a:schemeClr val="tx1"/>
                 </a:solidFill>
-              </a:rPr>
-              <a:t>“</a:t>
+                <a:latin typeface="Noto Sans" panose="020B0502040504020204" pitchFamily="34" charset="0"/>
+                <a:ea typeface="Noto Sans" panose="020B0502040504020204" pitchFamily="34" charset="0"/>
+                <a:cs typeface="Noto Sans" panose="020B0502040504020204" pitchFamily="34" charset="0"/>
+              </a:rPr>
+              <a:t>"</a:t>
             </a:r>
             <a:r>
               <a:rPr lang="ko-KR" altLang="en-US" sz="600" dirty="0">
                 <a:solidFill>
                   <a:schemeClr val="tx1"/>
                 </a:solidFill>
-              </a:rPr>
-              <a:t>그 화학물질 목록에서 </a:t>
+                <a:latin typeface="Noto Sans" panose="020B0502040504020204" pitchFamily="34" charset="0"/>
+                <a:ea typeface="Noto Sans" panose="020B0502040504020204" pitchFamily="34" charset="0"/>
+                <a:cs typeface="Noto Sans" panose="020B0502040504020204" pitchFamily="34" charset="0"/>
+              </a:rPr>
+              <a:t>화학약품에 </a:t>
+            </a:r>
+            <a:r>
+              <a:rPr lang="ko-KR" altLang="en-US" sz="600" dirty="0" err="1">
+                <a:solidFill>
+                  <a:schemeClr val="tx1"/>
+                </a:solidFill>
+                <a:latin typeface="Noto Sans" panose="020B0502040504020204" pitchFamily="34" charset="0"/>
+                <a:ea typeface="Noto Sans" panose="020B0502040504020204" pitchFamily="34" charset="0"/>
+                <a:cs typeface="Noto Sans" panose="020B0502040504020204" pitchFamily="34" charset="0"/>
+              </a:rPr>
+              <a:t>번호매긴거</a:t>
+            </a:r>
+            <a:r>
+              <a:rPr lang="ko-KR" altLang="en-US" sz="600" dirty="0">
+                <a:solidFill>
+                  <a:schemeClr val="tx1"/>
+                </a:solidFill>
+                <a:latin typeface="Noto Sans" panose="020B0502040504020204" pitchFamily="34" charset="0"/>
+                <a:cs typeface="Noto Sans" panose="020B0502040504020204" pitchFamily="34" charset="0"/>
+              </a:rPr>
+              <a:t> 있잖아</a:t>
             </a:r>
             <a:r>
               <a:rPr lang="en-US" altLang="ko-KR" sz="600" dirty="0">
                 <a:solidFill>
                   <a:schemeClr val="tx1"/>
                 </a:solidFill>
-              </a:rPr>
-              <a:t>71 </a:t>
+                <a:latin typeface="Noto Sans" panose="020B0502040504020204" pitchFamily="34" charset="0"/>
+                <a:ea typeface="Noto Sans" panose="020B0502040504020204" pitchFamily="34" charset="0"/>
+                <a:cs typeface="Noto Sans" panose="020B0502040504020204" pitchFamily="34" charset="0"/>
+              </a:rPr>
+              <a:t>? </a:t>
             </a:r>
             <a:r>
               <a:rPr lang="ko-KR" altLang="en-US" sz="600" dirty="0">
                 <a:solidFill>
                   <a:schemeClr val="tx1"/>
                 </a:solidFill>
-              </a:rPr>
-              <a:t>있는 거만 골라서 정리해</a:t>
+                <a:latin typeface="Noto Sans" panose="020B0502040504020204" pitchFamily="34" charset="0"/>
+                <a:ea typeface="Noto Sans" panose="020B0502040504020204" pitchFamily="34" charset="0"/>
+                <a:cs typeface="Noto Sans" panose="020B0502040504020204" pitchFamily="34" charset="0"/>
+              </a:rPr>
+              <a:t>거기</a:t>
+            </a:r>
+            <a:r>
+              <a:rPr lang="ko-KR" altLang="en-US" sz="600" dirty="0">
+                <a:solidFill>
+                  <a:schemeClr val="tx1"/>
+                </a:solidFill>
+                <a:latin typeface="Noto Sans" panose="020B0502040504020204" pitchFamily="34" charset="0"/>
+                <a:cs typeface="Noto Sans" panose="020B0502040504020204" pitchFamily="34" charset="0"/>
+              </a:rPr>
+              <a:t>에 </a:t>
             </a:r>
             <a:r>
               <a:rPr lang="en-US" altLang="ko-KR" sz="600" dirty="0">
                 <a:solidFill>
                   <a:schemeClr val="tx1"/>
                 </a:solidFill>
-              </a:rPr>
-              <a:t>. </a:t>
+                <a:latin typeface="Noto Sans" panose="020B0502040504020204" pitchFamily="34" charset="0"/>
+                <a:ea typeface="Noto Sans" panose="020B0502040504020204" pitchFamily="34" charset="0"/>
+                <a:cs typeface="Noto Sans" panose="020B0502040504020204" pitchFamily="34" charset="0"/>
+              </a:rPr>
+              <a:t>71</a:t>
             </a:r>
             <a:r>
               <a:rPr lang="ko-KR" altLang="en-US" sz="600" dirty="0">
                 <a:solidFill>
                   <a:schemeClr val="tx1"/>
                 </a:solidFill>
-              </a:rPr>
-              <a:t>날짜 기준으로 빠른 거부터</a:t>
+                <a:latin typeface="Noto Sans" panose="020B0502040504020204" pitchFamily="34" charset="0"/>
+                <a:cs typeface="Noto Sans" panose="020B0502040504020204" pitchFamily="34" charset="0"/>
+              </a:rPr>
+              <a:t>이 들어가는 리스트를 뽑고 싶은데</a:t>
             </a:r>
             <a:r>
               <a:rPr lang="en-US" altLang="ko-KR" sz="600" dirty="0">
                 <a:solidFill>
                   <a:schemeClr val="tx1"/>
                 </a:solidFill>
-              </a:rPr>
-              <a:t>. </a:t>
+                <a:latin typeface="Noto Sans" panose="020B0502040504020204" pitchFamily="34" charset="0"/>
+                <a:ea typeface="Noto Sans" panose="020B0502040504020204" pitchFamily="34" charset="0"/>
+                <a:cs typeface="Noto Sans" panose="020B0502040504020204" pitchFamily="34" charset="0"/>
+              </a:rPr>
+              <a:t>, </a:t>
             </a:r>
             <a:r>
               <a:rPr lang="ko-KR" altLang="en-US" sz="600" dirty="0">
                 <a:solidFill>
                   <a:schemeClr val="tx1"/>
                 </a:solidFill>
-              </a:rPr>
-              <a:t>쓸데없는 거 빼고</a:t>
+                <a:latin typeface="Noto Sans" panose="020B0502040504020204" pitchFamily="34" charset="0"/>
+                <a:ea typeface="Noto Sans" panose="020B0502040504020204" pitchFamily="34" charset="0"/>
+                <a:cs typeface="Noto Sans" panose="020B0502040504020204" pitchFamily="34" charset="0"/>
+              </a:rPr>
+              <a:t>등록일</a:t>
+            </a:r>
+            <a:r>
+              <a:rPr lang="ko-KR" altLang="en-US" sz="600" dirty="0">
+                <a:solidFill>
+                  <a:schemeClr val="tx1"/>
+                </a:solidFill>
+                <a:latin typeface="Noto Sans" panose="020B0502040504020204" pitchFamily="34" charset="0"/>
+                <a:cs typeface="Noto Sans" panose="020B0502040504020204" pitchFamily="34" charset="0"/>
+              </a:rPr>
+              <a:t> 기준 빠른 날짜부터 차곡차곡 정렬하는 거 가능할까</a:t>
             </a:r>
             <a:r>
               <a:rPr lang="en-US" altLang="ko-KR" sz="600" dirty="0">
                 <a:solidFill>
                   <a:schemeClr val="tx1"/>
                 </a:solidFill>
-              </a:rPr>
-              <a:t>.”</a:t>
+                <a:latin typeface="Noto Sans" panose="020B0502040504020204" pitchFamily="34" charset="0"/>
+                <a:ea typeface="Noto Sans" panose="020B0502040504020204" pitchFamily="34" charset="0"/>
+                <a:cs typeface="Noto Sans" panose="020B0502040504020204" pitchFamily="34" charset="0"/>
+              </a:rPr>
+              <a:t>?"</a:t>
             </a:r>
             <a:endParaRPr lang="ko-KR" altLang="en-US" sz="600" dirty="0">
               <a:solidFill>
@@ -4503,38 +7543,92 @@
                 <a:solidFill>
                   <a:schemeClr val="tx1"/>
                 </a:solidFill>
-              </a:rPr>
-              <a:t>“</a:t>
+                <a:latin typeface="Noto Sans" panose="020B0502040504020204" pitchFamily="34" charset="0"/>
+                <a:ea typeface="Noto Sans" panose="020B0502040504020204" pitchFamily="34" charset="0"/>
+                <a:cs typeface="Noto Sans" panose="020B0502040504020204" pitchFamily="34" charset="0"/>
+              </a:rPr>
+              <a:t>“ITEM_TB</a:t>
             </a:r>
             <a:r>
               <a:rPr lang="ko-KR" altLang="en-US" sz="600" dirty="0">
                 <a:solidFill>
                   <a:schemeClr val="tx1"/>
                 </a:solidFill>
+                <a:latin typeface="Noto Sans" panose="020B0502040504020204" pitchFamily="34" charset="0"/>
+                <a:ea typeface="Noto Sans" panose="020B0502040504020204" pitchFamily="34" charset="0"/>
+                <a:cs typeface="Noto Sans" panose="020B0502040504020204" pitchFamily="34" charset="0"/>
+              </a:rPr>
+              <a:t>에서 </a:t>
+            </a:r>
+            <a:r>
+              <a:rPr lang="ko-KR" altLang="en-US" sz="600" b="1" dirty="0">
+                <a:solidFill>
+                  <a:schemeClr val="tx1"/>
+                </a:solidFill>
+                <a:latin typeface="Noto Sans" panose="020B0502040504020204" pitchFamily="34" charset="0"/>
+                <a:cs typeface="Noto Sans" panose="020B0502040504020204" pitchFamily="34" charset="0"/>
               </a:rPr>
               <a:t>숫자 </a:t>
             </a:r>
             <a:r>
+              <a:rPr lang="en-US" altLang="ko-KR" sz="600" b="1" dirty="0">
+                <a:solidFill>
+                  <a:schemeClr val="tx1"/>
+                </a:solidFill>
+                <a:latin typeface="Noto Sans" panose="020B0502040504020204" pitchFamily="34" charset="0"/>
+                <a:ea typeface="Noto Sans" panose="020B0502040504020204" pitchFamily="34" charset="0"/>
+                <a:cs typeface="Noto Sans" panose="020B0502040504020204" pitchFamily="34" charset="0"/>
+              </a:rPr>
+              <a:t>71</a:t>
+            </a:r>
+            <a:r>
+              <a:rPr lang="ko-KR" altLang="en-US" sz="600" b="1" dirty="0">
+                <a:solidFill>
+                  <a:schemeClr val="tx1"/>
+                </a:solidFill>
+                <a:latin typeface="Noto Sans" panose="020B0502040504020204" pitchFamily="34" charset="0"/>
+                <a:cs typeface="Noto Sans" panose="020B0502040504020204" pitchFamily="34" charset="0"/>
+              </a:rPr>
+              <a:t>이 포함</a:t>
+            </a:r>
+            <a:r>
+              <a:rPr lang="ko-KR" altLang="en-US" sz="600" dirty="0">
+                <a:solidFill>
+                  <a:schemeClr val="tx1"/>
+                </a:solidFill>
+                <a:latin typeface="Noto Sans" panose="020B0502040504020204" pitchFamily="34" charset="0"/>
+                <a:cs typeface="Noto Sans" panose="020B0502040504020204" pitchFamily="34" charset="0"/>
+              </a:rPr>
+              <a:t>되어 있는 화학물질을 등록일자 기준으로 </a:t>
+            </a:r>
+            <a:r>
+              <a:rPr lang="ko-KR" altLang="en-US" sz="600" b="1" dirty="0">
+                <a:solidFill>
+                  <a:schemeClr val="tx1"/>
+                </a:solidFill>
+                <a:latin typeface="Noto Sans" panose="020B0502040504020204" pitchFamily="34" charset="0"/>
+                <a:cs typeface="Noto Sans" panose="020B0502040504020204" pitchFamily="34" charset="0"/>
+              </a:rPr>
+              <a:t>오름차순 정렬</a:t>
+            </a:r>
+            <a:r>
+              <a:rPr lang="ko-KR" altLang="en-US" sz="600" dirty="0">
+                <a:solidFill>
+                  <a:schemeClr val="tx1"/>
+                </a:solidFill>
+                <a:latin typeface="Noto Sans" panose="020B0502040504020204" pitchFamily="34" charset="0"/>
+                <a:cs typeface="Noto Sans" panose="020B0502040504020204" pitchFamily="34" charset="0"/>
+              </a:rPr>
+              <a:t>해서 보여줘</a:t>
+            </a:r>
+            <a:r>
               <a:rPr lang="en-US" altLang="ko-KR" sz="600" dirty="0">
                 <a:solidFill>
                   <a:schemeClr val="tx1"/>
                 </a:solidFill>
-              </a:rPr>
-              <a:t>71</a:t>
-            </a:r>
-            <a:r>
-              <a:rPr lang="ko-KR" altLang="en-US" sz="600" dirty="0">
-                <a:solidFill>
-                  <a:schemeClr val="tx1"/>
-                </a:solidFill>
-              </a:rPr>
-              <a:t>이 포함되어 있는 화학물질을 등록일자 기준 오름차순으로 정렬해서 보여줘</a:t>
-            </a:r>
-            <a:r>
-              <a:rPr lang="en-US" altLang="ko-KR" sz="600" dirty="0">
-                <a:solidFill>
-                  <a:schemeClr val="tx1"/>
-                </a:solidFill>
+                <a:latin typeface="Noto Sans" panose="020B0502040504020204" pitchFamily="34" charset="0"/>
+                <a:ea typeface="Noto Sans" panose="020B0502040504020204" pitchFamily="34" charset="0"/>
+                <a:cs typeface="Noto Sans" panose="020B0502040504020204" pitchFamily="34" charset="0"/>
               </a:rPr>
               <a:t>"</a:t>
             </a:r>
@@ -4542,6 +7636,8 @@
               <a:solidFill>
                 <a:schemeClr val="tx1"/>
               </a:solidFill>
+              <a:latin typeface="Noto Sans" panose="020B0502040504020204" pitchFamily="34" charset="0"/>
+              <a:cs typeface="Noto Sans" panose="020B0502040504020204" pitchFamily="34" charset="0"/>
             </a:endParaRPr>
           </a:p>
         </p:txBody>
@@ -4603,38 +7699,92 @@
                 <a:solidFill>
                   <a:schemeClr val="tx1"/>
                 </a:solidFill>
-              </a:rPr>
-              <a:t>“</a:t>
+                <a:latin typeface="Noto Sans" panose="020B0502040504020204" pitchFamily="34" charset="0"/>
+                <a:ea typeface="Noto Sans" panose="020B0502040504020204" pitchFamily="34" charset="0"/>
+                <a:cs typeface="Noto Sans" panose="020B0502040504020204" pitchFamily="34" charset="0"/>
+              </a:rPr>
+              <a:t>“ITEM_TB</a:t>
             </a:r>
             <a:r>
               <a:rPr lang="ko-KR" altLang="en-US" sz="600" dirty="0">
                 <a:solidFill>
                   <a:schemeClr val="tx1"/>
                 </a:solidFill>
+                <a:latin typeface="Noto Sans" panose="020B0502040504020204" pitchFamily="34" charset="0"/>
+                <a:ea typeface="Noto Sans" panose="020B0502040504020204" pitchFamily="34" charset="0"/>
+                <a:cs typeface="Noto Sans" panose="020B0502040504020204" pitchFamily="34" charset="0"/>
+              </a:rPr>
+              <a:t>에서 </a:t>
+            </a:r>
+            <a:r>
+              <a:rPr lang="ko-KR" altLang="en-US" sz="600" b="1" dirty="0">
+                <a:solidFill>
+                  <a:schemeClr val="tx1"/>
+                </a:solidFill>
+                <a:latin typeface="Noto Sans" panose="020B0502040504020204" pitchFamily="34" charset="0"/>
+                <a:cs typeface="Noto Sans" panose="020B0502040504020204" pitchFamily="34" charset="0"/>
               </a:rPr>
               <a:t>숫자 </a:t>
             </a:r>
             <a:r>
+              <a:rPr lang="en-US" altLang="ko-KR" sz="600" b="1" dirty="0">
+                <a:solidFill>
+                  <a:schemeClr val="tx1"/>
+                </a:solidFill>
+                <a:latin typeface="Noto Sans" panose="020B0502040504020204" pitchFamily="34" charset="0"/>
+                <a:ea typeface="Noto Sans" panose="020B0502040504020204" pitchFamily="34" charset="0"/>
+                <a:cs typeface="Noto Sans" panose="020B0502040504020204" pitchFamily="34" charset="0"/>
+              </a:rPr>
+              <a:t>71</a:t>
+            </a:r>
+            <a:r>
+              <a:rPr lang="ko-KR" altLang="en-US" sz="600" b="1" dirty="0">
+                <a:solidFill>
+                  <a:schemeClr val="tx1"/>
+                </a:solidFill>
+                <a:latin typeface="Noto Sans" panose="020B0502040504020204" pitchFamily="34" charset="0"/>
+                <a:cs typeface="Noto Sans" panose="020B0502040504020204" pitchFamily="34" charset="0"/>
+              </a:rPr>
+              <a:t>이 포함</a:t>
+            </a:r>
+            <a:r>
+              <a:rPr lang="ko-KR" altLang="en-US" sz="600" dirty="0">
+                <a:solidFill>
+                  <a:schemeClr val="tx1"/>
+                </a:solidFill>
+                <a:latin typeface="Noto Sans" panose="020B0502040504020204" pitchFamily="34" charset="0"/>
+                <a:cs typeface="Noto Sans" panose="020B0502040504020204" pitchFamily="34" charset="0"/>
+              </a:rPr>
+              <a:t>되어 있는 화학물질을 등록일자 기준으로 </a:t>
+            </a:r>
+            <a:r>
+              <a:rPr lang="ko-KR" altLang="en-US" sz="600" b="1" dirty="0">
+                <a:solidFill>
+                  <a:schemeClr val="tx1"/>
+                </a:solidFill>
+                <a:latin typeface="Noto Sans" panose="020B0502040504020204" pitchFamily="34" charset="0"/>
+                <a:cs typeface="Noto Sans" panose="020B0502040504020204" pitchFamily="34" charset="0"/>
+              </a:rPr>
+              <a:t>오름차순 정렬</a:t>
+            </a:r>
+            <a:r>
+              <a:rPr lang="ko-KR" altLang="en-US" sz="600" dirty="0">
+                <a:solidFill>
+                  <a:schemeClr val="tx1"/>
+                </a:solidFill>
+                <a:latin typeface="Noto Sans" panose="020B0502040504020204" pitchFamily="34" charset="0"/>
+                <a:cs typeface="Noto Sans" panose="020B0502040504020204" pitchFamily="34" charset="0"/>
+              </a:rPr>
+              <a:t>해서 보여줘</a:t>
+            </a:r>
+            <a:r>
               <a:rPr lang="en-US" altLang="ko-KR" sz="600" dirty="0">
                 <a:solidFill>
                   <a:schemeClr val="tx1"/>
                 </a:solidFill>
-              </a:rPr>
-              <a:t>71</a:t>
-            </a:r>
-            <a:r>
-              <a:rPr lang="ko-KR" altLang="en-US" sz="600" dirty="0">
-                <a:solidFill>
-                  <a:schemeClr val="tx1"/>
-                </a:solidFill>
-              </a:rPr>
-              <a:t>이 포함되어 있는 화학물질을 등록일자 기준 오름차순으로 정렬해서 보여줘</a:t>
-            </a:r>
-            <a:r>
-              <a:rPr lang="en-US" altLang="ko-KR" sz="600" dirty="0">
-                <a:solidFill>
-                  <a:schemeClr val="tx1"/>
-                </a:solidFill>
+                <a:latin typeface="Noto Sans" panose="020B0502040504020204" pitchFamily="34" charset="0"/>
+                <a:ea typeface="Noto Sans" panose="020B0502040504020204" pitchFamily="34" charset="0"/>
+                <a:cs typeface="Noto Sans" panose="020B0502040504020204" pitchFamily="34" charset="0"/>
               </a:rPr>
               <a:t>"</a:t>
             </a:r>
@@ -4642,6 +7792,8 @@
               <a:solidFill>
                 <a:schemeClr val="tx1"/>
               </a:solidFill>
+              <a:latin typeface="Noto Sans" panose="020B0502040504020204" pitchFamily="34" charset="0"/>
+              <a:cs typeface="Noto Sans" panose="020B0502040504020204" pitchFamily="34" charset="0"/>
             </a:endParaRPr>
           </a:p>
         </p:txBody>
@@ -5267,7 +8419,7 @@
 </p:sld>
 </file>
 
-<file path=ppt/slides/slide11.xml><?xml version="1.0" encoding="utf-8"?>
+<file path=ppt/slides/slide12.xml><?xml version="1.0" encoding="utf-8"?>
 <p:sld xmlns:a="http://schemas.openxmlformats.org/drawingml/2006/main" xmlns:r="http://schemas.openxmlformats.org/officeDocument/2006/relationships" xmlns:p="http://schemas.openxmlformats.org/presentationml/2006/main">
   <p:cSld>
     <p:spTree>
@@ -5341,99 +8493,152 @@
           <a:bodyPr rtlCol="0" anchor="ctr"/>
           <a:lstStyle/>
           <a:p>
-            <a:pPr marL="0" marR="0" lvl="0" indent="0" algn="l" defTabSz="914400" rtl="0" eaLnBrk="1" fontAlgn="auto" latinLnBrk="1" hangingPunct="1">
-              <a:lnSpc>
-                <a:spcPct val="100000"/>
-              </a:lnSpc>
-              <a:spcBef>
-                <a:spcPts val="0"/>
-              </a:spcBef>
-              <a:spcAft>
-                <a:spcPts val="0"/>
-              </a:spcAft>
-              <a:buClrTx/>
-              <a:buSzTx/>
-              <a:buFontTx/>
-              <a:buNone/>
-              <a:tabLst/>
-              <a:defRPr/>
-            </a:pPr>
-            <a:r>
-              <a:rPr lang="en-US" altLang="ko-KR" sz="1000" b="0" dirty="0">
+            <a:pPr latinLnBrk="1"/>
+            <a:r>
+              <a:rPr lang="en-US" altLang="ko-KR" sz="1000" dirty="0">
                 <a:solidFill>
                   <a:schemeClr val="tx1"/>
                 </a:solidFill>
+                <a:latin typeface="Noto Sans" panose="020B0502040504020204" pitchFamily="34" charset="0"/>
+                <a:ea typeface="Noto Sans" panose="020B0502040504020204" pitchFamily="34" charset="0"/>
+                <a:cs typeface="Noto Sans" panose="020B0502040504020204" pitchFamily="34" charset="0"/>
               </a:rPr>
               <a:t>"</a:t>
             </a:r>
             <a:r>
-              <a:rPr lang="ko-KR" altLang="en-US" sz="1000" b="0" dirty="0">
+              <a:rPr lang="ko-KR" altLang="en-US" sz="1000" dirty="0">
                 <a:solidFill>
                   <a:schemeClr val="tx1"/>
                 </a:solidFill>
-              </a:rPr>
-              <a:t>화학물질을 찾는데</a:t>
-            </a:r>
-            <a:r>
-              <a:rPr lang="en-US" altLang="ko-KR" sz="1000" b="0" dirty="0">
+                <a:latin typeface="Noto Sans" panose="020B0502040504020204" pitchFamily="34" charset="0"/>
+                <a:ea typeface="Noto Sans" panose="020B0502040504020204" pitchFamily="34" charset="0"/>
+                <a:cs typeface="Noto Sans" panose="020B0502040504020204" pitchFamily="34" charset="0"/>
+              </a:rPr>
+              <a:t>화학약품에 </a:t>
+            </a:r>
+            <a:r>
+              <a:rPr lang="ko-KR" altLang="en-US" sz="1000" dirty="0" err="1">
                 <a:solidFill>
                   <a:schemeClr val="tx1"/>
                 </a:solidFill>
+                <a:latin typeface="Noto Sans" panose="020B0502040504020204" pitchFamily="34" charset="0"/>
+                <a:ea typeface="Noto Sans" panose="020B0502040504020204" pitchFamily="34" charset="0"/>
+                <a:cs typeface="Noto Sans" panose="020B0502040504020204" pitchFamily="34" charset="0"/>
+              </a:rPr>
+              <a:t>번호매긴거</a:t>
+            </a:r>
+            <a:r>
+              <a:rPr lang="ko-KR" altLang="en-US" sz="1000" dirty="0">
+                <a:solidFill>
+                  <a:schemeClr val="tx1"/>
+                </a:solidFill>
+                <a:latin typeface="Noto Sans" panose="020B0502040504020204" pitchFamily="34" charset="0"/>
+                <a:cs typeface="Noto Sans" panose="020B0502040504020204" pitchFamily="34" charset="0"/>
+              </a:rPr>
+              <a:t> 있잖아</a:t>
+            </a:r>
+            <a:r>
+              <a:rPr lang="en-US" altLang="ko-KR" sz="1000" dirty="0">
+                <a:solidFill>
+                  <a:schemeClr val="tx1"/>
+                </a:solidFill>
+                <a:latin typeface="Noto Sans" panose="020B0502040504020204" pitchFamily="34" charset="0"/>
+                <a:ea typeface="Noto Sans" panose="020B0502040504020204" pitchFamily="34" charset="0"/>
+                <a:cs typeface="Noto Sans" panose="020B0502040504020204" pitchFamily="34" charset="0"/>
+              </a:rPr>
+              <a:t>? </a:t>
+            </a:r>
+            <a:r>
+              <a:rPr lang="ko-KR" altLang="en-US" sz="1000" dirty="0">
+                <a:solidFill>
+                  <a:schemeClr val="tx1"/>
+                </a:solidFill>
+                <a:latin typeface="Noto Sans" panose="020B0502040504020204" pitchFamily="34" charset="0"/>
+                <a:ea typeface="Noto Sans" panose="020B0502040504020204" pitchFamily="34" charset="0"/>
+                <a:cs typeface="Noto Sans" panose="020B0502040504020204" pitchFamily="34" charset="0"/>
+              </a:rPr>
+              <a:t>거기</a:t>
+            </a:r>
+            <a:r>
+              <a:rPr lang="ko-KR" altLang="en-US" sz="1000" dirty="0">
+                <a:solidFill>
+                  <a:schemeClr val="tx1"/>
+                </a:solidFill>
+                <a:latin typeface="Noto Sans" panose="020B0502040504020204" pitchFamily="34" charset="0"/>
+                <a:cs typeface="Noto Sans" panose="020B0502040504020204" pitchFamily="34" charset="0"/>
+              </a:rPr>
+              <a:t>에 </a:t>
+            </a:r>
+            <a:r>
+              <a:rPr lang="en-US" altLang="ko-KR" sz="1000" dirty="0">
+                <a:solidFill>
+                  <a:schemeClr val="tx1"/>
+                </a:solidFill>
+                <a:latin typeface="Noto Sans" panose="020B0502040504020204" pitchFamily="34" charset="0"/>
+                <a:ea typeface="Noto Sans" panose="020B0502040504020204" pitchFamily="34" charset="0"/>
+                <a:cs typeface="Noto Sans" panose="020B0502040504020204" pitchFamily="34" charset="0"/>
+              </a:rPr>
+              <a:t>71</a:t>
+            </a:r>
+            <a:r>
+              <a:rPr lang="ko-KR" altLang="en-US" sz="1000" dirty="0">
+                <a:solidFill>
+                  <a:schemeClr val="tx1"/>
+                </a:solidFill>
+                <a:latin typeface="Noto Sans" panose="020B0502040504020204" pitchFamily="34" charset="0"/>
+                <a:cs typeface="Noto Sans" panose="020B0502040504020204" pitchFamily="34" charset="0"/>
+              </a:rPr>
+              <a:t>이 들어가는 리스트를 뽑고 싶은데</a:t>
+            </a:r>
+            <a:r>
+              <a:rPr lang="en-US" altLang="ko-KR" sz="1000" dirty="0">
+                <a:solidFill>
+                  <a:schemeClr val="tx1"/>
+                </a:solidFill>
+                <a:latin typeface="Noto Sans" panose="020B0502040504020204" pitchFamily="34" charset="0"/>
+                <a:ea typeface="Noto Sans" panose="020B0502040504020204" pitchFamily="34" charset="0"/>
+                <a:cs typeface="Noto Sans" panose="020B0502040504020204" pitchFamily="34" charset="0"/>
               </a:rPr>
               <a:t>, </a:t>
             </a:r>
             <a:r>
-              <a:rPr lang="ko-KR" altLang="en-US" sz="1000" b="0" dirty="0">
+              <a:rPr lang="ko-KR" altLang="en-US" sz="1000" dirty="0">
                 <a:solidFill>
                   <a:schemeClr val="tx1"/>
                 </a:solidFill>
-              </a:rPr>
-              <a:t>그 번호 안에 </a:t>
-            </a:r>
-            <a:r>
-              <a:rPr lang="en-US" altLang="ko-KR" sz="1000" b="0" dirty="0">
+                <a:latin typeface="Noto Sans" panose="020B0502040504020204" pitchFamily="34" charset="0"/>
+                <a:ea typeface="Noto Sans" panose="020B0502040504020204" pitchFamily="34" charset="0"/>
+                <a:cs typeface="Noto Sans" panose="020B0502040504020204" pitchFamily="34" charset="0"/>
+              </a:rPr>
+              <a:t>등록일</a:t>
+            </a:r>
+            <a:r>
+              <a:rPr lang="ko-KR" altLang="en-US" sz="1000" dirty="0">
                 <a:solidFill>
                   <a:schemeClr val="tx1"/>
                 </a:solidFill>
-              </a:rPr>
-              <a:t>71</a:t>
-            </a:r>
-            <a:r>
-              <a:rPr lang="ko-KR" altLang="en-US" sz="1000" b="0" dirty="0">
+                <a:latin typeface="Noto Sans" panose="020B0502040504020204" pitchFamily="34" charset="0"/>
+                <a:cs typeface="Noto Sans" panose="020B0502040504020204" pitchFamily="34" charset="0"/>
+              </a:rPr>
+              <a:t> 기준 빠른 날짜부터 차곡차곡 정렬하는 거 가능할까</a:t>
+            </a:r>
+            <a:r>
+              <a:rPr lang="en-US" altLang="ko-KR" sz="1000" dirty="0">
                 <a:solidFill>
                   <a:schemeClr val="tx1"/>
                 </a:solidFill>
-              </a:rPr>
-              <a:t>이라는 숫자가 들어 있는 애들만 뽑아주고</a:t>
-            </a:r>
-            <a:r>
-              <a:rPr lang="en-US" altLang="ko-KR" sz="1000" b="0" dirty="0">
-                <a:solidFill>
-                  <a:schemeClr val="tx1"/>
-                </a:solidFill>
-              </a:rPr>
-              <a:t>, </a:t>
-            </a:r>
-            <a:r>
-              <a:rPr lang="ko-KR" altLang="en-US" sz="1000" b="0" dirty="0">
-                <a:solidFill>
-                  <a:schemeClr val="tx1"/>
-                </a:solidFill>
-              </a:rPr>
-              <a:t>근데 옛날 것부터 먼저 보여줄 수 있어</a:t>
-            </a:r>
-            <a:r>
-              <a:rPr lang="en-US" altLang="ko-KR" sz="1000" b="0" dirty="0">
-                <a:solidFill>
-                  <a:schemeClr val="tx1"/>
-                </a:solidFill>
-              </a:rPr>
-              <a:t>?”</a:t>
-            </a:r>
-            <a:endParaRPr lang="ko-KR" altLang="en-US" sz="1000" b="0" dirty="0">
+                <a:latin typeface="Noto Sans" panose="020B0502040504020204" pitchFamily="34" charset="0"/>
+                <a:ea typeface="Noto Sans" panose="020B0502040504020204" pitchFamily="34" charset="0"/>
+                <a:cs typeface="Noto Sans" panose="020B0502040504020204" pitchFamily="34" charset="0"/>
+              </a:rPr>
+              <a:t>?"</a:t>
+            </a:r>
+            <a:endParaRPr lang="ko-KR" altLang="en-US" sz="1000" dirty="0">
               <a:solidFill>
                 <a:schemeClr val="tx1"/>
               </a:solidFill>
+              <a:latin typeface="Noto Sans" panose="020B0502040504020204" pitchFamily="34" charset="0"/>
+              <a:cs typeface="Noto Sans" panose="020B0502040504020204" pitchFamily="34" charset="0"/>
             </a:endParaRPr>
           </a:p>
         </p:txBody>
@@ -5540,14 +8745,30 @@
                 <a:solidFill>
                   <a:schemeClr val="tx1"/>
                 </a:solidFill>
-              </a:rPr>
-              <a:t>“</a:t>
+                <a:latin typeface="Noto Sans" panose="020B0502040504020204" pitchFamily="34" charset="0"/>
+                <a:ea typeface="Noto Sans" panose="020B0502040504020204" pitchFamily="34" charset="0"/>
+                <a:cs typeface="Noto Sans" panose="020B0502040504020204" pitchFamily="34" charset="0"/>
+              </a:rPr>
+              <a:t>“ITEM_TB</a:t>
             </a:r>
             <a:r>
               <a:rPr lang="ko-KR" altLang="en-US" sz="1000" dirty="0">
                 <a:solidFill>
                   <a:schemeClr val="tx1"/>
                 </a:solidFill>
+                <a:latin typeface="Noto Sans" panose="020B0502040504020204" pitchFamily="34" charset="0"/>
+                <a:ea typeface="Noto Sans" panose="020B0502040504020204" pitchFamily="34" charset="0"/>
+                <a:cs typeface="Noto Sans" panose="020B0502040504020204" pitchFamily="34" charset="0"/>
+              </a:rPr>
+              <a:t>에서 </a:t>
+            </a:r>
+            <a:r>
+              <a:rPr lang="ko-KR" altLang="en-US" sz="1000" dirty="0">
+                <a:solidFill>
+                  <a:schemeClr val="tx1"/>
+                </a:solidFill>
+                <a:latin typeface="Noto Sans" panose="020B0502040504020204" pitchFamily="34" charset="0"/>
+                <a:cs typeface="Noto Sans" panose="020B0502040504020204" pitchFamily="34" charset="0"/>
               </a:rPr>
               <a:t>숫자 </a:t>
             </a:r>
@@ -5556,6 +8777,9 @@
                 <a:solidFill>
                   <a:schemeClr val="tx1"/>
                 </a:solidFill>
+                <a:latin typeface="Noto Sans" panose="020B0502040504020204" pitchFamily="34" charset="0"/>
+                <a:ea typeface="Noto Sans" panose="020B0502040504020204" pitchFamily="34" charset="0"/>
+                <a:cs typeface="Noto Sans" panose="020B0502040504020204" pitchFamily="34" charset="0"/>
               </a:rPr>
               <a:t>71</a:t>
             </a:r>
@@ -5564,14 +8788,19 @@
                 <a:solidFill>
                   <a:schemeClr val="tx1"/>
                 </a:solidFill>
-              </a:rPr>
-              <a:t>이 포함되어 있는 화학물질을 등록일자 기준 오름차순으로 정렬해서 보여줘</a:t>
+                <a:latin typeface="Noto Sans" panose="020B0502040504020204" pitchFamily="34" charset="0"/>
+                <a:cs typeface="Noto Sans" panose="020B0502040504020204" pitchFamily="34" charset="0"/>
+              </a:rPr>
+              <a:t>이 포함되어 있는 화학물질을 등록일자 기준으로 오름차순 정렬해서 보여줘</a:t>
             </a:r>
             <a:r>
               <a:rPr lang="en-US" altLang="ko-KR" sz="1000" dirty="0">
                 <a:solidFill>
                   <a:schemeClr val="tx1"/>
                 </a:solidFill>
+                <a:latin typeface="Noto Sans" panose="020B0502040504020204" pitchFamily="34" charset="0"/>
+                <a:ea typeface="Noto Sans" panose="020B0502040504020204" pitchFamily="34" charset="0"/>
+                <a:cs typeface="Noto Sans" panose="020B0502040504020204" pitchFamily="34" charset="0"/>
               </a:rPr>
               <a:t>"</a:t>
             </a:r>
@@ -5579,6 +8808,8 @@
               <a:solidFill>
                 <a:schemeClr val="tx1"/>
               </a:solidFill>
+              <a:latin typeface="Noto Sans" panose="020B0502040504020204" pitchFamily="34" charset="0"/>
+              <a:cs typeface="Noto Sans" panose="020B0502040504020204" pitchFamily="34" charset="0"/>
             </a:endParaRPr>
           </a:p>
         </p:txBody>
@@ -5888,7 +9119,7 @@
 </p:sld>
 </file>
 
-<file path=ppt/slides/slide12.xml><?xml version="1.0" encoding="utf-8"?>
+<file path=ppt/slides/slide13.xml><?xml version="1.0" encoding="utf-8"?>
 <p:sld xmlns:a="http://schemas.openxmlformats.org/drawingml/2006/main" xmlns:r="http://schemas.openxmlformats.org/officeDocument/2006/relationships" xmlns:p="http://schemas.openxmlformats.org/presentationml/2006/main">
   <p:cSld>
     <p:spTree>
@@ -7350,7 +10581,7 @@
 </p:sld>
 </file>
 
-<file path=ppt/slides/slide13.xml><?xml version="1.0" encoding="utf-8"?>
+<file path=ppt/slides/slide14.xml><?xml version="1.0" encoding="utf-8"?>
 <p:sld xmlns:a="http://schemas.openxmlformats.org/drawingml/2006/main" xmlns:r="http://schemas.openxmlformats.org/officeDocument/2006/relationships" xmlns:p="http://schemas.openxmlformats.org/presentationml/2006/main">
   <p:cSld>
     <p:spTree>
@@ -7865,7 +11096,7 @@
 </p:sld>
 </file>
 
-<file path=ppt/slides/slide14.xml><?xml version="1.0" encoding="utf-8"?>
+<file path=ppt/slides/slide15.xml><?xml version="1.0" encoding="utf-8"?>
 <p:sld xmlns:a="http://schemas.openxmlformats.org/drawingml/2006/main" xmlns:r="http://schemas.openxmlformats.org/officeDocument/2006/relationships" xmlns:p="http://schemas.openxmlformats.org/presentationml/2006/main">
   <p:cSld>
     <p:spTree>
@@ -8584,6 +11815,739 @@
   <p:cSld>
     <p:spTree>
       <p:nvGrpSpPr>
+        <p:cNvPr id="1" name="">
+          <a:extLst>
+            <a:ext uri="{FF2B5EF4-FFF2-40B4-BE49-F238E27FC236}">
+              <a16:creationId xmlns:a16="http://schemas.microsoft.com/office/drawing/2014/main" id="{796036EF-877B-12D7-0786-32732F6E0303}"/>
+            </a:ext>
+          </a:extLst>
+        </p:cNvPr>
+        <p:cNvGrpSpPr/>
+        <p:nvPr/>
+      </p:nvGrpSpPr>
+      <p:grpSpPr>
+        <a:xfrm>
+          <a:off x="0" y="0"/>
+          <a:ext cx="0" cy="0"/>
+          <a:chOff x="0" y="0"/>
+          <a:chExt cx="0" cy="0"/>
+        </a:xfrm>
+      </p:grpSpPr>
+      <p:sp>
+        <p:nvSpPr>
+          <p:cNvPr id="7" name="TextBox 6">
+            <a:extLst>
+              <a:ext uri="{FF2B5EF4-FFF2-40B4-BE49-F238E27FC236}">
+                <a16:creationId xmlns:a16="http://schemas.microsoft.com/office/drawing/2014/main" id="{6B97D9BC-6B01-7848-75F6-02F0E53223CA}"/>
+              </a:ext>
+            </a:extLst>
+          </p:cNvPr>
+          <p:cNvSpPr txBox="1"/>
+          <p:nvPr/>
+        </p:nvSpPr>
+        <p:spPr>
+          <a:xfrm>
+            <a:off x="70338" y="87923"/>
+            <a:ext cx="5636495" cy="461665"/>
+          </a:xfrm>
+          <a:prstGeom prst="rect">
+            <a:avLst/>
+          </a:prstGeom>
+          <a:noFill/>
+        </p:spPr>
+        <p:txBody>
+          <a:bodyPr wrap="square" rtlCol="0">
+            <a:spAutoFit/>
+          </a:bodyPr>
+          <a:lstStyle/>
+          <a:p>
+            <a:r>
+              <a:rPr lang="ko-KR" altLang="en-US" sz="2400" b="1">
+                <a:latin typeface="Noto Sans" panose="020B0502040504020204" pitchFamily="34" charset="0"/>
+                <a:ea typeface="KoPubWorld돋움체 Medium" panose="00000600000000000000" pitchFamily="2" charset="-127"/>
+                <a:cs typeface="Noto Sans" panose="020B0502040504020204" pitchFamily="34" charset="0"/>
+              </a:rPr>
+              <a:t>관련 연구</a:t>
+            </a:r>
+            <a:endParaRPr lang="ko-KR" altLang="en-US" sz="2400" dirty="0">
+              <a:latin typeface="Noto Sans" panose="020B0502040504020204" pitchFamily="34" charset="0"/>
+              <a:ea typeface="KoPubWorld돋움체 Medium" panose="00000600000000000000" pitchFamily="2" charset="-127"/>
+              <a:cs typeface="Noto Sans" panose="020B0502040504020204" pitchFamily="34" charset="0"/>
+            </a:endParaRPr>
+          </a:p>
+        </p:txBody>
+      </p:sp>
+      <p:sp>
+        <p:nvSpPr>
+          <p:cNvPr id="6" name="TextBox 5">
+            <a:extLst>
+              <a:ext uri="{FF2B5EF4-FFF2-40B4-BE49-F238E27FC236}">
+                <a16:creationId xmlns:a16="http://schemas.microsoft.com/office/drawing/2014/main" id="{01272997-001D-24BF-608B-BECE0113293B}"/>
+              </a:ext>
+            </a:extLst>
+          </p:cNvPr>
+          <p:cNvSpPr txBox="1"/>
+          <p:nvPr/>
+        </p:nvSpPr>
+        <p:spPr>
+          <a:xfrm>
+            <a:off x="11699631" y="6410326"/>
+            <a:ext cx="432460" cy="276999"/>
+          </a:xfrm>
+          <a:prstGeom prst="rect">
+            <a:avLst/>
+          </a:prstGeom>
+          <a:noFill/>
+        </p:spPr>
+        <p:txBody>
+          <a:bodyPr wrap="square" rtlCol="0">
+            <a:spAutoFit/>
+          </a:bodyPr>
+          <a:lstStyle/>
+          <a:p>
+            <a:r>
+              <a:rPr lang="en-US" altLang="ko-KR" sz="1200" b="1" dirty="0">
+                <a:latin typeface="Noto Sans" panose="020B0502040504020204" pitchFamily="34" charset="0"/>
+                <a:ea typeface="Noto Sans" panose="020B0502040504020204" pitchFamily="34" charset="0"/>
+                <a:cs typeface="Noto Sans" panose="020B0502040504020204" pitchFamily="34" charset="0"/>
+              </a:rPr>
+              <a:t>2</a:t>
+            </a:r>
+            <a:endParaRPr lang="ko-KR" altLang="en-US" sz="1200" b="1" dirty="0">
+              <a:latin typeface="Noto Sans" panose="020B0502040504020204" pitchFamily="34" charset="0"/>
+              <a:cs typeface="Noto Sans" panose="020B0502040504020204" pitchFamily="34" charset="0"/>
+            </a:endParaRPr>
+          </a:p>
+        </p:txBody>
+      </p:sp>
+      <p:pic>
+        <p:nvPicPr>
+          <p:cNvPr id="9" name="그림 8">
+            <a:extLst>
+              <a:ext uri="{FF2B5EF4-FFF2-40B4-BE49-F238E27FC236}">
+                <a16:creationId xmlns:a16="http://schemas.microsoft.com/office/drawing/2014/main" id="{6E462D1F-474B-A669-4D62-7371BBDBD68A}"/>
+              </a:ext>
+            </a:extLst>
+          </p:cNvPr>
+          <p:cNvPicPr>
+            <a:picLocks noChangeAspect="1"/>
+          </p:cNvPicPr>
+          <p:nvPr/>
+        </p:nvPicPr>
+        <p:blipFill>
+          <a:blip r:embed="rId3"/>
+          <a:stretch>
+            <a:fillRect/>
+          </a:stretch>
+        </p:blipFill>
+        <p:spPr>
+          <a:xfrm>
+            <a:off x="7960451" y="626244"/>
+            <a:ext cx="2372498" cy="2508987"/>
+          </a:xfrm>
+          <a:prstGeom prst="rect">
+            <a:avLst/>
+          </a:prstGeom>
+        </p:spPr>
+      </p:pic>
+      <p:sp>
+        <p:nvSpPr>
+          <p:cNvPr id="11" name="TextBox 10">
+            <a:extLst>
+              <a:ext uri="{FF2B5EF4-FFF2-40B4-BE49-F238E27FC236}">
+                <a16:creationId xmlns:a16="http://schemas.microsoft.com/office/drawing/2014/main" id="{17D43677-0CFA-7B3F-B57C-3DA34A42BF7C}"/>
+              </a:ext>
+            </a:extLst>
+          </p:cNvPr>
+          <p:cNvSpPr txBox="1"/>
+          <p:nvPr/>
+        </p:nvSpPr>
+        <p:spPr>
+          <a:xfrm>
+            <a:off x="728821" y="1540073"/>
+            <a:ext cx="6978650" cy="215444"/>
+          </a:xfrm>
+          <a:prstGeom prst="rect">
+            <a:avLst/>
+          </a:prstGeom>
+          <a:noFill/>
+        </p:spPr>
+        <p:txBody>
+          <a:bodyPr wrap="square">
+            <a:spAutoFit/>
+          </a:bodyPr>
+          <a:lstStyle/>
+          <a:p>
+            <a:r>
+              <a:rPr lang="ko-KR" altLang="en-US" sz="800" i="1" dirty="0">
+                <a:ea typeface="KoPubWorld돋움체 Medium" panose="00000600000000000000"/>
+              </a:rPr>
+              <a:t>Text2SQL </a:t>
+            </a:r>
+            <a:r>
+              <a:rPr lang="ko-KR" altLang="en-US" sz="800" i="1" dirty="0" err="1">
+                <a:ea typeface="KoPubWorld돋움체 Medium" panose="00000600000000000000"/>
+              </a:rPr>
+              <a:t>is</a:t>
+            </a:r>
+            <a:r>
+              <a:rPr lang="ko-KR" altLang="en-US" sz="800" i="1" dirty="0">
+                <a:ea typeface="KoPubWorld돋움체 Medium" panose="00000600000000000000"/>
+              </a:rPr>
+              <a:t> </a:t>
+            </a:r>
+            <a:r>
+              <a:rPr lang="ko-KR" altLang="en-US" sz="800" i="1" dirty="0" err="1">
+                <a:ea typeface="KoPubWorld돋움체 Medium" panose="00000600000000000000"/>
+              </a:rPr>
+              <a:t>Not</a:t>
+            </a:r>
+            <a:r>
+              <a:rPr lang="ko-KR" altLang="en-US" sz="800" i="1" dirty="0">
+                <a:ea typeface="KoPubWorld돋움체 Medium" panose="00000600000000000000"/>
+              </a:rPr>
+              <a:t> </a:t>
+            </a:r>
+            <a:r>
+              <a:rPr lang="ko-KR" altLang="en-US" sz="800" i="1" dirty="0" err="1">
+                <a:ea typeface="KoPubWorld돋움체 Medium" panose="00000600000000000000"/>
+              </a:rPr>
+              <a:t>Enough</a:t>
+            </a:r>
+            <a:r>
+              <a:rPr lang="ko-KR" altLang="en-US" sz="800" i="1" dirty="0">
+                <a:ea typeface="KoPubWorld돋움체 Medium" panose="00000600000000000000"/>
+              </a:rPr>
+              <a:t>: </a:t>
+            </a:r>
+            <a:r>
+              <a:rPr lang="ko-KR" altLang="en-US" sz="800" i="1" dirty="0" err="1">
+                <a:ea typeface="KoPubWorld돋움체 Medium" panose="00000600000000000000"/>
+              </a:rPr>
+              <a:t>Unifying</a:t>
+            </a:r>
+            <a:r>
+              <a:rPr lang="ko-KR" altLang="en-US" sz="800" i="1" dirty="0">
+                <a:ea typeface="KoPubWorld돋움체 Medium" panose="00000600000000000000"/>
+              </a:rPr>
+              <a:t> AI and </a:t>
+            </a:r>
+            <a:r>
+              <a:rPr lang="ko-KR" altLang="en-US" sz="800" i="1" dirty="0" err="1">
+                <a:ea typeface="KoPubWorld돋움체 Medium" panose="00000600000000000000"/>
+              </a:rPr>
+              <a:t>Databases</a:t>
+            </a:r>
+            <a:r>
+              <a:rPr lang="ko-KR" altLang="en-US" sz="800" i="1" dirty="0">
+                <a:ea typeface="KoPubWorld돋움체 Medium" panose="00000600000000000000"/>
+              </a:rPr>
+              <a:t> </a:t>
+            </a:r>
+            <a:r>
+              <a:rPr lang="ko-KR" altLang="en-US" sz="800" i="1" dirty="0" err="1">
+                <a:ea typeface="KoPubWorld돋움체 Medium" panose="00000600000000000000"/>
+              </a:rPr>
+              <a:t>with</a:t>
+            </a:r>
+            <a:r>
+              <a:rPr lang="ko-KR" altLang="en-US" sz="800" i="1" dirty="0">
+                <a:ea typeface="KoPubWorld돋움체 Medium" panose="00000600000000000000"/>
+              </a:rPr>
+              <a:t> TAG</a:t>
+            </a:r>
+            <a:r>
+              <a:rPr lang="en-US" altLang="ko-KR" sz="800" i="1" dirty="0">
+                <a:ea typeface="KoPubWorld돋움체 Medium" panose="00000600000000000000"/>
+              </a:rPr>
+              <a:t>, 2024</a:t>
+            </a:r>
+            <a:endParaRPr lang="ko-KR" altLang="en-US" sz="800" i="1" dirty="0">
+              <a:ea typeface="KoPubWorld돋움체 Medium" panose="00000600000000000000"/>
+            </a:endParaRPr>
+          </a:p>
+        </p:txBody>
+      </p:sp>
+      <p:sp>
+        <p:nvSpPr>
+          <p:cNvPr id="14" name="TextBox 13">
+            <a:extLst>
+              <a:ext uri="{FF2B5EF4-FFF2-40B4-BE49-F238E27FC236}">
+                <a16:creationId xmlns:a16="http://schemas.microsoft.com/office/drawing/2014/main" id="{F8394C9F-29A5-B0F6-B28A-E1E6A6512CFC}"/>
+              </a:ext>
+            </a:extLst>
+          </p:cNvPr>
+          <p:cNvSpPr txBox="1"/>
+          <p:nvPr/>
+        </p:nvSpPr>
+        <p:spPr>
+          <a:xfrm>
+            <a:off x="728821" y="1119445"/>
+            <a:ext cx="6863940" cy="420628"/>
+          </a:xfrm>
+          <a:prstGeom prst="rect">
+            <a:avLst/>
+          </a:prstGeom>
+          <a:noFill/>
+        </p:spPr>
+        <p:txBody>
+          <a:bodyPr wrap="square" rtlCol="0">
+            <a:spAutoFit/>
+          </a:bodyPr>
+          <a:lstStyle/>
+          <a:p>
+            <a:pPr>
+              <a:lnSpc>
+                <a:spcPct val="150000"/>
+              </a:lnSpc>
+            </a:pPr>
+            <a:r>
+              <a:rPr lang="ko-KR" altLang="en-US" sz="1600" dirty="0">
+                <a:solidFill>
+                  <a:schemeClr val="tx1"/>
+                </a:solidFill>
+                <a:latin typeface="Noto Sans" panose="020B0502040504020204" pitchFamily="34" charset="0"/>
+                <a:ea typeface="KoPubWorld돋움체 Medium" panose="00000600000000000000" pitchFamily="2" charset="-127"/>
+                <a:cs typeface="Noto Sans" panose="020B0502040504020204" pitchFamily="34" charset="0"/>
+              </a:rPr>
+              <a:t>데이터베이스와 </a:t>
+            </a:r>
+            <a:r>
+              <a:rPr lang="en-US" altLang="ko-KR" sz="1600" dirty="0">
+                <a:solidFill>
+                  <a:schemeClr val="tx1"/>
+                </a:solidFill>
+                <a:latin typeface="Noto Sans" panose="020B0502040504020204" pitchFamily="34" charset="0"/>
+                <a:ea typeface="KoPubWorld돋움체 Medium" panose="00000600000000000000" pitchFamily="2" charset="-127"/>
+                <a:cs typeface="Noto Sans" panose="020B0502040504020204" pitchFamily="34" charset="0"/>
+              </a:rPr>
+              <a:t>LLM </a:t>
+            </a:r>
+            <a:r>
+              <a:rPr lang="ko-KR" altLang="en-US" sz="1600" dirty="0">
+                <a:solidFill>
+                  <a:schemeClr val="tx1"/>
+                </a:solidFill>
+                <a:latin typeface="Noto Sans" panose="020B0502040504020204" pitchFamily="34" charset="0"/>
+                <a:ea typeface="KoPubWorld돋움체 Medium" panose="00000600000000000000" pitchFamily="2" charset="-127"/>
+                <a:cs typeface="Noto Sans" panose="020B0502040504020204" pitchFamily="34" charset="0"/>
+              </a:rPr>
+              <a:t>지식을 통합하는 테이블 증강 생성 기술 </a:t>
+            </a:r>
+            <a:r>
+              <a:rPr lang="en-US" altLang="ko-KR" sz="1600" dirty="0">
+                <a:solidFill>
+                  <a:schemeClr val="tx1"/>
+                </a:solidFill>
+                <a:latin typeface="Noto Sans" panose="020B0502040504020204" pitchFamily="34" charset="0"/>
+                <a:ea typeface="KoPubWorld돋움체 Medium" panose="00000600000000000000" pitchFamily="2" charset="-127"/>
+                <a:cs typeface="Noto Sans" panose="020B0502040504020204" pitchFamily="34" charset="0"/>
+              </a:rPr>
+              <a:t>TAG </a:t>
+            </a:r>
+            <a:r>
+              <a:rPr lang="ko-KR" altLang="en-US" sz="1600" dirty="0">
+                <a:solidFill>
+                  <a:schemeClr val="tx1"/>
+                </a:solidFill>
+                <a:latin typeface="Noto Sans" panose="020B0502040504020204" pitchFamily="34" charset="0"/>
+                <a:ea typeface="KoPubWorld돋움체 Medium" panose="00000600000000000000" pitchFamily="2" charset="-127"/>
+                <a:cs typeface="Noto Sans" panose="020B0502040504020204" pitchFamily="34" charset="0"/>
+              </a:rPr>
+              <a:t>제안</a:t>
+            </a:r>
+            <a:endParaRPr lang="en-US" altLang="ko-KR" sz="1400" dirty="0">
+              <a:solidFill>
+                <a:schemeClr val="tx1"/>
+              </a:solidFill>
+              <a:latin typeface="Noto Sans" panose="020B0502040504020204" pitchFamily="34" charset="0"/>
+              <a:ea typeface="Noto Sans" panose="020B0502040504020204" pitchFamily="34" charset="0"/>
+              <a:cs typeface="Noto Sans" panose="020B0502040504020204" pitchFamily="34" charset="0"/>
+            </a:endParaRPr>
+          </a:p>
+        </p:txBody>
+      </p:sp>
+      <p:sp>
+        <p:nvSpPr>
+          <p:cNvPr id="15" name="TextBox 14">
+            <a:extLst>
+              <a:ext uri="{FF2B5EF4-FFF2-40B4-BE49-F238E27FC236}">
+                <a16:creationId xmlns:a16="http://schemas.microsoft.com/office/drawing/2014/main" id="{2B1CF22C-C2E9-5C36-F113-0192A454D0E5}"/>
+              </a:ext>
+            </a:extLst>
+          </p:cNvPr>
+          <p:cNvSpPr txBox="1"/>
+          <p:nvPr/>
+        </p:nvSpPr>
+        <p:spPr>
+          <a:xfrm>
+            <a:off x="728821" y="3740994"/>
+            <a:ext cx="6863940" cy="420628"/>
+          </a:xfrm>
+          <a:prstGeom prst="rect">
+            <a:avLst/>
+          </a:prstGeom>
+          <a:noFill/>
+        </p:spPr>
+        <p:txBody>
+          <a:bodyPr wrap="square" rtlCol="0">
+            <a:spAutoFit/>
+          </a:bodyPr>
+          <a:lstStyle/>
+          <a:p>
+            <a:pPr>
+              <a:lnSpc>
+                <a:spcPct val="150000"/>
+              </a:lnSpc>
+            </a:pPr>
+            <a:r>
+              <a:rPr lang="ko-KR" altLang="en-US" sz="1600" dirty="0">
+                <a:solidFill>
+                  <a:schemeClr val="tx1"/>
+                </a:solidFill>
+                <a:latin typeface="Noto Sans" panose="020B0502040504020204" pitchFamily="34" charset="0"/>
+                <a:ea typeface="KoPubWorld돋움체 Medium" panose="00000600000000000000" pitchFamily="2" charset="-127"/>
+                <a:cs typeface="Noto Sans" panose="020B0502040504020204" pitchFamily="34" charset="0"/>
+              </a:rPr>
+              <a:t>자연어 쿼리 번역 장치 및 그것의 제어 방법 </a:t>
+            </a:r>
+            <a:endParaRPr lang="en-US" altLang="ko-KR" sz="1400" dirty="0">
+              <a:solidFill>
+                <a:schemeClr val="tx1"/>
+              </a:solidFill>
+              <a:latin typeface="Noto Sans" panose="020B0502040504020204" pitchFamily="34" charset="0"/>
+              <a:ea typeface="Noto Sans" panose="020B0502040504020204" pitchFamily="34" charset="0"/>
+              <a:cs typeface="Noto Sans" panose="020B0502040504020204" pitchFamily="34" charset="0"/>
+            </a:endParaRPr>
+          </a:p>
+        </p:txBody>
+      </p:sp>
+      <p:sp>
+        <p:nvSpPr>
+          <p:cNvPr id="16" name="TextBox 15">
+            <a:extLst>
+              <a:ext uri="{FF2B5EF4-FFF2-40B4-BE49-F238E27FC236}">
+                <a16:creationId xmlns:a16="http://schemas.microsoft.com/office/drawing/2014/main" id="{92CBD4D3-166B-CB50-452C-3E30D46273B8}"/>
+              </a:ext>
+            </a:extLst>
+          </p:cNvPr>
+          <p:cNvSpPr txBox="1"/>
+          <p:nvPr/>
+        </p:nvSpPr>
+        <p:spPr>
+          <a:xfrm>
+            <a:off x="728821" y="4161622"/>
+            <a:ext cx="6978650" cy="215444"/>
+          </a:xfrm>
+          <a:prstGeom prst="rect">
+            <a:avLst/>
+          </a:prstGeom>
+          <a:noFill/>
+        </p:spPr>
+        <p:txBody>
+          <a:bodyPr wrap="square">
+            <a:spAutoFit/>
+          </a:bodyPr>
+          <a:lstStyle/>
+          <a:p>
+            <a:r>
+              <a:rPr lang="ko-KR" altLang="en-US" sz="800" i="1" dirty="0" err="1">
+                <a:ea typeface="KoPubWorld돋움체 Medium" panose="00000600000000000000"/>
+              </a:rPr>
+              <a:t>카카오엔터프라이즈</a:t>
+            </a:r>
+            <a:r>
+              <a:rPr lang="en-US" altLang="ko-KR" sz="800" i="1" dirty="0">
+                <a:ea typeface="KoPubWorld돋움체 Medium" panose="00000600000000000000"/>
+              </a:rPr>
+              <a:t>(2023.07.21 </a:t>
+            </a:r>
+            <a:r>
+              <a:rPr lang="ko-KR" altLang="en-US" sz="800" i="1" dirty="0">
+                <a:ea typeface="KoPubWorld돋움체 Medium" panose="00000600000000000000"/>
+              </a:rPr>
+              <a:t>출원 </a:t>
+            </a:r>
+            <a:r>
+              <a:rPr lang="en-US" altLang="ko-KR" sz="800" i="1" dirty="0">
+                <a:ea typeface="KoPubWorld돋움체 Medium" panose="00000600000000000000"/>
+              </a:rPr>
+              <a:t>2025.02.03 </a:t>
+            </a:r>
+            <a:r>
+              <a:rPr lang="ko-KR" altLang="en-US" sz="800" i="1" dirty="0">
+                <a:ea typeface="KoPubWorld돋움체 Medium" panose="00000600000000000000"/>
+              </a:rPr>
+              <a:t>등록</a:t>
+            </a:r>
+            <a:r>
+              <a:rPr lang="en-US" altLang="ko-KR" sz="800" i="1" dirty="0">
+                <a:ea typeface="KoPubWorld돋움체 Medium" panose="00000600000000000000"/>
+              </a:rPr>
+              <a:t>)</a:t>
+            </a:r>
+            <a:endParaRPr lang="ko-KR" altLang="en-US" sz="800" i="1" dirty="0">
+              <a:ea typeface="KoPubWorld돋움체 Medium" panose="00000600000000000000"/>
+            </a:endParaRPr>
+          </a:p>
+        </p:txBody>
+      </p:sp>
+      <p:sp>
+        <p:nvSpPr>
+          <p:cNvPr id="18" name="TextBox 17">
+            <a:extLst>
+              <a:ext uri="{FF2B5EF4-FFF2-40B4-BE49-F238E27FC236}">
+                <a16:creationId xmlns:a16="http://schemas.microsoft.com/office/drawing/2014/main" id="{83F6F999-8BFC-FCA3-086C-4F1F792AE594}"/>
+              </a:ext>
+            </a:extLst>
+          </p:cNvPr>
+          <p:cNvSpPr txBox="1"/>
+          <p:nvPr/>
+        </p:nvSpPr>
+        <p:spPr>
+          <a:xfrm>
+            <a:off x="728821" y="4424344"/>
+            <a:ext cx="6863940" cy="571951"/>
+          </a:xfrm>
+          <a:prstGeom prst="rect">
+            <a:avLst/>
+          </a:prstGeom>
+          <a:noFill/>
+        </p:spPr>
+        <p:txBody>
+          <a:bodyPr wrap="square" rtlCol="0">
+            <a:spAutoFit/>
+          </a:bodyPr>
+          <a:lstStyle/>
+          <a:p>
+            <a:pPr>
+              <a:lnSpc>
+                <a:spcPct val="150000"/>
+              </a:lnSpc>
+            </a:pPr>
+            <a:r>
+              <a:rPr lang="ko-KR" altLang="en-US" sz="1100" dirty="0">
+                <a:solidFill>
+                  <a:schemeClr val="tx1"/>
+                </a:solidFill>
+                <a:latin typeface="Noto Sans" panose="020B0502040504020204" pitchFamily="34" charset="0"/>
+                <a:ea typeface="KoPubWorld돋움체 Medium" panose="00000600000000000000" pitchFamily="2" charset="-127"/>
+                <a:cs typeface="Noto Sans" panose="020B0502040504020204" pitchFamily="34" charset="0"/>
+              </a:rPr>
+              <a:t>자연어 쿼리에 기초하여 데이터베이스를 분류하고</a:t>
+            </a:r>
+            <a:r>
+              <a:rPr lang="en-US" altLang="ko-KR" sz="1100" dirty="0">
+                <a:solidFill>
+                  <a:schemeClr val="tx1"/>
+                </a:solidFill>
+                <a:latin typeface="Noto Sans" panose="020B0502040504020204" pitchFamily="34" charset="0"/>
+                <a:ea typeface="KoPubWorld돋움체 Medium" panose="00000600000000000000" pitchFamily="2" charset="-127"/>
+                <a:cs typeface="Noto Sans" panose="020B0502040504020204" pitchFamily="34" charset="0"/>
+              </a:rPr>
+              <a:t>, LLM</a:t>
+            </a:r>
+            <a:r>
+              <a:rPr lang="ko-KR" altLang="en-US" sz="1100" dirty="0">
+                <a:solidFill>
+                  <a:schemeClr val="tx1"/>
+                </a:solidFill>
+                <a:latin typeface="Noto Sans" panose="020B0502040504020204" pitchFamily="34" charset="0"/>
+                <a:ea typeface="KoPubWorld돋움체 Medium" panose="00000600000000000000" pitchFamily="2" charset="-127"/>
+                <a:cs typeface="Noto Sans" panose="020B0502040504020204" pitchFamily="34" charset="0"/>
+              </a:rPr>
+              <a:t>을 이용하여 </a:t>
+            </a:r>
+            <a:r>
+              <a:rPr lang="ko-KR" altLang="en-US" sz="1100" dirty="0">
+                <a:latin typeface="Noto Sans" panose="020B0502040504020204" pitchFamily="34" charset="0"/>
+                <a:ea typeface="KoPubWorld돋움체 Medium" panose="00000600000000000000" pitchFamily="2" charset="-127"/>
+                <a:cs typeface="Noto Sans" panose="020B0502040504020204" pitchFamily="34" charset="0"/>
+              </a:rPr>
+              <a:t>자연어 쿼리를 데이터베이스에 대응하는 </a:t>
+            </a:r>
+            <a:r>
+              <a:rPr lang="en-US" altLang="ko-KR" sz="1100" dirty="0">
+                <a:latin typeface="Noto Sans" panose="020B0502040504020204" pitchFamily="34" charset="0"/>
+                <a:ea typeface="KoPubWorld돋움체 Medium" panose="00000600000000000000" pitchFamily="2" charset="-127"/>
+                <a:cs typeface="Noto Sans" panose="020B0502040504020204" pitchFamily="34" charset="0"/>
+              </a:rPr>
+              <a:t>SQL </a:t>
+            </a:r>
+            <a:r>
+              <a:rPr lang="ko-KR" altLang="en-US" sz="1100" dirty="0">
+                <a:latin typeface="Noto Sans" panose="020B0502040504020204" pitchFamily="34" charset="0"/>
+                <a:ea typeface="KoPubWorld돋움체 Medium" panose="00000600000000000000" pitchFamily="2" charset="-127"/>
+                <a:cs typeface="Noto Sans" panose="020B0502040504020204" pitchFamily="34" charset="0"/>
+              </a:rPr>
+              <a:t>쿼리로 변환하는 자연어 처리 기술</a:t>
+            </a:r>
+            <a:endParaRPr lang="en-US" altLang="ko-KR" sz="1100" dirty="0">
+              <a:solidFill>
+                <a:schemeClr val="tx1"/>
+              </a:solidFill>
+              <a:latin typeface="Noto Sans" panose="020B0502040504020204" pitchFamily="34" charset="0"/>
+              <a:ea typeface="Noto Sans" panose="020B0502040504020204" pitchFamily="34" charset="0"/>
+              <a:cs typeface="Noto Sans" panose="020B0502040504020204" pitchFamily="34" charset="0"/>
+            </a:endParaRPr>
+          </a:p>
+        </p:txBody>
+      </p:sp>
+      <p:sp>
+        <p:nvSpPr>
+          <p:cNvPr id="19" name="TextBox 18">
+            <a:extLst>
+              <a:ext uri="{FF2B5EF4-FFF2-40B4-BE49-F238E27FC236}">
+                <a16:creationId xmlns:a16="http://schemas.microsoft.com/office/drawing/2014/main" id="{B3CE5744-C1BA-3BBA-C1F2-427868650483}"/>
+              </a:ext>
+            </a:extLst>
+          </p:cNvPr>
+          <p:cNvSpPr txBox="1"/>
+          <p:nvPr/>
+        </p:nvSpPr>
+        <p:spPr>
+          <a:xfrm>
+            <a:off x="728821" y="1755517"/>
+            <a:ext cx="6863940" cy="571951"/>
+          </a:xfrm>
+          <a:prstGeom prst="rect">
+            <a:avLst/>
+          </a:prstGeom>
+          <a:noFill/>
+        </p:spPr>
+        <p:txBody>
+          <a:bodyPr wrap="square" rtlCol="0">
+            <a:spAutoFit/>
+          </a:bodyPr>
+          <a:lstStyle/>
+          <a:p>
+            <a:pPr>
+              <a:lnSpc>
+                <a:spcPct val="150000"/>
+              </a:lnSpc>
+            </a:pPr>
+            <a:r>
+              <a:rPr lang="ko-KR" altLang="en-US" sz="1100" dirty="0">
+                <a:solidFill>
+                  <a:schemeClr val="tx1"/>
+                </a:solidFill>
+                <a:latin typeface="Noto Sans" panose="020B0502040504020204" pitchFamily="34" charset="0"/>
+                <a:ea typeface="KoPubWorld돋움체 Medium" panose="00000600000000000000" pitchFamily="2" charset="-127"/>
+                <a:cs typeface="Noto Sans" panose="020B0502040504020204" pitchFamily="34" charset="0"/>
+              </a:rPr>
+              <a:t>자연어 쿼리에 기초하여 데이터베이스를 분류하고</a:t>
+            </a:r>
+            <a:r>
+              <a:rPr lang="en-US" altLang="ko-KR" sz="1100" dirty="0">
+                <a:solidFill>
+                  <a:schemeClr val="tx1"/>
+                </a:solidFill>
+                <a:latin typeface="Noto Sans" panose="020B0502040504020204" pitchFamily="34" charset="0"/>
+                <a:ea typeface="KoPubWorld돋움체 Medium" panose="00000600000000000000" pitchFamily="2" charset="-127"/>
+                <a:cs typeface="Noto Sans" panose="020B0502040504020204" pitchFamily="34" charset="0"/>
+              </a:rPr>
+              <a:t>, LLM</a:t>
+            </a:r>
+            <a:r>
+              <a:rPr lang="ko-KR" altLang="en-US" sz="1100" dirty="0">
+                <a:solidFill>
+                  <a:schemeClr val="tx1"/>
+                </a:solidFill>
+                <a:latin typeface="Noto Sans" panose="020B0502040504020204" pitchFamily="34" charset="0"/>
+                <a:ea typeface="KoPubWorld돋움체 Medium" panose="00000600000000000000" pitchFamily="2" charset="-127"/>
+                <a:cs typeface="Noto Sans" panose="020B0502040504020204" pitchFamily="34" charset="0"/>
+              </a:rPr>
+              <a:t>을 이용하여 </a:t>
+            </a:r>
+            <a:r>
+              <a:rPr lang="ko-KR" altLang="en-US" sz="1100" dirty="0">
+                <a:latin typeface="Noto Sans" panose="020B0502040504020204" pitchFamily="34" charset="0"/>
+                <a:ea typeface="KoPubWorld돋움체 Medium" panose="00000600000000000000" pitchFamily="2" charset="-127"/>
+                <a:cs typeface="Noto Sans" panose="020B0502040504020204" pitchFamily="34" charset="0"/>
+              </a:rPr>
+              <a:t>자연어 쿼리를 데이터베이스에 대응하는 </a:t>
+            </a:r>
+            <a:r>
+              <a:rPr lang="en-US" altLang="ko-KR" sz="1100" dirty="0">
+                <a:latin typeface="Noto Sans" panose="020B0502040504020204" pitchFamily="34" charset="0"/>
+                <a:ea typeface="KoPubWorld돋움체 Medium" panose="00000600000000000000" pitchFamily="2" charset="-127"/>
+                <a:cs typeface="Noto Sans" panose="020B0502040504020204" pitchFamily="34" charset="0"/>
+              </a:rPr>
+              <a:t>SQL </a:t>
+            </a:r>
+            <a:r>
+              <a:rPr lang="ko-KR" altLang="en-US" sz="1100" dirty="0">
+                <a:latin typeface="Noto Sans" panose="020B0502040504020204" pitchFamily="34" charset="0"/>
+                <a:ea typeface="KoPubWorld돋움체 Medium" panose="00000600000000000000" pitchFamily="2" charset="-127"/>
+                <a:cs typeface="Noto Sans" panose="020B0502040504020204" pitchFamily="34" charset="0"/>
+              </a:rPr>
+              <a:t>쿼리로 변환하는 자연어 처리 기술</a:t>
+            </a:r>
+            <a:endParaRPr lang="en-US" altLang="ko-KR" sz="1100" dirty="0">
+              <a:solidFill>
+                <a:schemeClr val="tx1"/>
+              </a:solidFill>
+              <a:latin typeface="Noto Sans" panose="020B0502040504020204" pitchFamily="34" charset="0"/>
+              <a:ea typeface="Noto Sans" panose="020B0502040504020204" pitchFamily="34" charset="0"/>
+              <a:cs typeface="Noto Sans" panose="020B0502040504020204" pitchFamily="34" charset="0"/>
+            </a:endParaRPr>
+          </a:p>
+        </p:txBody>
+      </p:sp>
+      <p:pic>
+        <p:nvPicPr>
+          <p:cNvPr id="21" name="그림 20">
+            <a:extLst>
+              <a:ext uri="{FF2B5EF4-FFF2-40B4-BE49-F238E27FC236}">
+                <a16:creationId xmlns:a16="http://schemas.microsoft.com/office/drawing/2014/main" id="{81D1384C-DFE2-E746-C386-C6D25677A684}"/>
+              </a:ext>
+            </a:extLst>
+          </p:cNvPr>
+          <p:cNvPicPr>
+            <a:picLocks noChangeAspect="1"/>
+          </p:cNvPicPr>
+          <p:nvPr/>
+        </p:nvPicPr>
+        <p:blipFill>
+          <a:blip r:embed="rId4">
+            <a:extLst>
+              <a:ext uri="{28A0092B-C50C-407E-A947-70E740481C1C}">
+                <a14:useLocalDpi xmlns:a14="http://schemas.microsoft.com/office/drawing/2010/main" val="0"/>
+              </a:ext>
+            </a:extLst>
+          </a:blip>
+          <a:stretch>
+            <a:fillRect/>
+          </a:stretch>
+        </p:blipFill>
+        <p:spPr>
+          <a:xfrm>
+            <a:off x="8085025" y="3443246"/>
+            <a:ext cx="2247924" cy="3287781"/>
+          </a:xfrm>
+          <a:prstGeom prst="rect">
+            <a:avLst/>
+          </a:prstGeom>
+        </p:spPr>
+      </p:pic>
+    </p:spTree>
+    <p:extLst>
+      <p:ext uri="{BB962C8B-B14F-4D97-AF65-F5344CB8AC3E}">
+        <p14:creationId xmlns:p14="http://schemas.microsoft.com/office/powerpoint/2010/main" val="2356517009"/>
+      </p:ext>
+    </p:extLst>
+  </p:cSld>
+  <p:clrMapOvr>
+    <a:masterClrMapping/>
+  </p:clrMapOvr>
+</p:sld>
+</file>
+
+<file path=ppt/slides/slide4.xml><?xml version="1.0" encoding="utf-8"?>
+<p:sld xmlns:a="http://schemas.openxmlformats.org/drawingml/2006/main" xmlns:r="http://schemas.openxmlformats.org/officeDocument/2006/relationships" xmlns:p="http://schemas.openxmlformats.org/presentationml/2006/main">
+  <p:cSld>
+    <p:spTree>
+      <p:nvGrpSpPr>
         <p:cNvPr id="1" name=""/>
         <p:cNvGrpSpPr/>
         <p:nvPr/>
@@ -8611,7 +12575,7 @@
         <p:spPr>
           <a:xfrm>
             <a:off x="1417241" y="2296592"/>
-            <a:ext cx="4957181" cy="230832"/>
+            <a:ext cx="4957181" cy="369332"/>
           </a:xfrm>
           <a:prstGeom prst="rect">
             <a:avLst/>
@@ -8631,7 +12595,15 @@
                 <a:ea typeface="Noto Sans" panose="020B0502040504020204" pitchFamily="34" charset="0"/>
                 <a:cs typeface="Noto Sans" panose="020B0502040504020204" pitchFamily="34" charset="0"/>
               </a:rPr>
-              <a:t>＂</a:t>
+              <a:t>“ITEM_TB</a:t>
+            </a:r>
+            <a:r>
+              <a:rPr lang="ko-KR" altLang="en-US" sz="900" dirty="0">
+                <a:latin typeface="Noto Sans" panose="020B0502040504020204" pitchFamily="34" charset="0"/>
+                <a:ea typeface="Noto Sans" panose="020B0502040504020204" pitchFamily="34" charset="0"/>
+                <a:cs typeface="Noto Sans" panose="020B0502040504020204" pitchFamily="34" charset="0"/>
+              </a:rPr>
+              <a:t>에서 </a:t>
             </a:r>
             <a:r>
               <a:rPr lang="ko-KR" altLang="en-US" sz="900" b="1" dirty="0">
@@ -8741,9 +12713,25 @@
             <a:r>
               <a:rPr lang="ko-KR" altLang="en-US" sz="900" dirty="0">
                 <a:latin typeface="Noto Sans" panose="020B0502040504020204" pitchFamily="34" charset="0"/>
-                <a:cs typeface="Noto Sans" panose="020B0502040504020204" pitchFamily="34" charset="0"/>
-              </a:rPr>
-              <a:t>음</a:t>
+                <a:ea typeface="Noto Sans" panose="020B0502040504020204" pitchFamily="34" charset="0"/>
+                <a:cs typeface="Noto Sans" panose="020B0502040504020204" pitchFamily="34" charset="0"/>
+              </a:rPr>
+              <a:t>화학약품에 </a:t>
+            </a:r>
+            <a:r>
+              <a:rPr lang="ko-KR" altLang="en-US" sz="900" dirty="0" err="1">
+                <a:latin typeface="Noto Sans" panose="020B0502040504020204" pitchFamily="34" charset="0"/>
+                <a:ea typeface="Noto Sans" panose="020B0502040504020204" pitchFamily="34" charset="0"/>
+                <a:cs typeface="Noto Sans" panose="020B0502040504020204" pitchFamily="34" charset="0"/>
+              </a:rPr>
+              <a:t>번호매긴거</a:t>
+            </a:r>
+            <a:r>
+              <a:rPr lang="ko-KR" altLang="en-US" sz="900" dirty="0">
+                <a:latin typeface="Noto Sans" panose="020B0502040504020204" pitchFamily="34" charset="0"/>
+                <a:cs typeface="Noto Sans" panose="020B0502040504020204" pitchFamily="34" charset="0"/>
+              </a:rPr>
+              <a:t> 있잖아</a:t>
             </a:r>
             <a:r>
               <a:rPr lang="en-US" altLang="ko-KR" sz="900" dirty="0">
@@ -8751,6 +12739,44 @@
                 <a:ea typeface="Noto Sans" panose="020B0502040504020204" pitchFamily="34" charset="0"/>
                 <a:cs typeface="Noto Sans" panose="020B0502040504020204" pitchFamily="34" charset="0"/>
               </a:rPr>
+              <a:t>? </a:t>
+            </a:r>
+            <a:r>
+              <a:rPr lang="ko-KR" altLang="en-US" sz="900" dirty="0">
+                <a:latin typeface="Noto Sans" panose="020B0502040504020204" pitchFamily="34" charset="0"/>
+                <a:ea typeface="Noto Sans" panose="020B0502040504020204" pitchFamily="34" charset="0"/>
+                <a:cs typeface="Noto Sans" panose="020B0502040504020204" pitchFamily="34" charset="0"/>
+              </a:rPr>
+              <a:t>거기</a:t>
+            </a:r>
+            <a:r>
+              <a:rPr lang="ko-KR" altLang="en-US" sz="900" dirty="0">
+                <a:latin typeface="Noto Sans" panose="020B0502040504020204" pitchFamily="34" charset="0"/>
+                <a:cs typeface="Noto Sans" panose="020B0502040504020204" pitchFamily="34" charset="0"/>
+              </a:rPr>
+              <a:t>에 </a:t>
+            </a:r>
+            <a:r>
+              <a:rPr lang="en-US" altLang="ko-KR" sz="900" dirty="0">
+                <a:latin typeface="Noto Sans" panose="020B0502040504020204" pitchFamily="34" charset="0"/>
+                <a:ea typeface="Noto Sans" panose="020B0502040504020204" pitchFamily="34" charset="0"/>
+                <a:cs typeface="Noto Sans" panose="020B0502040504020204" pitchFamily="34" charset="0"/>
+              </a:rPr>
+              <a:t>71</a:t>
+            </a:r>
+            <a:r>
+              <a:rPr lang="ko-KR" altLang="en-US" sz="900" dirty="0">
+                <a:latin typeface="Noto Sans" panose="020B0502040504020204" pitchFamily="34" charset="0"/>
+                <a:cs typeface="Noto Sans" panose="020B0502040504020204" pitchFamily="34" charset="0"/>
+              </a:rPr>
+              <a:t>이 들어가는 리스트를 뽑고 싶은데</a:t>
+            </a:r>
+            <a:r>
+              <a:rPr lang="en-US" altLang="ko-KR" sz="900" dirty="0">
+                <a:latin typeface="Noto Sans" panose="020B0502040504020204" pitchFamily="34" charset="0"/>
+                <a:ea typeface="Noto Sans" panose="020B0502040504020204" pitchFamily="34" charset="0"/>
+                <a:cs typeface="Noto Sans" panose="020B0502040504020204" pitchFamily="34" charset="0"/>
+              </a:rPr>
               <a:t>, </a:t>
             </a:r>
             <a:r>
@@ -8759,98 +12785,22 @@
                 <a:ea typeface="Noto Sans" panose="020B0502040504020204" pitchFamily="34" charset="0"/>
                 <a:cs typeface="Noto Sans" panose="020B0502040504020204" pitchFamily="34" charset="0"/>
               </a:rPr>
-              <a:t>그 화학약품에 </a:t>
-            </a:r>
-            <a:r>
-              <a:rPr lang="ko-KR" altLang="en-US" sz="900" dirty="0" err="1">
+              <a:t>등록일</a:t>
+            </a:r>
+            <a:r>
+              <a:rPr lang="ko-KR" altLang="en-US" sz="900" dirty="0">
+                <a:latin typeface="Noto Sans" panose="020B0502040504020204" pitchFamily="34" charset="0"/>
+                <a:cs typeface="Noto Sans" panose="020B0502040504020204" pitchFamily="34" charset="0"/>
+              </a:rPr>
+              <a:t> 기준 빠른 날짜부터 차곡차곡 정렬하는 거 가능할까</a:t>
+            </a:r>
+            <a:r>
+              <a:rPr lang="en-US" altLang="ko-KR" sz="900" dirty="0">
                 <a:latin typeface="Noto Sans" panose="020B0502040504020204" pitchFamily="34" charset="0"/>
                 <a:ea typeface="Noto Sans" panose="020B0502040504020204" pitchFamily="34" charset="0"/>
                 <a:cs typeface="Noto Sans" panose="020B0502040504020204" pitchFamily="34" charset="0"/>
               </a:rPr>
-              <a:t>번호매긴거</a:t>
-            </a:r>
-            <a:r>
-              <a:rPr lang="ko-KR" altLang="en-US" sz="900" dirty="0">
-                <a:latin typeface="Noto Sans" panose="020B0502040504020204" pitchFamily="34" charset="0"/>
-                <a:cs typeface="Noto Sans" panose="020B0502040504020204" pitchFamily="34" charset="0"/>
-              </a:rPr>
-              <a:t> 있잖아</a:t>
-            </a:r>
-            <a:r>
-              <a:rPr lang="en-US" altLang="ko-KR" sz="900" dirty="0">
-                <a:latin typeface="Noto Sans" panose="020B0502040504020204" pitchFamily="34" charset="0"/>
-                <a:ea typeface="Noto Sans" panose="020B0502040504020204" pitchFamily="34" charset="0"/>
-                <a:cs typeface="Noto Sans" panose="020B0502040504020204" pitchFamily="34" charset="0"/>
-              </a:rPr>
-              <a:t>? </a:t>
-            </a:r>
-            <a:r>
-              <a:rPr lang="ko-KR" altLang="en-US" sz="900" dirty="0">
-                <a:latin typeface="Noto Sans" panose="020B0502040504020204" pitchFamily="34" charset="0"/>
-                <a:ea typeface="Noto Sans" panose="020B0502040504020204" pitchFamily="34" charset="0"/>
-                <a:cs typeface="Noto Sans" panose="020B0502040504020204" pitchFamily="34" charset="0"/>
-              </a:rPr>
-              <a:t>거기</a:t>
-            </a:r>
-            <a:r>
-              <a:rPr lang="ko-KR" altLang="en-US" sz="900" dirty="0">
-                <a:latin typeface="Noto Sans" panose="020B0502040504020204" pitchFamily="34" charset="0"/>
-                <a:cs typeface="Noto Sans" panose="020B0502040504020204" pitchFamily="34" charset="0"/>
-              </a:rPr>
-              <a:t>에 </a:t>
-            </a:r>
-            <a:r>
-              <a:rPr lang="en-US" altLang="ko-KR" sz="900" dirty="0">
-                <a:latin typeface="Noto Sans" panose="020B0502040504020204" pitchFamily="34" charset="0"/>
-                <a:ea typeface="Noto Sans" panose="020B0502040504020204" pitchFamily="34" charset="0"/>
-                <a:cs typeface="Noto Sans" panose="020B0502040504020204" pitchFamily="34" charset="0"/>
-              </a:rPr>
-              <a:t>71</a:t>
-            </a:r>
-            <a:r>
-              <a:rPr lang="ko-KR" altLang="en-US" sz="900" dirty="0">
-                <a:latin typeface="Noto Sans" panose="020B0502040504020204" pitchFamily="34" charset="0"/>
-                <a:cs typeface="Noto Sans" panose="020B0502040504020204" pitchFamily="34" charset="0"/>
-              </a:rPr>
-              <a:t>이 들어가는 리스트를 뽑고 싶은데</a:t>
-            </a:r>
-            <a:r>
-              <a:rPr lang="en-US" altLang="ko-KR" sz="900" dirty="0">
-                <a:latin typeface="Noto Sans" panose="020B0502040504020204" pitchFamily="34" charset="0"/>
-                <a:ea typeface="Noto Sans" panose="020B0502040504020204" pitchFamily="34" charset="0"/>
-                <a:cs typeface="Noto Sans" panose="020B0502040504020204" pitchFamily="34" charset="0"/>
-              </a:rPr>
-              <a:t>, </a:t>
-            </a:r>
-            <a:r>
-              <a:rPr lang="ko-KR" altLang="en-US" sz="900" dirty="0">
-                <a:latin typeface="Noto Sans" panose="020B0502040504020204" pitchFamily="34" charset="0"/>
-                <a:cs typeface="Noto Sans" panose="020B0502040504020204" pitchFamily="34" charset="0"/>
-              </a:rPr>
-              <a:t>개정일 기준으로 정렬하는 거 가능할까</a:t>
-            </a:r>
-            <a:r>
-              <a:rPr lang="en-US" altLang="ko-KR" sz="900" dirty="0">
-                <a:latin typeface="Noto Sans" panose="020B0502040504020204" pitchFamily="34" charset="0"/>
-                <a:ea typeface="Noto Sans" panose="020B0502040504020204" pitchFamily="34" charset="0"/>
-                <a:cs typeface="Noto Sans" panose="020B0502040504020204" pitchFamily="34" charset="0"/>
-              </a:rPr>
-              <a:t>? </a:t>
-            </a:r>
-            <a:r>
-              <a:rPr lang="ko-KR" altLang="en-US" sz="900" dirty="0">
-                <a:latin typeface="Noto Sans" panose="020B0502040504020204" pitchFamily="34" charset="0"/>
-                <a:cs typeface="Noto Sans" panose="020B0502040504020204" pitchFamily="34" charset="0"/>
-              </a:rPr>
-              <a:t>빠른 날짜부터 차곡차곡</a:t>
-            </a:r>
-            <a:r>
-              <a:rPr lang="en-US" altLang="ko-KR" sz="900" dirty="0">
-                <a:latin typeface="Noto Sans" panose="020B0502040504020204" pitchFamily="34" charset="0"/>
-                <a:ea typeface="Noto Sans" panose="020B0502040504020204" pitchFamily="34" charset="0"/>
-                <a:cs typeface="Noto Sans" panose="020B0502040504020204" pitchFamily="34" charset="0"/>
-              </a:rPr>
-              <a:t>."</a:t>
+              <a:t>?"</a:t>
             </a:r>
             <a:endParaRPr lang="ko-KR" altLang="en-US" sz="900" dirty="0">
               <a:latin typeface="Noto Sans" panose="020B0502040504020204" pitchFamily="34" charset="0"/>
@@ -9096,7 +13046,7 @@
                 <a:ea typeface="Noto Sans" panose="020B0502040504020204" pitchFamily="34" charset="0"/>
                 <a:cs typeface="Noto Sans" panose="020B0502040504020204" pitchFamily="34" charset="0"/>
               </a:rPr>
-              <a:t>SELECT * FROM database</a:t>
+              <a:t>SELECT * FROM ITEM_TB</a:t>
             </a:r>
             <a:r>
               <a:rPr lang="ko-KR" altLang="en-US" sz="900" dirty="0">
@@ -10336,571 +14286,6 @@
 </p:sld>
 </file>
 
-<file path=ppt/slides/slide4.xml><?xml version="1.0" encoding="utf-8"?>
-<p:sld xmlns:a="http://schemas.openxmlformats.org/drawingml/2006/main" xmlns:r="http://schemas.openxmlformats.org/officeDocument/2006/relationships" xmlns:p="http://schemas.openxmlformats.org/presentationml/2006/main">
-  <p:cSld>
-    <p:spTree>
-      <p:nvGrpSpPr>
-        <p:cNvPr id="1" name=""/>
-        <p:cNvGrpSpPr/>
-        <p:nvPr/>
-      </p:nvGrpSpPr>
-      <p:grpSpPr>
-        <a:xfrm>
-          <a:off x="0" y="0"/>
-          <a:ext cx="0" cy="0"/>
-          <a:chOff x="0" y="0"/>
-          <a:chExt cx="0" cy="0"/>
-        </a:xfrm>
-      </p:grpSpPr>
-      <p:sp>
-        <p:nvSpPr>
-          <p:cNvPr id="9" name="직사각형 8">
-            <a:extLst>
-              <a:ext uri="{FF2B5EF4-FFF2-40B4-BE49-F238E27FC236}">
-                <a16:creationId xmlns:a16="http://schemas.microsoft.com/office/drawing/2014/main" id="{D3DA6952-949D-48DF-A077-5A0DA7D77176}"/>
-              </a:ext>
-            </a:extLst>
-          </p:cNvPr>
-          <p:cNvSpPr/>
-          <p:nvPr/>
-        </p:nvSpPr>
-        <p:spPr>
-          <a:xfrm>
-            <a:off x="2670067" y="2460825"/>
-            <a:ext cx="4159357" cy="493070"/>
-          </a:xfrm>
-          <a:prstGeom prst="rect">
-            <a:avLst/>
-          </a:prstGeom>
-          <a:solidFill>
-            <a:srgbClr val="FFFF00"/>
-          </a:solidFill>
-          <a:ln>
-            <a:noFill/>
-          </a:ln>
-        </p:spPr>
-        <p:style>
-          <a:lnRef idx="2">
-            <a:schemeClr val="accent1">
-              <a:shade val="50000"/>
-            </a:schemeClr>
-          </a:lnRef>
-          <a:fillRef idx="1">
-            <a:schemeClr val="accent1"/>
-          </a:fillRef>
-          <a:effectRef idx="0">
-            <a:schemeClr val="accent1"/>
-          </a:effectRef>
-          <a:fontRef idx="minor">
-            <a:schemeClr val="lt1"/>
-          </a:fontRef>
-        </p:style>
-        <p:txBody>
-          <a:bodyPr rtlCol="0" anchor="ctr"/>
-          <a:lstStyle/>
-          <a:p>
-            <a:pPr algn="ctr"/>
-            <a:endParaRPr lang="ko-KR" altLang="en-US">
-              <a:latin typeface="Noto Sans" panose="020B0502040504020204" pitchFamily="34" charset="0"/>
-              <a:cs typeface="Noto Sans" panose="020B0502040504020204" pitchFamily="34" charset="0"/>
-            </a:endParaRPr>
-          </a:p>
-        </p:txBody>
-      </p:sp>
-      <p:sp>
-        <p:nvSpPr>
-          <p:cNvPr id="8" name="직사각형 7">
-            <a:extLst>
-              <a:ext uri="{FF2B5EF4-FFF2-40B4-BE49-F238E27FC236}">
-                <a16:creationId xmlns:a16="http://schemas.microsoft.com/office/drawing/2014/main" id="{6F7FC9EB-C216-43C2-A2A1-7432487BBC31}"/>
-              </a:ext>
-            </a:extLst>
-          </p:cNvPr>
-          <p:cNvSpPr/>
-          <p:nvPr/>
-        </p:nvSpPr>
-        <p:spPr>
-          <a:xfrm>
-            <a:off x="5320982" y="1820323"/>
-            <a:ext cx="3397326" cy="493070"/>
-          </a:xfrm>
-          <a:prstGeom prst="rect">
-            <a:avLst/>
-          </a:prstGeom>
-          <a:solidFill>
-            <a:srgbClr val="FFFF00"/>
-          </a:solidFill>
-          <a:ln>
-            <a:noFill/>
-          </a:ln>
-        </p:spPr>
-        <p:style>
-          <a:lnRef idx="2">
-            <a:schemeClr val="accent1">
-              <a:shade val="50000"/>
-            </a:schemeClr>
-          </a:lnRef>
-          <a:fillRef idx="1">
-            <a:schemeClr val="accent1"/>
-          </a:fillRef>
-          <a:effectRef idx="0">
-            <a:schemeClr val="accent1"/>
-          </a:effectRef>
-          <a:fontRef idx="minor">
-            <a:schemeClr val="lt1"/>
-          </a:fontRef>
-        </p:style>
-        <p:txBody>
-          <a:bodyPr rtlCol="0" anchor="ctr"/>
-          <a:lstStyle/>
-          <a:p>
-            <a:pPr algn="ctr"/>
-            <a:endParaRPr lang="ko-KR" altLang="en-US">
-              <a:latin typeface="Noto Sans" panose="020B0502040504020204" pitchFamily="34" charset="0"/>
-              <a:cs typeface="Noto Sans" panose="020B0502040504020204" pitchFamily="34" charset="0"/>
-            </a:endParaRPr>
-          </a:p>
-        </p:txBody>
-      </p:sp>
-      <p:sp>
-        <p:nvSpPr>
-          <p:cNvPr id="7" name="TextBox 6">
-            <a:extLst>
-              <a:ext uri="{FF2B5EF4-FFF2-40B4-BE49-F238E27FC236}">
-                <a16:creationId xmlns:a16="http://schemas.microsoft.com/office/drawing/2014/main" id="{EAD81958-EA21-43DB-8E66-3F0BC85E2F32}"/>
-              </a:ext>
-            </a:extLst>
-          </p:cNvPr>
-          <p:cNvSpPr txBox="1"/>
-          <p:nvPr/>
-        </p:nvSpPr>
-        <p:spPr>
-          <a:xfrm>
-            <a:off x="70338" y="87923"/>
-            <a:ext cx="2609255" cy="461665"/>
-          </a:xfrm>
-          <a:prstGeom prst="rect">
-            <a:avLst/>
-          </a:prstGeom>
-          <a:noFill/>
-        </p:spPr>
-        <p:txBody>
-          <a:bodyPr wrap="square" rtlCol="0">
-            <a:spAutoFit/>
-          </a:bodyPr>
-          <a:lstStyle/>
-          <a:p>
-            <a:r>
-              <a:rPr lang="ko-KR" altLang="en-US" sz="2400" b="1" dirty="0">
-                <a:latin typeface="Noto Sans" panose="020B0502040504020204" pitchFamily="34" charset="0"/>
-                <a:ea typeface="KoPubWorld돋움체 Medium" panose="00000600000000000000" pitchFamily="2" charset="-127"/>
-                <a:cs typeface="Noto Sans" panose="020B0502040504020204" pitchFamily="34" charset="0"/>
-              </a:rPr>
-              <a:t>발명 제안</a:t>
-            </a:r>
-          </a:p>
-        </p:txBody>
-      </p:sp>
-      <p:sp>
-        <p:nvSpPr>
-          <p:cNvPr id="5" name="TextBox 4">
-            <a:extLst>
-              <a:ext uri="{FF2B5EF4-FFF2-40B4-BE49-F238E27FC236}">
-                <a16:creationId xmlns:a16="http://schemas.microsoft.com/office/drawing/2014/main" id="{2553C700-CEBF-4F8D-A5D4-F420406A579D}"/>
-              </a:ext>
-            </a:extLst>
-          </p:cNvPr>
-          <p:cNvSpPr txBox="1"/>
-          <p:nvPr/>
-        </p:nvSpPr>
-        <p:spPr>
-          <a:xfrm>
-            <a:off x="935975" y="1683940"/>
-            <a:ext cx="10115956" cy="1331134"/>
-          </a:xfrm>
-          <a:prstGeom prst="rect">
-            <a:avLst/>
-          </a:prstGeom>
-          <a:noFill/>
-        </p:spPr>
-        <p:txBody>
-          <a:bodyPr wrap="square" rtlCol="0">
-            <a:spAutoFit/>
-          </a:bodyPr>
-          <a:lstStyle/>
-          <a:p>
-            <a:pPr algn="ctr">
-              <a:lnSpc>
-                <a:spcPct val="150000"/>
-              </a:lnSpc>
-            </a:pPr>
-            <a:r>
-              <a:rPr lang="ko-KR" altLang="en-US" sz="2800" b="1" dirty="0">
-                <a:latin typeface="Noto Sans" panose="020B0502040504020204" pitchFamily="34" charset="0"/>
-                <a:ea typeface="KoPubWorld돋움체 Medium" panose="00000600000000000000" pitchFamily="2" charset="-127"/>
-                <a:cs typeface="Noto Sans" panose="020B0502040504020204" pitchFamily="34" charset="0"/>
-              </a:rPr>
-              <a:t>비표준 질의문장을 </a:t>
-            </a:r>
-            <a:r>
-              <a:rPr lang="ko-KR" altLang="en-US" sz="2800" b="1" dirty="0">
-                <a:highlight>
-                  <a:srgbClr val="FFFF00"/>
-                </a:highlight>
-                <a:latin typeface="Noto Sans" panose="020B0502040504020204" pitchFamily="34" charset="0"/>
-                <a:ea typeface="KoPubWorld돋움체 Medium" panose="00000600000000000000" pitchFamily="2" charset="-127"/>
-                <a:cs typeface="Noto Sans" panose="020B0502040504020204" pitchFamily="34" charset="0"/>
-              </a:rPr>
-              <a:t>표준 질의문장으로 변환</a:t>
-            </a:r>
-            <a:r>
-              <a:rPr lang="ko-KR" altLang="en-US" sz="2800" b="1" dirty="0">
-                <a:latin typeface="Noto Sans" panose="020B0502040504020204" pitchFamily="34" charset="0"/>
-                <a:ea typeface="KoPubWorld돋움체 Medium" panose="00000600000000000000" pitchFamily="2" charset="-127"/>
-                <a:cs typeface="Noto Sans" panose="020B0502040504020204" pitchFamily="34" charset="0"/>
-              </a:rPr>
-              <a:t>하여</a:t>
-            </a:r>
-            <a:br>
-              <a:rPr lang="ko-KR" altLang="en-US" sz="2800" b="1" dirty="0">
-                <a:latin typeface="Noto Sans" panose="020B0502040504020204" pitchFamily="34" charset="0"/>
-                <a:ea typeface="KoPubWorld돋움체 Medium" panose="00000600000000000000" pitchFamily="2" charset="-127"/>
-                <a:cs typeface="Noto Sans" panose="020B0502040504020204" pitchFamily="34" charset="0"/>
-              </a:rPr>
-            </a:br>
-            <a:r>
-              <a:rPr lang="ko-KR" altLang="en-US" sz="2800" b="1" dirty="0">
-                <a:highlight>
-                  <a:srgbClr val="FFFF00"/>
-                </a:highlight>
-                <a:latin typeface="Noto Sans" panose="020B0502040504020204" pitchFamily="34" charset="0"/>
-                <a:ea typeface="KoPubWorld돋움체 Medium" panose="00000600000000000000" pitchFamily="2" charset="-127"/>
-                <a:cs typeface="Noto Sans" panose="020B0502040504020204" pitchFamily="34" charset="0"/>
-              </a:rPr>
-              <a:t>정확한</a:t>
-            </a:r>
-            <a:r>
-              <a:rPr lang="ko-KR" altLang="en-US" sz="2800" b="1" dirty="0">
-                <a:latin typeface="Noto Sans" panose="020B0502040504020204" pitchFamily="34" charset="0"/>
-                <a:ea typeface="KoPubWorld돋움체 Medium" panose="00000600000000000000" pitchFamily="2" charset="-127"/>
-                <a:cs typeface="Noto Sans" panose="020B0502040504020204" pitchFamily="34" charset="0"/>
-              </a:rPr>
-              <a:t> </a:t>
-            </a:r>
-            <a:r>
-              <a:rPr lang="en-US" altLang="ko-KR" sz="2800" b="1" dirty="0">
-                <a:latin typeface="Noto Sans" panose="020B0502040504020204" pitchFamily="34" charset="0"/>
-                <a:ea typeface="Noto Sans" panose="020B0502040504020204" pitchFamily="34" charset="0"/>
-                <a:cs typeface="Noto Sans" panose="020B0502040504020204" pitchFamily="34" charset="0"/>
-              </a:rPr>
-              <a:t>SQL </a:t>
-            </a:r>
-            <a:r>
-              <a:rPr lang="ko-KR" altLang="en-US" sz="2800" b="1" dirty="0">
-                <a:latin typeface="Noto Sans" panose="020B0502040504020204" pitchFamily="34" charset="0"/>
-                <a:ea typeface="KoPubWorld돋움체 Medium" panose="00000600000000000000" pitchFamily="2" charset="-127"/>
-                <a:cs typeface="Noto Sans" panose="020B0502040504020204" pitchFamily="34" charset="0"/>
-              </a:rPr>
-              <a:t>쿼리를 자동 생성하는 방법 및 장치</a:t>
-            </a:r>
-          </a:p>
-        </p:txBody>
-      </p:sp>
-      <p:sp>
-        <p:nvSpPr>
-          <p:cNvPr id="6" name="TextBox 5">
-            <a:extLst>
-              <a:ext uri="{FF2B5EF4-FFF2-40B4-BE49-F238E27FC236}">
-                <a16:creationId xmlns:a16="http://schemas.microsoft.com/office/drawing/2014/main" id="{1ED0C12D-8A33-43ED-AE19-1C486EBF0921}"/>
-              </a:ext>
-            </a:extLst>
-          </p:cNvPr>
-          <p:cNvSpPr txBox="1"/>
-          <p:nvPr/>
-        </p:nvSpPr>
-        <p:spPr>
-          <a:xfrm>
-            <a:off x="1762125" y="4139965"/>
-            <a:ext cx="9903803" cy="1304203"/>
-          </a:xfrm>
-          <a:prstGeom prst="rect">
-            <a:avLst/>
-          </a:prstGeom>
-          <a:noFill/>
-        </p:spPr>
-        <p:txBody>
-          <a:bodyPr wrap="square">
-            <a:spAutoFit/>
-          </a:bodyPr>
-          <a:lstStyle/>
-          <a:p>
-            <a:pPr algn="ctr">
-              <a:lnSpc>
-                <a:spcPct val="150000"/>
-              </a:lnSpc>
-            </a:pPr>
-            <a:r>
-              <a:rPr lang="en-US" altLang="ko-KR" dirty="0">
-                <a:solidFill>
-                  <a:srgbClr val="FF0000"/>
-                </a:solidFill>
-                <a:latin typeface="Noto Sans" panose="020B0502040504020204" pitchFamily="34" charset="0"/>
-                <a:ea typeface="Noto Sans" panose="020B0502040504020204" pitchFamily="34" charset="0"/>
-                <a:cs typeface="Noto Sans" panose="020B0502040504020204" pitchFamily="34" charset="0"/>
-              </a:rPr>
-              <a:t>LLM</a:t>
-            </a:r>
-            <a:r>
-              <a:rPr lang="ko-KR" altLang="en-US" dirty="0">
-                <a:solidFill>
-                  <a:srgbClr val="FF0000"/>
-                </a:solidFill>
-                <a:latin typeface="Noto Sans" panose="020B0502040504020204" pitchFamily="34" charset="0"/>
-                <a:ea typeface="KoPubWorld돋움체 Medium" panose="00000600000000000000" pitchFamily="2" charset="-127"/>
-                <a:cs typeface="Noto Sans" panose="020B0502040504020204" pitchFamily="34" charset="0"/>
-              </a:rPr>
-              <a:t>을 통해 비표준 질의문장을 생성</a:t>
-            </a:r>
-            <a:r>
-              <a:rPr lang="ko-KR" altLang="en-US" dirty="0">
-                <a:latin typeface="Noto Sans" panose="020B0502040504020204" pitchFamily="34" charset="0"/>
-                <a:ea typeface="KoPubWorld돋움체 Medium" panose="00000600000000000000" pitchFamily="2" charset="-127"/>
-                <a:cs typeface="Noto Sans" panose="020B0502040504020204" pitchFamily="34" charset="0"/>
-              </a:rPr>
-              <a:t>하고 이를 학습한 </a:t>
-            </a:r>
-            <a:r>
-              <a:rPr lang="ko-KR" altLang="en-US" dirty="0">
-                <a:solidFill>
-                  <a:srgbClr val="FF0000"/>
-                </a:solidFill>
-                <a:latin typeface="Noto Sans" panose="020B0502040504020204" pitchFamily="34" charset="0"/>
-                <a:ea typeface="KoPubWorld돋움체 Medium" panose="00000600000000000000" pitchFamily="2" charset="-127"/>
-                <a:cs typeface="Noto Sans" panose="020B0502040504020204" pitchFamily="34" charset="0"/>
-              </a:rPr>
-              <a:t>문장정제기</a:t>
-            </a:r>
-            <a:r>
-              <a:rPr lang="ko-KR" altLang="en-US" dirty="0">
-                <a:latin typeface="Noto Sans" panose="020B0502040504020204" pitchFamily="34" charset="0"/>
-                <a:ea typeface="KoPubWorld돋움체 Medium" panose="00000600000000000000" pitchFamily="2" charset="-127"/>
-                <a:cs typeface="Noto Sans" panose="020B0502040504020204" pitchFamily="34" charset="0"/>
-              </a:rPr>
-              <a:t>를 통해 일반 사용자의 </a:t>
-            </a:r>
-            <a:br>
-              <a:rPr lang="en-US" altLang="ko-KR" dirty="0">
-                <a:latin typeface="Noto Sans" panose="020B0502040504020204" pitchFamily="34" charset="0"/>
-                <a:ea typeface="Noto Sans" panose="020B0502040504020204" pitchFamily="34" charset="0"/>
-                <a:cs typeface="Noto Sans" panose="020B0502040504020204" pitchFamily="34" charset="0"/>
-              </a:rPr>
-            </a:br>
-            <a:r>
-              <a:rPr lang="ko-KR" altLang="en-US" dirty="0">
-                <a:solidFill>
-                  <a:srgbClr val="FF0000"/>
-                </a:solidFill>
-                <a:latin typeface="Noto Sans" panose="020B0502040504020204" pitchFamily="34" charset="0"/>
-                <a:ea typeface="KoPubWorld돋움체 Medium" panose="00000600000000000000" pitchFamily="2" charset="-127"/>
-                <a:cs typeface="Noto Sans" panose="020B0502040504020204" pitchFamily="34" charset="0"/>
-              </a:rPr>
-              <a:t>자연어 질의를 표준 질의문장으로 변환</a:t>
-            </a:r>
-            <a:r>
-              <a:rPr lang="ko-KR" altLang="en-US" dirty="0">
-                <a:latin typeface="Noto Sans" panose="020B0502040504020204" pitchFamily="34" charset="0"/>
-                <a:ea typeface="KoPubWorld돋움체 Medium" panose="00000600000000000000" pitchFamily="2" charset="-127"/>
-                <a:cs typeface="Noto Sans" panose="020B0502040504020204" pitchFamily="34" charset="0"/>
-              </a:rPr>
-              <a:t>하고</a:t>
-            </a:r>
-            <a:r>
-              <a:rPr lang="en-US" altLang="ko-KR" dirty="0">
-                <a:latin typeface="Noto Sans" panose="020B0502040504020204" pitchFamily="34" charset="0"/>
-                <a:ea typeface="Noto Sans" panose="020B0502040504020204" pitchFamily="34" charset="0"/>
-                <a:cs typeface="Noto Sans" panose="020B0502040504020204" pitchFamily="34" charset="0"/>
-              </a:rPr>
-              <a:t>, </a:t>
-            </a:r>
-            <a:r>
-              <a:rPr lang="ko-KR" altLang="en-US" dirty="0">
-                <a:latin typeface="Noto Sans" panose="020B0502040504020204" pitchFamily="34" charset="0"/>
-                <a:ea typeface="KoPubWorld돋움체 Medium" panose="00000600000000000000" pitchFamily="2" charset="-127"/>
-                <a:cs typeface="Noto Sans" panose="020B0502040504020204" pitchFamily="34" charset="0"/>
-              </a:rPr>
-              <a:t>이를 </a:t>
-            </a:r>
-            <a:r>
-              <a:rPr lang="en-US" altLang="ko-KR" dirty="0">
-                <a:latin typeface="Noto Sans" panose="020B0502040504020204" pitchFamily="34" charset="0"/>
-                <a:ea typeface="Noto Sans" panose="020B0502040504020204" pitchFamily="34" charset="0"/>
-                <a:cs typeface="Noto Sans" panose="020B0502040504020204" pitchFamily="34" charset="0"/>
-              </a:rPr>
-              <a:t>Text2SQL </a:t>
-            </a:r>
-            <a:r>
-              <a:rPr lang="ko-KR" altLang="en-US" dirty="0">
-                <a:latin typeface="Noto Sans" panose="020B0502040504020204" pitchFamily="34" charset="0"/>
-                <a:ea typeface="KoPubWorld돋움체 Medium" panose="00000600000000000000" pitchFamily="2" charset="-127"/>
-                <a:cs typeface="Noto Sans" panose="020B0502040504020204" pitchFamily="34" charset="0"/>
-              </a:rPr>
-              <a:t>모델의 입력으로 활용하여 보다 </a:t>
-            </a:r>
-            <a:br>
-              <a:rPr lang="en-US" altLang="ko-KR" dirty="0">
-                <a:latin typeface="Noto Sans" panose="020B0502040504020204" pitchFamily="34" charset="0"/>
-                <a:ea typeface="Noto Sans" panose="020B0502040504020204" pitchFamily="34" charset="0"/>
-                <a:cs typeface="Noto Sans" panose="020B0502040504020204" pitchFamily="34" charset="0"/>
-              </a:rPr>
-            </a:br>
-            <a:r>
-              <a:rPr lang="ko-KR" altLang="en-US" dirty="0">
-                <a:latin typeface="Noto Sans" panose="020B0502040504020204" pitchFamily="34" charset="0"/>
-                <a:ea typeface="KoPubWorld돋움체 Medium" panose="00000600000000000000" pitchFamily="2" charset="-127"/>
-                <a:cs typeface="Noto Sans" panose="020B0502040504020204" pitchFamily="34" charset="0"/>
-              </a:rPr>
-              <a:t>정확한 </a:t>
-            </a:r>
-            <a:r>
-              <a:rPr lang="en-US" altLang="ko-KR" dirty="0">
-                <a:latin typeface="Noto Sans" panose="020B0502040504020204" pitchFamily="34" charset="0"/>
-                <a:ea typeface="Noto Sans" panose="020B0502040504020204" pitchFamily="34" charset="0"/>
-                <a:cs typeface="Noto Sans" panose="020B0502040504020204" pitchFamily="34" charset="0"/>
-              </a:rPr>
-              <a:t>SQL </a:t>
-            </a:r>
-            <a:r>
-              <a:rPr lang="ko-KR" altLang="en-US" dirty="0">
-                <a:latin typeface="Noto Sans" panose="020B0502040504020204" pitchFamily="34" charset="0"/>
-                <a:ea typeface="KoPubWorld돋움체 Medium" panose="00000600000000000000" pitchFamily="2" charset="-127"/>
-                <a:cs typeface="Noto Sans" panose="020B0502040504020204" pitchFamily="34" charset="0"/>
-              </a:rPr>
-              <a:t>쿼리를 생성하는 ‘비표준 질의문장 정제 기반 </a:t>
-            </a:r>
-            <a:r>
-              <a:rPr lang="en-US" altLang="ko-KR" dirty="0">
-                <a:latin typeface="Noto Sans" panose="020B0502040504020204" pitchFamily="34" charset="0"/>
-                <a:ea typeface="Noto Sans" panose="020B0502040504020204" pitchFamily="34" charset="0"/>
-                <a:cs typeface="Noto Sans" panose="020B0502040504020204" pitchFamily="34" charset="0"/>
-              </a:rPr>
-              <a:t>SQL </a:t>
-            </a:r>
-            <a:r>
-              <a:rPr lang="ko-KR" altLang="en-US" dirty="0">
-                <a:latin typeface="Noto Sans" panose="020B0502040504020204" pitchFamily="34" charset="0"/>
-                <a:ea typeface="KoPubWorld돋움체 Medium" panose="00000600000000000000" pitchFamily="2" charset="-127"/>
-                <a:cs typeface="Noto Sans" panose="020B0502040504020204" pitchFamily="34" charset="0"/>
-              </a:rPr>
-              <a:t>자동 생성 방법 및 장치’ 를 개발</a:t>
-            </a:r>
-          </a:p>
-        </p:txBody>
-      </p:sp>
-      <p:sp>
-        <p:nvSpPr>
-          <p:cNvPr id="4" name="화살표: 오른쪽 3">
-            <a:extLst>
-              <a:ext uri="{FF2B5EF4-FFF2-40B4-BE49-F238E27FC236}">
-                <a16:creationId xmlns:a16="http://schemas.microsoft.com/office/drawing/2014/main" id="{6498B3C4-9D6B-47EB-83DA-E390C64AD977}"/>
-              </a:ext>
-            </a:extLst>
-          </p:cNvPr>
-          <p:cNvSpPr/>
-          <p:nvPr/>
-        </p:nvSpPr>
-        <p:spPr>
-          <a:xfrm>
-            <a:off x="561975" y="4410075"/>
-            <a:ext cx="1200150" cy="763985"/>
-          </a:xfrm>
-          <a:prstGeom prst="rightArrow">
-            <a:avLst/>
-          </a:prstGeom>
-        </p:spPr>
-        <p:style>
-          <a:lnRef idx="2">
-            <a:schemeClr val="accent1">
-              <a:shade val="50000"/>
-            </a:schemeClr>
-          </a:lnRef>
-          <a:fillRef idx="1">
-            <a:schemeClr val="accent1"/>
-          </a:fillRef>
-          <a:effectRef idx="0">
-            <a:schemeClr val="accent1"/>
-          </a:effectRef>
-          <a:fontRef idx="minor">
-            <a:schemeClr val="lt1"/>
-          </a:fontRef>
-        </p:style>
-        <p:txBody>
-          <a:bodyPr rtlCol="0" anchor="ctr"/>
-          <a:lstStyle/>
-          <a:p>
-            <a:pPr algn="ctr"/>
-            <a:endParaRPr lang="ko-KR" altLang="en-US">
-              <a:latin typeface="Noto Sans" panose="020B0502040504020204" pitchFamily="34" charset="0"/>
-              <a:cs typeface="Noto Sans" panose="020B0502040504020204" pitchFamily="34" charset="0"/>
-            </a:endParaRPr>
-          </a:p>
-        </p:txBody>
-      </p:sp>
-      <p:sp>
-        <p:nvSpPr>
-          <p:cNvPr id="10" name="TextBox 9">
-            <a:extLst>
-              <a:ext uri="{FF2B5EF4-FFF2-40B4-BE49-F238E27FC236}">
-                <a16:creationId xmlns:a16="http://schemas.microsoft.com/office/drawing/2014/main" id="{6658A700-2225-4D15-BAF2-F6B94B3D50BE}"/>
-              </a:ext>
-            </a:extLst>
-          </p:cNvPr>
-          <p:cNvSpPr txBox="1"/>
-          <p:nvPr/>
-        </p:nvSpPr>
-        <p:spPr>
-          <a:xfrm>
-            <a:off x="11699631" y="6410326"/>
-            <a:ext cx="432460" cy="276999"/>
-          </a:xfrm>
-          <a:prstGeom prst="rect">
-            <a:avLst/>
-          </a:prstGeom>
-          <a:noFill/>
-        </p:spPr>
-        <p:txBody>
-          <a:bodyPr wrap="square" rtlCol="0">
-            <a:spAutoFit/>
-          </a:bodyPr>
-          <a:lstStyle/>
-          <a:p>
-            <a:r>
-              <a:rPr lang="en-US" altLang="ko-KR" sz="1200" b="1" dirty="0">
-                <a:latin typeface="Noto Sans" panose="020B0502040504020204" pitchFamily="34" charset="0"/>
-                <a:cs typeface="Noto Sans" panose="020B0502040504020204" pitchFamily="34" charset="0"/>
-              </a:rPr>
-              <a:t>4</a:t>
-            </a:r>
-            <a:endParaRPr lang="ko-KR" altLang="en-US" sz="1200" b="1" dirty="0">
-              <a:latin typeface="Noto Sans" panose="020B0502040504020204" pitchFamily="34" charset="0"/>
-              <a:cs typeface="Noto Sans" panose="020B0502040504020204" pitchFamily="34" charset="0"/>
-            </a:endParaRPr>
-          </a:p>
-        </p:txBody>
-      </p:sp>
-    </p:spTree>
-    <p:extLst>
-      <p:ext uri="{BB962C8B-B14F-4D97-AF65-F5344CB8AC3E}">
-        <p14:creationId xmlns:p14="http://schemas.microsoft.com/office/powerpoint/2010/main" val="2348409814"/>
-      </p:ext>
-    </p:extLst>
-  </p:cSld>
-  <p:clrMapOvr>
-    <a:masterClrMapping/>
-  </p:clrMapOvr>
-</p:sld>
-</file>
-
 <file path=ppt/slides/slide5.xml><?xml version="1.0" encoding="utf-8"?>
 <p:sld xmlns:a="http://schemas.openxmlformats.org/drawingml/2006/main" xmlns:r="http://schemas.openxmlformats.org/officeDocument/2006/relationships" xmlns:p="http://schemas.openxmlformats.org/presentationml/2006/main">
   <p:cSld>
@@ -10920,6 +14305,571 @@
       </p:grpSpPr>
       <p:sp>
         <p:nvSpPr>
+          <p:cNvPr id="9" name="직사각형 8">
+            <a:extLst>
+              <a:ext uri="{FF2B5EF4-FFF2-40B4-BE49-F238E27FC236}">
+                <a16:creationId xmlns:a16="http://schemas.microsoft.com/office/drawing/2014/main" id="{D3DA6952-949D-48DF-A077-5A0DA7D77176}"/>
+              </a:ext>
+            </a:extLst>
+          </p:cNvPr>
+          <p:cNvSpPr/>
+          <p:nvPr/>
+        </p:nvSpPr>
+        <p:spPr>
+          <a:xfrm>
+            <a:off x="2670067" y="2460825"/>
+            <a:ext cx="4159357" cy="493070"/>
+          </a:xfrm>
+          <a:prstGeom prst="rect">
+            <a:avLst/>
+          </a:prstGeom>
+          <a:solidFill>
+            <a:srgbClr val="FFFF00"/>
+          </a:solidFill>
+          <a:ln>
+            <a:noFill/>
+          </a:ln>
+        </p:spPr>
+        <p:style>
+          <a:lnRef idx="2">
+            <a:schemeClr val="accent1">
+              <a:shade val="50000"/>
+            </a:schemeClr>
+          </a:lnRef>
+          <a:fillRef idx="1">
+            <a:schemeClr val="accent1"/>
+          </a:fillRef>
+          <a:effectRef idx="0">
+            <a:schemeClr val="accent1"/>
+          </a:effectRef>
+          <a:fontRef idx="minor">
+            <a:schemeClr val="lt1"/>
+          </a:fontRef>
+        </p:style>
+        <p:txBody>
+          <a:bodyPr rtlCol="0" anchor="ctr"/>
+          <a:lstStyle/>
+          <a:p>
+            <a:pPr algn="ctr"/>
+            <a:endParaRPr lang="ko-KR" altLang="en-US">
+              <a:latin typeface="Noto Sans" panose="020B0502040504020204" pitchFamily="34" charset="0"/>
+              <a:cs typeface="Noto Sans" panose="020B0502040504020204" pitchFamily="34" charset="0"/>
+            </a:endParaRPr>
+          </a:p>
+        </p:txBody>
+      </p:sp>
+      <p:sp>
+        <p:nvSpPr>
+          <p:cNvPr id="8" name="직사각형 7">
+            <a:extLst>
+              <a:ext uri="{FF2B5EF4-FFF2-40B4-BE49-F238E27FC236}">
+                <a16:creationId xmlns:a16="http://schemas.microsoft.com/office/drawing/2014/main" id="{6F7FC9EB-C216-43C2-A2A1-7432487BBC31}"/>
+              </a:ext>
+            </a:extLst>
+          </p:cNvPr>
+          <p:cNvSpPr/>
+          <p:nvPr/>
+        </p:nvSpPr>
+        <p:spPr>
+          <a:xfrm>
+            <a:off x="5320982" y="1820323"/>
+            <a:ext cx="3397326" cy="493070"/>
+          </a:xfrm>
+          <a:prstGeom prst="rect">
+            <a:avLst/>
+          </a:prstGeom>
+          <a:solidFill>
+            <a:srgbClr val="FFFF00"/>
+          </a:solidFill>
+          <a:ln>
+            <a:noFill/>
+          </a:ln>
+        </p:spPr>
+        <p:style>
+          <a:lnRef idx="2">
+            <a:schemeClr val="accent1">
+              <a:shade val="50000"/>
+            </a:schemeClr>
+          </a:lnRef>
+          <a:fillRef idx="1">
+            <a:schemeClr val="accent1"/>
+          </a:fillRef>
+          <a:effectRef idx="0">
+            <a:schemeClr val="accent1"/>
+          </a:effectRef>
+          <a:fontRef idx="minor">
+            <a:schemeClr val="lt1"/>
+          </a:fontRef>
+        </p:style>
+        <p:txBody>
+          <a:bodyPr rtlCol="0" anchor="ctr"/>
+          <a:lstStyle/>
+          <a:p>
+            <a:pPr algn="ctr"/>
+            <a:endParaRPr lang="ko-KR" altLang="en-US">
+              <a:latin typeface="Noto Sans" panose="020B0502040504020204" pitchFamily="34" charset="0"/>
+              <a:cs typeface="Noto Sans" panose="020B0502040504020204" pitchFamily="34" charset="0"/>
+            </a:endParaRPr>
+          </a:p>
+        </p:txBody>
+      </p:sp>
+      <p:sp>
+        <p:nvSpPr>
+          <p:cNvPr id="7" name="TextBox 6">
+            <a:extLst>
+              <a:ext uri="{FF2B5EF4-FFF2-40B4-BE49-F238E27FC236}">
+                <a16:creationId xmlns:a16="http://schemas.microsoft.com/office/drawing/2014/main" id="{EAD81958-EA21-43DB-8E66-3F0BC85E2F32}"/>
+              </a:ext>
+            </a:extLst>
+          </p:cNvPr>
+          <p:cNvSpPr txBox="1"/>
+          <p:nvPr/>
+        </p:nvSpPr>
+        <p:spPr>
+          <a:xfrm>
+            <a:off x="70338" y="87923"/>
+            <a:ext cx="2609255" cy="461665"/>
+          </a:xfrm>
+          <a:prstGeom prst="rect">
+            <a:avLst/>
+          </a:prstGeom>
+          <a:noFill/>
+        </p:spPr>
+        <p:txBody>
+          <a:bodyPr wrap="square" rtlCol="0">
+            <a:spAutoFit/>
+          </a:bodyPr>
+          <a:lstStyle/>
+          <a:p>
+            <a:r>
+              <a:rPr lang="ko-KR" altLang="en-US" sz="2400" b="1" dirty="0">
+                <a:latin typeface="Noto Sans" panose="020B0502040504020204" pitchFamily="34" charset="0"/>
+                <a:ea typeface="KoPubWorld돋움체 Medium" panose="00000600000000000000" pitchFamily="2" charset="-127"/>
+                <a:cs typeface="Noto Sans" panose="020B0502040504020204" pitchFamily="34" charset="0"/>
+              </a:rPr>
+              <a:t>발명 제안</a:t>
+            </a:r>
+          </a:p>
+        </p:txBody>
+      </p:sp>
+      <p:sp>
+        <p:nvSpPr>
+          <p:cNvPr id="5" name="TextBox 4">
+            <a:extLst>
+              <a:ext uri="{FF2B5EF4-FFF2-40B4-BE49-F238E27FC236}">
+                <a16:creationId xmlns:a16="http://schemas.microsoft.com/office/drawing/2014/main" id="{2553C700-CEBF-4F8D-A5D4-F420406A579D}"/>
+              </a:ext>
+            </a:extLst>
+          </p:cNvPr>
+          <p:cNvSpPr txBox="1"/>
+          <p:nvPr/>
+        </p:nvSpPr>
+        <p:spPr>
+          <a:xfrm>
+            <a:off x="935975" y="1683940"/>
+            <a:ext cx="10115956" cy="1331134"/>
+          </a:xfrm>
+          <a:prstGeom prst="rect">
+            <a:avLst/>
+          </a:prstGeom>
+          <a:noFill/>
+        </p:spPr>
+        <p:txBody>
+          <a:bodyPr wrap="square" rtlCol="0">
+            <a:spAutoFit/>
+          </a:bodyPr>
+          <a:lstStyle/>
+          <a:p>
+            <a:pPr algn="ctr">
+              <a:lnSpc>
+                <a:spcPct val="150000"/>
+              </a:lnSpc>
+            </a:pPr>
+            <a:r>
+              <a:rPr lang="ko-KR" altLang="en-US" sz="2800" b="1" dirty="0">
+                <a:latin typeface="Noto Sans" panose="020B0502040504020204" pitchFamily="34" charset="0"/>
+                <a:ea typeface="KoPubWorld돋움체 Medium" panose="00000600000000000000" pitchFamily="2" charset="-127"/>
+                <a:cs typeface="Noto Sans" panose="020B0502040504020204" pitchFamily="34" charset="0"/>
+              </a:rPr>
+              <a:t>비표준 질의문장을 </a:t>
+            </a:r>
+            <a:r>
+              <a:rPr lang="ko-KR" altLang="en-US" sz="2800" b="1" dirty="0">
+                <a:highlight>
+                  <a:srgbClr val="FFFF00"/>
+                </a:highlight>
+                <a:latin typeface="Noto Sans" panose="020B0502040504020204" pitchFamily="34" charset="0"/>
+                <a:ea typeface="KoPubWorld돋움체 Medium" panose="00000600000000000000" pitchFamily="2" charset="-127"/>
+                <a:cs typeface="Noto Sans" panose="020B0502040504020204" pitchFamily="34" charset="0"/>
+              </a:rPr>
+              <a:t>표준 질의문장으로 변환</a:t>
+            </a:r>
+            <a:r>
+              <a:rPr lang="ko-KR" altLang="en-US" sz="2800" b="1" dirty="0">
+                <a:latin typeface="Noto Sans" panose="020B0502040504020204" pitchFamily="34" charset="0"/>
+                <a:ea typeface="KoPubWorld돋움체 Medium" panose="00000600000000000000" pitchFamily="2" charset="-127"/>
+                <a:cs typeface="Noto Sans" panose="020B0502040504020204" pitchFamily="34" charset="0"/>
+              </a:rPr>
+              <a:t>하여</a:t>
+            </a:r>
+            <a:br>
+              <a:rPr lang="ko-KR" altLang="en-US" sz="2800" b="1" dirty="0">
+                <a:latin typeface="Noto Sans" panose="020B0502040504020204" pitchFamily="34" charset="0"/>
+                <a:ea typeface="KoPubWorld돋움체 Medium" panose="00000600000000000000" pitchFamily="2" charset="-127"/>
+                <a:cs typeface="Noto Sans" panose="020B0502040504020204" pitchFamily="34" charset="0"/>
+              </a:rPr>
+            </a:br>
+            <a:r>
+              <a:rPr lang="ko-KR" altLang="en-US" sz="2800" b="1" dirty="0">
+                <a:highlight>
+                  <a:srgbClr val="FFFF00"/>
+                </a:highlight>
+                <a:latin typeface="Noto Sans" panose="020B0502040504020204" pitchFamily="34" charset="0"/>
+                <a:ea typeface="KoPubWorld돋움체 Medium" panose="00000600000000000000" pitchFamily="2" charset="-127"/>
+                <a:cs typeface="Noto Sans" panose="020B0502040504020204" pitchFamily="34" charset="0"/>
+              </a:rPr>
+              <a:t>정확한</a:t>
+            </a:r>
+            <a:r>
+              <a:rPr lang="ko-KR" altLang="en-US" sz="2800" b="1" dirty="0">
+                <a:latin typeface="Noto Sans" panose="020B0502040504020204" pitchFamily="34" charset="0"/>
+                <a:ea typeface="KoPubWorld돋움체 Medium" panose="00000600000000000000" pitchFamily="2" charset="-127"/>
+                <a:cs typeface="Noto Sans" panose="020B0502040504020204" pitchFamily="34" charset="0"/>
+              </a:rPr>
+              <a:t> </a:t>
+            </a:r>
+            <a:r>
+              <a:rPr lang="en-US" altLang="ko-KR" sz="2800" b="1" dirty="0">
+                <a:latin typeface="Noto Sans" panose="020B0502040504020204" pitchFamily="34" charset="0"/>
+                <a:ea typeface="Noto Sans" panose="020B0502040504020204" pitchFamily="34" charset="0"/>
+                <a:cs typeface="Noto Sans" panose="020B0502040504020204" pitchFamily="34" charset="0"/>
+              </a:rPr>
+              <a:t>SQL </a:t>
+            </a:r>
+            <a:r>
+              <a:rPr lang="ko-KR" altLang="en-US" sz="2800" b="1" dirty="0">
+                <a:latin typeface="Noto Sans" panose="020B0502040504020204" pitchFamily="34" charset="0"/>
+                <a:ea typeface="KoPubWorld돋움체 Medium" panose="00000600000000000000" pitchFamily="2" charset="-127"/>
+                <a:cs typeface="Noto Sans" panose="020B0502040504020204" pitchFamily="34" charset="0"/>
+              </a:rPr>
+              <a:t>쿼리를 자동 생성하는 방법 및 장치</a:t>
+            </a:r>
+          </a:p>
+        </p:txBody>
+      </p:sp>
+      <p:sp>
+        <p:nvSpPr>
+          <p:cNvPr id="6" name="TextBox 5">
+            <a:extLst>
+              <a:ext uri="{FF2B5EF4-FFF2-40B4-BE49-F238E27FC236}">
+                <a16:creationId xmlns:a16="http://schemas.microsoft.com/office/drawing/2014/main" id="{1ED0C12D-8A33-43ED-AE19-1C486EBF0921}"/>
+              </a:ext>
+            </a:extLst>
+          </p:cNvPr>
+          <p:cNvSpPr txBox="1"/>
+          <p:nvPr/>
+        </p:nvSpPr>
+        <p:spPr>
+          <a:xfrm>
+            <a:off x="1762125" y="4139965"/>
+            <a:ext cx="9903803" cy="1304203"/>
+          </a:xfrm>
+          <a:prstGeom prst="rect">
+            <a:avLst/>
+          </a:prstGeom>
+          <a:noFill/>
+        </p:spPr>
+        <p:txBody>
+          <a:bodyPr wrap="square">
+            <a:spAutoFit/>
+          </a:bodyPr>
+          <a:lstStyle/>
+          <a:p>
+            <a:pPr algn="ctr">
+              <a:lnSpc>
+                <a:spcPct val="150000"/>
+              </a:lnSpc>
+            </a:pPr>
+            <a:r>
+              <a:rPr lang="en-US" altLang="ko-KR" dirty="0">
+                <a:solidFill>
+                  <a:srgbClr val="FF0000"/>
+                </a:solidFill>
+                <a:latin typeface="Noto Sans" panose="020B0502040504020204" pitchFamily="34" charset="0"/>
+                <a:ea typeface="Noto Sans" panose="020B0502040504020204" pitchFamily="34" charset="0"/>
+                <a:cs typeface="Noto Sans" panose="020B0502040504020204" pitchFamily="34" charset="0"/>
+              </a:rPr>
+              <a:t>LLM</a:t>
+            </a:r>
+            <a:r>
+              <a:rPr lang="ko-KR" altLang="en-US" dirty="0">
+                <a:solidFill>
+                  <a:srgbClr val="FF0000"/>
+                </a:solidFill>
+                <a:latin typeface="Noto Sans" panose="020B0502040504020204" pitchFamily="34" charset="0"/>
+                <a:ea typeface="KoPubWorld돋움체 Medium" panose="00000600000000000000" pitchFamily="2" charset="-127"/>
+                <a:cs typeface="Noto Sans" panose="020B0502040504020204" pitchFamily="34" charset="0"/>
+              </a:rPr>
+              <a:t>을 통해 비표준 질의문장을 생성</a:t>
+            </a:r>
+            <a:r>
+              <a:rPr lang="ko-KR" altLang="en-US" dirty="0">
+                <a:latin typeface="Noto Sans" panose="020B0502040504020204" pitchFamily="34" charset="0"/>
+                <a:ea typeface="KoPubWorld돋움체 Medium" panose="00000600000000000000" pitchFamily="2" charset="-127"/>
+                <a:cs typeface="Noto Sans" panose="020B0502040504020204" pitchFamily="34" charset="0"/>
+              </a:rPr>
+              <a:t>하고 이를 학습한 </a:t>
+            </a:r>
+            <a:r>
+              <a:rPr lang="ko-KR" altLang="en-US" dirty="0">
+                <a:solidFill>
+                  <a:srgbClr val="FF0000"/>
+                </a:solidFill>
+                <a:latin typeface="Noto Sans" panose="020B0502040504020204" pitchFamily="34" charset="0"/>
+                <a:ea typeface="KoPubWorld돋움체 Medium" panose="00000600000000000000" pitchFamily="2" charset="-127"/>
+                <a:cs typeface="Noto Sans" panose="020B0502040504020204" pitchFamily="34" charset="0"/>
+              </a:rPr>
+              <a:t>문장정제기</a:t>
+            </a:r>
+            <a:r>
+              <a:rPr lang="ko-KR" altLang="en-US" dirty="0">
+                <a:latin typeface="Noto Sans" panose="020B0502040504020204" pitchFamily="34" charset="0"/>
+                <a:ea typeface="KoPubWorld돋움체 Medium" panose="00000600000000000000" pitchFamily="2" charset="-127"/>
+                <a:cs typeface="Noto Sans" panose="020B0502040504020204" pitchFamily="34" charset="0"/>
+              </a:rPr>
+              <a:t>를 통해 일반 사용자의 </a:t>
+            </a:r>
+            <a:br>
+              <a:rPr lang="en-US" altLang="ko-KR" dirty="0">
+                <a:latin typeface="Noto Sans" panose="020B0502040504020204" pitchFamily="34" charset="0"/>
+                <a:ea typeface="Noto Sans" panose="020B0502040504020204" pitchFamily="34" charset="0"/>
+                <a:cs typeface="Noto Sans" panose="020B0502040504020204" pitchFamily="34" charset="0"/>
+              </a:rPr>
+            </a:br>
+            <a:r>
+              <a:rPr lang="ko-KR" altLang="en-US" dirty="0">
+                <a:solidFill>
+                  <a:srgbClr val="FF0000"/>
+                </a:solidFill>
+                <a:latin typeface="Noto Sans" panose="020B0502040504020204" pitchFamily="34" charset="0"/>
+                <a:ea typeface="KoPubWorld돋움체 Medium" panose="00000600000000000000" pitchFamily="2" charset="-127"/>
+                <a:cs typeface="Noto Sans" panose="020B0502040504020204" pitchFamily="34" charset="0"/>
+              </a:rPr>
+              <a:t>자연어 질의를 표준 질의문장으로 변환</a:t>
+            </a:r>
+            <a:r>
+              <a:rPr lang="ko-KR" altLang="en-US" dirty="0">
+                <a:latin typeface="Noto Sans" panose="020B0502040504020204" pitchFamily="34" charset="0"/>
+                <a:ea typeface="KoPubWorld돋움체 Medium" panose="00000600000000000000" pitchFamily="2" charset="-127"/>
+                <a:cs typeface="Noto Sans" panose="020B0502040504020204" pitchFamily="34" charset="0"/>
+              </a:rPr>
+              <a:t>하고</a:t>
+            </a:r>
+            <a:r>
+              <a:rPr lang="en-US" altLang="ko-KR" dirty="0">
+                <a:latin typeface="Noto Sans" panose="020B0502040504020204" pitchFamily="34" charset="0"/>
+                <a:ea typeface="Noto Sans" panose="020B0502040504020204" pitchFamily="34" charset="0"/>
+                <a:cs typeface="Noto Sans" panose="020B0502040504020204" pitchFamily="34" charset="0"/>
+              </a:rPr>
+              <a:t>, </a:t>
+            </a:r>
+            <a:r>
+              <a:rPr lang="ko-KR" altLang="en-US" dirty="0">
+                <a:latin typeface="Noto Sans" panose="020B0502040504020204" pitchFamily="34" charset="0"/>
+                <a:ea typeface="KoPubWorld돋움체 Medium" panose="00000600000000000000" pitchFamily="2" charset="-127"/>
+                <a:cs typeface="Noto Sans" panose="020B0502040504020204" pitchFamily="34" charset="0"/>
+              </a:rPr>
+              <a:t>이를 </a:t>
+            </a:r>
+            <a:r>
+              <a:rPr lang="en-US" altLang="ko-KR" dirty="0">
+                <a:latin typeface="Noto Sans" panose="020B0502040504020204" pitchFamily="34" charset="0"/>
+                <a:ea typeface="Noto Sans" panose="020B0502040504020204" pitchFamily="34" charset="0"/>
+                <a:cs typeface="Noto Sans" panose="020B0502040504020204" pitchFamily="34" charset="0"/>
+              </a:rPr>
+              <a:t>Text2SQL </a:t>
+            </a:r>
+            <a:r>
+              <a:rPr lang="ko-KR" altLang="en-US" dirty="0">
+                <a:latin typeface="Noto Sans" panose="020B0502040504020204" pitchFamily="34" charset="0"/>
+                <a:ea typeface="KoPubWorld돋움체 Medium" panose="00000600000000000000" pitchFamily="2" charset="-127"/>
+                <a:cs typeface="Noto Sans" panose="020B0502040504020204" pitchFamily="34" charset="0"/>
+              </a:rPr>
+              <a:t>모델의 입력으로 활용하여 보다 </a:t>
+            </a:r>
+            <a:br>
+              <a:rPr lang="en-US" altLang="ko-KR" dirty="0">
+                <a:latin typeface="Noto Sans" panose="020B0502040504020204" pitchFamily="34" charset="0"/>
+                <a:ea typeface="Noto Sans" panose="020B0502040504020204" pitchFamily="34" charset="0"/>
+                <a:cs typeface="Noto Sans" panose="020B0502040504020204" pitchFamily="34" charset="0"/>
+              </a:rPr>
+            </a:br>
+            <a:r>
+              <a:rPr lang="ko-KR" altLang="en-US" dirty="0">
+                <a:latin typeface="Noto Sans" panose="020B0502040504020204" pitchFamily="34" charset="0"/>
+                <a:ea typeface="KoPubWorld돋움체 Medium" panose="00000600000000000000" pitchFamily="2" charset="-127"/>
+                <a:cs typeface="Noto Sans" panose="020B0502040504020204" pitchFamily="34" charset="0"/>
+              </a:rPr>
+              <a:t>정확한 </a:t>
+            </a:r>
+            <a:r>
+              <a:rPr lang="en-US" altLang="ko-KR" dirty="0">
+                <a:latin typeface="Noto Sans" panose="020B0502040504020204" pitchFamily="34" charset="0"/>
+                <a:ea typeface="Noto Sans" panose="020B0502040504020204" pitchFamily="34" charset="0"/>
+                <a:cs typeface="Noto Sans" panose="020B0502040504020204" pitchFamily="34" charset="0"/>
+              </a:rPr>
+              <a:t>SQL </a:t>
+            </a:r>
+            <a:r>
+              <a:rPr lang="ko-KR" altLang="en-US" dirty="0">
+                <a:latin typeface="Noto Sans" panose="020B0502040504020204" pitchFamily="34" charset="0"/>
+                <a:ea typeface="KoPubWorld돋움체 Medium" panose="00000600000000000000" pitchFamily="2" charset="-127"/>
+                <a:cs typeface="Noto Sans" panose="020B0502040504020204" pitchFamily="34" charset="0"/>
+              </a:rPr>
+              <a:t>쿼리를 생성하는 ‘비표준 질의문장 정제 기반 </a:t>
+            </a:r>
+            <a:r>
+              <a:rPr lang="en-US" altLang="ko-KR" dirty="0">
+                <a:latin typeface="Noto Sans" panose="020B0502040504020204" pitchFamily="34" charset="0"/>
+                <a:ea typeface="Noto Sans" panose="020B0502040504020204" pitchFamily="34" charset="0"/>
+                <a:cs typeface="Noto Sans" panose="020B0502040504020204" pitchFamily="34" charset="0"/>
+              </a:rPr>
+              <a:t>SQL </a:t>
+            </a:r>
+            <a:r>
+              <a:rPr lang="ko-KR" altLang="en-US" dirty="0">
+                <a:latin typeface="Noto Sans" panose="020B0502040504020204" pitchFamily="34" charset="0"/>
+                <a:ea typeface="KoPubWorld돋움체 Medium" panose="00000600000000000000" pitchFamily="2" charset="-127"/>
+                <a:cs typeface="Noto Sans" panose="020B0502040504020204" pitchFamily="34" charset="0"/>
+              </a:rPr>
+              <a:t>자동 생성 방법 및 장치’ 를 개발</a:t>
+            </a:r>
+          </a:p>
+        </p:txBody>
+      </p:sp>
+      <p:sp>
+        <p:nvSpPr>
+          <p:cNvPr id="4" name="화살표: 오른쪽 3">
+            <a:extLst>
+              <a:ext uri="{FF2B5EF4-FFF2-40B4-BE49-F238E27FC236}">
+                <a16:creationId xmlns:a16="http://schemas.microsoft.com/office/drawing/2014/main" id="{6498B3C4-9D6B-47EB-83DA-E390C64AD977}"/>
+              </a:ext>
+            </a:extLst>
+          </p:cNvPr>
+          <p:cNvSpPr/>
+          <p:nvPr/>
+        </p:nvSpPr>
+        <p:spPr>
+          <a:xfrm>
+            <a:off x="561975" y="4410075"/>
+            <a:ext cx="1200150" cy="763985"/>
+          </a:xfrm>
+          <a:prstGeom prst="rightArrow">
+            <a:avLst/>
+          </a:prstGeom>
+        </p:spPr>
+        <p:style>
+          <a:lnRef idx="2">
+            <a:schemeClr val="accent1">
+              <a:shade val="50000"/>
+            </a:schemeClr>
+          </a:lnRef>
+          <a:fillRef idx="1">
+            <a:schemeClr val="accent1"/>
+          </a:fillRef>
+          <a:effectRef idx="0">
+            <a:schemeClr val="accent1"/>
+          </a:effectRef>
+          <a:fontRef idx="minor">
+            <a:schemeClr val="lt1"/>
+          </a:fontRef>
+        </p:style>
+        <p:txBody>
+          <a:bodyPr rtlCol="0" anchor="ctr"/>
+          <a:lstStyle/>
+          <a:p>
+            <a:pPr algn="ctr"/>
+            <a:endParaRPr lang="ko-KR" altLang="en-US">
+              <a:latin typeface="Noto Sans" panose="020B0502040504020204" pitchFamily="34" charset="0"/>
+              <a:cs typeface="Noto Sans" panose="020B0502040504020204" pitchFamily="34" charset="0"/>
+            </a:endParaRPr>
+          </a:p>
+        </p:txBody>
+      </p:sp>
+      <p:sp>
+        <p:nvSpPr>
+          <p:cNvPr id="10" name="TextBox 9">
+            <a:extLst>
+              <a:ext uri="{FF2B5EF4-FFF2-40B4-BE49-F238E27FC236}">
+                <a16:creationId xmlns:a16="http://schemas.microsoft.com/office/drawing/2014/main" id="{6658A700-2225-4D15-BAF2-F6B94B3D50BE}"/>
+              </a:ext>
+            </a:extLst>
+          </p:cNvPr>
+          <p:cNvSpPr txBox="1"/>
+          <p:nvPr/>
+        </p:nvSpPr>
+        <p:spPr>
+          <a:xfrm>
+            <a:off x="11699631" y="6410326"/>
+            <a:ext cx="432460" cy="276999"/>
+          </a:xfrm>
+          <a:prstGeom prst="rect">
+            <a:avLst/>
+          </a:prstGeom>
+          <a:noFill/>
+        </p:spPr>
+        <p:txBody>
+          <a:bodyPr wrap="square" rtlCol="0">
+            <a:spAutoFit/>
+          </a:bodyPr>
+          <a:lstStyle/>
+          <a:p>
+            <a:r>
+              <a:rPr lang="en-US" altLang="ko-KR" sz="1200" b="1" dirty="0">
+                <a:latin typeface="Noto Sans" panose="020B0502040504020204" pitchFamily="34" charset="0"/>
+                <a:cs typeface="Noto Sans" panose="020B0502040504020204" pitchFamily="34" charset="0"/>
+              </a:rPr>
+              <a:t>4</a:t>
+            </a:r>
+            <a:endParaRPr lang="ko-KR" altLang="en-US" sz="1200" b="1" dirty="0">
+              <a:latin typeface="Noto Sans" panose="020B0502040504020204" pitchFamily="34" charset="0"/>
+              <a:cs typeface="Noto Sans" panose="020B0502040504020204" pitchFamily="34" charset="0"/>
+            </a:endParaRPr>
+          </a:p>
+        </p:txBody>
+      </p:sp>
+    </p:spTree>
+    <p:extLst>
+      <p:ext uri="{BB962C8B-B14F-4D97-AF65-F5344CB8AC3E}">
+        <p14:creationId xmlns:p14="http://schemas.microsoft.com/office/powerpoint/2010/main" val="2348409814"/>
+      </p:ext>
+    </p:extLst>
+  </p:cSld>
+  <p:clrMapOvr>
+    <a:masterClrMapping/>
+  </p:clrMapOvr>
+</p:sld>
+</file>
+
+<file path=ppt/slides/slide6.xml><?xml version="1.0" encoding="utf-8"?>
+<p:sld xmlns:a="http://schemas.openxmlformats.org/drawingml/2006/main" xmlns:r="http://schemas.openxmlformats.org/officeDocument/2006/relationships" xmlns:p="http://schemas.openxmlformats.org/presentationml/2006/main">
+  <p:cSld>
+    <p:spTree>
+      <p:nvGrpSpPr>
+        <p:cNvPr id="1" name=""/>
+        <p:cNvGrpSpPr/>
+        <p:nvPr/>
+      </p:nvGrpSpPr>
+      <p:grpSpPr>
+        <a:xfrm>
+          <a:off x="0" y="0"/>
+          <a:ext cx="0" cy="0"/>
+          <a:chOff x="0" y="0"/>
+          <a:chExt cx="0" cy="0"/>
+        </a:xfrm>
+      </p:grpSpPr>
+      <p:sp>
+        <p:nvSpPr>
           <p:cNvPr id="7" name="TextBox 6">
             <a:extLst>
               <a:ext uri="{FF2B5EF4-FFF2-40B4-BE49-F238E27FC236}">
@@ -11915,7 +15865,7 @@
 </p:sld>
 </file>
 
-<file path=ppt/slides/slide6.xml><?xml version="1.0" encoding="utf-8"?>
+<file path=ppt/slides/slide7.xml><?xml version="1.0" encoding="utf-8"?>
 <p:sld xmlns:a="http://schemas.openxmlformats.org/drawingml/2006/main" xmlns:r="http://schemas.openxmlformats.org/officeDocument/2006/relationships" xmlns:p="http://schemas.openxmlformats.org/presentationml/2006/main">
   <p:cSld>
     <p:spTree>
@@ -13437,7 +17387,7 @@
 </p:sld>
 </file>
 
-<file path=ppt/slides/slide7.xml><?xml version="1.0" encoding="utf-8"?>
+<file path=ppt/slides/slide8.xml><?xml version="1.0" encoding="utf-8"?>
 <p:sld xmlns:a="http://schemas.openxmlformats.org/drawingml/2006/main" xmlns:r="http://schemas.openxmlformats.org/officeDocument/2006/relationships" xmlns:p="http://schemas.openxmlformats.org/presentationml/2006/main">
   <p:cSld>
     <p:spTree>
@@ -14889,14 +18839,20 @@
             <a:pPr latinLnBrk="1"/>
             <a:r>
               <a:rPr lang="en-US" altLang="ko-KR" sz="800" dirty="0">
+                <a:solidFill>
+                  <a:schemeClr val="tx1"/>
+                </a:solidFill>
                 <a:latin typeface="Noto Sans" panose="020B0502040504020204" pitchFamily="34" charset="0"/>
                 <a:ea typeface="Noto Sans" panose="020B0502040504020204" pitchFamily="34" charset="0"/>
                 <a:cs typeface="Noto Sans" panose="020B0502040504020204" pitchFamily="34" charset="0"/>
               </a:rPr>
-              <a:t>SELECT * FROM database</a:t>
+              <a:t>SELECT * FROM ITEM_TB</a:t>
             </a:r>
             <a:r>
               <a:rPr lang="ko-KR" altLang="en-US" sz="800" dirty="0">
+                <a:solidFill>
+                  <a:schemeClr val="tx1"/>
+                </a:solidFill>
                 <a:latin typeface="Noto Sans" panose="020B0502040504020204" pitchFamily="34" charset="0"/>
                 <a:cs typeface="Noto Sans" panose="020B0502040504020204" pitchFamily="34" charset="0"/>
               </a:rPr>
@@ -14907,6 +18863,9 @@
             <a:pPr latinLnBrk="1"/>
             <a:r>
               <a:rPr lang="en-US" altLang="ko-KR" sz="800" dirty="0">
+                <a:solidFill>
+                  <a:schemeClr val="tx1"/>
+                </a:solidFill>
                 <a:latin typeface="Noto Sans" panose="020B0502040504020204" pitchFamily="34" charset="0"/>
                 <a:ea typeface="Noto Sans" panose="020B0502040504020204" pitchFamily="34" charset="0"/>
                 <a:cs typeface="Noto Sans" panose="020B0502040504020204" pitchFamily="34" charset="0"/>
@@ -14915,55 +18874,65 @@
             </a:r>
             <a:r>
               <a:rPr lang="ko-KR" altLang="en-US" sz="800" dirty="0">
+                <a:solidFill>
+                  <a:schemeClr val="tx1"/>
+                </a:solidFill>
+                <a:latin typeface="Noto Sans" panose="020B0502040504020204" pitchFamily="34" charset="0"/>
+                <a:cs typeface="Noto Sans" panose="020B0502040504020204" pitchFamily="34" charset="0"/>
+              </a:rPr>
+              <a:t>화학물질번호 </a:t>
+            </a:r>
+            <a:r>
+              <a:rPr lang="en-US" altLang="ko-KR" sz="800" dirty="0">
+                <a:solidFill>
+                  <a:schemeClr val="tx1"/>
+                </a:solidFill>
                 <a:latin typeface="Noto Sans" panose="020B0502040504020204" pitchFamily="34" charset="0"/>
                 <a:ea typeface="Noto Sans" panose="020B0502040504020204" pitchFamily="34" charset="0"/>
                 <a:cs typeface="Noto Sans" panose="020B0502040504020204" pitchFamily="34" charset="0"/>
               </a:rPr>
-              <a:t>화학물질</a:t>
+              <a:t>LIKE '%71%' </a:t>
+            </a:r>
+          </a:p>
+          <a:p>
+            <a:pPr latinLnBrk="1"/>
+            <a:r>
+              <a:rPr lang="en-US" altLang="ko-KR" sz="800" dirty="0">
+                <a:solidFill>
+                  <a:schemeClr val="tx1"/>
+                </a:solidFill>
+                <a:latin typeface="Noto Sans" panose="020B0502040504020204" pitchFamily="34" charset="0"/>
+                <a:ea typeface="Noto Sans" panose="020B0502040504020204" pitchFamily="34" charset="0"/>
+                <a:cs typeface="Noto Sans" panose="020B0502040504020204" pitchFamily="34" charset="0"/>
+              </a:rPr>
+              <a:t>ORDER BY </a:t>
             </a:r>
             <a:r>
               <a:rPr lang="ko-KR" altLang="en-US" sz="800" dirty="0">
-                <a:latin typeface="Noto Sans" panose="020B0502040504020204" pitchFamily="34" charset="0"/>
-                <a:cs typeface="Noto Sans" panose="020B0502040504020204" pitchFamily="34" charset="0"/>
-              </a:rPr>
-              <a:t>번호 </a:t>
+                <a:solidFill>
+                  <a:schemeClr val="tx1"/>
+                </a:solidFill>
+                <a:latin typeface="Noto Sans" panose="020B0502040504020204" pitchFamily="34" charset="0"/>
+                <a:ea typeface="Noto Sans" panose="020B0502040504020204" pitchFamily="34" charset="0"/>
+                <a:cs typeface="Noto Sans" panose="020B0502040504020204" pitchFamily="34" charset="0"/>
+              </a:rPr>
+              <a:t>등록일자</a:t>
+            </a:r>
+            <a:r>
+              <a:rPr lang="ko-KR" altLang="en-US" sz="800" dirty="0">
+                <a:solidFill>
+                  <a:schemeClr val="tx1"/>
+                </a:solidFill>
+                <a:latin typeface="Noto Sans" panose="020B0502040504020204" pitchFamily="34" charset="0"/>
+                <a:cs typeface="Noto Sans" panose="020B0502040504020204" pitchFamily="34" charset="0"/>
+              </a:rPr>
+              <a:t> </a:t>
             </a:r>
             <a:r>
               <a:rPr lang="en-US" altLang="ko-KR" sz="800" dirty="0">
-                <a:latin typeface="Noto Sans" panose="020B0502040504020204" pitchFamily="34" charset="0"/>
-                <a:ea typeface="Noto Sans" panose="020B0502040504020204" pitchFamily="34" charset="0"/>
-                <a:cs typeface="Noto Sans" panose="020B0502040504020204" pitchFamily="34" charset="0"/>
-              </a:rPr>
-              <a:t>LIKE '%71%' </a:t>
-            </a:r>
-          </a:p>
-          <a:p>
-            <a:pPr latinLnBrk="1"/>
-            <a:r>
-              <a:rPr lang="en-US" altLang="ko-KR" sz="800" dirty="0">
-                <a:latin typeface="Noto Sans" panose="020B0502040504020204" pitchFamily="34" charset="0"/>
-                <a:ea typeface="Noto Sans" panose="020B0502040504020204" pitchFamily="34" charset="0"/>
-                <a:cs typeface="Noto Sans" panose="020B0502040504020204" pitchFamily="34" charset="0"/>
-              </a:rPr>
-              <a:t>ORDER BY </a:t>
-            </a:r>
-            <a:r>
-              <a:rPr lang="ko-KR" altLang="en-US" sz="800" dirty="0">
-                <a:latin typeface="Noto Sans" panose="020B0502040504020204" pitchFamily="34" charset="0"/>
-                <a:ea typeface="Noto Sans" panose="020B0502040504020204" pitchFamily="34" charset="0"/>
-                <a:cs typeface="Noto Sans" panose="020B0502040504020204" pitchFamily="34" charset="0"/>
-              </a:rPr>
-              <a:t>등록일자</a:t>
-            </a:r>
-            <a:r>
-              <a:rPr lang="ko-KR" altLang="en-US" sz="800" dirty="0">
-                <a:latin typeface="Noto Sans" panose="020B0502040504020204" pitchFamily="34" charset="0"/>
-                <a:cs typeface="Noto Sans" panose="020B0502040504020204" pitchFamily="34" charset="0"/>
-              </a:rPr>
-              <a:t> </a:t>
-            </a:r>
-            <a:r>
-              <a:rPr lang="en-US" altLang="ko-KR" sz="800" dirty="0">
+                <a:solidFill>
+                  <a:schemeClr val="tx1"/>
+                </a:solidFill>
                 <a:latin typeface="Noto Sans" panose="020B0502040504020204" pitchFamily="34" charset="0"/>
                 <a:ea typeface="Noto Sans" panose="020B0502040504020204" pitchFamily="34" charset="0"/>
                 <a:cs typeface="Noto Sans" panose="020B0502040504020204" pitchFamily="34" charset="0"/>
@@ -15490,7 +19459,7 @@
 </p:sld>
 </file>
 
-<file path=ppt/slides/slide8.xml><?xml version="1.0" encoding="utf-8"?>
+<file path=ppt/slides/slide9.xml><?xml version="1.0" encoding="utf-8"?>
 <p:sld xmlns:a="http://schemas.openxmlformats.org/drawingml/2006/main" xmlns:r="http://schemas.openxmlformats.org/officeDocument/2006/relationships" xmlns:p="http://schemas.openxmlformats.org/presentationml/2006/main">
   <p:cSld>
     <p:spTree>
@@ -15527,8 +19496,8 @@
         </p:nvSpPr>
         <p:spPr>
           <a:xfrm>
-            <a:off x="2697970" y="2472080"/>
-            <a:ext cx="2070913" cy="888603"/>
+            <a:off x="2590800" y="2472080"/>
+            <a:ext cx="2178083" cy="888603"/>
           </a:xfrm>
           <a:prstGeom prst="flowChartDocument">
             <a:avLst/>
@@ -15570,14 +19539,30 @@
                 <a:solidFill>
                   <a:schemeClr val="tx1"/>
                 </a:solidFill>
-              </a:rPr>
-              <a:t>“</a:t>
+                <a:latin typeface="Noto Sans" panose="020B0502040504020204" pitchFamily="34" charset="0"/>
+                <a:ea typeface="Noto Sans" panose="020B0502040504020204" pitchFamily="34" charset="0"/>
+                <a:cs typeface="Noto Sans" panose="020B0502040504020204" pitchFamily="34" charset="0"/>
+              </a:rPr>
+              <a:t>“ITEM_TB</a:t>
             </a:r>
             <a:r>
               <a:rPr lang="ko-KR" altLang="en-US" sz="1000" dirty="0">
                 <a:solidFill>
                   <a:schemeClr val="tx1"/>
                 </a:solidFill>
+                <a:latin typeface="Noto Sans" panose="020B0502040504020204" pitchFamily="34" charset="0"/>
+                <a:ea typeface="Noto Sans" panose="020B0502040504020204" pitchFamily="34" charset="0"/>
+                <a:cs typeface="Noto Sans" panose="020B0502040504020204" pitchFamily="34" charset="0"/>
+              </a:rPr>
+              <a:t>에서 </a:t>
+            </a:r>
+            <a:r>
+              <a:rPr lang="ko-KR" altLang="en-US" sz="1000" dirty="0">
+                <a:solidFill>
+                  <a:schemeClr val="tx1"/>
+                </a:solidFill>
+                <a:latin typeface="Noto Sans" panose="020B0502040504020204" pitchFamily="34" charset="0"/>
+                <a:cs typeface="Noto Sans" panose="020B0502040504020204" pitchFamily="34" charset="0"/>
               </a:rPr>
               <a:t>숫자 </a:t>
             </a:r>
@@ -15586,22 +19571,40 @@
                 <a:solidFill>
                   <a:schemeClr val="tx1"/>
                 </a:solidFill>
+                <a:latin typeface="Noto Sans" panose="020B0502040504020204" pitchFamily="34" charset="0"/>
+                <a:ea typeface="Noto Sans" panose="020B0502040504020204" pitchFamily="34" charset="0"/>
+                <a:cs typeface="Noto Sans" panose="020B0502040504020204" pitchFamily="34" charset="0"/>
               </a:rPr>
               <a:t>71</a:t>
             </a:r>
             <a:r>
+              <a:rPr lang="ko-KR" altLang="en-US" sz="1000" b="1" dirty="0">
+                <a:solidFill>
+                  <a:schemeClr val="tx1"/>
+                </a:solidFill>
+                <a:latin typeface="Noto Sans" panose="020B0502040504020204" pitchFamily="34" charset="0"/>
+                <a:cs typeface="Noto Sans" panose="020B0502040504020204" pitchFamily="34" charset="0"/>
+              </a:rPr>
+              <a:t>이 </a:t>
+            </a:r>
+            <a:r>
               <a:rPr lang="ko-KR" altLang="en-US" sz="1000" dirty="0">
                 <a:solidFill>
                   <a:schemeClr val="tx1"/>
                 </a:solidFill>
-              </a:rPr>
-              <a:t>이 포함되어 있는 화학물질을 등록일자 기준 오름차순으로 정렬해서 보여줘</a:t>
+                <a:latin typeface="Noto Sans" panose="020B0502040504020204" pitchFamily="34" charset="0"/>
+                <a:cs typeface="Noto Sans" panose="020B0502040504020204" pitchFamily="34" charset="0"/>
+              </a:rPr>
+              <a:t>포함되어 있는 화학물질을 등록일자 기준으로 오름차순 정렬해서 보여줘</a:t>
             </a:r>
             <a:r>
               <a:rPr lang="en-US" altLang="ko-KR" sz="1000" dirty="0">
                 <a:solidFill>
                   <a:schemeClr val="tx1"/>
                 </a:solidFill>
+                <a:latin typeface="Noto Sans" panose="020B0502040504020204" pitchFamily="34" charset="0"/>
+                <a:ea typeface="Noto Sans" panose="020B0502040504020204" pitchFamily="34" charset="0"/>
+                <a:cs typeface="Noto Sans" panose="020B0502040504020204" pitchFamily="34" charset="0"/>
               </a:rPr>
               <a:t>"</a:t>
             </a:r>
@@ -15609,6 +19612,8 @@
               <a:solidFill>
                 <a:schemeClr val="tx1"/>
               </a:solidFill>
+              <a:latin typeface="Noto Sans" panose="020B0502040504020204" pitchFamily="34" charset="0"/>
+              <a:cs typeface="Noto Sans" panose="020B0502040504020204" pitchFamily="34" charset="0"/>
             </a:endParaRPr>
           </a:p>
         </p:txBody>
@@ -15818,72 +19823,139 @@
                 <a:solidFill>
                   <a:schemeClr val="tx1"/>
                 </a:solidFill>
-              </a:rPr>
-              <a:t>“</a:t>
+                <a:latin typeface="Noto Sans" panose="020B0502040504020204" pitchFamily="34" charset="0"/>
+                <a:ea typeface="Noto Sans" panose="020B0502040504020204" pitchFamily="34" charset="0"/>
+                <a:cs typeface="Noto Sans" panose="020B0502040504020204" pitchFamily="34" charset="0"/>
+              </a:rPr>
+              <a:t>"</a:t>
             </a:r>
             <a:r>
               <a:rPr lang="ko-KR" altLang="en-US" sz="900" dirty="0">
                 <a:solidFill>
                   <a:schemeClr val="tx1"/>
                 </a:solidFill>
-              </a:rPr>
-              <a:t>그 화학물질 목록에서 </a:t>
+                <a:latin typeface="Noto Sans" panose="020B0502040504020204" pitchFamily="34" charset="0"/>
+                <a:ea typeface="Noto Sans" panose="020B0502040504020204" pitchFamily="34" charset="0"/>
+                <a:cs typeface="Noto Sans" panose="020B0502040504020204" pitchFamily="34" charset="0"/>
+              </a:rPr>
+              <a:t>화학약품에 </a:t>
+            </a:r>
+            <a:r>
+              <a:rPr lang="ko-KR" altLang="en-US" sz="900" dirty="0" err="1">
+                <a:solidFill>
+                  <a:schemeClr val="tx1"/>
+                </a:solidFill>
+                <a:latin typeface="Noto Sans" panose="020B0502040504020204" pitchFamily="34" charset="0"/>
+                <a:ea typeface="Noto Sans" panose="020B0502040504020204" pitchFamily="34" charset="0"/>
+                <a:cs typeface="Noto Sans" panose="020B0502040504020204" pitchFamily="34" charset="0"/>
+              </a:rPr>
+              <a:t>번호매긴거</a:t>
+            </a:r>
+            <a:r>
+              <a:rPr lang="ko-KR" altLang="en-US" sz="900" dirty="0">
+                <a:solidFill>
+                  <a:schemeClr val="tx1"/>
+                </a:solidFill>
+                <a:latin typeface="Noto Sans" panose="020B0502040504020204" pitchFamily="34" charset="0"/>
+                <a:cs typeface="Noto Sans" panose="020B0502040504020204" pitchFamily="34" charset="0"/>
+              </a:rPr>
+              <a:t> 있잖아</a:t>
             </a:r>
             <a:r>
               <a:rPr lang="en-US" altLang="ko-KR" sz="900" dirty="0">
                 <a:solidFill>
                   <a:schemeClr val="tx1"/>
                 </a:solidFill>
-              </a:rPr>
-              <a:t>71 </a:t>
+                <a:latin typeface="Noto Sans" panose="020B0502040504020204" pitchFamily="34" charset="0"/>
+                <a:ea typeface="Noto Sans" panose="020B0502040504020204" pitchFamily="34" charset="0"/>
+                <a:cs typeface="Noto Sans" panose="020B0502040504020204" pitchFamily="34" charset="0"/>
+              </a:rPr>
+              <a:t>? </a:t>
             </a:r>
             <a:r>
               <a:rPr lang="ko-KR" altLang="en-US" sz="900" dirty="0">
                 <a:solidFill>
                   <a:schemeClr val="tx1"/>
                 </a:solidFill>
-              </a:rPr>
-              <a:t>있는 거만 골라서 정리해</a:t>
+                <a:latin typeface="Noto Sans" panose="020B0502040504020204" pitchFamily="34" charset="0"/>
+                <a:ea typeface="Noto Sans" panose="020B0502040504020204" pitchFamily="34" charset="0"/>
+                <a:cs typeface="Noto Sans" panose="020B0502040504020204" pitchFamily="34" charset="0"/>
+              </a:rPr>
+              <a:t>거기</a:t>
+            </a:r>
+            <a:r>
+              <a:rPr lang="ko-KR" altLang="en-US" sz="900" dirty="0">
+                <a:solidFill>
+                  <a:schemeClr val="tx1"/>
+                </a:solidFill>
+                <a:latin typeface="Noto Sans" panose="020B0502040504020204" pitchFamily="34" charset="0"/>
+                <a:cs typeface="Noto Sans" panose="020B0502040504020204" pitchFamily="34" charset="0"/>
+              </a:rPr>
+              <a:t>에 </a:t>
             </a:r>
             <a:r>
               <a:rPr lang="en-US" altLang="ko-KR" sz="900" dirty="0">
                 <a:solidFill>
                   <a:schemeClr val="tx1"/>
                 </a:solidFill>
-              </a:rPr>
-              <a:t>. </a:t>
+                <a:latin typeface="Noto Sans" panose="020B0502040504020204" pitchFamily="34" charset="0"/>
+                <a:ea typeface="Noto Sans" panose="020B0502040504020204" pitchFamily="34" charset="0"/>
+                <a:cs typeface="Noto Sans" panose="020B0502040504020204" pitchFamily="34" charset="0"/>
+              </a:rPr>
+              <a:t>71</a:t>
             </a:r>
             <a:r>
               <a:rPr lang="ko-KR" altLang="en-US" sz="900" dirty="0">
                 <a:solidFill>
                   <a:schemeClr val="tx1"/>
                 </a:solidFill>
-              </a:rPr>
-              <a:t>날짜 기준으로 빠른 거부터</a:t>
+                <a:latin typeface="Noto Sans" panose="020B0502040504020204" pitchFamily="34" charset="0"/>
+                <a:cs typeface="Noto Sans" panose="020B0502040504020204" pitchFamily="34" charset="0"/>
+              </a:rPr>
+              <a:t>이 들어가는 리스트를 뽑고 싶은데</a:t>
             </a:r>
             <a:r>
               <a:rPr lang="en-US" altLang="ko-KR" sz="900" dirty="0">
                 <a:solidFill>
                   <a:schemeClr val="tx1"/>
                 </a:solidFill>
-              </a:rPr>
-              <a:t>. </a:t>
+                <a:latin typeface="Noto Sans" panose="020B0502040504020204" pitchFamily="34" charset="0"/>
+                <a:ea typeface="Noto Sans" panose="020B0502040504020204" pitchFamily="34" charset="0"/>
+                <a:cs typeface="Noto Sans" panose="020B0502040504020204" pitchFamily="34" charset="0"/>
+              </a:rPr>
+              <a:t>, </a:t>
             </a:r>
             <a:r>
               <a:rPr lang="ko-KR" altLang="en-US" sz="900" dirty="0">
                 <a:solidFill>
                   <a:schemeClr val="tx1"/>
                 </a:solidFill>
-              </a:rPr>
-              <a:t>쓸데없는 거 빼고</a:t>
+                <a:latin typeface="Noto Sans" panose="020B0502040504020204" pitchFamily="34" charset="0"/>
+                <a:ea typeface="Noto Sans" panose="020B0502040504020204" pitchFamily="34" charset="0"/>
+                <a:cs typeface="Noto Sans" panose="020B0502040504020204" pitchFamily="34" charset="0"/>
+              </a:rPr>
+              <a:t>등록일</a:t>
+            </a:r>
+            <a:r>
+              <a:rPr lang="ko-KR" altLang="en-US" sz="900" dirty="0">
+                <a:solidFill>
+                  <a:schemeClr val="tx1"/>
+                </a:solidFill>
+                <a:latin typeface="Noto Sans" panose="020B0502040504020204" pitchFamily="34" charset="0"/>
+                <a:cs typeface="Noto Sans" panose="020B0502040504020204" pitchFamily="34" charset="0"/>
+              </a:rPr>
+              <a:t> 기준 빠른 날짜부터 차곡차곡 정렬하는 거 가능할까</a:t>
             </a:r>
             <a:r>
               <a:rPr lang="en-US" altLang="ko-KR" sz="900" dirty="0">
                 <a:solidFill>
                   <a:schemeClr val="tx1"/>
                 </a:solidFill>
-              </a:rPr>
-              <a:t>.”</a:t>
+                <a:latin typeface="Noto Sans" panose="020B0502040504020204" pitchFamily="34" charset="0"/>
+                <a:ea typeface="Noto Sans" panose="020B0502040504020204" pitchFamily="34" charset="0"/>
+                <a:cs typeface="Noto Sans" panose="020B0502040504020204" pitchFamily="34" charset="0"/>
+              </a:rPr>
+              <a:t>?"</a:t>
             </a:r>
             <a:endParaRPr lang="ko-KR" altLang="en-US" sz="900" dirty="0">
               <a:solidFill>
@@ -16112,6 +20184,7 @@
             </a:extLst>
           </p:cNvPr>
           <p:cNvCxnSpPr>
+            <a:cxnSpLocks/>
             <a:stCxn id="4" idx="3"/>
             <a:endCxn id="5" idx="1"/>
           </p:cNvCxnSpPr>
@@ -16151,6 +20224,7 @@
             </a:extLst>
           </p:cNvPr>
           <p:cNvCxnSpPr>
+            <a:cxnSpLocks/>
             <a:stCxn id="4" idx="3"/>
             <a:endCxn id="8" idx="1"/>
           </p:cNvCxnSpPr>
@@ -16190,6 +20264,7 @@
             </a:extLst>
           </p:cNvPr>
           <p:cNvCxnSpPr>
+            <a:cxnSpLocks/>
             <a:stCxn id="4" idx="3"/>
             <a:endCxn id="9" idx="1"/>
           </p:cNvCxnSpPr>
@@ -16418,1353 +20493,6 @@
     <p:extLst>
       <p:ext uri="{BB962C8B-B14F-4D97-AF65-F5344CB8AC3E}">
         <p14:creationId xmlns:p14="http://schemas.microsoft.com/office/powerpoint/2010/main" val="2023954309"/>
-      </p:ext>
-    </p:extLst>
-  </p:cSld>
-  <p:clrMapOvr>
-    <a:masterClrMapping/>
-  </p:clrMapOvr>
-</p:sld>
-</file>
-
-<file path=ppt/slides/slide9.xml><?xml version="1.0" encoding="utf-8"?>
-<p:sld xmlns:a="http://schemas.openxmlformats.org/drawingml/2006/main" xmlns:r="http://schemas.openxmlformats.org/officeDocument/2006/relationships" xmlns:p="http://schemas.openxmlformats.org/presentationml/2006/main">
-  <p:cSld>
-    <p:spTree>
-      <p:nvGrpSpPr>
-        <p:cNvPr id="1" name=""/>
-        <p:cNvGrpSpPr/>
-        <p:nvPr/>
-      </p:nvGrpSpPr>
-      <p:grpSpPr>
-        <a:xfrm>
-          <a:off x="0" y="0"/>
-          <a:ext cx="0" cy="0"/>
-          <a:chOff x="0" y="0"/>
-          <a:chExt cx="0" cy="0"/>
-        </a:xfrm>
-      </p:grpSpPr>
-      <p:sp>
-        <p:nvSpPr>
-          <p:cNvPr id="11" name="순서도: 자기 디스크 10">
-            <a:extLst>
-              <a:ext uri="{FF2B5EF4-FFF2-40B4-BE49-F238E27FC236}">
-                <a16:creationId xmlns:a16="http://schemas.microsoft.com/office/drawing/2014/main" id="{3C41BC82-4371-B842-F76D-67053839BD88}"/>
-              </a:ext>
-            </a:extLst>
-          </p:cNvPr>
-          <p:cNvSpPr/>
-          <p:nvPr/>
-        </p:nvSpPr>
-        <p:spPr>
-          <a:xfrm>
-            <a:off x="1986103" y="4924739"/>
-            <a:ext cx="1386373" cy="736441"/>
-          </a:xfrm>
-          <a:prstGeom prst="flowChartMagneticDisk">
-            <a:avLst/>
-          </a:prstGeom>
-          <a:noFill/>
-          <a:effectLst>
-            <a:outerShdw blurRad="1270000" dist="50800" dir="5400000" algn="ctr" rotWithShape="0">
-              <a:srgbClr val="000000">
-                <a:alpha val="43137"/>
-              </a:srgbClr>
-            </a:outerShdw>
-          </a:effectLst>
-        </p:spPr>
-        <p:style>
-          <a:lnRef idx="2">
-            <a:schemeClr val="accent1">
-              <a:shade val="15000"/>
-            </a:schemeClr>
-          </a:lnRef>
-          <a:fillRef idx="1">
-            <a:schemeClr val="accent1"/>
-          </a:fillRef>
-          <a:effectRef idx="0">
-            <a:schemeClr val="accent1"/>
-          </a:effectRef>
-          <a:fontRef idx="minor">
-            <a:schemeClr val="lt1"/>
-          </a:fontRef>
-        </p:style>
-        <p:txBody>
-          <a:bodyPr rtlCol="0" anchor="ctr"/>
-          <a:lstStyle/>
-          <a:p>
-            <a:pPr algn="ctr"/>
-            <a:r>
-              <a:rPr lang="ko-KR" altLang="en-US" sz="1000" i="1" dirty="0">
-                <a:solidFill>
-                  <a:schemeClr val="tx1"/>
-                </a:solidFill>
-                <a:latin typeface="Noto Sans" panose="020B0502040504020204" pitchFamily="34" charset="0"/>
-                <a:cs typeface="Noto Sans" panose="020B0502040504020204" pitchFamily="34" charset="0"/>
-              </a:rPr>
-              <a:t>표준 질의문장</a:t>
-            </a:r>
-            <a:endParaRPr lang="en-US" altLang="ko-KR" sz="1000" i="1" dirty="0">
-              <a:solidFill>
-                <a:schemeClr val="tx1"/>
-              </a:solidFill>
-              <a:latin typeface="Noto Sans" panose="020B0502040504020204" pitchFamily="34" charset="0"/>
-              <a:ea typeface="Noto Sans" panose="020B0502040504020204" pitchFamily="34" charset="0"/>
-              <a:cs typeface="Noto Sans" panose="020B0502040504020204" pitchFamily="34" charset="0"/>
-            </a:endParaRPr>
-          </a:p>
-          <a:p>
-            <a:pPr algn="ctr"/>
-            <a:r>
-              <a:rPr lang="ko-KR" altLang="en-US" sz="1000" i="1" dirty="0">
-                <a:solidFill>
-                  <a:schemeClr val="tx1"/>
-                </a:solidFill>
-                <a:latin typeface="Noto Sans" panose="020B0502040504020204" pitchFamily="34" charset="0"/>
-                <a:cs typeface="Noto Sans" panose="020B0502040504020204" pitchFamily="34" charset="0"/>
-              </a:rPr>
-              <a:t>데이터셋 </a:t>
-            </a:r>
-            <a:endParaRPr lang="en-US" altLang="ko-KR" sz="1000" i="1" dirty="0">
-              <a:solidFill>
-                <a:schemeClr val="tx1"/>
-              </a:solidFill>
-              <a:latin typeface="Noto Sans" panose="020B0502040504020204" pitchFamily="34" charset="0"/>
-              <a:ea typeface="Noto Sans" panose="020B0502040504020204" pitchFamily="34" charset="0"/>
-              <a:cs typeface="Noto Sans" panose="020B0502040504020204" pitchFamily="34" charset="0"/>
-            </a:endParaRPr>
-          </a:p>
-        </p:txBody>
-      </p:sp>
-      <p:sp>
-        <p:nvSpPr>
-          <p:cNvPr id="3" name="순서도: 자기 디스크 2">
-            <a:extLst>
-              <a:ext uri="{FF2B5EF4-FFF2-40B4-BE49-F238E27FC236}">
-                <a16:creationId xmlns:a16="http://schemas.microsoft.com/office/drawing/2014/main" id="{67497B06-66A1-DC3C-F43C-27DEF43DF924}"/>
-              </a:ext>
-            </a:extLst>
-          </p:cNvPr>
-          <p:cNvSpPr/>
-          <p:nvPr/>
-        </p:nvSpPr>
-        <p:spPr>
-          <a:xfrm>
-            <a:off x="9176036" y="1312463"/>
-            <a:ext cx="1386373" cy="736441"/>
-          </a:xfrm>
-          <a:prstGeom prst="flowChartMagneticDisk">
-            <a:avLst/>
-          </a:prstGeom>
-          <a:noFill/>
-          <a:effectLst>
-            <a:outerShdw blurRad="1270000" dist="50800" dir="5400000" algn="ctr" rotWithShape="0">
-              <a:srgbClr val="000000">
-                <a:alpha val="43137"/>
-              </a:srgbClr>
-            </a:outerShdw>
-          </a:effectLst>
-        </p:spPr>
-        <p:style>
-          <a:lnRef idx="2">
-            <a:schemeClr val="accent1">
-              <a:shade val="15000"/>
-            </a:schemeClr>
-          </a:lnRef>
-          <a:fillRef idx="1">
-            <a:schemeClr val="accent1"/>
-          </a:fillRef>
-          <a:effectRef idx="0">
-            <a:schemeClr val="accent1"/>
-          </a:effectRef>
-          <a:fontRef idx="minor">
-            <a:schemeClr val="lt1"/>
-          </a:fontRef>
-        </p:style>
-        <p:txBody>
-          <a:bodyPr rtlCol="0" anchor="ctr"/>
-          <a:lstStyle/>
-          <a:p>
-            <a:pPr algn="ctr"/>
-            <a:r>
-              <a:rPr lang="ko-KR" altLang="en-US" sz="1200" i="1" dirty="0">
-                <a:solidFill>
-                  <a:schemeClr val="tx1"/>
-                </a:solidFill>
-                <a:latin typeface="Noto Sans" panose="020B0502040504020204" pitchFamily="34" charset="0"/>
-                <a:cs typeface="Noto Sans" panose="020B0502040504020204" pitchFamily="34" charset="0"/>
-              </a:rPr>
-              <a:t>비표준 질의문장 </a:t>
-            </a:r>
-            <a:endParaRPr lang="en-US" altLang="ko-KR" sz="1200" i="1" dirty="0">
-              <a:solidFill>
-                <a:schemeClr val="tx1"/>
-              </a:solidFill>
-              <a:latin typeface="Noto Sans" panose="020B0502040504020204" pitchFamily="34" charset="0"/>
-              <a:ea typeface="Noto Sans" panose="020B0502040504020204" pitchFamily="34" charset="0"/>
-              <a:cs typeface="Noto Sans" panose="020B0502040504020204" pitchFamily="34" charset="0"/>
-            </a:endParaRPr>
-          </a:p>
-        </p:txBody>
-      </p:sp>
-      <p:cxnSp>
-        <p:nvCxnSpPr>
-          <p:cNvPr id="19" name="직선 화살표 연결선 18">
-            <a:extLst>
-              <a:ext uri="{FF2B5EF4-FFF2-40B4-BE49-F238E27FC236}">
-                <a16:creationId xmlns:a16="http://schemas.microsoft.com/office/drawing/2014/main" id="{E639758F-ADBF-9FB9-C5C2-0C000C1B0DF7}"/>
-              </a:ext>
-            </a:extLst>
-          </p:cNvPr>
-          <p:cNvCxnSpPr>
-            <a:cxnSpLocks/>
-          </p:cNvCxnSpPr>
-          <p:nvPr/>
-        </p:nvCxnSpPr>
-        <p:spPr>
-          <a:xfrm flipV="1">
-            <a:off x="2679290" y="4147429"/>
-            <a:ext cx="0" cy="336590"/>
-          </a:xfrm>
-          <a:prstGeom prst="straightConnector1">
-            <a:avLst/>
-          </a:prstGeom>
-          <a:ln>
-            <a:tailEnd type="triangle"/>
-          </a:ln>
-        </p:spPr>
-        <p:style>
-          <a:lnRef idx="1">
-            <a:schemeClr val="dk1"/>
-          </a:lnRef>
-          <a:fillRef idx="0">
-            <a:schemeClr val="dk1"/>
-          </a:fillRef>
-          <a:effectRef idx="0">
-            <a:schemeClr val="dk1"/>
-          </a:effectRef>
-          <a:fontRef idx="minor">
-            <a:schemeClr val="tx1"/>
-          </a:fontRef>
-        </p:style>
-      </p:cxnSp>
-      <p:sp>
-        <p:nvSpPr>
-          <p:cNvPr id="34" name="직사각형 33">
-            <a:extLst>
-              <a:ext uri="{FF2B5EF4-FFF2-40B4-BE49-F238E27FC236}">
-                <a16:creationId xmlns:a16="http://schemas.microsoft.com/office/drawing/2014/main" id="{B1DADC86-AD6D-72E2-3E7B-A53FF1720575}"/>
-              </a:ext>
-            </a:extLst>
-          </p:cNvPr>
-          <p:cNvSpPr/>
-          <p:nvPr/>
-        </p:nvSpPr>
-        <p:spPr>
-          <a:xfrm>
-            <a:off x="4892781" y="2949651"/>
-            <a:ext cx="2132307" cy="888603"/>
-          </a:xfrm>
-          <a:prstGeom prst="rect">
-            <a:avLst/>
-          </a:prstGeom>
-          <a:noFill/>
-          <a:effectLst>
-            <a:outerShdw blurRad="1270000" dist="50800" dir="5400000" algn="ctr" rotWithShape="0">
-              <a:srgbClr val="000000">
-                <a:alpha val="43137"/>
-              </a:srgbClr>
-            </a:outerShdw>
-          </a:effectLst>
-        </p:spPr>
-        <p:style>
-          <a:lnRef idx="2">
-            <a:schemeClr val="accent1">
-              <a:shade val="15000"/>
-            </a:schemeClr>
-          </a:lnRef>
-          <a:fillRef idx="1">
-            <a:schemeClr val="accent1"/>
-          </a:fillRef>
-          <a:effectRef idx="0">
-            <a:schemeClr val="accent1"/>
-          </a:effectRef>
-          <a:fontRef idx="minor">
-            <a:schemeClr val="lt1"/>
-          </a:fontRef>
-        </p:style>
-        <p:txBody>
-          <a:bodyPr rtlCol="0" anchor="ctr"/>
-          <a:lstStyle/>
-          <a:p>
-            <a:pPr algn="ctr"/>
-            <a:r>
-              <a:rPr lang="en-US" altLang="ko-KR" sz="1500" dirty="0">
-                <a:solidFill>
-                  <a:schemeClr val="tx1"/>
-                </a:solidFill>
-                <a:latin typeface="Noto Sans" panose="020B0502040504020204" pitchFamily="34" charset="0"/>
-                <a:ea typeface="Noto Sans" panose="020B0502040504020204" pitchFamily="34" charset="0"/>
-                <a:cs typeface="Noto Sans" panose="020B0502040504020204" pitchFamily="34" charset="0"/>
-              </a:rPr>
-              <a:t>sql2text</a:t>
-            </a:r>
-            <a:endParaRPr lang="ko-KR" altLang="en-US" sz="1500" dirty="0">
-              <a:solidFill>
-                <a:schemeClr val="tx1"/>
-              </a:solidFill>
-              <a:latin typeface="Noto Sans" panose="020B0502040504020204" pitchFamily="34" charset="0"/>
-              <a:cs typeface="Noto Sans" panose="020B0502040504020204" pitchFamily="34" charset="0"/>
-            </a:endParaRPr>
-          </a:p>
-        </p:txBody>
-      </p:sp>
-      <p:sp>
-        <p:nvSpPr>
-          <p:cNvPr id="35" name="순서도: 문서 34">
-            <a:extLst>
-              <a:ext uri="{FF2B5EF4-FFF2-40B4-BE49-F238E27FC236}">
-                <a16:creationId xmlns:a16="http://schemas.microsoft.com/office/drawing/2014/main" id="{0D21D022-88ED-151F-D344-CE842BBABE08}"/>
-              </a:ext>
-            </a:extLst>
-          </p:cNvPr>
-          <p:cNvSpPr/>
-          <p:nvPr/>
-        </p:nvSpPr>
-        <p:spPr>
-          <a:xfrm>
-            <a:off x="8912501" y="2530731"/>
-            <a:ext cx="2138913" cy="888602"/>
-          </a:xfrm>
-          <a:prstGeom prst="flowChartDocument">
-            <a:avLst/>
-          </a:prstGeom>
-          <a:solidFill>
-            <a:schemeClr val="bg1"/>
-          </a:solidFill>
-          <a:effectLst>
-            <a:outerShdw blurRad="127000" dist="50800" dir="5400000" algn="ctr" rotWithShape="0">
-              <a:srgbClr val="000000">
-                <a:alpha val="50000"/>
-              </a:srgbClr>
-            </a:outerShdw>
-          </a:effectLst>
-        </p:spPr>
-        <p:style>
-          <a:lnRef idx="2">
-            <a:schemeClr val="accent1">
-              <a:shade val="15000"/>
-            </a:schemeClr>
-          </a:lnRef>
-          <a:fillRef idx="1">
-            <a:schemeClr val="accent1"/>
-          </a:fillRef>
-          <a:effectRef idx="0">
-            <a:schemeClr val="accent1"/>
-          </a:effectRef>
-          <a:fontRef idx="minor">
-            <a:schemeClr val="lt1"/>
-          </a:fontRef>
-        </p:style>
-        <p:txBody>
-          <a:bodyPr rtlCol="0" anchor="ctr"/>
-          <a:lstStyle/>
-          <a:p>
-            <a:pPr algn="ctr"/>
-            <a:endParaRPr lang="ko-KR" altLang="en-US" dirty="0">
-              <a:latin typeface="Noto Sans" panose="020B0502040504020204" pitchFamily="34" charset="0"/>
-              <a:cs typeface="Noto Sans" panose="020B0502040504020204" pitchFamily="34" charset="0"/>
-            </a:endParaRPr>
-          </a:p>
-        </p:txBody>
-      </p:sp>
-      <p:sp>
-        <p:nvSpPr>
-          <p:cNvPr id="36" name="순서도: 문서 35">
-            <a:extLst>
-              <a:ext uri="{FF2B5EF4-FFF2-40B4-BE49-F238E27FC236}">
-                <a16:creationId xmlns:a16="http://schemas.microsoft.com/office/drawing/2014/main" id="{76A233EB-66A2-5EF0-D792-14FB5EB9ADAB}"/>
-              </a:ext>
-            </a:extLst>
-          </p:cNvPr>
-          <p:cNvSpPr/>
-          <p:nvPr/>
-        </p:nvSpPr>
-        <p:spPr>
-          <a:xfrm>
-            <a:off x="8840614" y="2567943"/>
-            <a:ext cx="2138913" cy="888602"/>
-          </a:xfrm>
-          <a:prstGeom prst="flowChartDocument">
-            <a:avLst/>
-          </a:prstGeom>
-          <a:solidFill>
-            <a:schemeClr val="bg1"/>
-          </a:solidFill>
-          <a:effectLst>
-            <a:outerShdw blurRad="127000" dist="50800" dir="5400000" algn="ctr" rotWithShape="0">
-              <a:srgbClr val="000000">
-                <a:alpha val="50000"/>
-              </a:srgbClr>
-            </a:outerShdw>
-          </a:effectLst>
-        </p:spPr>
-        <p:style>
-          <a:lnRef idx="2">
-            <a:schemeClr val="accent1">
-              <a:shade val="15000"/>
-            </a:schemeClr>
-          </a:lnRef>
-          <a:fillRef idx="1">
-            <a:schemeClr val="accent1"/>
-          </a:fillRef>
-          <a:effectRef idx="0">
-            <a:schemeClr val="accent1"/>
-          </a:effectRef>
-          <a:fontRef idx="minor">
-            <a:schemeClr val="lt1"/>
-          </a:fontRef>
-        </p:style>
-        <p:txBody>
-          <a:bodyPr rtlCol="0" anchor="ctr"/>
-          <a:lstStyle/>
-          <a:p>
-            <a:pPr algn="ctr"/>
-            <a:endParaRPr lang="ko-KR" altLang="en-US" dirty="0">
-              <a:latin typeface="Noto Sans" panose="020B0502040504020204" pitchFamily="34" charset="0"/>
-              <a:cs typeface="Noto Sans" panose="020B0502040504020204" pitchFamily="34" charset="0"/>
-            </a:endParaRPr>
-          </a:p>
-        </p:txBody>
-      </p:sp>
-      <p:sp>
-        <p:nvSpPr>
-          <p:cNvPr id="37" name="순서도: 문서 36">
-            <a:extLst>
-              <a:ext uri="{FF2B5EF4-FFF2-40B4-BE49-F238E27FC236}">
-                <a16:creationId xmlns:a16="http://schemas.microsoft.com/office/drawing/2014/main" id="{7DDC720E-36DE-0409-308A-34206AD37E19}"/>
-              </a:ext>
-            </a:extLst>
-          </p:cNvPr>
-          <p:cNvSpPr/>
-          <p:nvPr/>
-        </p:nvSpPr>
-        <p:spPr>
-          <a:xfrm>
-            <a:off x="8768727" y="2619983"/>
-            <a:ext cx="2138913" cy="888602"/>
-          </a:xfrm>
-          <a:prstGeom prst="flowChartDocument">
-            <a:avLst/>
-          </a:prstGeom>
-          <a:solidFill>
-            <a:schemeClr val="bg1"/>
-          </a:solidFill>
-          <a:effectLst>
-            <a:outerShdw blurRad="127000" dist="50800" dir="5400000" algn="ctr" rotWithShape="0">
-              <a:srgbClr val="000000">
-                <a:alpha val="50000"/>
-              </a:srgbClr>
-            </a:outerShdw>
-          </a:effectLst>
-        </p:spPr>
-        <p:style>
-          <a:lnRef idx="2">
-            <a:schemeClr val="accent1">
-              <a:shade val="15000"/>
-            </a:schemeClr>
-          </a:lnRef>
-          <a:fillRef idx="1">
-            <a:schemeClr val="accent1"/>
-          </a:fillRef>
-          <a:effectRef idx="0">
-            <a:schemeClr val="accent1"/>
-          </a:effectRef>
-          <a:fontRef idx="minor">
-            <a:schemeClr val="lt1"/>
-          </a:fontRef>
-        </p:style>
-        <p:txBody>
-          <a:bodyPr rtlCol="0" anchor="ctr"/>
-          <a:lstStyle/>
-          <a:p>
-            <a:pPr algn="ctr"/>
-            <a:endParaRPr lang="ko-KR" altLang="en-US" dirty="0">
-              <a:latin typeface="Noto Sans" panose="020B0502040504020204" pitchFamily="34" charset="0"/>
-              <a:cs typeface="Noto Sans" panose="020B0502040504020204" pitchFamily="34" charset="0"/>
-            </a:endParaRPr>
-          </a:p>
-        </p:txBody>
-      </p:sp>
-      <p:sp>
-        <p:nvSpPr>
-          <p:cNvPr id="38" name="순서도: 문서 37">
-            <a:extLst>
-              <a:ext uri="{FF2B5EF4-FFF2-40B4-BE49-F238E27FC236}">
-                <a16:creationId xmlns:a16="http://schemas.microsoft.com/office/drawing/2014/main" id="{B995F21A-CB1B-C02D-0B96-509F9190E921}"/>
-              </a:ext>
-            </a:extLst>
-          </p:cNvPr>
-          <p:cNvSpPr/>
-          <p:nvPr/>
-        </p:nvSpPr>
-        <p:spPr>
-          <a:xfrm>
-            <a:off x="8696840" y="2672023"/>
-            <a:ext cx="2138913" cy="888602"/>
-          </a:xfrm>
-          <a:prstGeom prst="flowChartDocument">
-            <a:avLst/>
-          </a:prstGeom>
-          <a:solidFill>
-            <a:schemeClr val="bg1"/>
-          </a:solidFill>
-          <a:effectLst>
-            <a:outerShdw blurRad="127000" dist="50800" dir="5400000" algn="ctr" rotWithShape="0">
-              <a:srgbClr val="000000">
-                <a:alpha val="50000"/>
-              </a:srgbClr>
-            </a:outerShdw>
-          </a:effectLst>
-        </p:spPr>
-        <p:style>
-          <a:lnRef idx="2">
-            <a:schemeClr val="accent1">
-              <a:shade val="15000"/>
-            </a:schemeClr>
-          </a:lnRef>
-          <a:fillRef idx="1">
-            <a:schemeClr val="accent1"/>
-          </a:fillRef>
-          <a:effectRef idx="0">
-            <a:schemeClr val="accent1"/>
-          </a:effectRef>
-          <a:fontRef idx="minor">
-            <a:schemeClr val="lt1"/>
-          </a:fontRef>
-        </p:style>
-        <p:txBody>
-          <a:bodyPr rtlCol="0" anchor="ctr"/>
-          <a:lstStyle/>
-          <a:p>
-            <a:pPr algn="ctr"/>
-            <a:endParaRPr lang="ko-KR" altLang="en-US" dirty="0">
-              <a:latin typeface="Noto Sans" panose="020B0502040504020204" pitchFamily="34" charset="0"/>
-              <a:cs typeface="Noto Sans" panose="020B0502040504020204" pitchFamily="34" charset="0"/>
-            </a:endParaRPr>
-          </a:p>
-        </p:txBody>
-      </p:sp>
-      <p:sp>
-        <p:nvSpPr>
-          <p:cNvPr id="39" name="순서도: 문서 38">
-            <a:extLst>
-              <a:ext uri="{FF2B5EF4-FFF2-40B4-BE49-F238E27FC236}">
-                <a16:creationId xmlns:a16="http://schemas.microsoft.com/office/drawing/2014/main" id="{EE82F94E-E8B9-D6B5-6CB8-381DA255BD9E}"/>
-              </a:ext>
-            </a:extLst>
-          </p:cNvPr>
-          <p:cNvSpPr/>
-          <p:nvPr/>
-        </p:nvSpPr>
-        <p:spPr>
-          <a:xfrm>
-            <a:off x="8632055" y="2710198"/>
-            <a:ext cx="2138913" cy="888602"/>
-          </a:xfrm>
-          <a:prstGeom prst="flowChartDocument">
-            <a:avLst/>
-          </a:prstGeom>
-          <a:solidFill>
-            <a:schemeClr val="bg1"/>
-          </a:solidFill>
-          <a:effectLst>
-            <a:outerShdw blurRad="127000" dist="50800" dir="5400000" algn="ctr" rotWithShape="0">
-              <a:srgbClr val="000000">
-                <a:alpha val="50000"/>
-              </a:srgbClr>
-            </a:outerShdw>
-          </a:effectLst>
-        </p:spPr>
-        <p:style>
-          <a:lnRef idx="2">
-            <a:schemeClr val="accent1">
-              <a:shade val="15000"/>
-            </a:schemeClr>
-          </a:lnRef>
-          <a:fillRef idx="1">
-            <a:schemeClr val="accent1"/>
-          </a:fillRef>
-          <a:effectRef idx="0">
-            <a:schemeClr val="accent1"/>
-          </a:effectRef>
-          <a:fontRef idx="minor">
-            <a:schemeClr val="lt1"/>
-          </a:fontRef>
-        </p:style>
-        <p:txBody>
-          <a:bodyPr rtlCol="0" anchor="ctr"/>
-          <a:lstStyle/>
-          <a:p>
-            <a:pPr algn="ctr"/>
-            <a:endParaRPr lang="ko-KR" altLang="en-US" dirty="0">
-              <a:latin typeface="Noto Sans" panose="020B0502040504020204" pitchFamily="34" charset="0"/>
-              <a:cs typeface="Noto Sans" panose="020B0502040504020204" pitchFamily="34" charset="0"/>
-            </a:endParaRPr>
-          </a:p>
-        </p:txBody>
-      </p:sp>
-      <p:sp>
-        <p:nvSpPr>
-          <p:cNvPr id="40" name="순서도: 문서 39">
-            <a:extLst>
-              <a:ext uri="{FF2B5EF4-FFF2-40B4-BE49-F238E27FC236}">
-                <a16:creationId xmlns:a16="http://schemas.microsoft.com/office/drawing/2014/main" id="{8402F7EB-782F-02DF-D1B3-1A82CC74EC16}"/>
-              </a:ext>
-            </a:extLst>
-          </p:cNvPr>
-          <p:cNvSpPr/>
-          <p:nvPr/>
-        </p:nvSpPr>
-        <p:spPr>
-          <a:xfrm>
-            <a:off x="8560168" y="2747410"/>
-            <a:ext cx="2138913" cy="888602"/>
-          </a:xfrm>
-          <a:prstGeom prst="flowChartDocument">
-            <a:avLst/>
-          </a:prstGeom>
-          <a:solidFill>
-            <a:schemeClr val="bg1"/>
-          </a:solidFill>
-          <a:effectLst>
-            <a:outerShdw blurRad="127000" dist="50800" dir="5400000" algn="ctr" rotWithShape="0">
-              <a:srgbClr val="000000">
-                <a:alpha val="50000"/>
-              </a:srgbClr>
-            </a:outerShdw>
-          </a:effectLst>
-        </p:spPr>
-        <p:style>
-          <a:lnRef idx="2">
-            <a:schemeClr val="accent1">
-              <a:shade val="15000"/>
-            </a:schemeClr>
-          </a:lnRef>
-          <a:fillRef idx="1">
-            <a:schemeClr val="accent1"/>
-          </a:fillRef>
-          <a:effectRef idx="0">
-            <a:schemeClr val="accent1"/>
-          </a:effectRef>
-          <a:fontRef idx="minor">
-            <a:schemeClr val="lt1"/>
-          </a:fontRef>
-        </p:style>
-        <p:txBody>
-          <a:bodyPr rtlCol="0" anchor="ctr"/>
-          <a:lstStyle/>
-          <a:p>
-            <a:pPr algn="ctr"/>
-            <a:endParaRPr lang="ko-KR" altLang="en-US" dirty="0">
-              <a:latin typeface="Noto Sans" panose="020B0502040504020204" pitchFamily="34" charset="0"/>
-              <a:cs typeface="Noto Sans" panose="020B0502040504020204" pitchFamily="34" charset="0"/>
-            </a:endParaRPr>
-          </a:p>
-        </p:txBody>
-      </p:sp>
-      <p:sp>
-        <p:nvSpPr>
-          <p:cNvPr id="41" name="순서도: 문서 40">
-            <a:extLst>
-              <a:ext uri="{FF2B5EF4-FFF2-40B4-BE49-F238E27FC236}">
-                <a16:creationId xmlns:a16="http://schemas.microsoft.com/office/drawing/2014/main" id="{BE413858-D913-AD30-D734-3221282C938B}"/>
-              </a:ext>
-            </a:extLst>
-          </p:cNvPr>
-          <p:cNvSpPr/>
-          <p:nvPr/>
-        </p:nvSpPr>
-        <p:spPr>
-          <a:xfrm>
-            <a:off x="8488281" y="2799450"/>
-            <a:ext cx="2138913" cy="888602"/>
-          </a:xfrm>
-          <a:prstGeom prst="flowChartDocument">
-            <a:avLst/>
-          </a:prstGeom>
-          <a:solidFill>
-            <a:schemeClr val="bg1"/>
-          </a:solidFill>
-          <a:effectLst>
-            <a:outerShdw blurRad="127000" dist="50800" dir="5400000" algn="ctr" rotWithShape="0">
-              <a:srgbClr val="000000">
-                <a:alpha val="50000"/>
-              </a:srgbClr>
-            </a:outerShdw>
-          </a:effectLst>
-        </p:spPr>
-        <p:style>
-          <a:lnRef idx="2">
-            <a:schemeClr val="accent1">
-              <a:shade val="15000"/>
-            </a:schemeClr>
-          </a:lnRef>
-          <a:fillRef idx="1">
-            <a:schemeClr val="accent1"/>
-          </a:fillRef>
-          <a:effectRef idx="0">
-            <a:schemeClr val="accent1"/>
-          </a:effectRef>
-          <a:fontRef idx="minor">
-            <a:schemeClr val="lt1"/>
-          </a:fontRef>
-        </p:style>
-        <p:txBody>
-          <a:bodyPr rtlCol="0" anchor="ctr"/>
-          <a:lstStyle/>
-          <a:p>
-            <a:pPr algn="ctr"/>
-            <a:endParaRPr lang="ko-KR" altLang="en-US" dirty="0">
-              <a:latin typeface="Noto Sans" panose="020B0502040504020204" pitchFamily="34" charset="0"/>
-              <a:cs typeface="Noto Sans" panose="020B0502040504020204" pitchFamily="34" charset="0"/>
-            </a:endParaRPr>
-          </a:p>
-        </p:txBody>
-      </p:sp>
-      <p:sp>
-        <p:nvSpPr>
-          <p:cNvPr id="42" name="순서도: 문서 41">
-            <a:extLst>
-              <a:ext uri="{FF2B5EF4-FFF2-40B4-BE49-F238E27FC236}">
-                <a16:creationId xmlns:a16="http://schemas.microsoft.com/office/drawing/2014/main" id="{1D05AF93-C143-75BA-0545-D7340B9CB820}"/>
-              </a:ext>
-            </a:extLst>
-          </p:cNvPr>
-          <p:cNvSpPr/>
-          <p:nvPr/>
-        </p:nvSpPr>
-        <p:spPr>
-          <a:xfrm>
-            <a:off x="8423496" y="2851490"/>
-            <a:ext cx="2138913" cy="888602"/>
-          </a:xfrm>
-          <a:prstGeom prst="flowChartDocument">
-            <a:avLst/>
-          </a:prstGeom>
-          <a:solidFill>
-            <a:schemeClr val="bg1"/>
-          </a:solidFill>
-          <a:effectLst>
-            <a:outerShdw blurRad="127000" dist="50800" dir="5400000" algn="ctr" rotWithShape="0">
-              <a:srgbClr val="000000">
-                <a:alpha val="50000"/>
-              </a:srgbClr>
-            </a:outerShdw>
-          </a:effectLst>
-        </p:spPr>
-        <p:style>
-          <a:lnRef idx="2">
-            <a:schemeClr val="accent1">
-              <a:shade val="15000"/>
-            </a:schemeClr>
-          </a:lnRef>
-          <a:fillRef idx="1">
-            <a:schemeClr val="accent1"/>
-          </a:fillRef>
-          <a:effectRef idx="0">
-            <a:schemeClr val="accent1"/>
-          </a:effectRef>
-          <a:fontRef idx="minor">
-            <a:schemeClr val="lt1"/>
-          </a:fontRef>
-        </p:style>
-        <p:txBody>
-          <a:bodyPr rtlCol="0" anchor="ctr"/>
-          <a:lstStyle/>
-          <a:p>
-            <a:pPr algn="ctr"/>
-            <a:endParaRPr lang="ko-KR" altLang="en-US" dirty="0">
-              <a:latin typeface="Noto Sans" panose="020B0502040504020204" pitchFamily="34" charset="0"/>
-              <a:cs typeface="Noto Sans" panose="020B0502040504020204" pitchFamily="34" charset="0"/>
-            </a:endParaRPr>
-          </a:p>
-        </p:txBody>
-      </p:sp>
-      <p:sp>
-        <p:nvSpPr>
-          <p:cNvPr id="43" name="순서도: 문서 42">
-            <a:extLst>
-              <a:ext uri="{FF2B5EF4-FFF2-40B4-BE49-F238E27FC236}">
-                <a16:creationId xmlns:a16="http://schemas.microsoft.com/office/drawing/2014/main" id="{579E26CE-8CFE-E0C8-23DF-46347AB3FAAA}"/>
-              </a:ext>
-            </a:extLst>
-          </p:cNvPr>
-          <p:cNvSpPr/>
-          <p:nvPr/>
-        </p:nvSpPr>
-        <p:spPr>
-          <a:xfrm>
-            <a:off x="8358711" y="2913829"/>
-            <a:ext cx="2138913" cy="888602"/>
-          </a:xfrm>
-          <a:prstGeom prst="flowChartDocument">
-            <a:avLst/>
-          </a:prstGeom>
-          <a:solidFill>
-            <a:schemeClr val="bg1"/>
-          </a:solidFill>
-          <a:effectLst>
-            <a:outerShdw blurRad="127000" dist="50800" dir="5400000" algn="ctr" rotWithShape="0">
-              <a:srgbClr val="000000">
-                <a:alpha val="50000"/>
-              </a:srgbClr>
-            </a:outerShdw>
-          </a:effectLst>
-        </p:spPr>
-        <p:style>
-          <a:lnRef idx="2">
-            <a:schemeClr val="accent1">
-              <a:shade val="15000"/>
-            </a:schemeClr>
-          </a:lnRef>
-          <a:fillRef idx="1">
-            <a:schemeClr val="accent1"/>
-          </a:fillRef>
-          <a:effectRef idx="0">
-            <a:schemeClr val="accent1"/>
-          </a:effectRef>
-          <a:fontRef idx="minor">
-            <a:schemeClr val="lt1"/>
-          </a:fontRef>
-        </p:style>
-        <p:txBody>
-          <a:bodyPr rtlCol="0" anchor="ctr"/>
-          <a:lstStyle/>
-          <a:p>
-            <a:pPr algn="ctr"/>
-            <a:endParaRPr lang="ko-KR" altLang="en-US" dirty="0">
-              <a:latin typeface="Noto Sans" panose="020B0502040504020204" pitchFamily="34" charset="0"/>
-              <a:cs typeface="Noto Sans" panose="020B0502040504020204" pitchFamily="34" charset="0"/>
-            </a:endParaRPr>
-          </a:p>
-        </p:txBody>
-      </p:sp>
-      <p:sp>
-        <p:nvSpPr>
-          <p:cNvPr id="44" name="순서도: 문서 43">
-            <a:extLst>
-              <a:ext uri="{FF2B5EF4-FFF2-40B4-BE49-F238E27FC236}">
-                <a16:creationId xmlns:a16="http://schemas.microsoft.com/office/drawing/2014/main" id="{CE1320D1-C2A8-AB93-CB2B-940780E22C0A}"/>
-              </a:ext>
-            </a:extLst>
-          </p:cNvPr>
-          <p:cNvSpPr/>
-          <p:nvPr/>
-        </p:nvSpPr>
-        <p:spPr>
-          <a:xfrm>
-            <a:off x="8286825" y="2993907"/>
-            <a:ext cx="2132306" cy="870185"/>
-          </a:xfrm>
-          <a:prstGeom prst="flowChartDocument">
-            <a:avLst/>
-          </a:prstGeom>
-          <a:solidFill>
-            <a:schemeClr val="bg1"/>
-          </a:solidFill>
-          <a:effectLst>
-            <a:outerShdw blurRad="127000" dist="50800" dir="5400000" algn="ctr" rotWithShape="0">
-              <a:srgbClr val="000000">
-                <a:alpha val="50000"/>
-              </a:srgbClr>
-            </a:outerShdw>
-          </a:effectLst>
-        </p:spPr>
-        <p:style>
-          <a:lnRef idx="2">
-            <a:schemeClr val="accent1">
-              <a:shade val="15000"/>
-            </a:schemeClr>
-          </a:lnRef>
-          <a:fillRef idx="1">
-            <a:schemeClr val="accent1"/>
-          </a:fillRef>
-          <a:effectRef idx="0">
-            <a:schemeClr val="accent1"/>
-          </a:effectRef>
-          <a:fontRef idx="minor">
-            <a:schemeClr val="lt1"/>
-          </a:fontRef>
-        </p:style>
-        <p:txBody>
-          <a:bodyPr rtlCol="0" anchor="ctr"/>
-          <a:lstStyle/>
-          <a:p>
-            <a:pPr algn="ctr"/>
-            <a:r>
-              <a:rPr lang="ko-KR" altLang="en-US" sz="1500" dirty="0">
-                <a:solidFill>
-                  <a:schemeClr val="tx1"/>
-                </a:solidFill>
-                <a:latin typeface="Noto Sans" panose="020B0502040504020204" pitchFamily="34" charset="0"/>
-                <a:cs typeface="Noto Sans" panose="020B0502040504020204" pitchFamily="34" charset="0"/>
-              </a:rPr>
-              <a:t>비표준 질의문장</a:t>
-            </a:r>
-          </a:p>
-        </p:txBody>
-      </p:sp>
-      <p:cxnSp>
-        <p:nvCxnSpPr>
-          <p:cNvPr id="46" name="직선 화살표 연결선 45">
-            <a:extLst>
-              <a:ext uri="{FF2B5EF4-FFF2-40B4-BE49-F238E27FC236}">
-                <a16:creationId xmlns:a16="http://schemas.microsoft.com/office/drawing/2014/main" id="{D931FE36-F6AA-6BF3-F6B0-DE6FF7853309}"/>
-              </a:ext>
-            </a:extLst>
-          </p:cNvPr>
-          <p:cNvCxnSpPr/>
-          <p:nvPr/>
-        </p:nvCxnSpPr>
-        <p:spPr>
-          <a:xfrm>
-            <a:off x="3943230" y="3446303"/>
-            <a:ext cx="646981" cy="0"/>
-          </a:xfrm>
-          <a:prstGeom prst="straightConnector1">
-            <a:avLst/>
-          </a:prstGeom>
-          <a:ln>
-            <a:tailEnd type="triangle"/>
-          </a:ln>
-        </p:spPr>
-        <p:style>
-          <a:lnRef idx="1">
-            <a:schemeClr val="dk1"/>
-          </a:lnRef>
-          <a:fillRef idx="0">
-            <a:schemeClr val="dk1"/>
-          </a:fillRef>
-          <a:effectRef idx="0">
-            <a:schemeClr val="dk1"/>
-          </a:effectRef>
-          <a:fontRef idx="minor">
-            <a:schemeClr val="tx1"/>
-          </a:fontRef>
-        </p:style>
-      </p:cxnSp>
-      <p:cxnSp>
-        <p:nvCxnSpPr>
-          <p:cNvPr id="47" name="직선 화살표 연결선 46">
-            <a:extLst>
-              <a:ext uri="{FF2B5EF4-FFF2-40B4-BE49-F238E27FC236}">
-                <a16:creationId xmlns:a16="http://schemas.microsoft.com/office/drawing/2014/main" id="{8340BAA2-1407-8607-C5A9-FEF690145075}"/>
-              </a:ext>
-            </a:extLst>
-          </p:cNvPr>
-          <p:cNvCxnSpPr/>
-          <p:nvPr/>
-        </p:nvCxnSpPr>
-        <p:spPr>
-          <a:xfrm>
-            <a:off x="7244272" y="3469786"/>
-            <a:ext cx="646981" cy="0"/>
-          </a:xfrm>
-          <a:prstGeom prst="straightConnector1">
-            <a:avLst/>
-          </a:prstGeom>
-          <a:ln>
-            <a:tailEnd type="triangle"/>
-          </a:ln>
-        </p:spPr>
-        <p:style>
-          <a:lnRef idx="1">
-            <a:schemeClr val="dk1"/>
-          </a:lnRef>
-          <a:fillRef idx="0">
-            <a:schemeClr val="dk1"/>
-          </a:fillRef>
-          <a:effectRef idx="0">
-            <a:schemeClr val="dk1"/>
-          </a:effectRef>
-          <a:fontRef idx="minor">
-            <a:schemeClr val="tx1"/>
-          </a:fontRef>
-        </p:style>
-      </p:cxnSp>
-      <p:cxnSp>
-        <p:nvCxnSpPr>
-          <p:cNvPr id="49" name="직선 화살표 연결선 48">
-            <a:extLst>
-              <a:ext uri="{FF2B5EF4-FFF2-40B4-BE49-F238E27FC236}">
-                <a16:creationId xmlns:a16="http://schemas.microsoft.com/office/drawing/2014/main" id="{B3B3FD0A-A689-BB93-DFFF-D4A8A7815344}"/>
-              </a:ext>
-            </a:extLst>
-          </p:cNvPr>
-          <p:cNvCxnSpPr>
-            <a:cxnSpLocks/>
-          </p:cNvCxnSpPr>
-          <p:nvPr/>
-        </p:nvCxnSpPr>
-        <p:spPr>
-          <a:xfrm flipV="1">
-            <a:off x="9883161" y="2083849"/>
-            <a:ext cx="0" cy="329151"/>
-          </a:xfrm>
-          <a:prstGeom prst="straightConnector1">
-            <a:avLst/>
-          </a:prstGeom>
-          <a:ln>
-            <a:tailEnd type="triangle"/>
-          </a:ln>
-        </p:spPr>
-        <p:style>
-          <a:lnRef idx="1">
-            <a:schemeClr val="dk1"/>
-          </a:lnRef>
-          <a:fillRef idx="0">
-            <a:schemeClr val="dk1"/>
-          </a:fillRef>
-          <a:effectRef idx="0">
-            <a:schemeClr val="dk1"/>
-          </a:effectRef>
-          <a:fontRef idx="minor">
-            <a:schemeClr val="tx1"/>
-          </a:fontRef>
-        </p:style>
-      </p:cxnSp>
-      <p:sp>
-        <p:nvSpPr>
-          <p:cNvPr id="50" name="순서도: 문서 49">
-            <a:extLst>
-              <a:ext uri="{FF2B5EF4-FFF2-40B4-BE49-F238E27FC236}">
-                <a16:creationId xmlns:a16="http://schemas.microsoft.com/office/drawing/2014/main" id="{57BDC1D1-D247-E664-7246-D567DC503AE6}"/>
-              </a:ext>
-            </a:extLst>
-          </p:cNvPr>
-          <p:cNvSpPr/>
-          <p:nvPr/>
-        </p:nvSpPr>
-        <p:spPr>
-          <a:xfrm>
-            <a:off x="1674531" y="3064283"/>
-            <a:ext cx="2070913" cy="888603"/>
-          </a:xfrm>
-          <a:prstGeom prst="flowChartDocument">
-            <a:avLst/>
-          </a:prstGeom>
-          <a:solidFill>
-            <a:schemeClr val="bg1"/>
-          </a:solidFill>
-          <a:effectLst>
-            <a:outerShdw blurRad="127000" dist="50800" dir="5400000" algn="ctr" rotWithShape="0">
-              <a:srgbClr val="000000">
-                <a:alpha val="50000"/>
-              </a:srgbClr>
-            </a:outerShdw>
-          </a:effectLst>
-        </p:spPr>
-        <p:style>
-          <a:lnRef idx="2">
-            <a:schemeClr val="accent1">
-              <a:shade val="15000"/>
-            </a:schemeClr>
-          </a:lnRef>
-          <a:fillRef idx="1">
-            <a:schemeClr val="accent1"/>
-          </a:fillRef>
-          <a:effectRef idx="0">
-            <a:schemeClr val="accent1"/>
-          </a:effectRef>
-          <a:fontRef idx="minor">
-            <a:schemeClr val="lt1"/>
-          </a:fontRef>
-        </p:style>
-        <p:txBody>
-          <a:bodyPr rtlCol="0" anchor="ctr"/>
-          <a:lstStyle/>
-          <a:p>
-            <a:pPr algn="ctr"/>
-            <a:r>
-              <a:rPr lang="en-US" altLang="ko-KR" sz="1300" dirty="0">
-                <a:solidFill>
-                  <a:schemeClr val="tx1"/>
-                </a:solidFill>
-                <a:latin typeface="Noto Sans" panose="020B0502040504020204" pitchFamily="34" charset="0"/>
-                <a:ea typeface="Noto Sans" panose="020B0502040504020204" pitchFamily="34" charset="0"/>
-                <a:cs typeface="Noto Sans" panose="020B0502040504020204" pitchFamily="34" charset="0"/>
-              </a:rPr>
-              <a:t>SQL</a:t>
-            </a:r>
-            <a:r>
-              <a:rPr lang="ko-KR" altLang="en-US" sz="1300" dirty="0">
-                <a:solidFill>
-                  <a:schemeClr val="tx1"/>
-                </a:solidFill>
-                <a:latin typeface="Noto Sans" panose="020B0502040504020204" pitchFamily="34" charset="0"/>
-                <a:cs typeface="Noto Sans" panose="020B0502040504020204" pitchFamily="34" charset="0"/>
-              </a:rPr>
-              <a:t>쿼리</a:t>
-            </a:r>
-          </a:p>
-        </p:txBody>
-      </p:sp>
-      <p:sp>
-        <p:nvSpPr>
-          <p:cNvPr id="52" name="순서도: 자기 디스크 51">
-            <a:extLst>
-              <a:ext uri="{FF2B5EF4-FFF2-40B4-BE49-F238E27FC236}">
-                <a16:creationId xmlns:a16="http://schemas.microsoft.com/office/drawing/2014/main" id="{C98C4FCC-252F-9C14-8C77-C0C04426AA65}"/>
-              </a:ext>
-            </a:extLst>
-          </p:cNvPr>
-          <p:cNvSpPr/>
-          <p:nvPr/>
-        </p:nvSpPr>
-        <p:spPr>
-          <a:xfrm>
-            <a:off x="5265747" y="1317534"/>
-            <a:ext cx="1386373" cy="736441"/>
-          </a:xfrm>
-          <a:prstGeom prst="flowChartMagneticDisk">
-            <a:avLst/>
-          </a:prstGeom>
-          <a:noFill/>
-          <a:effectLst>
-            <a:outerShdw blurRad="1270000" dist="50800" dir="5400000" algn="ctr" rotWithShape="0">
-              <a:srgbClr val="000000">
-                <a:alpha val="43137"/>
-              </a:srgbClr>
-            </a:outerShdw>
-          </a:effectLst>
-        </p:spPr>
-        <p:style>
-          <a:lnRef idx="2">
-            <a:schemeClr val="accent1">
-              <a:shade val="15000"/>
-            </a:schemeClr>
-          </a:lnRef>
-          <a:fillRef idx="1">
-            <a:schemeClr val="accent1"/>
-          </a:fillRef>
-          <a:effectRef idx="0">
-            <a:schemeClr val="accent1"/>
-          </a:effectRef>
-          <a:fontRef idx="minor">
-            <a:schemeClr val="lt1"/>
-          </a:fontRef>
-        </p:style>
-        <p:txBody>
-          <a:bodyPr rtlCol="0" anchor="ctr"/>
-          <a:lstStyle/>
-          <a:p>
-            <a:pPr algn="ctr"/>
-            <a:r>
-              <a:rPr lang="en-US" altLang="ko-KR" sz="1200" i="1" dirty="0">
-                <a:solidFill>
-                  <a:schemeClr val="tx1"/>
-                </a:solidFill>
-                <a:latin typeface="Noto Sans" panose="020B0502040504020204" pitchFamily="34" charset="0"/>
-                <a:ea typeface="Noto Sans" panose="020B0502040504020204" pitchFamily="34" charset="0"/>
-                <a:cs typeface="Noto Sans" panose="020B0502040504020204" pitchFamily="34" charset="0"/>
-              </a:rPr>
-              <a:t>RAG</a:t>
-            </a:r>
-          </a:p>
-        </p:txBody>
-      </p:sp>
-      <p:cxnSp>
-        <p:nvCxnSpPr>
-          <p:cNvPr id="54" name="직선 화살표 연결선 53">
-            <a:extLst>
-              <a:ext uri="{FF2B5EF4-FFF2-40B4-BE49-F238E27FC236}">
-                <a16:creationId xmlns:a16="http://schemas.microsoft.com/office/drawing/2014/main" id="{77091F2B-FA8E-86A9-CB88-050A811954D8}"/>
-              </a:ext>
-            </a:extLst>
-          </p:cNvPr>
-          <p:cNvCxnSpPr/>
-          <p:nvPr/>
-        </p:nvCxnSpPr>
-        <p:spPr>
-          <a:xfrm>
-            <a:off x="5958933" y="2308086"/>
-            <a:ext cx="0" cy="439324"/>
-          </a:xfrm>
-          <a:prstGeom prst="straightConnector1">
-            <a:avLst/>
-          </a:prstGeom>
-          <a:ln>
-            <a:tailEnd type="triangle"/>
-          </a:ln>
-        </p:spPr>
-        <p:style>
-          <a:lnRef idx="1">
-            <a:schemeClr val="dk1"/>
-          </a:lnRef>
-          <a:fillRef idx="0">
-            <a:schemeClr val="dk1"/>
-          </a:fillRef>
-          <a:effectRef idx="0">
-            <a:schemeClr val="dk1"/>
-          </a:effectRef>
-          <a:fontRef idx="minor">
-            <a:schemeClr val="tx1"/>
-          </a:fontRef>
-        </p:style>
-      </p:cxnSp>
-      <p:sp>
-        <p:nvSpPr>
-          <p:cNvPr id="59" name="TextBox 58">
-            <a:extLst>
-              <a:ext uri="{FF2B5EF4-FFF2-40B4-BE49-F238E27FC236}">
-                <a16:creationId xmlns:a16="http://schemas.microsoft.com/office/drawing/2014/main" id="{D4760F01-062D-A7FE-3B3F-7DF817D5D7E8}"/>
-              </a:ext>
-            </a:extLst>
-          </p:cNvPr>
-          <p:cNvSpPr txBox="1"/>
-          <p:nvPr/>
-        </p:nvSpPr>
-        <p:spPr>
-          <a:xfrm>
-            <a:off x="4736172" y="992182"/>
-            <a:ext cx="2791939" cy="246221"/>
-          </a:xfrm>
-          <a:prstGeom prst="rect">
-            <a:avLst/>
-          </a:prstGeom>
-          <a:noFill/>
-        </p:spPr>
-        <p:txBody>
-          <a:bodyPr wrap="square" rtlCol="0">
-            <a:spAutoFit/>
-          </a:bodyPr>
-          <a:lstStyle/>
-          <a:p>
-            <a:r>
-              <a:rPr lang="ko-KR" altLang="en-US" sz="1000" dirty="0">
-                <a:latin typeface="Noto Sans" panose="020B0502040504020204" pitchFamily="34" charset="0"/>
-                <a:cs typeface="Noto Sans" panose="020B0502040504020204" pitchFamily="34" charset="0"/>
-              </a:rPr>
-              <a:t>표준 질의문장 데이터셋의 </a:t>
-            </a:r>
-            <a:r>
-              <a:rPr lang="en-US" altLang="ko-KR" sz="1000" dirty="0">
-                <a:latin typeface="Noto Sans" panose="020B0502040504020204" pitchFamily="34" charset="0"/>
-                <a:ea typeface="Noto Sans" panose="020B0502040504020204" pitchFamily="34" charset="0"/>
-                <a:cs typeface="Noto Sans" panose="020B0502040504020204" pitchFamily="34" charset="0"/>
-              </a:rPr>
-              <a:t>Description</a:t>
-            </a:r>
-            <a:r>
-              <a:rPr lang="ko-KR" altLang="en-US" sz="1000" dirty="0">
-                <a:latin typeface="Noto Sans" panose="020B0502040504020204" pitchFamily="34" charset="0"/>
-                <a:cs typeface="Noto Sans" panose="020B0502040504020204" pitchFamily="34" charset="0"/>
-              </a:rPr>
-              <a:t>을 참조</a:t>
-            </a:r>
-          </a:p>
-        </p:txBody>
-      </p:sp>
-      <p:sp>
-        <p:nvSpPr>
-          <p:cNvPr id="26" name="TextBox 25">
-            <a:extLst>
-              <a:ext uri="{FF2B5EF4-FFF2-40B4-BE49-F238E27FC236}">
-                <a16:creationId xmlns:a16="http://schemas.microsoft.com/office/drawing/2014/main" id="{EA887484-EE31-46F3-AB99-13AFBB3B60B5}"/>
-              </a:ext>
-            </a:extLst>
-          </p:cNvPr>
-          <p:cNvSpPr txBox="1"/>
-          <p:nvPr/>
-        </p:nvSpPr>
-        <p:spPr>
-          <a:xfrm>
-            <a:off x="11699631" y="6410326"/>
-            <a:ext cx="432460" cy="276999"/>
-          </a:xfrm>
-          <a:prstGeom prst="rect">
-            <a:avLst/>
-          </a:prstGeom>
-          <a:noFill/>
-        </p:spPr>
-        <p:txBody>
-          <a:bodyPr wrap="square" rtlCol="0">
-            <a:spAutoFit/>
-          </a:bodyPr>
-          <a:lstStyle/>
-          <a:p>
-            <a:r>
-              <a:rPr lang="en-US" altLang="ko-KR" sz="1200" b="1" dirty="0">
-                <a:latin typeface="Noto Sans" panose="020B0502040504020204" pitchFamily="34" charset="0"/>
-                <a:ea typeface="Noto Sans" panose="020B0502040504020204" pitchFamily="34" charset="0"/>
-                <a:cs typeface="Noto Sans" panose="020B0502040504020204" pitchFamily="34" charset="0"/>
-              </a:rPr>
-              <a:t>9</a:t>
-            </a:r>
-            <a:endParaRPr lang="ko-KR" altLang="en-US" sz="1200" b="1" dirty="0">
-              <a:latin typeface="Noto Sans" panose="020B0502040504020204" pitchFamily="34" charset="0"/>
-              <a:cs typeface="Noto Sans" panose="020B0502040504020204" pitchFamily="34" charset="0"/>
-            </a:endParaRPr>
-          </a:p>
-        </p:txBody>
-      </p:sp>
-      <p:sp>
-        <p:nvSpPr>
-          <p:cNvPr id="2" name="TextBox 1">
-            <a:extLst>
-              <a:ext uri="{FF2B5EF4-FFF2-40B4-BE49-F238E27FC236}">
-                <a16:creationId xmlns:a16="http://schemas.microsoft.com/office/drawing/2014/main" id="{078024CF-EB44-AE4D-F5A6-942F7FB79BE9}"/>
-              </a:ext>
-            </a:extLst>
-          </p:cNvPr>
-          <p:cNvSpPr txBox="1"/>
-          <p:nvPr/>
-        </p:nvSpPr>
-        <p:spPr>
-          <a:xfrm>
-            <a:off x="70338" y="87923"/>
-            <a:ext cx="2949087" cy="461665"/>
-          </a:xfrm>
-          <a:prstGeom prst="rect">
-            <a:avLst/>
-          </a:prstGeom>
-          <a:noFill/>
-        </p:spPr>
-        <p:txBody>
-          <a:bodyPr wrap="square" rtlCol="0">
-            <a:spAutoFit/>
-          </a:bodyPr>
-          <a:lstStyle/>
-          <a:p>
-            <a:r>
-              <a:rPr lang="ko-KR" altLang="en-US" sz="2400" b="1" dirty="0">
-                <a:latin typeface="Noto Sans" panose="020B0502040504020204" pitchFamily="34" charset="0"/>
-                <a:ea typeface="Noto Sans" panose="020B0502040504020204" pitchFamily="34" charset="0"/>
-                <a:cs typeface="Noto Sans" panose="020B0502040504020204" pitchFamily="34" charset="0"/>
-              </a:rPr>
-              <a:t>발명내용 </a:t>
-            </a:r>
-            <a:r>
-              <a:rPr lang="en-US" altLang="ko-KR" sz="2400" b="1" dirty="0">
-                <a:latin typeface="Noto Sans" panose="020B0502040504020204" pitchFamily="34" charset="0"/>
-                <a:ea typeface="Noto Sans" panose="020B0502040504020204" pitchFamily="34" charset="0"/>
-                <a:cs typeface="Noto Sans" panose="020B0502040504020204" pitchFamily="34" charset="0"/>
-              </a:rPr>
-              <a:t>: Phase 1</a:t>
-            </a:r>
-            <a:endParaRPr lang="ko-KR" altLang="en-US" sz="2400" b="1" dirty="0">
-              <a:latin typeface="Noto Sans" panose="020B0502040504020204" pitchFamily="34" charset="0"/>
-              <a:ea typeface="KoPubWorld돋움체 Medium" panose="00000600000000000000" pitchFamily="2" charset="-127"/>
-              <a:cs typeface="Noto Sans" panose="020B0502040504020204" pitchFamily="34" charset="0"/>
-            </a:endParaRPr>
-          </a:p>
-        </p:txBody>
-      </p:sp>
-    </p:spTree>
-    <p:extLst>
-      <p:ext uri="{BB962C8B-B14F-4D97-AF65-F5344CB8AC3E}">
-        <p14:creationId xmlns:p14="http://schemas.microsoft.com/office/powerpoint/2010/main" val="3884380071"/>
       </p:ext>
     </p:extLst>
   </p:cSld>

--- a/PPT/DSLab_이승건,송민섭_특허.pptx
+++ b/PPT/DSLab_이승건,송민섭_특허.pptx
@@ -1995,6 +1995,278 @@
               </a:rPr>
               <a:t>.</a:t>
             </a:r>
+          </a:p>
+          <a:p>
+            <a:pPr algn="l">
+              <a:lnSpc>
+                <a:spcPts val="1950"/>
+              </a:lnSpc>
+              <a:spcAft>
+                <a:spcPts val="2100"/>
+              </a:spcAft>
+            </a:pPr>
+            <a:endParaRPr lang="en-US" altLang="ko-KR" sz="1200" b="0" i="0" dirty="0">
+              <a:solidFill>
+                <a:srgbClr val="555555"/>
+              </a:solidFill>
+              <a:effectLst/>
+              <a:latin typeface="Noto Sans KR" panose="020B0200000000000000" pitchFamily="50" charset="-127"/>
+              <a:ea typeface="KoPubWorld돋움체 Medium" panose="00000600000000000000"/>
+            </a:endParaRPr>
+          </a:p>
+          <a:p>
+            <a:pPr algn="l">
+              <a:lnSpc>
+                <a:spcPts val="1950"/>
+              </a:lnSpc>
+              <a:spcAft>
+                <a:spcPts val="2100"/>
+              </a:spcAft>
+            </a:pPr>
+            <a:endParaRPr lang="en-US" altLang="ko-KR" sz="1200" b="0" i="0" dirty="0">
+              <a:solidFill>
+                <a:srgbClr val="555555"/>
+              </a:solidFill>
+              <a:effectLst/>
+              <a:latin typeface="Noto Sans KR" panose="020B0200000000000000" pitchFamily="50" charset="-127"/>
+              <a:ea typeface="KoPubWorld돋움체 Medium" panose="00000600000000000000"/>
+            </a:endParaRPr>
+          </a:p>
+          <a:p>
+            <a:pPr algn="l">
+              <a:lnSpc>
+                <a:spcPts val="1950"/>
+              </a:lnSpc>
+              <a:spcAft>
+                <a:spcPts val="2100"/>
+              </a:spcAft>
+            </a:pPr>
+            <a:r>
+              <a:rPr lang="en-US" altLang="ko-KR" dirty="0"/>
+              <a:t>Natural language to structured query generation via paraphrasing.</a:t>
+            </a:r>
+            <a:r>
+              <a:rPr lang="en-US" altLang="ko-KR" sz="1200" b="0" i="0" dirty="0">
+                <a:solidFill>
+                  <a:srgbClr val="555555"/>
+                </a:solidFill>
+                <a:effectLst/>
+                <a:latin typeface="Noto Sans KR" panose="020B0200000000000000" pitchFamily="50" charset="-127"/>
+                <a:ea typeface="KoPubWorld돋움체 Medium" panose="00000600000000000000"/>
+              </a:rPr>
+              <a:t> IBM (2024) </a:t>
+            </a:r>
+            <a:r>
+              <a:rPr lang="ko-KR" altLang="en-US" dirty="0"/>
+              <a:t>자연어 질문을 </a:t>
+            </a:r>
+            <a:r>
+              <a:rPr lang="en-US" altLang="ko-KR" dirty="0"/>
+              <a:t>SQL</a:t>
+            </a:r>
+            <a:r>
+              <a:rPr lang="ko-KR" altLang="en-US" dirty="0"/>
+              <a:t>로 변환하는 질문 정제 기법</a:t>
+            </a:r>
+            <a:endParaRPr lang="en-US" altLang="ko-KR" dirty="0"/>
+          </a:p>
+          <a:p>
+            <a:pPr algn="l">
+              <a:lnSpc>
+                <a:spcPts val="1950"/>
+              </a:lnSpc>
+              <a:spcAft>
+                <a:spcPts val="2100"/>
+              </a:spcAft>
+            </a:pPr>
+            <a:r>
+              <a:rPr lang="ko-KR" altLang="en-US" dirty="0"/>
+              <a:t>질문 내에서 </a:t>
+            </a:r>
+            <a:r>
+              <a:rPr lang="ko-KR" altLang="en-US" b="1" dirty="0"/>
+              <a:t>중요 키워드</a:t>
+            </a:r>
+            <a:r>
+              <a:rPr lang="en-US" altLang="ko-KR" b="1" dirty="0"/>
+              <a:t>(</a:t>
+            </a:r>
+            <a:r>
+              <a:rPr lang="ko-KR" altLang="en-US" b="1" dirty="0"/>
+              <a:t>조건 값</a:t>
+            </a:r>
+            <a:r>
+              <a:rPr lang="en-US" altLang="ko-KR" b="1" dirty="0"/>
+              <a:t>)</a:t>
+            </a:r>
+            <a:r>
+              <a:rPr lang="ko-KR" altLang="en-US" b="1" dirty="0"/>
+              <a:t>를 추출</a:t>
+            </a:r>
+            <a:r>
+              <a:rPr lang="ko-KR" altLang="en-US" dirty="0"/>
+              <a:t>하고 </a:t>
+            </a:r>
+            <a:r>
+              <a:rPr lang="ko-KR" altLang="en-US" b="1" dirty="0"/>
+              <a:t>다양한 </a:t>
+            </a:r>
+            <a:r>
+              <a:rPr lang="en-US" altLang="ko-KR" b="1" dirty="0"/>
+              <a:t>SQL </a:t>
+            </a:r>
+            <a:r>
+              <a:rPr lang="ko-KR" altLang="en-US" b="1" dirty="0"/>
+              <a:t>후보를 생성한 후</a:t>
+            </a:r>
+            <a:r>
+              <a:rPr lang="en-US" altLang="ko-KR" b="1" dirty="0"/>
+              <a:t>, </a:t>
+            </a:r>
+            <a:r>
+              <a:rPr lang="ko-KR" altLang="en-US" b="1" dirty="0"/>
+              <a:t>가장 적절한 </a:t>
+            </a:r>
+            <a:r>
+              <a:rPr lang="en-US" altLang="ko-KR" b="1" dirty="0"/>
+              <a:t>SQL</a:t>
+            </a:r>
+            <a:r>
+              <a:rPr lang="ko-KR" altLang="en-US" b="1" dirty="0"/>
+              <a:t>을 선택</a:t>
+            </a:r>
+            <a:r>
+              <a:rPr lang="ko-KR" altLang="en-US" dirty="0"/>
+              <a:t>하는 방식</a:t>
+            </a:r>
+            <a:endParaRPr lang="en-US" altLang="ko-KR" dirty="0"/>
+          </a:p>
+          <a:p>
+            <a:pPr algn="l">
+              <a:lnSpc>
+                <a:spcPts val="1950"/>
+              </a:lnSpc>
+              <a:spcAft>
+                <a:spcPts val="2100"/>
+              </a:spcAft>
+            </a:pPr>
+            <a:endParaRPr lang="en-US" altLang="ko-KR" sz="1200" b="0" i="0" dirty="0">
+              <a:solidFill>
+                <a:srgbClr val="555555"/>
+              </a:solidFill>
+              <a:effectLst/>
+              <a:latin typeface="Noto Sans KR" panose="020B0200000000000000" pitchFamily="50" charset="-127"/>
+              <a:ea typeface="KoPubWorld돋움체 Medium" panose="00000600000000000000"/>
+            </a:endParaRPr>
+          </a:p>
+          <a:p>
+            <a:pPr algn="l">
+              <a:lnSpc>
+                <a:spcPts val="1950"/>
+              </a:lnSpc>
+              <a:spcAft>
+                <a:spcPts val="2100"/>
+              </a:spcAft>
+            </a:pPr>
+            <a:r>
+              <a:rPr lang="en-US" altLang="ko-KR" dirty="0"/>
+              <a:t>Template-Based One-Shot Learning SAP(2024)  One-shot Learning </a:t>
+            </a:r>
+            <a:r>
+              <a:rPr lang="ko-KR" altLang="en-US" dirty="0"/>
+              <a:t>기반 </a:t>
+            </a:r>
+            <a:r>
+              <a:rPr lang="en-US" altLang="ko-KR" dirty="0"/>
+              <a:t>Text-to-SQL</a:t>
+            </a:r>
+          </a:p>
+          <a:p>
+            <a:pPr algn="l">
+              <a:lnSpc>
+                <a:spcPts val="1950"/>
+              </a:lnSpc>
+              <a:spcAft>
+                <a:spcPts val="2100"/>
+              </a:spcAft>
+            </a:pPr>
+            <a:r>
+              <a:rPr lang="en-US" altLang="ko-KR" b="1" dirty="0"/>
+              <a:t>SQL </a:t>
+            </a:r>
+            <a:r>
+              <a:rPr lang="ko-KR" altLang="en-US" b="1" dirty="0"/>
+              <a:t>템플릿을 미리 저장</a:t>
+            </a:r>
+            <a:r>
+              <a:rPr lang="ko-KR" altLang="en-US" dirty="0"/>
+              <a:t>하고</a:t>
+            </a:r>
+            <a:r>
+              <a:rPr lang="en-US" altLang="ko-KR" dirty="0"/>
+              <a:t>, </a:t>
+            </a:r>
+            <a:r>
+              <a:rPr lang="ko-KR" altLang="en-US" dirty="0"/>
+              <a:t>자연어 입력을 받아 유사한 템플릿을 자동으로 선택하는 방식</a:t>
+            </a:r>
+            <a:endParaRPr lang="en-US" altLang="ko-KR" dirty="0"/>
+          </a:p>
+          <a:p>
+            <a:pPr algn="l">
+              <a:lnSpc>
+                <a:spcPts val="1950"/>
+              </a:lnSpc>
+              <a:spcAft>
+                <a:spcPts val="2100"/>
+              </a:spcAft>
+            </a:pPr>
+            <a:r>
+              <a:rPr lang="en-US" altLang="ko-KR" b="1" dirty="0"/>
+              <a:t>LLM</a:t>
+            </a:r>
+            <a:r>
+              <a:rPr lang="ko-KR" altLang="en-US" b="1" dirty="0"/>
+              <a:t>을 활용한 템플릿 매칭 기법</a:t>
+            </a:r>
+            <a:r>
+              <a:rPr lang="ko-KR" altLang="en-US" dirty="0"/>
+              <a:t>으로 </a:t>
+            </a:r>
+            <a:r>
+              <a:rPr lang="en-US" altLang="ko-KR" dirty="0"/>
+              <a:t>SQL </a:t>
+            </a:r>
+            <a:r>
+              <a:rPr lang="ko-KR" altLang="en-US" dirty="0"/>
+              <a:t>생성</a:t>
+            </a:r>
+            <a:endParaRPr lang="en-US" altLang="ko-KR" sz="1200" b="0" i="0" dirty="0">
+              <a:solidFill>
+                <a:srgbClr val="555555"/>
+              </a:solidFill>
+              <a:effectLst/>
+              <a:latin typeface="Noto Sans KR" panose="020B0200000000000000" pitchFamily="50" charset="-127"/>
+              <a:ea typeface="KoPubWorld돋움체 Medium" panose="00000600000000000000"/>
+            </a:endParaRPr>
+          </a:p>
+          <a:p>
+            <a:pPr algn="l">
+              <a:lnSpc>
+                <a:spcPts val="1950"/>
+              </a:lnSpc>
+              <a:spcAft>
+                <a:spcPts val="2100"/>
+              </a:spcAft>
+            </a:pPr>
+            <a:endParaRPr lang="en-US" altLang="ko-KR" sz="1200" b="0" i="0" dirty="0">
+              <a:solidFill>
+                <a:srgbClr val="555555"/>
+              </a:solidFill>
+              <a:effectLst/>
+              <a:latin typeface="Noto Sans KR" panose="020B0200000000000000" pitchFamily="50" charset="-127"/>
+              <a:ea typeface="KoPubWorld돋움체 Medium" panose="00000600000000000000"/>
+            </a:endParaRPr>
           </a:p>
           <a:p>
             <a:pPr algn="l"/>

--- a/PPT/DSLab_이승건,송민섭_특허.pptx
+++ b/PPT/DSLab_이승건,송민섭_특허.pptx
@@ -5,24 +5,25 @@
     <p:sldMasterId id="2147483648" r:id="rId1"/>
   </p:sldMasterIdLst>
   <p:notesMasterIdLst>
-    <p:notesMasterId r:id="rId17"/>
+    <p:notesMasterId r:id="rId18"/>
   </p:notesMasterIdLst>
   <p:sldIdLst>
     <p:sldId id="258" r:id="rId2"/>
     <p:sldId id="257" r:id="rId3"/>
     <p:sldId id="279" r:id="rId4"/>
-    <p:sldId id="266" r:id="rId5"/>
+    <p:sldId id="280" r:id="rId5"/>
     <p:sldId id="271" r:id="rId6"/>
     <p:sldId id="272" r:id="rId7"/>
-    <p:sldId id="273" r:id="rId8"/>
-    <p:sldId id="265" r:id="rId9"/>
-    <p:sldId id="267" r:id="rId10"/>
-    <p:sldId id="256" r:id="rId11"/>
-    <p:sldId id="268" r:id="rId12"/>
-    <p:sldId id="269" r:id="rId13"/>
-    <p:sldId id="274" r:id="rId14"/>
-    <p:sldId id="277" r:id="rId15"/>
-    <p:sldId id="278" r:id="rId16"/>
+    <p:sldId id="266" r:id="rId8"/>
+    <p:sldId id="273" r:id="rId9"/>
+    <p:sldId id="265" r:id="rId10"/>
+    <p:sldId id="267" r:id="rId11"/>
+    <p:sldId id="256" r:id="rId12"/>
+    <p:sldId id="268" r:id="rId13"/>
+    <p:sldId id="269" r:id="rId14"/>
+    <p:sldId id="274" r:id="rId15"/>
+    <p:sldId id="277" r:id="rId16"/>
+    <p:sldId id="278" r:id="rId17"/>
   </p:sldIdLst>
   <p:sldSz cx="12192000" cy="6858000"/>
   <p:notesSz cx="6858000" cy="9144000"/>
@@ -211,7 +212,7 @@
           <a:p>
             <a:fld id="{92E34C07-989B-4F61-AE3F-153A5F3AB426}" type="datetimeFigureOut">
               <a:rPr lang="ko-KR" altLang="en-US" smtClean="0"/>
-              <a:t>2025-03-03</a:t>
+              <a:t>2025-03-04</a:t>
             </a:fld>
             <a:endParaRPr lang="ko-KR" altLang="en-US"/>
           </a:p>
@@ -2319,6 +2320,1593 @@
 </p:notes>
 </file>
 
+<file path=ppt/notesSlides/notesSlide4.xml><?xml version="1.0" encoding="utf-8"?>
+<p:notes xmlns:a="http://schemas.openxmlformats.org/drawingml/2006/main" xmlns:r="http://schemas.openxmlformats.org/officeDocument/2006/relationships" xmlns:p="http://schemas.openxmlformats.org/presentationml/2006/main">
+  <p:cSld>
+    <p:spTree>
+      <p:nvGrpSpPr>
+        <p:cNvPr id="1" name="">
+          <a:extLst>
+            <a:ext uri="{FF2B5EF4-FFF2-40B4-BE49-F238E27FC236}">
+              <a16:creationId xmlns:a16="http://schemas.microsoft.com/office/drawing/2014/main" id="{5B65632A-C616-BA59-3680-D14551497506}"/>
+            </a:ext>
+          </a:extLst>
+        </p:cNvPr>
+        <p:cNvGrpSpPr/>
+        <p:nvPr/>
+      </p:nvGrpSpPr>
+      <p:grpSpPr>
+        <a:xfrm>
+          <a:off x="0" y="0"/>
+          <a:ext cx="0" cy="0"/>
+          <a:chOff x="0" y="0"/>
+          <a:chExt cx="0" cy="0"/>
+        </a:xfrm>
+      </p:grpSpPr>
+      <p:sp>
+        <p:nvSpPr>
+          <p:cNvPr id="2" name="슬라이드 이미지 개체 틀 1">
+            <a:extLst>
+              <a:ext uri="{FF2B5EF4-FFF2-40B4-BE49-F238E27FC236}">
+                <a16:creationId xmlns:a16="http://schemas.microsoft.com/office/drawing/2014/main" id="{C9402808-A3A8-2287-5014-0A45E6ACC8F9}"/>
+              </a:ext>
+            </a:extLst>
+          </p:cNvPr>
+          <p:cNvSpPr>
+            <a:spLocks noGrp="1" noRot="1" noChangeAspect="1"/>
+          </p:cNvSpPr>
+          <p:nvPr>
+            <p:ph type="sldImg"/>
+          </p:nvPr>
+        </p:nvSpPr>
+        <p:spPr/>
+      </p:sp>
+      <p:sp>
+        <p:nvSpPr>
+          <p:cNvPr id="3" name="슬라이드 노트 개체 틀 2">
+            <a:extLst>
+              <a:ext uri="{FF2B5EF4-FFF2-40B4-BE49-F238E27FC236}">
+                <a16:creationId xmlns:a16="http://schemas.microsoft.com/office/drawing/2014/main" id="{5D90F0EF-55CD-3BAE-29CE-8D3CDF86F9EC}"/>
+              </a:ext>
+            </a:extLst>
+          </p:cNvPr>
+          <p:cNvSpPr>
+            <a:spLocks noGrp="1"/>
+          </p:cNvSpPr>
+          <p:nvPr>
+            <p:ph type="body" idx="1"/>
+          </p:nvPr>
+        </p:nvSpPr>
+        <p:spPr/>
+        <p:txBody>
+          <a:bodyPr/>
+          <a:lstStyle/>
+          <a:p>
+            <a:pPr algn="l"/>
+            <a:r>
+              <a:rPr lang="ko-KR" altLang="en-US" b="1" i="0" dirty="0">
+                <a:effectLst/>
+                <a:latin typeface="Pretendard GOV"/>
+              </a:rPr>
+              <a:t>자연어 쿼리 번역 장치 및 그것의 제어 방법 </a:t>
+            </a:r>
+            <a:r>
+              <a:rPr lang="en-US" altLang="ko-KR" b="1" i="0" dirty="0">
+                <a:effectLst/>
+                <a:latin typeface="Pretendard GOV"/>
+              </a:rPr>
+              <a:t>– </a:t>
+            </a:r>
+            <a:r>
+              <a:rPr lang="ko-KR" altLang="en-US" b="1" i="0" dirty="0" err="1">
+                <a:effectLst/>
+                <a:latin typeface="Pretendard GOV"/>
+              </a:rPr>
+              <a:t>카카오엔터프라이즈</a:t>
+            </a:r>
+            <a:r>
+              <a:rPr lang="ko-KR" altLang="en-US" b="1" i="0" dirty="0">
+                <a:effectLst/>
+                <a:latin typeface="Pretendard GOV"/>
+              </a:rPr>
+              <a:t> </a:t>
+            </a:r>
+            <a:r>
+              <a:rPr lang="en-US" altLang="ko-KR" b="1" i="0" dirty="0">
+                <a:effectLst/>
+                <a:latin typeface="Pretendard GOV"/>
+              </a:rPr>
+              <a:t>(2023.07.21</a:t>
+            </a:r>
+            <a:r>
+              <a:rPr lang="ko-KR" altLang="en-US" b="1" i="0" dirty="0">
+                <a:effectLst/>
+                <a:latin typeface="Pretendard GOV"/>
+              </a:rPr>
+              <a:t>출원 </a:t>
+            </a:r>
+            <a:r>
+              <a:rPr lang="en-US" altLang="ko-KR" b="1" i="0" dirty="0">
+                <a:effectLst/>
+                <a:latin typeface="Pretendard GOV"/>
+              </a:rPr>
+              <a:t>2025.02.03 </a:t>
+            </a:r>
+            <a:r>
+              <a:rPr lang="ko-KR" altLang="en-US" b="1" i="0" dirty="0">
+                <a:effectLst/>
+                <a:latin typeface="Pretendard GOV"/>
+              </a:rPr>
+              <a:t>등록</a:t>
+            </a:r>
+            <a:r>
+              <a:rPr lang="en-US" altLang="ko-KR" b="1" i="0" dirty="0">
+                <a:effectLst/>
+                <a:latin typeface="Pretendard GOV"/>
+              </a:rPr>
+              <a:t>)</a:t>
+            </a:r>
+          </a:p>
+          <a:p>
+            <a:pPr algn="l"/>
+            <a:r>
+              <a:rPr lang="ko-KR" altLang="en-US" b="0" i="0" dirty="0">
+                <a:solidFill>
+                  <a:srgbClr val="000000"/>
+                </a:solidFill>
+                <a:effectLst/>
+                <a:latin typeface="Pretendard GOV"/>
+              </a:rPr>
+              <a:t>본 발명은 자연어 쿼리를 </a:t>
+            </a:r>
+            <a:r>
+              <a:rPr lang="en-US" altLang="ko-KR" b="0" i="0" dirty="0">
+                <a:solidFill>
+                  <a:srgbClr val="000000"/>
+                </a:solidFill>
+                <a:effectLst/>
+                <a:latin typeface="Pretendard GOV"/>
+              </a:rPr>
+              <a:t>SQL </a:t>
+            </a:r>
+            <a:r>
+              <a:rPr lang="ko-KR" altLang="en-US" b="0" i="0" dirty="0">
+                <a:solidFill>
+                  <a:srgbClr val="000000"/>
+                </a:solidFill>
+                <a:effectLst/>
+                <a:latin typeface="Pretendard GOV"/>
+              </a:rPr>
+              <a:t>쿼리로 변환해주는 자연어 처리 기술에 관한 것이다</a:t>
+            </a:r>
+            <a:r>
+              <a:rPr lang="en-US" altLang="ko-KR" b="0" i="0" dirty="0">
+                <a:solidFill>
+                  <a:srgbClr val="000000"/>
+                </a:solidFill>
+                <a:effectLst/>
+                <a:latin typeface="Pretendard GOV"/>
+              </a:rPr>
+              <a:t>. </a:t>
+            </a:r>
+            <a:r>
+              <a:rPr lang="ko-KR" altLang="en-US" b="0" i="0" dirty="0">
+                <a:solidFill>
+                  <a:srgbClr val="000000"/>
+                </a:solidFill>
+                <a:effectLst/>
+                <a:latin typeface="Pretendard GOV"/>
+              </a:rPr>
+              <a:t>보다 구체적으로 본 발명은</a:t>
+            </a:r>
+            <a:r>
+              <a:rPr lang="en-US" altLang="ko-KR" b="0" i="0" dirty="0">
+                <a:solidFill>
+                  <a:srgbClr val="000000"/>
+                </a:solidFill>
+                <a:effectLst/>
+                <a:latin typeface="Pretendard GOV"/>
+              </a:rPr>
+              <a:t>, </a:t>
+            </a:r>
+            <a:r>
+              <a:rPr lang="ko-KR" altLang="en-US" b="0" i="0" dirty="0">
+                <a:solidFill>
+                  <a:srgbClr val="000000"/>
+                </a:solidFill>
+                <a:effectLst/>
+                <a:latin typeface="Pretendard GOV"/>
+              </a:rPr>
+              <a:t>자연어 쿼리에 기초하여 데이터 베이스를 분류하고</a:t>
+            </a:r>
+            <a:r>
+              <a:rPr lang="en-US" altLang="ko-KR" b="0" i="0" dirty="0">
+                <a:solidFill>
+                  <a:srgbClr val="000000"/>
+                </a:solidFill>
+                <a:effectLst/>
+                <a:latin typeface="Pretendard GOV"/>
+              </a:rPr>
+              <a:t>, </a:t>
+            </a:r>
+            <a:r>
+              <a:rPr lang="ko-KR" altLang="en-US" b="0" i="0" dirty="0">
+                <a:solidFill>
+                  <a:srgbClr val="000000"/>
+                </a:solidFill>
+                <a:effectLst/>
+                <a:latin typeface="Pretendard GOV"/>
+              </a:rPr>
+              <a:t>대규모 언어 모델</a:t>
+            </a:r>
+            <a:r>
+              <a:rPr lang="en-US" altLang="ko-KR" b="0" i="0" dirty="0">
+                <a:solidFill>
+                  <a:srgbClr val="000000"/>
+                </a:solidFill>
+                <a:effectLst/>
+                <a:latin typeface="Pretendard GOV"/>
+              </a:rPr>
+              <a:t>(LLM, Large Language Model)</a:t>
+            </a:r>
+            <a:r>
+              <a:rPr lang="ko-KR" altLang="en-US" b="0" i="0" dirty="0">
+                <a:solidFill>
+                  <a:srgbClr val="000000"/>
+                </a:solidFill>
+                <a:effectLst/>
+                <a:latin typeface="Pretendard GOV"/>
+              </a:rPr>
+              <a:t>을 포함하는 변환 모델을 이용하여 상기 자연어 쿼리를 분류된 데이터 베이스에 대응하는 </a:t>
+            </a:r>
+            <a:r>
+              <a:rPr lang="en-US" altLang="ko-KR" b="0" i="0" dirty="0">
+                <a:solidFill>
+                  <a:srgbClr val="000000"/>
+                </a:solidFill>
+                <a:effectLst/>
+                <a:latin typeface="Pretendard GOV"/>
+              </a:rPr>
+              <a:t>SQL </a:t>
+            </a:r>
+            <a:r>
+              <a:rPr lang="ko-KR" altLang="en-US" b="0" i="0" dirty="0">
+                <a:solidFill>
+                  <a:srgbClr val="000000"/>
+                </a:solidFill>
+                <a:effectLst/>
+                <a:latin typeface="Pretendard GOV"/>
+              </a:rPr>
+              <a:t>쿼리로 변환하는 자연어 처리 기술에 관한 것이다</a:t>
+            </a:r>
+            <a:r>
+              <a:rPr lang="en-US" altLang="ko-KR" b="0" i="0" dirty="0">
+                <a:solidFill>
+                  <a:srgbClr val="000000"/>
+                </a:solidFill>
+                <a:effectLst/>
+                <a:latin typeface="Pretendard GOV"/>
+              </a:rPr>
+              <a:t>.</a:t>
+            </a:r>
+          </a:p>
+          <a:p>
+            <a:pPr algn="l"/>
+            <a:endParaRPr lang="en-US" altLang="ko-KR" b="0" i="0" dirty="0">
+              <a:solidFill>
+                <a:srgbClr val="000000"/>
+              </a:solidFill>
+              <a:effectLst/>
+              <a:latin typeface="Pretendard GOV"/>
+            </a:endParaRPr>
+          </a:p>
+          <a:p>
+            <a:r>
+              <a:rPr lang="ko-KR" altLang="en-US" sz="1200" dirty="0">
+                <a:ea typeface="KoPubWorld돋움체 Medium" panose="00000600000000000000"/>
+              </a:rPr>
+              <a:t>기존 </a:t>
+            </a:r>
+            <a:r>
+              <a:rPr lang="en-US" altLang="ko-KR" sz="1200" dirty="0">
+                <a:ea typeface="KoPubWorld돋움체 Medium" panose="00000600000000000000"/>
+              </a:rPr>
+              <a:t>RAG</a:t>
+            </a:r>
+            <a:r>
+              <a:rPr lang="ko-KR" altLang="en-US" sz="1200" dirty="0">
+                <a:ea typeface="KoPubWorld돋움체 Medium" panose="00000600000000000000"/>
+              </a:rPr>
+              <a:t>를 활용하는 방법에서</a:t>
+            </a:r>
+            <a:r>
+              <a:rPr lang="en-US" altLang="ko-KR" sz="1200" dirty="0">
+                <a:ea typeface="KoPubWorld돋움체 Medium" panose="00000600000000000000"/>
+              </a:rPr>
+              <a:t>, </a:t>
+            </a:r>
+            <a:r>
+              <a:rPr lang="ko-KR" altLang="en-US" sz="1200" dirty="0">
+                <a:ea typeface="KoPubWorld돋움체 Medium" panose="00000600000000000000"/>
+              </a:rPr>
+              <a:t>데이터베이스와 </a:t>
+            </a:r>
+            <a:r>
+              <a:rPr lang="en-US" altLang="ko-KR" sz="1200" dirty="0">
+                <a:ea typeface="KoPubWorld돋움체 Medium" panose="00000600000000000000"/>
+              </a:rPr>
+              <a:t>LLM </a:t>
+            </a:r>
+            <a:r>
+              <a:rPr lang="ko-KR" altLang="en-US" sz="1200" dirty="0">
+                <a:ea typeface="KoPubWorld돋움체 Medium" panose="00000600000000000000"/>
+              </a:rPr>
+              <a:t>지식을 통합하는 테이블 증강 생성 기술 </a:t>
+            </a:r>
+            <a:r>
+              <a:rPr lang="en-US" altLang="ko-KR" sz="1200" dirty="0">
+                <a:ea typeface="KoPubWorld돋움체 Medium" panose="00000600000000000000"/>
+              </a:rPr>
+              <a:t>TAG </a:t>
+            </a:r>
+            <a:r>
+              <a:rPr lang="ko-KR" altLang="en-US" sz="1200" dirty="0">
+                <a:ea typeface="KoPubWorld돋움체 Medium" panose="00000600000000000000"/>
+              </a:rPr>
+              <a:t>제안</a:t>
+            </a:r>
+            <a:endParaRPr lang="en-US" altLang="ko-KR" sz="1200" dirty="0">
+              <a:ea typeface="KoPubWorld돋움체 Medium" panose="00000600000000000000"/>
+            </a:endParaRPr>
+          </a:p>
+          <a:p>
+            <a:pPr algn="l">
+              <a:lnSpc>
+                <a:spcPts val="1950"/>
+              </a:lnSpc>
+              <a:spcAft>
+                <a:spcPts val="2100"/>
+              </a:spcAft>
+            </a:pPr>
+            <a:r>
+              <a:rPr lang="en-US" altLang="ko-KR" sz="1200" b="0" i="0" dirty="0">
+                <a:solidFill>
+                  <a:srgbClr val="555555"/>
+                </a:solidFill>
+                <a:effectLst/>
+                <a:latin typeface="Noto Sans KR" panose="020B0200000000000000" pitchFamily="50" charset="-127"/>
+                <a:ea typeface="KoPubWorld돋움체 Medium" panose="00000600000000000000"/>
+              </a:rPr>
+              <a:t>- (1) </a:t>
+            </a:r>
+            <a:r>
+              <a:rPr lang="ko-KR" altLang="en-US" sz="1200" b="0" i="0" dirty="0">
+                <a:solidFill>
+                  <a:srgbClr val="555555"/>
+                </a:solidFill>
+                <a:effectLst/>
+                <a:latin typeface="Noto Sans KR" panose="020B0200000000000000" pitchFamily="50" charset="-127"/>
+                <a:ea typeface="KoPubWorld돋움체 Medium" panose="00000600000000000000"/>
+              </a:rPr>
+              <a:t>사용자 질문을 실행 가능한 </a:t>
+            </a:r>
+            <a:r>
+              <a:rPr lang="en-US" altLang="ko-KR" sz="1200" b="0" i="0" dirty="0">
+                <a:solidFill>
+                  <a:srgbClr val="555555"/>
+                </a:solidFill>
+                <a:effectLst/>
+                <a:latin typeface="Noto Sans KR" panose="020B0200000000000000" pitchFamily="50" charset="-127"/>
+                <a:ea typeface="KoPubWorld돋움체 Medium" panose="00000600000000000000"/>
+              </a:rPr>
+              <a:t>DB </a:t>
+            </a:r>
+            <a:r>
+              <a:rPr lang="ko-KR" altLang="en-US" sz="1200" b="0" i="0" dirty="0">
+                <a:solidFill>
+                  <a:srgbClr val="555555"/>
+                </a:solidFill>
+                <a:effectLst/>
+                <a:latin typeface="Noto Sans KR" panose="020B0200000000000000" pitchFamily="50" charset="-127"/>
+                <a:ea typeface="KoPubWorld돋움체 Medium" panose="00000600000000000000"/>
+              </a:rPr>
+              <a:t>쿼리로 변환하는 </a:t>
+            </a:r>
+            <a:r>
+              <a:rPr lang="en-US" altLang="ko-KR" sz="1200" b="0" i="0" dirty="0">
+                <a:solidFill>
+                  <a:srgbClr val="555555"/>
+                </a:solidFill>
+                <a:effectLst/>
+                <a:latin typeface="Noto Sans KR" panose="020B0200000000000000" pitchFamily="50" charset="-127"/>
+                <a:ea typeface="KoPubWorld돋움체 Medium" panose="00000600000000000000"/>
+              </a:rPr>
+              <a:t>'</a:t>
+            </a:r>
+            <a:r>
+              <a:rPr lang="ko-KR" altLang="en-US" sz="1200" b="0" i="0" dirty="0">
+                <a:solidFill>
+                  <a:srgbClr val="555555"/>
+                </a:solidFill>
+                <a:effectLst/>
+                <a:latin typeface="Noto Sans KR" panose="020B0200000000000000" pitchFamily="50" charset="-127"/>
+                <a:ea typeface="KoPubWorld돋움체 Medium" panose="00000600000000000000"/>
+              </a:rPr>
+              <a:t>쿼리 합성</a:t>
+            </a:r>
+            <a:r>
+              <a:rPr lang="en-US" altLang="ko-KR" sz="1200" b="0" i="0" dirty="0">
+                <a:solidFill>
+                  <a:srgbClr val="555555"/>
+                </a:solidFill>
+                <a:effectLst/>
+                <a:latin typeface="Noto Sans KR" panose="020B0200000000000000" pitchFamily="50" charset="-127"/>
+                <a:ea typeface="KoPubWorld돋움체 Medium" panose="00000600000000000000"/>
+              </a:rPr>
+              <a:t>(Query Synthesis)'</a:t>
+            </a:r>
+          </a:p>
+          <a:p>
+            <a:pPr algn="l">
+              <a:lnSpc>
+                <a:spcPts val="1950"/>
+              </a:lnSpc>
+              <a:spcAft>
+                <a:spcPts val="2100"/>
+              </a:spcAft>
+            </a:pPr>
+            <a:r>
+              <a:rPr lang="en-US" altLang="ko-KR" sz="1200" b="0" i="0" dirty="0">
+                <a:solidFill>
+                  <a:srgbClr val="555555"/>
+                </a:solidFill>
+                <a:effectLst/>
+                <a:latin typeface="Noto Sans KR" panose="020B0200000000000000" pitchFamily="50" charset="-127"/>
+                <a:ea typeface="KoPubWorld돋움체 Medium" panose="00000600000000000000"/>
+              </a:rPr>
+              <a:t>- (2) </a:t>
+            </a:r>
+            <a:r>
+              <a:rPr lang="ko-KR" altLang="en-US" sz="1200" b="0" i="0" dirty="0">
+                <a:solidFill>
+                  <a:srgbClr val="555555"/>
+                </a:solidFill>
+                <a:effectLst/>
+                <a:latin typeface="Noto Sans KR" panose="020B0200000000000000" pitchFamily="50" charset="-127"/>
+                <a:ea typeface="KoPubWorld돋움체 Medium" panose="00000600000000000000"/>
+              </a:rPr>
+              <a:t>쿼리를 실행해 관련 데이터를 검색하는 </a:t>
+            </a:r>
+            <a:r>
+              <a:rPr lang="en-US" altLang="ko-KR" sz="1200" b="0" i="0" dirty="0">
+                <a:solidFill>
+                  <a:srgbClr val="555555"/>
+                </a:solidFill>
+                <a:effectLst/>
+                <a:latin typeface="Noto Sans KR" panose="020B0200000000000000" pitchFamily="50" charset="-127"/>
+                <a:ea typeface="KoPubWorld돋움체 Medium" panose="00000600000000000000"/>
+              </a:rPr>
+              <a:t>'</a:t>
+            </a:r>
+            <a:r>
+              <a:rPr lang="ko-KR" altLang="en-US" sz="1200" b="0" i="0" dirty="0">
+                <a:solidFill>
+                  <a:srgbClr val="555555"/>
+                </a:solidFill>
+                <a:effectLst/>
+                <a:latin typeface="Noto Sans KR" panose="020B0200000000000000" pitchFamily="50" charset="-127"/>
+                <a:ea typeface="KoPubWorld돋움체 Medium" panose="00000600000000000000"/>
+              </a:rPr>
+              <a:t>쿼리 실행</a:t>
+            </a:r>
+            <a:r>
+              <a:rPr lang="en-US" altLang="ko-KR" sz="1200" b="0" i="0" dirty="0">
+                <a:solidFill>
+                  <a:srgbClr val="555555"/>
+                </a:solidFill>
+                <a:effectLst/>
+                <a:latin typeface="Noto Sans KR" panose="020B0200000000000000" pitchFamily="50" charset="-127"/>
+                <a:ea typeface="KoPubWorld돋움체 Medium" panose="00000600000000000000"/>
+              </a:rPr>
+              <a:t>(Query Execution)'</a:t>
+            </a:r>
+          </a:p>
+          <a:p>
+            <a:pPr algn="l">
+              <a:lnSpc>
+                <a:spcPts val="1950"/>
+              </a:lnSpc>
+              <a:spcAft>
+                <a:spcPts val="2100"/>
+              </a:spcAft>
+            </a:pPr>
+            <a:r>
+              <a:rPr lang="en-US" altLang="ko-KR" sz="1200" b="0" i="0" dirty="0">
+                <a:solidFill>
+                  <a:srgbClr val="555555"/>
+                </a:solidFill>
+                <a:effectLst/>
+                <a:latin typeface="Noto Sans KR" panose="020B0200000000000000" pitchFamily="50" charset="-127"/>
+                <a:ea typeface="KoPubWorld돋움체 Medium" panose="00000600000000000000"/>
+              </a:rPr>
+              <a:t>- (3) </a:t>
+            </a:r>
+            <a:r>
+              <a:rPr lang="ko-KR" altLang="en-US" sz="1200" b="0" i="0" dirty="0">
+                <a:solidFill>
+                  <a:srgbClr val="555555"/>
+                </a:solidFill>
+                <a:effectLst/>
+                <a:latin typeface="Noto Sans KR" panose="020B0200000000000000" pitchFamily="50" charset="-127"/>
+                <a:ea typeface="KoPubWorld돋움체 Medium" panose="00000600000000000000"/>
+              </a:rPr>
+              <a:t>데이터와 쿼리를 사용해 자연어 답변을 생성하는 </a:t>
+            </a:r>
+            <a:r>
+              <a:rPr lang="en-US" altLang="ko-KR" sz="1200" b="0" i="0" dirty="0">
+                <a:solidFill>
+                  <a:srgbClr val="555555"/>
+                </a:solidFill>
+                <a:effectLst/>
+                <a:latin typeface="Noto Sans KR" panose="020B0200000000000000" pitchFamily="50" charset="-127"/>
+                <a:ea typeface="KoPubWorld돋움체 Medium" panose="00000600000000000000"/>
+              </a:rPr>
+              <a:t>'</a:t>
+            </a:r>
+            <a:r>
+              <a:rPr lang="ko-KR" altLang="en-US" sz="1200" b="0" i="0" dirty="0">
+                <a:solidFill>
+                  <a:srgbClr val="555555"/>
+                </a:solidFill>
+                <a:effectLst/>
+                <a:latin typeface="Noto Sans KR" panose="020B0200000000000000" pitchFamily="50" charset="-127"/>
+                <a:ea typeface="KoPubWorld돋움체 Medium" panose="00000600000000000000"/>
+              </a:rPr>
+              <a:t>답변 생성</a:t>
+            </a:r>
+            <a:r>
+              <a:rPr lang="en-US" altLang="ko-KR" sz="1200" b="0" i="0" dirty="0">
+                <a:solidFill>
+                  <a:srgbClr val="555555"/>
+                </a:solidFill>
+                <a:effectLst/>
+                <a:latin typeface="Noto Sans KR" panose="020B0200000000000000" pitchFamily="50" charset="-127"/>
+                <a:ea typeface="KoPubWorld돋움체 Medium" panose="00000600000000000000"/>
+              </a:rPr>
+              <a:t>(Answer Generation)’</a:t>
+            </a:r>
+          </a:p>
+          <a:p>
+            <a:pPr algn="l">
+              <a:lnSpc>
+                <a:spcPts val="1950"/>
+              </a:lnSpc>
+              <a:spcAft>
+                <a:spcPts val="2100"/>
+              </a:spcAft>
+            </a:pPr>
+            <a:r>
+              <a:rPr lang="ko-KR" altLang="en-US" sz="1200" b="0" i="0" dirty="0">
+                <a:solidFill>
+                  <a:srgbClr val="555555"/>
+                </a:solidFill>
+                <a:effectLst/>
+                <a:latin typeface="Noto Sans KR" panose="020B0200000000000000" pitchFamily="50" charset="-127"/>
+                <a:ea typeface="KoPubWorld돋움체 Medium" panose="00000600000000000000"/>
+              </a:rPr>
+              <a:t>이 방식을 통해 </a:t>
+            </a:r>
+            <a:r>
+              <a:rPr lang="en-US" altLang="ko-KR" sz="1200" b="0" i="0" dirty="0">
+                <a:solidFill>
+                  <a:srgbClr val="555555"/>
+                </a:solidFill>
+                <a:effectLst/>
+                <a:latin typeface="Noto Sans KR" panose="020B0200000000000000" pitchFamily="50" charset="-127"/>
+                <a:ea typeface="KoPubWorld돋움체 Medium" panose="00000600000000000000"/>
+              </a:rPr>
+              <a:t>LLM</a:t>
+            </a:r>
+            <a:r>
+              <a:rPr lang="ko-KR" altLang="en-US" sz="1200" b="0" i="0" dirty="0">
+                <a:solidFill>
+                  <a:srgbClr val="555555"/>
+                </a:solidFill>
+                <a:effectLst/>
+                <a:latin typeface="Noto Sans KR" panose="020B0200000000000000" pitchFamily="50" charset="-127"/>
+                <a:ea typeface="KoPubWorld돋움체 Medium" panose="00000600000000000000"/>
+              </a:rPr>
+              <a:t>의 추론 능력이 쿼리 합성</a:t>
+            </a:r>
+            <a:endParaRPr lang="en-US" altLang="ko-KR" sz="1200" b="0" i="0" dirty="0">
+              <a:solidFill>
+                <a:srgbClr val="555555"/>
+              </a:solidFill>
+              <a:effectLst/>
+              <a:latin typeface="Noto Sans KR" panose="020B0200000000000000" pitchFamily="50" charset="-127"/>
+              <a:ea typeface="KoPubWorld돋움체 Medium" panose="00000600000000000000"/>
+            </a:endParaRPr>
+          </a:p>
+          <a:p>
+            <a:pPr algn="l">
+              <a:lnSpc>
+                <a:spcPts val="1950"/>
+              </a:lnSpc>
+              <a:spcAft>
+                <a:spcPts val="2100"/>
+              </a:spcAft>
+            </a:pPr>
+            <a:r>
+              <a:rPr lang="en-US" altLang="ko-KR" sz="1200" b="0" i="0" dirty="0">
+                <a:solidFill>
+                  <a:srgbClr val="555555"/>
+                </a:solidFill>
+                <a:effectLst/>
+                <a:latin typeface="Noto Sans KR" panose="020B0200000000000000" pitchFamily="50" charset="-127"/>
+                <a:ea typeface="KoPubWorld돋움체 Medium" panose="00000600000000000000"/>
+              </a:rPr>
+              <a:t>(1) </a:t>
+            </a:r>
+            <a:r>
+              <a:rPr lang="ko-KR" altLang="en-US" sz="1200" b="0" i="0" dirty="0">
+                <a:solidFill>
+                  <a:srgbClr val="555555"/>
+                </a:solidFill>
+                <a:effectLst/>
+                <a:latin typeface="Noto Sans KR" panose="020B0200000000000000" pitchFamily="50" charset="-127"/>
+                <a:ea typeface="KoPubWorld돋움체 Medium" panose="00000600000000000000"/>
+              </a:rPr>
+              <a:t>및 답변 생성</a:t>
+            </a:r>
+            <a:r>
+              <a:rPr lang="en-US" altLang="ko-KR" sz="1200" b="0" i="0" dirty="0">
+                <a:solidFill>
+                  <a:srgbClr val="555555"/>
+                </a:solidFill>
+                <a:effectLst/>
+                <a:latin typeface="Noto Sans KR" panose="020B0200000000000000" pitchFamily="50" charset="-127"/>
+                <a:ea typeface="KoPubWorld돋움체 Medium" panose="00000600000000000000"/>
+              </a:rPr>
+              <a:t>(3) </a:t>
+            </a:r>
+            <a:r>
+              <a:rPr lang="ko-KR" altLang="en-US" sz="1200" b="0" i="0" dirty="0">
+                <a:solidFill>
+                  <a:srgbClr val="555555"/>
+                </a:solidFill>
+                <a:effectLst/>
+                <a:latin typeface="Noto Sans KR" panose="020B0200000000000000" pitchFamily="50" charset="-127"/>
+                <a:ea typeface="KoPubWorld돋움체 Medium" panose="00000600000000000000"/>
+              </a:rPr>
+              <a:t>단계에 모두 통합되며</a:t>
+            </a:r>
+            <a:r>
+              <a:rPr lang="en-US" altLang="ko-KR" sz="1200" b="0" i="0" dirty="0">
+                <a:solidFill>
+                  <a:srgbClr val="555555"/>
+                </a:solidFill>
+                <a:effectLst/>
+                <a:latin typeface="Noto Sans KR" panose="020B0200000000000000" pitchFamily="50" charset="-127"/>
+                <a:ea typeface="KoPubWorld돋움체 Medium" panose="00000600000000000000"/>
+              </a:rPr>
+              <a:t>,</a:t>
+            </a:r>
+          </a:p>
+          <a:p>
+            <a:pPr algn="l">
+              <a:lnSpc>
+                <a:spcPts val="1950"/>
+              </a:lnSpc>
+              <a:spcAft>
+                <a:spcPts val="2100"/>
+              </a:spcAft>
+            </a:pPr>
+            <a:r>
+              <a:rPr lang="en-US" altLang="ko-KR" sz="1200" b="0" i="0" dirty="0">
+                <a:solidFill>
+                  <a:srgbClr val="555555"/>
+                </a:solidFill>
+                <a:effectLst/>
+                <a:latin typeface="Noto Sans KR" panose="020B0200000000000000" pitchFamily="50" charset="-127"/>
+                <a:ea typeface="KoPubWorld돋움체 Medium" panose="00000600000000000000"/>
+              </a:rPr>
+              <a:t>DB </a:t>
+            </a:r>
+            <a:r>
+              <a:rPr lang="ko-KR" altLang="en-US" sz="1200" b="0" i="0" dirty="0">
+                <a:solidFill>
+                  <a:srgbClr val="555555"/>
+                </a:solidFill>
+                <a:effectLst/>
+                <a:latin typeface="Noto Sans KR" panose="020B0200000000000000" pitchFamily="50" charset="-127"/>
+                <a:ea typeface="KoPubWorld돋움체 Medium" panose="00000600000000000000"/>
+              </a:rPr>
+              <a:t>시스템의 </a:t>
+            </a:r>
+            <a:r>
+              <a:rPr lang="en-US" altLang="ko-KR" sz="1200" b="0" i="0" dirty="0">
+                <a:solidFill>
+                  <a:srgbClr val="555555"/>
+                </a:solidFill>
+                <a:effectLst/>
+                <a:latin typeface="Noto Sans KR" panose="020B0200000000000000" pitchFamily="50" charset="-127"/>
+                <a:ea typeface="KoPubWorld돋움체 Medium" panose="00000600000000000000"/>
+              </a:rPr>
+              <a:t>(2) </a:t>
+            </a:r>
+            <a:r>
+              <a:rPr lang="ko-KR" altLang="en-US" sz="1200" b="0" i="0" dirty="0">
+                <a:solidFill>
+                  <a:srgbClr val="555555"/>
+                </a:solidFill>
+                <a:effectLst/>
+                <a:latin typeface="Noto Sans KR" panose="020B0200000000000000" pitchFamily="50" charset="-127"/>
+                <a:ea typeface="KoPubWorld돋움체 Medium" panose="00000600000000000000"/>
+              </a:rPr>
+              <a:t>쿼리 실행은 집계</a:t>
+            </a:r>
+            <a:r>
+              <a:rPr lang="en-US" altLang="ko-KR" sz="1200" b="0" i="0" dirty="0">
+                <a:solidFill>
+                  <a:srgbClr val="555555"/>
+                </a:solidFill>
+                <a:effectLst/>
+                <a:latin typeface="Noto Sans KR" panose="020B0200000000000000" pitchFamily="50" charset="-127"/>
+                <a:ea typeface="KoPubWorld돋움체 Medium" panose="00000600000000000000"/>
+              </a:rPr>
+              <a:t>, </a:t>
+            </a:r>
+            <a:r>
+              <a:rPr lang="ko-KR" altLang="en-US" sz="1200" b="0" i="0" dirty="0">
+                <a:solidFill>
+                  <a:srgbClr val="555555"/>
+                </a:solidFill>
+                <a:effectLst/>
+                <a:latin typeface="Noto Sans KR" panose="020B0200000000000000" pitchFamily="50" charset="-127"/>
+                <a:ea typeface="KoPubWorld돋움체 Medium" panose="00000600000000000000"/>
+              </a:rPr>
+              <a:t>수학 계산</a:t>
+            </a:r>
+            <a:r>
+              <a:rPr lang="en-US" altLang="ko-KR" sz="1200" b="0" i="0" dirty="0">
+                <a:solidFill>
+                  <a:srgbClr val="555555"/>
+                </a:solidFill>
+                <a:effectLst/>
+                <a:latin typeface="Noto Sans KR" panose="020B0200000000000000" pitchFamily="50" charset="-127"/>
+                <a:ea typeface="KoPubWorld돋움체 Medium" panose="00000600000000000000"/>
+              </a:rPr>
+              <a:t>, </a:t>
+            </a:r>
+            <a:r>
+              <a:rPr lang="ko-KR" altLang="en-US" sz="1200" b="0" i="0" dirty="0">
+                <a:solidFill>
+                  <a:srgbClr val="555555"/>
+                </a:solidFill>
+                <a:effectLst/>
+                <a:latin typeface="Noto Sans KR" panose="020B0200000000000000" pitchFamily="50" charset="-127"/>
+                <a:ea typeface="KoPubWorld돋움체 Medium" panose="00000600000000000000"/>
+              </a:rPr>
+              <a:t>필터링 등 계산 작업을 처리하는 데 있어 </a:t>
+            </a:r>
+            <a:r>
+              <a:rPr lang="en-US" altLang="ko-KR" sz="1200" b="0" i="0" dirty="0">
+                <a:solidFill>
+                  <a:srgbClr val="555555"/>
+                </a:solidFill>
+                <a:effectLst/>
+                <a:latin typeface="Noto Sans KR" panose="020B0200000000000000" pitchFamily="50" charset="-127"/>
+                <a:ea typeface="KoPubWorld돋움체 Medium" panose="00000600000000000000"/>
+              </a:rPr>
+              <a:t>RAG</a:t>
+            </a:r>
+            <a:r>
+              <a:rPr lang="ko-KR" altLang="en-US" sz="1200" b="0" i="0" dirty="0">
+                <a:solidFill>
+                  <a:srgbClr val="555555"/>
+                </a:solidFill>
+                <a:effectLst/>
+                <a:latin typeface="Noto Sans KR" panose="020B0200000000000000" pitchFamily="50" charset="-127"/>
+                <a:ea typeface="KoPubWorld돋움체 Medium" panose="00000600000000000000"/>
+              </a:rPr>
+              <a:t>의 비효율성을 해결한다</a:t>
+            </a:r>
+            <a:r>
+              <a:rPr lang="en-US" altLang="ko-KR" sz="1200" b="0" i="0" dirty="0">
+                <a:solidFill>
+                  <a:srgbClr val="555555"/>
+                </a:solidFill>
+                <a:effectLst/>
+                <a:latin typeface="Noto Sans KR" panose="020B0200000000000000" pitchFamily="50" charset="-127"/>
+                <a:ea typeface="KoPubWorld돋움체 Medium" panose="00000600000000000000"/>
+              </a:rPr>
+              <a:t>.</a:t>
+            </a:r>
+          </a:p>
+          <a:p>
+            <a:pPr algn="l">
+              <a:lnSpc>
+                <a:spcPts val="1950"/>
+              </a:lnSpc>
+              <a:spcAft>
+                <a:spcPts val="2100"/>
+              </a:spcAft>
+            </a:pPr>
+            <a:r>
+              <a:rPr lang="ko-KR" altLang="en-US" sz="1200" b="0" i="0" dirty="0">
+                <a:solidFill>
+                  <a:srgbClr val="555555"/>
+                </a:solidFill>
+                <a:effectLst/>
+                <a:latin typeface="Noto Sans KR" panose="020B0200000000000000" pitchFamily="50" charset="-127"/>
+                <a:ea typeface="KoPubWorld돋움체 Medium" panose="00000600000000000000"/>
+              </a:rPr>
+              <a:t>시스템은 의미적 추론</a:t>
+            </a:r>
+            <a:r>
+              <a:rPr lang="en-US" altLang="ko-KR" sz="1200" b="0" i="0" dirty="0">
+                <a:solidFill>
+                  <a:srgbClr val="555555"/>
+                </a:solidFill>
+                <a:effectLst/>
+                <a:latin typeface="Noto Sans KR" panose="020B0200000000000000" pitchFamily="50" charset="-127"/>
+                <a:ea typeface="KoPubWorld돋움체 Medium" panose="00000600000000000000"/>
+              </a:rPr>
+              <a:t>, </a:t>
+            </a:r>
+            <a:r>
+              <a:rPr lang="ko-KR" altLang="en-US" sz="1200" b="0" i="0" dirty="0">
+                <a:solidFill>
+                  <a:srgbClr val="555555"/>
+                </a:solidFill>
+                <a:effectLst/>
+                <a:latin typeface="Noto Sans KR" panose="020B0200000000000000" pitchFamily="50" charset="-127"/>
+                <a:ea typeface="KoPubWorld돋움체 Medium" panose="00000600000000000000"/>
+              </a:rPr>
+              <a:t>세계 지식</a:t>
+            </a:r>
+            <a:r>
+              <a:rPr lang="en-US" altLang="ko-KR" sz="1200" b="0" i="0" dirty="0">
+                <a:solidFill>
+                  <a:srgbClr val="555555"/>
+                </a:solidFill>
+                <a:effectLst/>
+                <a:latin typeface="Noto Sans KR" panose="020B0200000000000000" pitchFamily="50" charset="-127"/>
+                <a:ea typeface="KoPubWorld돋움체 Medium" panose="00000600000000000000"/>
+              </a:rPr>
+              <a:t>, </a:t>
+            </a:r>
+            <a:r>
+              <a:rPr lang="ko-KR" altLang="en-US" sz="1200" b="0" i="0" dirty="0">
+                <a:solidFill>
+                  <a:srgbClr val="555555"/>
+                </a:solidFill>
+                <a:effectLst/>
+                <a:latin typeface="Noto Sans KR" panose="020B0200000000000000" pitchFamily="50" charset="-127"/>
+                <a:ea typeface="KoPubWorld돋움체 Medium" panose="00000600000000000000"/>
+              </a:rPr>
+              <a:t>도메인 지식을 모두 요구하는 복잡한 질문에 답할 수 있게 된다</a:t>
+            </a:r>
+            <a:r>
+              <a:rPr lang="en-US" altLang="ko-KR" sz="1200" b="0" i="0" dirty="0">
+                <a:solidFill>
+                  <a:srgbClr val="555555"/>
+                </a:solidFill>
+                <a:effectLst/>
+                <a:latin typeface="Noto Sans KR" panose="020B0200000000000000" pitchFamily="50" charset="-127"/>
+                <a:ea typeface="KoPubWorld돋움체 Medium" panose="00000600000000000000"/>
+              </a:rPr>
+              <a:t>.</a:t>
+            </a:r>
+          </a:p>
+          <a:p>
+            <a:pPr algn="l">
+              <a:lnSpc>
+                <a:spcPts val="1950"/>
+              </a:lnSpc>
+              <a:spcAft>
+                <a:spcPts val="2100"/>
+              </a:spcAft>
+            </a:pPr>
+            <a:r>
+              <a:rPr lang="ko-KR" altLang="en-US" sz="1200" b="0" i="0" dirty="0">
+                <a:solidFill>
+                  <a:srgbClr val="555555"/>
+                </a:solidFill>
+                <a:effectLst/>
+                <a:latin typeface="Noto Sans KR" panose="020B0200000000000000" pitchFamily="50" charset="-127"/>
+                <a:ea typeface="KoPubWorld돋움체 Medium" panose="00000600000000000000"/>
+              </a:rPr>
+              <a:t>예를 들어</a:t>
+            </a:r>
+            <a:r>
+              <a:rPr lang="en-US" altLang="ko-KR" sz="1200" b="0" i="0" dirty="0">
+                <a:solidFill>
+                  <a:srgbClr val="555555"/>
+                </a:solidFill>
+                <a:effectLst/>
+                <a:latin typeface="Noto Sans KR" panose="020B0200000000000000" pitchFamily="50" charset="-127"/>
+                <a:ea typeface="KoPubWorld돋움체 Medium" panose="00000600000000000000"/>
+              </a:rPr>
+              <a:t>, '</a:t>
+            </a:r>
+            <a:r>
+              <a:rPr lang="ko-KR" altLang="en-US" sz="1200" b="0" i="0" dirty="0">
+                <a:solidFill>
+                  <a:srgbClr val="555555"/>
+                </a:solidFill>
+                <a:effectLst/>
+                <a:latin typeface="Noto Sans KR" panose="020B0200000000000000" pitchFamily="50" charset="-127"/>
+                <a:ea typeface="KoPubWorld돋움체 Medium" panose="00000600000000000000"/>
+              </a:rPr>
+              <a:t>고전으로 여겨지는 최고 수익을 올린 로맨스 영화의 리뷰 요약</a:t>
+            </a:r>
+            <a:r>
+              <a:rPr lang="en-US" altLang="ko-KR" sz="1200" b="0" i="0" dirty="0">
+                <a:solidFill>
+                  <a:srgbClr val="555555"/>
+                </a:solidFill>
+                <a:effectLst/>
+                <a:latin typeface="Noto Sans KR" panose="020B0200000000000000" pitchFamily="50" charset="-127"/>
+                <a:ea typeface="KoPubWorld돋움체 Medium" panose="00000600000000000000"/>
+              </a:rPr>
+              <a:t>'</a:t>
+            </a:r>
+            <a:r>
+              <a:rPr lang="ko-KR" altLang="en-US" sz="1200" b="0" i="0" dirty="0">
+                <a:solidFill>
+                  <a:srgbClr val="555555"/>
+                </a:solidFill>
+                <a:effectLst/>
+                <a:latin typeface="Noto Sans KR" panose="020B0200000000000000" pitchFamily="50" charset="-127"/>
+                <a:ea typeface="KoPubWorld돋움체 Medium" panose="00000600000000000000"/>
+              </a:rPr>
+              <a:t>이라는 질문에 답할 수 있다</a:t>
+            </a:r>
+            <a:r>
+              <a:rPr lang="en-US" altLang="ko-KR" sz="1200" b="0" i="0" dirty="0">
+                <a:solidFill>
+                  <a:srgbClr val="555555"/>
+                </a:solidFill>
+                <a:effectLst/>
+                <a:latin typeface="Noto Sans KR" panose="020B0200000000000000" pitchFamily="50" charset="-127"/>
+                <a:ea typeface="KoPubWorld돋움체 Medium" panose="00000600000000000000"/>
+              </a:rPr>
+              <a:t>. </a:t>
+            </a:r>
+          </a:p>
+          <a:p>
+            <a:pPr algn="l">
+              <a:lnSpc>
+                <a:spcPts val="1950"/>
+              </a:lnSpc>
+              <a:spcAft>
+                <a:spcPts val="2100"/>
+              </a:spcAft>
+            </a:pPr>
+            <a:endParaRPr lang="en-US" altLang="ko-KR" sz="1200" b="0" i="0" dirty="0">
+              <a:solidFill>
+                <a:srgbClr val="555555"/>
+              </a:solidFill>
+              <a:effectLst/>
+              <a:latin typeface="Noto Sans KR" panose="020B0200000000000000" pitchFamily="50" charset="-127"/>
+              <a:ea typeface="KoPubWorld돋움체 Medium" panose="00000600000000000000"/>
+            </a:endParaRPr>
+          </a:p>
+          <a:p>
+            <a:pPr algn="l">
+              <a:lnSpc>
+                <a:spcPts val="1950"/>
+              </a:lnSpc>
+              <a:spcAft>
+                <a:spcPts val="2100"/>
+              </a:spcAft>
+            </a:pPr>
+            <a:r>
+              <a:rPr lang="ko-KR" altLang="en-US" sz="1200" b="0" i="0" dirty="0">
+                <a:solidFill>
+                  <a:srgbClr val="555555"/>
+                </a:solidFill>
+                <a:effectLst/>
+                <a:latin typeface="Noto Sans KR" panose="020B0200000000000000" pitchFamily="50" charset="-127"/>
+                <a:ea typeface="KoPubWorld돋움체 Medium" panose="00000600000000000000"/>
+              </a:rPr>
+              <a:t>이 질문은 </a:t>
+            </a:r>
+            <a:r>
+              <a:rPr lang="en-US" altLang="ko-KR" sz="1200" b="0" i="0" dirty="0">
+                <a:solidFill>
+                  <a:srgbClr val="555555"/>
+                </a:solidFill>
+                <a:effectLst/>
+                <a:latin typeface="Noto Sans KR" panose="020B0200000000000000" pitchFamily="50" charset="-127"/>
+                <a:ea typeface="KoPubWorld돋움체 Medium" panose="00000600000000000000"/>
+              </a:rPr>
+              <a:t>text-SQL </a:t>
+            </a:r>
+            <a:r>
+              <a:rPr lang="ko-KR" altLang="en-US" sz="1200" b="0" i="0" dirty="0">
+                <a:solidFill>
+                  <a:srgbClr val="555555"/>
+                </a:solidFill>
+                <a:effectLst/>
+                <a:latin typeface="Noto Sans KR" panose="020B0200000000000000" pitchFamily="50" charset="-127"/>
+                <a:ea typeface="KoPubWorld돋움체 Medium" panose="00000600000000000000"/>
+              </a:rPr>
+              <a:t>이나 </a:t>
+            </a:r>
+            <a:r>
+              <a:rPr lang="en-US" altLang="ko-KR" sz="1200" b="0" i="0" dirty="0">
+                <a:solidFill>
+                  <a:srgbClr val="555555"/>
+                </a:solidFill>
+                <a:effectLst/>
+                <a:latin typeface="Noto Sans KR" panose="020B0200000000000000" pitchFamily="50" charset="-127"/>
+                <a:ea typeface="KoPubWorld돋움체 Medium" panose="00000600000000000000"/>
+              </a:rPr>
+              <a:t>RAG </a:t>
+            </a:r>
+            <a:r>
+              <a:rPr lang="ko-KR" altLang="en-US" sz="1200" b="0" i="0" dirty="0">
+                <a:solidFill>
+                  <a:srgbClr val="555555"/>
+                </a:solidFill>
+                <a:effectLst/>
+                <a:latin typeface="Noto Sans KR" panose="020B0200000000000000" pitchFamily="50" charset="-127"/>
+                <a:ea typeface="KoPubWorld돋움체 Medium" panose="00000600000000000000"/>
+              </a:rPr>
+              <a:t>에서는 잘 동작하지 않는다</a:t>
+            </a:r>
+            <a:r>
+              <a:rPr lang="en-US" altLang="ko-KR" sz="1200" b="0" i="0" dirty="0">
+                <a:solidFill>
+                  <a:srgbClr val="555555"/>
+                </a:solidFill>
+                <a:effectLst/>
+                <a:latin typeface="Noto Sans KR" panose="020B0200000000000000" pitchFamily="50" charset="-127"/>
+                <a:ea typeface="KoPubWorld돋움체 Medium" panose="00000600000000000000"/>
+              </a:rPr>
+              <a:t>.</a:t>
+            </a:r>
+          </a:p>
+          <a:p>
+            <a:pPr algn="l">
+              <a:lnSpc>
+                <a:spcPts val="1950"/>
+              </a:lnSpc>
+              <a:spcAft>
+                <a:spcPts val="2100"/>
+              </a:spcAft>
+            </a:pPr>
+            <a:r>
+              <a:rPr lang="ko-KR" altLang="en-US" sz="1200" b="0" i="0" dirty="0">
+                <a:solidFill>
+                  <a:srgbClr val="555555"/>
+                </a:solidFill>
+                <a:effectLst/>
+                <a:latin typeface="Noto Sans KR" panose="020B0200000000000000" pitchFamily="50" charset="-127"/>
+                <a:ea typeface="KoPubWorld돋움체 Medium" panose="00000600000000000000"/>
+              </a:rPr>
+              <a:t>왜냐하면</a:t>
+            </a:r>
+            <a:r>
+              <a:rPr lang="en-US" altLang="ko-KR" sz="1200" b="0" i="0" dirty="0">
+                <a:solidFill>
+                  <a:srgbClr val="555555"/>
+                </a:solidFill>
+                <a:effectLst/>
+                <a:latin typeface="Noto Sans KR" panose="020B0200000000000000" pitchFamily="50" charset="-127"/>
+                <a:ea typeface="KoPubWorld돋움체 Medium" panose="00000600000000000000"/>
+              </a:rPr>
+              <a:t>, DB</a:t>
+            </a:r>
+            <a:r>
+              <a:rPr lang="ko-KR" altLang="en-US" sz="1200" b="0" i="0" dirty="0">
+                <a:solidFill>
+                  <a:srgbClr val="555555"/>
+                </a:solidFill>
+                <a:effectLst/>
+                <a:latin typeface="Noto Sans KR" panose="020B0200000000000000" pitchFamily="50" charset="-127"/>
+                <a:ea typeface="KoPubWorld돋움체 Medium" panose="00000600000000000000"/>
+              </a:rPr>
+              <a:t>에서 최고 수익을 올린 로맨스 영화를 찾아야 할 뿐만 아니라 세계 지식을 활용해 해당 영화가 고전인지도 판단해야 하기 때문이다</a:t>
+            </a:r>
+            <a:r>
+              <a:rPr lang="en-US" altLang="ko-KR" sz="1200" b="0" i="0" dirty="0">
+                <a:solidFill>
+                  <a:srgbClr val="555555"/>
+                </a:solidFill>
+                <a:effectLst/>
+                <a:latin typeface="Noto Sans KR" panose="020B0200000000000000" pitchFamily="50" charset="-127"/>
+                <a:ea typeface="KoPubWorld돋움체 Medium" panose="00000600000000000000"/>
+              </a:rPr>
+              <a:t>.</a:t>
+            </a:r>
+          </a:p>
+          <a:p>
+            <a:pPr algn="l">
+              <a:lnSpc>
+                <a:spcPts val="1950"/>
+              </a:lnSpc>
+              <a:spcAft>
+                <a:spcPts val="2100"/>
+              </a:spcAft>
+            </a:pPr>
+            <a:r>
+              <a:rPr lang="en-US" altLang="ko-KR" sz="1200" b="0" i="0" dirty="0">
+                <a:solidFill>
+                  <a:srgbClr val="555555"/>
+                </a:solidFill>
+                <a:effectLst/>
+                <a:latin typeface="Noto Sans KR" panose="020B0200000000000000" pitchFamily="50" charset="-127"/>
+                <a:ea typeface="KoPubWorld돋움체 Medium" panose="00000600000000000000"/>
+              </a:rPr>
+              <a:t> </a:t>
+            </a:r>
+          </a:p>
+          <a:p>
+            <a:pPr algn="l">
+              <a:lnSpc>
+                <a:spcPts val="1950"/>
+              </a:lnSpc>
+              <a:spcAft>
+                <a:spcPts val="2100"/>
+              </a:spcAft>
+            </a:pPr>
+            <a:r>
+              <a:rPr lang="ko-KR" altLang="en-US" sz="1200" b="0" i="0" dirty="0">
+                <a:solidFill>
+                  <a:srgbClr val="555555"/>
+                </a:solidFill>
+                <a:effectLst/>
+                <a:latin typeface="Noto Sans KR" panose="020B0200000000000000" pitchFamily="50" charset="-127"/>
+                <a:ea typeface="KoPubWorld돋움체 Medium" panose="00000600000000000000"/>
+              </a:rPr>
+              <a:t>하지만 </a:t>
+            </a:r>
+            <a:r>
+              <a:rPr lang="en-US" altLang="ko-KR" sz="1200" b="0" i="0" dirty="0">
+                <a:solidFill>
+                  <a:srgbClr val="555555"/>
+                </a:solidFill>
+                <a:effectLst/>
+                <a:latin typeface="Noto Sans KR" panose="020B0200000000000000" pitchFamily="50" charset="-127"/>
+                <a:ea typeface="KoPubWorld돋움체 Medium" panose="00000600000000000000"/>
+              </a:rPr>
+              <a:t>TAG</a:t>
+            </a:r>
+            <a:r>
+              <a:rPr lang="ko-KR" altLang="en-US" sz="1200" b="0" i="0" dirty="0">
+                <a:solidFill>
+                  <a:srgbClr val="555555"/>
+                </a:solidFill>
+                <a:effectLst/>
+                <a:latin typeface="Noto Sans KR" panose="020B0200000000000000" pitchFamily="50" charset="-127"/>
+                <a:ea typeface="KoPubWorld돋움체 Medium" panose="00000600000000000000"/>
+              </a:rPr>
+              <a:t>는</a:t>
+            </a:r>
+          </a:p>
+          <a:p>
+            <a:pPr algn="l">
+              <a:lnSpc>
+                <a:spcPts val="1950"/>
+              </a:lnSpc>
+              <a:spcAft>
+                <a:spcPts val="2100"/>
+              </a:spcAft>
+            </a:pPr>
+            <a:r>
+              <a:rPr lang="ko-KR" altLang="en-US" sz="1200" b="0" i="0" dirty="0">
+                <a:solidFill>
+                  <a:srgbClr val="555555"/>
+                </a:solidFill>
+                <a:effectLst/>
+                <a:latin typeface="Noto Sans KR" panose="020B0200000000000000" pitchFamily="50" charset="-127"/>
+                <a:ea typeface="KoPubWorld돋움체 Medium" panose="00000600000000000000"/>
+              </a:rPr>
+              <a:t>시스템은 관련 영화 데이터를 위한 쿼리를 생성하고</a:t>
+            </a:r>
+            <a:r>
+              <a:rPr lang="en-US" altLang="ko-KR" sz="1200" b="0" i="0" dirty="0">
+                <a:solidFill>
+                  <a:srgbClr val="555555"/>
+                </a:solidFill>
+                <a:effectLst/>
+                <a:latin typeface="Noto Sans KR" panose="020B0200000000000000" pitchFamily="50" charset="-127"/>
+                <a:ea typeface="KoPubWorld돋움체 Medium" panose="00000600000000000000"/>
+              </a:rPr>
+              <a:t>, </a:t>
+            </a:r>
+            <a:r>
+              <a:rPr lang="ko-KR" altLang="en-US" sz="1200" b="0" i="0" dirty="0">
+                <a:solidFill>
+                  <a:srgbClr val="555555"/>
+                </a:solidFill>
+                <a:effectLst/>
+                <a:latin typeface="Noto Sans KR" panose="020B0200000000000000" pitchFamily="50" charset="-127"/>
+                <a:ea typeface="KoPubWorld돋움체 Medium" panose="00000600000000000000"/>
+              </a:rPr>
+              <a:t>필터와 </a:t>
+            </a:r>
+            <a:r>
+              <a:rPr lang="en-US" altLang="ko-KR" sz="1200" b="0" i="0" dirty="0">
+                <a:solidFill>
+                  <a:srgbClr val="555555"/>
+                </a:solidFill>
+                <a:effectLst/>
+                <a:latin typeface="Noto Sans KR" panose="020B0200000000000000" pitchFamily="50" charset="-127"/>
+                <a:ea typeface="KoPubWorld돋움체 Medium" panose="00000600000000000000"/>
+              </a:rPr>
+              <a:t>LLM</a:t>
+            </a:r>
+            <a:r>
+              <a:rPr lang="ko-KR" altLang="en-US" sz="1200" b="0" i="0" dirty="0">
+                <a:solidFill>
+                  <a:srgbClr val="555555"/>
+                </a:solidFill>
+                <a:effectLst/>
+                <a:latin typeface="Noto Sans KR" panose="020B0200000000000000" pitchFamily="50" charset="-127"/>
+                <a:ea typeface="KoPubWorld돋움체 Medium" panose="00000600000000000000"/>
+              </a:rPr>
+              <a:t>을 사용해 수익 순으로 정렬된 고전 로맨스 영화 테이블을 생성한 뒤 </a:t>
+            </a:r>
+          </a:p>
+          <a:p>
+            <a:pPr algn="l">
+              <a:lnSpc>
+                <a:spcPts val="1950"/>
+              </a:lnSpc>
+              <a:spcAft>
+                <a:spcPts val="2100"/>
+              </a:spcAft>
+            </a:pPr>
+            <a:r>
+              <a:rPr lang="ko-KR" altLang="en-US" sz="1200" b="0" i="0" dirty="0">
+                <a:solidFill>
+                  <a:srgbClr val="555555"/>
+                </a:solidFill>
+                <a:effectLst/>
+                <a:latin typeface="Noto Sans KR" panose="020B0200000000000000" pitchFamily="50" charset="-127"/>
+                <a:ea typeface="KoPubWorld돋움체 Medium" panose="00000600000000000000"/>
+              </a:rPr>
+              <a:t>테이블에서 가장 높은 순위의 영화에 대한 리뷰를 요약해 원하는 답변을 제공한다</a:t>
+            </a:r>
+            <a:r>
+              <a:rPr lang="en-US" altLang="ko-KR" sz="1200" b="0" i="0" dirty="0">
+                <a:solidFill>
+                  <a:srgbClr val="555555"/>
+                </a:solidFill>
+                <a:effectLst/>
+                <a:latin typeface="Noto Sans KR" panose="020B0200000000000000" pitchFamily="50" charset="-127"/>
+                <a:ea typeface="KoPubWorld돋움체 Medium" panose="00000600000000000000"/>
+              </a:rPr>
+              <a:t>.</a:t>
+            </a:r>
+          </a:p>
+          <a:p>
+            <a:pPr algn="l">
+              <a:lnSpc>
+                <a:spcPts val="1950"/>
+              </a:lnSpc>
+              <a:spcAft>
+                <a:spcPts val="2100"/>
+              </a:spcAft>
+            </a:pPr>
+            <a:endParaRPr lang="en-US" altLang="ko-KR" sz="1200" b="0" i="0" dirty="0">
+              <a:solidFill>
+                <a:srgbClr val="555555"/>
+              </a:solidFill>
+              <a:effectLst/>
+              <a:latin typeface="Noto Sans KR" panose="020B0200000000000000" pitchFamily="50" charset="-127"/>
+              <a:ea typeface="KoPubWorld돋움체 Medium" panose="00000600000000000000"/>
+            </a:endParaRPr>
+          </a:p>
+          <a:p>
+            <a:pPr algn="l">
+              <a:lnSpc>
+                <a:spcPts val="1950"/>
+              </a:lnSpc>
+              <a:spcAft>
+                <a:spcPts val="2100"/>
+              </a:spcAft>
+            </a:pPr>
+            <a:endParaRPr lang="en-US" altLang="ko-KR" sz="1200" b="0" i="0" dirty="0">
+              <a:solidFill>
+                <a:srgbClr val="555555"/>
+              </a:solidFill>
+              <a:effectLst/>
+              <a:latin typeface="Noto Sans KR" panose="020B0200000000000000" pitchFamily="50" charset="-127"/>
+              <a:ea typeface="KoPubWorld돋움체 Medium" panose="00000600000000000000"/>
+            </a:endParaRPr>
+          </a:p>
+          <a:p>
+            <a:pPr algn="l">
+              <a:lnSpc>
+                <a:spcPts val="1950"/>
+              </a:lnSpc>
+              <a:spcAft>
+                <a:spcPts val="2100"/>
+              </a:spcAft>
+            </a:pPr>
+            <a:r>
+              <a:rPr lang="en-US" altLang="ko-KR" dirty="0"/>
+              <a:t>Natural language to structured query generation via paraphrasing.</a:t>
+            </a:r>
+            <a:r>
+              <a:rPr lang="en-US" altLang="ko-KR" sz="1200" b="0" i="0" dirty="0">
+                <a:solidFill>
+                  <a:srgbClr val="555555"/>
+                </a:solidFill>
+                <a:effectLst/>
+                <a:latin typeface="Noto Sans KR" panose="020B0200000000000000" pitchFamily="50" charset="-127"/>
+                <a:ea typeface="KoPubWorld돋움체 Medium" panose="00000600000000000000"/>
+              </a:rPr>
+              <a:t> IBM (2024) </a:t>
+            </a:r>
+            <a:r>
+              <a:rPr lang="ko-KR" altLang="en-US" dirty="0"/>
+              <a:t>자연어 질문을 </a:t>
+            </a:r>
+            <a:r>
+              <a:rPr lang="en-US" altLang="ko-KR" dirty="0"/>
+              <a:t>SQL</a:t>
+            </a:r>
+            <a:r>
+              <a:rPr lang="ko-KR" altLang="en-US" dirty="0"/>
+              <a:t>로 변환하는 질문 정제 기법</a:t>
+            </a:r>
+            <a:endParaRPr lang="en-US" altLang="ko-KR" dirty="0"/>
+          </a:p>
+          <a:p>
+            <a:pPr algn="l">
+              <a:lnSpc>
+                <a:spcPts val="1950"/>
+              </a:lnSpc>
+              <a:spcAft>
+                <a:spcPts val="2100"/>
+              </a:spcAft>
+            </a:pPr>
+            <a:r>
+              <a:rPr lang="ko-KR" altLang="en-US" dirty="0"/>
+              <a:t>질문 내에서 </a:t>
+            </a:r>
+            <a:r>
+              <a:rPr lang="ko-KR" altLang="en-US" b="1" dirty="0"/>
+              <a:t>중요 키워드</a:t>
+            </a:r>
+            <a:r>
+              <a:rPr lang="en-US" altLang="ko-KR" b="1" dirty="0"/>
+              <a:t>(</a:t>
+            </a:r>
+            <a:r>
+              <a:rPr lang="ko-KR" altLang="en-US" b="1" dirty="0"/>
+              <a:t>조건 값</a:t>
+            </a:r>
+            <a:r>
+              <a:rPr lang="en-US" altLang="ko-KR" b="1" dirty="0"/>
+              <a:t>)</a:t>
+            </a:r>
+            <a:r>
+              <a:rPr lang="ko-KR" altLang="en-US" b="1" dirty="0"/>
+              <a:t>를 추출</a:t>
+            </a:r>
+            <a:r>
+              <a:rPr lang="ko-KR" altLang="en-US" dirty="0"/>
+              <a:t>하고 </a:t>
+            </a:r>
+            <a:r>
+              <a:rPr lang="ko-KR" altLang="en-US" b="1" dirty="0"/>
+              <a:t>다양한 </a:t>
+            </a:r>
+            <a:r>
+              <a:rPr lang="en-US" altLang="ko-KR" b="1" dirty="0"/>
+              <a:t>SQL </a:t>
+            </a:r>
+            <a:r>
+              <a:rPr lang="ko-KR" altLang="en-US" b="1" dirty="0"/>
+              <a:t>후보를 생성한 후</a:t>
+            </a:r>
+            <a:r>
+              <a:rPr lang="en-US" altLang="ko-KR" b="1" dirty="0"/>
+              <a:t>, </a:t>
+            </a:r>
+            <a:r>
+              <a:rPr lang="ko-KR" altLang="en-US" b="1" dirty="0"/>
+              <a:t>가장 적절한 </a:t>
+            </a:r>
+            <a:r>
+              <a:rPr lang="en-US" altLang="ko-KR" b="1" dirty="0"/>
+              <a:t>SQL</a:t>
+            </a:r>
+            <a:r>
+              <a:rPr lang="ko-KR" altLang="en-US" b="1" dirty="0"/>
+              <a:t>을 선택</a:t>
+            </a:r>
+            <a:r>
+              <a:rPr lang="ko-KR" altLang="en-US" dirty="0"/>
+              <a:t>하는 방식</a:t>
+            </a:r>
+            <a:endParaRPr lang="en-US" altLang="ko-KR" dirty="0"/>
+          </a:p>
+          <a:p>
+            <a:pPr algn="l">
+              <a:lnSpc>
+                <a:spcPts val="1950"/>
+              </a:lnSpc>
+              <a:spcAft>
+                <a:spcPts val="2100"/>
+              </a:spcAft>
+            </a:pPr>
+            <a:endParaRPr lang="en-US" altLang="ko-KR" sz="1200" b="0" i="0" dirty="0">
+              <a:solidFill>
+                <a:srgbClr val="555555"/>
+              </a:solidFill>
+              <a:effectLst/>
+              <a:latin typeface="Noto Sans KR" panose="020B0200000000000000" pitchFamily="50" charset="-127"/>
+              <a:ea typeface="KoPubWorld돋움체 Medium" panose="00000600000000000000"/>
+            </a:endParaRPr>
+          </a:p>
+          <a:p>
+            <a:pPr algn="l">
+              <a:lnSpc>
+                <a:spcPts val="1950"/>
+              </a:lnSpc>
+              <a:spcAft>
+                <a:spcPts val="2100"/>
+              </a:spcAft>
+            </a:pPr>
+            <a:r>
+              <a:rPr lang="en-US" altLang="ko-KR" dirty="0"/>
+              <a:t>Template-Based One-Shot Learning SAP(2024)  One-shot Learning </a:t>
+            </a:r>
+            <a:r>
+              <a:rPr lang="ko-KR" altLang="en-US" dirty="0"/>
+              <a:t>기반 </a:t>
+            </a:r>
+            <a:r>
+              <a:rPr lang="en-US" altLang="ko-KR" dirty="0"/>
+              <a:t>Text-to-SQL</a:t>
+            </a:r>
+          </a:p>
+          <a:p>
+            <a:pPr algn="l">
+              <a:lnSpc>
+                <a:spcPts val="1950"/>
+              </a:lnSpc>
+              <a:spcAft>
+                <a:spcPts val="2100"/>
+              </a:spcAft>
+            </a:pPr>
+            <a:r>
+              <a:rPr lang="en-US" altLang="ko-KR" b="1" dirty="0"/>
+              <a:t>SQL </a:t>
+            </a:r>
+            <a:r>
+              <a:rPr lang="ko-KR" altLang="en-US" b="1" dirty="0"/>
+              <a:t>템플릿을 미리 저장</a:t>
+            </a:r>
+            <a:r>
+              <a:rPr lang="ko-KR" altLang="en-US" dirty="0"/>
+              <a:t>하고</a:t>
+            </a:r>
+            <a:r>
+              <a:rPr lang="en-US" altLang="ko-KR" dirty="0"/>
+              <a:t>, </a:t>
+            </a:r>
+            <a:r>
+              <a:rPr lang="ko-KR" altLang="en-US" dirty="0"/>
+              <a:t>자연어 입력을 받아 유사한 템플릿을 자동으로 선택하는 방식</a:t>
+            </a:r>
+            <a:endParaRPr lang="en-US" altLang="ko-KR" dirty="0"/>
+          </a:p>
+          <a:p>
+            <a:pPr algn="l">
+              <a:lnSpc>
+                <a:spcPts val="1950"/>
+              </a:lnSpc>
+              <a:spcAft>
+                <a:spcPts val="2100"/>
+              </a:spcAft>
+            </a:pPr>
+            <a:r>
+              <a:rPr lang="en-US" altLang="ko-KR" b="1" dirty="0"/>
+              <a:t>LLM</a:t>
+            </a:r>
+            <a:r>
+              <a:rPr lang="ko-KR" altLang="en-US" b="1" dirty="0"/>
+              <a:t>을 활용한 템플릿 매칭 기법</a:t>
+            </a:r>
+            <a:r>
+              <a:rPr lang="ko-KR" altLang="en-US" dirty="0"/>
+              <a:t>으로 </a:t>
+            </a:r>
+            <a:r>
+              <a:rPr lang="en-US" altLang="ko-KR" dirty="0"/>
+              <a:t>SQL </a:t>
+            </a:r>
+            <a:r>
+              <a:rPr lang="ko-KR" altLang="en-US" dirty="0"/>
+              <a:t>생성</a:t>
+            </a:r>
+            <a:endParaRPr lang="en-US" altLang="ko-KR" sz="1200" b="0" i="0" dirty="0">
+              <a:solidFill>
+                <a:srgbClr val="555555"/>
+              </a:solidFill>
+              <a:effectLst/>
+              <a:latin typeface="Noto Sans KR" panose="020B0200000000000000" pitchFamily="50" charset="-127"/>
+              <a:ea typeface="KoPubWorld돋움체 Medium" panose="00000600000000000000"/>
+            </a:endParaRPr>
+          </a:p>
+          <a:p>
+            <a:pPr algn="l">
+              <a:lnSpc>
+                <a:spcPts val="1950"/>
+              </a:lnSpc>
+              <a:spcAft>
+                <a:spcPts val="2100"/>
+              </a:spcAft>
+            </a:pPr>
+            <a:endParaRPr lang="en-US" altLang="ko-KR" sz="1200" b="0" i="0" dirty="0">
+              <a:solidFill>
+                <a:srgbClr val="555555"/>
+              </a:solidFill>
+              <a:effectLst/>
+              <a:latin typeface="Noto Sans KR" panose="020B0200000000000000" pitchFamily="50" charset="-127"/>
+              <a:ea typeface="KoPubWorld돋움체 Medium" panose="00000600000000000000"/>
+            </a:endParaRPr>
+          </a:p>
+          <a:p>
+            <a:pPr algn="l"/>
+            <a:endParaRPr lang="ko-KR" altLang="en-US" b="1" i="0" dirty="0">
+              <a:effectLst/>
+              <a:latin typeface="Pretendard GOV"/>
+            </a:endParaRPr>
+          </a:p>
+        </p:txBody>
+      </p:sp>
+      <p:sp>
+        <p:nvSpPr>
+          <p:cNvPr id="4" name="슬라이드 번호 개체 틀 3">
+            <a:extLst>
+              <a:ext uri="{FF2B5EF4-FFF2-40B4-BE49-F238E27FC236}">
+                <a16:creationId xmlns:a16="http://schemas.microsoft.com/office/drawing/2014/main" id="{A8D07CB3-3B3A-CF45-094F-3D82F297475C}"/>
+              </a:ext>
+            </a:extLst>
+          </p:cNvPr>
+          <p:cNvSpPr>
+            <a:spLocks noGrp="1"/>
+          </p:cNvSpPr>
+          <p:nvPr>
+            <p:ph type="sldNum" sz="quarter" idx="5"/>
+          </p:nvPr>
+        </p:nvSpPr>
+        <p:spPr/>
+        <p:txBody>
+          <a:bodyPr/>
+          <a:lstStyle/>
+          <a:p>
+            <a:fld id="{4643E048-7B4A-4117-B6D0-90433868554B}" type="slidenum">
+              <a:rPr lang="ko-KR" altLang="en-US" smtClean="0"/>
+              <a:t>4</a:t>
+            </a:fld>
+            <a:endParaRPr lang="ko-KR" altLang="en-US"/>
+          </a:p>
+        </p:txBody>
+      </p:sp>
+    </p:spTree>
+    <p:extLst>
+      <p:ext uri="{BB962C8B-B14F-4D97-AF65-F5344CB8AC3E}">
+        <p14:creationId xmlns:p14="http://schemas.microsoft.com/office/powerpoint/2010/main" val="1313988865"/>
+      </p:ext>
+    </p:extLst>
+  </p:cSld>
+  <p:clrMapOvr>
+    <a:masterClrMapping/>
+  </p:clrMapOvr>
+</p:notes>
+</file>
+
 <file path=ppt/slideLayouts/slideLayout1.xml><?xml version="1.0" encoding="utf-8"?>
 <p:sldLayout xmlns:a="http://schemas.openxmlformats.org/drawingml/2006/main" xmlns:r="http://schemas.openxmlformats.org/officeDocument/2006/relationships" xmlns:p="http://schemas.openxmlformats.org/presentationml/2006/main" type="title" preserve="1">
   <p:cSld name="제목 슬라이드">
@@ -2466,7 +4054,7 @@
           <a:p>
             <a:fld id="{0D5E1F66-E70E-4992-8451-264A0511747B}" type="datetimeFigureOut">
               <a:rPr lang="ko-KR" altLang="en-US" smtClean="0"/>
-              <a:t>2025-03-03</a:t>
+              <a:t>2025-03-04</a:t>
             </a:fld>
             <a:endParaRPr lang="ko-KR" altLang="en-US"/>
           </a:p>
@@ -2664,7 +4252,7 @@
           <a:p>
             <a:fld id="{0D5E1F66-E70E-4992-8451-264A0511747B}" type="datetimeFigureOut">
               <a:rPr lang="ko-KR" altLang="en-US" smtClean="0"/>
-              <a:t>2025-03-03</a:t>
+              <a:t>2025-03-04</a:t>
             </a:fld>
             <a:endParaRPr lang="ko-KR" altLang="en-US"/>
           </a:p>
@@ -2872,7 +4460,7 @@
           <a:p>
             <a:fld id="{0D5E1F66-E70E-4992-8451-264A0511747B}" type="datetimeFigureOut">
               <a:rPr lang="ko-KR" altLang="en-US" smtClean="0"/>
-              <a:t>2025-03-03</a:t>
+              <a:t>2025-03-04</a:t>
             </a:fld>
             <a:endParaRPr lang="ko-KR" altLang="en-US"/>
           </a:p>
@@ -3070,7 +4658,7 @@
           <a:p>
             <a:fld id="{0D5E1F66-E70E-4992-8451-264A0511747B}" type="datetimeFigureOut">
               <a:rPr lang="ko-KR" altLang="en-US" smtClean="0"/>
-              <a:t>2025-03-03</a:t>
+              <a:t>2025-03-04</a:t>
             </a:fld>
             <a:endParaRPr lang="ko-KR" altLang="en-US"/>
           </a:p>
@@ -3345,7 +4933,7 @@
           <a:p>
             <a:fld id="{0D5E1F66-E70E-4992-8451-264A0511747B}" type="datetimeFigureOut">
               <a:rPr lang="ko-KR" altLang="en-US" smtClean="0"/>
-              <a:t>2025-03-03</a:t>
+              <a:t>2025-03-04</a:t>
             </a:fld>
             <a:endParaRPr lang="ko-KR" altLang="en-US"/>
           </a:p>
@@ -3610,7 +5198,7 @@
           <a:p>
             <a:fld id="{0D5E1F66-E70E-4992-8451-264A0511747B}" type="datetimeFigureOut">
               <a:rPr lang="ko-KR" altLang="en-US" smtClean="0"/>
-              <a:t>2025-03-03</a:t>
+              <a:t>2025-03-04</a:t>
             </a:fld>
             <a:endParaRPr lang="ko-KR" altLang="en-US"/>
           </a:p>
@@ -4022,7 +5610,7 @@
           <a:p>
             <a:fld id="{0D5E1F66-E70E-4992-8451-264A0511747B}" type="datetimeFigureOut">
               <a:rPr lang="ko-KR" altLang="en-US" smtClean="0"/>
-              <a:t>2025-03-03</a:t>
+              <a:t>2025-03-04</a:t>
             </a:fld>
             <a:endParaRPr lang="ko-KR" altLang="en-US"/>
           </a:p>
@@ -4163,7 +5751,7 @@
           <a:p>
             <a:fld id="{0D5E1F66-E70E-4992-8451-264A0511747B}" type="datetimeFigureOut">
               <a:rPr lang="ko-KR" altLang="en-US" smtClean="0"/>
-              <a:t>2025-03-03</a:t>
+              <a:t>2025-03-04</a:t>
             </a:fld>
             <a:endParaRPr lang="ko-KR" altLang="en-US"/>
           </a:p>
@@ -4276,7 +5864,7 @@
           <a:p>
             <a:fld id="{0D5E1F66-E70E-4992-8451-264A0511747B}" type="datetimeFigureOut">
               <a:rPr lang="ko-KR" altLang="en-US" smtClean="0"/>
-              <a:t>2025-03-03</a:t>
+              <a:t>2025-03-04</a:t>
             </a:fld>
             <a:endParaRPr lang="ko-KR" altLang="en-US"/>
           </a:p>
@@ -4587,7 +6175,7 @@
           <a:p>
             <a:fld id="{0D5E1F66-E70E-4992-8451-264A0511747B}" type="datetimeFigureOut">
               <a:rPr lang="ko-KR" altLang="en-US" smtClean="0"/>
-              <a:t>2025-03-03</a:t>
+              <a:t>2025-03-04</a:t>
             </a:fld>
             <a:endParaRPr lang="ko-KR" altLang="en-US"/>
           </a:p>
@@ -4875,7 +6463,7 @@
           <a:p>
             <a:fld id="{0D5E1F66-E70E-4992-8451-264A0511747B}" type="datetimeFigureOut">
               <a:rPr lang="ko-KR" altLang="en-US" smtClean="0"/>
-              <a:t>2025-03-03</a:t>
+              <a:t>2025-03-04</a:t>
             </a:fld>
             <a:endParaRPr lang="ko-KR" altLang="en-US"/>
           </a:p>
@@ -5116,7 +6704,7 @@
           <a:p>
             <a:fld id="{0D5E1F66-E70E-4992-8451-264A0511747B}" type="datetimeFigureOut">
               <a:rPr lang="ko-KR" altLang="en-US" smtClean="0"/>
-              <a:t>2025-03-03</a:t>
+              <a:t>2025-03-04</a:t>
             </a:fld>
             <a:endParaRPr lang="ko-KR" altLang="en-US"/>
           </a:p>
@@ -5681,6 +7269,1003 @@
   <p:cSld>
     <p:spTree>
       <p:nvGrpSpPr>
+        <p:cNvPr id="1" name="">
+          <a:extLst>
+            <a:ext uri="{FF2B5EF4-FFF2-40B4-BE49-F238E27FC236}">
+              <a16:creationId xmlns:a16="http://schemas.microsoft.com/office/drawing/2014/main" id="{4C6F5D31-10E4-3496-408B-58BE0B8E6DCA}"/>
+            </a:ext>
+          </a:extLst>
+        </p:cNvPr>
+        <p:cNvGrpSpPr/>
+        <p:nvPr/>
+      </p:nvGrpSpPr>
+      <p:grpSpPr>
+        <a:xfrm>
+          <a:off x="0" y="0"/>
+          <a:ext cx="0" cy="0"/>
+          <a:chOff x="0" y="0"/>
+          <a:chExt cx="0" cy="0"/>
+        </a:xfrm>
+      </p:grpSpPr>
+      <p:sp>
+        <p:nvSpPr>
+          <p:cNvPr id="4" name="순서도: 문서 3">
+            <a:extLst>
+              <a:ext uri="{FF2B5EF4-FFF2-40B4-BE49-F238E27FC236}">
+                <a16:creationId xmlns:a16="http://schemas.microsoft.com/office/drawing/2014/main" id="{4B5DE520-B8F9-080E-6927-34E998E47330}"/>
+              </a:ext>
+            </a:extLst>
+          </p:cNvPr>
+          <p:cNvSpPr/>
+          <p:nvPr/>
+        </p:nvSpPr>
+        <p:spPr>
+          <a:xfrm>
+            <a:off x="2590800" y="2472080"/>
+            <a:ext cx="2178083" cy="888603"/>
+          </a:xfrm>
+          <a:prstGeom prst="flowChartDocument">
+            <a:avLst/>
+          </a:prstGeom>
+          <a:solidFill>
+            <a:schemeClr val="bg1"/>
+          </a:solidFill>
+          <a:effectLst>
+            <a:outerShdw blurRad="127000" dist="50800" dir="5400000" algn="ctr" rotWithShape="0">
+              <a:srgbClr val="000000">
+                <a:alpha val="50000"/>
+              </a:srgbClr>
+            </a:outerShdw>
+          </a:effectLst>
+        </p:spPr>
+        <p:style>
+          <a:lnRef idx="2">
+            <a:schemeClr val="accent1">
+              <a:shade val="15000"/>
+            </a:schemeClr>
+          </a:lnRef>
+          <a:fillRef idx="1">
+            <a:schemeClr val="accent1"/>
+          </a:fillRef>
+          <a:effectRef idx="0">
+            <a:schemeClr val="accent1"/>
+          </a:effectRef>
+          <a:fontRef idx="minor">
+            <a:schemeClr val="lt1"/>
+          </a:fontRef>
+        </p:style>
+        <p:txBody>
+          <a:bodyPr rtlCol="0" anchor="ctr"/>
+          <a:lstStyle/>
+          <a:p>
+            <a:pPr latinLnBrk="1"/>
+            <a:r>
+              <a:rPr lang="en-US" altLang="ko-KR" sz="1000" dirty="0">
+                <a:solidFill>
+                  <a:schemeClr val="tx1"/>
+                </a:solidFill>
+                <a:latin typeface="Noto Sans" panose="020B0502040504020204" pitchFamily="34" charset="0"/>
+                <a:ea typeface="Noto Sans" panose="020B0502040504020204" pitchFamily="34" charset="0"/>
+                <a:cs typeface="Noto Sans" panose="020B0502040504020204" pitchFamily="34" charset="0"/>
+              </a:rPr>
+              <a:t>“item</a:t>
+            </a:r>
+            <a:r>
+              <a:rPr lang="ko-KR" altLang="en-US" sz="1000" dirty="0">
+                <a:solidFill>
+                  <a:schemeClr val="tx1"/>
+                </a:solidFill>
+                <a:latin typeface="Noto Sans" panose="020B0502040504020204" pitchFamily="34" charset="0"/>
+                <a:ea typeface="Noto Sans" panose="020B0502040504020204" pitchFamily="34" charset="0"/>
+                <a:cs typeface="Noto Sans" panose="020B0502040504020204" pitchFamily="34" charset="0"/>
+              </a:rPr>
+              <a:t> 테이블에서 </a:t>
+            </a:r>
+            <a:r>
+              <a:rPr lang="ko-KR" altLang="en-US" sz="1000" dirty="0">
+                <a:solidFill>
+                  <a:schemeClr val="tx1"/>
+                </a:solidFill>
+                <a:latin typeface="Noto Sans" panose="020B0502040504020204" pitchFamily="34" charset="0"/>
+                <a:cs typeface="Noto Sans" panose="020B0502040504020204" pitchFamily="34" charset="0"/>
+              </a:rPr>
+              <a:t>숫자 </a:t>
+            </a:r>
+            <a:r>
+              <a:rPr lang="en-US" altLang="ko-KR" sz="1000" dirty="0">
+                <a:solidFill>
+                  <a:schemeClr val="tx1"/>
+                </a:solidFill>
+                <a:latin typeface="Noto Sans" panose="020B0502040504020204" pitchFamily="34" charset="0"/>
+                <a:ea typeface="Noto Sans" panose="020B0502040504020204" pitchFamily="34" charset="0"/>
+                <a:cs typeface="Noto Sans" panose="020B0502040504020204" pitchFamily="34" charset="0"/>
+              </a:rPr>
+              <a:t>71</a:t>
+            </a:r>
+            <a:r>
+              <a:rPr lang="ko-KR" altLang="en-US" sz="1000" b="1" dirty="0">
+                <a:solidFill>
+                  <a:schemeClr val="tx1"/>
+                </a:solidFill>
+                <a:latin typeface="Noto Sans" panose="020B0502040504020204" pitchFamily="34" charset="0"/>
+                <a:cs typeface="Noto Sans" panose="020B0502040504020204" pitchFamily="34" charset="0"/>
+              </a:rPr>
+              <a:t>이 </a:t>
+            </a:r>
+            <a:r>
+              <a:rPr lang="ko-KR" altLang="en-US" sz="1000" dirty="0">
+                <a:solidFill>
+                  <a:schemeClr val="tx1"/>
+                </a:solidFill>
+                <a:latin typeface="Noto Sans" panose="020B0502040504020204" pitchFamily="34" charset="0"/>
+                <a:cs typeface="Noto Sans" panose="020B0502040504020204" pitchFamily="34" charset="0"/>
+              </a:rPr>
+              <a:t>포함되어 있는 화학물질을 등록일자 기준으로 오름차순 정렬해서 보여줘</a:t>
+            </a:r>
+            <a:r>
+              <a:rPr lang="en-US" altLang="ko-KR" sz="1000" dirty="0">
+                <a:solidFill>
+                  <a:schemeClr val="tx1"/>
+                </a:solidFill>
+                <a:latin typeface="Noto Sans" panose="020B0502040504020204" pitchFamily="34" charset="0"/>
+                <a:ea typeface="Noto Sans" panose="020B0502040504020204" pitchFamily="34" charset="0"/>
+                <a:cs typeface="Noto Sans" panose="020B0502040504020204" pitchFamily="34" charset="0"/>
+              </a:rPr>
+              <a:t>"</a:t>
+            </a:r>
+            <a:endParaRPr lang="ko-KR" altLang="en-US" sz="1000" dirty="0">
+              <a:solidFill>
+                <a:schemeClr val="tx1"/>
+              </a:solidFill>
+              <a:latin typeface="Noto Sans" panose="020B0502040504020204" pitchFamily="34" charset="0"/>
+              <a:cs typeface="Noto Sans" panose="020B0502040504020204" pitchFamily="34" charset="0"/>
+            </a:endParaRPr>
+          </a:p>
+        </p:txBody>
+      </p:sp>
+      <p:sp>
+        <p:nvSpPr>
+          <p:cNvPr id="5" name="순서도: 문서 4">
+            <a:extLst>
+              <a:ext uri="{FF2B5EF4-FFF2-40B4-BE49-F238E27FC236}">
+                <a16:creationId xmlns:a16="http://schemas.microsoft.com/office/drawing/2014/main" id="{B4C4D78A-7649-F4EF-D3E8-996CB35AEB0E}"/>
+              </a:ext>
+            </a:extLst>
+          </p:cNvPr>
+          <p:cNvSpPr/>
+          <p:nvPr/>
+        </p:nvSpPr>
+        <p:spPr>
+          <a:xfrm>
+            <a:off x="7193770" y="1274431"/>
+            <a:ext cx="2070913" cy="888603"/>
+          </a:xfrm>
+          <a:prstGeom prst="flowChartDocument">
+            <a:avLst/>
+          </a:prstGeom>
+          <a:solidFill>
+            <a:schemeClr val="bg1"/>
+          </a:solidFill>
+          <a:effectLst>
+            <a:outerShdw blurRad="127000" dist="50800" dir="5400000" algn="ctr" rotWithShape="0">
+              <a:srgbClr val="000000">
+                <a:alpha val="50000"/>
+              </a:srgbClr>
+            </a:outerShdw>
+          </a:effectLst>
+        </p:spPr>
+        <p:style>
+          <a:lnRef idx="2">
+            <a:schemeClr val="accent1">
+              <a:shade val="15000"/>
+            </a:schemeClr>
+          </a:lnRef>
+          <a:fillRef idx="1">
+            <a:schemeClr val="accent1"/>
+          </a:fillRef>
+          <a:effectRef idx="0">
+            <a:schemeClr val="accent1"/>
+          </a:effectRef>
+          <a:fontRef idx="minor">
+            <a:schemeClr val="lt1"/>
+          </a:fontRef>
+        </p:style>
+        <p:txBody>
+          <a:bodyPr rtlCol="0" anchor="ctr"/>
+          <a:lstStyle/>
+          <a:p>
+            <a:pPr marL="0" marR="0" lvl="0" indent="0" algn="l" defTabSz="914400" rtl="0" eaLnBrk="1" fontAlgn="auto" latinLnBrk="1" hangingPunct="1">
+              <a:lnSpc>
+                <a:spcPct val="100000"/>
+              </a:lnSpc>
+              <a:spcBef>
+                <a:spcPts val="0"/>
+              </a:spcBef>
+              <a:spcAft>
+                <a:spcPts val="0"/>
+              </a:spcAft>
+              <a:buClrTx/>
+              <a:buSzTx/>
+              <a:buFontTx/>
+              <a:buNone/>
+              <a:tabLst/>
+              <a:defRPr/>
+            </a:pPr>
+            <a:r>
+              <a:rPr lang="en-US" altLang="ko-KR" sz="900" b="0" dirty="0">
+                <a:solidFill>
+                  <a:schemeClr val="tx1"/>
+                </a:solidFill>
+              </a:rPr>
+              <a:t>"</a:t>
+            </a:r>
+            <a:r>
+              <a:rPr lang="ko-KR" altLang="en-US" sz="900" b="0" dirty="0">
+                <a:solidFill>
+                  <a:schemeClr val="tx1"/>
+                </a:solidFill>
+              </a:rPr>
+              <a:t>화학물질을 찾는데</a:t>
+            </a:r>
+            <a:r>
+              <a:rPr lang="en-US" altLang="ko-KR" sz="900" b="0" dirty="0">
+                <a:solidFill>
+                  <a:schemeClr val="tx1"/>
+                </a:solidFill>
+              </a:rPr>
+              <a:t>, </a:t>
+            </a:r>
+            <a:r>
+              <a:rPr lang="ko-KR" altLang="en-US" sz="900" b="0" dirty="0">
+                <a:solidFill>
+                  <a:schemeClr val="tx1"/>
+                </a:solidFill>
+              </a:rPr>
+              <a:t>그 번호 안에 </a:t>
+            </a:r>
+            <a:r>
+              <a:rPr lang="en-US" altLang="ko-KR" sz="900" b="0" dirty="0">
+                <a:solidFill>
+                  <a:schemeClr val="tx1"/>
+                </a:solidFill>
+              </a:rPr>
+              <a:t>71</a:t>
+            </a:r>
+            <a:r>
+              <a:rPr lang="ko-KR" altLang="en-US" sz="900" b="0" dirty="0">
+                <a:solidFill>
+                  <a:schemeClr val="tx1"/>
+                </a:solidFill>
+              </a:rPr>
+              <a:t>이라는 숫자가 들어 있는 애들만 뽑아주고</a:t>
+            </a:r>
+            <a:r>
+              <a:rPr lang="en-US" altLang="ko-KR" sz="900" b="0" dirty="0">
+                <a:solidFill>
+                  <a:schemeClr val="tx1"/>
+                </a:solidFill>
+              </a:rPr>
+              <a:t>, </a:t>
+            </a:r>
+            <a:r>
+              <a:rPr lang="ko-KR" altLang="en-US" sz="900" b="0" dirty="0">
+                <a:solidFill>
+                  <a:schemeClr val="tx1"/>
+                </a:solidFill>
+              </a:rPr>
+              <a:t>근데 옛날 것부터 먼저 보여줄 수 있어</a:t>
+            </a:r>
+            <a:r>
+              <a:rPr lang="en-US" altLang="ko-KR" sz="900" b="0" dirty="0">
+                <a:solidFill>
+                  <a:schemeClr val="tx1"/>
+                </a:solidFill>
+              </a:rPr>
+              <a:t>?”</a:t>
+            </a:r>
+            <a:endParaRPr lang="ko-KR" altLang="en-US" sz="900" b="0" dirty="0">
+              <a:solidFill>
+                <a:schemeClr val="tx1"/>
+              </a:solidFill>
+            </a:endParaRPr>
+          </a:p>
+        </p:txBody>
+      </p:sp>
+      <p:sp>
+        <p:nvSpPr>
+          <p:cNvPr id="8" name="순서도: 문서 7">
+            <a:extLst>
+              <a:ext uri="{FF2B5EF4-FFF2-40B4-BE49-F238E27FC236}">
+                <a16:creationId xmlns:a16="http://schemas.microsoft.com/office/drawing/2014/main" id="{4040D823-AFCE-2467-46BA-CE2B8D85AA78}"/>
+              </a:ext>
+            </a:extLst>
+          </p:cNvPr>
+          <p:cNvSpPr/>
+          <p:nvPr/>
+        </p:nvSpPr>
+        <p:spPr>
+          <a:xfrm>
+            <a:off x="7193770" y="2366631"/>
+            <a:ext cx="2070913" cy="888603"/>
+          </a:xfrm>
+          <a:prstGeom prst="flowChartDocument">
+            <a:avLst/>
+          </a:prstGeom>
+          <a:solidFill>
+            <a:schemeClr val="bg1"/>
+          </a:solidFill>
+          <a:effectLst>
+            <a:outerShdw blurRad="127000" dist="50800" dir="5400000" algn="ctr" rotWithShape="0">
+              <a:srgbClr val="000000">
+                <a:alpha val="50000"/>
+              </a:srgbClr>
+            </a:outerShdw>
+          </a:effectLst>
+        </p:spPr>
+        <p:style>
+          <a:lnRef idx="2">
+            <a:schemeClr val="accent1">
+              <a:shade val="15000"/>
+            </a:schemeClr>
+          </a:lnRef>
+          <a:fillRef idx="1">
+            <a:schemeClr val="accent1"/>
+          </a:fillRef>
+          <a:effectRef idx="0">
+            <a:schemeClr val="accent1"/>
+          </a:effectRef>
+          <a:fontRef idx="minor">
+            <a:schemeClr val="lt1"/>
+          </a:fontRef>
+        </p:style>
+        <p:txBody>
+          <a:bodyPr rtlCol="0" anchor="ctr"/>
+          <a:lstStyle/>
+          <a:p>
+            <a:pPr latinLnBrk="1"/>
+            <a:r>
+              <a:rPr lang="en-US" altLang="ko-KR" sz="900" dirty="0">
+                <a:solidFill>
+                  <a:schemeClr val="tx1"/>
+                </a:solidFill>
+                <a:latin typeface="Noto Sans" panose="020B0502040504020204" pitchFamily="34" charset="0"/>
+                <a:ea typeface="Noto Sans" panose="020B0502040504020204" pitchFamily="34" charset="0"/>
+                <a:cs typeface="Noto Sans" panose="020B0502040504020204" pitchFamily="34" charset="0"/>
+              </a:rPr>
+              <a:t>"</a:t>
+            </a:r>
+            <a:r>
+              <a:rPr lang="ko-KR" altLang="en-US" sz="900" dirty="0">
+                <a:solidFill>
+                  <a:schemeClr val="tx1"/>
+                </a:solidFill>
+                <a:latin typeface="Noto Sans" panose="020B0502040504020204" pitchFamily="34" charset="0"/>
+                <a:ea typeface="Noto Sans" panose="020B0502040504020204" pitchFamily="34" charset="0"/>
+                <a:cs typeface="Noto Sans" panose="020B0502040504020204" pitchFamily="34" charset="0"/>
+              </a:rPr>
+              <a:t>화학약품에 </a:t>
+            </a:r>
+            <a:r>
+              <a:rPr lang="ko-KR" altLang="en-US" sz="900" dirty="0" err="1">
+                <a:solidFill>
+                  <a:schemeClr val="tx1"/>
+                </a:solidFill>
+                <a:latin typeface="Noto Sans" panose="020B0502040504020204" pitchFamily="34" charset="0"/>
+                <a:ea typeface="Noto Sans" panose="020B0502040504020204" pitchFamily="34" charset="0"/>
+                <a:cs typeface="Noto Sans" panose="020B0502040504020204" pitchFamily="34" charset="0"/>
+              </a:rPr>
+              <a:t>번호매긴거</a:t>
+            </a:r>
+            <a:r>
+              <a:rPr lang="ko-KR" altLang="en-US" sz="900" dirty="0">
+                <a:solidFill>
+                  <a:schemeClr val="tx1"/>
+                </a:solidFill>
+                <a:latin typeface="Noto Sans" panose="020B0502040504020204" pitchFamily="34" charset="0"/>
+                <a:cs typeface="Noto Sans" panose="020B0502040504020204" pitchFamily="34" charset="0"/>
+              </a:rPr>
+              <a:t> 있잖아</a:t>
+            </a:r>
+            <a:r>
+              <a:rPr lang="en-US" altLang="ko-KR" sz="900" dirty="0">
+                <a:solidFill>
+                  <a:schemeClr val="tx1"/>
+                </a:solidFill>
+                <a:latin typeface="Noto Sans" panose="020B0502040504020204" pitchFamily="34" charset="0"/>
+                <a:ea typeface="Noto Sans" panose="020B0502040504020204" pitchFamily="34" charset="0"/>
+                <a:cs typeface="Noto Sans" panose="020B0502040504020204" pitchFamily="34" charset="0"/>
+              </a:rPr>
+              <a:t>? </a:t>
+            </a:r>
+            <a:r>
+              <a:rPr lang="ko-KR" altLang="en-US" sz="900" dirty="0">
+                <a:solidFill>
+                  <a:schemeClr val="tx1"/>
+                </a:solidFill>
+                <a:latin typeface="Noto Sans" panose="020B0502040504020204" pitchFamily="34" charset="0"/>
+                <a:ea typeface="Noto Sans" panose="020B0502040504020204" pitchFamily="34" charset="0"/>
+                <a:cs typeface="Noto Sans" panose="020B0502040504020204" pitchFamily="34" charset="0"/>
+              </a:rPr>
+              <a:t>거기</a:t>
+            </a:r>
+            <a:r>
+              <a:rPr lang="ko-KR" altLang="en-US" sz="900" dirty="0">
+                <a:solidFill>
+                  <a:schemeClr val="tx1"/>
+                </a:solidFill>
+                <a:latin typeface="Noto Sans" panose="020B0502040504020204" pitchFamily="34" charset="0"/>
+                <a:cs typeface="Noto Sans" panose="020B0502040504020204" pitchFamily="34" charset="0"/>
+              </a:rPr>
+              <a:t>에 </a:t>
+            </a:r>
+            <a:r>
+              <a:rPr lang="en-US" altLang="ko-KR" sz="900" dirty="0">
+                <a:solidFill>
+                  <a:schemeClr val="tx1"/>
+                </a:solidFill>
+                <a:latin typeface="Noto Sans" panose="020B0502040504020204" pitchFamily="34" charset="0"/>
+                <a:ea typeface="Noto Sans" panose="020B0502040504020204" pitchFamily="34" charset="0"/>
+                <a:cs typeface="Noto Sans" panose="020B0502040504020204" pitchFamily="34" charset="0"/>
+              </a:rPr>
+              <a:t>71</a:t>
+            </a:r>
+            <a:r>
+              <a:rPr lang="ko-KR" altLang="en-US" sz="900" dirty="0">
+                <a:solidFill>
+                  <a:schemeClr val="tx1"/>
+                </a:solidFill>
+                <a:latin typeface="Noto Sans" panose="020B0502040504020204" pitchFamily="34" charset="0"/>
+                <a:cs typeface="Noto Sans" panose="020B0502040504020204" pitchFamily="34" charset="0"/>
+              </a:rPr>
+              <a:t>이 들어가는 리스트를 뽑고 싶은데</a:t>
+            </a:r>
+            <a:r>
+              <a:rPr lang="en-US" altLang="ko-KR" sz="900" dirty="0">
+                <a:solidFill>
+                  <a:schemeClr val="tx1"/>
+                </a:solidFill>
+                <a:latin typeface="Noto Sans" panose="020B0502040504020204" pitchFamily="34" charset="0"/>
+                <a:ea typeface="Noto Sans" panose="020B0502040504020204" pitchFamily="34" charset="0"/>
+                <a:cs typeface="Noto Sans" panose="020B0502040504020204" pitchFamily="34" charset="0"/>
+              </a:rPr>
+              <a:t>, </a:t>
+            </a:r>
+            <a:r>
+              <a:rPr lang="ko-KR" altLang="en-US" sz="900" dirty="0">
+                <a:solidFill>
+                  <a:schemeClr val="tx1"/>
+                </a:solidFill>
+                <a:latin typeface="Noto Sans" panose="020B0502040504020204" pitchFamily="34" charset="0"/>
+                <a:ea typeface="Noto Sans" panose="020B0502040504020204" pitchFamily="34" charset="0"/>
+                <a:cs typeface="Noto Sans" panose="020B0502040504020204" pitchFamily="34" charset="0"/>
+              </a:rPr>
+              <a:t>등록일</a:t>
+            </a:r>
+            <a:r>
+              <a:rPr lang="ko-KR" altLang="en-US" sz="900" dirty="0">
+                <a:solidFill>
+                  <a:schemeClr val="tx1"/>
+                </a:solidFill>
+                <a:latin typeface="Noto Sans" panose="020B0502040504020204" pitchFamily="34" charset="0"/>
+                <a:cs typeface="Noto Sans" panose="020B0502040504020204" pitchFamily="34" charset="0"/>
+              </a:rPr>
+              <a:t> 기준 빠른 날짜부터 차곡차곡 정렬하는 거 가능할까</a:t>
+            </a:r>
+            <a:r>
+              <a:rPr lang="en-US" altLang="ko-KR" sz="900" dirty="0">
+                <a:solidFill>
+                  <a:schemeClr val="tx1"/>
+                </a:solidFill>
+                <a:latin typeface="Noto Sans" panose="020B0502040504020204" pitchFamily="34" charset="0"/>
+                <a:ea typeface="Noto Sans" panose="020B0502040504020204" pitchFamily="34" charset="0"/>
+                <a:cs typeface="Noto Sans" panose="020B0502040504020204" pitchFamily="34" charset="0"/>
+              </a:rPr>
+              <a:t>?"</a:t>
+            </a:r>
+            <a:endParaRPr lang="ko-KR" altLang="en-US" sz="900" dirty="0">
+              <a:solidFill>
+                <a:schemeClr val="tx1"/>
+              </a:solidFill>
+              <a:latin typeface="Noto Sans" panose="020B0502040504020204" pitchFamily="34" charset="0"/>
+              <a:cs typeface="Noto Sans" panose="020B0502040504020204" pitchFamily="34" charset="0"/>
+            </a:endParaRPr>
+          </a:p>
+        </p:txBody>
+      </p:sp>
+      <p:sp>
+        <p:nvSpPr>
+          <p:cNvPr id="9" name="순서도: 문서 8">
+            <a:extLst>
+              <a:ext uri="{FF2B5EF4-FFF2-40B4-BE49-F238E27FC236}">
+                <a16:creationId xmlns:a16="http://schemas.microsoft.com/office/drawing/2014/main" id="{7376F2BC-CE37-A6CB-5F7F-6C8B049380A7}"/>
+              </a:ext>
+            </a:extLst>
+          </p:cNvPr>
+          <p:cNvSpPr/>
+          <p:nvPr/>
+        </p:nvSpPr>
+        <p:spPr>
+          <a:xfrm>
+            <a:off x="7193770" y="3861782"/>
+            <a:ext cx="2070913" cy="888603"/>
+          </a:xfrm>
+          <a:prstGeom prst="flowChartDocument">
+            <a:avLst/>
+          </a:prstGeom>
+          <a:solidFill>
+            <a:schemeClr val="bg1"/>
+          </a:solidFill>
+          <a:effectLst>
+            <a:outerShdw blurRad="127000" dist="50800" dir="5400000" algn="ctr" rotWithShape="0">
+              <a:srgbClr val="000000">
+                <a:alpha val="50000"/>
+              </a:srgbClr>
+            </a:outerShdw>
+          </a:effectLst>
+        </p:spPr>
+        <p:style>
+          <a:lnRef idx="2">
+            <a:schemeClr val="accent1">
+              <a:shade val="15000"/>
+            </a:schemeClr>
+          </a:lnRef>
+          <a:fillRef idx="1">
+            <a:schemeClr val="accent1"/>
+          </a:fillRef>
+          <a:effectRef idx="0">
+            <a:schemeClr val="accent1"/>
+          </a:effectRef>
+          <a:fontRef idx="minor">
+            <a:schemeClr val="lt1"/>
+          </a:fontRef>
+        </p:style>
+        <p:txBody>
+          <a:bodyPr rtlCol="0" anchor="ctr"/>
+          <a:lstStyle/>
+          <a:p>
+            <a:pPr latinLnBrk="1"/>
+            <a:r>
+              <a:rPr lang="en-US" altLang="ko-KR" sz="900" dirty="0">
+                <a:solidFill>
+                  <a:schemeClr val="tx1"/>
+                </a:solidFill>
+              </a:rPr>
+              <a:t>“</a:t>
+            </a:r>
+            <a:r>
+              <a:rPr lang="ko-KR" altLang="en-US" sz="900" dirty="0">
+                <a:solidFill>
+                  <a:schemeClr val="tx1"/>
+                </a:solidFill>
+              </a:rPr>
+              <a:t>화학물질 목록에서 쓸데없는 거 빼고  </a:t>
+            </a:r>
+            <a:r>
+              <a:rPr lang="en-US" altLang="ko-KR" sz="900" dirty="0">
+                <a:solidFill>
+                  <a:schemeClr val="tx1"/>
+                </a:solidFill>
+              </a:rPr>
+              <a:t>71 </a:t>
+            </a:r>
+            <a:r>
+              <a:rPr lang="ko-KR" altLang="en-US" sz="900" dirty="0">
+                <a:solidFill>
+                  <a:schemeClr val="tx1"/>
+                </a:solidFill>
+              </a:rPr>
+              <a:t>있는 거만 골라서 정리해</a:t>
+            </a:r>
+            <a:r>
+              <a:rPr lang="en-US" altLang="ko-KR" sz="900" dirty="0">
+                <a:solidFill>
+                  <a:schemeClr val="tx1"/>
+                </a:solidFill>
+              </a:rPr>
+              <a:t>. </a:t>
+            </a:r>
+            <a:r>
+              <a:rPr lang="ko-KR" altLang="en-US" sz="900" dirty="0">
+                <a:solidFill>
+                  <a:schemeClr val="tx1"/>
+                </a:solidFill>
+              </a:rPr>
+              <a:t>날짜 기준으로 빠른 거부터</a:t>
+            </a:r>
+            <a:r>
+              <a:rPr lang="en-US" altLang="ko-KR" sz="900" dirty="0">
+                <a:solidFill>
+                  <a:schemeClr val="tx1"/>
+                </a:solidFill>
+              </a:rPr>
+              <a:t>.”</a:t>
+            </a:r>
+            <a:endParaRPr lang="ko-KR" altLang="en-US" sz="900" dirty="0">
+              <a:solidFill>
+                <a:schemeClr val="tx1"/>
+              </a:solidFill>
+              <a:latin typeface="Noto Sans" panose="020B0502040504020204" pitchFamily="34" charset="0"/>
+              <a:cs typeface="Noto Sans" panose="020B0502040504020204" pitchFamily="34" charset="0"/>
+            </a:endParaRPr>
+          </a:p>
+        </p:txBody>
+      </p:sp>
+      <p:sp>
+        <p:nvSpPr>
+          <p:cNvPr id="10" name="TextBox 9">
+            <a:extLst>
+              <a:ext uri="{FF2B5EF4-FFF2-40B4-BE49-F238E27FC236}">
+                <a16:creationId xmlns:a16="http://schemas.microsoft.com/office/drawing/2014/main" id="{EFE2C10E-06DB-2AC8-995A-E43F288E812A}"/>
+              </a:ext>
+            </a:extLst>
+          </p:cNvPr>
+          <p:cNvSpPr txBox="1"/>
+          <p:nvPr/>
+        </p:nvSpPr>
+        <p:spPr>
+          <a:xfrm>
+            <a:off x="8072305" y="3360683"/>
+            <a:ext cx="461665" cy="289503"/>
+          </a:xfrm>
+          <a:prstGeom prst="rect">
+            <a:avLst/>
+          </a:prstGeom>
+          <a:noFill/>
+        </p:spPr>
+        <p:txBody>
+          <a:bodyPr vert="eaVert" wrap="none" rtlCol="0">
+            <a:spAutoFit/>
+          </a:bodyPr>
+          <a:lstStyle/>
+          <a:p>
+            <a:r>
+              <a:rPr lang="en-US" altLang="ko-KR" b="1" dirty="0">
+                <a:latin typeface="Noto Sans" panose="020B0502040504020204" pitchFamily="34" charset="0"/>
+                <a:ea typeface="Noto Sans" panose="020B0502040504020204" pitchFamily="34" charset="0"/>
+                <a:cs typeface="Noto Sans" panose="020B0502040504020204" pitchFamily="34" charset="0"/>
+              </a:rPr>
+              <a:t>…</a:t>
+            </a:r>
+            <a:endParaRPr lang="ko-KR" altLang="en-US" b="1" dirty="0">
+              <a:latin typeface="Noto Sans" panose="020B0502040504020204" pitchFamily="34" charset="0"/>
+              <a:cs typeface="Noto Sans" panose="020B0502040504020204" pitchFamily="34" charset="0"/>
+            </a:endParaRPr>
+          </a:p>
+        </p:txBody>
+      </p:sp>
+      <p:cxnSp>
+        <p:nvCxnSpPr>
+          <p:cNvPr id="13" name="직선 연결선 12">
+            <a:extLst>
+              <a:ext uri="{FF2B5EF4-FFF2-40B4-BE49-F238E27FC236}">
+                <a16:creationId xmlns:a16="http://schemas.microsoft.com/office/drawing/2014/main" id="{74ECC847-15B6-A6F6-B450-55CC3B9FBCDE}"/>
+              </a:ext>
+            </a:extLst>
+          </p:cNvPr>
+          <p:cNvCxnSpPr>
+            <a:cxnSpLocks/>
+            <a:stCxn id="4" idx="3"/>
+            <a:endCxn id="5" idx="1"/>
+          </p:cNvCxnSpPr>
+          <p:nvPr/>
+        </p:nvCxnSpPr>
+        <p:spPr>
+          <a:xfrm flipV="1">
+            <a:off x="4768883" y="1718733"/>
+            <a:ext cx="2424887" cy="1197649"/>
+          </a:xfrm>
+          <a:prstGeom prst="line">
+            <a:avLst/>
+          </a:prstGeom>
+        </p:spPr>
+        <p:style>
+          <a:lnRef idx="1">
+            <a:schemeClr val="dk1"/>
+          </a:lnRef>
+          <a:fillRef idx="0">
+            <a:schemeClr val="dk1"/>
+          </a:fillRef>
+          <a:effectRef idx="0">
+            <a:schemeClr val="dk1"/>
+          </a:effectRef>
+          <a:fontRef idx="minor">
+            <a:schemeClr val="tx1"/>
+          </a:fontRef>
+        </p:style>
+      </p:cxnSp>
+      <p:cxnSp>
+        <p:nvCxnSpPr>
+          <p:cNvPr id="15" name="직선 연결선 14">
+            <a:extLst>
+              <a:ext uri="{FF2B5EF4-FFF2-40B4-BE49-F238E27FC236}">
+                <a16:creationId xmlns:a16="http://schemas.microsoft.com/office/drawing/2014/main" id="{D5F0287A-1898-9BB8-D6E4-A491EA79D7CA}"/>
+              </a:ext>
+            </a:extLst>
+          </p:cNvPr>
+          <p:cNvCxnSpPr>
+            <a:cxnSpLocks/>
+            <a:stCxn id="4" idx="3"/>
+            <a:endCxn id="8" idx="1"/>
+          </p:cNvCxnSpPr>
+          <p:nvPr/>
+        </p:nvCxnSpPr>
+        <p:spPr>
+          <a:xfrm flipV="1">
+            <a:off x="4768883" y="2810933"/>
+            <a:ext cx="2424887" cy="105449"/>
+          </a:xfrm>
+          <a:prstGeom prst="line">
+            <a:avLst/>
+          </a:prstGeom>
+        </p:spPr>
+        <p:style>
+          <a:lnRef idx="1">
+            <a:schemeClr val="dk1"/>
+          </a:lnRef>
+          <a:fillRef idx="0">
+            <a:schemeClr val="dk1"/>
+          </a:fillRef>
+          <a:effectRef idx="0">
+            <a:schemeClr val="dk1"/>
+          </a:effectRef>
+          <a:fontRef idx="minor">
+            <a:schemeClr val="tx1"/>
+          </a:fontRef>
+        </p:style>
+      </p:cxnSp>
+      <p:cxnSp>
+        <p:nvCxnSpPr>
+          <p:cNvPr id="17" name="직선 연결선 16">
+            <a:extLst>
+              <a:ext uri="{FF2B5EF4-FFF2-40B4-BE49-F238E27FC236}">
+                <a16:creationId xmlns:a16="http://schemas.microsoft.com/office/drawing/2014/main" id="{F87B9DC7-ED9C-BDA3-4285-E46583407A6D}"/>
+              </a:ext>
+            </a:extLst>
+          </p:cNvPr>
+          <p:cNvCxnSpPr>
+            <a:cxnSpLocks/>
+            <a:stCxn id="4" idx="3"/>
+            <a:endCxn id="9" idx="1"/>
+          </p:cNvCxnSpPr>
+          <p:nvPr/>
+        </p:nvCxnSpPr>
+        <p:spPr>
+          <a:xfrm>
+            <a:off x="4768883" y="2916382"/>
+            <a:ext cx="2424887" cy="1389702"/>
+          </a:xfrm>
+          <a:prstGeom prst="line">
+            <a:avLst/>
+          </a:prstGeom>
+        </p:spPr>
+        <p:style>
+          <a:lnRef idx="1">
+            <a:schemeClr val="dk1"/>
+          </a:lnRef>
+          <a:fillRef idx="0">
+            <a:schemeClr val="dk1"/>
+          </a:fillRef>
+          <a:effectRef idx="0">
+            <a:schemeClr val="dk1"/>
+          </a:effectRef>
+          <a:fontRef idx="minor">
+            <a:schemeClr val="tx1"/>
+          </a:fontRef>
+        </p:style>
+      </p:cxnSp>
+      <p:sp>
+        <p:nvSpPr>
+          <p:cNvPr id="23" name="TextBox 22">
+            <a:extLst>
+              <a:ext uri="{FF2B5EF4-FFF2-40B4-BE49-F238E27FC236}">
+                <a16:creationId xmlns:a16="http://schemas.microsoft.com/office/drawing/2014/main" id="{BD41E0A1-8237-633E-3152-58C0EB81EE26}"/>
+              </a:ext>
+            </a:extLst>
+          </p:cNvPr>
+          <p:cNvSpPr txBox="1"/>
+          <p:nvPr/>
+        </p:nvSpPr>
+        <p:spPr>
+          <a:xfrm>
+            <a:off x="1731715" y="4977671"/>
+            <a:ext cx="8728569" cy="400110"/>
+          </a:xfrm>
+          <a:prstGeom prst="rect">
+            <a:avLst/>
+          </a:prstGeom>
+          <a:noFill/>
+        </p:spPr>
+        <p:txBody>
+          <a:bodyPr wrap="square" rtlCol="0">
+            <a:spAutoFit/>
+          </a:bodyPr>
+          <a:lstStyle/>
+          <a:p>
+            <a:r>
+              <a:rPr lang="ko-KR" altLang="en-US" sz="2000" b="1" dirty="0">
+                <a:latin typeface="Noto Sans" panose="020B0502040504020204" pitchFamily="34" charset="0"/>
+                <a:cs typeface="Noto Sans" panose="020B0502040504020204" pitchFamily="34" charset="0"/>
+              </a:rPr>
+              <a:t>표준 질의문장 </a:t>
+            </a:r>
+            <a:r>
+              <a:rPr lang="en-US" altLang="ko-KR" sz="2000" b="1" dirty="0">
+                <a:latin typeface="Noto Sans" panose="020B0502040504020204" pitchFamily="34" charset="0"/>
+                <a:ea typeface="Noto Sans" panose="020B0502040504020204" pitchFamily="34" charset="0"/>
+                <a:cs typeface="Noto Sans" panose="020B0502040504020204" pitchFamily="34" charset="0"/>
+              </a:rPr>
+              <a:t>1</a:t>
+            </a:r>
+            <a:r>
+              <a:rPr lang="ko-KR" altLang="en-US" sz="2000" b="1" dirty="0">
+                <a:latin typeface="Noto Sans" panose="020B0502040504020204" pitchFamily="34" charset="0"/>
+                <a:cs typeface="Noto Sans" panose="020B0502040504020204" pitchFamily="34" charset="0"/>
+              </a:rPr>
+              <a:t>개와 </a:t>
+            </a:r>
+            <a:r>
+              <a:rPr lang="en-US" altLang="ko-KR" sz="2000" b="1" dirty="0">
+                <a:latin typeface="Noto Sans" panose="020B0502040504020204" pitchFamily="34" charset="0"/>
+                <a:cs typeface="Noto Sans" panose="020B0502040504020204" pitchFamily="34" charset="0"/>
+              </a:rPr>
+              <a:t>AI</a:t>
+            </a:r>
+            <a:r>
+              <a:rPr lang="ko-KR" altLang="en-US" sz="2000" b="1" dirty="0">
+                <a:latin typeface="Noto Sans" panose="020B0502040504020204" pitchFamily="34" charset="0"/>
+                <a:cs typeface="Noto Sans" panose="020B0502040504020204" pitchFamily="34" charset="0"/>
+              </a:rPr>
+              <a:t>를 통해 생성된 </a:t>
+            </a:r>
+            <a:r>
+              <a:rPr lang="en-US" altLang="ko-KR" sz="2000" b="1" dirty="0">
+                <a:latin typeface="Noto Sans" panose="020B0502040504020204" pitchFamily="34" charset="0"/>
+                <a:ea typeface="Noto Sans" panose="020B0502040504020204" pitchFamily="34" charset="0"/>
+                <a:cs typeface="Noto Sans" panose="020B0502040504020204" pitchFamily="34" charset="0"/>
+              </a:rPr>
+              <a:t>N</a:t>
+            </a:r>
+            <a:r>
+              <a:rPr lang="ko-KR" altLang="en-US" sz="2000" b="1" dirty="0">
+                <a:latin typeface="Noto Sans" panose="020B0502040504020204" pitchFamily="34" charset="0"/>
+                <a:cs typeface="Noto Sans" panose="020B0502040504020204" pitchFamily="34" charset="0"/>
+              </a:rPr>
+              <a:t>개의 비표준 질의문장과 대응</a:t>
+            </a:r>
+            <a:r>
+              <a:rPr lang="ko-KR" altLang="en-US" sz="2000" dirty="0">
+                <a:latin typeface="Noto Sans" panose="020B0502040504020204" pitchFamily="34" charset="0"/>
+                <a:cs typeface="Noto Sans" panose="020B0502040504020204" pitchFamily="34" charset="0"/>
+              </a:rPr>
+              <a:t>된다</a:t>
+            </a:r>
+            <a:r>
+              <a:rPr lang="en-US" altLang="ko-KR" sz="2000" dirty="0">
+                <a:latin typeface="Noto Sans" panose="020B0502040504020204" pitchFamily="34" charset="0"/>
+                <a:ea typeface="Noto Sans" panose="020B0502040504020204" pitchFamily="34" charset="0"/>
+                <a:cs typeface="Noto Sans" panose="020B0502040504020204" pitchFamily="34" charset="0"/>
+              </a:rPr>
+              <a:t>.</a:t>
+            </a:r>
+            <a:endParaRPr lang="ko-KR" altLang="en-US" sz="2000" dirty="0">
+              <a:latin typeface="Noto Sans" panose="020B0502040504020204" pitchFamily="34" charset="0"/>
+              <a:cs typeface="Noto Sans" panose="020B0502040504020204" pitchFamily="34" charset="0"/>
+            </a:endParaRPr>
+          </a:p>
+        </p:txBody>
+      </p:sp>
+      <p:sp>
+        <p:nvSpPr>
+          <p:cNvPr id="18" name="TextBox 17">
+            <a:extLst>
+              <a:ext uri="{FF2B5EF4-FFF2-40B4-BE49-F238E27FC236}">
+                <a16:creationId xmlns:a16="http://schemas.microsoft.com/office/drawing/2014/main" id="{EAD52BC5-FF88-4DE2-BF41-790A31648962}"/>
+              </a:ext>
+            </a:extLst>
+          </p:cNvPr>
+          <p:cNvSpPr txBox="1"/>
+          <p:nvPr/>
+        </p:nvSpPr>
+        <p:spPr>
+          <a:xfrm>
+            <a:off x="11699631" y="6410326"/>
+            <a:ext cx="432460" cy="276999"/>
+          </a:xfrm>
+          <a:prstGeom prst="rect">
+            <a:avLst/>
+          </a:prstGeom>
+          <a:noFill/>
+        </p:spPr>
+        <p:txBody>
+          <a:bodyPr wrap="square" rtlCol="0">
+            <a:spAutoFit/>
+          </a:bodyPr>
+          <a:lstStyle/>
+          <a:p>
+            <a:r>
+              <a:rPr lang="en-US" altLang="ko-KR" sz="1200" b="1" dirty="0">
+                <a:latin typeface="Noto Sans" panose="020B0502040504020204" pitchFamily="34" charset="0"/>
+                <a:cs typeface="Noto Sans" panose="020B0502040504020204" pitchFamily="34" charset="0"/>
+              </a:rPr>
+              <a:t>8</a:t>
+            </a:r>
+            <a:endParaRPr lang="ko-KR" altLang="en-US" sz="1200" b="1" dirty="0">
+              <a:latin typeface="Noto Sans" panose="020B0502040504020204" pitchFamily="34" charset="0"/>
+              <a:cs typeface="Noto Sans" panose="020B0502040504020204" pitchFamily="34" charset="0"/>
+            </a:endParaRPr>
+          </a:p>
+        </p:txBody>
+      </p:sp>
+      <p:sp>
+        <p:nvSpPr>
+          <p:cNvPr id="2" name="TextBox 1">
+            <a:extLst>
+              <a:ext uri="{FF2B5EF4-FFF2-40B4-BE49-F238E27FC236}">
+                <a16:creationId xmlns:a16="http://schemas.microsoft.com/office/drawing/2014/main" id="{E742BB03-E17B-BB2D-A4EE-5B4B4D1CC991}"/>
+              </a:ext>
+            </a:extLst>
+          </p:cNvPr>
+          <p:cNvSpPr txBox="1"/>
+          <p:nvPr/>
+        </p:nvSpPr>
+        <p:spPr>
+          <a:xfrm>
+            <a:off x="70338" y="87923"/>
+            <a:ext cx="2949087" cy="461665"/>
+          </a:xfrm>
+          <a:prstGeom prst="rect">
+            <a:avLst/>
+          </a:prstGeom>
+          <a:noFill/>
+        </p:spPr>
+        <p:txBody>
+          <a:bodyPr wrap="square" rtlCol="0">
+            <a:spAutoFit/>
+          </a:bodyPr>
+          <a:lstStyle/>
+          <a:p>
+            <a:r>
+              <a:rPr lang="ko-KR" altLang="en-US" sz="2400" b="1" dirty="0">
+                <a:latin typeface="Noto Sans" panose="020B0502040504020204" pitchFamily="34" charset="0"/>
+                <a:ea typeface="Noto Sans" panose="020B0502040504020204" pitchFamily="34" charset="0"/>
+                <a:cs typeface="Noto Sans" panose="020B0502040504020204" pitchFamily="34" charset="0"/>
+              </a:rPr>
+              <a:t>발명내용 </a:t>
+            </a:r>
+            <a:r>
+              <a:rPr lang="en-US" altLang="ko-KR" sz="2400" b="1" dirty="0">
+                <a:latin typeface="Noto Sans" panose="020B0502040504020204" pitchFamily="34" charset="0"/>
+                <a:ea typeface="Noto Sans" panose="020B0502040504020204" pitchFamily="34" charset="0"/>
+                <a:cs typeface="Noto Sans" panose="020B0502040504020204" pitchFamily="34" charset="0"/>
+              </a:rPr>
+              <a:t>: Phase 1</a:t>
+            </a:r>
+            <a:endParaRPr lang="ko-KR" altLang="en-US" sz="2400" b="1" dirty="0">
+              <a:latin typeface="Noto Sans" panose="020B0502040504020204" pitchFamily="34" charset="0"/>
+              <a:ea typeface="KoPubWorld돋움체 Medium" panose="00000600000000000000" pitchFamily="2" charset="-127"/>
+              <a:cs typeface="Noto Sans" panose="020B0502040504020204" pitchFamily="34" charset="0"/>
+            </a:endParaRPr>
+          </a:p>
+        </p:txBody>
+      </p:sp>
+    </p:spTree>
+    <p:extLst>
+      <p:ext uri="{BB962C8B-B14F-4D97-AF65-F5344CB8AC3E}">
+        <p14:creationId xmlns:p14="http://schemas.microsoft.com/office/powerpoint/2010/main" val="2023954309"/>
+      </p:ext>
+    </p:extLst>
+  </p:cSld>
+  <p:clrMapOvr>
+    <a:masterClrMapping/>
+  </p:clrMapOvr>
+</p:sld>
+</file>
+
+<file path=ppt/slides/slide11.xml><?xml version="1.0" encoding="utf-8"?>
+<p:sld xmlns:a="http://schemas.openxmlformats.org/drawingml/2006/main" xmlns:r="http://schemas.openxmlformats.org/officeDocument/2006/relationships" xmlns:p="http://schemas.openxmlformats.org/presentationml/2006/main">
+  <p:cSld>
+    <p:spTree>
+      <p:nvGrpSpPr>
         <p:cNvPr id="1" name=""/>
         <p:cNvGrpSpPr/>
         <p:nvPr/>
@@ -7023,7 +9608,7 @@
 </p:sld>
 </file>
 
-<file path=ppt/slides/slide11.xml><?xml version="1.0" encoding="utf-8"?>
+<file path=ppt/slides/slide12.xml><?xml version="1.0" encoding="utf-8"?>
 <p:sld xmlns:a="http://schemas.openxmlformats.org/drawingml/2006/main" xmlns:r="http://schemas.openxmlformats.org/officeDocument/2006/relationships" xmlns:p="http://schemas.openxmlformats.org/presentationml/2006/main">
   <p:cSld>
     <p:spTree>
@@ -7107,7 +9692,7 @@
                 <a:ea typeface="Noto Sans" panose="020B0502040504020204" pitchFamily="34" charset="0"/>
                 <a:cs typeface="Noto Sans" panose="020B0502040504020204" pitchFamily="34" charset="0"/>
               </a:rPr>
-              <a:t>“ITEM_TB</a:t>
+              <a:t>“item</a:t>
             </a:r>
             <a:r>
               <a:rPr lang="ko-KR" altLang="en-US" sz="600" dirty="0">
@@ -7118,7 +9703,28 @@
                 <a:ea typeface="Noto Sans" panose="020B0502040504020204" pitchFamily="34" charset="0"/>
                 <a:cs typeface="Noto Sans" panose="020B0502040504020204" pitchFamily="34" charset="0"/>
               </a:rPr>
-              <a:t>에서 </a:t>
+              <a:t> 테이블에서 </a:t>
+            </a:r>
+            <a:r>
+              <a:rPr lang="ko-KR" altLang="en-US" sz="600" dirty="0">
+                <a:solidFill>
+                  <a:schemeClr val="tx1"/>
+                </a:solidFill>
+                <a:latin typeface="Noto Sans" panose="020B0502040504020204" pitchFamily="34" charset="0"/>
+                <a:cs typeface="Noto Sans" panose="020B0502040504020204" pitchFamily="34" charset="0"/>
+              </a:rPr>
+              <a:t>숫자 </a:t>
+            </a:r>
+            <a:r>
+              <a:rPr lang="en-US" altLang="ko-KR" sz="600" dirty="0">
+                <a:solidFill>
+                  <a:schemeClr val="tx1"/>
+                </a:solidFill>
+                <a:latin typeface="Noto Sans" panose="020B0502040504020204" pitchFamily="34" charset="0"/>
+                <a:ea typeface="Noto Sans" panose="020B0502040504020204" pitchFamily="34" charset="0"/>
+                <a:cs typeface="Noto Sans" panose="020B0502040504020204" pitchFamily="34" charset="0"/>
+              </a:rPr>
+              <a:t>71</a:t>
             </a:r>
             <a:r>
               <a:rPr lang="ko-KR" altLang="en-US" sz="600" b="1" dirty="0">
@@ -7128,58 +9734,17 @@
                 <a:latin typeface="Noto Sans" panose="020B0502040504020204" pitchFamily="34" charset="0"/>
                 <a:cs typeface="Noto Sans" panose="020B0502040504020204" pitchFamily="34" charset="0"/>
               </a:rPr>
-              <a:t>숫자 </a:t>
-            </a:r>
-            <a:r>
-              <a:rPr lang="en-US" altLang="ko-KR" sz="600" b="1" dirty="0">
+              <a:t>이 </a:t>
+            </a:r>
+            <a:r>
+              <a:rPr lang="ko-KR" altLang="en-US" sz="600" dirty="0">
                 <a:solidFill>
                   <a:schemeClr val="tx1"/>
                 </a:solidFill>
                 <a:latin typeface="Noto Sans" panose="020B0502040504020204" pitchFamily="34" charset="0"/>
-                <a:ea typeface="Noto Sans" panose="020B0502040504020204" pitchFamily="34" charset="0"/>
-                <a:cs typeface="Noto Sans" panose="020B0502040504020204" pitchFamily="34" charset="0"/>
-              </a:rPr>
-              <a:t>71</a:t>
-            </a:r>
-            <a:r>
-              <a:rPr lang="ko-KR" altLang="en-US" sz="600" b="1" dirty="0">
-                <a:solidFill>
-                  <a:schemeClr val="tx1"/>
-                </a:solidFill>
-                <a:latin typeface="Noto Sans" panose="020B0502040504020204" pitchFamily="34" charset="0"/>
-                <a:cs typeface="Noto Sans" panose="020B0502040504020204" pitchFamily="34" charset="0"/>
-              </a:rPr>
-              <a:t>이 포함</a:t>
-            </a:r>
-            <a:r>
-              <a:rPr lang="ko-KR" altLang="en-US" sz="600" dirty="0">
-                <a:solidFill>
-                  <a:schemeClr val="tx1"/>
-                </a:solidFill>
-                <a:latin typeface="Noto Sans" panose="020B0502040504020204" pitchFamily="34" charset="0"/>
-                <a:cs typeface="Noto Sans" panose="020B0502040504020204" pitchFamily="34" charset="0"/>
-              </a:rPr>
-              <a:t>되어 있는 화학물질을 등록일자 기준으로 </a:t>
-            </a:r>
-            <a:r>
-              <a:rPr lang="ko-KR" altLang="en-US" sz="600" b="1" dirty="0">
-                <a:solidFill>
-                  <a:schemeClr val="tx1"/>
-                </a:solidFill>
-                <a:latin typeface="Noto Sans" panose="020B0502040504020204" pitchFamily="34" charset="0"/>
-                <a:cs typeface="Noto Sans" panose="020B0502040504020204" pitchFamily="34" charset="0"/>
-              </a:rPr>
-              <a:t>오름차순 정렬</a:t>
-            </a:r>
-            <a:r>
-              <a:rPr lang="ko-KR" altLang="en-US" sz="600" dirty="0">
-                <a:solidFill>
-                  <a:schemeClr val="tx1"/>
-                </a:solidFill>
-                <a:latin typeface="Noto Sans" panose="020B0502040504020204" pitchFamily="34" charset="0"/>
-                <a:cs typeface="Noto Sans" panose="020B0502040504020204" pitchFamily="34" charset="0"/>
-              </a:rPr>
-              <a:t>해서 보여줘</a:t>
+                <a:cs typeface="Noto Sans" panose="020B0502040504020204" pitchFamily="34" charset="0"/>
+              </a:rPr>
+              <a:t>포함되어 있는 화학물질을 등록일자 기준으로 오름차순 정렬해서 보여줘</a:t>
             </a:r>
             <a:r>
               <a:rPr lang="en-US" altLang="ko-KR" sz="600" dirty="0">
@@ -7602,23 +10167,7 @@
           <a:bodyPr rtlCol="0" anchor="ctr"/>
           <a:lstStyle/>
           <a:p>
-            <a:pPr marL="0" marR="0" lvl="0" indent="0" algn="l" defTabSz="914400" rtl="0" eaLnBrk="1" fontAlgn="auto" latinLnBrk="1" hangingPunct="1">
-              <a:lnSpc>
-                <a:spcPct val="100000"/>
-              </a:lnSpc>
-              <a:spcBef>
-                <a:spcPts val="0"/>
-              </a:spcBef>
-              <a:spcAft>
-                <a:spcPts val="0"/>
-              </a:spcAft>
-              <a:buClrTx/>
-              <a:buSzTx/>
-              <a:buFontTx/>
-              <a:buNone/>
-              <a:tabLst/>
-              <a:defRPr/>
-            </a:pPr>
+            <a:pPr latinLnBrk="1"/>
             <a:r>
               <a:rPr lang="en-US" altLang="ko-KR" sz="600" dirty="0">
                 <a:solidFill>
@@ -7633,7 +10182,7 @@
                   <a:schemeClr val="tx1"/>
                 </a:solidFill>
               </a:rPr>
-              <a:t>화학물질 목록을 펼쳐봐</a:t>
+              <a:t>화학물질 목록에서 쓸데없는 거 빼고  </a:t>
             </a:r>
             <a:r>
               <a:rPr lang="en-US" altLang="ko-KR" sz="600" dirty="0">
@@ -7641,6 +10190,22 @@
                   <a:schemeClr val="tx1"/>
                 </a:solidFill>
               </a:rPr>
+              <a:t>71 </a:t>
+            </a:r>
+            <a:r>
+              <a:rPr lang="ko-KR" altLang="en-US" sz="600" dirty="0">
+                <a:solidFill>
+                  <a:schemeClr val="tx1"/>
+                </a:solidFill>
+              </a:rPr>
+              <a:t>있는 거만 골라서 정리해</a:t>
+            </a:r>
+            <a:r>
+              <a:rPr lang="en-US" altLang="ko-KR" sz="600" dirty="0">
+                <a:solidFill>
+                  <a:schemeClr val="tx1"/>
+                </a:solidFill>
+              </a:rPr>
               <a:t>. </a:t>
             </a:r>
             <a:r>
@@ -7649,7 +10214,7 @@
                   <a:schemeClr val="tx1"/>
                 </a:solidFill>
               </a:rPr>
-              <a:t>거기서 </a:t>
+              <a:t>날짜 기준으로 빠른 거부터</a:t>
             </a:r>
             <a:r>
               <a:rPr lang="en-US" altLang="ko-KR" sz="600" dirty="0">
@@ -7657,60 +10222,14 @@
                   <a:schemeClr val="tx1"/>
                 </a:solidFill>
               </a:rPr>
-              <a:t>71</a:t>
-            </a:r>
-            <a:r>
-              <a:rPr lang="ko-KR" altLang="en-US" sz="600" dirty="0">
-                <a:solidFill>
-                  <a:schemeClr val="tx1"/>
-                </a:solidFill>
-              </a:rPr>
-              <a:t>이 숨 쉬고 있는 녀석들만 남겨</a:t>
-            </a:r>
-            <a:r>
-              <a:rPr lang="en-US" altLang="ko-KR" sz="600" dirty="0">
-                <a:solidFill>
-                  <a:schemeClr val="tx1"/>
-                </a:solidFill>
-              </a:rPr>
-              <a:t>. </a:t>
-            </a:r>
-            <a:r>
-              <a:rPr lang="ko-KR" altLang="en-US" sz="600" dirty="0">
-                <a:solidFill>
-                  <a:schemeClr val="tx1"/>
-                </a:solidFill>
-              </a:rPr>
-              <a:t>그리고 시간의 흐름에 순응하도록 정렬해</a:t>
-            </a:r>
-            <a:r>
-              <a:rPr lang="en-US" altLang="ko-KR" sz="600" dirty="0">
-                <a:solidFill>
-                  <a:schemeClr val="tx1"/>
-                </a:solidFill>
-              </a:rPr>
-              <a:t>. </a:t>
-            </a:r>
-            <a:r>
-              <a:rPr lang="ko-KR" altLang="en-US" sz="600" dirty="0">
-                <a:solidFill>
-                  <a:schemeClr val="tx1"/>
-                </a:solidFill>
-              </a:rPr>
-              <a:t>과거에서 현재로</a:t>
-            </a:r>
-            <a:r>
-              <a:rPr lang="en-US" altLang="ko-KR" sz="600" dirty="0">
-                <a:solidFill>
-                  <a:schemeClr val="tx1"/>
-                </a:solidFill>
-              </a:rPr>
               <a:t>.”</a:t>
             </a:r>
-            <a:endParaRPr lang="ko-KR" altLang="en-US" sz="600" b="0" dirty="0">
+            <a:endParaRPr lang="ko-KR" altLang="en-US" sz="600" dirty="0">
               <a:solidFill>
                 <a:schemeClr val="tx1"/>
               </a:solidFill>
+              <a:latin typeface="Noto Sans" panose="020B0502040504020204" pitchFamily="34" charset="0"/>
+              <a:cs typeface="Noto Sans" panose="020B0502040504020204" pitchFamily="34" charset="0"/>
             </a:endParaRPr>
           </a:p>
         </p:txBody>
@@ -7819,7 +10338,7 @@
                 <a:ea typeface="Noto Sans" panose="020B0502040504020204" pitchFamily="34" charset="0"/>
                 <a:cs typeface="Noto Sans" panose="020B0502040504020204" pitchFamily="34" charset="0"/>
               </a:rPr>
-              <a:t>“ITEM_TB</a:t>
+              <a:t>“item</a:t>
             </a:r>
             <a:r>
               <a:rPr lang="ko-KR" altLang="en-US" sz="600" dirty="0">
@@ -7830,7 +10349,28 @@
                 <a:ea typeface="Noto Sans" panose="020B0502040504020204" pitchFamily="34" charset="0"/>
                 <a:cs typeface="Noto Sans" panose="020B0502040504020204" pitchFamily="34" charset="0"/>
               </a:rPr>
-              <a:t>에서 </a:t>
+              <a:t> 테이블에서 </a:t>
+            </a:r>
+            <a:r>
+              <a:rPr lang="ko-KR" altLang="en-US" sz="600" dirty="0">
+                <a:solidFill>
+                  <a:schemeClr val="tx1"/>
+                </a:solidFill>
+                <a:latin typeface="Noto Sans" panose="020B0502040504020204" pitchFamily="34" charset="0"/>
+                <a:cs typeface="Noto Sans" panose="020B0502040504020204" pitchFamily="34" charset="0"/>
+              </a:rPr>
+              <a:t>숫자 </a:t>
+            </a:r>
+            <a:r>
+              <a:rPr lang="en-US" altLang="ko-KR" sz="600" dirty="0">
+                <a:solidFill>
+                  <a:schemeClr val="tx1"/>
+                </a:solidFill>
+                <a:latin typeface="Noto Sans" panose="020B0502040504020204" pitchFamily="34" charset="0"/>
+                <a:ea typeface="Noto Sans" panose="020B0502040504020204" pitchFamily="34" charset="0"/>
+                <a:cs typeface="Noto Sans" panose="020B0502040504020204" pitchFamily="34" charset="0"/>
+              </a:rPr>
+              <a:t>71</a:t>
             </a:r>
             <a:r>
               <a:rPr lang="ko-KR" altLang="en-US" sz="600" b="1" dirty="0">
@@ -7840,58 +10380,17 @@
                 <a:latin typeface="Noto Sans" panose="020B0502040504020204" pitchFamily="34" charset="0"/>
                 <a:cs typeface="Noto Sans" panose="020B0502040504020204" pitchFamily="34" charset="0"/>
               </a:rPr>
-              <a:t>숫자 </a:t>
-            </a:r>
-            <a:r>
-              <a:rPr lang="en-US" altLang="ko-KR" sz="600" b="1" dirty="0">
+              <a:t>이 </a:t>
+            </a:r>
+            <a:r>
+              <a:rPr lang="ko-KR" altLang="en-US" sz="600" dirty="0">
                 <a:solidFill>
                   <a:schemeClr val="tx1"/>
                 </a:solidFill>
                 <a:latin typeface="Noto Sans" panose="020B0502040504020204" pitchFamily="34" charset="0"/>
-                <a:ea typeface="Noto Sans" panose="020B0502040504020204" pitchFamily="34" charset="0"/>
-                <a:cs typeface="Noto Sans" panose="020B0502040504020204" pitchFamily="34" charset="0"/>
-              </a:rPr>
-              <a:t>71</a:t>
-            </a:r>
-            <a:r>
-              <a:rPr lang="ko-KR" altLang="en-US" sz="600" b="1" dirty="0">
-                <a:solidFill>
-                  <a:schemeClr val="tx1"/>
-                </a:solidFill>
-                <a:latin typeface="Noto Sans" panose="020B0502040504020204" pitchFamily="34" charset="0"/>
-                <a:cs typeface="Noto Sans" panose="020B0502040504020204" pitchFamily="34" charset="0"/>
-              </a:rPr>
-              <a:t>이 포함</a:t>
-            </a:r>
-            <a:r>
-              <a:rPr lang="ko-KR" altLang="en-US" sz="600" dirty="0">
-                <a:solidFill>
-                  <a:schemeClr val="tx1"/>
-                </a:solidFill>
-                <a:latin typeface="Noto Sans" panose="020B0502040504020204" pitchFamily="34" charset="0"/>
-                <a:cs typeface="Noto Sans" panose="020B0502040504020204" pitchFamily="34" charset="0"/>
-              </a:rPr>
-              <a:t>되어 있는 화학물질을 등록일자 기준으로 </a:t>
-            </a:r>
-            <a:r>
-              <a:rPr lang="ko-KR" altLang="en-US" sz="600" b="1" dirty="0">
-                <a:solidFill>
-                  <a:schemeClr val="tx1"/>
-                </a:solidFill>
-                <a:latin typeface="Noto Sans" panose="020B0502040504020204" pitchFamily="34" charset="0"/>
-                <a:cs typeface="Noto Sans" panose="020B0502040504020204" pitchFamily="34" charset="0"/>
-              </a:rPr>
-              <a:t>오름차순 정렬</a:t>
-            </a:r>
-            <a:r>
-              <a:rPr lang="ko-KR" altLang="en-US" sz="600" dirty="0">
-                <a:solidFill>
-                  <a:schemeClr val="tx1"/>
-                </a:solidFill>
-                <a:latin typeface="Noto Sans" panose="020B0502040504020204" pitchFamily="34" charset="0"/>
-                <a:cs typeface="Noto Sans" panose="020B0502040504020204" pitchFamily="34" charset="0"/>
-              </a:rPr>
-              <a:t>해서 보여줘</a:t>
+                <a:cs typeface="Noto Sans" panose="020B0502040504020204" pitchFamily="34" charset="0"/>
+              </a:rPr>
+              <a:t>포함되어 있는 화학물질을 등록일자 기준으로 오름차순 정렬해서 보여줘</a:t>
             </a:r>
             <a:r>
               <a:rPr lang="en-US" altLang="ko-KR" sz="600" dirty="0">
@@ -7975,7 +10474,7 @@
                 <a:ea typeface="Noto Sans" panose="020B0502040504020204" pitchFamily="34" charset="0"/>
                 <a:cs typeface="Noto Sans" panose="020B0502040504020204" pitchFamily="34" charset="0"/>
               </a:rPr>
-              <a:t>“ITEM_TB</a:t>
+              <a:t>“item</a:t>
             </a:r>
             <a:r>
               <a:rPr lang="ko-KR" altLang="en-US" sz="600" dirty="0">
@@ -7986,7 +10485,28 @@
                 <a:ea typeface="Noto Sans" panose="020B0502040504020204" pitchFamily="34" charset="0"/>
                 <a:cs typeface="Noto Sans" panose="020B0502040504020204" pitchFamily="34" charset="0"/>
               </a:rPr>
-              <a:t>에서 </a:t>
+              <a:t> 테이블에서 </a:t>
+            </a:r>
+            <a:r>
+              <a:rPr lang="ko-KR" altLang="en-US" sz="600" dirty="0">
+                <a:solidFill>
+                  <a:schemeClr val="tx1"/>
+                </a:solidFill>
+                <a:latin typeface="Noto Sans" panose="020B0502040504020204" pitchFamily="34" charset="0"/>
+                <a:cs typeface="Noto Sans" panose="020B0502040504020204" pitchFamily="34" charset="0"/>
+              </a:rPr>
+              <a:t>숫자 </a:t>
+            </a:r>
+            <a:r>
+              <a:rPr lang="en-US" altLang="ko-KR" sz="600" dirty="0">
+                <a:solidFill>
+                  <a:schemeClr val="tx1"/>
+                </a:solidFill>
+                <a:latin typeface="Noto Sans" panose="020B0502040504020204" pitchFamily="34" charset="0"/>
+                <a:ea typeface="Noto Sans" panose="020B0502040504020204" pitchFamily="34" charset="0"/>
+                <a:cs typeface="Noto Sans" panose="020B0502040504020204" pitchFamily="34" charset="0"/>
+              </a:rPr>
+              <a:t>71</a:t>
             </a:r>
             <a:r>
               <a:rPr lang="ko-KR" altLang="en-US" sz="600" b="1" dirty="0">
@@ -7996,58 +10516,17 @@
                 <a:latin typeface="Noto Sans" panose="020B0502040504020204" pitchFamily="34" charset="0"/>
                 <a:cs typeface="Noto Sans" panose="020B0502040504020204" pitchFamily="34" charset="0"/>
               </a:rPr>
-              <a:t>숫자 </a:t>
-            </a:r>
-            <a:r>
-              <a:rPr lang="en-US" altLang="ko-KR" sz="600" b="1" dirty="0">
+              <a:t>이 </a:t>
+            </a:r>
+            <a:r>
+              <a:rPr lang="ko-KR" altLang="en-US" sz="600" dirty="0">
                 <a:solidFill>
                   <a:schemeClr val="tx1"/>
                 </a:solidFill>
                 <a:latin typeface="Noto Sans" panose="020B0502040504020204" pitchFamily="34" charset="0"/>
-                <a:ea typeface="Noto Sans" panose="020B0502040504020204" pitchFamily="34" charset="0"/>
-                <a:cs typeface="Noto Sans" panose="020B0502040504020204" pitchFamily="34" charset="0"/>
-              </a:rPr>
-              <a:t>71</a:t>
-            </a:r>
-            <a:r>
-              <a:rPr lang="ko-KR" altLang="en-US" sz="600" b="1" dirty="0">
-                <a:solidFill>
-                  <a:schemeClr val="tx1"/>
-                </a:solidFill>
-                <a:latin typeface="Noto Sans" panose="020B0502040504020204" pitchFamily="34" charset="0"/>
-                <a:cs typeface="Noto Sans" panose="020B0502040504020204" pitchFamily="34" charset="0"/>
-              </a:rPr>
-              <a:t>이 포함</a:t>
-            </a:r>
-            <a:r>
-              <a:rPr lang="ko-KR" altLang="en-US" sz="600" dirty="0">
-                <a:solidFill>
-                  <a:schemeClr val="tx1"/>
-                </a:solidFill>
-                <a:latin typeface="Noto Sans" panose="020B0502040504020204" pitchFamily="34" charset="0"/>
-                <a:cs typeface="Noto Sans" panose="020B0502040504020204" pitchFamily="34" charset="0"/>
-              </a:rPr>
-              <a:t>되어 있는 화학물질을 등록일자 기준으로 </a:t>
-            </a:r>
-            <a:r>
-              <a:rPr lang="ko-KR" altLang="en-US" sz="600" b="1" dirty="0">
-                <a:solidFill>
-                  <a:schemeClr val="tx1"/>
-                </a:solidFill>
-                <a:latin typeface="Noto Sans" panose="020B0502040504020204" pitchFamily="34" charset="0"/>
-                <a:cs typeface="Noto Sans" panose="020B0502040504020204" pitchFamily="34" charset="0"/>
-              </a:rPr>
-              <a:t>오름차순 정렬</a:t>
-            </a:r>
-            <a:r>
-              <a:rPr lang="ko-KR" altLang="en-US" sz="600" dirty="0">
-                <a:solidFill>
-                  <a:schemeClr val="tx1"/>
-                </a:solidFill>
-                <a:latin typeface="Noto Sans" panose="020B0502040504020204" pitchFamily="34" charset="0"/>
-                <a:cs typeface="Noto Sans" panose="020B0502040504020204" pitchFamily="34" charset="0"/>
-              </a:rPr>
-              <a:t>해서 보여줘</a:t>
+                <a:cs typeface="Noto Sans" panose="020B0502040504020204" pitchFamily="34" charset="0"/>
+              </a:rPr>
+              <a:t>포함되어 있는 화학물질을 등록일자 기준으로 오름차순 정렬해서 보여줘</a:t>
             </a:r>
             <a:r>
               <a:rPr lang="en-US" altLang="ko-KR" sz="600" dirty="0">
@@ -8691,7 +11170,7 @@
 </p:sld>
 </file>
 
-<file path=ppt/slides/slide12.xml><?xml version="1.0" encoding="utf-8"?>
+<file path=ppt/slides/slide13.xml><?xml version="1.0" encoding="utf-8"?>
 <p:sld xmlns:a="http://schemas.openxmlformats.org/drawingml/2006/main" xmlns:r="http://schemas.openxmlformats.org/officeDocument/2006/relationships" xmlns:p="http://schemas.openxmlformats.org/presentationml/2006/main">
   <p:cSld>
     <p:spTree>
@@ -9013,7 +11492,7 @@
           <a:p>
             <a:pPr latinLnBrk="1"/>
             <a:r>
-              <a:rPr lang="en-US" altLang="ko-KR" sz="1000" dirty="0">
+              <a:rPr lang="en-US" altLang="ko-KR" sz="1000">
                 <a:solidFill>
                   <a:schemeClr val="tx1"/>
                 </a:solidFill>
@@ -9021,7 +11500,7 @@
                 <a:ea typeface="Noto Sans" panose="020B0502040504020204" pitchFamily="34" charset="0"/>
                 <a:cs typeface="Noto Sans" panose="020B0502040504020204" pitchFamily="34" charset="0"/>
               </a:rPr>
-              <a:t>“ITEM_TB</a:t>
+              <a:t>“item </a:t>
             </a:r>
             <a:r>
               <a:rPr lang="ko-KR" altLang="en-US" sz="1000" dirty="0">
@@ -9032,7 +11511,7 @@
                 <a:ea typeface="Noto Sans" panose="020B0502040504020204" pitchFamily="34" charset="0"/>
                 <a:cs typeface="Noto Sans" panose="020B0502040504020204" pitchFamily="34" charset="0"/>
               </a:rPr>
-              <a:t>에서 </a:t>
+              <a:t>테이블에서 </a:t>
             </a:r>
             <a:r>
               <a:rPr lang="ko-KR" altLang="en-US" sz="1000" dirty="0">
@@ -9391,7 +11870,7 @@
 </p:sld>
 </file>
 
-<file path=ppt/slides/slide13.xml><?xml version="1.0" encoding="utf-8"?>
+<file path=ppt/slides/slide14.xml><?xml version="1.0" encoding="utf-8"?>
 <p:sld xmlns:a="http://schemas.openxmlformats.org/drawingml/2006/main" xmlns:r="http://schemas.openxmlformats.org/officeDocument/2006/relationships" xmlns:p="http://schemas.openxmlformats.org/presentationml/2006/main">
   <p:cSld>
     <p:spTree>
@@ -10853,7 +13332,7 @@
 </p:sld>
 </file>
 
-<file path=ppt/slides/slide14.xml><?xml version="1.0" encoding="utf-8"?>
+<file path=ppt/slides/slide15.xml><?xml version="1.0" encoding="utf-8"?>
 <p:sld xmlns:a="http://schemas.openxmlformats.org/drawingml/2006/main" xmlns:r="http://schemas.openxmlformats.org/officeDocument/2006/relationships" xmlns:p="http://schemas.openxmlformats.org/presentationml/2006/main">
   <p:cSld>
     <p:spTree>
@@ -11368,7 +13847,7 @@
 </p:sld>
 </file>
 
-<file path=ppt/slides/slide15.xml><?xml version="1.0" encoding="utf-8"?>
+<file path=ppt/slides/slide16.xml><?xml version="1.0" encoding="utf-8"?>
 <p:sld xmlns:a="http://schemas.openxmlformats.org/drawingml/2006/main" xmlns:r="http://schemas.openxmlformats.org/officeDocument/2006/relationships" xmlns:p="http://schemas.openxmlformats.org/presentationml/2006/main">
   <p:cSld>
     <p:spTree>
@@ -11513,7 +13992,7 @@
         <p:spPr>
           <a:xfrm>
             <a:off x="935975" y="1059685"/>
-            <a:ext cx="10612201" cy="4115678"/>
+            <a:ext cx="10612201" cy="4485010"/>
           </a:xfrm>
           <a:prstGeom prst="rect">
             <a:avLst/>
@@ -11812,6 +14291,47 @@
               <a:ea typeface="Noto Sans" panose="020B0502040504020204" pitchFamily="34" charset="0"/>
               <a:cs typeface="Noto Sans" panose="020B0502040504020204" pitchFamily="34" charset="0"/>
             </a:endParaRPr>
+          </a:p>
+          <a:p>
+            <a:pPr marL="285750" indent="-285750">
+              <a:lnSpc>
+                <a:spcPct val="150000"/>
+              </a:lnSpc>
+              <a:buFont typeface="Wingdings" panose="05000000000000000000" pitchFamily="2" charset="2"/>
+              <a:buChar char="Ø"/>
+            </a:pPr>
+            <a:r>
+              <a:rPr lang="ko-KR" altLang="en-US" sz="1600" dirty="0">
+                <a:latin typeface="Noto Sans" panose="020B0502040504020204" pitchFamily="34" charset="0"/>
+                <a:ea typeface="KoPubWorld돋움체 Medium" panose="00000600000000000000" pitchFamily="2" charset="-127"/>
+                <a:cs typeface="Noto Sans" panose="020B0502040504020204" pitchFamily="34" charset="0"/>
+              </a:rPr>
+              <a:t>최근 연구동향은 </a:t>
+            </a:r>
+            <a:r>
+              <a:rPr lang="en-US" altLang="ko-KR" sz="1600" dirty="0">
+                <a:latin typeface="Noto Sans" panose="020B0502040504020204" pitchFamily="34" charset="0"/>
+                <a:ea typeface="KoPubWorld돋움체 Medium" panose="00000600000000000000" pitchFamily="2" charset="-127"/>
+                <a:cs typeface="Noto Sans" panose="020B0502040504020204" pitchFamily="34" charset="0"/>
+              </a:rPr>
+              <a:t>Text2SQL </a:t>
+            </a:r>
+            <a:r>
+              <a:rPr lang="ko-KR" altLang="en-US" sz="1600" dirty="0">
+                <a:latin typeface="Noto Sans" panose="020B0502040504020204" pitchFamily="34" charset="0"/>
+                <a:ea typeface="KoPubWorld돋움체 Medium" panose="00000600000000000000" pitchFamily="2" charset="-127"/>
+                <a:cs typeface="Noto Sans" panose="020B0502040504020204" pitchFamily="34" charset="0"/>
+              </a:rPr>
+              <a:t>모델의 성능 개선 목적이 대부분</a:t>
+            </a:r>
+            <a:r>
+              <a:rPr lang="en-US" altLang="ko-KR" sz="1600" dirty="0">
+                <a:latin typeface="Noto Sans" panose="020B0502040504020204" pitchFamily="34" charset="0"/>
+                <a:ea typeface="KoPubWorld돋움체 Medium" panose="00000600000000000000" pitchFamily="2" charset="-127"/>
+                <a:cs typeface="Noto Sans" panose="020B0502040504020204" pitchFamily="34" charset="0"/>
+              </a:rPr>
+              <a:t> </a:t>
+            </a:r>
           </a:p>
           <a:p>
             <a:pPr marL="285750" indent="-285750">
@@ -12134,7 +14654,7 @@
           <a:lstStyle/>
           <a:p>
             <a:r>
-              <a:rPr lang="ko-KR" altLang="en-US" sz="2400" b="1">
+              <a:rPr lang="ko-KR" altLang="en-US" sz="2400" b="1" dirty="0">
                 <a:latin typeface="Noto Sans" panose="020B0502040504020204" pitchFamily="34" charset="0"/>
                 <a:ea typeface="KoPubWorld돋움체 Medium" panose="00000600000000000000" pitchFamily="2" charset="-127"/>
                 <a:cs typeface="Noto Sans" panose="020B0502040504020204" pitchFamily="34" charset="0"/>
@@ -12214,8 +14734,8 @@
         </p:blipFill>
         <p:spPr>
           <a:xfrm>
-            <a:off x="7960451" y="626244"/>
-            <a:ext cx="2372498" cy="2508987"/>
+            <a:off x="7838535" y="1127041"/>
+            <a:ext cx="4353465" cy="4603918"/>
           </a:xfrm>
           <a:prstGeom prst="rect">
             <a:avLst/>
@@ -12236,7 +14756,7 @@
         </p:nvSpPr>
         <p:spPr>
           <a:xfrm>
-            <a:off x="728821" y="1540073"/>
+            <a:off x="562354" y="1821400"/>
             <a:ext cx="6978650" cy="215444"/>
           </a:xfrm>
           <a:prstGeom prst="rect">
@@ -12354,8 +14874,8 @@
         </p:nvSpPr>
         <p:spPr>
           <a:xfrm>
-            <a:off x="728821" y="1119445"/>
-            <a:ext cx="6863940" cy="420628"/>
+            <a:off x="562354" y="1359735"/>
+            <a:ext cx="6863940" cy="461665"/>
           </a:xfrm>
           <a:prstGeom prst="rect">
             <a:avLst/>
@@ -12374,7 +14894,7 @@
               </a:lnSpc>
             </a:pPr>
             <a:r>
-              <a:rPr lang="ko-KR" altLang="en-US" sz="1600" dirty="0">
+              <a:rPr lang="ko-KR" altLang="en-US" dirty="0">
                 <a:solidFill>
                   <a:schemeClr val="tx1"/>
                 </a:solidFill>
@@ -12385,7 +14905,7 @@
               <a:t>데이터베이스와 </a:t>
             </a:r>
             <a:r>
-              <a:rPr lang="en-US" altLang="ko-KR" sz="1600" dirty="0">
+              <a:rPr lang="en-US" altLang="ko-KR" dirty="0">
                 <a:solidFill>
                   <a:schemeClr val="tx1"/>
                 </a:solidFill>
@@ -12396,7 +14916,7 @@
               <a:t>LLM </a:t>
             </a:r>
             <a:r>
-              <a:rPr lang="ko-KR" altLang="en-US" sz="1600" dirty="0">
+              <a:rPr lang="ko-KR" altLang="en-US" dirty="0">
                 <a:solidFill>
                   <a:schemeClr val="tx1"/>
                 </a:solidFill>
@@ -12407,7 +14927,7 @@
               <a:t>지식을 통합하는 테이블 증강 생성 기술 </a:t>
             </a:r>
             <a:r>
-              <a:rPr lang="en-US" altLang="ko-KR" sz="1600" dirty="0">
+              <a:rPr lang="en-US" altLang="ko-KR" dirty="0">
                 <a:solidFill>
                   <a:schemeClr val="tx1"/>
                 </a:solidFill>
@@ -12415,20 +14935,9 @@
                 <a:ea typeface="KoPubWorld돋움체 Medium" panose="00000600000000000000" pitchFamily="2" charset="-127"/>
                 <a:cs typeface="Noto Sans" panose="020B0502040504020204" pitchFamily="34" charset="0"/>
               </a:rPr>
-              <a:t>TAG </a:t>
-            </a:r>
-            <a:r>
-              <a:rPr lang="ko-KR" altLang="en-US" sz="1600" dirty="0">
-                <a:solidFill>
-                  <a:schemeClr val="tx1"/>
-                </a:solidFill>
-                <a:latin typeface="Noto Sans" panose="020B0502040504020204" pitchFamily="34" charset="0"/>
-                <a:ea typeface="KoPubWorld돋움체 Medium" panose="00000600000000000000" pitchFamily="2" charset="-127"/>
-                <a:cs typeface="Noto Sans" panose="020B0502040504020204" pitchFamily="34" charset="0"/>
-              </a:rPr>
-              <a:t>제안</a:t>
-            </a:r>
-            <a:endParaRPr lang="en-US" altLang="ko-KR" sz="1400" dirty="0">
+              <a:t>TAG</a:t>
+            </a:r>
+            <a:endParaRPr lang="en-US" altLang="ko-KR" dirty="0">
               <a:solidFill>
                 <a:schemeClr val="tx1"/>
               </a:solidFill>
@@ -12441,10 +14950,10 @@
       </p:sp>
       <p:sp>
         <p:nvSpPr>
-          <p:cNvPr id="15" name="TextBox 14">
-            <a:extLst>
-              <a:ext uri="{FF2B5EF4-FFF2-40B4-BE49-F238E27FC236}">
-                <a16:creationId xmlns:a16="http://schemas.microsoft.com/office/drawing/2014/main" id="{2B1CF22C-C2E9-5C36-F113-0192A454D0E5}"/>
+          <p:cNvPr id="19" name="TextBox 18">
+            <a:extLst>
+              <a:ext uri="{FF2B5EF4-FFF2-40B4-BE49-F238E27FC236}">
+                <a16:creationId xmlns:a16="http://schemas.microsoft.com/office/drawing/2014/main" id="{B3CE5744-C1BA-3BBA-C1F2-427868650483}"/>
               </a:ext>
             </a:extLst>
           </p:cNvPr>
@@ -12453,8 +14962,8 @@
         </p:nvSpPr>
         <p:spPr>
           <a:xfrm>
-            <a:off x="728821" y="3740994"/>
-            <a:ext cx="6863940" cy="420628"/>
+            <a:off x="562354" y="2498509"/>
+            <a:ext cx="6863940" cy="2278829"/>
           </a:xfrm>
           <a:prstGeom prst="rect">
             <a:avLst/>
@@ -12467,13 +14976,15 @@
           </a:bodyPr>
           <a:lstStyle/>
           <a:p>
-            <a:pPr>
+            <a:pPr marL="171450" indent="-171450">
               <a:lnSpc>
                 <a:spcPct val="150000"/>
               </a:lnSpc>
+              <a:buFont typeface="Wingdings" panose="05000000000000000000" pitchFamily="2" charset="2"/>
+              <a:buChar char="Ø"/>
             </a:pPr>
             <a:r>
-              <a:rPr lang="ko-KR" altLang="en-US" sz="1600" dirty="0">
+              <a:rPr lang="ko-KR" altLang="en-US" sz="1200" dirty="0">
                 <a:solidFill>
                   <a:schemeClr val="tx1"/>
                 </a:solidFill>
@@ -12481,9 +14992,195 @@
                 <a:ea typeface="KoPubWorld돋움체 Medium" panose="00000600000000000000" pitchFamily="2" charset="-127"/>
                 <a:cs typeface="Noto Sans" panose="020B0502040504020204" pitchFamily="34" charset="0"/>
               </a:rPr>
-              <a:t>자연어 쿼리 번역 장치 및 그것의 제어 방법 </a:t>
-            </a:r>
-            <a:endParaRPr lang="en-US" altLang="ko-KR" sz="1400" dirty="0">
+              <a:t>자연어 쿼리에 기초하여 데이터베이스를 분류하고</a:t>
+            </a:r>
+            <a:r>
+              <a:rPr lang="en-US" altLang="ko-KR" sz="1200" dirty="0">
+                <a:solidFill>
+                  <a:schemeClr val="tx1"/>
+                </a:solidFill>
+                <a:latin typeface="Noto Sans" panose="020B0502040504020204" pitchFamily="34" charset="0"/>
+                <a:ea typeface="KoPubWorld돋움체 Medium" panose="00000600000000000000" pitchFamily="2" charset="-127"/>
+                <a:cs typeface="Noto Sans" panose="020B0502040504020204" pitchFamily="34" charset="0"/>
+              </a:rPr>
+              <a:t>, LLM</a:t>
+            </a:r>
+            <a:r>
+              <a:rPr lang="ko-KR" altLang="en-US" sz="1200" dirty="0">
+                <a:solidFill>
+                  <a:schemeClr val="tx1"/>
+                </a:solidFill>
+                <a:latin typeface="Noto Sans" panose="020B0502040504020204" pitchFamily="34" charset="0"/>
+                <a:ea typeface="KoPubWorld돋움체 Medium" panose="00000600000000000000" pitchFamily="2" charset="-127"/>
+                <a:cs typeface="Noto Sans" panose="020B0502040504020204" pitchFamily="34" charset="0"/>
+              </a:rPr>
+              <a:t>을 이용하여 </a:t>
+            </a:r>
+            <a:r>
+              <a:rPr lang="ko-KR" altLang="en-US" sz="1200" dirty="0">
+                <a:latin typeface="Noto Sans" panose="020B0502040504020204" pitchFamily="34" charset="0"/>
+                <a:ea typeface="KoPubWorld돋움체 Medium" panose="00000600000000000000" pitchFamily="2" charset="-127"/>
+                <a:cs typeface="Noto Sans" panose="020B0502040504020204" pitchFamily="34" charset="0"/>
+              </a:rPr>
+              <a:t>자연어 쿼리를 데이터베이스에 대응하는 </a:t>
+            </a:r>
+            <a:r>
+              <a:rPr lang="en-US" altLang="ko-KR" sz="1200" dirty="0">
+                <a:latin typeface="Noto Sans" panose="020B0502040504020204" pitchFamily="34" charset="0"/>
+                <a:ea typeface="KoPubWorld돋움체 Medium" panose="00000600000000000000" pitchFamily="2" charset="-127"/>
+                <a:cs typeface="Noto Sans" panose="020B0502040504020204" pitchFamily="34" charset="0"/>
+              </a:rPr>
+              <a:t>SQL </a:t>
+            </a:r>
+            <a:r>
+              <a:rPr lang="ko-KR" altLang="en-US" sz="1200" dirty="0">
+                <a:latin typeface="Noto Sans" panose="020B0502040504020204" pitchFamily="34" charset="0"/>
+                <a:ea typeface="KoPubWorld돋움체 Medium" panose="00000600000000000000" pitchFamily="2" charset="-127"/>
+                <a:cs typeface="Noto Sans" panose="020B0502040504020204" pitchFamily="34" charset="0"/>
+              </a:rPr>
+              <a:t>쿼리로 변환하는 자연어 처리 기술</a:t>
+            </a:r>
+            <a:br>
+              <a:rPr lang="en-US" altLang="ko-KR" sz="1200" dirty="0">
+                <a:latin typeface="Noto Sans" panose="020B0502040504020204" pitchFamily="34" charset="0"/>
+                <a:ea typeface="KoPubWorld돋움체 Medium" panose="00000600000000000000" pitchFamily="2" charset="-127"/>
+                <a:cs typeface="Noto Sans" panose="020B0502040504020204" pitchFamily="34" charset="0"/>
+              </a:rPr>
+            </a:br>
+            <a:endParaRPr lang="en-US" altLang="ko-KR" sz="1200" dirty="0">
+              <a:latin typeface="Noto Sans" panose="020B0502040504020204" pitchFamily="34" charset="0"/>
+              <a:ea typeface="KoPubWorld돋움체 Medium" panose="00000600000000000000" pitchFamily="2" charset="-127"/>
+              <a:cs typeface="Noto Sans" panose="020B0502040504020204" pitchFamily="34" charset="0"/>
+            </a:endParaRPr>
+          </a:p>
+          <a:p>
+            <a:pPr marL="171450" indent="-171450">
+              <a:lnSpc>
+                <a:spcPct val="150000"/>
+              </a:lnSpc>
+              <a:buFont typeface="Wingdings" panose="05000000000000000000" pitchFamily="2" charset="2"/>
+              <a:buChar char="Ø"/>
+            </a:pPr>
+            <a:r>
+              <a:rPr lang="en-US" altLang="ko-KR" sz="1200" dirty="0">
+                <a:latin typeface="Noto Sans" panose="020B0502040504020204" pitchFamily="34" charset="0"/>
+                <a:ea typeface="KoPubWorld돋움체 Medium" panose="00000600000000000000" pitchFamily="2" charset="-127"/>
+                <a:cs typeface="Noto Sans" panose="020B0502040504020204" pitchFamily="34" charset="0"/>
+              </a:rPr>
+              <a:t>(1) LLM</a:t>
+            </a:r>
+            <a:r>
+              <a:rPr lang="ko-KR" altLang="en-US" sz="1200" dirty="0">
+                <a:latin typeface="Noto Sans" panose="020B0502040504020204" pitchFamily="34" charset="0"/>
+                <a:ea typeface="KoPubWorld돋움체 Medium" panose="00000600000000000000" pitchFamily="2" charset="-127"/>
+                <a:cs typeface="Noto Sans" panose="020B0502040504020204" pitchFamily="34" charset="0"/>
+              </a:rPr>
+              <a:t>으로부터 </a:t>
+            </a:r>
+            <a:r>
+              <a:rPr lang="en-US" altLang="ko-KR" sz="1200" dirty="0">
+                <a:latin typeface="Noto Sans" panose="020B0502040504020204" pitchFamily="34" charset="0"/>
+                <a:ea typeface="KoPubWorld돋움체 Medium" panose="00000600000000000000" pitchFamily="2" charset="-127"/>
+                <a:cs typeface="Noto Sans" panose="020B0502040504020204" pitchFamily="34" charset="0"/>
+              </a:rPr>
+              <a:t>SQL </a:t>
+            </a:r>
+            <a:r>
+              <a:rPr lang="ko-KR" altLang="en-US" sz="1200" dirty="0">
+                <a:latin typeface="Noto Sans" panose="020B0502040504020204" pitchFamily="34" charset="0"/>
+                <a:ea typeface="KoPubWorld돋움체 Medium" panose="00000600000000000000" pitchFamily="2" charset="-127"/>
+                <a:cs typeface="Noto Sans" panose="020B0502040504020204" pitchFamily="34" charset="0"/>
+              </a:rPr>
+              <a:t>쿼리를 생성하고 </a:t>
+            </a:r>
+            <a:br>
+              <a:rPr lang="en-US" altLang="ko-KR" sz="1200" dirty="0">
+                <a:latin typeface="Noto Sans" panose="020B0502040504020204" pitchFamily="34" charset="0"/>
+                <a:ea typeface="KoPubWorld돋움체 Medium" panose="00000600000000000000" pitchFamily="2" charset="-127"/>
+                <a:cs typeface="Noto Sans" panose="020B0502040504020204" pitchFamily="34" charset="0"/>
+              </a:rPr>
+            </a:br>
+            <a:r>
+              <a:rPr lang="en-US" altLang="ko-KR" sz="1200" dirty="0">
+                <a:latin typeface="Noto Sans" panose="020B0502040504020204" pitchFamily="34" charset="0"/>
+                <a:ea typeface="KoPubWorld돋움체 Medium" panose="00000600000000000000" pitchFamily="2" charset="-127"/>
+                <a:cs typeface="Noto Sans" panose="020B0502040504020204" pitchFamily="34" charset="0"/>
+              </a:rPr>
+              <a:t>(2) SQL</a:t>
+            </a:r>
+            <a:r>
+              <a:rPr lang="ko-KR" altLang="en-US" sz="1200" dirty="0">
+                <a:latin typeface="Noto Sans" panose="020B0502040504020204" pitchFamily="34" charset="0"/>
+                <a:ea typeface="KoPubWorld돋움체 Medium" panose="00000600000000000000" pitchFamily="2" charset="-127"/>
+                <a:cs typeface="Noto Sans" panose="020B0502040504020204" pitchFamily="34" charset="0"/>
+              </a:rPr>
+              <a:t>쿼리를 실행시켜 </a:t>
+            </a:r>
+            <a:r>
+              <a:rPr lang="en-US" altLang="ko-KR" sz="1200" dirty="0">
+                <a:latin typeface="Noto Sans" panose="020B0502040504020204" pitchFamily="34" charset="0"/>
+                <a:ea typeface="KoPubWorld돋움체 Medium" panose="00000600000000000000" pitchFamily="2" charset="-127"/>
+                <a:cs typeface="Noto Sans" panose="020B0502040504020204" pitchFamily="34" charset="0"/>
+              </a:rPr>
+              <a:t>DB</a:t>
+            </a:r>
+            <a:r>
+              <a:rPr lang="ko-KR" altLang="en-US" sz="1200" dirty="0">
+                <a:latin typeface="Noto Sans" panose="020B0502040504020204" pitchFamily="34" charset="0"/>
+                <a:ea typeface="KoPubWorld돋움체 Medium" panose="00000600000000000000" pitchFamily="2" charset="-127"/>
+                <a:cs typeface="Noto Sans" panose="020B0502040504020204" pitchFamily="34" charset="0"/>
+              </a:rPr>
+              <a:t>에서 정보를 추출한다</a:t>
+            </a:r>
+            <a:r>
+              <a:rPr lang="en-US" altLang="ko-KR" sz="1200" dirty="0">
+                <a:latin typeface="Noto Sans" panose="020B0502040504020204" pitchFamily="34" charset="0"/>
+                <a:ea typeface="KoPubWorld돋움체 Medium" panose="00000600000000000000" pitchFamily="2" charset="-127"/>
+                <a:cs typeface="Noto Sans" panose="020B0502040504020204" pitchFamily="34" charset="0"/>
+              </a:rPr>
+              <a:t>. </a:t>
+            </a:r>
+            <a:br>
+              <a:rPr lang="en-US" altLang="ko-KR" sz="1200" dirty="0">
+                <a:latin typeface="Noto Sans" panose="020B0502040504020204" pitchFamily="34" charset="0"/>
+                <a:ea typeface="KoPubWorld돋움체 Medium" panose="00000600000000000000" pitchFamily="2" charset="-127"/>
+                <a:cs typeface="Noto Sans" panose="020B0502040504020204" pitchFamily="34" charset="0"/>
+              </a:rPr>
+            </a:br>
+            <a:r>
+              <a:rPr lang="en-US" altLang="ko-KR" sz="1200" dirty="0">
+                <a:latin typeface="Noto Sans" panose="020B0502040504020204" pitchFamily="34" charset="0"/>
+                <a:ea typeface="KoPubWorld돋움체 Medium" panose="00000600000000000000" pitchFamily="2" charset="-127"/>
+                <a:cs typeface="Noto Sans" panose="020B0502040504020204" pitchFamily="34" charset="0"/>
+              </a:rPr>
+              <a:t>(3) </a:t>
+            </a:r>
+            <a:r>
+              <a:rPr lang="ko-KR" altLang="en-US" sz="1200" dirty="0">
+                <a:latin typeface="Noto Sans" panose="020B0502040504020204" pitchFamily="34" charset="0"/>
+                <a:ea typeface="KoPubWorld돋움체 Medium" panose="00000600000000000000" pitchFamily="2" charset="-127"/>
+                <a:cs typeface="Noto Sans" panose="020B0502040504020204" pitchFamily="34" charset="0"/>
+              </a:rPr>
+              <a:t>입력된 자연어 쿼리와 데이터베이스에서 추출한 정보를 입력하여 최종 자연어 답변을 생성한다</a:t>
+            </a:r>
+            <a:r>
+              <a:rPr lang="en-US" altLang="ko-KR" sz="1200" dirty="0">
+                <a:latin typeface="Noto Sans" panose="020B0502040504020204" pitchFamily="34" charset="0"/>
+                <a:ea typeface="KoPubWorld돋움체 Medium" panose="00000600000000000000" pitchFamily="2" charset="-127"/>
+                <a:cs typeface="Noto Sans" panose="020B0502040504020204" pitchFamily="34" charset="0"/>
+              </a:rPr>
+              <a:t>.</a:t>
+            </a:r>
+          </a:p>
+          <a:p>
+            <a:pPr marL="171450" indent="-171450">
+              <a:lnSpc>
+                <a:spcPct val="150000"/>
+              </a:lnSpc>
+              <a:buFont typeface="Wingdings" panose="05000000000000000000" pitchFamily="2" charset="2"/>
+              <a:buChar char="Ø"/>
+            </a:pPr>
+            <a:endParaRPr lang="en-US" altLang="ko-KR" sz="1200" dirty="0">
               <a:solidFill>
                 <a:schemeClr val="tx1"/>
               </a:solidFill>
@@ -12494,314 +15191,6 @@
           </a:p>
         </p:txBody>
       </p:sp>
-      <p:sp>
-        <p:nvSpPr>
-          <p:cNvPr id="16" name="TextBox 15">
-            <a:extLst>
-              <a:ext uri="{FF2B5EF4-FFF2-40B4-BE49-F238E27FC236}">
-                <a16:creationId xmlns:a16="http://schemas.microsoft.com/office/drawing/2014/main" id="{92CBD4D3-166B-CB50-452C-3E30D46273B8}"/>
-              </a:ext>
-            </a:extLst>
-          </p:cNvPr>
-          <p:cNvSpPr txBox="1"/>
-          <p:nvPr/>
-        </p:nvSpPr>
-        <p:spPr>
-          <a:xfrm>
-            <a:off x="728821" y="4161622"/>
-            <a:ext cx="6978650" cy="215444"/>
-          </a:xfrm>
-          <a:prstGeom prst="rect">
-            <a:avLst/>
-          </a:prstGeom>
-          <a:noFill/>
-        </p:spPr>
-        <p:txBody>
-          <a:bodyPr wrap="square">
-            <a:spAutoFit/>
-          </a:bodyPr>
-          <a:lstStyle/>
-          <a:p>
-            <a:r>
-              <a:rPr lang="ko-KR" altLang="en-US" sz="800" i="1" dirty="0" err="1">
-                <a:ea typeface="KoPubWorld돋움체 Medium" panose="00000600000000000000"/>
-              </a:rPr>
-              <a:t>카카오엔터프라이즈</a:t>
-            </a:r>
-            <a:r>
-              <a:rPr lang="en-US" altLang="ko-KR" sz="800" i="1" dirty="0">
-                <a:ea typeface="KoPubWorld돋움체 Medium" panose="00000600000000000000"/>
-              </a:rPr>
-              <a:t>(2023.07.21 </a:t>
-            </a:r>
-            <a:r>
-              <a:rPr lang="ko-KR" altLang="en-US" sz="800" i="1" dirty="0">
-                <a:ea typeface="KoPubWorld돋움체 Medium" panose="00000600000000000000"/>
-              </a:rPr>
-              <a:t>출원 </a:t>
-            </a:r>
-            <a:r>
-              <a:rPr lang="en-US" altLang="ko-KR" sz="800" i="1" dirty="0">
-                <a:ea typeface="KoPubWorld돋움체 Medium" panose="00000600000000000000"/>
-              </a:rPr>
-              <a:t>2025.02.03 </a:t>
-            </a:r>
-            <a:r>
-              <a:rPr lang="ko-KR" altLang="en-US" sz="800" i="1" dirty="0">
-                <a:ea typeface="KoPubWorld돋움체 Medium" panose="00000600000000000000"/>
-              </a:rPr>
-              <a:t>등록</a:t>
-            </a:r>
-            <a:r>
-              <a:rPr lang="en-US" altLang="ko-KR" sz="800" i="1" dirty="0">
-                <a:ea typeface="KoPubWorld돋움체 Medium" panose="00000600000000000000"/>
-              </a:rPr>
-              <a:t>)</a:t>
-            </a:r>
-            <a:endParaRPr lang="ko-KR" altLang="en-US" sz="800" i="1" dirty="0">
-              <a:ea typeface="KoPubWorld돋움체 Medium" panose="00000600000000000000"/>
-            </a:endParaRPr>
-          </a:p>
-        </p:txBody>
-      </p:sp>
-      <p:sp>
-        <p:nvSpPr>
-          <p:cNvPr id="18" name="TextBox 17">
-            <a:extLst>
-              <a:ext uri="{FF2B5EF4-FFF2-40B4-BE49-F238E27FC236}">
-                <a16:creationId xmlns:a16="http://schemas.microsoft.com/office/drawing/2014/main" id="{83F6F999-8BFC-FCA3-086C-4F1F792AE594}"/>
-              </a:ext>
-            </a:extLst>
-          </p:cNvPr>
-          <p:cNvSpPr txBox="1"/>
-          <p:nvPr/>
-        </p:nvSpPr>
-        <p:spPr>
-          <a:xfrm>
-            <a:off x="728821" y="4424344"/>
-            <a:ext cx="6863940" cy="571951"/>
-          </a:xfrm>
-          <a:prstGeom prst="rect">
-            <a:avLst/>
-          </a:prstGeom>
-          <a:noFill/>
-        </p:spPr>
-        <p:txBody>
-          <a:bodyPr wrap="square" rtlCol="0">
-            <a:spAutoFit/>
-          </a:bodyPr>
-          <a:lstStyle/>
-          <a:p>
-            <a:pPr>
-              <a:lnSpc>
-                <a:spcPct val="150000"/>
-              </a:lnSpc>
-            </a:pPr>
-            <a:r>
-              <a:rPr lang="ko-KR" altLang="en-US" sz="1100" dirty="0">
-                <a:solidFill>
-                  <a:schemeClr val="tx1"/>
-                </a:solidFill>
-                <a:latin typeface="Noto Sans" panose="020B0502040504020204" pitchFamily="34" charset="0"/>
-                <a:ea typeface="KoPubWorld돋움체 Medium" panose="00000600000000000000" pitchFamily="2" charset="-127"/>
-                <a:cs typeface="Noto Sans" panose="020B0502040504020204" pitchFamily="34" charset="0"/>
-              </a:rPr>
-              <a:t>자연어 쿼리에 기초하여 데이터베이스를 분류하고</a:t>
-            </a:r>
-            <a:r>
-              <a:rPr lang="en-US" altLang="ko-KR" sz="1100" dirty="0">
-                <a:solidFill>
-                  <a:schemeClr val="tx1"/>
-                </a:solidFill>
-                <a:latin typeface="Noto Sans" panose="020B0502040504020204" pitchFamily="34" charset="0"/>
-                <a:ea typeface="KoPubWorld돋움체 Medium" panose="00000600000000000000" pitchFamily="2" charset="-127"/>
-                <a:cs typeface="Noto Sans" panose="020B0502040504020204" pitchFamily="34" charset="0"/>
-              </a:rPr>
-              <a:t>, LLM</a:t>
-            </a:r>
-            <a:r>
-              <a:rPr lang="ko-KR" altLang="en-US" sz="1100" dirty="0">
-                <a:solidFill>
-                  <a:schemeClr val="tx1"/>
-                </a:solidFill>
-                <a:latin typeface="Noto Sans" panose="020B0502040504020204" pitchFamily="34" charset="0"/>
-                <a:ea typeface="KoPubWorld돋움체 Medium" panose="00000600000000000000" pitchFamily="2" charset="-127"/>
-                <a:cs typeface="Noto Sans" panose="020B0502040504020204" pitchFamily="34" charset="0"/>
-              </a:rPr>
-              <a:t>을 이용하여 </a:t>
-            </a:r>
-            <a:r>
-              <a:rPr lang="ko-KR" altLang="en-US" sz="1100" dirty="0">
-                <a:latin typeface="Noto Sans" panose="020B0502040504020204" pitchFamily="34" charset="0"/>
-                <a:ea typeface="KoPubWorld돋움체 Medium" panose="00000600000000000000" pitchFamily="2" charset="-127"/>
-                <a:cs typeface="Noto Sans" panose="020B0502040504020204" pitchFamily="34" charset="0"/>
-              </a:rPr>
-              <a:t>자연어 쿼리를 데이터베이스에 대응하는 </a:t>
-            </a:r>
-            <a:r>
-              <a:rPr lang="en-US" altLang="ko-KR" sz="1100" dirty="0">
-                <a:latin typeface="Noto Sans" panose="020B0502040504020204" pitchFamily="34" charset="0"/>
-                <a:ea typeface="KoPubWorld돋움체 Medium" panose="00000600000000000000" pitchFamily="2" charset="-127"/>
-                <a:cs typeface="Noto Sans" panose="020B0502040504020204" pitchFamily="34" charset="0"/>
-              </a:rPr>
-              <a:t>SQL </a:t>
-            </a:r>
-            <a:r>
-              <a:rPr lang="ko-KR" altLang="en-US" sz="1100" dirty="0">
-                <a:latin typeface="Noto Sans" panose="020B0502040504020204" pitchFamily="34" charset="0"/>
-                <a:ea typeface="KoPubWorld돋움체 Medium" panose="00000600000000000000" pitchFamily="2" charset="-127"/>
-                <a:cs typeface="Noto Sans" panose="020B0502040504020204" pitchFamily="34" charset="0"/>
-              </a:rPr>
-              <a:t>쿼리로 변환하는 자연어 처리 기술</a:t>
-            </a:r>
-            <a:endParaRPr lang="en-US" altLang="ko-KR" sz="1100" dirty="0">
-              <a:solidFill>
-                <a:schemeClr val="tx1"/>
-              </a:solidFill>
-              <a:latin typeface="Noto Sans" panose="020B0502040504020204" pitchFamily="34" charset="0"/>
-              <a:ea typeface="Noto Sans" panose="020B0502040504020204" pitchFamily="34" charset="0"/>
-              <a:cs typeface="Noto Sans" panose="020B0502040504020204" pitchFamily="34" charset="0"/>
-            </a:endParaRPr>
-          </a:p>
-        </p:txBody>
-      </p:sp>
-      <p:sp>
-        <p:nvSpPr>
-          <p:cNvPr id="19" name="TextBox 18">
-            <a:extLst>
-              <a:ext uri="{FF2B5EF4-FFF2-40B4-BE49-F238E27FC236}">
-                <a16:creationId xmlns:a16="http://schemas.microsoft.com/office/drawing/2014/main" id="{B3CE5744-C1BA-3BBA-C1F2-427868650483}"/>
-              </a:ext>
-            </a:extLst>
-          </p:cNvPr>
-          <p:cNvSpPr txBox="1"/>
-          <p:nvPr/>
-        </p:nvSpPr>
-        <p:spPr>
-          <a:xfrm>
-            <a:off x="728821" y="1755517"/>
-            <a:ext cx="6863940" cy="571951"/>
-          </a:xfrm>
-          <a:prstGeom prst="rect">
-            <a:avLst/>
-          </a:prstGeom>
-          <a:noFill/>
-        </p:spPr>
-        <p:txBody>
-          <a:bodyPr wrap="square" rtlCol="0">
-            <a:spAutoFit/>
-          </a:bodyPr>
-          <a:lstStyle/>
-          <a:p>
-            <a:pPr>
-              <a:lnSpc>
-                <a:spcPct val="150000"/>
-              </a:lnSpc>
-            </a:pPr>
-            <a:r>
-              <a:rPr lang="ko-KR" altLang="en-US" sz="1100" dirty="0">
-                <a:solidFill>
-                  <a:schemeClr val="tx1"/>
-                </a:solidFill>
-                <a:latin typeface="Noto Sans" panose="020B0502040504020204" pitchFamily="34" charset="0"/>
-                <a:ea typeface="KoPubWorld돋움체 Medium" panose="00000600000000000000" pitchFamily="2" charset="-127"/>
-                <a:cs typeface="Noto Sans" panose="020B0502040504020204" pitchFamily="34" charset="0"/>
-              </a:rPr>
-              <a:t>자연어 쿼리에 기초하여 데이터베이스를 분류하고</a:t>
-            </a:r>
-            <a:r>
-              <a:rPr lang="en-US" altLang="ko-KR" sz="1100" dirty="0">
-                <a:solidFill>
-                  <a:schemeClr val="tx1"/>
-                </a:solidFill>
-                <a:latin typeface="Noto Sans" panose="020B0502040504020204" pitchFamily="34" charset="0"/>
-                <a:ea typeface="KoPubWorld돋움체 Medium" panose="00000600000000000000" pitchFamily="2" charset="-127"/>
-                <a:cs typeface="Noto Sans" panose="020B0502040504020204" pitchFamily="34" charset="0"/>
-              </a:rPr>
-              <a:t>, LLM</a:t>
-            </a:r>
-            <a:r>
-              <a:rPr lang="ko-KR" altLang="en-US" sz="1100" dirty="0">
-                <a:solidFill>
-                  <a:schemeClr val="tx1"/>
-                </a:solidFill>
-                <a:latin typeface="Noto Sans" panose="020B0502040504020204" pitchFamily="34" charset="0"/>
-                <a:ea typeface="KoPubWorld돋움체 Medium" panose="00000600000000000000" pitchFamily="2" charset="-127"/>
-                <a:cs typeface="Noto Sans" panose="020B0502040504020204" pitchFamily="34" charset="0"/>
-              </a:rPr>
-              <a:t>을 이용하여 </a:t>
-            </a:r>
-            <a:r>
-              <a:rPr lang="ko-KR" altLang="en-US" sz="1100" dirty="0">
-                <a:latin typeface="Noto Sans" panose="020B0502040504020204" pitchFamily="34" charset="0"/>
-                <a:ea typeface="KoPubWorld돋움체 Medium" panose="00000600000000000000" pitchFamily="2" charset="-127"/>
-                <a:cs typeface="Noto Sans" panose="020B0502040504020204" pitchFamily="34" charset="0"/>
-              </a:rPr>
-              <a:t>자연어 쿼리를 데이터베이스에 대응하는 </a:t>
-            </a:r>
-            <a:r>
-              <a:rPr lang="en-US" altLang="ko-KR" sz="1100" dirty="0">
-                <a:latin typeface="Noto Sans" panose="020B0502040504020204" pitchFamily="34" charset="0"/>
-                <a:ea typeface="KoPubWorld돋움체 Medium" panose="00000600000000000000" pitchFamily="2" charset="-127"/>
-                <a:cs typeface="Noto Sans" panose="020B0502040504020204" pitchFamily="34" charset="0"/>
-              </a:rPr>
-              <a:t>SQL </a:t>
-            </a:r>
-            <a:r>
-              <a:rPr lang="ko-KR" altLang="en-US" sz="1100" dirty="0">
-                <a:latin typeface="Noto Sans" panose="020B0502040504020204" pitchFamily="34" charset="0"/>
-                <a:ea typeface="KoPubWorld돋움체 Medium" panose="00000600000000000000" pitchFamily="2" charset="-127"/>
-                <a:cs typeface="Noto Sans" panose="020B0502040504020204" pitchFamily="34" charset="0"/>
-              </a:rPr>
-              <a:t>쿼리로 변환하는 자연어 처리 기술</a:t>
-            </a:r>
-            <a:endParaRPr lang="en-US" altLang="ko-KR" sz="1100" dirty="0">
-              <a:solidFill>
-                <a:schemeClr val="tx1"/>
-              </a:solidFill>
-              <a:latin typeface="Noto Sans" panose="020B0502040504020204" pitchFamily="34" charset="0"/>
-              <a:ea typeface="Noto Sans" panose="020B0502040504020204" pitchFamily="34" charset="0"/>
-              <a:cs typeface="Noto Sans" panose="020B0502040504020204" pitchFamily="34" charset="0"/>
-            </a:endParaRPr>
-          </a:p>
-        </p:txBody>
-      </p:sp>
-      <p:pic>
-        <p:nvPicPr>
-          <p:cNvPr id="21" name="그림 20">
-            <a:extLst>
-              <a:ext uri="{FF2B5EF4-FFF2-40B4-BE49-F238E27FC236}">
-                <a16:creationId xmlns:a16="http://schemas.microsoft.com/office/drawing/2014/main" id="{81D1384C-DFE2-E746-C386-C6D25677A684}"/>
-              </a:ext>
-            </a:extLst>
-          </p:cNvPr>
-          <p:cNvPicPr>
-            <a:picLocks noChangeAspect="1"/>
-          </p:cNvPicPr>
-          <p:nvPr/>
-        </p:nvPicPr>
-        <p:blipFill>
-          <a:blip r:embed="rId4">
-            <a:extLst>
-              <a:ext uri="{28A0092B-C50C-407E-A947-70E740481C1C}">
-                <a14:useLocalDpi xmlns:a14="http://schemas.microsoft.com/office/drawing/2010/main" val="0"/>
-              </a:ext>
-            </a:extLst>
-          </a:blip>
-          <a:stretch>
-            <a:fillRect/>
-          </a:stretch>
-        </p:blipFill>
-        <p:spPr>
-          <a:xfrm>
-            <a:off x="8085025" y="3443246"/>
-            <a:ext cx="2247924" cy="3287781"/>
-          </a:xfrm>
-          <a:prstGeom prst="rect">
-            <a:avLst/>
-          </a:prstGeom>
-        </p:spPr>
-      </p:pic>
     </p:spTree>
     <p:extLst>
       <p:ext uri="{BB962C8B-B14F-4D97-AF65-F5344CB8AC3E}">
@@ -12816,6 +15205,2047 @@
 </file>
 
 <file path=ppt/slides/slide4.xml><?xml version="1.0" encoding="utf-8"?>
+<p:sld xmlns:a="http://schemas.openxmlformats.org/drawingml/2006/main" xmlns:r="http://schemas.openxmlformats.org/officeDocument/2006/relationships" xmlns:p="http://schemas.openxmlformats.org/presentationml/2006/main">
+  <p:cSld>
+    <p:spTree>
+      <p:nvGrpSpPr>
+        <p:cNvPr id="1" name="">
+          <a:extLst>
+            <a:ext uri="{FF2B5EF4-FFF2-40B4-BE49-F238E27FC236}">
+              <a16:creationId xmlns:a16="http://schemas.microsoft.com/office/drawing/2014/main" id="{796036EF-877B-12D7-0786-32732F6E0303}"/>
+            </a:ext>
+          </a:extLst>
+        </p:cNvPr>
+        <p:cNvGrpSpPr/>
+        <p:nvPr/>
+      </p:nvGrpSpPr>
+      <p:grpSpPr>
+        <a:xfrm>
+          <a:off x="0" y="0"/>
+          <a:ext cx="0" cy="0"/>
+          <a:chOff x="0" y="0"/>
+          <a:chExt cx="0" cy="0"/>
+        </a:xfrm>
+      </p:grpSpPr>
+      <p:sp>
+        <p:nvSpPr>
+          <p:cNvPr id="7" name="TextBox 6">
+            <a:extLst>
+              <a:ext uri="{FF2B5EF4-FFF2-40B4-BE49-F238E27FC236}">
+                <a16:creationId xmlns:a16="http://schemas.microsoft.com/office/drawing/2014/main" id="{6B97D9BC-6B01-7848-75F6-02F0E53223CA}"/>
+              </a:ext>
+            </a:extLst>
+          </p:cNvPr>
+          <p:cNvSpPr txBox="1"/>
+          <p:nvPr/>
+        </p:nvSpPr>
+        <p:spPr>
+          <a:xfrm>
+            <a:off x="70338" y="87923"/>
+            <a:ext cx="5636495" cy="461665"/>
+          </a:xfrm>
+          <a:prstGeom prst="rect">
+            <a:avLst/>
+          </a:prstGeom>
+          <a:noFill/>
+        </p:spPr>
+        <p:txBody>
+          <a:bodyPr wrap="square" rtlCol="0">
+            <a:spAutoFit/>
+          </a:bodyPr>
+          <a:lstStyle/>
+          <a:p>
+            <a:r>
+              <a:rPr lang="ko-KR" altLang="en-US" sz="2400" b="1" dirty="0">
+                <a:latin typeface="Noto Sans" panose="020B0502040504020204" pitchFamily="34" charset="0"/>
+                <a:ea typeface="KoPubWorld돋움체 Medium" panose="00000600000000000000" pitchFamily="2" charset="-127"/>
+                <a:cs typeface="Noto Sans" panose="020B0502040504020204" pitchFamily="34" charset="0"/>
+              </a:rPr>
+              <a:t>관련 연구</a:t>
+            </a:r>
+            <a:endParaRPr lang="ko-KR" altLang="en-US" sz="2400" dirty="0">
+              <a:latin typeface="Noto Sans" panose="020B0502040504020204" pitchFamily="34" charset="0"/>
+              <a:ea typeface="KoPubWorld돋움체 Medium" panose="00000600000000000000" pitchFamily="2" charset="-127"/>
+              <a:cs typeface="Noto Sans" panose="020B0502040504020204" pitchFamily="34" charset="0"/>
+            </a:endParaRPr>
+          </a:p>
+        </p:txBody>
+      </p:sp>
+      <p:sp>
+        <p:nvSpPr>
+          <p:cNvPr id="6" name="TextBox 5">
+            <a:extLst>
+              <a:ext uri="{FF2B5EF4-FFF2-40B4-BE49-F238E27FC236}">
+                <a16:creationId xmlns:a16="http://schemas.microsoft.com/office/drawing/2014/main" id="{01272997-001D-24BF-608B-BECE0113293B}"/>
+              </a:ext>
+            </a:extLst>
+          </p:cNvPr>
+          <p:cNvSpPr txBox="1"/>
+          <p:nvPr/>
+        </p:nvSpPr>
+        <p:spPr>
+          <a:xfrm>
+            <a:off x="11699631" y="6410326"/>
+            <a:ext cx="432460" cy="276999"/>
+          </a:xfrm>
+          <a:prstGeom prst="rect">
+            <a:avLst/>
+          </a:prstGeom>
+          <a:noFill/>
+        </p:spPr>
+        <p:txBody>
+          <a:bodyPr wrap="square" rtlCol="0">
+            <a:spAutoFit/>
+          </a:bodyPr>
+          <a:lstStyle/>
+          <a:p>
+            <a:r>
+              <a:rPr lang="en-US" altLang="ko-KR" sz="1200" b="1" dirty="0">
+                <a:latin typeface="Noto Sans" panose="020B0502040504020204" pitchFamily="34" charset="0"/>
+                <a:ea typeface="Noto Sans" panose="020B0502040504020204" pitchFamily="34" charset="0"/>
+                <a:cs typeface="Noto Sans" panose="020B0502040504020204" pitchFamily="34" charset="0"/>
+              </a:rPr>
+              <a:t>2</a:t>
+            </a:r>
+            <a:endParaRPr lang="ko-KR" altLang="en-US" sz="1200" b="1" dirty="0">
+              <a:latin typeface="Noto Sans" panose="020B0502040504020204" pitchFamily="34" charset="0"/>
+              <a:cs typeface="Noto Sans" panose="020B0502040504020204" pitchFamily="34" charset="0"/>
+            </a:endParaRPr>
+          </a:p>
+        </p:txBody>
+      </p:sp>
+      <p:sp>
+        <p:nvSpPr>
+          <p:cNvPr id="11" name="TextBox 10">
+            <a:extLst>
+              <a:ext uri="{FF2B5EF4-FFF2-40B4-BE49-F238E27FC236}">
+                <a16:creationId xmlns:a16="http://schemas.microsoft.com/office/drawing/2014/main" id="{17D43677-0CFA-7B3F-B57C-3DA34A42BF7C}"/>
+              </a:ext>
+            </a:extLst>
+          </p:cNvPr>
+          <p:cNvSpPr txBox="1"/>
+          <p:nvPr/>
+        </p:nvSpPr>
+        <p:spPr>
+          <a:xfrm>
+            <a:off x="562354" y="1801261"/>
+            <a:ext cx="6978650" cy="215444"/>
+          </a:xfrm>
+          <a:prstGeom prst="rect">
+            <a:avLst/>
+          </a:prstGeom>
+          <a:noFill/>
+        </p:spPr>
+        <p:txBody>
+          <a:bodyPr wrap="square">
+            <a:spAutoFit/>
+          </a:bodyPr>
+          <a:lstStyle/>
+          <a:p>
+            <a:r>
+              <a:rPr lang="en-US" altLang="ko-KR" sz="800" i="1" dirty="0"/>
+              <a:t>Enhancing Text-to-SQL Parsing through Question Rewriting and Execution-Guided Refinement​</a:t>
+            </a:r>
+            <a:r>
+              <a:rPr lang="en-US" altLang="ko-KR" sz="800" i="1" dirty="0">
+                <a:ea typeface="KoPubWorld돋움체 Medium" panose="00000600000000000000"/>
+              </a:rPr>
+              <a:t>, 2024</a:t>
+            </a:r>
+            <a:endParaRPr lang="ko-KR" altLang="en-US" sz="800" i="1" dirty="0">
+              <a:ea typeface="KoPubWorld돋움체 Medium" panose="00000600000000000000"/>
+            </a:endParaRPr>
+          </a:p>
+        </p:txBody>
+      </p:sp>
+      <p:sp>
+        <p:nvSpPr>
+          <p:cNvPr id="12" name="TextBox 11">
+            <a:extLst>
+              <a:ext uri="{FF2B5EF4-FFF2-40B4-BE49-F238E27FC236}">
+                <a16:creationId xmlns:a16="http://schemas.microsoft.com/office/drawing/2014/main" id="{FFC4FDB9-2395-482C-9D49-5B59D8F1D57E}"/>
+              </a:ext>
+            </a:extLst>
+          </p:cNvPr>
+          <p:cNvSpPr txBox="1"/>
+          <p:nvPr/>
+        </p:nvSpPr>
+        <p:spPr>
+          <a:xfrm>
+            <a:off x="562354" y="1359735"/>
+            <a:ext cx="6863940" cy="461665"/>
+          </a:xfrm>
+          <a:prstGeom prst="rect">
+            <a:avLst/>
+          </a:prstGeom>
+          <a:noFill/>
+        </p:spPr>
+        <p:txBody>
+          <a:bodyPr wrap="square" rtlCol="0">
+            <a:spAutoFit/>
+          </a:bodyPr>
+          <a:lstStyle/>
+          <a:p>
+            <a:pPr>
+              <a:lnSpc>
+                <a:spcPct val="150000"/>
+              </a:lnSpc>
+            </a:pPr>
+            <a:r>
+              <a:rPr lang="ko-KR" altLang="en-US" dirty="0">
+                <a:latin typeface="Noto Sans" panose="020B0502040504020204" pitchFamily="34" charset="0"/>
+                <a:ea typeface="Noto Sans" panose="020B0502040504020204" pitchFamily="34" charset="0"/>
+                <a:cs typeface="Noto Sans" panose="020B0502040504020204" pitchFamily="34" charset="0"/>
+              </a:rPr>
+              <a:t>자연어 질문을 먼저 정제한 후</a:t>
+            </a:r>
+            <a:r>
+              <a:rPr lang="en-US" altLang="ko-KR" dirty="0">
+                <a:latin typeface="Noto Sans" panose="020B0502040504020204" pitchFamily="34" charset="0"/>
+                <a:ea typeface="Noto Sans" panose="020B0502040504020204" pitchFamily="34" charset="0"/>
+                <a:cs typeface="Noto Sans" panose="020B0502040504020204" pitchFamily="34" charset="0"/>
+              </a:rPr>
+              <a:t>, SQL</a:t>
+            </a:r>
+            <a:r>
+              <a:rPr lang="ko-KR" altLang="en-US">
+                <a:latin typeface="Noto Sans" panose="020B0502040504020204" pitchFamily="34" charset="0"/>
+                <a:ea typeface="Noto Sans" panose="020B0502040504020204" pitchFamily="34" charset="0"/>
+                <a:cs typeface="Noto Sans" panose="020B0502040504020204" pitchFamily="34" charset="0"/>
+              </a:rPr>
+              <a:t> 쿼리를 </a:t>
+            </a:r>
+            <a:r>
+              <a:rPr lang="ko-KR" altLang="en-US" dirty="0">
+                <a:latin typeface="Noto Sans" panose="020B0502040504020204" pitchFamily="34" charset="0"/>
+                <a:ea typeface="Noto Sans" panose="020B0502040504020204" pitchFamily="34" charset="0"/>
+                <a:cs typeface="Noto Sans" panose="020B0502040504020204" pitchFamily="34" charset="0"/>
+              </a:rPr>
+              <a:t>생성하는 모델 제안</a:t>
+            </a:r>
+            <a:endParaRPr lang="en-US" altLang="ko-KR" dirty="0">
+              <a:solidFill>
+                <a:schemeClr val="tx1"/>
+              </a:solidFill>
+              <a:latin typeface="Noto Sans" panose="020B0502040504020204" pitchFamily="34" charset="0"/>
+              <a:ea typeface="Noto Sans" panose="020B0502040504020204" pitchFamily="34" charset="0"/>
+              <a:cs typeface="Noto Sans" panose="020B0502040504020204" pitchFamily="34" charset="0"/>
+            </a:endParaRPr>
+          </a:p>
+        </p:txBody>
+      </p:sp>
+      <p:sp>
+        <p:nvSpPr>
+          <p:cNvPr id="13" name="TextBox 12">
+            <a:extLst>
+              <a:ext uri="{FF2B5EF4-FFF2-40B4-BE49-F238E27FC236}">
+                <a16:creationId xmlns:a16="http://schemas.microsoft.com/office/drawing/2014/main" id="{7C970090-89B9-47E6-8957-338D4BB51656}"/>
+              </a:ext>
+            </a:extLst>
+          </p:cNvPr>
+          <p:cNvSpPr txBox="1"/>
+          <p:nvPr/>
+        </p:nvSpPr>
+        <p:spPr>
+          <a:xfrm>
+            <a:off x="562353" y="2498509"/>
+            <a:ext cx="7414583" cy="1447832"/>
+          </a:xfrm>
+          <a:prstGeom prst="rect">
+            <a:avLst/>
+          </a:prstGeom>
+          <a:noFill/>
+        </p:spPr>
+        <p:txBody>
+          <a:bodyPr wrap="square" rtlCol="0">
+            <a:spAutoFit/>
+          </a:bodyPr>
+          <a:lstStyle/>
+          <a:p>
+            <a:pPr marL="171450" indent="-171450">
+              <a:lnSpc>
+                <a:spcPct val="150000"/>
+              </a:lnSpc>
+              <a:buFont typeface="Wingdings" panose="05000000000000000000" pitchFamily="2" charset="2"/>
+              <a:buChar char="Ø"/>
+            </a:pPr>
+            <a:r>
+              <a:rPr lang="en-US" altLang="ko-KR" sz="1200" dirty="0">
+                <a:latin typeface="Noto Sans" panose="020B0502040504020204" pitchFamily="34" charset="0"/>
+                <a:ea typeface="Noto Sans" panose="020B0502040504020204" pitchFamily="34" charset="0"/>
+                <a:cs typeface="Noto Sans" panose="020B0502040504020204" pitchFamily="34" charset="0"/>
+              </a:rPr>
+              <a:t>LLM</a:t>
+            </a:r>
+            <a:r>
+              <a:rPr lang="ko-KR" altLang="en-US" sz="1200" dirty="0">
+                <a:latin typeface="Noto Sans" panose="020B0502040504020204" pitchFamily="34" charset="0"/>
+                <a:ea typeface="Noto Sans" panose="020B0502040504020204" pitchFamily="34" charset="0"/>
+                <a:cs typeface="Noto Sans" panose="020B0502040504020204" pitchFamily="34" charset="0"/>
+              </a:rPr>
+              <a:t>을 활용해 </a:t>
+            </a:r>
+            <a:r>
+              <a:rPr lang="en-US" altLang="ko-KR" sz="1200" dirty="0">
+                <a:latin typeface="Noto Sans" panose="020B0502040504020204" pitchFamily="34" charset="0"/>
+                <a:ea typeface="Noto Sans" panose="020B0502040504020204" pitchFamily="34" charset="0"/>
+                <a:cs typeface="Noto Sans" panose="020B0502040504020204" pitchFamily="34" charset="0"/>
+              </a:rPr>
+              <a:t>Text2SQL </a:t>
+            </a:r>
+            <a:r>
+              <a:rPr lang="ko-KR" altLang="en-US" sz="1200" dirty="0">
+                <a:latin typeface="Noto Sans" panose="020B0502040504020204" pitchFamily="34" charset="0"/>
+                <a:ea typeface="Noto Sans" panose="020B0502040504020204" pitchFamily="34" charset="0"/>
+                <a:cs typeface="Noto Sans" panose="020B0502040504020204" pitchFamily="34" charset="0"/>
+              </a:rPr>
+              <a:t>과정에서 데이터베이스의 내용과 실행 피드백을 활용하여 질문을 재작성</a:t>
+            </a:r>
+            <a:br>
+              <a:rPr lang="en-US" altLang="ko-KR" sz="1200" dirty="0">
+                <a:latin typeface="Noto Sans" panose="020B0502040504020204" pitchFamily="34" charset="0"/>
+                <a:ea typeface="Noto Sans" panose="020B0502040504020204" pitchFamily="34" charset="0"/>
+                <a:cs typeface="Noto Sans" panose="020B0502040504020204" pitchFamily="34" charset="0"/>
+              </a:rPr>
+            </a:br>
+            <a:endParaRPr lang="en-US" altLang="ko-KR" sz="1200" dirty="0">
+              <a:latin typeface="Noto Sans" panose="020B0502040504020204" pitchFamily="34" charset="0"/>
+              <a:ea typeface="Noto Sans" panose="020B0502040504020204" pitchFamily="34" charset="0"/>
+              <a:cs typeface="Noto Sans" panose="020B0502040504020204" pitchFamily="34" charset="0"/>
+            </a:endParaRPr>
+          </a:p>
+          <a:p>
+            <a:pPr marL="171450" indent="-171450">
+              <a:lnSpc>
+                <a:spcPct val="150000"/>
+              </a:lnSpc>
+              <a:buFont typeface="Wingdings" panose="05000000000000000000" pitchFamily="2" charset="2"/>
+              <a:buChar char="Ø"/>
+            </a:pPr>
+            <a:r>
+              <a:rPr lang="ko-KR" altLang="en-US" sz="1200" dirty="0">
+                <a:latin typeface="Noto Sans" panose="020B0502040504020204" pitchFamily="34" charset="0"/>
+                <a:ea typeface="Noto Sans" panose="020B0502040504020204" pitchFamily="34" charset="0"/>
+                <a:cs typeface="Noto Sans" panose="020B0502040504020204" pitchFamily="34" charset="0"/>
+              </a:rPr>
+              <a:t>생성된 </a:t>
+            </a:r>
+            <a:r>
+              <a:rPr lang="en-US" altLang="ko-KR" sz="1200" dirty="0">
+                <a:latin typeface="Noto Sans" panose="020B0502040504020204" pitchFamily="34" charset="0"/>
+                <a:ea typeface="Noto Sans" panose="020B0502040504020204" pitchFamily="34" charset="0"/>
+                <a:cs typeface="Noto Sans" panose="020B0502040504020204" pitchFamily="34" charset="0"/>
+              </a:rPr>
+              <a:t>SQL </a:t>
+            </a:r>
+            <a:r>
+              <a:rPr lang="ko-KR" altLang="en-US" sz="1200" dirty="0">
+                <a:latin typeface="Noto Sans" panose="020B0502040504020204" pitchFamily="34" charset="0"/>
+                <a:ea typeface="Noto Sans" panose="020B0502040504020204" pitchFamily="34" charset="0"/>
+                <a:cs typeface="Noto Sans" panose="020B0502040504020204" pitchFamily="34" charset="0"/>
+              </a:rPr>
+              <a:t>쿼리의 실행 결과를 통해 </a:t>
+            </a:r>
+            <a:r>
+              <a:rPr lang="en-US" altLang="ko-KR" sz="1200" dirty="0">
+                <a:latin typeface="Noto Sans" panose="020B0502040504020204" pitchFamily="34" charset="0"/>
+                <a:ea typeface="Noto Sans" panose="020B0502040504020204" pitchFamily="34" charset="0"/>
+                <a:cs typeface="Noto Sans" panose="020B0502040504020204" pitchFamily="34" charset="0"/>
+              </a:rPr>
+              <a:t>SQL </a:t>
+            </a:r>
+            <a:r>
+              <a:rPr lang="ko-KR" altLang="en-US" sz="1200" dirty="0">
+                <a:latin typeface="Noto Sans" panose="020B0502040504020204" pitchFamily="34" charset="0"/>
+                <a:ea typeface="Noto Sans" panose="020B0502040504020204" pitchFamily="34" charset="0"/>
+                <a:cs typeface="Noto Sans" panose="020B0502040504020204" pitchFamily="34" charset="0"/>
+              </a:rPr>
+              <a:t>쿼리를 반복적으로 정제하는 </a:t>
+            </a:r>
+            <a:r>
+              <a:rPr lang="en-US" altLang="ko-KR" sz="1200" dirty="0">
+                <a:latin typeface="Noto Sans" panose="020B0502040504020204" pitchFamily="34" charset="0"/>
+                <a:ea typeface="Noto Sans" panose="020B0502040504020204" pitchFamily="34" charset="0"/>
+                <a:cs typeface="Noto Sans" panose="020B0502040504020204" pitchFamily="34" charset="0"/>
+              </a:rPr>
+              <a:t>DART-SQL </a:t>
+            </a:r>
+            <a:r>
+              <a:rPr lang="ko-KR" altLang="en-US" sz="1200" dirty="0">
+                <a:latin typeface="Noto Sans" panose="020B0502040504020204" pitchFamily="34" charset="0"/>
+                <a:ea typeface="Noto Sans" panose="020B0502040504020204" pitchFamily="34" charset="0"/>
+                <a:cs typeface="Noto Sans" panose="020B0502040504020204" pitchFamily="34" charset="0"/>
+              </a:rPr>
+              <a:t>프레임워크 제안</a:t>
+            </a:r>
+            <a:br>
+              <a:rPr lang="en-US" altLang="ko-KR" sz="1200" dirty="0">
+                <a:latin typeface="Noto Sans" panose="020B0502040504020204" pitchFamily="34" charset="0"/>
+                <a:ea typeface="Noto Sans" panose="020B0502040504020204" pitchFamily="34" charset="0"/>
+                <a:cs typeface="Noto Sans" panose="020B0502040504020204" pitchFamily="34" charset="0"/>
+              </a:rPr>
+            </a:br>
+            <a:endParaRPr lang="en-US" altLang="ko-KR" sz="1200" dirty="0">
+              <a:latin typeface="Noto Sans" panose="020B0502040504020204" pitchFamily="34" charset="0"/>
+              <a:ea typeface="Noto Sans" panose="020B0502040504020204" pitchFamily="34" charset="0"/>
+              <a:cs typeface="Noto Sans" panose="020B0502040504020204" pitchFamily="34" charset="0"/>
+            </a:endParaRPr>
+          </a:p>
+          <a:p>
+            <a:pPr marL="171450" indent="-171450">
+              <a:lnSpc>
+                <a:spcPct val="150000"/>
+              </a:lnSpc>
+              <a:buFont typeface="Wingdings" panose="05000000000000000000" pitchFamily="2" charset="2"/>
+              <a:buChar char="Ø"/>
+            </a:pPr>
+            <a:r>
+              <a:rPr lang="en-US" altLang="ko-KR" sz="1200" dirty="0"/>
+              <a:t>Spider, Realistic </a:t>
+            </a:r>
+            <a:r>
+              <a:rPr lang="ko-KR" altLang="en-US" sz="1200" dirty="0"/>
+              <a:t>등 널리 사용되는 벤치마크에서 실행 정확도를 평균 </a:t>
+            </a:r>
+            <a:r>
+              <a:rPr lang="en-US" altLang="ko-KR" sz="1200" dirty="0"/>
+              <a:t>12.41% </a:t>
+            </a:r>
+            <a:r>
+              <a:rPr lang="ko-KR" altLang="en-US" sz="1200" dirty="0"/>
+              <a:t>향상</a:t>
+            </a:r>
+            <a:endParaRPr lang="en-US" altLang="ko-KR" sz="1200" dirty="0">
+              <a:latin typeface="Noto Sans" panose="020B0502040504020204" pitchFamily="34" charset="0"/>
+              <a:ea typeface="Noto Sans" panose="020B0502040504020204" pitchFamily="34" charset="0"/>
+              <a:cs typeface="Noto Sans" panose="020B0502040504020204" pitchFamily="34" charset="0"/>
+            </a:endParaRPr>
+          </a:p>
+        </p:txBody>
+      </p:sp>
+      <p:pic>
+        <p:nvPicPr>
+          <p:cNvPr id="5" name="그림 4">
+            <a:extLst>
+              <a:ext uri="{FF2B5EF4-FFF2-40B4-BE49-F238E27FC236}">
+                <a16:creationId xmlns:a16="http://schemas.microsoft.com/office/drawing/2014/main" id="{77FF5584-2074-45A5-BE3F-22E5CA879B65}"/>
+              </a:ext>
+            </a:extLst>
+          </p:cNvPr>
+          <p:cNvPicPr>
+            <a:picLocks noChangeAspect="1"/>
+          </p:cNvPicPr>
+          <p:nvPr/>
+        </p:nvPicPr>
+        <p:blipFill>
+          <a:blip r:embed="rId3"/>
+          <a:stretch>
+            <a:fillRect/>
+          </a:stretch>
+        </p:blipFill>
+        <p:spPr>
+          <a:xfrm>
+            <a:off x="1323889" y="4126227"/>
+            <a:ext cx="8765888" cy="2067318"/>
+          </a:xfrm>
+          <a:prstGeom prst="rect">
+            <a:avLst/>
+          </a:prstGeom>
+        </p:spPr>
+      </p:pic>
+    </p:spTree>
+    <p:extLst>
+      <p:ext uri="{BB962C8B-B14F-4D97-AF65-F5344CB8AC3E}">
+        <p14:creationId xmlns:p14="http://schemas.microsoft.com/office/powerpoint/2010/main" val="1791672033"/>
+      </p:ext>
+    </p:extLst>
+  </p:cSld>
+  <p:clrMapOvr>
+    <a:masterClrMapping/>
+  </p:clrMapOvr>
+</p:sld>
+</file>
+
+<file path=ppt/slides/slide5.xml><?xml version="1.0" encoding="utf-8"?>
+<p:sld xmlns:a="http://schemas.openxmlformats.org/drawingml/2006/main" xmlns:r="http://schemas.openxmlformats.org/officeDocument/2006/relationships" xmlns:p="http://schemas.openxmlformats.org/presentationml/2006/main">
+  <p:cSld>
+    <p:spTree>
+      <p:nvGrpSpPr>
+        <p:cNvPr id="1" name=""/>
+        <p:cNvGrpSpPr/>
+        <p:nvPr/>
+      </p:nvGrpSpPr>
+      <p:grpSpPr>
+        <a:xfrm>
+          <a:off x="0" y="0"/>
+          <a:ext cx="0" cy="0"/>
+          <a:chOff x="0" y="0"/>
+          <a:chExt cx="0" cy="0"/>
+        </a:xfrm>
+      </p:grpSpPr>
+      <p:sp>
+        <p:nvSpPr>
+          <p:cNvPr id="9" name="직사각형 8">
+            <a:extLst>
+              <a:ext uri="{FF2B5EF4-FFF2-40B4-BE49-F238E27FC236}">
+                <a16:creationId xmlns:a16="http://schemas.microsoft.com/office/drawing/2014/main" id="{D3DA6952-949D-48DF-A077-5A0DA7D77176}"/>
+              </a:ext>
+            </a:extLst>
+          </p:cNvPr>
+          <p:cNvSpPr/>
+          <p:nvPr/>
+        </p:nvSpPr>
+        <p:spPr>
+          <a:xfrm>
+            <a:off x="2670067" y="2460825"/>
+            <a:ext cx="4159357" cy="493070"/>
+          </a:xfrm>
+          <a:prstGeom prst="rect">
+            <a:avLst/>
+          </a:prstGeom>
+          <a:solidFill>
+            <a:srgbClr val="FFFF00"/>
+          </a:solidFill>
+          <a:ln>
+            <a:noFill/>
+          </a:ln>
+        </p:spPr>
+        <p:style>
+          <a:lnRef idx="2">
+            <a:schemeClr val="accent1">
+              <a:shade val="50000"/>
+            </a:schemeClr>
+          </a:lnRef>
+          <a:fillRef idx="1">
+            <a:schemeClr val="accent1"/>
+          </a:fillRef>
+          <a:effectRef idx="0">
+            <a:schemeClr val="accent1"/>
+          </a:effectRef>
+          <a:fontRef idx="minor">
+            <a:schemeClr val="lt1"/>
+          </a:fontRef>
+        </p:style>
+        <p:txBody>
+          <a:bodyPr rtlCol="0" anchor="ctr"/>
+          <a:lstStyle/>
+          <a:p>
+            <a:pPr algn="ctr"/>
+            <a:endParaRPr lang="ko-KR" altLang="en-US">
+              <a:latin typeface="Noto Sans" panose="020B0502040504020204" pitchFamily="34" charset="0"/>
+              <a:cs typeface="Noto Sans" panose="020B0502040504020204" pitchFamily="34" charset="0"/>
+            </a:endParaRPr>
+          </a:p>
+        </p:txBody>
+      </p:sp>
+      <p:sp>
+        <p:nvSpPr>
+          <p:cNvPr id="8" name="직사각형 7">
+            <a:extLst>
+              <a:ext uri="{FF2B5EF4-FFF2-40B4-BE49-F238E27FC236}">
+                <a16:creationId xmlns:a16="http://schemas.microsoft.com/office/drawing/2014/main" id="{6F7FC9EB-C216-43C2-A2A1-7432487BBC31}"/>
+              </a:ext>
+            </a:extLst>
+          </p:cNvPr>
+          <p:cNvSpPr/>
+          <p:nvPr/>
+        </p:nvSpPr>
+        <p:spPr>
+          <a:xfrm>
+            <a:off x="5320982" y="1820323"/>
+            <a:ext cx="3397326" cy="493070"/>
+          </a:xfrm>
+          <a:prstGeom prst="rect">
+            <a:avLst/>
+          </a:prstGeom>
+          <a:solidFill>
+            <a:srgbClr val="FFFF00"/>
+          </a:solidFill>
+          <a:ln>
+            <a:noFill/>
+          </a:ln>
+        </p:spPr>
+        <p:style>
+          <a:lnRef idx="2">
+            <a:schemeClr val="accent1">
+              <a:shade val="50000"/>
+            </a:schemeClr>
+          </a:lnRef>
+          <a:fillRef idx="1">
+            <a:schemeClr val="accent1"/>
+          </a:fillRef>
+          <a:effectRef idx="0">
+            <a:schemeClr val="accent1"/>
+          </a:effectRef>
+          <a:fontRef idx="minor">
+            <a:schemeClr val="lt1"/>
+          </a:fontRef>
+        </p:style>
+        <p:txBody>
+          <a:bodyPr rtlCol="0" anchor="ctr"/>
+          <a:lstStyle/>
+          <a:p>
+            <a:pPr algn="ctr"/>
+            <a:endParaRPr lang="ko-KR" altLang="en-US">
+              <a:latin typeface="Noto Sans" panose="020B0502040504020204" pitchFamily="34" charset="0"/>
+              <a:cs typeface="Noto Sans" panose="020B0502040504020204" pitchFamily="34" charset="0"/>
+            </a:endParaRPr>
+          </a:p>
+        </p:txBody>
+      </p:sp>
+      <p:sp>
+        <p:nvSpPr>
+          <p:cNvPr id="7" name="TextBox 6">
+            <a:extLst>
+              <a:ext uri="{FF2B5EF4-FFF2-40B4-BE49-F238E27FC236}">
+                <a16:creationId xmlns:a16="http://schemas.microsoft.com/office/drawing/2014/main" id="{EAD81958-EA21-43DB-8E66-3F0BC85E2F32}"/>
+              </a:ext>
+            </a:extLst>
+          </p:cNvPr>
+          <p:cNvSpPr txBox="1"/>
+          <p:nvPr/>
+        </p:nvSpPr>
+        <p:spPr>
+          <a:xfrm>
+            <a:off x="70338" y="87923"/>
+            <a:ext cx="2609255" cy="461665"/>
+          </a:xfrm>
+          <a:prstGeom prst="rect">
+            <a:avLst/>
+          </a:prstGeom>
+          <a:noFill/>
+        </p:spPr>
+        <p:txBody>
+          <a:bodyPr wrap="square" rtlCol="0">
+            <a:spAutoFit/>
+          </a:bodyPr>
+          <a:lstStyle/>
+          <a:p>
+            <a:r>
+              <a:rPr lang="ko-KR" altLang="en-US" sz="2400" b="1" dirty="0">
+                <a:latin typeface="Noto Sans" panose="020B0502040504020204" pitchFamily="34" charset="0"/>
+                <a:ea typeface="KoPubWorld돋움체 Medium" panose="00000600000000000000" pitchFamily="2" charset="-127"/>
+                <a:cs typeface="Noto Sans" panose="020B0502040504020204" pitchFamily="34" charset="0"/>
+              </a:rPr>
+              <a:t>발명 제안</a:t>
+            </a:r>
+          </a:p>
+        </p:txBody>
+      </p:sp>
+      <p:sp>
+        <p:nvSpPr>
+          <p:cNvPr id="5" name="TextBox 4">
+            <a:extLst>
+              <a:ext uri="{FF2B5EF4-FFF2-40B4-BE49-F238E27FC236}">
+                <a16:creationId xmlns:a16="http://schemas.microsoft.com/office/drawing/2014/main" id="{2553C700-CEBF-4F8D-A5D4-F420406A579D}"/>
+              </a:ext>
+            </a:extLst>
+          </p:cNvPr>
+          <p:cNvSpPr txBox="1"/>
+          <p:nvPr/>
+        </p:nvSpPr>
+        <p:spPr>
+          <a:xfrm>
+            <a:off x="935975" y="1683940"/>
+            <a:ext cx="10115956" cy="1331134"/>
+          </a:xfrm>
+          <a:prstGeom prst="rect">
+            <a:avLst/>
+          </a:prstGeom>
+          <a:noFill/>
+        </p:spPr>
+        <p:txBody>
+          <a:bodyPr wrap="square" rtlCol="0">
+            <a:spAutoFit/>
+          </a:bodyPr>
+          <a:lstStyle/>
+          <a:p>
+            <a:pPr algn="ctr">
+              <a:lnSpc>
+                <a:spcPct val="150000"/>
+              </a:lnSpc>
+            </a:pPr>
+            <a:r>
+              <a:rPr lang="ko-KR" altLang="en-US" sz="2800" b="1" dirty="0">
+                <a:latin typeface="Noto Sans" panose="020B0502040504020204" pitchFamily="34" charset="0"/>
+                <a:ea typeface="KoPubWorld돋움체 Medium" panose="00000600000000000000" pitchFamily="2" charset="-127"/>
+                <a:cs typeface="Noto Sans" panose="020B0502040504020204" pitchFamily="34" charset="0"/>
+              </a:rPr>
+              <a:t>비표준 질의문장을 </a:t>
+            </a:r>
+            <a:r>
+              <a:rPr lang="ko-KR" altLang="en-US" sz="2800" b="1" dirty="0">
+                <a:highlight>
+                  <a:srgbClr val="FFFF00"/>
+                </a:highlight>
+                <a:latin typeface="Noto Sans" panose="020B0502040504020204" pitchFamily="34" charset="0"/>
+                <a:ea typeface="KoPubWorld돋움체 Medium" panose="00000600000000000000" pitchFamily="2" charset="-127"/>
+                <a:cs typeface="Noto Sans" panose="020B0502040504020204" pitchFamily="34" charset="0"/>
+              </a:rPr>
+              <a:t>표준 질의문장으로 변환</a:t>
+            </a:r>
+            <a:r>
+              <a:rPr lang="ko-KR" altLang="en-US" sz="2800" b="1" dirty="0">
+                <a:latin typeface="Noto Sans" panose="020B0502040504020204" pitchFamily="34" charset="0"/>
+                <a:ea typeface="KoPubWorld돋움체 Medium" panose="00000600000000000000" pitchFamily="2" charset="-127"/>
+                <a:cs typeface="Noto Sans" panose="020B0502040504020204" pitchFamily="34" charset="0"/>
+              </a:rPr>
+              <a:t>하여</a:t>
+            </a:r>
+            <a:br>
+              <a:rPr lang="ko-KR" altLang="en-US" sz="2800" b="1" dirty="0">
+                <a:latin typeface="Noto Sans" panose="020B0502040504020204" pitchFamily="34" charset="0"/>
+                <a:ea typeface="KoPubWorld돋움체 Medium" panose="00000600000000000000" pitchFamily="2" charset="-127"/>
+                <a:cs typeface="Noto Sans" panose="020B0502040504020204" pitchFamily="34" charset="0"/>
+              </a:rPr>
+            </a:br>
+            <a:r>
+              <a:rPr lang="ko-KR" altLang="en-US" sz="2800" b="1" dirty="0">
+                <a:highlight>
+                  <a:srgbClr val="FFFF00"/>
+                </a:highlight>
+                <a:latin typeface="Noto Sans" panose="020B0502040504020204" pitchFamily="34" charset="0"/>
+                <a:ea typeface="KoPubWorld돋움체 Medium" panose="00000600000000000000" pitchFamily="2" charset="-127"/>
+                <a:cs typeface="Noto Sans" panose="020B0502040504020204" pitchFamily="34" charset="0"/>
+              </a:rPr>
+              <a:t>정확한</a:t>
+            </a:r>
+            <a:r>
+              <a:rPr lang="ko-KR" altLang="en-US" sz="2800" b="1" dirty="0">
+                <a:latin typeface="Noto Sans" panose="020B0502040504020204" pitchFamily="34" charset="0"/>
+                <a:ea typeface="KoPubWorld돋움체 Medium" panose="00000600000000000000" pitchFamily="2" charset="-127"/>
+                <a:cs typeface="Noto Sans" panose="020B0502040504020204" pitchFamily="34" charset="0"/>
+              </a:rPr>
+              <a:t> </a:t>
+            </a:r>
+            <a:r>
+              <a:rPr lang="en-US" altLang="ko-KR" sz="2800" b="1" dirty="0">
+                <a:latin typeface="Noto Sans" panose="020B0502040504020204" pitchFamily="34" charset="0"/>
+                <a:ea typeface="Noto Sans" panose="020B0502040504020204" pitchFamily="34" charset="0"/>
+                <a:cs typeface="Noto Sans" panose="020B0502040504020204" pitchFamily="34" charset="0"/>
+              </a:rPr>
+              <a:t>SQL </a:t>
+            </a:r>
+            <a:r>
+              <a:rPr lang="ko-KR" altLang="en-US" sz="2800" b="1" dirty="0">
+                <a:latin typeface="Noto Sans" panose="020B0502040504020204" pitchFamily="34" charset="0"/>
+                <a:ea typeface="KoPubWorld돋움체 Medium" panose="00000600000000000000" pitchFamily="2" charset="-127"/>
+                <a:cs typeface="Noto Sans" panose="020B0502040504020204" pitchFamily="34" charset="0"/>
+              </a:rPr>
+              <a:t>쿼리를 자동 생성하는 방법 및 장치</a:t>
+            </a:r>
+          </a:p>
+        </p:txBody>
+      </p:sp>
+      <p:sp>
+        <p:nvSpPr>
+          <p:cNvPr id="6" name="TextBox 5">
+            <a:extLst>
+              <a:ext uri="{FF2B5EF4-FFF2-40B4-BE49-F238E27FC236}">
+                <a16:creationId xmlns:a16="http://schemas.microsoft.com/office/drawing/2014/main" id="{1ED0C12D-8A33-43ED-AE19-1C486EBF0921}"/>
+              </a:ext>
+            </a:extLst>
+          </p:cNvPr>
+          <p:cNvSpPr txBox="1"/>
+          <p:nvPr/>
+        </p:nvSpPr>
+        <p:spPr>
+          <a:xfrm>
+            <a:off x="1762125" y="4139965"/>
+            <a:ext cx="9903803" cy="1304203"/>
+          </a:xfrm>
+          <a:prstGeom prst="rect">
+            <a:avLst/>
+          </a:prstGeom>
+          <a:noFill/>
+        </p:spPr>
+        <p:txBody>
+          <a:bodyPr wrap="square">
+            <a:spAutoFit/>
+          </a:bodyPr>
+          <a:lstStyle/>
+          <a:p>
+            <a:pPr algn="ctr">
+              <a:lnSpc>
+                <a:spcPct val="150000"/>
+              </a:lnSpc>
+            </a:pPr>
+            <a:r>
+              <a:rPr lang="en-US" altLang="ko-KR" dirty="0">
+                <a:solidFill>
+                  <a:srgbClr val="FF0000"/>
+                </a:solidFill>
+                <a:latin typeface="Noto Sans" panose="020B0502040504020204" pitchFamily="34" charset="0"/>
+                <a:ea typeface="Noto Sans" panose="020B0502040504020204" pitchFamily="34" charset="0"/>
+                <a:cs typeface="Noto Sans" panose="020B0502040504020204" pitchFamily="34" charset="0"/>
+              </a:rPr>
+              <a:t>LLM</a:t>
+            </a:r>
+            <a:r>
+              <a:rPr lang="ko-KR" altLang="en-US" dirty="0">
+                <a:solidFill>
+                  <a:srgbClr val="FF0000"/>
+                </a:solidFill>
+                <a:latin typeface="Noto Sans" panose="020B0502040504020204" pitchFamily="34" charset="0"/>
+                <a:ea typeface="KoPubWorld돋움체 Medium" panose="00000600000000000000" pitchFamily="2" charset="-127"/>
+                <a:cs typeface="Noto Sans" panose="020B0502040504020204" pitchFamily="34" charset="0"/>
+              </a:rPr>
+              <a:t>을 통해 비표준 질의문장을 생성</a:t>
+            </a:r>
+            <a:r>
+              <a:rPr lang="ko-KR" altLang="en-US" dirty="0">
+                <a:latin typeface="Noto Sans" panose="020B0502040504020204" pitchFamily="34" charset="0"/>
+                <a:ea typeface="KoPubWorld돋움체 Medium" panose="00000600000000000000" pitchFamily="2" charset="-127"/>
+                <a:cs typeface="Noto Sans" panose="020B0502040504020204" pitchFamily="34" charset="0"/>
+              </a:rPr>
+              <a:t>하고 이를 학습한 </a:t>
+            </a:r>
+            <a:r>
+              <a:rPr lang="ko-KR" altLang="en-US" dirty="0">
+                <a:solidFill>
+                  <a:srgbClr val="FF0000"/>
+                </a:solidFill>
+                <a:latin typeface="Noto Sans" panose="020B0502040504020204" pitchFamily="34" charset="0"/>
+                <a:ea typeface="KoPubWorld돋움체 Medium" panose="00000600000000000000" pitchFamily="2" charset="-127"/>
+                <a:cs typeface="Noto Sans" panose="020B0502040504020204" pitchFamily="34" charset="0"/>
+              </a:rPr>
+              <a:t>문장정제기</a:t>
+            </a:r>
+            <a:r>
+              <a:rPr lang="ko-KR" altLang="en-US" dirty="0">
+                <a:latin typeface="Noto Sans" panose="020B0502040504020204" pitchFamily="34" charset="0"/>
+                <a:ea typeface="KoPubWorld돋움체 Medium" panose="00000600000000000000" pitchFamily="2" charset="-127"/>
+                <a:cs typeface="Noto Sans" panose="020B0502040504020204" pitchFamily="34" charset="0"/>
+              </a:rPr>
+              <a:t>를 통해 일반 사용자의 </a:t>
+            </a:r>
+            <a:br>
+              <a:rPr lang="en-US" altLang="ko-KR" dirty="0">
+                <a:latin typeface="Noto Sans" panose="020B0502040504020204" pitchFamily="34" charset="0"/>
+                <a:ea typeface="Noto Sans" panose="020B0502040504020204" pitchFamily="34" charset="0"/>
+                <a:cs typeface="Noto Sans" panose="020B0502040504020204" pitchFamily="34" charset="0"/>
+              </a:rPr>
+            </a:br>
+            <a:r>
+              <a:rPr lang="ko-KR" altLang="en-US" dirty="0">
+                <a:solidFill>
+                  <a:srgbClr val="FF0000"/>
+                </a:solidFill>
+                <a:latin typeface="Noto Sans" panose="020B0502040504020204" pitchFamily="34" charset="0"/>
+                <a:ea typeface="KoPubWorld돋움체 Medium" panose="00000600000000000000" pitchFamily="2" charset="-127"/>
+                <a:cs typeface="Noto Sans" panose="020B0502040504020204" pitchFamily="34" charset="0"/>
+              </a:rPr>
+              <a:t>자연어 질의를 표준 질의문장으로 변환</a:t>
+            </a:r>
+            <a:r>
+              <a:rPr lang="ko-KR" altLang="en-US" dirty="0">
+                <a:latin typeface="Noto Sans" panose="020B0502040504020204" pitchFamily="34" charset="0"/>
+                <a:ea typeface="KoPubWorld돋움체 Medium" panose="00000600000000000000" pitchFamily="2" charset="-127"/>
+                <a:cs typeface="Noto Sans" panose="020B0502040504020204" pitchFamily="34" charset="0"/>
+              </a:rPr>
+              <a:t>하고</a:t>
+            </a:r>
+            <a:r>
+              <a:rPr lang="en-US" altLang="ko-KR" dirty="0">
+                <a:latin typeface="Noto Sans" panose="020B0502040504020204" pitchFamily="34" charset="0"/>
+                <a:ea typeface="Noto Sans" panose="020B0502040504020204" pitchFamily="34" charset="0"/>
+                <a:cs typeface="Noto Sans" panose="020B0502040504020204" pitchFamily="34" charset="0"/>
+              </a:rPr>
+              <a:t>, </a:t>
+            </a:r>
+            <a:r>
+              <a:rPr lang="ko-KR" altLang="en-US" dirty="0">
+                <a:latin typeface="Noto Sans" panose="020B0502040504020204" pitchFamily="34" charset="0"/>
+                <a:ea typeface="KoPubWorld돋움체 Medium" panose="00000600000000000000" pitchFamily="2" charset="-127"/>
+                <a:cs typeface="Noto Sans" panose="020B0502040504020204" pitchFamily="34" charset="0"/>
+              </a:rPr>
+              <a:t>이를 </a:t>
+            </a:r>
+            <a:r>
+              <a:rPr lang="en-US" altLang="ko-KR" dirty="0">
+                <a:latin typeface="Noto Sans" panose="020B0502040504020204" pitchFamily="34" charset="0"/>
+                <a:ea typeface="Noto Sans" panose="020B0502040504020204" pitchFamily="34" charset="0"/>
+                <a:cs typeface="Noto Sans" panose="020B0502040504020204" pitchFamily="34" charset="0"/>
+              </a:rPr>
+              <a:t>Text2SQL </a:t>
+            </a:r>
+            <a:r>
+              <a:rPr lang="ko-KR" altLang="en-US" dirty="0">
+                <a:latin typeface="Noto Sans" panose="020B0502040504020204" pitchFamily="34" charset="0"/>
+                <a:ea typeface="KoPubWorld돋움체 Medium" panose="00000600000000000000" pitchFamily="2" charset="-127"/>
+                <a:cs typeface="Noto Sans" panose="020B0502040504020204" pitchFamily="34" charset="0"/>
+              </a:rPr>
+              <a:t>모델의 입력으로 활용하여 보다 </a:t>
+            </a:r>
+            <a:br>
+              <a:rPr lang="en-US" altLang="ko-KR" dirty="0">
+                <a:latin typeface="Noto Sans" panose="020B0502040504020204" pitchFamily="34" charset="0"/>
+                <a:ea typeface="Noto Sans" panose="020B0502040504020204" pitchFamily="34" charset="0"/>
+                <a:cs typeface="Noto Sans" panose="020B0502040504020204" pitchFamily="34" charset="0"/>
+              </a:rPr>
+            </a:br>
+            <a:r>
+              <a:rPr lang="ko-KR" altLang="en-US" dirty="0">
+                <a:latin typeface="Noto Sans" panose="020B0502040504020204" pitchFamily="34" charset="0"/>
+                <a:ea typeface="KoPubWorld돋움체 Medium" panose="00000600000000000000" pitchFamily="2" charset="-127"/>
+                <a:cs typeface="Noto Sans" panose="020B0502040504020204" pitchFamily="34" charset="0"/>
+              </a:rPr>
+              <a:t>정확한 </a:t>
+            </a:r>
+            <a:r>
+              <a:rPr lang="en-US" altLang="ko-KR" dirty="0">
+                <a:latin typeface="Noto Sans" panose="020B0502040504020204" pitchFamily="34" charset="0"/>
+                <a:ea typeface="Noto Sans" panose="020B0502040504020204" pitchFamily="34" charset="0"/>
+                <a:cs typeface="Noto Sans" panose="020B0502040504020204" pitchFamily="34" charset="0"/>
+              </a:rPr>
+              <a:t>SQL </a:t>
+            </a:r>
+            <a:r>
+              <a:rPr lang="ko-KR" altLang="en-US" dirty="0">
+                <a:latin typeface="Noto Sans" panose="020B0502040504020204" pitchFamily="34" charset="0"/>
+                <a:ea typeface="KoPubWorld돋움체 Medium" panose="00000600000000000000" pitchFamily="2" charset="-127"/>
+                <a:cs typeface="Noto Sans" panose="020B0502040504020204" pitchFamily="34" charset="0"/>
+              </a:rPr>
+              <a:t>쿼리를 생성하는 ‘비표준 질의문장 정제 기반 </a:t>
+            </a:r>
+            <a:r>
+              <a:rPr lang="en-US" altLang="ko-KR" dirty="0">
+                <a:latin typeface="Noto Sans" panose="020B0502040504020204" pitchFamily="34" charset="0"/>
+                <a:ea typeface="Noto Sans" panose="020B0502040504020204" pitchFamily="34" charset="0"/>
+                <a:cs typeface="Noto Sans" panose="020B0502040504020204" pitchFamily="34" charset="0"/>
+              </a:rPr>
+              <a:t>SQL </a:t>
+            </a:r>
+            <a:r>
+              <a:rPr lang="ko-KR" altLang="en-US" dirty="0">
+                <a:latin typeface="Noto Sans" panose="020B0502040504020204" pitchFamily="34" charset="0"/>
+                <a:ea typeface="KoPubWorld돋움체 Medium" panose="00000600000000000000" pitchFamily="2" charset="-127"/>
+                <a:cs typeface="Noto Sans" panose="020B0502040504020204" pitchFamily="34" charset="0"/>
+              </a:rPr>
+              <a:t>자동 생성 방법 및 장치’ 를 개발</a:t>
+            </a:r>
+          </a:p>
+        </p:txBody>
+      </p:sp>
+      <p:sp>
+        <p:nvSpPr>
+          <p:cNvPr id="4" name="화살표: 오른쪽 3">
+            <a:extLst>
+              <a:ext uri="{FF2B5EF4-FFF2-40B4-BE49-F238E27FC236}">
+                <a16:creationId xmlns:a16="http://schemas.microsoft.com/office/drawing/2014/main" id="{6498B3C4-9D6B-47EB-83DA-E390C64AD977}"/>
+              </a:ext>
+            </a:extLst>
+          </p:cNvPr>
+          <p:cNvSpPr/>
+          <p:nvPr/>
+        </p:nvSpPr>
+        <p:spPr>
+          <a:xfrm>
+            <a:off x="561975" y="4410075"/>
+            <a:ext cx="1200150" cy="763985"/>
+          </a:xfrm>
+          <a:prstGeom prst="rightArrow">
+            <a:avLst/>
+          </a:prstGeom>
+        </p:spPr>
+        <p:style>
+          <a:lnRef idx="2">
+            <a:schemeClr val="accent1">
+              <a:shade val="50000"/>
+            </a:schemeClr>
+          </a:lnRef>
+          <a:fillRef idx="1">
+            <a:schemeClr val="accent1"/>
+          </a:fillRef>
+          <a:effectRef idx="0">
+            <a:schemeClr val="accent1"/>
+          </a:effectRef>
+          <a:fontRef idx="minor">
+            <a:schemeClr val="lt1"/>
+          </a:fontRef>
+        </p:style>
+        <p:txBody>
+          <a:bodyPr rtlCol="0" anchor="ctr"/>
+          <a:lstStyle/>
+          <a:p>
+            <a:pPr algn="ctr"/>
+            <a:endParaRPr lang="ko-KR" altLang="en-US">
+              <a:latin typeface="Noto Sans" panose="020B0502040504020204" pitchFamily="34" charset="0"/>
+              <a:cs typeface="Noto Sans" panose="020B0502040504020204" pitchFamily="34" charset="0"/>
+            </a:endParaRPr>
+          </a:p>
+        </p:txBody>
+      </p:sp>
+      <p:sp>
+        <p:nvSpPr>
+          <p:cNvPr id="10" name="TextBox 9">
+            <a:extLst>
+              <a:ext uri="{FF2B5EF4-FFF2-40B4-BE49-F238E27FC236}">
+                <a16:creationId xmlns:a16="http://schemas.microsoft.com/office/drawing/2014/main" id="{6658A700-2225-4D15-BAF2-F6B94B3D50BE}"/>
+              </a:ext>
+            </a:extLst>
+          </p:cNvPr>
+          <p:cNvSpPr txBox="1"/>
+          <p:nvPr/>
+        </p:nvSpPr>
+        <p:spPr>
+          <a:xfrm>
+            <a:off x="11699631" y="6410326"/>
+            <a:ext cx="432460" cy="276999"/>
+          </a:xfrm>
+          <a:prstGeom prst="rect">
+            <a:avLst/>
+          </a:prstGeom>
+          <a:noFill/>
+        </p:spPr>
+        <p:txBody>
+          <a:bodyPr wrap="square" rtlCol="0">
+            <a:spAutoFit/>
+          </a:bodyPr>
+          <a:lstStyle/>
+          <a:p>
+            <a:r>
+              <a:rPr lang="en-US" altLang="ko-KR" sz="1200" b="1" dirty="0">
+                <a:latin typeface="Noto Sans" panose="020B0502040504020204" pitchFamily="34" charset="0"/>
+                <a:cs typeface="Noto Sans" panose="020B0502040504020204" pitchFamily="34" charset="0"/>
+              </a:rPr>
+              <a:t>4</a:t>
+            </a:r>
+            <a:endParaRPr lang="ko-KR" altLang="en-US" sz="1200" b="1" dirty="0">
+              <a:latin typeface="Noto Sans" panose="020B0502040504020204" pitchFamily="34" charset="0"/>
+              <a:cs typeface="Noto Sans" panose="020B0502040504020204" pitchFamily="34" charset="0"/>
+            </a:endParaRPr>
+          </a:p>
+        </p:txBody>
+      </p:sp>
+    </p:spTree>
+    <p:extLst>
+      <p:ext uri="{BB962C8B-B14F-4D97-AF65-F5344CB8AC3E}">
+        <p14:creationId xmlns:p14="http://schemas.microsoft.com/office/powerpoint/2010/main" val="2348409814"/>
+      </p:ext>
+    </p:extLst>
+  </p:cSld>
+  <p:clrMapOvr>
+    <a:masterClrMapping/>
+  </p:clrMapOvr>
+</p:sld>
+</file>
+
+<file path=ppt/slides/slide6.xml><?xml version="1.0" encoding="utf-8"?>
+<p:sld xmlns:a="http://schemas.openxmlformats.org/drawingml/2006/main" xmlns:r="http://schemas.openxmlformats.org/officeDocument/2006/relationships" xmlns:p="http://schemas.openxmlformats.org/presentationml/2006/main">
+  <p:cSld>
+    <p:spTree>
+      <p:nvGrpSpPr>
+        <p:cNvPr id="1" name=""/>
+        <p:cNvGrpSpPr/>
+        <p:nvPr/>
+      </p:nvGrpSpPr>
+      <p:grpSpPr>
+        <a:xfrm>
+          <a:off x="0" y="0"/>
+          <a:ext cx="0" cy="0"/>
+          <a:chOff x="0" y="0"/>
+          <a:chExt cx="0" cy="0"/>
+        </a:xfrm>
+      </p:grpSpPr>
+      <p:sp>
+        <p:nvSpPr>
+          <p:cNvPr id="7" name="TextBox 6">
+            <a:extLst>
+              <a:ext uri="{FF2B5EF4-FFF2-40B4-BE49-F238E27FC236}">
+                <a16:creationId xmlns:a16="http://schemas.microsoft.com/office/drawing/2014/main" id="{EAD81958-EA21-43DB-8E66-3F0BC85E2F32}"/>
+              </a:ext>
+            </a:extLst>
+          </p:cNvPr>
+          <p:cNvSpPr txBox="1"/>
+          <p:nvPr/>
+        </p:nvSpPr>
+        <p:spPr>
+          <a:xfrm>
+            <a:off x="70338" y="87923"/>
+            <a:ext cx="2609255" cy="461665"/>
+          </a:xfrm>
+          <a:prstGeom prst="rect">
+            <a:avLst/>
+          </a:prstGeom>
+          <a:noFill/>
+        </p:spPr>
+        <p:txBody>
+          <a:bodyPr wrap="square" rtlCol="0">
+            <a:spAutoFit/>
+          </a:bodyPr>
+          <a:lstStyle/>
+          <a:p>
+            <a:r>
+              <a:rPr lang="ko-KR" altLang="en-US" sz="2400" b="1" dirty="0">
+                <a:latin typeface="Noto Sans" panose="020B0502040504020204" pitchFamily="34" charset="0"/>
+                <a:ea typeface="KoPubWorld돋움체 Medium" panose="00000600000000000000" pitchFamily="2" charset="-127"/>
+                <a:cs typeface="Noto Sans" panose="020B0502040504020204" pitchFamily="34" charset="0"/>
+              </a:rPr>
+              <a:t>발명 제안</a:t>
+            </a:r>
+          </a:p>
+        </p:txBody>
+      </p:sp>
+      <p:sp>
+        <p:nvSpPr>
+          <p:cNvPr id="19" name="직사각형 18">
+            <a:extLst>
+              <a:ext uri="{FF2B5EF4-FFF2-40B4-BE49-F238E27FC236}">
+                <a16:creationId xmlns:a16="http://schemas.microsoft.com/office/drawing/2014/main" id="{05488D78-CAE0-48D9-A40B-D9C186391F66}"/>
+              </a:ext>
+            </a:extLst>
+          </p:cNvPr>
+          <p:cNvSpPr/>
+          <p:nvPr/>
+        </p:nvSpPr>
+        <p:spPr>
+          <a:xfrm>
+            <a:off x="809625" y="1105174"/>
+            <a:ext cx="10275292" cy="1509161"/>
+          </a:xfrm>
+          <a:prstGeom prst="rect">
+            <a:avLst/>
+          </a:prstGeom>
+          <a:ln w="38100"/>
+          <a:effectLst/>
+        </p:spPr>
+        <p:style>
+          <a:lnRef idx="2">
+            <a:schemeClr val="accent1"/>
+          </a:lnRef>
+          <a:fillRef idx="1">
+            <a:schemeClr val="lt1"/>
+          </a:fillRef>
+          <a:effectRef idx="0">
+            <a:schemeClr val="accent1"/>
+          </a:effectRef>
+          <a:fontRef idx="minor">
+            <a:schemeClr val="dk1"/>
+          </a:fontRef>
+        </p:style>
+        <p:txBody>
+          <a:bodyPr rtlCol="0" anchor="ctr"/>
+          <a:lstStyle/>
+          <a:p>
+            <a:pPr algn="ctr"/>
+            <a:endParaRPr lang="ko-KR" altLang="en-US" dirty="0">
+              <a:latin typeface="Noto Sans" panose="020B0502040504020204" pitchFamily="34" charset="0"/>
+              <a:ea typeface="KoPubWorld돋움체 Medium" panose="00000600000000000000" pitchFamily="2" charset="-127"/>
+              <a:cs typeface="Noto Sans" panose="020B0502040504020204" pitchFamily="34" charset="0"/>
+            </a:endParaRPr>
+          </a:p>
+        </p:txBody>
+      </p:sp>
+      <p:sp>
+        <p:nvSpPr>
+          <p:cNvPr id="20" name="직사각형 19">
+            <a:extLst>
+              <a:ext uri="{FF2B5EF4-FFF2-40B4-BE49-F238E27FC236}">
+                <a16:creationId xmlns:a16="http://schemas.microsoft.com/office/drawing/2014/main" id="{9608905D-0F8B-4243-94A7-501ED255CA47}"/>
+              </a:ext>
+            </a:extLst>
+          </p:cNvPr>
+          <p:cNvSpPr/>
+          <p:nvPr/>
+        </p:nvSpPr>
+        <p:spPr>
+          <a:xfrm>
+            <a:off x="809625" y="2909930"/>
+            <a:ext cx="10275292" cy="1509161"/>
+          </a:xfrm>
+          <a:prstGeom prst="rect">
+            <a:avLst/>
+          </a:prstGeom>
+          <a:ln w="38100"/>
+          <a:effectLst/>
+        </p:spPr>
+        <p:style>
+          <a:lnRef idx="2">
+            <a:schemeClr val="accent1"/>
+          </a:lnRef>
+          <a:fillRef idx="1">
+            <a:schemeClr val="lt1"/>
+          </a:fillRef>
+          <a:effectRef idx="0">
+            <a:schemeClr val="accent1"/>
+          </a:effectRef>
+          <a:fontRef idx="minor">
+            <a:schemeClr val="dk1"/>
+          </a:fontRef>
+        </p:style>
+        <p:txBody>
+          <a:bodyPr rtlCol="0" anchor="ctr"/>
+          <a:lstStyle/>
+          <a:p>
+            <a:pPr algn="ctr"/>
+            <a:endParaRPr lang="ko-KR" altLang="en-US">
+              <a:latin typeface="Noto Sans" panose="020B0502040504020204" pitchFamily="34" charset="0"/>
+              <a:ea typeface="KoPubWorld돋움체 Medium" panose="00000600000000000000" pitchFamily="2" charset="-127"/>
+              <a:cs typeface="Noto Sans" panose="020B0502040504020204" pitchFamily="34" charset="0"/>
+            </a:endParaRPr>
+          </a:p>
+        </p:txBody>
+      </p:sp>
+      <p:sp>
+        <p:nvSpPr>
+          <p:cNvPr id="21" name="직사각형 20">
+            <a:extLst>
+              <a:ext uri="{FF2B5EF4-FFF2-40B4-BE49-F238E27FC236}">
+                <a16:creationId xmlns:a16="http://schemas.microsoft.com/office/drawing/2014/main" id="{AF133C12-DC48-4BB0-A7D9-AC9F96395CDF}"/>
+              </a:ext>
+            </a:extLst>
+          </p:cNvPr>
+          <p:cNvSpPr/>
+          <p:nvPr/>
+        </p:nvSpPr>
+        <p:spPr>
+          <a:xfrm>
+            <a:off x="809625" y="4714685"/>
+            <a:ext cx="10275292" cy="1509161"/>
+          </a:xfrm>
+          <a:prstGeom prst="rect">
+            <a:avLst/>
+          </a:prstGeom>
+          <a:ln w="38100"/>
+          <a:effectLst/>
+        </p:spPr>
+        <p:style>
+          <a:lnRef idx="2">
+            <a:schemeClr val="accent1"/>
+          </a:lnRef>
+          <a:fillRef idx="1">
+            <a:schemeClr val="lt1"/>
+          </a:fillRef>
+          <a:effectRef idx="0">
+            <a:schemeClr val="accent1"/>
+          </a:effectRef>
+          <a:fontRef idx="minor">
+            <a:schemeClr val="dk1"/>
+          </a:fontRef>
+        </p:style>
+        <p:txBody>
+          <a:bodyPr rtlCol="0" anchor="ctr"/>
+          <a:lstStyle/>
+          <a:p>
+            <a:pPr algn="ctr"/>
+            <a:endParaRPr lang="ko-KR" altLang="en-US">
+              <a:latin typeface="Noto Sans" panose="020B0502040504020204" pitchFamily="34" charset="0"/>
+              <a:ea typeface="KoPubWorld돋움체 Medium" panose="00000600000000000000" pitchFamily="2" charset="-127"/>
+              <a:cs typeface="Noto Sans" panose="020B0502040504020204" pitchFamily="34" charset="0"/>
+            </a:endParaRPr>
+          </a:p>
+        </p:txBody>
+      </p:sp>
+      <p:sp>
+        <p:nvSpPr>
+          <p:cNvPr id="22" name="TextBox 21">
+            <a:extLst>
+              <a:ext uri="{FF2B5EF4-FFF2-40B4-BE49-F238E27FC236}">
+                <a16:creationId xmlns:a16="http://schemas.microsoft.com/office/drawing/2014/main" id="{F86D6893-6107-4A2C-A632-41120DEF5BFB}"/>
+              </a:ext>
+            </a:extLst>
+          </p:cNvPr>
+          <p:cNvSpPr txBox="1"/>
+          <p:nvPr/>
+        </p:nvSpPr>
+        <p:spPr>
+          <a:xfrm>
+            <a:off x="1380226" y="1659699"/>
+            <a:ext cx="1173193" cy="400110"/>
+          </a:xfrm>
+          <a:prstGeom prst="rect">
+            <a:avLst/>
+          </a:prstGeom>
+          <a:noFill/>
+        </p:spPr>
+        <p:txBody>
+          <a:bodyPr wrap="square" rtlCol="0">
+            <a:spAutoFit/>
+          </a:bodyPr>
+          <a:lstStyle/>
+          <a:p>
+            <a:pPr algn="ctr"/>
+            <a:r>
+              <a:rPr lang="en-US" altLang="ko-KR" sz="2000" b="1" dirty="0">
+                <a:latin typeface="Noto Sans" panose="020B0502040504020204" pitchFamily="34" charset="0"/>
+                <a:ea typeface="Noto Sans" panose="020B0502040504020204" pitchFamily="34" charset="0"/>
+                <a:cs typeface="Noto Sans" panose="020B0502040504020204" pitchFamily="34" charset="0"/>
+              </a:rPr>
+              <a:t>IDEA 1</a:t>
+            </a:r>
+            <a:endParaRPr lang="ko-KR" altLang="en-US" sz="2000" b="1" dirty="0">
+              <a:latin typeface="Noto Sans" panose="020B0502040504020204" pitchFamily="34" charset="0"/>
+              <a:ea typeface="KoPubWorld돋움체 Medium" panose="00000600000000000000" pitchFamily="2" charset="-127"/>
+              <a:cs typeface="Noto Sans" panose="020B0502040504020204" pitchFamily="34" charset="0"/>
+            </a:endParaRPr>
+          </a:p>
+        </p:txBody>
+      </p:sp>
+      <p:sp>
+        <p:nvSpPr>
+          <p:cNvPr id="23" name="TextBox 22">
+            <a:extLst>
+              <a:ext uri="{FF2B5EF4-FFF2-40B4-BE49-F238E27FC236}">
+                <a16:creationId xmlns:a16="http://schemas.microsoft.com/office/drawing/2014/main" id="{36690F04-74E6-463F-AABE-37614D89E28B}"/>
+              </a:ext>
+            </a:extLst>
+          </p:cNvPr>
+          <p:cNvSpPr txBox="1"/>
+          <p:nvPr/>
+        </p:nvSpPr>
+        <p:spPr>
+          <a:xfrm>
+            <a:off x="1380225" y="3464455"/>
+            <a:ext cx="1173193" cy="400110"/>
+          </a:xfrm>
+          <a:prstGeom prst="rect">
+            <a:avLst/>
+          </a:prstGeom>
+          <a:noFill/>
+        </p:spPr>
+        <p:txBody>
+          <a:bodyPr wrap="square" rtlCol="0">
+            <a:spAutoFit/>
+          </a:bodyPr>
+          <a:lstStyle/>
+          <a:p>
+            <a:pPr algn="ctr"/>
+            <a:r>
+              <a:rPr lang="en-US" altLang="ko-KR" sz="2000" b="1" dirty="0">
+                <a:latin typeface="Noto Sans" panose="020B0502040504020204" pitchFamily="34" charset="0"/>
+                <a:ea typeface="Noto Sans" panose="020B0502040504020204" pitchFamily="34" charset="0"/>
+                <a:cs typeface="Noto Sans" panose="020B0502040504020204" pitchFamily="34" charset="0"/>
+              </a:rPr>
+              <a:t>IDEA 2</a:t>
+            </a:r>
+            <a:endParaRPr lang="ko-KR" altLang="en-US" sz="2000" b="1" dirty="0">
+              <a:latin typeface="Noto Sans" panose="020B0502040504020204" pitchFamily="34" charset="0"/>
+              <a:ea typeface="KoPubWorld돋움체 Medium" panose="00000600000000000000" pitchFamily="2" charset="-127"/>
+              <a:cs typeface="Noto Sans" panose="020B0502040504020204" pitchFamily="34" charset="0"/>
+            </a:endParaRPr>
+          </a:p>
+        </p:txBody>
+      </p:sp>
+      <p:sp>
+        <p:nvSpPr>
+          <p:cNvPr id="24" name="TextBox 23">
+            <a:extLst>
+              <a:ext uri="{FF2B5EF4-FFF2-40B4-BE49-F238E27FC236}">
+                <a16:creationId xmlns:a16="http://schemas.microsoft.com/office/drawing/2014/main" id="{33119CD6-309B-4DE4-934C-9B4A0AF461CE}"/>
+              </a:ext>
+            </a:extLst>
+          </p:cNvPr>
+          <p:cNvSpPr txBox="1"/>
+          <p:nvPr/>
+        </p:nvSpPr>
+        <p:spPr>
+          <a:xfrm>
+            <a:off x="1380225" y="5269210"/>
+            <a:ext cx="1173193" cy="400110"/>
+          </a:xfrm>
+          <a:prstGeom prst="rect">
+            <a:avLst/>
+          </a:prstGeom>
+          <a:noFill/>
+        </p:spPr>
+        <p:txBody>
+          <a:bodyPr wrap="square" rtlCol="0">
+            <a:spAutoFit/>
+          </a:bodyPr>
+          <a:lstStyle/>
+          <a:p>
+            <a:pPr algn="ctr"/>
+            <a:r>
+              <a:rPr lang="en-US" altLang="ko-KR" sz="2000" b="1" dirty="0">
+                <a:latin typeface="Noto Sans" panose="020B0502040504020204" pitchFamily="34" charset="0"/>
+                <a:ea typeface="Noto Sans" panose="020B0502040504020204" pitchFamily="34" charset="0"/>
+                <a:cs typeface="Noto Sans" panose="020B0502040504020204" pitchFamily="34" charset="0"/>
+              </a:rPr>
+              <a:t>IDEA 3</a:t>
+            </a:r>
+            <a:endParaRPr lang="ko-KR" altLang="en-US" sz="2000" b="1" dirty="0">
+              <a:latin typeface="Noto Sans" panose="020B0502040504020204" pitchFamily="34" charset="0"/>
+              <a:ea typeface="KoPubWorld돋움체 Medium" panose="00000600000000000000" pitchFamily="2" charset="-127"/>
+              <a:cs typeface="Noto Sans" panose="020B0502040504020204" pitchFamily="34" charset="0"/>
+            </a:endParaRPr>
+          </a:p>
+        </p:txBody>
+      </p:sp>
+      <p:sp>
+        <p:nvSpPr>
+          <p:cNvPr id="25" name="TextBox 24">
+            <a:extLst>
+              <a:ext uri="{FF2B5EF4-FFF2-40B4-BE49-F238E27FC236}">
+                <a16:creationId xmlns:a16="http://schemas.microsoft.com/office/drawing/2014/main" id="{91E00966-B6C2-4EBF-85AF-FE2EE5AC2BF9}"/>
+              </a:ext>
+            </a:extLst>
+          </p:cNvPr>
+          <p:cNvSpPr txBox="1"/>
+          <p:nvPr/>
+        </p:nvSpPr>
+        <p:spPr>
+          <a:xfrm>
+            <a:off x="2826561" y="1444554"/>
+            <a:ext cx="8174813" cy="800219"/>
+          </a:xfrm>
+          <a:prstGeom prst="rect">
+            <a:avLst/>
+          </a:prstGeom>
+          <a:noFill/>
+        </p:spPr>
+        <p:txBody>
+          <a:bodyPr wrap="square" rtlCol="0">
+            <a:spAutoFit/>
+          </a:bodyPr>
+          <a:lstStyle/>
+          <a:p>
+            <a:pPr>
+              <a:lnSpc>
+                <a:spcPct val="150000"/>
+              </a:lnSpc>
+            </a:pPr>
+            <a:r>
+              <a:rPr lang="ko-KR" altLang="en-US" sz="1600" dirty="0">
+                <a:solidFill>
+                  <a:schemeClr val="tx1"/>
+                </a:solidFill>
+                <a:latin typeface="Noto Sans" panose="020B0502040504020204" pitchFamily="34" charset="0"/>
+                <a:ea typeface="KoPubWorld돋움체 Medium" panose="00000600000000000000" pitchFamily="2" charset="-127"/>
+                <a:cs typeface="Noto Sans" panose="020B0502040504020204" pitchFamily="34" charset="0"/>
+              </a:rPr>
+              <a:t>표준 질의문장의 </a:t>
+            </a:r>
+            <a:r>
+              <a:rPr lang="en-US" altLang="ko-KR" sz="1600" dirty="0">
+                <a:solidFill>
+                  <a:schemeClr val="tx1"/>
+                </a:solidFill>
+                <a:latin typeface="Noto Sans" panose="020B0502040504020204" pitchFamily="34" charset="0"/>
+                <a:ea typeface="Noto Sans" panose="020B0502040504020204" pitchFamily="34" charset="0"/>
+                <a:cs typeface="Noto Sans" panose="020B0502040504020204" pitchFamily="34" charset="0"/>
+              </a:rPr>
+              <a:t>SQL </a:t>
+            </a:r>
+            <a:r>
+              <a:rPr lang="ko-KR" altLang="en-US" sz="1600" dirty="0">
+                <a:latin typeface="Noto Sans" panose="020B0502040504020204" pitchFamily="34" charset="0"/>
+                <a:ea typeface="KoPubWorld돋움체 Medium" panose="00000600000000000000" pitchFamily="2" charset="-127"/>
+                <a:cs typeface="Noto Sans" panose="020B0502040504020204" pitchFamily="34" charset="0"/>
+              </a:rPr>
+              <a:t>쿼리를</a:t>
+            </a:r>
+            <a:r>
+              <a:rPr lang="ko-KR" altLang="en-US" sz="1600" dirty="0">
+                <a:solidFill>
+                  <a:schemeClr val="tx1"/>
+                </a:solidFill>
+                <a:latin typeface="Noto Sans" panose="020B0502040504020204" pitchFamily="34" charset="0"/>
+                <a:ea typeface="KoPubWorld돋움체 Medium" panose="00000600000000000000" pitchFamily="2" charset="-127"/>
+                <a:cs typeface="Noto Sans" panose="020B0502040504020204" pitchFamily="34" charset="0"/>
+              </a:rPr>
+              <a:t> </a:t>
+            </a:r>
+            <a:r>
+              <a:rPr lang="en-US" altLang="ko-KR" sz="1600" dirty="0">
+                <a:latin typeface="Noto Sans" panose="020B0502040504020204" pitchFamily="34" charset="0"/>
+                <a:ea typeface="Noto Sans" panose="020B0502040504020204" pitchFamily="34" charset="0"/>
+                <a:cs typeface="Noto Sans" panose="020B0502040504020204" pitchFamily="34" charset="0"/>
+              </a:rPr>
+              <a:t>LLM</a:t>
+            </a:r>
+            <a:r>
+              <a:rPr lang="ko-KR" altLang="en-US" sz="1600" dirty="0">
+                <a:latin typeface="Noto Sans" panose="020B0502040504020204" pitchFamily="34" charset="0"/>
+                <a:ea typeface="KoPubWorld돋움체 Medium" panose="00000600000000000000" pitchFamily="2" charset="-127"/>
+                <a:cs typeface="Noto Sans" panose="020B0502040504020204" pitchFamily="34" charset="0"/>
+              </a:rPr>
+              <a:t>에 입력하여 </a:t>
+            </a:r>
+            <a:r>
+              <a:rPr lang="en-US" altLang="ko-KR" sz="1600" dirty="0">
+                <a:solidFill>
+                  <a:srgbClr val="FF0000"/>
+                </a:solidFill>
+                <a:latin typeface="Noto Sans" panose="020B0502040504020204" pitchFamily="34" charset="0"/>
+                <a:ea typeface="Noto Sans" panose="020B0502040504020204" pitchFamily="34" charset="0"/>
+                <a:cs typeface="Noto Sans" panose="020B0502040504020204" pitchFamily="34" charset="0"/>
+              </a:rPr>
+              <a:t>SQL2Text</a:t>
+            </a:r>
+            <a:r>
+              <a:rPr lang="ko-KR" altLang="en-US" sz="1600" dirty="0">
+                <a:solidFill>
+                  <a:srgbClr val="FF0000"/>
+                </a:solidFill>
+                <a:latin typeface="Noto Sans" panose="020B0502040504020204" pitchFamily="34" charset="0"/>
+                <a:ea typeface="KoPubWorld돋움체 Medium" panose="00000600000000000000" pitchFamily="2" charset="-127"/>
+                <a:cs typeface="Noto Sans" panose="020B0502040504020204" pitchFamily="34" charset="0"/>
+              </a:rPr>
+              <a:t>를 수행</a:t>
+            </a:r>
+            <a:r>
+              <a:rPr lang="ko-KR" altLang="en-US" sz="1600" dirty="0">
+                <a:solidFill>
+                  <a:schemeClr val="tx1"/>
+                </a:solidFill>
+                <a:latin typeface="Noto Sans" panose="020B0502040504020204" pitchFamily="34" charset="0"/>
+                <a:ea typeface="KoPubWorld돋움체 Medium" panose="00000600000000000000" pitchFamily="2" charset="-127"/>
+                <a:cs typeface="Noto Sans" panose="020B0502040504020204" pitchFamily="34" charset="0"/>
+              </a:rPr>
+              <a:t>하고</a:t>
+            </a:r>
+            <a:r>
+              <a:rPr lang="en-US" altLang="ko-KR" sz="1600" dirty="0">
+                <a:solidFill>
+                  <a:schemeClr val="tx1"/>
+                </a:solidFill>
+                <a:latin typeface="Noto Sans" panose="020B0502040504020204" pitchFamily="34" charset="0"/>
+                <a:ea typeface="Noto Sans" panose="020B0502040504020204" pitchFamily="34" charset="0"/>
+                <a:cs typeface="Noto Sans" panose="020B0502040504020204" pitchFamily="34" charset="0"/>
+              </a:rPr>
+              <a:t>, </a:t>
+            </a:r>
+            <a:r>
+              <a:rPr lang="en-US" altLang="ko-KR" sz="1600" dirty="0">
+                <a:solidFill>
+                  <a:srgbClr val="FF0000"/>
+                </a:solidFill>
+                <a:latin typeface="Noto Sans" panose="020B0502040504020204" pitchFamily="34" charset="0"/>
+                <a:ea typeface="Noto Sans" panose="020B0502040504020204" pitchFamily="34" charset="0"/>
+                <a:cs typeface="Noto Sans" panose="020B0502040504020204" pitchFamily="34" charset="0"/>
+              </a:rPr>
+              <a:t>RAG</a:t>
+            </a:r>
+            <a:r>
+              <a:rPr lang="ko-KR" altLang="en-US" sz="1600" dirty="0">
+                <a:solidFill>
+                  <a:schemeClr val="tx1"/>
+                </a:solidFill>
+                <a:latin typeface="Noto Sans" panose="020B0502040504020204" pitchFamily="34" charset="0"/>
+                <a:ea typeface="KoPubWorld돋움체 Medium" panose="00000600000000000000" pitchFamily="2" charset="-127"/>
+                <a:cs typeface="Noto Sans" panose="020B0502040504020204" pitchFamily="34" charset="0"/>
+              </a:rPr>
+              <a:t>를 </a:t>
+            </a:r>
+            <a:r>
+              <a:rPr lang="ko-KR" altLang="en-US" sz="1600" dirty="0">
+                <a:latin typeface="Noto Sans" panose="020B0502040504020204" pitchFamily="34" charset="0"/>
+                <a:ea typeface="KoPubWorld돋움체 Medium" panose="00000600000000000000" pitchFamily="2" charset="-127"/>
+                <a:cs typeface="Noto Sans" panose="020B0502040504020204" pitchFamily="34" charset="0"/>
+              </a:rPr>
+              <a:t>활용해</a:t>
+            </a:r>
+            <a:r>
+              <a:rPr lang="ko-KR" altLang="en-US" sz="1600" dirty="0">
+                <a:solidFill>
+                  <a:schemeClr val="tx1"/>
+                </a:solidFill>
+                <a:latin typeface="Noto Sans" panose="020B0502040504020204" pitchFamily="34" charset="0"/>
+                <a:ea typeface="KoPubWorld돋움체 Medium" panose="00000600000000000000" pitchFamily="2" charset="-127"/>
+                <a:cs typeface="Noto Sans" panose="020B0502040504020204" pitchFamily="34" charset="0"/>
+              </a:rPr>
+              <a:t> 표준 질의문장 데이터셋의 </a:t>
+            </a:r>
+            <a:r>
+              <a:rPr lang="en-US" altLang="ko-KR" sz="1600" dirty="0">
+                <a:solidFill>
+                  <a:schemeClr val="tx1"/>
+                </a:solidFill>
+                <a:latin typeface="Noto Sans" panose="020B0502040504020204" pitchFamily="34" charset="0"/>
+                <a:ea typeface="Noto Sans" panose="020B0502040504020204" pitchFamily="34" charset="0"/>
+                <a:cs typeface="Noto Sans" panose="020B0502040504020204" pitchFamily="34" charset="0"/>
+              </a:rPr>
+              <a:t>Description</a:t>
+            </a:r>
+            <a:r>
+              <a:rPr lang="ko-KR" altLang="en-US" sz="1600" dirty="0">
+                <a:solidFill>
+                  <a:schemeClr val="tx1"/>
+                </a:solidFill>
+                <a:latin typeface="Noto Sans" panose="020B0502040504020204" pitchFamily="34" charset="0"/>
+                <a:ea typeface="KoPubWorld돋움체 Medium" panose="00000600000000000000" pitchFamily="2" charset="-127"/>
+                <a:cs typeface="Noto Sans" panose="020B0502040504020204" pitchFamily="34" charset="0"/>
+              </a:rPr>
+              <a:t>을 참조하며 여러 개의 </a:t>
+            </a:r>
+            <a:r>
+              <a:rPr lang="ko-KR" altLang="en-US" sz="1600" dirty="0">
+                <a:solidFill>
+                  <a:srgbClr val="FF0000"/>
+                </a:solidFill>
+                <a:latin typeface="Noto Sans" panose="020B0502040504020204" pitchFamily="34" charset="0"/>
+                <a:ea typeface="KoPubWorld돋움체 Medium" panose="00000600000000000000" pitchFamily="2" charset="-127"/>
+                <a:cs typeface="Noto Sans" panose="020B0502040504020204" pitchFamily="34" charset="0"/>
+              </a:rPr>
+              <a:t>비표준 질의문장을 생성</a:t>
+            </a:r>
+            <a:r>
+              <a:rPr lang="ko-KR" altLang="en-US" sz="1600" dirty="0">
+                <a:solidFill>
+                  <a:schemeClr val="tx1"/>
+                </a:solidFill>
+                <a:latin typeface="Noto Sans" panose="020B0502040504020204" pitchFamily="34" charset="0"/>
+                <a:ea typeface="KoPubWorld돋움체 Medium" panose="00000600000000000000" pitchFamily="2" charset="-127"/>
+                <a:cs typeface="Noto Sans" panose="020B0502040504020204" pitchFamily="34" charset="0"/>
+              </a:rPr>
+              <a:t>함</a:t>
+            </a:r>
+            <a:endParaRPr lang="en-US" altLang="ko-KR" sz="1400" dirty="0">
+              <a:solidFill>
+                <a:schemeClr val="tx1"/>
+              </a:solidFill>
+              <a:latin typeface="Noto Sans" panose="020B0502040504020204" pitchFamily="34" charset="0"/>
+              <a:ea typeface="Noto Sans" panose="020B0502040504020204" pitchFamily="34" charset="0"/>
+              <a:cs typeface="Noto Sans" panose="020B0502040504020204" pitchFamily="34" charset="0"/>
+            </a:endParaRPr>
+          </a:p>
+        </p:txBody>
+      </p:sp>
+      <p:sp>
+        <p:nvSpPr>
+          <p:cNvPr id="26" name="TextBox 25">
+            <a:extLst>
+              <a:ext uri="{FF2B5EF4-FFF2-40B4-BE49-F238E27FC236}">
+                <a16:creationId xmlns:a16="http://schemas.microsoft.com/office/drawing/2014/main" id="{49B4E827-DC9B-4A0C-BDBF-2FB543728FCD}"/>
+              </a:ext>
+            </a:extLst>
+          </p:cNvPr>
+          <p:cNvSpPr txBox="1"/>
+          <p:nvPr/>
+        </p:nvSpPr>
+        <p:spPr>
+          <a:xfrm>
+            <a:off x="2826562" y="3250184"/>
+            <a:ext cx="8103106" cy="800219"/>
+          </a:xfrm>
+          <a:prstGeom prst="rect">
+            <a:avLst/>
+          </a:prstGeom>
+          <a:noFill/>
+        </p:spPr>
+        <p:txBody>
+          <a:bodyPr wrap="square" rtlCol="0">
+            <a:spAutoFit/>
+          </a:bodyPr>
+          <a:lstStyle/>
+          <a:p>
+            <a:pPr>
+              <a:lnSpc>
+                <a:spcPct val="150000"/>
+              </a:lnSpc>
+            </a:pPr>
+            <a:r>
+              <a:rPr lang="en-US" altLang="ko-KR" sz="1600" dirty="0">
+                <a:solidFill>
+                  <a:schemeClr val="tx1"/>
+                </a:solidFill>
+                <a:latin typeface="Noto Sans" panose="020B0502040504020204" pitchFamily="34" charset="0"/>
+                <a:ea typeface="Noto Sans" panose="020B0502040504020204" pitchFamily="34" charset="0"/>
+                <a:cs typeface="Noto Sans" panose="020B0502040504020204" pitchFamily="34" charset="0"/>
+              </a:rPr>
+              <a:t>IDEA1</a:t>
+            </a:r>
+            <a:r>
+              <a:rPr lang="ko-KR" altLang="en-US" sz="1600" dirty="0">
+                <a:solidFill>
+                  <a:schemeClr val="tx1"/>
+                </a:solidFill>
+                <a:latin typeface="Noto Sans" panose="020B0502040504020204" pitchFamily="34" charset="0"/>
+                <a:ea typeface="KoPubWorld돋움체 Medium" panose="00000600000000000000" pitchFamily="2" charset="-127"/>
+                <a:cs typeface="Noto Sans" panose="020B0502040504020204" pitchFamily="34" charset="0"/>
+              </a:rPr>
+              <a:t>에서 생성된 비표준 질의문장을 입력하면 표준 질의문장으로 변환하도록 </a:t>
+            </a:r>
+            <a:r>
+              <a:rPr lang="en-US" altLang="ko-KR" sz="1600" dirty="0">
+                <a:solidFill>
+                  <a:srgbClr val="FF0000"/>
+                </a:solidFill>
+                <a:latin typeface="Noto Sans" panose="020B0502040504020204" pitchFamily="34" charset="0"/>
+                <a:ea typeface="Noto Sans" panose="020B0502040504020204" pitchFamily="34" charset="0"/>
+                <a:cs typeface="Noto Sans" panose="020B0502040504020204" pitchFamily="34" charset="0"/>
+              </a:rPr>
+              <a:t>LLM</a:t>
+            </a:r>
+            <a:r>
+              <a:rPr lang="ko-KR" altLang="en-US" sz="1600" dirty="0">
+                <a:solidFill>
+                  <a:srgbClr val="FF0000"/>
+                </a:solidFill>
+                <a:latin typeface="Noto Sans" panose="020B0502040504020204" pitchFamily="34" charset="0"/>
+                <a:ea typeface="KoPubWorld돋움체 Medium" panose="00000600000000000000" pitchFamily="2" charset="-127"/>
+                <a:cs typeface="Noto Sans" panose="020B0502040504020204" pitchFamily="34" charset="0"/>
+              </a:rPr>
+              <a:t>을 </a:t>
+            </a:r>
+            <a:r>
+              <a:rPr lang="en-US" altLang="ko-KR" sz="1600" dirty="0">
+                <a:solidFill>
+                  <a:srgbClr val="FF0000"/>
+                </a:solidFill>
+                <a:latin typeface="Noto Sans" panose="020B0502040504020204" pitchFamily="34" charset="0"/>
+                <a:ea typeface="Noto Sans" panose="020B0502040504020204" pitchFamily="34" charset="0"/>
+                <a:cs typeface="Noto Sans" panose="020B0502040504020204" pitchFamily="34" charset="0"/>
+              </a:rPr>
+              <a:t>Fine-Tuning</a:t>
+            </a:r>
+            <a:r>
+              <a:rPr lang="ko-KR" altLang="en-US" sz="1600" dirty="0">
+                <a:latin typeface="Noto Sans" panose="020B0502040504020204" pitchFamily="34" charset="0"/>
+                <a:ea typeface="KoPubWorld돋움체 Medium" panose="00000600000000000000" pitchFamily="2" charset="-127"/>
+                <a:cs typeface="Noto Sans" panose="020B0502040504020204" pitchFamily="34" charset="0"/>
+              </a:rPr>
+              <a:t>하여 </a:t>
+            </a:r>
+            <a:r>
+              <a:rPr lang="ko-KR" altLang="en-US" sz="1600" dirty="0">
+                <a:solidFill>
+                  <a:srgbClr val="FF0000"/>
+                </a:solidFill>
+                <a:latin typeface="Noto Sans" panose="020B0502040504020204" pitchFamily="34" charset="0"/>
+                <a:ea typeface="KoPubWorld돋움체 Medium" panose="00000600000000000000" pitchFamily="2" charset="-127"/>
+                <a:cs typeface="Noto Sans" panose="020B0502040504020204" pitchFamily="34" charset="0"/>
+              </a:rPr>
+              <a:t>문장 정제기</a:t>
+            </a:r>
+            <a:r>
+              <a:rPr lang="ko-KR" altLang="en-US" sz="1600" dirty="0">
+                <a:latin typeface="Noto Sans" panose="020B0502040504020204" pitchFamily="34" charset="0"/>
+                <a:ea typeface="KoPubWorld돋움체 Medium" panose="00000600000000000000" pitchFamily="2" charset="-127"/>
+                <a:cs typeface="Noto Sans" panose="020B0502040504020204" pitchFamily="34" charset="0"/>
+              </a:rPr>
+              <a:t>를 개발함</a:t>
+            </a:r>
+            <a:endParaRPr lang="en-US" altLang="ko-KR" sz="1600" dirty="0">
+              <a:solidFill>
+                <a:schemeClr val="tx1"/>
+              </a:solidFill>
+              <a:latin typeface="Noto Sans" panose="020B0502040504020204" pitchFamily="34" charset="0"/>
+              <a:ea typeface="Noto Sans" panose="020B0502040504020204" pitchFamily="34" charset="0"/>
+              <a:cs typeface="Noto Sans" panose="020B0502040504020204" pitchFamily="34" charset="0"/>
+            </a:endParaRPr>
+          </a:p>
+        </p:txBody>
+      </p:sp>
+      <p:sp>
+        <p:nvSpPr>
+          <p:cNvPr id="27" name="TextBox 26">
+            <a:extLst>
+              <a:ext uri="{FF2B5EF4-FFF2-40B4-BE49-F238E27FC236}">
+                <a16:creationId xmlns:a16="http://schemas.microsoft.com/office/drawing/2014/main" id="{6FE9A0AF-847C-4EE5-A2E0-61CC6AF4A606}"/>
+              </a:ext>
+            </a:extLst>
+          </p:cNvPr>
+          <p:cNvSpPr txBox="1"/>
+          <p:nvPr/>
+        </p:nvSpPr>
+        <p:spPr>
+          <a:xfrm>
+            <a:off x="2826561" y="5044540"/>
+            <a:ext cx="8258355" cy="800219"/>
+          </a:xfrm>
+          <a:prstGeom prst="rect">
+            <a:avLst/>
+          </a:prstGeom>
+          <a:noFill/>
+        </p:spPr>
+        <p:txBody>
+          <a:bodyPr wrap="square" rtlCol="0">
+            <a:spAutoFit/>
+          </a:bodyPr>
+          <a:lstStyle/>
+          <a:p>
+            <a:pPr>
+              <a:lnSpc>
+                <a:spcPct val="150000"/>
+              </a:lnSpc>
+            </a:pPr>
+            <a:r>
+              <a:rPr lang="en-US" altLang="ko-KR" sz="1600" dirty="0">
+                <a:solidFill>
+                  <a:schemeClr val="tx1"/>
+                </a:solidFill>
+                <a:latin typeface="Noto Sans" panose="020B0502040504020204" pitchFamily="34" charset="0"/>
+                <a:ea typeface="Noto Sans" panose="020B0502040504020204" pitchFamily="34" charset="0"/>
+                <a:cs typeface="Noto Sans" panose="020B0502040504020204" pitchFamily="34" charset="0"/>
+              </a:rPr>
+              <a:t>IDEA 2</a:t>
+            </a:r>
+            <a:r>
+              <a:rPr lang="ko-KR" altLang="en-US" sz="1600" dirty="0">
+                <a:solidFill>
+                  <a:schemeClr val="tx1"/>
+                </a:solidFill>
+                <a:latin typeface="Noto Sans" panose="020B0502040504020204" pitchFamily="34" charset="0"/>
+                <a:ea typeface="KoPubWorld돋움체 Medium" panose="00000600000000000000" pitchFamily="2" charset="-127"/>
+                <a:cs typeface="Noto Sans" panose="020B0502040504020204" pitchFamily="34" charset="0"/>
+              </a:rPr>
+              <a:t>에서 개발한 문장 정제기를 통해서 비표준 질의문장을 표준 질의문장으로 변환하고</a:t>
+            </a:r>
+            <a:r>
+              <a:rPr lang="en-US" altLang="ko-KR" sz="1600" dirty="0">
+                <a:solidFill>
+                  <a:schemeClr val="tx1"/>
+                </a:solidFill>
+                <a:latin typeface="Noto Sans" panose="020B0502040504020204" pitchFamily="34" charset="0"/>
+                <a:ea typeface="Noto Sans" panose="020B0502040504020204" pitchFamily="34" charset="0"/>
+                <a:cs typeface="Noto Sans" panose="020B0502040504020204" pitchFamily="34" charset="0"/>
+              </a:rPr>
+              <a:t>,</a:t>
+            </a:r>
+            <a:r>
+              <a:rPr lang="ko-KR" altLang="en-US" sz="1600" dirty="0">
+                <a:solidFill>
+                  <a:schemeClr val="tx1"/>
+                </a:solidFill>
+                <a:latin typeface="Noto Sans" panose="020B0502040504020204" pitchFamily="34" charset="0"/>
+                <a:ea typeface="KoPubWorld돋움체 Medium" panose="00000600000000000000" pitchFamily="2" charset="-127"/>
+                <a:cs typeface="Noto Sans" panose="020B0502040504020204" pitchFamily="34" charset="0"/>
+              </a:rPr>
+              <a:t> 기존 </a:t>
+            </a:r>
+            <a:r>
+              <a:rPr lang="en-US" altLang="ko-KR" sz="1600" dirty="0">
+                <a:latin typeface="Noto Sans" panose="020B0502040504020204" pitchFamily="34" charset="0"/>
+                <a:ea typeface="Noto Sans" panose="020B0502040504020204" pitchFamily="34" charset="0"/>
+                <a:cs typeface="Noto Sans" panose="020B0502040504020204" pitchFamily="34" charset="0"/>
+              </a:rPr>
+              <a:t>Text</a:t>
+            </a:r>
+            <a:r>
+              <a:rPr lang="en-US" altLang="ko-KR" sz="1600" dirty="0">
+                <a:solidFill>
+                  <a:schemeClr val="tx1"/>
+                </a:solidFill>
+                <a:latin typeface="Noto Sans" panose="020B0502040504020204" pitchFamily="34" charset="0"/>
+                <a:ea typeface="Noto Sans" panose="020B0502040504020204" pitchFamily="34" charset="0"/>
+                <a:cs typeface="Noto Sans" panose="020B0502040504020204" pitchFamily="34" charset="0"/>
+              </a:rPr>
+              <a:t>2SQL </a:t>
+            </a:r>
+            <a:r>
+              <a:rPr lang="ko-KR" altLang="en-US" sz="1600" dirty="0">
+                <a:solidFill>
+                  <a:schemeClr val="tx1"/>
+                </a:solidFill>
+                <a:latin typeface="Noto Sans" panose="020B0502040504020204" pitchFamily="34" charset="0"/>
+                <a:ea typeface="KoPubWorld돋움체 Medium" panose="00000600000000000000" pitchFamily="2" charset="-127"/>
+                <a:cs typeface="Noto Sans" panose="020B0502040504020204" pitchFamily="34" charset="0"/>
+              </a:rPr>
+              <a:t>모델의 입력으로 활용하여 </a:t>
+            </a:r>
+            <a:r>
+              <a:rPr lang="ko-KR" altLang="en-US" sz="1600" dirty="0">
+                <a:latin typeface="Noto Sans" panose="020B0502040504020204" pitchFamily="34" charset="0"/>
+                <a:ea typeface="KoPubWorld돋움체 Medium" panose="00000600000000000000" pitchFamily="2" charset="-127"/>
+                <a:cs typeface="Noto Sans" panose="020B0502040504020204" pitchFamily="34" charset="0"/>
+              </a:rPr>
+              <a:t>정교한 </a:t>
+            </a:r>
+            <a:r>
+              <a:rPr lang="en-US" altLang="ko-KR" sz="1600" dirty="0">
+                <a:solidFill>
+                  <a:schemeClr val="tx1"/>
+                </a:solidFill>
+                <a:latin typeface="Noto Sans" panose="020B0502040504020204" pitchFamily="34" charset="0"/>
+                <a:ea typeface="Noto Sans" panose="020B0502040504020204" pitchFamily="34" charset="0"/>
+                <a:cs typeface="Noto Sans" panose="020B0502040504020204" pitchFamily="34" charset="0"/>
+              </a:rPr>
+              <a:t>Text2SQL</a:t>
+            </a:r>
+            <a:r>
+              <a:rPr lang="ko-KR" altLang="en-US" sz="1600" dirty="0">
+                <a:latin typeface="Noto Sans" panose="020B0502040504020204" pitchFamily="34" charset="0"/>
+                <a:ea typeface="KoPubWorld돋움체 Medium" panose="00000600000000000000" pitchFamily="2" charset="-127"/>
+                <a:cs typeface="Noto Sans" panose="020B0502040504020204" pitchFamily="34" charset="0"/>
+              </a:rPr>
+              <a:t>을 수행함</a:t>
+            </a:r>
+            <a:endParaRPr lang="en-US" altLang="ko-KR" sz="1600" dirty="0">
+              <a:solidFill>
+                <a:schemeClr val="tx1"/>
+              </a:solidFill>
+              <a:latin typeface="Noto Sans" panose="020B0502040504020204" pitchFamily="34" charset="0"/>
+              <a:ea typeface="Noto Sans" panose="020B0502040504020204" pitchFamily="34" charset="0"/>
+              <a:cs typeface="Noto Sans" panose="020B0502040504020204" pitchFamily="34" charset="0"/>
+            </a:endParaRPr>
+          </a:p>
+        </p:txBody>
+      </p:sp>
+      <p:pic>
+        <p:nvPicPr>
+          <p:cNvPr id="32" name="그래픽 31" descr="전구 단색으로 채워진">
+            <a:extLst>
+              <a:ext uri="{FF2B5EF4-FFF2-40B4-BE49-F238E27FC236}">
+                <a16:creationId xmlns:a16="http://schemas.microsoft.com/office/drawing/2014/main" id="{3BF7FB8E-2D2B-4D46-9ADF-9DDEB483D404}"/>
+              </a:ext>
+            </a:extLst>
+          </p:cNvPr>
+          <p:cNvPicPr>
+            <a:picLocks noChangeAspect="1"/>
+          </p:cNvPicPr>
+          <p:nvPr/>
+        </p:nvPicPr>
+        <p:blipFill>
+          <a:blip r:embed="rId2">
+            <a:extLst>
+              <a:ext uri="{28A0092B-C50C-407E-A947-70E740481C1C}">
+                <a14:useLocalDpi xmlns:a14="http://schemas.microsoft.com/office/drawing/2010/main" val="0"/>
+              </a:ext>
+              <a:ext uri="{96DAC541-7B7A-43D3-8B79-37D633B846F1}">
+                <asvg:svgBlip xmlns:asvg="http://schemas.microsoft.com/office/drawing/2016/SVG/main" r:embed="rId3"/>
+              </a:ext>
+            </a:extLst>
+          </a:blip>
+          <a:stretch>
+            <a:fillRect/>
+          </a:stretch>
+        </p:blipFill>
+        <p:spPr>
+          <a:xfrm>
+            <a:off x="1011460" y="1593791"/>
+            <a:ext cx="501743" cy="501743"/>
+          </a:xfrm>
+          <a:prstGeom prst="rect">
+            <a:avLst/>
+          </a:prstGeom>
+        </p:spPr>
+      </p:pic>
+      <p:pic>
+        <p:nvPicPr>
+          <p:cNvPr id="33" name="그래픽 32" descr="전구 단색으로 채워진">
+            <a:extLst>
+              <a:ext uri="{FF2B5EF4-FFF2-40B4-BE49-F238E27FC236}">
+                <a16:creationId xmlns:a16="http://schemas.microsoft.com/office/drawing/2014/main" id="{D879B546-ABD4-4DD7-85BF-BE389115464C}"/>
+              </a:ext>
+            </a:extLst>
+          </p:cNvPr>
+          <p:cNvPicPr>
+            <a:picLocks noChangeAspect="1"/>
+          </p:cNvPicPr>
+          <p:nvPr/>
+        </p:nvPicPr>
+        <p:blipFill>
+          <a:blip r:embed="rId2">
+            <a:extLst>
+              <a:ext uri="{28A0092B-C50C-407E-A947-70E740481C1C}">
+                <a14:useLocalDpi xmlns:a14="http://schemas.microsoft.com/office/drawing/2010/main" val="0"/>
+              </a:ext>
+              <a:ext uri="{96DAC541-7B7A-43D3-8B79-37D633B846F1}">
+                <asvg:svgBlip xmlns:asvg="http://schemas.microsoft.com/office/drawing/2016/SVG/main" r:embed="rId3"/>
+              </a:ext>
+            </a:extLst>
+          </a:blip>
+          <a:stretch>
+            <a:fillRect/>
+          </a:stretch>
+        </p:blipFill>
+        <p:spPr>
+          <a:xfrm>
+            <a:off x="1011460" y="3393545"/>
+            <a:ext cx="501743" cy="501743"/>
+          </a:xfrm>
+          <a:prstGeom prst="rect">
+            <a:avLst/>
+          </a:prstGeom>
+        </p:spPr>
+      </p:pic>
+      <p:pic>
+        <p:nvPicPr>
+          <p:cNvPr id="34" name="그래픽 33" descr="전구 단색으로 채워진">
+            <a:extLst>
+              <a:ext uri="{FF2B5EF4-FFF2-40B4-BE49-F238E27FC236}">
+                <a16:creationId xmlns:a16="http://schemas.microsoft.com/office/drawing/2014/main" id="{0D07D1C9-7BA0-4F19-A667-5E207AFE7011}"/>
+              </a:ext>
+            </a:extLst>
+          </p:cNvPr>
+          <p:cNvPicPr>
+            <a:picLocks noChangeAspect="1"/>
+          </p:cNvPicPr>
+          <p:nvPr/>
+        </p:nvPicPr>
+        <p:blipFill>
+          <a:blip r:embed="rId2">
+            <a:extLst>
+              <a:ext uri="{28A0092B-C50C-407E-A947-70E740481C1C}">
+                <a14:useLocalDpi xmlns:a14="http://schemas.microsoft.com/office/drawing/2010/main" val="0"/>
+              </a:ext>
+              <a:ext uri="{96DAC541-7B7A-43D3-8B79-37D633B846F1}">
+                <asvg:svgBlip xmlns:asvg="http://schemas.microsoft.com/office/drawing/2016/SVG/main" r:embed="rId3"/>
+              </a:ext>
+            </a:extLst>
+          </a:blip>
+          <a:stretch>
+            <a:fillRect/>
+          </a:stretch>
+        </p:blipFill>
+        <p:spPr>
+          <a:xfrm>
+            <a:off x="1011460" y="5193777"/>
+            <a:ext cx="501743" cy="501743"/>
+          </a:xfrm>
+          <a:prstGeom prst="rect">
+            <a:avLst/>
+          </a:prstGeom>
+        </p:spPr>
+      </p:pic>
+      <p:sp>
+        <p:nvSpPr>
+          <p:cNvPr id="16" name="TextBox 15">
+            <a:extLst>
+              <a:ext uri="{FF2B5EF4-FFF2-40B4-BE49-F238E27FC236}">
+                <a16:creationId xmlns:a16="http://schemas.microsoft.com/office/drawing/2014/main" id="{62DD4E28-EFA9-4CD3-BB28-4C61771BB96C}"/>
+              </a:ext>
+            </a:extLst>
+          </p:cNvPr>
+          <p:cNvSpPr txBox="1"/>
+          <p:nvPr/>
+        </p:nvSpPr>
+        <p:spPr>
+          <a:xfrm>
+            <a:off x="11699631" y="6410326"/>
+            <a:ext cx="432460" cy="276999"/>
+          </a:xfrm>
+          <a:prstGeom prst="rect">
+            <a:avLst/>
+          </a:prstGeom>
+          <a:noFill/>
+        </p:spPr>
+        <p:txBody>
+          <a:bodyPr wrap="square" rtlCol="0">
+            <a:spAutoFit/>
+          </a:bodyPr>
+          <a:lstStyle/>
+          <a:p>
+            <a:r>
+              <a:rPr lang="en-US" altLang="ko-KR" sz="1200" b="1" dirty="0">
+                <a:latin typeface="Noto Sans" panose="020B0502040504020204" pitchFamily="34" charset="0"/>
+                <a:cs typeface="Noto Sans" panose="020B0502040504020204" pitchFamily="34" charset="0"/>
+              </a:rPr>
+              <a:t>5</a:t>
+            </a:r>
+            <a:endParaRPr lang="ko-KR" altLang="en-US" sz="1200" b="1" dirty="0">
+              <a:latin typeface="Noto Sans" panose="020B0502040504020204" pitchFamily="34" charset="0"/>
+              <a:cs typeface="Noto Sans" panose="020B0502040504020204" pitchFamily="34" charset="0"/>
+            </a:endParaRPr>
+          </a:p>
+        </p:txBody>
+      </p:sp>
+    </p:spTree>
+    <p:extLst>
+      <p:ext uri="{BB962C8B-B14F-4D97-AF65-F5344CB8AC3E}">
+        <p14:creationId xmlns:p14="http://schemas.microsoft.com/office/powerpoint/2010/main" val="12250389"/>
+      </p:ext>
+    </p:extLst>
+  </p:cSld>
+  <p:clrMapOvr>
+    <a:masterClrMapping/>
+  </p:clrMapOvr>
+</p:sld>
+</file>
+
+<file path=ppt/slides/slide7.xml><?xml version="1.0" encoding="utf-8"?>
 <p:sld xmlns:a="http://schemas.openxmlformats.org/drawingml/2006/main" xmlns:r="http://schemas.openxmlformats.org/officeDocument/2006/relationships" xmlns:p="http://schemas.openxmlformats.org/presentationml/2006/main">
   <p:cSld>
     <p:spTree>
@@ -12867,7 +17297,7 @@
                 <a:ea typeface="Noto Sans" panose="020B0502040504020204" pitchFamily="34" charset="0"/>
                 <a:cs typeface="Noto Sans" panose="020B0502040504020204" pitchFamily="34" charset="0"/>
               </a:rPr>
-              <a:t>“ITEM_TB</a:t>
+              <a:t>“item </a:t>
             </a:r>
             <a:r>
               <a:rPr lang="ko-KR" altLang="en-US" sz="900" dirty="0">
@@ -12875,7 +17305,7 @@
                 <a:ea typeface="Noto Sans" panose="020B0502040504020204" pitchFamily="34" charset="0"/>
                 <a:cs typeface="Noto Sans" panose="020B0502040504020204" pitchFamily="34" charset="0"/>
               </a:rPr>
-              <a:t>에서 </a:t>
+              <a:t>테이블에서 </a:t>
             </a:r>
             <a:r>
               <a:rPr lang="ko-KR" altLang="en-US" sz="900" b="1" dirty="0">
@@ -13318,7 +17748,7 @@
                 <a:ea typeface="Noto Sans" panose="020B0502040504020204" pitchFamily="34" charset="0"/>
                 <a:cs typeface="Noto Sans" panose="020B0502040504020204" pitchFamily="34" charset="0"/>
               </a:rPr>
-              <a:t>SELECT * FROM ITEM_TB</a:t>
+              <a:t>SELECT * FROM  item</a:t>
             </a:r>
             <a:r>
               <a:rPr lang="ko-KR" altLang="en-US" sz="900" dirty="0">
@@ -14558,1586 +18988,7 @@
 </p:sld>
 </file>
 
-<file path=ppt/slides/slide5.xml><?xml version="1.0" encoding="utf-8"?>
-<p:sld xmlns:a="http://schemas.openxmlformats.org/drawingml/2006/main" xmlns:r="http://schemas.openxmlformats.org/officeDocument/2006/relationships" xmlns:p="http://schemas.openxmlformats.org/presentationml/2006/main">
-  <p:cSld>
-    <p:spTree>
-      <p:nvGrpSpPr>
-        <p:cNvPr id="1" name=""/>
-        <p:cNvGrpSpPr/>
-        <p:nvPr/>
-      </p:nvGrpSpPr>
-      <p:grpSpPr>
-        <a:xfrm>
-          <a:off x="0" y="0"/>
-          <a:ext cx="0" cy="0"/>
-          <a:chOff x="0" y="0"/>
-          <a:chExt cx="0" cy="0"/>
-        </a:xfrm>
-      </p:grpSpPr>
-      <p:sp>
-        <p:nvSpPr>
-          <p:cNvPr id="9" name="직사각형 8">
-            <a:extLst>
-              <a:ext uri="{FF2B5EF4-FFF2-40B4-BE49-F238E27FC236}">
-                <a16:creationId xmlns:a16="http://schemas.microsoft.com/office/drawing/2014/main" id="{D3DA6952-949D-48DF-A077-5A0DA7D77176}"/>
-              </a:ext>
-            </a:extLst>
-          </p:cNvPr>
-          <p:cNvSpPr/>
-          <p:nvPr/>
-        </p:nvSpPr>
-        <p:spPr>
-          <a:xfrm>
-            <a:off x="2670067" y="2460825"/>
-            <a:ext cx="4159357" cy="493070"/>
-          </a:xfrm>
-          <a:prstGeom prst="rect">
-            <a:avLst/>
-          </a:prstGeom>
-          <a:solidFill>
-            <a:srgbClr val="FFFF00"/>
-          </a:solidFill>
-          <a:ln>
-            <a:noFill/>
-          </a:ln>
-        </p:spPr>
-        <p:style>
-          <a:lnRef idx="2">
-            <a:schemeClr val="accent1">
-              <a:shade val="50000"/>
-            </a:schemeClr>
-          </a:lnRef>
-          <a:fillRef idx="1">
-            <a:schemeClr val="accent1"/>
-          </a:fillRef>
-          <a:effectRef idx="0">
-            <a:schemeClr val="accent1"/>
-          </a:effectRef>
-          <a:fontRef idx="minor">
-            <a:schemeClr val="lt1"/>
-          </a:fontRef>
-        </p:style>
-        <p:txBody>
-          <a:bodyPr rtlCol="0" anchor="ctr"/>
-          <a:lstStyle/>
-          <a:p>
-            <a:pPr algn="ctr"/>
-            <a:endParaRPr lang="ko-KR" altLang="en-US">
-              <a:latin typeface="Noto Sans" panose="020B0502040504020204" pitchFamily="34" charset="0"/>
-              <a:cs typeface="Noto Sans" panose="020B0502040504020204" pitchFamily="34" charset="0"/>
-            </a:endParaRPr>
-          </a:p>
-        </p:txBody>
-      </p:sp>
-      <p:sp>
-        <p:nvSpPr>
-          <p:cNvPr id="8" name="직사각형 7">
-            <a:extLst>
-              <a:ext uri="{FF2B5EF4-FFF2-40B4-BE49-F238E27FC236}">
-                <a16:creationId xmlns:a16="http://schemas.microsoft.com/office/drawing/2014/main" id="{6F7FC9EB-C216-43C2-A2A1-7432487BBC31}"/>
-              </a:ext>
-            </a:extLst>
-          </p:cNvPr>
-          <p:cNvSpPr/>
-          <p:nvPr/>
-        </p:nvSpPr>
-        <p:spPr>
-          <a:xfrm>
-            <a:off x="5320982" y="1820323"/>
-            <a:ext cx="3397326" cy="493070"/>
-          </a:xfrm>
-          <a:prstGeom prst="rect">
-            <a:avLst/>
-          </a:prstGeom>
-          <a:solidFill>
-            <a:srgbClr val="FFFF00"/>
-          </a:solidFill>
-          <a:ln>
-            <a:noFill/>
-          </a:ln>
-        </p:spPr>
-        <p:style>
-          <a:lnRef idx="2">
-            <a:schemeClr val="accent1">
-              <a:shade val="50000"/>
-            </a:schemeClr>
-          </a:lnRef>
-          <a:fillRef idx="1">
-            <a:schemeClr val="accent1"/>
-          </a:fillRef>
-          <a:effectRef idx="0">
-            <a:schemeClr val="accent1"/>
-          </a:effectRef>
-          <a:fontRef idx="minor">
-            <a:schemeClr val="lt1"/>
-          </a:fontRef>
-        </p:style>
-        <p:txBody>
-          <a:bodyPr rtlCol="0" anchor="ctr"/>
-          <a:lstStyle/>
-          <a:p>
-            <a:pPr algn="ctr"/>
-            <a:endParaRPr lang="ko-KR" altLang="en-US">
-              <a:latin typeface="Noto Sans" panose="020B0502040504020204" pitchFamily="34" charset="0"/>
-              <a:cs typeface="Noto Sans" panose="020B0502040504020204" pitchFamily="34" charset="0"/>
-            </a:endParaRPr>
-          </a:p>
-        </p:txBody>
-      </p:sp>
-      <p:sp>
-        <p:nvSpPr>
-          <p:cNvPr id="7" name="TextBox 6">
-            <a:extLst>
-              <a:ext uri="{FF2B5EF4-FFF2-40B4-BE49-F238E27FC236}">
-                <a16:creationId xmlns:a16="http://schemas.microsoft.com/office/drawing/2014/main" id="{EAD81958-EA21-43DB-8E66-3F0BC85E2F32}"/>
-              </a:ext>
-            </a:extLst>
-          </p:cNvPr>
-          <p:cNvSpPr txBox="1"/>
-          <p:nvPr/>
-        </p:nvSpPr>
-        <p:spPr>
-          <a:xfrm>
-            <a:off x="70338" y="87923"/>
-            <a:ext cx="2609255" cy="461665"/>
-          </a:xfrm>
-          <a:prstGeom prst="rect">
-            <a:avLst/>
-          </a:prstGeom>
-          <a:noFill/>
-        </p:spPr>
-        <p:txBody>
-          <a:bodyPr wrap="square" rtlCol="0">
-            <a:spAutoFit/>
-          </a:bodyPr>
-          <a:lstStyle/>
-          <a:p>
-            <a:r>
-              <a:rPr lang="ko-KR" altLang="en-US" sz="2400" b="1" dirty="0">
-                <a:latin typeface="Noto Sans" panose="020B0502040504020204" pitchFamily="34" charset="0"/>
-                <a:ea typeface="KoPubWorld돋움체 Medium" panose="00000600000000000000" pitchFamily="2" charset="-127"/>
-                <a:cs typeface="Noto Sans" panose="020B0502040504020204" pitchFamily="34" charset="0"/>
-              </a:rPr>
-              <a:t>발명 제안</a:t>
-            </a:r>
-          </a:p>
-        </p:txBody>
-      </p:sp>
-      <p:sp>
-        <p:nvSpPr>
-          <p:cNvPr id="5" name="TextBox 4">
-            <a:extLst>
-              <a:ext uri="{FF2B5EF4-FFF2-40B4-BE49-F238E27FC236}">
-                <a16:creationId xmlns:a16="http://schemas.microsoft.com/office/drawing/2014/main" id="{2553C700-CEBF-4F8D-A5D4-F420406A579D}"/>
-              </a:ext>
-            </a:extLst>
-          </p:cNvPr>
-          <p:cNvSpPr txBox="1"/>
-          <p:nvPr/>
-        </p:nvSpPr>
-        <p:spPr>
-          <a:xfrm>
-            <a:off x="935975" y="1683940"/>
-            <a:ext cx="10115956" cy="1331134"/>
-          </a:xfrm>
-          <a:prstGeom prst="rect">
-            <a:avLst/>
-          </a:prstGeom>
-          <a:noFill/>
-        </p:spPr>
-        <p:txBody>
-          <a:bodyPr wrap="square" rtlCol="0">
-            <a:spAutoFit/>
-          </a:bodyPr>
-          <a:lstStyle/>
-          <a:p>
-            <a:pPr algn="ctr">
-              <a:lnSpc>
-                <a:spcPct val="150000"/>
-              </a:lnSpc>
-            </a:pPr>
-            <a:r>
-              <a:rPr lang="ko-KR" altLang="en-US" sz="2800" b="1" dirty="0">
-                <a:latin typeface="Noto Sans" panose="020B0502040504020204" pitchFamily="34" charset="0"/>
-                <a:ea typeface="KoPubWorld돋움체 Medium" panose="00000600000000000000" pitchFamily="2" charset="-127"/>
-                <a:cs typeface="Noto Sans" panose="020B0502040504020204" pitchFamily="34" charset="0"/>
-              </a:rPr>
-              <a:t>비표준 질의문장을 </a:t>
-            </a:r>
-            <a:r>
-              <a:rPr lang="ko-KR" altLang="en-US" sz="2800" b="1" dirty="0">
-                <a:highlight>
-                  <a:srgbClr val="FFFF00"/>
-                </a:highlight>
-                <a:latin typeface="Noto Sans" panose="020B0502040504020204" pitchFamily="34" charset="0"/>
-                <a:ea typeface="KoPubWorld돋움체 Medium" panose="00000600000000000000" pitchFamily="2" charset="-127"/>
-                <a:cs typeface="Noto Sans" panose="020B0502040504020204" pitchFamily="34" charset="0"/>
-              </a:rPr>
-              <a:t>표준 질의문장으로 변환</a:t>
-            </a:r>
-            <a:r>
-              <a:rPr lang="ko-KR" altLang="en-US" sz="2800" b="1" dirty="0">
-                <a:latin typeface="Noto Sans" panose="020B0502040504020204" pitchFamily="34" charset="0"/>
-                <a:ea typeface="KoPubWorld돋움체 Medium" panose="00000600000000000000" pitchFamily="2" charset="-127"/>
-                <a:cs typeface="Noto Sans" panose="020B0502040504020204" pitchFamily="34" charset="0"/>
-              </a:rPr>
-              <a:t>하여</a:t>
-            </a:r>
-            <a:br>
-              <a:rPr lang="ko-KR" altLang="en-US" sz="2800" b="1" dirty="0">
-                <a:latin typeface="Noto Sans" panose="020B0502040504020204" pitchFamily="34" charset="0"/>
-                <a:ea typeface="KoPubWorld돋움체 Medium" panose="00000600000000000000" pitchFamily="2" charset="-127"/>
-                <a:cs typeface="Noto Sans" panose="020B0502040504020204" pitchFamily="34" charset="0"/>
-              </a:rPr>
-            </a:br>
-            <a:r>
-              <a:rPr lang="ko-KR" altLang="en-US" sz="2800" b="1" dirty="0">
-                <a:highlight>
-                  <a:srgbClr val="FFFF00"/>
-                </a:highlight>
-                <a:latin typeface="Noto Sans" panose="020B0502040504020204" pitchFamily="34" charset="0"/>
-                <a:ea typeface="KoPubWorld돋움체 Medium" panose="00000600000000000000" pitchFamily="2" charset="-127"/>
-                <a:cs typeface="Noto Sans" panose="020B0502040504020204" pitchFamily="34" charset="0"/>
-              </a:rPr>
-              <a:t>정확한</a:t>
-            </a:r>
-            <a:r>
-              <a:rPr lang="ko-KR" altLang="en-US" sz="2800" b="1" dirty="0">
-                <a:latin typeface="Noto Sans" panose="020B0502040504020204" pitchFamily="34" charset="0"/>
-                <a:ea typeface="KoPubWorld돋움체 Medium" panose="00000600000000000000" pitchFamily="2" charset="-127"/>
-                <a:cs typeface="Noto Sans" panose="020B0502040504020204" pitchFamily="34" charset="0"/>
-              </a:rPr>
-              <a:t> </a:t>
-            </a:r>
-            <a:r>
-              <a:rPr lang="en-US" altLang="ko-KR" sz="2800" b="1" dirty="0">
-                <a:latin typeface="Noto Sans" panose="020B0502040504020204" pitchFamily="34" charset="0"/>
-                <a:ea typeface="Noto Sans" panose="020B0502040504020204" pitchFamily="34" charset="0"/>
-                <a:cs typeface="Noto Sans" panose="020B0502040504020204" pitchFamily="34" charset="0"/>
-              </a:rPr>
-              <a:t>SQL </a:t>
-            </a:r>
-            <a:r>
-              <a:rPr lang="ko-KR" altLang="en-US" sz="2800" b="1" dirty="0">
-                <a:latin typeface="Noto Sans" panose="020B0502040504020204" pitchFamily="34" charset="0"/>
-                <a:ea typeface="KoPubWorld돋움체 Medium" panose="00000600000000000000" pitchFamily="2" charset="-127"/>
-                <a:cs typeface="Noto Sans" panose="020B0502040504020204" pitchFamily="34" charset="0"/>
-              </a:rPr>
-              <a:t>쿼리를 자동 생성하는 방법 및 장치</a:t>
-            </a:r>
-          </a:p>
-        </p:txBody>
-      </p:sp>
-      <p:sp>
-        <p:nvSpPr>
-          <p:cNvPr id="6" name="TextBox 5">
-            <a:extLst>
-              <a:ext uri="{FF2B5EF4-FFF2-40B4-BE49-F238E27FC236}">
-                <a16:creationId xmlns:a16="http://schemas.microsoft.com/office/drawing/2014/main" id="{1ED0C12D-8A33-43ED-AE19-1C486EBF0921}"/>
-              </a:ext>
-            </a:extLst>
-          </p:cNvPr>
-          <p:cNvSpPr txBox="1"/>
-          <p:nvPr/>
-        </p:nvSpPr>
-        <p:spPr>
-          <a:xfrm>
-            <a:off x="1762125" y="4139965"/>
-            <a:ext cx="9903803" cy="1304203"/>
-          </a:xfrm>
-          <a:prstGeom prst="rect">
-            <a:avLst/>
-          </a:prstGeom>
-          <a:noFill/>
-        </p:spPr>
-        <p:txBody>
-          <a:bodyPr wrap="square">
-            <a:spAutoFit/>
-          </a:bodyPr>
-          <a:lstStyle/>
-          <a:p>
-            <a:pPr algn="ctr">
-              <a:lnSpc>
-                <a:spcPct val="150000"/>
-              </a:lnSpc>
-            </a:pPr>
-            <a:r>
-              <a:rPr lang="en-US" altLang="ko-KR" dirty="0">
-                <a:solidFill>
-                  <a:srgbClr val="FF0000"/>
-                </a:solidFill>
-                <a:latin typeface="Noto Sans" panose="020B0502040504020204" pitchFamily="34" charset="0"/>
-                <a:ea typeface="Noto Sans" panose="020B0502040504020204" pitchFamily="34" charset="0"/>
-                <a:cs typeface="Noto Sans" panose="020B0502040504020204" pitchFamily="34" charset="0"/>
-              </a:rPr>
-              <a:t>LLM</a:t>
-            </a:r>
-            <a:r>
-              <a:rPr lang="ko-KR" altLang="en-US" dirty="0">
-                <a:solidFill>
-                  <a:srgbClr val="FF0000"/>
-                </a:solidFill>
-                <a:latin typeface="Noto Sans" panose="020B0502040504020204" pitchFamily="34" charset="0"/>
-                <a:ea typeface="KoPubWorld돋움체 Medium" panose="00000600000000000000" pitchFamily="2" charset="-127"/>
-                <a:cs typeface="Noto Sans" panose="020B0502040504020204" pitchFamily="34" charset="0"/>
-              </a:rPr>
-              <a:t>을 통해 비표준 질의문장을 생성</a:t>
-            </a:r>
-            <a:r>
-              <a:rPr lang="ko-KR" altLang="en-US" dirty="0">
-                <a:latin typeface="Noto Sans" panose="020B0502040504020204" pitchFamily="34" charset="0"/>
-                <a:ea typeface="KoPubWorld돋움체 Medium" panose="00000600000000000000" pitchFamily="2" charset="-127"/>
-                <a:cs typeface="Noto Sans" panose="020B0502040504020204" pitchFamily="34" charset="0"/>
-              </a:rPr>
-              <a:t>하고 이를 학습한 </a:t>
-            </a:r>
-            <a:r>
-              <a:rPr lang="ko-KR" altLang="en-US" dirty="0">
-                <a:solidFill>
-                  <a:srgbClr val="FF0000"/>
-                </a:solidFill>
-                <a:latin typeface="Noto Sans" panose="020B0502040504020204" pitchFamily="34" charset="0"/>
-                <a:ea typeface="KoPubWorld돋움체 Medium" panose="00000600000000000000" pitchFamily="2" charset="-127"/>
-                <a:cs typeface="Noto Sans" panose="020B0502040504020204" pitchFamily="34" charset="0"/>
-              </a:rPr>
-              <a:t>문장정제기</a:t>
-            </a:r>
-            <a:r>
-              <a:rPr lang="ko-KR" altLang="en-US" dirty="0">
-                <a:latin typeface="Noto Sans" panose="020B0502040504020204" pitchFamily="34" charset="0"/>
-                <a:ea typeface="KoPubWorld돋움체 Medium" panose="00000600000000000000" pitchFamily="2" charset="-127"/>
-                <a:cs typeface="Noto Sans" panose="020B0502040504020204" pitchFamily="34" charset="0"/>
-              </a:rPr>
-              <a:t>를 통해 일반 사용자의 </a:t>
-            </a:r>
-            <a:br>
-              <a:rPr lang="en-US" altLang="ko-KR" dirty="0">
-                <a:latin typeface="Noto Sans" panose="020B0502040504020204" pitchFamily="34" charset="0"/>
-                <a:ea typeface="Noto Sans" panose="020B0502040504020204" pitchFamily="34" charset="0"/>
-                <a:cs typeface="Noto Sans" panose="020B0502040504020204" pitchFamily="34" charset="0"/>
-              </a:rPr>
-            </a:br>
-            <a:r>
-              <a:rPr lang="ko-KR" altLang="en-US" dirty="0">
-                <a:solidFill>
-                  <a:srgbClr val="FF0000"/>
-                </a:solidFill>
-                <a:latin typeface="Noto Sans" panose="020B0502040504020204" pitchFamily="34" charset="0"/>
-                <a:ea typeface="KoPubWorld돋움체 Medium" panose="00000600000000000000" pitchFamily="2" charset="-127"/>
-                <a:cs typeface="Noto Sans" panose="020B0502040504020204" pitchFamily="34" charset="0"/>
-              </a:rPr>
-              <a:t>자연어 질의를 표준 질의문장으로 변환</a:t>
-            </a:r>
-            <a:r>
-              <a:rPr lang="ko-KR" altLang="en-US" dirty="0">
-                <a:latin typeface="Noto Sans" panose="020B0502040504020204" pitchFamily="34" charset="0"/>
-                <a:ea typeface="KoPubWorld돋움체 Medium" panose="00000600000000000000" pitchFamily="2" charset="-127"/>
-                <a:cs typeface="Noto Sans" panose="020B0502040504020204" pitchFamily="34" charset="0"/>
-              </a:rPr>
-              <a:t>하고</a:t>
-            </a:r>
-            <a:r>
-              <a:rPr lang="en-US" altLang="ko-KR" dirty="0">
-                <a:latin typeface="Noto Sans" panose="020B0502040504020204" pitchFamily="34" charset="0"/>
-                <a:ea typeface="Noto Sans" panose="020B0502040504020204" pitchFamily="34" charset="0"/>
-                <a:cs typeface="Noto Sans" panose="020B0502040504020204" pitchFamily="34" charset="0"/>
-              </a:rPr>
-              <a:t>, </a:t>
-            </a:r>
-            <a:r>
-              <a:rPr lang="ko-KR" altLang="en-US" dirty="0">
-                <a:latin typeface="Noto Sans" panose="020B0502040504020204" pitchFamily="34" charset="0"/>
-                <a:ea typeface="KoPubWorld돋움체 Medium" panose="00000600000000000000" pitchFamily="2" charset="-127"/>
-                <a:cs typeface="Noto Sans" panose="020B0502040504020204" pitchFamily="34" charset="0"/>
-              </a:rPr>
-              <a:t>이를 </a:t>
-            </a:r>
-            <a:r>
-              <a:rPr lang="en-US" altLang="ko-KR" dirty="0">
-                <a:latin typeface="Noto Sans" panose="020B0502040504020204" pitchFamily="34" charset="0"/>
-                <a:ea typeface="Noto Sans" panose="020B0502040504020204" pitchFamily="34" charset="0"/>
-                <a:cs typeface="Noto Sans" panose="020B0502040504020204" pitchFamily="34" charset="0"/>
-              </a:rPr>
-              <a:t>Text2SQL </a:t>
-            </a:r>
-            <a:r>
-              <a:rPr lang="ko-KR" altLang="en-US" dirty="0">
-                <a:latin typeface="Noto Sans" panose="020B0502040504020204" pitchFamily="34" charset="0"/>
-                <a:ea typeface="KoPubWorld돋움체 Medium" panose="00000600000000000000" pitchFamily="2" charset="-127"/>
-                <a:cs typeface="Noto Sans" panose="020B0502040504020204" pitchFamily="34" charset="0"/>
-              </a:rPr>
-              <a:t>모델의 입력으로 활용하여 보다 </a:t>
-            </a:r>
-            <a:br>
-              <a:rPr lang="en-US" altLang="ko-KR" dirty="0">
-                <a:latin typeface="Noto Sans" panose="020B0502040504020204" pitchFamily="34" charset="0"/>
-                <a:ea typeface="Noto Sans" panose="020B0502040504020204" pitchFamily="34" charset="0"/>
-                <a:cs typeface="Noto Sans" panose="020B0502040504020204" pitchFamily="34" charset="0"/>
-              </a:rPr>
-            </a:br>
-            <a:r>
-              <a:rPr lang="ko-KR" altLang="en-US" dirty="0">
-                <a:latin typeface="Noto Sans" panose="020B0502040504020204" pitchFamily="34" charset="0"/>
-                <a:ea typeface="KoPubWorld돋움체 Medium" panose="00000600000000000000" pitchFamily="2" charset="-127"/>
-                <a:cs typeface="Noto Sans" panose="020B0502040504020204" pitchFamily="34" charset="0"/>
-              </a:rPr>
-              <a:t>정확한 </a:t>
-            </a:r>
-            <a:r>
-              <a:rPr lang="en-US" altLang="ko-KR" dirty="0">
-                <a:latin typeface="Noto Sans" panose="020B0502040504020204" pitchFamily="34" charset="0"/>
-                <a:ea typeface="Noto Sans" panose="020B0502040504020204" pitchFamily="34" charset="0"/>
-                <a:cs typeface="Noto Sans" panose="020B0502040504020204" pitchFamily="34" charset="0"/>
-              </a:rPr>
-              <a:t>SQL </a:t>
-            </a:r>
-            <a:r>
-              <a:rPr lang="ko-KR" altLang="en-US" dirty="0">
-                <a:latin typeface="Noto Sans" panose="020B0502040504020204" pitchFamily="34" charset="0"/>
-                <a:ea typeface="KoPubWorld돋움체 Medium" panose="00000600000000000000" pitchFamily="2" charset="-127"/>
-                <a:cs typeface="Noto Sans" panose="020B0502040504020204" pitchFamily="34" charset="0"/>
-              </a:rPr>
-              <a:t>쿼리를 생성하는 ‘비표준 질의문장 정제 기반 </a:t>
-            </a:r>
-            <a:r>
-              <a:rPr lang="en-US" altLang="ko-KR" dirty="0">
-                <a:latin typeface="Noto Sans" panose="020B0502040504020204" pitchFamily="34" charset="0"/>
-                <a:ea typeface="Noto Sans" panose="020B0502040504020204" pitchFamily="34" charset="0"/>
-                <a:cs typeface="Noto Sans" panose="020B0502040504020204" pitchFamily="34" charset="0"/>
-              </a:rPr>
-              <a:t>SQL </a:t>
-            </a:r>
-            <a:r>
-              <a:rPr lang="ko-KR" altLang="en-US" dirty="0">
-                <a:latin typeface="Noto Sans" panose="020B0502040504020204" pitchFamily="34" charset="0"/>
-                <a:ea typeface="KoPubWorld돋움체 Medium" panose="00000600000000000000" pitchFamily="2" charset="-127"/>
-                <a:cs typeface="Noto Sans" panose="020B0502040504020204" pitchFamily="34" charset="0"/>
-              </a:rPr>
-              <a:t>자동 생성 방법 및 장치’ 를 개발</a:t>
-            </a:r>
-          </a:p>
-        </p:txBody>
-      </p:sp>
-      <p:sp>
-        <p:nvSpPr>
-          <p:cNvPr id="4" name="화살표: 오른쪽 3">
-            <a:extLst>
-              <a:ext uri="{FF2B5EF4-FFF2-40B4-BE49-F238E27FC236}">
-                <a16:creationId xmlns:a16="http://schemas.microsoft.com/office/drawing/2014/main" id="{6498B3C4-9D6B-47EB-83DA-E390C64AD977}"/>
-              </a:ext>
-            </a:extLst>
-          </p:cNvPr>
-          <p:cNvSpPr/>
-          <p:nvPr/>
-        </p:nvSpPr>
-        <p:spPr>
-          <a:xfrm>
-            <a:off x="561975" y="4410075"/>
-            <a:ext cx="1200150" cy="763985"/>
-          </a:xfrm>
-          <a:prstGeom prst="rightArrow">
-            <a:avLst/>
-          </a:prstGeom>
-        </p:spPr>
-        <p:style>
-          <a:lnRef idx="2">
-            <a:schemeClr val="accent1">
-              <a:shade val="50000"/>
-            </a:schemeClr>
-          </a:lnRef>
-          <a:fillRef idx="1">
-            <a:schemeClr val="accent1"/>
-          </a:fillRef>
-          <a:effectRef idx="0">
-            <a:schemeClr val="accent1"/>
-          </a:effectRef>
-          <a:fontRef idx="minor">
-            <a:schemeClr val="lt1"/>
-          </a:fontRef>
-        </p:style>
-        <p:txBody>
-          <a:bodyPr rtlCol="0" anchor="ctr"/>
-          <a:lstStyle/>
-          <a:p>
-            <a:pPr algn="ctr"/>
-            <a:endParaRPr lang="ko-KR" altLang="en-US">
-              <a:latin typeface="Noto Sans" panose="020B0502040504020204" pitchFamily="34" charset="0"/>
-              <a:cs typeface="Noto Sans" panose="020B0502040504020204" pitchFamily="34" charset="0"/>
-            </a:endParaRPr>
-          </a:p>
-        </p:txBody>
-      </p:sp>
-      <p:sp>
-        <p:nvSpPr>
-          <p:cNvPr id="10" name="TextBox 9">
-            <a:extLst>
-              <a:ext uri="{FF2B5EF4-FFF2-40B4-BE49-F238E27FC236}">
-                <a16:creationId xmlns:a16="http://schemas.microsoft.com/office/drawing/2014/main" id="{6658A700-2225-4D15-BAF2-F6B94B3D50BE}"/>
-              </a:ext>
-            </a:extLst>
-          </p:cNvPr>
-          <p:cNvSpPr txBox="1"/>
-          <p:nvPr/>
-        </p:nvSpPr>
-        <p:spPr>
-          <a:xfrm>
-            <a:off x="11699631" y="6410326"/>
-            <a:ext cx="432460" cy="276999"/>
-          </a:xfrm>
-          <a:prstGeom prst="rect">
-            <a:avLst/>
-          </a:prstGeom>
-          <a:noFill/>
-        </p:spPr>
-        <p:txBody>
-          <a:bodyPr wrap="square" rtlCol="0">
-            <a:spAutoFit/>
-          </a:bodyPr>
-          <a:lstStyle/>
-          <a:p>
-            <a:r>
-              <a:rPr lang="en-US" altLang="ko-KR" sz="1200" b="1" dirty="0">
-                <a:latin typeface="Noto Sans" panose="020B0502040504020204" pitchFamily="34" charset="0"/>
-                <a:cs typeface="Noto Sans" panose="020B0502040504020204" pitchFamily="34" charset="0"/>
-              </a:rPr>
-              <a:t>4</a:t>
-            </a:r>
-            <a:endParaRPr lang="ko-KR" altLang="en-US" sz="1200" b="1" dirty="0">
-              <a:latin typeface="Noto Sans" panose="020B0502040504020204" pitchFamily="34" charset="0"/>
-              <a:cs typeface="Noto Sans" panose="020B0502040504020204" pitchFamily="34" charset="0"/>
-            </a:endParaRPr>
-          </a:p>
-        </p:txBody>
-      </p:sp>
-    </p:spTree>
-    <p:extLst>
-      <p:ext uri="{BB962C8B-B14F-4D97-AF65-F5344CB8AC3E}">
-        <p14:creationId xmlns:p14="http://schemas.microsoft.com/office/powerpoint/2010/main" val="2348409814"/>
-      </p:ext>
-    </p:extLst>
-  </p:cSld>
-  <p:clrMapOvr>
-    <a:masterClrMapping/>
-  </p:clrMapOvr>
-</p:sld>
-</file>
-
-<file path=ppt/slides/slide6.xml><?xml version="1.0" encoding="utf-8"?>
-<p:sld xmlns:a="http://schemas.openxmlformats.org/drawingml/2006/main" xmlns:r="http://schemas.openxmlformats.org/officeDocument/2006/relationships" xmlns:p="http://schemas.openxmlformats.org/presentationml/2006/main">
-  <p:cSld>
-    <p:spTree>
-      <p:nvGrpSpPr>
-        <p:cNvPr id="1" name=""/>
-        <p:cNvGrpSpPr/>
-        <p:nvPr/>
-      </p:nvGrpSpPr>
-      <p:grpSpPr>
-        <a:xfrm>
-          <a:off x="0" y="0"/>
-          <a:ext cx="0" cy="0"/>
-          <a:chOff x="0" y="0"/>
-          <a:chExt cx="0" cy="0"/>
-        </a:xfrm>
-      </p:grpSpPr>
-      <p:sp>
-        <p:nvSpPr>
-          <p:cNvPr id="7" name="TextBox 6">
-            <a:extLst>
-              <a:ext uri="{FF2B5EF4-FFF2-40B4-BE49-F238E27FC236}">
-                <a16:creationId xmlns:a16="http://schemas.microsoft.com/office/drawing/2014/main" id="{EAD81958-EA21-43DB-8E66-3F0BC85E2F32}"/>
-              </a:ext>
-            </a:extLst>
-          </p:cNvPr>
-          <p:cNvSpPr txBox="1"/>
-          <p:nvPr/>
-        </p:nvSpPr>
-        <p:spPr>
-          <a:xfrm>
-            <a:off x="70338" y="87923"/>
-            <a:ext cx="2609255" cy="461665"/>
-          </a:xfrm>
-          <a:prstGeom prst="rect">
-            <a:avLst/>
-          </a:prstGeom>
-          <a:noFill/>
-        </p:spPr>
-        <p:txBody>
-          <a:bodyPr wrap="square" rtlCol="0">
-            <a:spAutoFit/>
-          </a:bodyPr>
-          <a:lstStyle/>
-          <a:p>
-            <a:r>
-              <a:rPr lang="ko-KR" altLang="en-US" sz="2400" b="1" dirty="0">
-                <a:latin typeface="Noto Sans" panose="020B0502040504020204" pitchFamily="34" charset="0"/>
-                <a:ea typeface="KoPubWorld돋움체 Medium" panose="00000600000000000000" pitchFamily="2" charset="-127"/>
-                <a:cs typeface="Noto Sans" panose="020B0502040504020204" pitchFamily="34" charset="0"/>
-              </a:rPr>
-              <a:t>발명 제안</a:t>
-            </a:r>
-          </a:p>
-        </p:txBody>
-      </p:sp>
-      <p:sp>
-        <p:nvSpPr>
-          <p:cNvPr id="19" name="직사각형 18">
-            <a:extLst>
-              <a:ext uri="{FF2B5EF4-FFF2-40B4-BE49-F238E27FC236}">
-                <a16:creationId xmlns:a16="http://schemas.microsoft.com/office/drawing/2014/main" id="{05488D78-CAE0-48D9-A40B-D9C186391F66}"/>
-              </a:ext>
-            </a:extLst>
-          </p:cNvPr>
-          <p:cNvSpPr/>
-          <p:nvPr/>
-        </p:nvSpPr>
-        <p:spPr>
-          <a:xfrm>
-            <a:off x="809625" y="1105174"/>
-            <a:ext cx="10275292" cy="1509161"/>
-          </a:xfrm>
-          <a:prstGeom prst="rect">
-            <a:avLst/>
-          </a:prstGeom>
-          <a:ln w="38100"/>
-          <a:effectLst/>
-        </p:spPr>
-        <p:style>
-          <a:lnRef idx="2">
-            <a:schemeClr val="accent1"/>
-          </a:lnRef>
-          <a:fillRef idx="1">
-            <a:schemeClr val="lt1"/>
-          </a:fillRef>
-          <a:effectRef idx="0">
-            <a:schemeClr val="accent1"/>
-          </a:effectRef>
-          <a:fontRef idx="minor">
-            <a:schemeClr val="dk1"/>
-          </a:fontRef>
-        </p:style>
-        <p:txBody>
-          <a:bodyPr rtlCol="0" anchor="ctr"/>
-          <a:lstStyle/>
-          <a:p>
-            <a:pPr algn="ctr"/>
-            <a:endParaRPr lang="ko-KR" altLang="en-US" dirty="0">
-              <a:latin typeface="Noto Sans" panose="020B0502040504020204" pitchFamily="34" charset="0"/>
-              <a:ea typeface="KoPubWorld돋움체 Medium" panose="00000600000000000000" pitchFamily="2" charset="-127"/>
-              <a:cs typeface="Noto Sans" panose="020B0502040504020204" pitchFamily="34" charset="0"/>
-            </a:endParaRPr>
-          </a:p>
-        </p:txBody>
-      </p:sp>
-      <p:sp>
-        <p:nvSpPr>
-          <p:cNvPr id="20" name="직사각형 19">
-            <a:extLst>
-              <a:ext uri="{FF2B5EF4-FFF2-40B4-BE49-F238E27FC236}">
-                <a16:creationId xmlns:a16="http://schemas.microsoft.com/office/drawing/2014/main" id="{9608905D-0F8B-4243-94A7-501ED255CA47}"/>
-              </a:ext>
-            </a:extLst>
-          </p:cNvPr>
-          <p:cNvSpPr/>
-          <p:nvPr/>
-        </p:nvSpPr>
-        <p:spPr>
-          <a:xfrm>
-            <a:off x="809625" y="2909930"/>
-            <a:ext cx="10275292" cy="1509161"/>
-          </a:xfrm>
-          <a:prstGeom prst="rect">
-            <a:avLst/>
-          </a:prstGeom>
-          <a:ln w="38100"/>
-          <a:effectLst/>
-        </p:spPr>
-        <p:style>
-          <a:lnRef idx="2">
-            <a:schemeClr val="accent1"/>
-          </a:lnRef>
-          <a:fillRef idx="1">
-            <a:schemeClr val="lt1"/>
-          </a:fillRef>
-          <a:effectRef idx="0">
-            <a:schemeClr val="accent1"/>
-          </a:effectRef>
-          <a:fontRef idx="minor">
-            <a:schemeClr val="dk1"/>
-          </a:fontRef>
-        </p:style>
-        <p:txBody>
-          <a:bodyPr rtlCol="0" anchor="ctr"/>
-          <a:lstStyle/>
-          <a:p>
-            <a:pPr algn="ctr"/>
-            <a:endParaRPr lang="ko-KR" altLang="en-US">
-              <a:latin typeface="Noto Sans" panose="020B0502040504020204" pitchFamily="34" charset="0"/>
-              <a:ea typeface="KoPubWorld돋움체 Medium" panose="00000600000000000000" pitchFamily="2" charset="-127"/>
-              <a:cs typeface="Noto Sans" panose="020B0502040504020204" pitchFamily="34" charset="0"/>
-            </a:endParaRPr>
-          </a:p>
-        </p:txBody>
-      </p:sp>
-      <p:sp>
-        <p:nvSpPr>
-          <p:cNvPr id="21" name="직사각형 20">
-            <a:extLst>
-              <a:ext uri="{FF2B5EF4-FFF2-40B4-BE49-F238E27FC236}">
-                <a16:creationId xmlns:a16="http://schemas.microsoft.com/office/drawing/2014/main" id="{AF133C12-DC48-4BB0-A7D9-AC9F96395CDF}"/>
-              </a:ext>
-            </a:extLst>
-          </p:cNvPr>
-          <p:cNvSpPr/>
-          <p:nvPr/>
-        </p:nvSpPr>
-        <p:spPr>
-          <a:xfrm>
-            <a:off x="809625" y="4714685"/>
-            <a:ext cx="10275292" cy="1509161"/>
-          </a:xfrm>
-          <a:prstGeom prst="rect">
-            <a:avLst/>
-          </a:prstGeom>
-          <a:ln w="38100"/>
-          <a:effectLst/>
-        </p:spPr>
-        <p:style>
-          <a:lnRef idx="2">
-            <a:schemeClr val="accent1"/>
-          </a:lnRef>
-          <a:fillRef idx="1">
-            <a:schemeClr val="lt1"/>
-          </a:fillRef>
-          <a:effectRef idx="0">
-            <a:schemeClr val="accent1"/>
-          </a:effectRef>
-          <a:fontRef idx="minor">
-            <a:schemeClr val="dk1"/>
-          </a:fontRef>
-        </p:style>
-        <p:txBody>
-          <a:bodyPr rtlCol="0" anchor="ctr"/>
-          <a:lstStyle/>
-          <a:p>
-            <a:pPr algn="ctr"/>
-            <a:endParaRPr lang="ko-KR" altLang="en-US">
-              <a:latin typeface="Noto Sans" panose="020B0502040504020204" pitchFamily="34" charset="0"/>
-              <a:ea typeface="KoPubWorld돋움체 Medium" panose="00000600000000000000" pitchFamily="2" charset="-127"/>
-              <a:cs typeface="Noto Sans" panose="020B0502040504020204" pitchFamily="34" charset="0"/>
-            </a:endParaRPr>
-          </a:p>
-        </p:txBody>
-      </p:sp>
-      <p:sp>
-        <p:nvSpPr>
-          <p:cNvPr id="22" name="TextBox 21">
-            <a:extLst>
-              <a:ext uri="{FF2B5EF4-FFF2-40B4-BE49-F238E27FC236}">
-                <a16:creationId xmlns:a16="http://schemas.microsoft.com/office/drawing/2014/main" id="{F86D6893-6107-4A2C-A632-41120DEF5BFB}"/>
-              </a:ext>
-            </a:extLst>
-          </p:cNvPr>
-          <p:cNvSpPr txBox="1"/>
-          <p:nvPr/>
-        </p:nvSpPr>
-        <p:spPr>
-          <a:xfrm>
-            <a:off x="1380226" y="1659699"/>
-            <a:ext cx="1173193" cy="400110"/>
-          </a:xfrm>
-          <a:prstGeom prst="rect">
-            <a:avLst/>
-          </a:prstGeom>
-          <a:noFill/>
-        </p:spPr>
-        <p:txBody>
-          <a:bodyPr wrap="square" rtlCol="0">
-            <a:spAutoFit/>
-          </a:bodyPr>
-          <a:lstStyle/>
-          <a:p>
-            <a:pPr algn="ctr"/>
-            <a:r>
-              <a:rPr lang="en-US" altLang="ko-KR" sz="2000" b="1" dirty="0">
-                <a:latin typeface="Noto Sans" panose="020B0502040504020204" pitchFamily="34" charset="0"/>
-                <a:ea typeface="Noto Sans" panose="020B0502040504020204" pitchFamily="34" charset="0"/>
-                <a:cs typeface="Noto Sans" panose="020B0502040504020204" pitchFamily="34" charset="0"/>
-              </a:rPr>
-              <a:t>IDEA 1</a:t>
-            </a:r>
-            <a:endParaRPr lang="ko-KR" altLang="en-US" sz="2000" b="1" dirty="0">
-              <a:latin typeface="Noto Sans" panose="020B0502040504020204" pitchFamily="34" charset="0"/>
-              <a:ea typeface="KoPubWorld돋움체 Medium" panose="00000600000000000000" pitchFamily="2" charset="-127"/>
-              <a:cs typeface="Noto Sans" panose="020B0502040504020204" pitchFamily="34" charset="0"/>
-            </a:endParaRPr>
-          </a:p>
-        </p:txBody>
-      </p:sp>
-      <p:sp>
-        <p:nvSpPr>
-          <p:cNvPr id="23" name="TextBox 22">
-            <a:extLst>
-              <a:ext uri="{FF2B5EF4-FFF2-40B4-BE49-F238E27FC236}">
-                <a16:creationId xmlns:a16="http://schemas.microsoft.com/office/drawing/2014/main" id="{36690F04-74E6-463F-AABE-37614D89E28B}"/>
-              </a:ext>
-            </a:extLst>
-          </p:cNvPr>
-          <p:cNvSpPr txBox="1"/>
-          <p:nvPr/>
-        </p:nvSpPr>
-        <p:spPr>
-          <a:xfrm>
-            <a:off x="1380225" y="3464455"/>
-            <a:ext cx="1173193" cy="400110"/>
-          </a:xfrm>
-          <a:prstGeom prst="rect">
-            <a:avLst/>
-          </a:prstGeom>
-          <a:noFill/>
-        </p:spPr>
-        <p:txBody>
-          <a:bodyPr wrap="square" rtlCol="0">
-            <a:spAutoFit/>
-          </a:bodyPr>
-          <a:lstStyle/>
-          <a:p>
-            <a:pPr algn="ctr"/>
-            <a:r>
-              <a:rPr lang="en-US" altLang="ko-KR" sz="2000" b="1" dirty="0">
-                <a:latin typeface="Noto Sans" panose="020B0502040504020204" pitchFamily="34" charset="0"/>
-                <a:ea typeface="Noto Sans" panose="020B0502040504020204" pitchFamily="34" charset="0"/>
-                <a:cs typeface="Noto Sans" panose="020B0502040504020204" pitchFamily="34" charset="0"/>
-              </a:rPr>
-              <a:t>IDEA 2</a:t>
-            </a:r>
-            <a:endParaRPr lang="ko-KR" altLang="en-US" sz="2000" b="1" dirty="0">
-              <a:latin typeface="Noto Sans" panose="020B0502040504020204" pitchFamily="34" charset="0"/>
-              <a:ea typeface="KoPubWorld돋움체 Medium" panose="00000600000000000000" pitchFamily="2" charset="-127"/>
-              <a:cs typeface="Noto Sans" panose="020B0502040504020204" pitchFamily="34" charset="0"/>
-            </a:endParaRPr>
-          </a:p>
-        </p:txBody>
-      </p:sp>
-      <p:sp>
-        <p:nvSpPr>
-          <p:cNvPr id="24" name="TextBox 23">
-            <a:extLst>
-              <a:ext uri="{FF2B5EF4-FFF2-40B4-BE49-F238E27FC236}">
-                <a16:creationId xmlns:a16="http://schemas.microsoft.com/office/drawing/2014/main" id="{33119CD6-309B-4DE4-934C-9B4A0AF461CE}"/>
-              </a:ext>
-            </a:extLst>
-          </p:cNvPr>
-          <p:cNvSpPr txBox="1"/>
-          <p:nvPr/>
-        </p:nvSpPr>
-        <p:spPr>
-          <a:xfrm>
-            <a:off x="1380225" y="5269210"/>
-            <a:ext cx="1173193" cy="400110"/>
-          </a:xfrm>
-          <a:prstGeom prst="rect">
-            <a:avLst/>
-          </a:prstGeom>
-          <a:noFill/>
-        </p:spPr>
-        <p:txBody>
-          <a:bodyPr wrap="square" rtlCol="0">
-            <a:spAutoFit/>
-          </a:bodyPr>
-          <a:lstStyle/>
-          <a:p>
-            <a:pPr algn="ctr"/>
-            <a:r>
-              <a:rPr lang="en-US" altLang="ko-KR" sz="2000" b="1" dirty="0">
-                <a:latin typeface="Noto Sans" panose="020B0502040504020204" pitchFamily="34" charset="0"/>
-                <a:ea typeface="Noto Sans" panose="020B0502040504020204" pitchFamily="34" charset="0"/>
-                <a:cs typeface="Noto Sans" panose="020B0502040504020204" pitchFamily="34" charset="0"/>
-              </a:rPr>
-              <a:t>IDEA 3</a:t>
-            </a:r>
-            <a:endParaRPr lang="ko-KR" altLang="en-US" sz="2000" b="1" dirty="0">
-              <a:latin typeface="Noto Sans" panose="020B0502040504020204" pitchFamily="34" charset="0"/>
-              <a:ea typeface="KoPubWorld돋움체 Medium" panose="00000600000000000000" pitchFamily="2" charset="-127"/>
-              <a:cs typeface="Noto Sans" panose="020B0502040504020204" pitchFamily="34" charset="0"/>
-            </a:endParaRPr>
-          </a:p>
-        </p:txBody>
-      </p:sp>
-      <p:sp>
-        <p:nvSpPr>
-          <p:cNvPr id="25" name="TextBox 24">
-            <a:extLst>
-              <a:ext uri="{FF2B5EF4-FFF2-40B4-BE49-F238E27FC236}">
-                <a16:creationId xmlns:a16="http://schemas.microsoft.com/office/drawing/2014/main" id="{91E00966-B6C2-4EBF-85AF-FE2EE5AC2BF9}"/>
-              </a:ext>
-            </a:extLst>
-          </p:cNvPr>
-          <p:cNvSpPr txBox="1"/>
-          <p:nvPr/>
-        </p:nvSpPr>
-        <p:spPr>
-          <a:xfrm>
-            <a:off x="2826561" y="1444554"/>
-            <a:ext cx="8174813" cy="800219"/>
-          </a:xfrm>
-          <a:prstGeom prst="rect">
-            <a:avLst/>
-          </a:prstGeom>
-          <a:noFill/>
-        </p:spPr>
-        <p:txBody>
-          <a:bodyPr wrap="square" rtlCol="0">
-            <a:spAutoFit/>
-          </a:bodyPr>
-          <a:lstStyle/>
-          <a:p>
-            <a:pPr>
-              <a:lnSpc>
-                <a:spcPct val="150000"/>
-              </a:lnSpc>
-            </a:pPr>
-            <a:r>
-              <a:rPr lang="ko-KR" altLang="en-US" sz="1600" dirty="0">
-                <a:solidFill>
-                  <a:schemeClr val="tx1"/>
-                </a:solidFill>
-                <a:latin typeface="Noto Sans" panose="020B0502040504020204" pitchFamily="34" charset="0"/>
-                <a:ea typeface="KoPubWorld돋움체 Medium" panose="00000600000000000000" pitchFamily="2" charset="-127"/>
-                <a:cs typeface="Noto Sans" panose="020B0502040504020204" pitchFamily="34" charset="0"/>
-              </a:rPr>
-              <a:t>표준 질의문장의 </a:t>
-            </a:r>
-            <a:r>
-              <a:rPr lang="en-US" altLang="ko-KR" sz="1600" dirty="0">
-                <a:solidFill>
-                  <a:schemeClr val="tx1"/>
-                </a:solidFill>
-                <a:latin typeface="Noto Sans" panose="020B0502040504020204" pitchFamily="34" charset="0"/>
-                <a:ea typeface="Noto Sans" panose="020B0502040504020204" pitchFamily="34" charset="0"/>
-                <a:cs typeface="Noto Sans" panose="020B0502040504020204" pitchFamily="34" charset="0"/>
-              </a:rPr>
-              <a:t>SQL </a:t>
-            </a:r>
-            <a:r>
-              <a:rPr lang="ko-KR" altLang="en-US" sz="1600" dirty="0">
-                <a:latin typeface="Noto Sans" panose="020B0502040504020204" pitchFamily="34" charset="0"/>
-                <a:ea typeface="KoPubWorld돋움체 Medium" panose="00000600000000000000" pitchFamily="2" charset="-127"/>
-                <a:cs typeface="Noto Sans" panose="020B0502040504020204" pitchFamily="34" charset="0"/>
-              </a:rPr>
-              <a:t>쿼리를</a:t>
-            </a:r>
-            <a:r>
-              <a:rPr lang="ko-KR" altLang="en-US" sz="1600" dirty="0">
-                <a:solidFill>
-                  <a:schemeClr val="tx1"/>
-                </a:solidFill>
-                <a:latin typeface="Noto Sans" panose="020B0502040504020204" pitchFamily="34" charset="0"/>
-                <a:ea typeface="KoPubWorld돋움체 Medium" panose="00000600000000000000" pitchFamily="2" charset="-127"/>
-                <a:cs typeface="Noto Sans" panose="020B0502040504020204" pitchFamily="34" charset="0"/>
-              </a:rPr>
-              <a:t> </a:t>
-            </a:r>
-            <a:r>
-              <a:rPr lang="en-US" altLang="ko-KR" sz="1600" dirty="0">
-                <a:latin typeface="Noto Sans" panose="020B0502040504020204" pitchFamily="34" charset="0"/>
-                <a:ea typeface="Noto Sans" panose="020B0502040504020204" pitchFamily="34" charset="0"/>
-                <a:cs typeface="Noto Sans" panose="020B0502040504020204" pitchFamily="34" charset="0"/>
-              </a:rPr>
-              <a:t>LLM</a:t>
-            </a:r>
-            <a:r>
-              <a:rPr lang="ko-KR" altLang="en-US" sz="1600" dirty="0">
-                <a:latin typeface="Noto Sans" panose="020B0502040504020204" pitchFamily="34" charset="0"/>
-                <a:ea typeface="KoPubWorld돋움체 Medium" panose="00000600000000000000" pitchFamily="2" charset="-127"/>
-                <a:cs typeface="Noto Sans" panose="020B0502040504020204" pitchFamily="34" charset="0"/>
-              </a:rPr>
-              <a:t>에 입력하여 </a:t>
-            </a:r>
-            <a:r>
-              <a:rPr lang="en-US" altLang="ko-KR" sz="1600" dirty="0">
-                <a:solidFill>
-                  <a:srgbClr val="FF0000"/>
-                </a:solidFill>
-                <a:latin typeface="Noto Sans" panose="020B0502040504020204" pitchFamily="34" charset="0"/>
-                <a:ea typeface="Noto Sans" panose="020B0502040504020204" pitchFamily="34" charset="0"/>
-                <a:cs typeface="Noto Sans" panose="020B0502040504020204" pitchFamily="34" charset="0"/>
-              </a:rPr>
-              <a:t>SQL2Text</a:t>
-            </a:r>
-            <a:r>
-              <a:rPr lang="ko-KR" altLang="en-US" sz="1600" dirty="0">
-                <a:solidFill>
-                  <a:srgbClr val="FF0000"/>
-                </a:solidFill>
-                <a:latin typeface="Noto Sans" panose="020B0502040504020204" pitchFamily="34" charset="0"/>
-                <a:ea typeface="KoPubWorld돋움체 Medium" panose="00000600000000000000" pitchFamily="2" charset="-127"/>
-                <a:cs typeface="Noto Sans" panose="020B0502040504020204" pitchFamily="34" charset="0"/>
-              </a:rPr>
-              <a:t>를 수행</a:t>
-            </a:r>
-            <a:r>
-              <a:rPr lang="ko-KR" altLang="en-US" sz="1600" dirty="0">
-                <a:solidFill>
-                  <a:schemeClr val="tx1"/>
-                </a:solidFill>
-                <a:latin typeface="Noto Sans" panose="020B0502040504020204" pitchFamily="34" charset="0"/>
-                <a:ea typeface="KoPubWorld돋움체 Medium" panose="00000600000000000000" pitchFamily="2" charset="-127"/>
-                <a:cs typeface="Noto Sans" panose="020B0502040504020204" pitchFamily="34" charset="0"/>
-              </a:rPr>
-              <a:t>하고</a:t>
-            </a:r>
-            <a:r>
-              <a:rPr lang="en-US" altLang="ko-KR" sz="1600" dirty="0">
-                <a:solidFill>
-                  <a:schemeClr val="tx1"/>
-                </a:solidFill>
-                <a:latin typeface="Noto Sans" panose="020B0502040504020204" pitchFamily="34" charset="0"/>
-                <a:ea typeface="Noto Sans" panose="020B0502040504020204" pitchFamily="34" charset="0"/>
-                <a:cs typeface="Noto Sans" panose="020B0502040504020204" pitchFamily="34" charset="0"/>
-              </a:rPr>
-              <a:t>, </a:t>
-            </a:r>
-            <a:r>
-              <a:rPr lang="en-US" altLang="ko-KR" sz="1600" dirty="0">
-                <a:solidFill>
-                  <a:srgbClr val="FF0000"/>
-                </a:solidFill>
-                <a:latin typeface="Noto Sans" panose="020B0502040504020204" pitchFamily="34" charset="0"/>
-                <a:ea typeface="Noto Sans" panose="020B0502040504020204" pitchFamily="34" charset="0"/>
-                <a:cs typeface="Noto Sans" panose="020B0502040504020204" pitchFamily="34" charset="0"/>
-              </a:rPr>
-              <a:t>RAG</a:t>
-            </a:r>
-            <a:r>
-              <a:rPr lang="ko-KR" altLang="en-US" sz="1600" dirty="0">
-                <a:solidFill>
-                  <a:schemeClr val="tx1"/>
-                </a:solidFill>
-                <a:latin typeface="Noto Sans" panose="020B0502040504020204" pitchFamily="34" charset="0"/>
-                <a:ea typeface="KoPubWorld돋움체 Medium" panose="00000600000000000000" pitchFamily="2" charset="-127"/>
-                <a:cs typeface="Noto Sans" panose="020B0502040504020204" pitchFamily="34" charset="0"/>
-              </a:rPr>
-              <a:t>를 </a:t>
-            </a:r>
-            <a:r>
-              <a:rPr lang="ko-KR" altLang="en-US" sz="1600" dirty="0">
-                <a:latin typeface="Noto Sans" panose="020B0502040504020204" pitchFamily="34" charset="0"/>
-                <a:ea typeface="KoPubWorld돋움체 Medium" panose="00000600000000000000" pitchFamily="2" charset="-127"/>
-                <a:cs typeface="Noto Sans" panose="020B0502040504020204" pitchFamily="34" charset="0"/>
-              </a:rPr>
-              <a:t>활용해</a:t>
-            </a:r>
-            <a:r>
-              <a:rPr lang="ko-KR" altLang="en-US" sz="1600" dirty="0">
-                <a:solidFill>
-                  <a:schemeClr val="tx1"/>
-                </a:solidFill>
-                <a:latin typeface="Noto Sans" panose="020B0502040504020204" pitchFamily="34" charset="0"/>
-                <a:ea typeface="KoPubWorld돋움체 Medium" panose="00000600000000000000" pitchFamily="2" charset="-127"/>
-                <a:cs typeface="Noto Sans" panose="020B0502040504020204" pitchFamily="34" charset="0"/>
-              </a:rPr>
-              <a:t> 표준 질의문장 데이터셋의 </a:t>
-            </a:r>
-            <a:r>
-              <a:rPr lang="en-US" altLang="ko-KR" sz="1600" dirty="0">
-                <a:solidFill>
-                  <a:schemeClr val="tx1"/>
-                </a:solidFill>
-                <a:latin typeface="Noto Sans" panose="020B0502040504020204" pitchFamily="34" charset="0"/>
-                <a:ea typeface="Noto Sans" panose="020B0502040504020204" pitchFamily="34" charset="0"/>
-                <a:cs typeface="Noto Sans" panose="020B0502040504020204" pitchFamily="34" charset="0"/>
-              </a:rPr>
-              <a:t>Description</a:t>
-            </a:r>
-            <a:r>
-              <a:rPr lang="ko-KR" altLang="en-US" sz="1600" dirty="0">
-                <a:solidFill>
-                  <a:schemeClr val="tx1"/>
-                </a:solidFill>
-                <a:latin typeface="Noto Sans" panose="020B0502040504020204" pitchFamily="34" charset="0"/>
-                <a:ea typeface="KoPubWorld돋움체 Medium" panose="00000600000000000000" pitchFamily="2" charset="-127"/>
-                <a:cs typeface="Noto Sans" panose="020B0502040504020204" pitchFamily="34" charset="0"/>
-              </a:rPr>
-              <a:t>을 참조하며 여러 개의 </a:t>
-            </a:r>
-            <a:r>
-              <a:rPr lang="ko-KR" altLang="en-US" sz="1600" dirty="0">
-                <a:solidFill>
-                  <a:srgbClr val="FF0000"/>
-                </a:solidFill>
-                <a:latin typeface="Noto Sans" panose="020B0502040504020204" pitchFamily="34" charset="0"/>
-                <a:ea typeface="KoPubWorld돋움체 Medium" panose="00000600000000000000" pitchFamily="2" charset="-127"/>
-                <a:cs typeface="Noto Sans" panose="020B0502040504020204" pitchFamily="34" charset="0"/>
-              </a:rPr>
-              <a:t>비표준 질의문장을 생성</a:t>
-            </a:r>
-            <a:r>
-              <a:rPr lang="ko-KR" altLang="en-US" sz="1600" dirty="0">
-                <a:solidFill>
-                  <a:schemeClr val="tx1"/>
-                </a:solidFill>
-                <a:latin typeface="Noto Sans" panose="020B0502040504020204" pitchFamily="34" charset="0"/>
-                <a:ea typeface="KoPubWorld돋움체 Medium" panose="00000600000000000000" pitchFamily="2" charset="-127"/>
-                <a:cs typeface="Noto Sans" panose="020B0502040504020204" pitchFamily="34" charset="0"/>
-              </a:rPr>
-              <a:t>함</a:t>
-            </a:r>
-            <a:endParaRPr lang="en-US" altLang="ko-KR" sz="1400" dirty="0">
-              <a:solidFill>
-                <a:schemeClr val="tx1"/>
-              </a:solidFill>
-              <a:latin typeface="Noto Sans" panose="020B0502040504020204" pitchFamily="34" charset="0"/>
-              <a:ea typeface="Noto Sans" panose="020B0502040504020204" pitchFamily="34" charset="0"/>
-              <a:cs typeface="Noto Sans" panose="020B0502040504020204" pitchFamily="34" charset="0"/>
-            </a:endParaRPr>
-          </a:p>
-        </p:txBody>
-      </p:sp>
-      <p:sp>
-        <p:nvSpPr>
-          <p:cNvPr id="26" name="TextBox 25">
-            <a:extLst>
-              <a:ext uri="{FF2B5EF4-FFF2-40B4-BE49-F238E27FC236}">
-                <a16:creationId xmlns:a16="http://schemas.microsoft.com/office/drawing/2014/main" id="{49B4E827-DC9B-4A0C-BDBF-2FB543728FCD}"/>
-              </a:ext>
-            </a:extLst>
-          </p:cNvPr>
-          <p:cNvSpPr txBox="1"/>
-          <p:nvPr/>
-        </p:nvSpPr>
-        <p:spPr>
-          <a:xfrm>
-            <a:off x="2826562" y="3250184"/>
-            <a:ext cx="8103106" cy="800219"/>
-          </a:xfrm>
-          <a:prstGeom prst="rect">
-            <a:avLst/>
-          </a:prstGeom>
-          <a:noFill/>
-        </p:spPr>
-        <p:txBody>
-          <a:bodyPr wrap="square" rtlCol="0">
-            <a:spAutoFit/>
-          </a:bodyPr>
-          <a:lstStyle/>
-          <a:p>
-            <a:pPr>
-              <a:lnSpc>
-                <a:spcPct val="150000"/>
-              </a:lnSpc>
-            </a:pPr>
-            <a:r>
-              <a:rPr lang="en-US" altLang="ko-KR" sz="1600" dirty="0">
-                <a:solidFill>
-                  <a:schemeClr val="tx1"/>
-                </a:solidFill>
-                <a:latin typeface="Noto Sans" panose="020B0502040504020204" pitchFamily="34" charset="0"/>
-                <a:ea typeface="Noto Sans" panose="020B0502040504020204" pitchFamily="34" charset="0"/>
-                <a:cs typeface="Noto Sans" panose="020B0502040504020204" pitchFamily="34" charset="0"/>
-              </a:rPr>
-              <a:t>IDEA1</a:t>
-            </a:r>
-            <a:r>
-              <a:rPr lang="ko-KR" altLang="en-US" sz="1600" dirty="0">
-                <a:solidFill>
-                  <a:schemeClr val="tx1"/>
-                </a:solidFill>
-                <a:latin typeface="Noto Sans" panose="020B0502040504020204" pitchFamily="34" charset="0"/>
-                <a:ea typeface="KoPubWorld돋움체 Medium" panose="00000600000000000000" pitchFamily="2" charset="-127"/>
-                <a:cs typeface="Noto Sans" panose="020B0502040504020204" pitchFamily="34" charset="0"/>
-              </a:rPr>
-              <a:t>에서 생성된 비표준 질의문장을 입력하면 표준 질의문장으로 변환하도록 </a:t>
-            </a:r>
-            <a:r>
-              <a:rPr lang="en-US" altLang="ko-KR" sz="1600" dirty="0">
-                <a:solidFill>
-                  <a:srgbClr val="FF0000"/>
-                </a:solidFill>
-                <a:latin typeface="Noto Sans" panose="020B0502040504020204" pitchFamily="34" charset="0"/>
-                <a:ea typeface="Noto Sans" panose="020B0502040504020204" pitchFamily="34" charset="0"/>
-                <a:cs typeface="Noto Sans" panose="020B0502040504020204" pitchFamily="34" charset="0"/>
-              </a:rPr>
-              <a:t>LLM</a:t>
-            </a:r>
-            <a:r>
-              <a:rPr lang="ko-KR" altLang="en-US" sz="1600" dirty="0">
-                <a:solidFill>
-                  <a:srgbClr val="FF0000"/>
-                </a:solidFill>
-                <a:latin typeface="Noto Sans" panose="020B0502040504020204" pitchFamily="34" charset="0"/>
-                <a:ea typeface="KoPubWorld돋움체 Medium" panose="00000600000000000000" pitchFamily="2" charset="-127"/>
-                <a:cs typeface="Noto Sans" panose="020B0502040504020204" pitchFamily="34" charset="0"/>
-              </a:rPr>
-              <a:t>을 </a:t>
-            </a:r>
-            <a:r>
-              <a:rPr lang="en-US" altLang="ko-KR" sz="1600" dirty="0">
-                <a:solidFill>
-                  <a:srgbClr val="FF0000"/>
-                </a:solidFill>
-                <a:latin typeface="Noto Sans" panose="020B0502040504020204" pitchFamily="34" charset="0"/>
-                <a:ea typeface="Noto Sans" panose="020B0502040504020204" pitchFamily="34" charset="0"/>
-                <a:cs typeface="Noto Sans" panose="020B0502040504020204" pitchFamily="34" charset="0"/>
-              </a:rPr>
-              <a:t>Fine-Tuning</a:t>
-            </a:r>
-            <a:r>
-              <a:rPr lang="ko-KR" altLang="en-US" sz="1600" dirty="0">
-                <a:latin typeface="Noto Sans" panose="020B0502040504020204" pitchFamily="34" charset="0"/>
-                <a:ea typeface="KoPubWorld돋움체 Medium" panose="00000600000000000000" pitchFamily="2" charset="-127"/>
-                <a:cs typeface="Noto Sans" panose="020B0502040504020204" pitchFamily="34" charset="0"/>
-              </a:rPr>
-              <a:t>하여 </a:t>
-            </a:r>
-            <a:r>
-              <a:rPr lang="ko-KR" altLang="en-US" sz="1600" dirty="0">
-                <a:solidFill>
-                  <a:srgbClr val="FF0000"/>
-                </a:solidFill>
-                <a:latin typeface="Noto Sans" panose="020B0502040504020204" pitchFamily="34" charset="0"/>
-                <a:ea typeface="KoPubWorld돋움체 Medium" panose="00000600000000000000" pitchFamily="2" charset="-127"/>
-                <a:cs typeface="Noto Sans" panose="020B0502040504020204" pitchFamily="34" charset="0"/>
-              </a:rPr>
-              <a:t>문장 정제기</a:t>
-            </a:r>
-            <a:r>
-              <a:rPr lang="ko-KR" altLang="en-US" sz="1600" dirty="0">
-                <a:latin typeface="Noto Sans" panose="020B0502040504020204" pitchFamily="34" charset="0"/>
-                <a:ea typeface="KoPubWorld돋움체 Medium" panose="00000600000000000000" pitchFamily="2" charset="-127"/>
-                <a:cs typeface="Noto Sans" panose="020B0502040504020204" pitchFamily="34" charset="0"/>
-              </a:rPr>
-              <a:t>를 개발함</a:t>
-            </a:r>
-            <a:endParaRPr lang="en-US" altLang="ko-KR" sz="1600" dirty="0">
-              <a:solidFill>
-                <a:schemeClr val="tx1"/>
-              </a:solidFill>
-              <a:latin typeface="Noto Sans" panose="020B0502040504020204" pitchFamily="34" charset="0"/>
-              <a:ea typeface="Noto Sans" panose="020B0502040504020204" pitchFamily="34" charset="0"/>
-              <a:cs typeface="Noto Sans" panose="020B0502040504020204" pitchFamily="34" charset="0"/>
-            </a:endParaRPr>
-          </a:p>
-        </p:txBody>
-      </p:sp>
-      <p:sp>
-        <p:nvSpPr>
-          <p:cNvPr id="27" name="TextBox 26">
-            <a:extLst>
-              <a:ext uri="{FF2B5EF4-FFF2-40B4-BE49-F238E27FC236}">
-                <a16:creationId xmlns:a16="http://schemas.microsoft.com/office/drawing/2014/main" id="{6FE9A0AF-847C-4EE5-A2E0-61CC6AF4A606}"/>
-              </a:ext>
-            </a:extLst>
-          </p:cNvPr>
-          <p:cNvSpPr txBox="1"/>
-          <p:nvPr/>
-        </p:nvSpPr>
-        <p:spPr>
-          <a:xfrm>
-            <a:off x="2826561" y="5044540"/>
-            <a:ext cx="8258355" cy="800219"/>
-          </a:xfrm>
-          <a:prstGeom prst="rect">
-            <a:avLst/>
-          </a:prstGeom>
-          <a:noFill/>
-        </p:spPr>
-        <p:txBody>
-          <a:bodyPr wrap="square" rtlCol="0">
-            <a:spAutoFit/>
-          </a:bodyPr>
-          <a:lstStyle/>
-          <a:p>
-            <a:pPr>
-              <a:lnSpc>
-                <a:spcPct val="150000"/>
-              </a:lnSpc>
-            </a:pPr>
-            <a:r>
-              <a:rPr lang="en-US" altLang="ko-KR" sz="1600" dirty="0">
-                <a:solidFill>
-                  <a:schemeClr val="tx1"/>
-                </a:solidFill>
-                <a:latin typeface="Noto Sans" panose="020B0502040504020204" pitchFamily="34" charset="0"/>
-                <a:ea typeface="Noto Sans" panose="020B0502040504020204" pitchFamily="34" charset="0"/>
-                <a:cs typeface="Noto Sans" panose="020B0502040504020204" pitchFamily="34" charset="0"/>
-              </a:rPr>
-              <a:t>IDEA 2</a:t>
-            </a:r>
-            <a:r>
-              <a:rPr lang="ko-KR" altLang="en-US" sz="1600" dirty="0">
-                <a:solidFill>
-                  <a:schemeClr val="tx1"/>
-                </a:solidFill>
-                <a:latin typeface="Noto Sans" panose="020B0502040504020204" pitchFamily="34" charset="0"/>
-                <a:ea typeface="KoPubWorld돋움체 Medium" panose="00000600000000000000" pitchFamily="2" charset="-127"/>
-                <a:cs typeface="Noto Sans" panose="020B0502040504020204" pitchFamily="34" charset="0"/>
-              </a:rPr>
-              <a:t>에서 개발한 문장 정제기를 통해서 비표준 질의문장을 표준 질의문장으로 변환하고</a:t>
-            </a:r>
-            <a:r>
-              <a:rPr lang="en-US" altLang="ko-KR" sz="1600" dirty="0">
-                <a:solidFill>
-                  <a:schemeClr val="tx1"/>
-                </a:solidFill>
-                <a:latin typeface="Noto Sans" panose="020B0502040504020204" pitchFamily="34" charset="0"/>
-                <a:ea typeface="Noto Sans" panose="020B0502040504020204" pitchFamily="34" charset="0"/>
-                <a:cs typeface="Noto Sans" panose="020B0502040504020204" pitchFamily="34" charset="0"/>
-              </a:rPr>
-              <a:t>,</a:t>
-            </a:r>
-            <a:r>
-              <a:rPr lang="ko-KR" altLang="en-US" sz="1600" dirty="0">
-                <a:solidFill>
-                  <a:schemeClr val="tx1"/>
-                </a:solidFill>
-                <a:latin typeface="Noto Sans" panose="020B0502040504020204" pitchFamily="34" charset="0"/>
-                <a:ea typeface="KoPubWorld돋움체 Medium" panose="00000600000000000000" pitchFamily="2" charset="-127"/>
-                <a:cs typeface="Noto Sans" panose="020B0502040504020204" pitchFamily="34" charset="0"/>
-              </a:rPr>
-              <a:t> 기존 </a:t>
-            </a:r>
-            <a:r>
-              <a:rPr lang="en-US" altLang="ko-KR" sz="1600" dirty="0">
-                <a:latin typeface="Noto Sans" panose="020B0502040504020204" pitchFamily="34" charset="0"/>
-                <a:ea typeface="Noto Sans" panose="020B0502040504020204" pitchFamily="34" charset="0"/>
-                <a:cs typeface="Noto Sans" panose="020B0502040504020204" pitchFamily="34" charset="0"/>
-              </a:rPr>
-              <a:t>Text</a:t>
-            </a:r>
-            <a:r>
-              <a:rPr lang="en-US" altLang="ko-KR" sz="1600" dirty="0">
-                <a:solidFill>
-                  <a:schemeClr val="tx1"/>
-                </a:solidFill>
-                <a:latin typeface="Noto Sans" panose="020B0502040504020204" pitchFamily="34" charset="0"/>
-                <a:ea typeface="Noto Sans" panose="020B0502040504020204" pitchFamily="34" charset="0"/>
-                <a:cs typeface="Noto Sans" panose="020B0502040504020204" pitchFamily="34" charset="0"/>
-              </a:rPr>
-              <a:t>2SQL </a:t>
-            </a:r>
-            <a:r>
-              <a:rPr lang="ko-KR" altLang="en-US" sz="1600" dirty="0">
-                <a:solidFill>
-                  <a:schemeClr val="tx1"/>
-                </a:solidFill>
-                <a:latin typeface="Noto Sans" panose="020B0502040504020204" pitchFamily="34" charset="0"/>
-                <a:ea typeface="KoPubWorld돋움체 Medium" panose="00000600000000000000" pitchFamily="2" charset="-127"/>
-                <a:cs typeface="Noto Sans" panose="020B0502040504020204" pitchFamily="34" charset="0"/>
-              </a:rPr>
-              <a:t>모델의 입력으로 활용하여 </a:t>
-            </a:r>
-            <a:r>
-              <a:rPr lang="ko-KR" altLang="en-US" sz="1600" dirty="0">
-                <a:latin typeface="Noto Sans" panose="020B0502040504020204" pitchFamily="34" charset="0"/>
-                <a:ea typeface="KoPubWorld돋움체 Medium" panose="00000600000000000000" pitchFamily="2" charset="-127"/>
-                <a:cs typeface="Noto Sans" panose="020B0502040504020204" pitchFamily="34" charset="0"/>
-              </a:rPr>
-              <a:t>정교한 </a:t>
-            </a:r>
-            <a:r>
-              <a:rPr lang="en-US" altLang="ko-KR" sz="1600" dirty="0">
-                <a:solidFill>
-                  <a:schemeClr val="tx1"/>
-                </a:solidFill>
-                <a:latin typeface="Noto Sans" panose="020B0502040504020204" pitchFamily="34" charset="0"/>
-                <a:ea typeface="Noto Sans" panose="020B0502040504020204" pitchFamily="34" charset="0"/>
-                <a:cs typeface="Noto Sans" panose="020B0502040504020204" pitchFamily="34" charset="0"/>
-              </a:rPr>
-              <a:t>Text2SQL</a:t>
-            </a:r>
-            <a:r>
-              <a:rPr lang="ko-KR" altLang="en-US" sz="1600" dirty="0">
-                <a:latin typeface="Noto Sans" panose="020B0502040504020204" pitchFamily="34" charset="0"/>
-                <a:ea typeface="KoPubWorld돋움체 Medium" panose="00000600000000000000" pitchFamily="2" charset="-127"/>
-                <a:cs typeface="Noto Sans" panose="020B0502040504020204" pitchFamily="34" charset="0"/>
-              </a:rPr>
-              <a:t>을 수행함</a:t>
-            </a:r>
-            <a:endParaRPr lang="en-US" altLang="ko-KR" sz="1600" dirty="0">
-              <a:solidFill>
-                <a:schemeClr val="tx1"/>
-              </a:solidFill>
-              <a:latin typeface="Noto Sans" panose="020B0502040504020204" pitchFamily="34" charset="0"/>
-              <a:ea typeface="Noto Sans" panose="020B0502040504020204" pitchFamily="34" charset="0"/>
-              <a:cs typeface="Noto Sans" panose="020B0502040504020204" pitchFamily="34" charset="0"/>
-            </a:endParaRPr>
-          </a:p>
-        </p:txBody>
-      </p:sp>
-      <p:pic>
-        <p:nvPicPr>
-          <p:cNvPr id="32" name="그래픽 31" descr="전구 단색으로 채워진">
-            <a:extLst>
-              <a:ext uri="{FF2B5EF4-FFF2-40B4-BE49-F238E27FC236}">
-                <a16:creationId xmlns:a16="http://schemas.microsoft.com/office/drawing/2014/main" id="{3BF7FB8E-2D2B-4D46-9ADF-9DDEB483D404}"/>
-              </a:ext>
-            </a:extLst>
-          </p:cNvPr>
-          <p:cNvPicPr>
-            <a:picLocks noChangeAspect="1"/>
-          </p:cNvPicPr>
-          <p:nvPr/>
-        </p:nvPicPr>
-        <p:blipFill>
-          <a:blip r:embed="rId2">
-            <a:extLst>
-              <a:ext uri="{28A0092B-C50C-407E-A947-70E740481C1C}">
-                <a14:useLocalDpi xmlns:a14="http://schemas.microsoft.com/office/drawing/2010/main" val="0"/>
-              </a:ext>
-              <a:ext uri="{96DAC541-7B7A-43D3-8B79-37D633B846F1}">
-                <asvg:svgBlip xmlns:asvg="http://schemas.microsoft.com/office/drawing/2016/SVG/main" r:embed="rId3"/>
-              </a:ext>
-            </a:extLst>
-          </a:blip>
-          <a:stretch>
-            <a:fillRect/>
-          </a:stretch>
-        </p:blipFill>
-        <p:spPr>
-          <a:xfrm>
-            <a:off x="1011460" y="1593791"/>
-            <a:ext cx="501743" cy="501743"/>
-          </a:xfrm>
-          <a:prstGeom prst="rect">
-            <a:avLst/>
-          </a:prstGeom>
-        </p:spPr>
-      </p:pic>
-      <p:pic>
-        <p:nvPicPr>
-          <p:cNvPr id="33" name="그래픽 32" descr="전구 단색으로 채워진">
-            <a:extLst>
-              <a:ext uri="{FF2B5EF4-FFF2-40B4-BE49-F238E27FC236}">
-                <a16:creationId xmlns:a16="http://schemas.microsoft.com/office/drawing/2014/main" id="{D879B546-ABD4-4DD7-85BF-BE389115464C}"/>
-              </a:ext>
-            </a:extLst>
-          </p:cNvPr>
-          <p:cNvPicPr>
-            <a:picLocks noChangeAspect="1"/>
-          </p:cNvPicPr>
-          <p:nvPr/>
-        </p:nvPicPr>
-        <p:blipFill>
-          <a:blip r:embed="rId2">
-            <a:extLst>
-              <a:ext uri="{28A0092B-C50C-407E-A947-70E740481C1C}">
-                <a14:useLocalDpi xmlns:a14="http://schemas.microsoft.com/office/drawing/2010/main" val="0"/>
-              </a:ext>
-              <a:ext uri="{96DAC541-7B7A-43D3-8B79-37D633B846F1}">
-                <asvg:svgBlip xmlns:asvg="http://schemas.microsoft.com/office/drawing/2016/SVG/main" r:embed="rId3"/>
-              </a:ext>
-            </a:extLst>
-          </a:blip>
-          <a:stretch>
-            <a:fillRect/>
-          </a:stretch>
-        </p:blipFill>
-        <p:spPr>
-          <a:xfrm>
-            <a:off x="1011460" y="3393545"/>
-            <a:ext cx="501743" cy="501743"/>
-          </a:xfrm>
-          <a:prstGeom prst="rect">
-            <a:avLst/>
-          </a:prstGeom>
-        </p:spPr>
-      </p:pic>
-      <p:pic>
-        <p:nvPicPr>
-          <p:cNvPr id="34" name="그래픽 33" descr="전구 단색으로 채워진">
-            <a:extLst>
-              <a:ext uri="{FF2B5EF4-FFF2-40B4-BE49-F238E27FC236}">
-                <a16:creationId xmlns:a16="http://schemas.microsoft.com/office/drawing/2014/main" id="{0D07D1C9-7BA0-4F19-A667-5E207AFE7011}"/>
-              </a:ext>
-            </a:extLst>
-          </p:cNvPr>
-          <p:cNvPicPr>
-            <a:picLocks noChangeAspect="1"/>
-          </p:cNvPicPr>
-          <p:nvPr/>
-        </p:nvPicPr>
-        <p:blipFill>
-          <a:blip r:embed="rId2">
-            <a:extLst>
-              <a:ext uri="{28A0092B-C50C-407E-A947-70E740481C1C}">
-                <a14:useLocalDpi xmlns:a14="http://schemas.microsoft.com/office/drawing/2010/main" val="0"/>
-              </a:ext>
-              <a:ext uri="{96DAC541-7B7A-43D3-8B79-37D633B846F1}">
-                <asvg:svgBlip xmlns:asvg="http://schemas.microsoft.com/office/drawing/2016/SVG/main" r:embed="rId3"/>
-              </a:ext>
-            </a:extLst>
-          </a:blip>
-          <a:stretch>
-            <a:fillRect/>
-          </a:stretch>
-        </p:blipFill>
-        <p:spPr>
-          <a:xfrm>
-            <a:off x="1011460" y="5193777"/>
-            <a:ext cx="501743" cy="501743"/>
-          </a:xfrm>
-          <a:prstGeom prst="rect">
-            <a:avLst/>
-          </a:prstGeom>
-        </p:spPr>
-      </p:pic>
-      <p:sp>
-        <p:nvSpPr>
-          <p:cNvPr id="16" name="TextBox 15">
-            <a:extLst>
-              <a:ext uri="{FF2B5EF4-FFF2-40B4-BE49-F238E27FC236}">
-                <a16:creationId xmlns:a16="http://schemas.microsoft.com/office/drawing/2014/main" id="{62DD4E28-EFA9-4CD3-BB28-4C61771BB96C}"/>
-              </a:ext>
-            </a:extLst>
-          </p:cNvPr>
-          <p:cNvSpPr txBox="1"/>
-          <p:nvPr/>
-        </p:nvSpPr>
-        <p:spPr>
-          <a:xfrm>
-            <a:off x="11699631" y="6410326"/>
-            <a:ext cx="432460" cy="276999"/>
-          </a:xfrm>
-          <a:prstGeom prst="rect">
-            <a:avLst/>
-          </a:prstGeom>
-          <a:noFill/>
-        </p:spPr>
-        <p:txBody>
-          <a:bodyPr wrap="square" rtlCol="0">
-            <a:spAutoFit/>
-          </a:bodyPr>
-          <a:lstStyle/>
-          <a:p>
-            <a:r>
-              <a:rPr lang="en-US" altLang="ko-KR" sz="1200" b="1" dirty="0">
-                <a:latin typeface="Noto Sans" panose="020B0502040504020204" pitchFamily="34" charset="0"/>
-                <a:cs typeface="Noto Sans" panose="020B0502040504020204" pitchFamily="34" charset="0"/>
-              </a:rPr>
-              <a:t>5</a:t>
-            </a:r>
-            <a:endParaRPr lang="ko-KR" altLang="en-US" sz="1200" b="1" dirty="0">
-              <a:latin typeface="Noto Sans" panose="020B0502040504020204" pitchFamily="34" charset="0"/>
-              <a:cs typeface="Noto Sans" panose="020B0502040504020204" pitchFamily="34" charset="0"/>
-            </a:endParaRPr>
-          </a:p>
-        </p:txBody>
-      </p:sp>
-    </p:spTree>
-    <p:extLst>
-      <p:ext uri="{BB962C8B-B14F-4D97-AF65-F5344CB8AC3E}">
-        <p14:creationId xmlns:p14="http://schemas.microsoft.com/office/powerpoint/2010/main" val="12250389"/>
-      </p:ext>
-    </p:extLst>
-  </p:cSld>
-  <p:clrMapOvr>
-    <a:masterClrMapping/>
-  </p:clrMapOvr>
-</p:sld>
-</file>
-
-<file path=ppt/slides/slide7.xml><?xml version="1.0" encoding="utf-8"?>
+<file path=ppt/slides/slide8.xml><?xml version="1.0" encoding="utf-8"?>
 <p:sld xmlns:a="http://schemas.openxmlformats.org/drawingml/2006/main" xmlns:r="http://schemas.openxmlformats.org/officeDocument/2006/relationships" xmlns:p="http://schemas.openxmlformats.org/presentationml/2006/main">
   <p:cSld>
     <p:spTree>
@@ -17659,7 +20510,7 @@
 </p:sld>
 </file>
 
-<file path=ppt/slides/slide8.xml><?xml version="1.0" encoding="utf-8"?>
+<file path=ppt/slides/slide9.xml><?xml version="1.0" encoding="utf-8"?>
 <p:sld xmlns:a="http://schemas.openxmlformats.org/drawingml/2006/main" xmlns:r="http://schemas.openxmlformats.org/officeDocument/2006/relationships" xmlns:p="http://schemas.openxmlformats.org/presentationml/2006/main">
   <p:cSld>
     <p:spTree>
@@ -17691,7 +20542,7 @@
           <p:nvPr>
             <p:extLst>
               <p:ext uri="{D42A27DB-BD31-4B8C-83A1-F6EECF244321}">
-                <p14:modId xmlns:p14="http://schemas.microsoft.com/office/powerpoint/2010/main" val="929927906"/>
+                <p14:modId xmlns:p14="http://schemas.microsoft.com/office/powerpoint/2010/main" val="546726802"/>
               </p:ext>
             </p:extLst>
           </p:nvPr>
@@ -17886,12 +20737,9 @@
                       <a:pPr latinLnBrk="1"/>
                       <a:r>
                         <a:rPr lang="en-US" altLang="ko-KR" sz="800" dirty="0"/>
-                        <a:t>SELECT * FROM database</a:t>
+                        <a:t>SELECT * FROM item</a:t>
                       </a:r>
-                      <a:r>
-                        <a:rPr lang="ko-KR" altLang="en-US" sz="800" dirty="0"/>
-                        <a:t> </a:t>
-                      </a:r>
+                      <a:endParaRPr lang="ko-KR" altLang="en-US" sz="800" dirty="0"/>
                     </a:p>
                     <a:p>
                       <a:pPr latinLnBrk="1"/>
@@ -17941,11 +20789,11 @@
                       <a:pPr latinLnBrk="1"/>
                       <a:r>
                         <a:rPr lang="en-US" altLang="ko-KR" sz="800" dirty="0"/>
-                        <a:t>“</a:t>
+                        <a:t>“item </a:t>
                       </a:r>
                       <a:r>
                         <a:rPr lang="ko-KR" altLang="en-US" sz="800" dirty="0"/>
-                        <a:t>숫자 </a:t>
+                        <a:t>테이블에서 숫자 </a:t>
                       </a:r>
                       <a:r>
                         <a:rPr lang="en-US" altLang="ko-KR" sz="800" dirty="0"/>
@@ -19118,7 +21966,7 @@
                 <a:ea typeface="Noto Sans" panose="020B0502040504020204" pitchFamily="34" charset="0"/>
                 <a:cs typeface="Noto Sans" panose="020B0502040504020204" pitchFamily="34" charset="0"/>
               </a:rPr>
-              <a:t>SELECT * FROM ITEM_TB</a:t>
+              <a:t>SELECT * FROM item</a:t>
             </a:r>
             <a:r>
               <a:rPr lang="ko-KR" altLang="en-US" sz="800" dirty="0">
@@ -19229,7 +22077,7 @@
           <p:nvPr>
             <p:extLst>
               <p:ext uri="{D42A27DB-BD31-4B8C-83A1-F6EECF244321}">
-                <p14:modId xmlns:p14="http://schemas.microsoft.com/office/powerpoint/2010/main" val="2945862178"/>
+                <p14:modId xmlns:p14="http://schemas.microsoft.com/office/powerpoint/2010/main" val="2668172849"/>
               </p:ext>
             </p:extLst>
           </p:nvPr>
@@ -19431,7 +22279,7 @@
                       </a:r>
                       <a:r>
                         <a:rPr lang="ko-KR" altLang="en-US" sz="800" dirty="0"/>
-                        <a:t>그 화학물질 목록에서 </a:t>
+                        <a:t>화학물질 목록에서 쓸데없는 거 빼고  </a:t>
                       </a:r>
                       <a:r>
                         <a:rPr lang="en-US" altLang="ko-KR" sz="800" dirty="0"/>
@@ -19448,14 +22296,6 @@
                       <a:r>
                         <a:rPr lang="ko-KR" altLang="en-US" sz="800" dirty="0"/>
                         <a:t>날짜 기준으로 빠른 거부터</a:t>
-                      </a:r>
-                      <a:r>
-                        <a:rPr lang="en-US" altLang="ko-KR" sz="800" dirty="0"/>
-                        <a:t>. </a:t>
-                      </a:r>
-                      <a:r>
-                        <a:rPr lang="ko-KR" altLang="en-US" sz="800" dirty="0"/>
-                        <a:t>쓸데없는 거 빼고</a:t>
                       </a:r>
                       <a:r>
                         <a:rPr lang="en-US" altLang="ko-KR" sz="800" dirty="0"/>
@@ -19722,1049 +22562,6 @@
     <p:extLst>
       <p:ext uri="{BB962C8B-B14F-4D97-AF65-F5344CB8AC3E}">
         <p14:creationId xmlns:p14="http://schemas.microsoft.com/office/powerpoint/2010/main" val="3794921449"/>
-      </p:ext>
-    </p:extLst>
-  </p:cSld>
-  <p:clrMapOvr>
-    <a:masterClrMapping/>
-  </p:clrMapOvr>
-</p:sld>
-</file>
-
-<file path=ppt/slides/slide9.xml><?xml version="1.0" encoding="utf-8"?>
-<p:sld xmlns:a="http://schemas.openxmlformats.org/drawingml/2006/main" xmlns:r="http://schemas.openxmlformats.org/officeDocument/2006/relationships" xmlns:p="http://schemas.openxmlformats.org/presentationml/2006/main">
-  <p:cSld>
-    <p:spTree>
-      <p:nvGrpSpPr>
-        <p:cNvPr id="1" name="">
-          <a:extLst>
-            <a:ext uri="{FF2B5EF4-FFF2-40B4-BE49-F238E27FC236}">
-              <a16:creationId xmlns:a16="http://schemas.microsoft.com/office/drawing/2014/main" id="{4C6F5D31-10E4-3496-408B-58BE0B8E6DCA}"/>
-            </a:ext>
-          </a:extLst>
-        </p:cNvPr>
-        <p:cNvGrpSpPr/>
-        <p:nvPr/>
-      </p:nvGrpSpPr>
-      <p:grpSpPr>
-        <a:xfrm>
-          <a:off x="0" y="0"/>
-          <a:ext cx="0" cy="0"/>
-          <a:chOff x="0" y="0"/>
-          <a:chExt cx="0" cy="0"/>
-        </a:xfrm>
-      </p:grpSpPr>
-      <p:sp>
-        <p:nvSpPr>
-          <p:cNvPr id="4" name="순서도: 문서 3">
-            <a:extLst>
-              <a:ext uri="{FF2B5EF4-FFF2-40B4-BE49-F238E27FC236}">
-                <a16:creationId xmlns:a16="http://schemas.microsoft.com/office/drawing/2014/main" id="{4B5DE520-B8F9-080E-6927-34E998E47330}"/>
-              </a:ext>
-            </a:extLst>
-          </p:cNvPr>
-          <p:cNvSpPr/>
-          <p:nvPr/>
-        </p:nvSpPr>
-        <p:spPr>
-          <a:xfrm>
-            <a:off x="2590800" y="2472080"/>
-            <a:ext cx="2178083" cy="888603"/>
-          </a:xfrm>
-          <a:prstGeom prst="flowChartDocument">
-            <a:avLst/>
-          </a:prstGeom>
-          <a:solidFill>
-            <a:schemeClr val="bg1"/>
-          </a:solidFill>
-          <a:effectLst>
-            <a:outerShdw blurRad="127000" dist="50800" dir="5400000" algn="ctr" rotWithShape="0">
-              <a:srgbClr val="000000">
-                <a:alpha val="50000"/>
-              </a:srgbClr>
-            </a:outerShdw>
-          </a:effectLst>
-        </p:spPr>
-        <p:style>
-          <a:lnRef idx="2">
-            <a:schemeClr val="accent1">
-              <a:shade val="15000"/>
-            </a:schemeClr>
-          </a:lnRef>
-          <a:fillRef idx="1">
-            <a:schemeClr val="accent1"/>
-          </a:fillRef>
-          <a:effectRef idx="0">
-            <a:schemeClr val="accent1"/>
-          </a:effectRef>
-          <a:fontRef idx="minor">
-            <a:schemeClr val="lt1"/>
-          </a:fontRef>
-        </p:style>
-        <p:txBody>
-          <a:bodyPr rtlCol="0" anchor="ctr"/>
-          <a:lstStyle/>
-          <a:p>
-            <a:pPr latinLnBrk="1"/>
-            <a:r>
-              <a:rPr lang="en-US" altLang="ko-KR" sz="1000" dirty="0">
-                <a:solidFill>
-                  <a:schemeClr val="tx1"/>
-                </a:solidFill>
-                <a:latin typeface="Noto Sans" panose="020B0502040504020204" pitchFamily="34" charset="0"/>
-                <a:ea typeface="Noto Sans" panose="020B0502040504020204" pitchFamily="34" charset="0"/>
-                <a:cs typeface="Noto Sans" panose="020B0502040504020204" pitchFamily="34" charset="0"/>
-              </a:rPr>
-              <a:t>“ITEM_TB</a:t>
-            </a:r>
-            <a:r>
-              <a:rPr lang="ko-KR" altLang="en-US" sz="1000" dirty="0">
-                <a:solidFill>
-                  <a:schemeClr val="tx1"/>
-                </a:solidFill>
-                <a:latin typeface="Noto Sans" panose="020B0502040504020204" pitchFamily="34" charset="0"/>
-                <a:ea typeface="Noto Sans" panose="020B0502040504020204" pitchFamily="34" charset="0"/>
-                <a:cs typeface="Noto Sans" panose="020B0502040504020204" pitchFamily="34" charset="0"/>
-              </a:rPr>
-              <a:t>에서 </a:t>
-            </a:r>
-            <a:r>
-              <a:rPr lang="ko-KR" altLang="en-US" sz="1000" dirty="0">
-                <a:solidFill>
-                  <a:schemeClr val="tx1"/>
-                </a:solidFill>
-                <a:latin typeface="Noto Sans" panose="020B0502040504020204" pitchFamily="34" charset="0"/>
-                <a:cs typeface="Noto Sans" panose="020B0502040504020204" pitchFamily="34" charset="0"/>
-              </a:rPr>
-              <a:t>숫자 </a:t>
-            </a:r>
-            <a:r>
-              <a:rPr lang="en-US" altLang="ko-KR" sz="1000" dirty="0">
-                <a:solidFill>
-                  <a:schemeClr val="tx1"/>
-                </a:solidFill>
-                <a:latin typeface="Noto Sans" panose="020B0502040504020204" pitchFamily="34" charset="0"/>
-                <a:ea typeface="Noto Sans" panose="020B0502040504020204" pitchFamily="34" charset="0"/>
-                <a:cs typeface="Noto Sans" panose="020B0502040504020204" pitchFamily="34" charset="0"/>
-              </a:rPr>
-              <a:t>71</a:t>
-            </a:r>
-            <a:r>
-              <a:rPr lang="ko-KR" altLang="en-US" sz="1000" b="1" dirty="0">
-                <a:solidFill>
-                  <a:schemeClr val="tx1"/>
-                </a:solidFill>
-                <a:latin typeface="Noto Sans" panose="020B0502040504020204" pitchFamily="34" charset="0"/>
-                <a:cs typeface="Noto Sans" panose="020B0502040504020204" pitchFamily="34" charset="0"/>
-              </a:rPr>
-              <a:t>이 </a:t>
-            </a:r>
-            <a:r>
-              <a:rPr lang="ko-KR" altLang="en-US" sz="1000" dirty="0">
-                <a:solidFill>
-                  <a:schemeClr val="tx1"/>
-                </a:solidFill>
-                <a:latin typeface="Noto Sans" panose="020B0502040504020204" pitchFamily="34" charset="0"/>
-                <a:cs typeface="Noto Sans" panose="020B0502040504020204" pitchFamily="34" charset="0"/>
-              </a:rPr>
-              <a:t>포함되어 있는 화학물질을 등록일자 기준으로 오름차순 정렬해서 보여줘</a:t>
-            </a:r>
-            <a:r>
-              <a:rPr lang="en-US" altLang="ko-KR" sz="1000" dirty="0">
-                <a:solidFill>
-                  <a:schemeClr val="tx1"/>
-                </a:solidFill>
-                <a:latin typeface="Noto Sans" panose="020B0502040504020204" pitchFamily="34" charset="0"/>
-                <a:ea typeface="Noto Sans" panose="020B0502040504020204" pitchFamily="34" charset="0"/>
-                <a:cs typeface="Noto Sans" panose="020B0502040504020204" pitchFamily="34" charset="0"/>
-              </a:rPr>
-              <a:t>"</a:t>
-            </a:r>
-            <a:endParaRPr lang="ko-KR" altLang="en-US" sz="1000" dirty="0">
-              <a:solidFill>
-                <a:schemeClr val="tx1"/>
-              </a:solidFill>
-              <a:latin typeface="Noto Sans" panose="020B0502040504020204" pitchFamily="34" charset="0"/>
-              <a:cs typeface="Noto Sans" panose="020B0502040504020204" pitchFamily="34" charset="0"/>
-            </a:endParaRPr>
-          </a:p>
-        </p:txBody>
-      </p:sp>
-      <p:sp>
-        <p:nvSpPr>
-          <p:cNvPr id="5" name="순서도: 문서 4">
-            <a:extLst>
-              <a:ext uri="{FF2B5EF4-FFF2-40B4-BE49-F238E27FC236}">
-                <a16:creationId xmlns:a16="http://schemas.microsoft.com/office/drawing/2014/main" id="{B4C4D78A-7649-F4EF-D3E8-996CB35AEB0E}"/>
-              </a:ext>
-            </a:extLst>
-          </p:cNvPr>
-          <p:cNvSpPr/>
-          <p:nvPr/>
-        </p:nvSpPr>
-        <p:spPr>
-          <a:xfrm>
-            <a:off x="7193770" y="1274431"/>
-            <a:ext cx="2070913" cy="888603"/>
-          </a:xfrm>
-          <a:prstGeom prst="flowChartDocument">
-            <a:avLst/>
-          </a:prstGeom>
-          <a:solidFill>
-            <a:schemeClr val="bg1"/>
-          </a:solidFill>
-          <a:effectLst>
-            <a:outerShdw blurRad="127000" dist="50800" dir="5400000" algn="ctr" rotWithShape="0">
-              <a:srgbClr val="000000">
-                <a:alpha val="50000"/>
-              </a:srgbClr>
-            </a:outerShdw>
-          </a:effectLst>
-        </p:spPr>
-        <p:style>
-          <a:lnRef idx="2">
-            <a:schemeClr val="accent1">
-              <a:shade val="15000"/>
-            </a:schemeClr>
-          </a:lnRef>
-          <a:fillRef idx="1">
-            <a:schemeClr val="accent1"/>
-          </a:fillRef>
-          <a:effectRef idx="0">
-            <a:schemeClr val="accent1"/>
-          </a:effectRef>
-          <a:fontRef idx="minor">
-            <a:schemeClr val="lt1"/>
-          </a:fontRef>
-        </p:style>
-        <p:txBody>
-          <a:bodyPr rtlCol="0" anchor="ctr"/>
-          <a:lstStyle/>
-          <a:p>
-            <a:pPr marL="0" marR="0" lvl="0" indent="0" algn="l" defTabSz="914400" rtl="0" eaLnBrk="1" fontAlgn="auto" latinLnBrk="1" hangingPunct="1">
-              <a:lnSpc>
-                <a:spcPct val="100000"/>
-              </a:lnSpc>
-              <a:spcBef>
-                <a:spcPts val="0"/>
-              </a:spcBef>
-              <a:spcAft>
-                <a:spcPts val="0"/>
-              </a:spcAft>
-              <a:buClrTx/>
-              <a:buSzTx/>
-              <a:buFontTx/>
-              <a:buNone/>
-              <a:tabLst/>
-              <a:defRPr/>
-            </a:pPr>
-            <a:r>
-              <a:rPr lang="en-US" altLang="ko-KR" sz="900" b="0" dirty="0">
-                <a:solidFill>
-                  <a:schemeClr val="tx1"/>
-                </a:solidFill>
-              </a:rPr>
-              <a:t>"</a:t>
-            </a:r>
-            <a:r>
-              <a:rPr lang="ko-KR" altLang="en-US" sz="900" b="0" dirty="0">
-                <a:solidFill>
-                  <a:schemeClr val="tx1"/>
-                </a:solidFill>
-              </a:rPr>
-              <a:t>화학물질을 찾는데</a:t>
-            </a:r>
-            <a:r>
-              <a:rPr lang="en-US" altLang="ko-KR" sz="900" b="0" dirty="0">
-                <a:solidFill>
-                  <a:schemeClr val="tx1"/>
-                </a:solidFill>
-              </a:rPr>
-              <a:t>, </a:t>
-            </a:r>
-            <a:r>
-              <a:rPr lang="ko-KR" altLang="en-US" sz="900" b="0" dirty="0">
-                <a:solidFill>
-                  <a:schemeClr val="tx1"/>
-                </a:solidFill>
-              </a:rPr>
-              <a:t>그 번호 안에 </a:t>
-            </a:r>
-            <a:r>
-              <a:rPr lang="en-US" altLang="ko-KR" sz="900" b="0" dirty="0">
-                <a:solidFill>
-                  <a:schemeClr val="tx1"/>
-                </a:solidFill>
-              </a:rPr>
-              <a:t>71</a:t>
-            </a:r>
-            <a:r>
-              <a:rPr lang="ko-KR" altLang="en-US" sz="900" b="0" dirty="0">
-                <a:solidFill>
-                  <a:schemeClr val="tx1"/>
-                </a:solidFill>
-              </a:rPr>
-              <a:t>이라는 숫자가 들어 있는 애들만 뽑아주고</a:t>
-            </a:r>
-            <a:r>
-              <a:rPr lang="en-US" altLang="ko-KR" sz="900" b="0" dirty="0">
-                <a:solidFill>
-                  <a:schemeClr val="tx1"/>
-                </a:solidFill>
-              </a:rPr>
-              <a:t>, </a:t>
-            </a:r>
-            <a:r>
-              <a:rPr lang="ko-KR" altLang="en-US" sz="900" b="0" dirty="0">
-                <a:solidFill>
-                  <a:schemeClr val="tx1"/>
-                </a:solidFill>
-              </a:rPr>
-              <a:t>근데 옛날 것부터 먼저 보여줄 수 있어</a:t>
-            </a:r>
-            <a:r>
-              <a:rPr lang="en-US" altLang="ko-KR" sz="900" b="0" dirty="0">
-                <a:solidFill>
-                  <a:schemeClr val="tx1"/>
-                </a:solidFill>
-              </a:rPr>
-              <a:t>?”</a:t>
-            </a:r>
-            <a:endParaRPr lang="ko-KR" altLang="en-US" sz="900" b="0" dirty="0">
-              <a:solidFill>
-                <a:schemeClr val="tx1"/>
-              </a:solidFill>
-            </a:endParaRPr>
-          </a:p>
-        </p:txBody>
-      </p:sp>
-      <p:sp>
-        <p:nvSpPr>
-          <p:cNvPr id="8" name="순서도: 문서 7">
-            <a:extLst>
-              <a:ext uri="{FF2B5EF4-FFF2-40B4-BE49-F238E27FC236}">
-                <a16:creationId xmlns:a16="http://schemas.microsoft.com/office/drawing/2014/main" id="{4040D823-AFCE-2467-46BA-CE2B8D85AA78}"/>
-              </a:ext>
-            </a:extLst>
-          </p:cNvPr>
-          <p:cNvSpPr/>
-          <p:nvPr/>
-        </p:nvSpPr>
-        <p:spPr>
-          <a:xfrm>
-            <a:off x="7193770" y="2366631"/>
-            <a:ext cx="2070913" cy="888603"/>
-          </a:xfrm>
-          <a:prstGeom prst="flowChartDocument">
-            <a:avLst/>
-          </a:prstGeom>
-          <a:solidFill>
-            <a:schemeClr val="bg1"/>
-          </a:solidFill>
-          <a:effectLst>
-            <a:outerShdw blurRad="127000" dist="50800" dir="5400000" algn="ctr" rotWithShape="0">
-              <a:srgbClr val="000000">
-                <a:alpha val="50000"/>
-              </a:srgbClr>
-            </a:outerShdw>
-          </a:effectLst>
-        </p:spPr>
-        <p:style>
-          <a:lnRef idx="2">
-            <a:schemeClr val="accent1">
-              <a:shade val="15000"/>
-            </a:schemeClr>
-          </a:lnRef>
-          <a:fillRef idx="1">
-            <a:schemeClr val="accent1"/>
-          </a:fillRef>
-          <a:effectRef idx="0">
-            <a:schemeClr val="accent1"/>
-          </a:effectRef>
-          <a:fontRef idx="minor">
-            <a:schemeClr val="lt1"/>
-          </a:fontRef>
-        </p:style>
-        <p:txBody>
-          <a:bodyPr rtlCol="0" anchor="ctr"/>
-          <a:lstStyle/>
-          <a:p>
-            <a:pPr latinLnBrk="1"/>
-            <a:r>
-              <a:rPr lang="en-US" altLang="ko-KR" sz="900" dirty="0">
-                <a:solidFill>
-                  <a:schemeClr val="tx1"/>
-                </a:solidFill>
-                <a:latin typeface="Noto Sans" panose="020B0502040504020204" pitchFamily="34" charset="0"/>
-                <a:ea typeface="Noto Sans" panose="020B0502040504020204" pitchFamily="34" charset="0"/>
-                <a:cs typeface="Noto Sans" panose="020B0502040504020204" pitchFamily="34" charset="0"/>
-              </a:rPr>
-              <a:t>"</a:t>
-            </a:r>
-            <a:r>
-              <a:rPr lang="ko-KR" altLang="en-US" sz="900" dirty="0">
-                <a:solidFill>
-                  <a:schemeClr val="tx1"/>
-                </a:solidFill>
-                <a:latin typeface="Noto Sans" panose="020B0502040504020204" pitchFamily="34" charset="0"/>
-                <a:ea typeface="Noto Sans" panose="020B0502040504020204" pitchFamily="34" charset="0"/>
-                <a:cs typeface="Noto Sans" panose="020B0502040504020204" pitchFamily="34" charset="0"/>
-              </a:rPr>
-              <a:t>화학약품에 </a:t>
-            </a:r>
-            <a:r>
-              <a:rPr lang="ko-KR" altLang="en-US" sz="900" dirty="0" err="1">
-                <a:solidFill>
-                  <a:schemeClr val="tx1"/>
-                </a:solidFill>
-                <a:latin typeface="Noto Sans" panose="020B0502040504020204" pitchFamily="34" charset="0"/>
-                <a:ea typeface="Noto Sans" panose="020B0502040504020204" pitchFamily="34" charset="0"/>
-                <a:cs typeface="Noto Sans" panose="020B0502040504020204" pitchFamily="34" charset="0"/>
-              </a:rPr>
-              <a:t>번호매긴거</a:t>
-            </a:r>
-            <a:r>
-              <a:rPr lang="ko-KR" altLang="en-US" sz="900" dirty="0">
-                <a:solidFill>
-                  <a:schemeClr val="tx1"/>
-                </a:solidFill>
-                <a:latin typeface="Noto Sans" panose="020B0502040504020204" pitchFamily="34" charset="0"/>
-                <a:cs typeface="Noto Sans" panose="020B0502040504020204" pitchFamily="34" charset="0"/>
-              </a:rPr>
-              <a:t> 있잖아</a:t>
-            </a:r>
-            <a:r>
-              <a:rPr lang="en-US" altLang="ko-KR" sz="900" dirty="0">
-                <a:solidFill>
-                  <a:schemeClr val="tx1"/>
-                </a:solidFill>
-                <a:latin typeface="Noto Sans" panose="020B0502040504020204" pitchFamily="34" charset="0"/>
-                <a:ea typeface="Noto Sans" panose="020B0502040504020204" pitchFamily="34" charset="0"/>
-                <a:cs typeface="Noto Sans" panose="020B0502040504020204" pitchFamily="34" charset="0"/>
-              </a:rPr>
-              <a:t>? </a:t>
-            </a:r>
-            <a:r>
-              <a:rPr lang="ko-KR" altLang="en-US" sz="900" dirty="0">
-                <a:solidFill>
-                  <a:schemeClr val="tx1"/>
-                </a:solidFill>
-                <a:latin typeface="Noto Sans" panose="020B0502040504020204" pitchFamily="34" charset="0"/>
-                <a:ea typeface="Noto Sans" panose="020B0502040504020204" pitchFamily="34" charset="0"/>
-                <a:cs typeface="Noto Sans" panose="020B0502040504020204" pitchFamily="34" charset="0"/>
-              </a:rPr>
-              <a:t>거기</a:t>
-            </a:r>
-            <a:r>
-              <a:rPr lang="ko-KR" altLang="en-US" sz="900" dirty="0">
-                <a:solidFill>
-                  <a:schemeClr val="tx1"/>
-                </a:solidFill>
-                <a:latin typeface="Noto Sans" panose="020B0502040504020204" pitchFamily="34" charset="0"/>
-                <a:cs typeface="Noto Sans" panose="020B0502040504020204" pitchFamily="34" charset="0"/>
-              </a:rPr>
-              <a:t>에 </a:t>
-            </a:r>
-            <a:r>
-              <a:rPr lang="en-US" altLang="ko-KR" sz="900" dirty="0">
-                <a:solidFill>
-                  <a:schemeClr val="tx1"/>
-                </a:solidFill>
-                <a:latin typeface="Noto Sans" panose="020B0502040504020204" pitchFamily="34" charset="0"/>
-                <a:ea typeface="Noto Sans" panose="020B0502040504020204" pitchFamily="34" charset="0"/>
-                <a:cs typeface="Noto Sans" panose="020B0502040504020204" pitchFamily="34" charset="0"/>
-              </a:rPr>
-              <a:t>71</a:t>
-            </a:r>
-            <a:r>
-              <a:rPr lang="ko-KR" altLang="en-US" sz="900" dirty="0">
-                <a:solidFill>
-                  <a:schemeClr val="tx1"/>
-                </a:solidFill>
-                <a:latin typeface="Noto Sans" panose="020B0502040504020204" pitchFamily="34" charset="0"/>
-                <a:cs typeface="Noto Sans" panose="020B0502040504020204" pitchFamily="34" charset="0"/>
-              </a:rPr>
-              <a:t>이 들어가는 리스트를 뽑고 싶은데</a:t>
-            </a:r>
-            <a:r>
-              <a:rPr lang="en-US" altLang="ko-KR" sz="900" dirty="0">
-                <a:solidFill>
-                  <a:schemeClr val="tx1"/>
-                </a:solidFill>
-                <a:latin typeface="Noto Sans" panose="020B0502040504020204" pitchFamily="34" charset="0"/>
-                <a:ea typeface="Noto Sans" panose="020B0502040504020204" pitchFamily="34" charset="0"/>
-                <a:cs typeface="Noto Sans" panose="020B0502040504020204" pitchFamily="34" charset="0"/>
-              </a:rPr>
-              <a:t>, </a:t>
-            </a:r>
-            <a:r>
-              <a:rPr lang="ko-KR" altLang="en-US" sz="900" dirty="0">
-                <a:solidFill>
-                  <a:schemeClr val="tx1"/>
-                </a:solidFill>
-                <a:latin typeface="Noto Sans" panose="020B0502040504020204" pitchFamily="34" charset="0"/>
-                <a:ea typeface="Noto Sans" panose="020B0502040504020204" pitchFamily="34" charset="0"/>
-                <a:cs typeface="Noto Sans" panose="020B0502040504020204" pitchFamily="34" charset="0"/>
-              </a:rPr>
-              <a:t>등록일</a:t>
-            </a:r>
-            <a:r>
-              <a:rPr lang="ko-KR" altLang="en-US" sz="900" dirty="0">
-                <a:solidFill>
-                  <a:schemeClr val="tx1"/>
-                </a:solidFill>
-                <a:latin typeface="Noto Sans" panose="020B0502040504020204" pitchFamily="34" charset="0"/>
-                <a:cs typeface="Noto Sans" panose="020B0502040504020204" pitchFamily="34" charset="0"/>
-              </a:rPr>
-              <a:t> 기준 빠른 날짜부터 차곡차곡 정렬하는 거 가능할까</a:t>
-            </a:r>
-            <a:r>
-              <a:rPr lang="en-US" altLang="ko-KR" sz="900" dirty="0">
-                <a:solidFill>
-                  <a:schemeClr val="tx1"/>
-                </a:solidFill>
-                <a:latin typeface="Noto Sans" panose="020B0502040504020204" pitchFamily="34" charset="0"/>
-                <a:ea typeface="Noto Sans" panose="020B0502040504020204" pitchFamily="34" charset="0"/>
-                <a:cs typeface="Noto Sans" panose="020B0502040504020204" pitchFamily="34" charset="0"/>
-              </a:rPr>
-              <a:t>?"</a:t>
-            </a:r>
-            <a:endParaRPr lang="ko-KR" altLang="en-US" sz="900" dirty="0">
-              <a:solidFill>
-                <a:schemeClr val="tx1"/>
-              </a:solidFill>
-              <a:latin typeface="Noto Sans" panose="020B0502040504020204" pitchFamily="34" charset="0"/>
-              <a:cs typeface="Noto Sans" panose="020B0502040504020204" pitchFamily="34" charset="0"/>
-            </a:endParaRPr>
-          </a:p>
-        </p:txBody>
-      </p:sp>
-      <p:sp>
-        <p:nvSpPr>
-          <p:cNvPr id="9" name="순서도: 문서 8">
-            <a:extLst>
-              <a:ext uri="{FF2B5EF4-FFF2-40B4-BE49-F238E27FC236}">
-                <a16:creationId xmlns:a16="http://schemas.microsoft.com/office/drawing/2014/main" id="{7376F2BC-CE37-A6CB-5F7F-6C8B049380A7}"/>
-              </a:ext>
-            </a:extLst>
-          </p:cNvPr>
-          <p:cNvSpPr/>
-          <p:nvPr/>
-        </p:nvSpPr>
-        <p:spPr>
-          <a:xfrm>
-            <a:off x="7193770" y="3861782"/>
-            <a:ext cx="2070913" cy="888603"/>
-          </a:xfrm>
-          <a:prstGeom prst="flowChartDocument">
-            <a:avLst/>
-          </a:prstGeom>
-          <a:solidFill>
-            <a:schemeClr val="bg1"/>
-          </a:solidFill>
-          <a:effectLst>
-            <a:outerShdw blurRad="127000" dist="50800" dir="5400000" algn="ctr" rotWithShape="0">
-              <a:srgbClr val="000000">
-                <a:alpha val="50000"/>
-              </a:srgbClr>
-            </a:outerShdw>
-          </a:effectLst>
-        </p:spPr>
-        <p:style>
-          <a:lnRef idx="2">
-            <a:schemeClr val="accent1">
-              <a:shade val="15000"/>
-            </a:schemeClr>
-          </a:lnRef>
-          <a:fillRef idx="1">
-            <a:schemeClr val="accent1"/>
-          </a:fillRef>
-          <a:effectRef idx="0">
-            <a:schemeClr val="accent1"/>
-          </a:effectRef>
-          <a:fontRef idx="minor">
-            <a:schemeClr val="lt1"/>
-          </a:fontRef>
-        </p:style>
-        <p:txBody>
-          <a:bodyPr rtlCol="0" anchor="ctr"/>
-          <a:lstStyle/>
-          <a:p>
-            <a:pPr marL="0" marR="0" lvl="0" indent="0" algn="l" defTabSz="914400" rtl="0" eaLnBrk="1" fontAlgn="auto" latinLnBrk="1" hangingPunct="1">
-              <a:lnSpc>
-                <a:spcPct val="100000"/>
-              </a:lnSpc>
-              <a:spcBef>
-                <a:spcPts val="0"/>
-              </a:spcBef>
-              <a:spcAft>
-                <a:spcPts val="0"/>
-              </a:spcAft>
-              <a:buClrTx/>
-              <a:buSzTx/>
-              <a:buFontTx/>
-              <a:buNone/>
-              <a:tabLst/>
-              <a:defRPr/>
-            </a:pPr>
-            <a:r>
-              <a:rPr lang="en-US" altLang="ko-KR" sz="900" dirty="0">
-                <a:solidFill>
-                  <a:schemeClr val="tx1"/>
-                </a:solidFill>
-              </a:rPr>
-              <a:t>“</a:t>
-            </a:r>
-            <a:r>
-              <a:rPr lang="ko-KR" altLang="en-US" sz="900" dirty="0">
-                <a:solidFill>
-                  <a:schemeClr val="tx1"/>
-                </a:solidFill>
-              </a:rPr>
-              <a:t>화학물질 목록을 펼쳐봐</a:t>
-            </a:r>
-            <a:r>
-              <a:rPr lang="en-US" altLang="ko-KR" sz="900" dirty="0">
-                <a:solidFill>
-                  <a:schemeClr val="tx1"/>
-                </a:solidFill>
-              </a:rPr>
-              <a:t>. </a:t>
-            </a:r>
-            <a:r>
-              <a:rPr lang="ko-KR" altLang="en-US" sz="900" dirty="0">
-                <a:solidFill>
-                  <a:schemeClr val="tx1"/>
-                </a:solidFill>
-              </a:rPr>
-              <a:t>거기서 </a:t>
-            </a:r>
-            <a:r>
-              <a:rPr lang="en-US" altLang="ko-KR" sz="900" dirty="0">
-                <a:solidFill>
-                  <a:schemeClr val="tx1"/>
-                </a:solidFill>
-              </a:rPr>
-              <a:t>71</a:t>
-            </a:r>
-            <a:r>
-              <a:rPr lang="ko-KR" altLang="en-US" sz="900" dirty="0">
-                <a:solidFill>
-                  <a:schemeClr val="tx1"/>
-                </a:solidFill>
-              </a:rPr>
-              <a:t>이 숨 쉬고 있는 녀석들만 남겨</a:t>
-            </a:r>
-            <a:r>
-              <a:rPr lang="en-US" altLang="ko-KR" sz="900" dirty="0">
-                <a:solidFill>
-                  <a:schemeClr val="tx1"/>
-                </a:solidFill>
-              </a:rPr>
-              <a:t>. </a:t>
-            </a:r>
-            <a:r>
-              <a:rPr lang="ko-KR" altLang="en-US" sz="900" dirty="0">
-                <a:solidFill>
-                  <a:schemeClr val="tx1"/>
-                </a:solidFill>
-              </a:rPr>
-              <a:t>그리고 시간의 흐름에 순응하도록 정렬해</a:t>
-            </a:r>
-            <a:r>
-              <a:rPr lang="en-US" altLang="ko-KR" sz="900" dirty="0">
-                <a:solidFill>
-                  <a:schemeClr val="tx1"/>
-                </a:solidFill>
-              </a:rPr>
-              <a:t>. </a:t>
-            </a:r>
-            <a:r>
-              <a:rPr lang="ko-KR" altLang="en-US" sz="900" dirty="0">
-                <a:solidFill>
-                  <a:schemeClr val="tx1"/>
-                </a:solidFill>
-              </a:rPr>
-              <a:t>과거에서 현재로</a:t>
-            </a:r>
-            <a:r>
-              <a:rPr lang="en-US" altLang="ko-KR" sz="900" dirty="0">
-                <a:solidFill>
-                  <a:schemeClr val="tx1"/>
-                </a:solidFill>
-              </a:rPr>
-              <a:t>.”</a:t>
-            </a:r>
-            <a:endParaRPr lang="ko-KR" altLang="en-US" sz="900" b="0" dirty="0">
-              <a:solidFill>
-                <a:schemeClr val="tx1"/>
-              </a:solidFill>
-            </a:endParaRPr>
-          </a:p>
-        </p:txBody>
-      </p:sp>
-      <p:sp>
-        <p:nvSpPr>
-          <p:cNvPr id="10" name="TextBox 9">
-            <a:extLst>
-              <a:ext uri="{FF2B5EF4-FFF2-40B4-BE49-F238E27FC236}">
-                <a16:creationId xmlns:a16="http://schemas.microsoft.com/office/drawing/2014/main" id="{EFE2C10E-06DB-2AC8-995A-E43F288E812A}"/>
-              </a:ext>
-            </a:extLst>
-          </p:cNvPr>
-          <p:cNvSpPr txBox="1"/>
-          <p:nvPr/>
-        </p:nvSpPr>
-        <p:spPr>
-          <a:xfrm>
-            <a:off x="8072305" y="3360683"/>
-            <a:ext cx="461665" cy="289503"/>
-          </a:xfrm>
-          <a:prstGeom prst="rect">
-            <a:avLst/>
-          </a:prstGeom>
-          <a:noFill/>
-        </p:spPr>
-        <p:txBody>
-          <a:bodyPr vert="eaVert" wrap="none" rtlCol="0">
-            <a:spAutoFit/>
-          </a:bodyPr>
-          <a:lstStyle/>
-          <a:p>
-            <a:r>
-              <a:rPr lang="en-US" altLang="ko-KR" b="1" dirty="0">
-                <a:latin typeface="Noto Sans" panose="020B0502040504020204" pitchFamily="34" charset="0"/>
-                <a:ea typeface="Noto Sans" panose="020B0502040504020204" pitchFamily="34" charset="0"/>
-                <a:cs typeface="Noto Sans" panose="020B0502040504020204" pitchFamily="34" charset="0"/>
-              </a:rPr>
-              <a:t>…</a:t>
-            </a:r>
-            <a:endParaRPr lang="ko-KR" altLang="en-US" b="1" dirty="0">
-              <a:latin typeface="Noto Sans" panose="020B0502040504020204" pitchFamily="34" charset="0"/>
-              <a:cs typeface="Noto Sans" panose="020B0502040504020204" pitchFamily="34" charset="0"/>
-            </a:endParaRPr>
-          </a:p>
-        </p:txBody>
-      </p:sp>
-      <p:cxnSp>
-        <p:nvCxnSpPr>
-          <p:cNvPr id="13" name="직선 연결선 12">
-            <a:extLst>
-              <a:ext uri="{FF2B5EF4-FFF2-40B4-BE49-F238E27FC236}">
-                <a16:creationId xmlns:a16="http://schemas.microsoft.com/office/drawing/2014/main" id="{74ECC847-15B6-A6F6-B450-55CC3B9FBCDE}"/>
-              </a:ext>
-            </a:extLst>
-          </p:cNvPr>
-          <p:cNvCxnSpPr>
-            <a:cxnSpLocks/>
-            <a:stCxn id="4" idx="3"/>
-            <a:endCxn id="5" idx="1"/>
-          </p:cNvCxnSpPr>
-          <p:nvPr/>
-        </p:nvCxnSpPr>
-        <p:spPr>
-          <a:xfrm flipV="1">
-            <a:off x="4768883" y="1718733"/>
-            <a:ext cx="2424887" cy="1197649"/>
-          </a:xfrm>
-          <a:prstGeom prst="line">
-            <a:avLst/>
-          </a:prstGeom>
-        </p:spPr>
-        <p:style>
-          <a:lnRef idx="1">
-            <a:schemeClr val="dk1"/>
-          </a:lnRef>
-          <a:fillRef idx="0">
-            <a:schemeClr val="dk1"/>
-          </a:fillRef>
-          <a:effectRef idx="0">
-            <a:schemeClr val="dk1"/>
-          </a:effectRef>
-          <a:fontRef idx="minor">
-            <a:schemeClr val="tx1"/>
-          </a:fontRef>
-        </p:style>
-      </p:cxnSp>
-      <p:cxnSp>
-        <p:nvCxnSpPr>
-          <p:cNvPr id="15" name="직선 연결선 14">
-            <a:extLst>
-              <a:ext uri="{FF2B5EF4-FFF2-40B4-BE49-F238E27FC236}">
-                <a16:creationId xmlns:a16="http://schemas.microsoft.com/office/drawing/2014/main" id="{D5F0287A-1898-9BB8-D6E4-A491EA79D7CA}"/>
-              </a:ext>
-            </a:extLst>
-          </p:cNvPr>
-          <p:cNvCxnSpPr>
-            <a:cxnSpLocks/>
-            <a:stCxn id="4" idx="3"/>
-            <a:endCxn id="8" idx="1"/>
-          </p:cNvCxnSpPr>
-          <p:nvPr/>
-        </p:nvCxnSpPr>
-        <p:spPr>
-          <a:xfrm flipV="1">
-            <a:off x="4768883" y="2810933"/>
-            <a:ext cx="2424887" cy="105449"/>
-          </a:xfrm>
-          <a:prstGeom prst="line">
-            <a:avLst/>
-          </a:prstGeom>
-        </p:spPr>
-        <p:style>
-          <a:lnRef idx="1">
-            <a:schemeClr val="dk1"/>
-          </a:lnRef>
-          <a:fillRef idx="0">
-            <a:schemeClr val="dk1"/>
-          </a:fillRef>
-          <a:effectRef idx="0">
-            <a:schemeClr val="dk1"/>
-          </a:effectRef>
-          <a:fontRef idx="minor">
-            <a:schemeClr val="tx1"/>
-          </a:fontRef>
-        </p:style>
-      </p:cxnSp>
-      <p:cxnSp>
-        <p:nvCxnSpPr>
-          <p:cNvPr id="17" name="직선 연결선 16">
-            <a:extLst>
-              <a:ext uri="{FF2B5EF4-FFF2-40B4-BE49-F238E27FC236}">
-                <a16:creationId xmlns:a16="http://schemas.microsoft.com/office/drawing/2014/main" id="{F87B9DC7-ED9C-BDA3-4285-E46583407A6D}"/>
-              </a:ext>
-            </a:extLst>
-          </p:cNvPr>
-          <p:cNvCxnSpPr>
-            <a:cxnSpLocks/>
-            <a:stCxn id="4" idx="3"/>
-            <a:endCxn id="9" idx="1"/>
-          </p:cNvCxnSpPr>
-          <p:nvPr/>
-        </p:nvCxnSpPr>
-        <p:spPr>
-          <a:xfrm>
-            <a:off x="4768883" y="2916382"/>
-            <a:ext cx="2424887" cy="1389702"/>
-          </a:xfrm>
-          <a:prstGeom prst="line">
-            <a:avLst/>
-          </a:prstGeom>
-        </p:spPr>
-        <p:style>
-          <a:lnRef idx="1">
-            <a:schemeClr val="dk1"/>
-          </a:lnRef>
-          <a:fillRef idx="0">
-            <a:schemeClr val="dk1"/>
-          </a:fillRef>
-          <a:effectRef idx="0">
-            <a:schemeClr val="dk1"/>
-          </a:effectRef>
-          <a:fontRef idx="minor">
-            <a:schemeClr val="tx1"/>
-          </a:fontRef>
-        </p:style>
-      </p:cxnSp>
-      <p:sp>
-        <p:nvSpPr>
-          <p:cNvPr id="23" name="TextBox 22">
-            <a:extLst>
-              <a:ext uri="{FF2B5EF4-FFF2-40B4-BE49-F238E27FC236}">
-                <a16:creationId xmlns:a16="http://schemas.microsoft.com/office/drawing/2014/main" id="{BD41E0A1-8237-633E-3152-58C0EB81EE26}"/>
-              </a:ext>
-            </a:extLst>
-          </p:cNvPr>
-          <p:cNvSpPr txBox="1"/>
-          <p:nvPr/>
-        </p:nvSpPr>
-        <p:spPr>
-          <a:xfrm>
-            <a:off x="1731715" y="4977671"/>
-            <a:ext cx="8728569" cy="400110"/>
-          </a:xfrm>
-          <a:prstGeom prst="rect">
-            <a:avLst/>
-          </a:prstGeom>
-          <a:noFill/>
-        </p:spPr>
-        <p:txBody>
-          <a:bodyPr wrap="square" rtlCol="0">
-            <a:spAutoFit/>
-          </a:bodyPr>
-          <a:lstStyle/>
-          <a:p>
-            <a:r>
-              <a:rPr lang="ko-KR" altLang="en-US" sz="2000" b="1" dirty="0">
-                <a:latin typeface="Noto Sans" panose="020B0502040504020204" pitchFamily="34" charset="0"/>
-                <a:cs typeface="Noto Sans" panose="020B0502040504020204" pitchFamily="34" charset="0"/>
-              </a:rPr>
-              <a:t>표준 질의문장 </a:t>
-            </a:r>
-            <a:r>
-              <a:rPr lang="en-US" altLang="ko-KR" sz="2000" b="1" dirty="0">
-                <a:latin typeface="Noto Sans" panose="020B0502040504020204" pitchFamily="34" charset="0"/>
-                <a:ea typeface="Noto Sans" panose="020B0502040504020204" pitchFamily="34" charset="0"/>
-                <a:cs typeface="Noto Sans" panose="020B0502040504020204" pitchFamily="34" charset="0"/>
-              </a:rPr>
-              <a:t>1</a:t>
-            </a:r>
-            <a:r>
-              <a:rPr lang="ko-KR" altLang="en-US" sz="2000" b="1" dirty="0">
-                <a:latin typeface="Noto Sans" panose="020B0502040504020204" pitchFamily="34" charset="0"/>
-                <a:cs typeface="Noto Sans" panose="020B0502040504020204" pitchFamily="34" charset="0"/>
-              </a:rPr>
-              <a:t>개와 </a:t>
-            </a:r>
-            <a:r>
-              <a:rPr lang="en-US" altLang="ko-KR" sz="2000" b="1" dirty="0">
-                <a:latin typeface="Noto Sans" panose="020B0502040504020204" pitchFamily="34" charset="0"/>
-                <a:cs typeface="Noto Sans" panose="020B0502040504020204" pitchFamily="34" charset="0"/>
-              </a:rPr>
-              <a:t>AI</a:t>
-            </a:r>
-            <a:r>
-              <a:rPr lang="ko-KR" altLang="en-US" sz="2000" b="1" dirty="0">
-                <a:latin typeface="Noto Sans" panose="020B0502040504020204" pitchFamily="34" charset="0"/>
-                <a:cs typeface="Noto Sans" panose="020B0502040504020204" pitchFamily="34" charset="0"/>
-              </a:rPr>
-              <a:t>를 통해 생성된 </a:t>
-            </a:r>
-            <a:r>
-              <a:rPr lang="en-US" altLang="ko-KR" sz="2000" b="1" dirty="0">
-                <a:latin typeface="Noto Sans" panose="020B0502040504020204" pitchFamily="34" charset="0"/>
-                <a:ea typeface="Noto Sans" panose="020B0502040504020204" pitchFamily="34" charset="0"/>
-                <a:cs typeface="Noto Sans" panose="020B0502040504020204" pitchFamily="34" charset="0"/>
-              </a:rPr>
-              <a:t>N</a:t>
-            </a:r>
-            <a:r>
-              <a:rPr lang="ko-KR" altLang="en-US" sz="2000" b="1" dirty="0">
-                <a:latin typeface="Noto Sans" panose="020B0502040504020204" pitchFamily="34" charset="0"/>
-                <a:cs typeface="Noto Sans" panose="020B0502040504020204" pitchFamily="34" charset="0"/>
-              </a:rPr>
-              <a:t>개의 비표준 질의문장과 대응</a:t>
-            </a:r>
-            <a:r>
-              <a:rPr lang="ko-KR" altLang="en-US" sz="2000" dirty="0">
-                <a:latin typeface="Noto Sans" panose="020B0502040504020204" pitchFamily="34" charset="0"/>
-                <a:cs typeface="Noto Sans" panose="020B0502040504020204" pitchFamily="34" charset="0"/>
-              </a:rPr>
-              <a:t>된다</a:t>
-            </a:r>
-            <a:r>
-              <a:rPr lang="en-US" altLang="ko-KR" sz="2000" dirty="0">
-                <a:latin typeface="Noto Sans" panose="020B0502040504020204" pitchFamily="34" charset="0"/>
-                <a:ea typeface="Noto Sans" panose="020B0502040504020204" pitchFamily="34" charset="0"/>
-                <a:cs typeface="Noto Sans" panose="020B0502040504020204" pitchFamily="34" charset="0"/>
-              </a:rPr>
-              <a:t>.</a:t>
-            </a:r>
-            <a:endParaRPr lang="ko-KR" altLang="en-US" sz="2000" dirty="0">
-              <a:latin typeface="Noto Sans" panose="020B0502040504020204" pitchFamily="34" charset="0"/>
-              <a:cs typeface="Noto Sans" panose="020B0502040504020204" pitchFamily="34" charset="0"/>
-            </a:endParaRPr>
-          </a:p>
-        </p:txBody>
-      </p:sp>
-      <p:sp>
-        <p:nvSpPr>
-          <p:cNvPr id="18" name="TextBox 17">
-            <a:extLst>
-              <a:ext uri="{FF2B5EF4-FFF2-40B4-BE49-F238E27FC236}">
-                <a16:creationId xmlns:a16="http://schemas.microsoft.com/office/drawing/2014/main" id="{EAD52BC5-FF88-4DE2-BF41-790A31648962}"/>
-              </a:ext>
-            </a:extLst>
-          </p:cNvPr>
-          <p:cNvSpPr txBox="1"/>
-          <p:nvPr/>
-        </p:nvSpPr>
-        <p:spPr>
-          <a:xfrm>
-            <a:off x="11699631" y="6410326"/>
-            <a:ext cx="432460" cy="276999"/>
-          </a:xfrm>
-          <a:prstGeom prst="rect">
-            <a:avLst/>
-          </a:prstGeom>
-          <a:noFill/>
-        </p:spPr>
-        <p:txBody>
-          <a:bodyPr wrap="square" rtlCol="0">
-            <a:spAutoFit/>
-          </a:bodyPr>
-          <a:lstStyle/>
-          <a:p>
-            <a:r>
-              <a:rPr lang="en-US" altLang="ko-KR" sz="1200" b="1" dirty="0">
-                <a:latin typeface="Noto Sans" panose="020B0502040504020204" pitchFamily="34" charset="0"/>
-                <a:cs typeface="Noto Sans" panose="020B0502040504020204" pitchFamily="34" charset="0"/>
-              </a:rPr>
-              <a:t>8</a:t>
-            </a:r>
-            <a:endParaRPr lang="ko-KR" altLang="en-US" sz="1200" b="1" dirty="0">
-              <a:latin typeface="Noto Sans" panose="020B0502040504020204" pitchFamily="34" charset="0"/>
-              <a:cs typeface="Noto Sans" panose="020B0502040504020204" pitchFamily="34" charset="0"/>
-            </a:endParaRPr>
-          </a:p>
-        </p:txBody>
-      </p:sp>
-      <p:sp>
-        <p:nvSpPr>
-          <p:cNvPr id="2" name="TextBox 1">
-            <a:extLst>
-              <a:ext uri="{FF2B5EF4-FFF2-40B4-BE49-F238E27FC236}">
-                <a16:creationId xmlns:a16="http://schemas.microsoft.com/office/drawing/2014/main" id="{E742BB03-E17B-BB2D-A4EE-5B4B4D1CC991}"/>
-              </a:ext>
-            </a:extLst>
-          </p:cNvPr>
-          <p:cNvSpPr txBox="1"/>
-          <p:nvPr/>
-        </p:nvSpPr>
-        <p:spPr>
-          <a:xfrm>
-            <a:off x="70338" y="87923"/>
-            <a:ext cx="2949087" cy="461665"/>
-          </a:xfrm>
-          <a:prstGeom prst="rect">
-            <a:avLst/>
-          </a:prstGeom>
-          <a:noFill/>
-        </p:spPr>
-        <p:txBody>
-          <a:bodyPr wrap="square" rtlCol="0">
-            <a:spAutoFit/>
-          </a:bodyPr>
-          <a:lstStyle/>
-          <a:p>
-            <a:r>
-              <a:rPr lang="ko-KR" altLang="en-US" sz="2400" b="1" dirty="0">
-                <a:latin typeface="Noto Sans" panose="020B0502040504020204" pitchFamily="34" charset="0"/>
-                <a:ea typeface="Noto Sans" panose="020B0502040504020204" pitchFamily="34" charset="0"/>
-                <a:cs typeface="Noto Sans" panose="020B0502040504020204" pitchFamily="34" charset="0"/>
-              </a:rPr>
-              <a:t>발명내용 </a:t>
-            </a:r>
-            <a:r>
-              <a:rPr lang="en-US" altLang="ko-KR" sz="2400" b="1" dirty="0">
-                <a:latin typeface="Noto Sans" panose="020B0502040504020204" pitchFamily="34" charset="0"/>
-                <a:ea typeface="Noto Sans" panose="020B0502040504020204" pitchFamily="34" charset="0"/>
-                <a:cs typeface="Noto Sans" panose="020B0502040504020204" pitchFamily="34" charset="0"/>
-              </a:rPr>
-              <a:t>: Phase 1</a:t>
-            </a:r>
-            <a:endParaRPr lang="ko-KR" altLang="en-US" sz="2400" b="1" dirty="0">
-              <a:latin typeface="Noto Sans" panose="020B0502040504020204" pitchFamily="34" charset="0"/>
-              <a:ea typeface="KoPubWorld돋움체 Medium" panose="00000600000000000000" pitchFamily="2" charset="-127"/>
-              <a:cs typeface="Noto Sans" panose="020B0502040504020204" pitchFamily="34" charset="0"/>
-            </a:endParaRPr>
-          </a:p>
-        </p:txBody>
-      </p:sp>
-    </p:spTree>
-    <p:extLst>
-      <p:ext uri="{BB962C8B-B14F-4D97-AF65-F5344CB8AC3E}">
-        <p14:creationId xmlns:p14="http://schemas.microsoft.com/office/powerpoint/2010/main" val="2023954309"/>
       </p:ext>
     </p:extLst>
   </p:cSld>

--- a/PPT/DSLab_이승건,송민섭_특허.pptx
+++ b/PPT/DSLab_이승건,송민섭_특허.pptx
@@ -212,7 +212,7 @@
           <a:p>
             <a:fld id="{92E34C07-989B-4F61-AE3F-153A5F3AB426}" type="datetimeFigureOut">
               <a:rPr lang="ko-KR" altLang="en-US" smtClean="0"/>
-              <a:t>2025-03-04</a:t>
+              <a:t>2025-03-05</a:t>
             </a:fld>
             <a:endParaRPr lang="ko-KR" altLang="en-US"/>
           </a:p>
@@ -4054,7 +4054,7 @@
           <a:p>
             <a:fld id="{0D5E1F66-E70E-4992-8451-264A0511747B}" type="datetimeFigureOut">
               <a:rPr lang="ko-KR" altLang="en-US" smtClean="0"/>
-              <a:t>2025-03-04</a:t>
+              <a:t>2025-03-05</a:t>
             </a:fld>
             <a:endParaRPr lang="ko-KR" altLang="en-US"/>
           </a:p>
@@ -4252,7 +4252,7 @@
           <a:p>
             <a:fld id="{0D5E1F66-E70E-4992-8451-264A0511747B}" type="datetimeFigureOut">
               <a:rPr lang="ko-KR" altLang="en-US" smtClean="0"/>
-              <a:t>2025-03-04</a:t>
+              <a:t>2025-03-05</a:t>
             </a:fld>
             <a:endParaRPr lang="ko-KR" altLang="en-US"/>
           </a:p>
@@ -4460,7 +4460,7 @@
           <a:p>
             <a:fld id="{0D5E1F66-E70E-4992-8451-264A0511747B}" type="datetimeFigureOut">
               <a:rPr lang="ko-KR" altLang="en-US" smtClean="0"/>
-              <a:t>2025-03-04</a:t>
+              <a:t>2025-03-05</a:t>
             </a:fld>
             <a:endParaRPr lang="ko-KR" altLang="en-US"/>
           </a:p>
@@ -4658,7 +4658,7 @@
           <a:p>
             <a:fld id="{0D5E1F66-E70E-4992-8451-264A0511747B}" type="datetimeFigureOut">
               <a:rPr lang="ko-KR" altLang="en-US" smtClean="0"/>
-              <a:t>2025-03-04</a:t>
+              <a:t>2025-03-05</a:t>
             </a:fld>
             <a:endParaRPr lang="ko-KR" altLang="en-US"/>
           </a:p>
@@ -4933,7 +4933,7 @@
           <a:p>
             <a:fld id="{0D5E1F66-E70E-4992-8451-264A0511747B}" type="datetimeFigureOut">
               <a:rPr lang="ko-KR" altLang="en-US" smtClean="0"/>
-              <a:t>2025-03-04</a:t>
+              <a:t>2025-03-05</a:t>
             </a:fld>
             <a:endParaRPr lang="ko-KR" altLang="en-US"/>
           </a:p>
@@ -5198,7 +5198,7 @@
           <a:p>
             <a:fld id="{0D5E1F66-E70E-4992-8451-264A0511747B}" type="datetimeFigureOut">
               <a:rPr lang="ko-KR" altLang="en-US" smtClean="0"/>
-              <a:t>2025-03-04</a:t>
+              <a:t>2025-03-05</a:t>
             </a:fld>
             <a:endParaRPr lang="ko-KR" altLang="en-US"/>
           </a:p>
@@ -5610,7 +5610,7 @@
           <a:p>
             <a:fld id="{0D5E1F66-E70E-4992-8451-264A0511747B}" type="datetimeFigureOut">
               <a:rPr lang="ko-KR" altLang="en-US" smtClean="0"/>
-              <a:t>2025-03-04</a:t>
+              <a:t>2025-03-05</a:t>
             </a:fld>
             <a:endParaRPr lang="ko-KR" altLang="en-US"/>
           </a:p>
@@ -5751,7 +5751,7 @@
           <a:p>
             <a:fld id="{0D5E1F66-E70E-4992-8451-264A0511747B}" type="datetimeFigureOut">
               <a:rPr lang="ko-KR" altLang="en-US" smtClean="0"/>
-              <a:t>2025-03-04</a:t>
+              <a:t>2025-03-05</a:t>
             </a:fld>
             <a:endParaRPr lang="ko-KR" altLang="en-US"/>
           </a:p>
@@ -5864,7 +5864,7 @@
           <a:p>
             <a:fld id="{0D5E1F66-E70E-4992-8451-264A0511747B}" type="datetimeFigureOut">
               <a:rPr lang="ko-KR" altLang="en-US" smtClean="0"/>
-              <a:t>2025-03-04</a:t>
+              <a:t>2025-03-05</a:t>
             </a:fld>
             <a:endParaRPr lang="ko-KR" altLang="en-US"/>
           </a:p>
@@ -6175,7 +6175,7 @@
           <a:p>
             <a:fld id="{0D5E1F66-E70E-4992-8451-264A0511747B}" type="datetimeFigureOut">
               <a:rPr lang="ko-KR" altLang="en-US" smtClean="0"/>
-              <a:t>2025-03-04</a:t>
+              <a:t>2025-03-05</a:t>
             </a:fld>
             <a:endParaRPr lang="ko-KR" altLang="en-US"/>
           </a:p>
@@ -6463,7 +6463,7 @@
           <a:p>
             <a:fld id="{0D5E1F66-E70E-4992-8451-264A0511747B}" type="datetimeFigureOut">
               <a:rPr lang="ko-KR" altLang="en-US" smtClean="0"/>
-              <a:t>2025-03-04</a:t>
+              <a:t>2025-03-05</a:t>
             </a:fld>
             <a:endParaRPr lang="ko-KR" altLang="en-US"/>
           </a:p>
@@ -6704,7 +6704,7 @@
           <a:p>
             <a:fld id="{0D5E1F66-E70E-4992-8451-264A0511747B}" type="datetimeFigureOut">
               <a:rPr lang="ko-KR" altLang="en-US" smtClean="0"/>
-              <a:t>2025-03-04</a:t>
+              <a:t>2025-03-05</a:t>
             </a:fld>
             <a:endParaRPr lang="ko-KR" altLang="en-US"/>
           </a:p>
@@ -15448,7 +15448,7 @@
         </p:nvSpPr>
         <p:spPr>
           <a:xfrm>
-            <a:off x="562353" y="2498509"/>
+            <a:off x="562354" y="2036709"/>
             <a:ext cx="7414583" cy="1447832"/>
           </a:xfrm>
           <a:prstGeom prst="rect">
@@ -15645,8 +15645,8 @@
         </p:blipFill>
         <p:spPr>
           <a:xfrm>
-            <a:off x="1323889" y="4126227"/>
-            <a:ext cx="8765888" cy="2067318"/>
+            <a:off x="1146113" y="3644964"/>
+            <a:ext cx="9899774" cy="2334730"/>
           </a:xfrm>
           <a:prstGeom prst="rect">
             <a:avLst/>

--- a/PPT/DSLab_이승건,송민섭_특허.pptx
+++ b/PPT/DSLab_이승건,송민섭_특허.pptx
@@ -5,25 +5,26 @@
     <p:sldMasterId id="2147483648" r:id="rId1"/>
   </p:sldMasterIdLst>
   <p:notesMasterIdLst>
-    <p:notesMasterId r:id="rId18"/>
+    <p:notesMasterId r:id="rId19"/>
   </p:notesMasterIdLst>
   <p:sldIdLst>
     <p:sldId id="258" r:id="rId2"/>
     <p:sldId id="257" r:id="rId3"/>
     <p:sldId id="279" r:id="rId4"/>
     <p:sldId id="280" r:id="rId5"/>
-    <p:sldId id="271" r:id="rId6"/>
-    <p:sldId id="272" r:id="rId7"/>
-    <p:sldId id="266" r:id="rId8"/>
-    <p:sldId id="273" r:id="rId9"/>
-    <p:sldId id="265" r:id="rId10"/>
-    <p:sldId id="267" r:id="rId11"/>
-    <p:sldId id="256" r:id="rId12"/>
-    <p:sldId id="268" r:id="rId13"/>
-    <p:sldId id="269" r:id="rId14"/>
-    <p:sldId id="274" r:id="rId15"/>
-    <p:sldId id="277" r:id="rId16"/>
-    <p:sldId id="278" r:id="rId17"/>
+    <p:sldId id="281" r:id="rId6"/>
+    <p:sldId id="271" r:id="rId7"/>
+    <p:sldId id="272" r:id="rId8"/>
+    <p:sldId id="266" r:id="rId9"/>
+    <p:sldId id="273" r:id="rId10"/>
+    <p:sldId id="265" r:id="rId11"/>
+    <p:sldId id="267" r:id="rId12"/>
+    <p:sldId id="256" r:id="rId13"/>
+    <p:sldId id="268" r:id="rId14"/>
+    <p:sldId id="269" r:id="rId15"/>
+    <p:sldId id="274" r:id="rId16"/>
+    <p:sldId id="277" r:id="rId17"/>
+    <p:sldId id="278" r:id="rId18"/>
   </p:sldIdLst>
   <p:sldSz cx="12192000" cy="6858000"/>
   <p:notesSz cx="6858000" cy="9144000"/>
@@ -212,7 +213,7 @@
           <a:p>
             <a:fld id="{92E34C07-989B-4F61-AE3F-153A5F3AB426}" type="datetimeFigureOut">
               <a:rPr lang="ko-KR" altLang="en-US" smtClean="0"/>
-              <a:t>2025-03-05</a:t>
+              <a:t>2025-03-06</a:t>
             </a:fld>
             <a:endParaRPr lang="ko-KR" altLang="en-US"/>
           </a:p>
@@ -3907,6 +3908,1593 @@
 </p:notes>
 </file>
 
+<file path=ppt/notesSlides/notesSlide5.xml><?xml version="1.0" encoding="utf-8"?>
+<p:notes xmlns:a="http://schemas.openxmlformats.org/drawingml/2006/main" xmlns:r="http://schemas.openxmlformats.org/officeDocument/2006/relationships" xmlns:p="http://schemas.openxmlformats.org/presentationml/2006/main">
+  <p:cSld>
+    <p:spTree>
+      <p:nvGrpSpPr>
+        <p:cNvPr id="1" name="">
+          <a:extLst>
+            <a:ext uri="{FF2B5EF4-FFF2-40B4-BE49-F238E27FC236}">
+              <a16:creationId xmlns:a16="http://schemas.microsoft.com/office/drawing/2014/main" id="{5B65632A-C616-BA59-3680-D14551497506}"/>
+            </a:ext>
+          </a:extLst>
+        </p:cNvPr>
+        <p:cNvGrpSpPr/>
+        <p:nvPr/>
+      </p:nvGrpSpPr>
+      <p:grpSpPr>
+        <a:xfrm>
+          <a:off x="0" y="0"/>
+          <a:ext cx="0" cy="0"/>
+          <a:chOff x="0" y="0"/>
+          <a:chExt cx="0" cy="0"/>
+        </a:xfrm>
+      </p:grpSpPr>
+      <p:sp>
+        <p:nvSpPr>
+          <p:cNvPr id="2" name="슬라이드 이미지 개체 틀 1">
+            <a:extLst>
+              <a:ext uri="{FF2B5EF4-FFF2-40B4-BE49-F238E27FC236}">
+                <a16:creationId xmlns:a16="http://schemas.microsoft.com/office/drawing/2014/main" id="{C9402808-A3A8-2287-5014-0A45E6ACC8F9}"/>
+              </a:ext>
+            </a:extLst>
+          </p:cNvPr>
+          <p:cNvSpPr>
+            <a:spLocks noGrp="1" noRot="1" noChangeAspect="1"/>
+          </p:cNvSpPr>
+          <p:nvPr>
+            <p:ph type="sldImg"/>
+          </p:nvPr>
+        </p:nvSpPr>
+        <p:spPr/>
+      </p:sp>
+      <p:sp>
+        <p:nvSpPr>
+          <p:cNvPr id="3" name="슬라이드 노트 개체 틀 2">
+            <a:extLst>
+              <a:ext uri="{FF2B5EF4-FFF2-40B4-BE49-F238E27FC236}">
+                <a16:creationId xmlns:a16="http://schemas.microsoft.com/office/drawing/2014/main" id="{5D90F0EF-55CD-3BAE-29CE-8D3CDF86F9EC}"/>
+              </a:ext>
+            </a:extLst>
+          </p:cNvPr>
+          <p:cNvSpPr>
+            <a:spLocks noGrp="1"/>
+          </p:cNvSpPr>
+          <p:nvPr>
+            <p:ph type="body" idx="1"/>
+          </p:nvPr>
+        </p:nvSpPr>
+        <p:spPr/>
+        <p:txBody>
+          <a:bodyPr/>
+          <a:lstStyle/>
+          <a:p>
+            <a:pPr algn="l"/>
+            <a:r>
+              <a:rPr lang="ko-KR" altLang="en-US" b="1" i="0" dirty="0">
+                <a:effectLst/>
+                <a:latin typeface="Pretendard GOV"/>
+              </a:rPr>
+              <a:t>자연어 쿼리 번역 장치 및 그것의 제어 방법 </a:t>
+            </a:r>
+            <a:r>
+              <a:rPr lang="en-US" altLang="ko-KR" b="1" i="0" dirty="0">
+                <a:effectLst/>
+                <a:latin typeface="Pretendard GOV"/>
+              </a:rPr>
+              <a:t>– </a:t>
+            </a:r>
+            <a:r>
+              <a:rPr lang="ko-KR" altLang="en-US" b="1" i="0" dirty="0" err="1">
+                <a:effectLst/>
+                <a:latin typeface="Pretendard GOV"/>
+              </a:rPr>
+              <a:t>카카오엔터프라이즈</a:t>
+            </a:r>
+            <a:r>
+              <a:rPr lang="ko-KR" altLang="en-US" b="1" i="0" dirty="0">
+                <a:effectLst/>
+                <a:latin typeface="Pretendard GOV"/>
+              </a:rPr>
+              <a:t> </a:t>
+            </a:r>
+            <a:r>
+              <a:rPr lang="en-US" altLang="ko-KR" b="1" i="0" dirty="0">
+                <a:effectLst/>
+                <a:latin typeface="Pretendard GOV"/>
+              </a:rPr>
+              <a:t>(2023.07.21</a:t>
+            </a:r>
+            <a:r>
+              <a:rPr lang="ko-KR" altLang="en-US" b="1" i="0" dirty="0">
+                <a:effectLst/>
+                <a:latin typeface="Pretendard GOV"/>
+              </a:rPr>
+              <a:t>출원 </a:t>
+            </a:r>
+            <a:r>
+              <a:rPr lang="en-US" altLang="ko-KR" b="1" i="0" dirty="0">
+                <a:effectLst/>
+                <a:latin typeface="Pretendard GOV"/>
+              </a:rPr>
+              <a:t>2025.02.03 </a:t>
+            </a:r>
+            <a:r>
+              <a:rPr lang="ko-KR" altLang="en-US" b="1" i="0" dirty="0">
+                <a:effectLst/>
+                <a:latin typeface="Pretendard GOV"/>
+              </a:rPr>
+              <a:t>등록</a:t>
+            </a:r>
+            <a:r>
+              <a:rPr lang="en-US" altLang="ko-KR" b="1" i="0" dirty="0">
+                <a:effectLst/>
+                <a:latin typeface="Pretendard GOV"/>
+              </a:rPr>
+              <a:t>)</a:t>
+            </a:r>
+          </a:p>
+          <a:p>
+            <a:pPr algn="l"/>
+            <a:r>
+              <a:rPr lang="ko-KR" altLang="en-US" b="0" i="0" dirty="0">
+                <a:solidFill>
+                  <a:srgbClr val="000000"/>
+                </a:solidFill>
+                <a:effectLst/>
+                <a:latin typeface="Pretendard GOV"/>
+              </a:rPr>
+              <a:t>본 발명은 자연어 쿼리를 </a:t>
+            </a:r>
+            <a:r>
+              <a:rPr lang="en-US" altLang="ko-KR" b="0" i="0" dirty="0">
+                <a:solidFill>
+                  <a:srgbClr val="000000"/>
+                </a:solidFill>
+                <a:effectLst/>
+                <a:latin typeface="Pretendard GOV"/>
+              </a:rPr>
+              <a:t>SQL </a:t>
+            </a:r>
+            <a:r>
+              <a:rPr lang="ko-KR" altLang="en-US" b="0" i="0" dirty="0">
+                <a:solidFill>
+                  <a:srgbClr val="000000"/>
+                </a:solidFill>
+                <a:effectLst/>
+                <a:latin typeface="Pretendard GOV"/>
+              </a:rPr>
+              <a:t>쿼리로 변환해주는 자연어 처리 기술에 관한 것이다</a:t>
+            </a:r>
+            <a:r>
+              <a:rPr lang="en-US" altLang="ko-KR" b="0" i="0" dirty="0">
+                <a:solidFill>
+                  <a:srgbClr val="000000"/>
+                </a:solidFill>
+                <a:effectLst/>
+                <a:latin typeface="Pretendard GOV"/>
+              </a:rPr>
+              <a:t>. </a:t>
+            </a:r>
+            <a:r>
+              <a:rPr lang="ko-KR" altLang="en-US" b="0" i="0" dirty="0">
+                <a:solidFill>
+                  <a:srgbClr val="000000"/>
+                </a:solidFill>
+                <a:effectLst/>
+                <a:latin typeface="Pretendard GOV"/>
+              </a:rPr>
+              <a:t>보다 구체적으로 본 발명은</a:t>
+            </a:r>
+            <a:r>
+              <a:rPr lang="en-US" altLang="ko-KR" b="0" i="0" dirty="0">
+                <a:solidFill>
+                  <a:srgbClr val="000000"/>
+                </a:solidFill>
+                <a:effectLst/>
+                <a:latin typeface="Pretendard GOV"/>
+              </a:rPr>
+              <a:t>, </a:t>
+            </a:r>
+            <a:r>
+              <a:rPr lang="ko-KR" altLang="en-US" b="0" i="0" dirty="0">
+                <a:solidFill>
+                  <a:srgbClr val="000000"/>
+                </a:solidFill>
+                <a:effectLst/>
+                <a:latin typeface="Pretendard GOV"/>
+              </a:rPr>
+              <a:t>자연어 쿼리에 기초하여 데이터 베이스를 분류하고</a:t>
+            </a:r>
+            <a:r>
+              <a:rPr lang="en-US" altLang="ko-KR" b="0" i="0" dirty="0">
+                <a:solidFill>
+                  <a:srgbClr val="000000"/>
+                </a:solidFill>
+                <a:effectLst/>
+                <a:latin typeface="Pretendard GOV"/>
+              </a:rPr>
+              <a:t>, </a:t>
+            </a:r>
+            <a:r>
+              <a:rPr lang="ko-KR" altLang="en-US" b="0" i="0" dirty="0">
+                <a:solidFill>
+                  <a:srgbClr val="000000"/>
+                </a:solidFill>
+                <a:effectLst/>
+                <a:latin typeface="Pretendard GOV"/>
+              </a:rPr>
+              <a:t>대규모 언어 모델</a:t>
+            </a:r>
+            <a:r>
+              <a:rPr lang="en-US" altLang="ko-KR" b="0" i="0" dirty="0">
+                <a:solidFill>
+                  <a:srgbClr val="000000"/>
+                </a:solidFill>
+                <a:effectLst/>
+                <a:latin typeface="Pretendard GOV"/>
+              </a:rPr>
+              <a:t>(LLM, Large Language Model)</a:t>
+            </a:r>
+            <a:r>
+              <a:rPr lang="ko-KR" altLang="en-US" b="0" i="0" dirty="0">
+                <a:solidFill>
+                  <a:srgbClr val="000000"/>
+                </a:solidFill>
+                <a:effectLst/>
+                <a:latin typeface="Pretendard GOV"/>
+              </a:rPr>
+              <a:t>을 포함하는 변환 모델을 이용하여 상기 자연어 쿼리를 분류된 데이터 베이스에 대응하는 </a:t>
+            </a:r>
+            <a:r>
+              <a:rPr lang="en-US" altLang="ko-KR" b="0" i="0" dirty="0">
+                <a:solidFill>
+                  <a:srgbClr val="000000"/>
+                </a:solidFill>
+                <a:effectLst/>
+                <a:latin typeface="Pretendard GOV"/>
+              </a:rPr>
+              <a:t>SQL </a:t>
+            </a:r>
+            <a:r>
+              <a:rPr lang="ko-KR" altLang="en-US" b="0" i="0" dirty="0">
+                <a:solidFill>
+                  <a:srgbClr val="000000"/>
+                </a:solidFill>
+                <a:effectLst/>
+                <a:latin typeface="Pretendard GOV"/>
+              </a:rPr>
+              <a:t>쿼리로 변환하는 자연어 처리 기술에 관한 것이다</a:t>
+            </a:r>
+            <a:r>
+              <a:rPr lang="en-US" altLang="ko-KR" b="0" i="0" dirty="0">
+                <a:solidFill>
+                  <a:srgbClr val="000000"/>
+                </a:solidFill>
+                <a:effectLst/>
+                <a:latin typeface="Pretendard GOV"/>
+              </a:rPr>
+              <a:t>.</a:t>
+            </a:r>
+          </a:p>
+          <a:p>
+            <a:pPr algn="l"/>
+            <a:endParaRPr lang="en-US" altLang="ko-KR" b="0" i="0" dirty="0">
+              <a:solidFill>
+                <a:srgbClr val="000000"/>
+              </a:solidFill>
+              <a:effectLst/>
+              <a:latin typeface="Pretendard GOV"/>
+            </a:endParaRPr>
+          </a:p>
+          <a:p>
+            <a:r>
+              <a:rPr lang="ko-KR" altLang="en-US" sz="1200" dirty="0">
+                <a:ea typeface="KoPubWorld돋움체 Medium" panose="00000600000000000000"/>
+              </a:rPr>
+              <a:t>기존 </a:t>
+            </a:r>
+            <a:r>
+              <a:rPr lang="en-US" altLang="ko-KR" sz="1200" dirty="0">
+                <a:ea typeface="KoPubWorld돋움체 Medium" panose="00000600000000000000"/>
+              </a:rPr>
+              <a:t>RAG</a:t>
+            </a:r>
+            <a:r>
+              <a:rPr lang="ko-KR" altLang="en-US" sz="1200" dirty="0">
+                <a:ea typeface="KoPubWorld돋움체 Medium" panose="00000600000000000000"/>
+              </a:rPr>
+              <a:t>를 활용하는 방법에서</a:t>
+            </a:r>
+            <a:r>
+              <a:rPr lang="en-US" altLang="ko-KR" sz="1200" dirty="0">
+                <a:ea typeface="KoPubWorld돋움체 Medium" panose="00000600000000000000"/>
+              </a:rPr>
+              <a:t>, </a:t>
+            </a:r>
+            <a:r>
+              <a:rPr lang="ko-KR" altLang="en-US" sz="1200" dirty="0">
+                <a:ea typeface="KoPubWorld돋움체 Medium" panose="00000600000000000000"/>
+              </a:rPr>
+              <a:t>데이터베이스와 </a:t>
+            </a:r>
+            <a:r>
+              <a:rPr lang="en-US" altLang="ko-KR" sz="1200" dirty="0">
+                <a:ea typeface="KoPubWorld돋움체 Medium" panose="00000600000000000000"/>
+              </a:rPr>
+              <a:t>LLM </a:t>
+            </a:r>
+            <a:r>
+              <a:rPr lang="ko-KR" altLang="en-US" sz="1200" dirty="0">
+                <a:ea typeface="KoPubWorld돋움체 Medium" panose="00000600000000000000"/>
+              </a:rPr>
+              <a:t>지식을 통합하는 테이블 증강 생성 기술 </a:t>
+            </a:r>
+            <a:r>
+              <a:rPr lang="en-US" altLang="ko-KR" sz="1200" dirty="0">
+                <a:ea typeface="KoPubWorld돋움체 Medium" panose="00000600000000000000"/>
+              </a:rPr>
+              <a:t>TAG </a:t>
+            </a:r>
+            <a:r>
+              <a:rPr lang="ko-KR" altLang="en-US" sz="1200" dirty="0">
+                <a:ea typeface="KoPubWorld돋움체 Medium" panose="00000600000000000000"/>
+              </a:rPr>
+              <a:t>제안</a:t>
+            </a:r>
+            <a:endParaRPr lang="en-US" altLang="ko-KR" sz="1200" dirty="0">
+              <a:ea typeface="KoPubWorld돋움체 Medium" panose="00000600000000000000"/>
+            </a:endParaRPr>
+          </a:p>
+          <a:p>
+            <a:pPr algn="l">
+              <a:lnSpc>
+                <a:spcPts val="1950"/>
+              </a:lnSpc>
+              <a:spcAft>
+                <a:spcPts val="2100"/>
+              </a:spcAft>
+            </a:pPr>
+            <a:r>
+              <a:rPr lang="en-US" altLang="ko-KR" sz="1200" b="0" i="0" dirty="0">
+                <a:solidFill>
+                  <a:srgbClr val="555555"/>
+                </a:solidFill>
+                <a:effectLst/>
+                <a:latin typeface="Noto Sans KR" panose="020B0200000000000000" pitchFamily="50" charset="-127"/>
+                <a:ea typeface="KoPubWorld돋움체 Medium" panose="00000600000000000000"/>
+              </a:rPr>
+              <a:t>- (1) </a:t>
+            </a:r>
+            <a:r>
+              <a:rPr lang="ko-KR" altLang="en-US" sz="1200" b="0" i="0" dirty="0">
+                <a:solidFill>
+                  <a:srgbClr val="555555"/>
+                </a:solidFill>
+                <a:effectLst/>
+                <a:latin typeface="Noto Sans KR" panose="020B0200000000000000" pitchFamily="50" charset="-127"/>
+                <a:ea typeface="KoPubWorld돋움체 Medium" panose="00000600000000000000"/>
+              </a:rPr>
+              <a:t>사용자 질문을 실행 가능한 </a:t>
+            </a:r>
+            <a:r>
+              <a:rPr lang="en-US" altLang="ko-KR" sz="1200" b="0" i="0" dirty="0">
+                <a:solidFill>
+                  <a:srgbClr val="555555"/>
+                </a:solidFill>
+                <a:effectLst/>
+                <a:latin typeface="Noto Sans KR" panose="020B0200000000000000" pitchFamily="50" charset="-127"/>
+                <a:ea typeface="KoPubWorld돋움체 Medium" panose="00000600000000000000"/>
+              </a:rPr>
+              <a:t>DB </a:t>
+            </a:r>
+            <a:r>
+              <a:rPr lang="ko-KR" altLang="en-US" sz="1200" b="0" i="0" dirty="0">
+                <a:solidFill>
+                  <a:srgbClr val="555555"/>
+                </a:solidFill>
+                <a:effectLst/>
+                <a:latin typeface="Noto Sans KR" panose="020B0200000000000000" pitchFamily="50" charset="-127"/>
+                <a:ea typeface="KoPubWorld돋움체 Medium" panose="00000600000000000000"/>
+              </a:rPr>
+              <a:t>쿼리로 변환하는 </a:t>
+            </a:r>
+            <a:r>
+              <a:rPr lang="en-US" altLang="ko-KR" sz="1200" b="0" i="0" dirty="0">
+                <a:solidFill>
+                  <a:srgbClr val="555555"/>
+                </a:solidFill>
+                <a:effectLst/>
+                <a:latin typeface="Noto Sans KR" panose="020B0200000000000000" pitchFamily="50" charset="-127"/>
+                <a:ea typeface="KoPubWorld돋움체 Medium" panose="00000600000000000000"/>
+              </a:rPr>
+              <a:t>'</a:t>
+            </a:r>
+            <a:r>
+              <a:rPr lang="ko-KR" altLang="en-US" sz="1200" b="0" i="0" dirty="0">
+                <a:solidFill>
+                  <a:srgbClr val="555555"/>
+                </a:solidFill>
+                <a:effectLst/>
+                <a:latin typeface="Noto Sans KR" panose="020B0200000000000000" pitchFamily="50" charset="-127"/>
+                <a:ea typeface="KoPubWorld돋움체 Medium" panose="00000600000000000000"/>
+              </a:rPr>
+              <a:t>쿼리 합성</a:t>
+            </a:r>
+            <a:r>
+              <a:rPr lang="en-US" altLang="ko-KR" sz="1200" b="0" i="0" dirty="0">
+                <a:solidFill>
+                  <a:srgbClr val="555555"/>
+                </a:solidFill>
+                <a:effectLst/>
+                <a:latin typeface="Noto Sans KR" panose="020B0200000000000000" pitchFamily="50" charset="-127"/>
+                <a:ea typeface="KoPubWorld돋움체 Medium" panose="00000600000000000000"/>
+              </a:rPr>
+              <a:t>(Query Synthesis)'</a:t>
+            </a:r>
+          </a:p>
+          <a:p>
+            <a:pPr algn="l">
+              <a:lnSpc>
+                <a:spcPts val="1950"/>
+              </a:lnSpc>
+              <a:spcAft>
+                <a:spcPts val="2100"/>
+              </a:spcAft>
+            </a:pPr>
+            <a:r>
+              <a:rPr lang="en-US" altLang="ko-KR" sz="1200" b="0" i="0" dirty="0">
+                <a:solidFill>
+                  <a:srgbClr val="555555"/>
+                </a:solidFill>
+                <a:effectLst/>
+                <a:latin typeface="Noto Sans KR" panose="020B0200000000000000" pitchFamily="50" charset="-127"/>
+                <a:ea typeface="KoPubWorld돋움체 Medium" panose="00000600000000000000"/>
+              </a:rPr>
+              <a:t>- (2) </a:t>
+            </a:r>
+            <a:r>
+              <a:rPr lang="ko-KR" altLang="en-US" sz="1200" b="0" i="0" dirty="0">
+                <a:solidFill>
+                  <a:srgbClr val="555555"/>
+                </a:solidFill>
+                <a:effectLst/>
+                <a:latin typeface="Noto Sans KR" panose="020B0200000000000000" pitchFamily="50" charset="-127"/>
+                <a:ea typeface="KoPubWorld돋움체 Medium" panose="00000600000000000000"/>
+              </a:rPr>
+              <a:t>쿼리를 실행해 관련 데이터를 검색하는 </a:t>
+            </a:r>
+            <a:r>
+              <a:rPr lang="en-US" altLang="ko-KR" sz="1200" b="0" i="0" dirty="0">
+                <a:solidFill>
+                  <a:srgbClr val="555555"/>
+                </a:solidFill>
+                <a:effectLst/>
+                <a:latin typeface="Noto Sans KR" panose="020B0200000000000000" pitchFamily="50" charset="-127"/>
+                <a:ea typeface="KoPubWorld돋움체 Medium" panose="00000600000000000000"/>
+              </a:rPr>
+              <a:t>'</a:t>
+            </a:r>
+            <a:r>
+              <a:rPr lang="ko-KR" altLang="en-US" sz="1200" b="0" i="0" dirty="0">
+                <a:solidFill>
+                  <a:srgbClr val="555555"/>
+                </a:solidFill>
+                <a:effectLst/>
+                <a:latin typeface="Noto Sans KR" panose="020B0200000000000000" pitchFamily="50" charset="-127"/>
+                <a:ea typeface="KoPubWorld돋움체 Medium" panose="00000600000000000000"/>
+              </a:rPr>
+              <a:t>쿼리 실행</a:t>
+            </a:r>
+            <a:r>
+              <a:rPr lang="en-US" altLang="ko-KR" sz="1200" b="0" i="0" dirty="0">
+                <a:solidFill>
+                  <a:srgbClr val="555555"/>
+                </a:solidFill>
+                <a:effectLst/>
+                <a:latin typeface="Noto Sans KR" panose="020B0200000000000000" pitchFamily="50" charset="-127"/>
+                <a:ea typeface="KoPubWorld돋움체 Medium" panose="00000600000000000000"/>
+              </a:rPr>
+              <a:t>(Query Execution)'</a:t>
+            </a:r>
+          </a:p>
+          <a:p>
+            <a:pPr algn="l">
+              <a:lnSpc>
+                <a:spcPts val="1950"/>
+              </a:lnSpc>
+              <a:spcAft>
+                <a:spcPts val="2100"/>
+              </a:spcAft>
+            </a:pPr>
+            <a:r>
+              <a:rPr lang="en-US" altLang="ko-KR" sz="1200" b="0" i="0" dirty="0">
+                <a:solidFill>
+                  <a:srgbClr val="555555"/>
+                </a:solidFill>
+                <a:effectLst/>
+                <a:latin typeface="Noto Sans KR" panose="020B0200000000000000" pitchFamily="50" charset="-127"/>
+                <a:ea typeface="KoPubWorld돋움체 Medium" panose="00000600000000000000"/>
+              </a:rPr>
+              <a:t>- (3) </a:t>
+            </a:r>
+            <a:r>
+              <a:rPr lang="ko-KR" altLang="en-US" sz="1200" b="0" i="0" dirty="0">
+                <a:solidFill>
+                  <a:srgbClr val="555555"/>
+                </a:solidFill>
+                <a:effectLst/>
+                <a:latin typeface="Noto Sans KR" panose="020B0200000000000000" pitchFamily="50" charset="-127"/>
+                <a:ea typeface="KoPubWorld돋움체 Medium" panose="00000600000000000000"/>
+              </a:rPr>
+              <a:t>데이터와 쿼리를 사용해 자연어 답변을 생성하는 </a:t>
+            </a:r>
+            <a:r>
+              <a:rPr lang="en-US" altLang="ko-KR" sz="1200" b="0" i="0" dirty="0">
+                <a:solidFill>
+                  <a:srgbClr val="555555"/>
+                </a:solidFill>
+                <a:effectLst/>
+                <a:latin typeface="Noto Sans KR" panose="020B0200000000000000" pitchFamily="50" charset="-127"/>
+                <a:ea typeface="KoPubWorld돋움체 Medium" panose="00000600000000000000"/>
+              </a:rPr>
+              <a:t>'</a:t>
+            </a:r>
+            <a:r>
+              <a:rPr lang="ko-KR" altLang="en-US" sz="1200" b="0" i="0" dirty="0">
+                <a:solidFill>
+                  <a:srgbClr val="555555"/>
+                </a:solidFill>
+                <a:effectLst/>
+                <a:latin typeface="Noto Sans KR" panose="020B0200000000000000" pitchFamily="50" charset="-127"/>
+                <a:ea typeface="KoPubWorld돋움체 Medium" panose="00000600000000000000"/>
+              </a:rPr>
+              <a:t>답변 생성</a:t>
+            </a:r>
+            <a:r>
+              <a:rPr lang="en-US" altLang="ko-KR" sz="1200" b="0" i="0" dirty="0">
+                <a:solidFill>
+                  <a:srgbClr val="555555"/>
+                </a:solidFill>
+                <a:effectLst/>
+                <a:latin typeface="Noto Sans KR" panose="020B0200000000000000" pitchFamily="50" charset="-127"/>
+                <a:ea typeface="KoPubWorld돋움체 Medium" panose="00000600000000000000"/>
+              </a:rPr>
+              <a:t>(Answer Generation)’</a:t>
+            </a:r>
+          </a:p>
+          <a:p>
+            <a:pPr algn="l">
+              <a:lnSpc>
+                <a:spcPts val="1950"/>
+              </a:lnSpc>
+              <a:spcAft>
+                <a:spcPts val="2100"/>
+              </a:spcAft>
+            </a:pPr>
+            <a:r>
+              <a:rPr lang="ko-KR" altLang="en-US" sz="1200" b="0" i="0" dirty="0">
+                <a:solidFill>
+                  <a:srgbClr val="555555"/>
+                </a:solidFill>
+                <a:effectLst/>
+                <a:latin typeface="Noto Sans KR" panose="020B0200000000000000" pitchFamily="50" charset="-127"/>
+                <a:ea typeface="KoPubWorld돋움체 Medium" panose="00000600000000000000"/>
+              </a:rPr>
+              <a:t>이 방식을 통해 </a:t>
+            </a:r>
+            <a:r>
+              <a:rPr lang="en-US" altLang="ko-KR" sz="1200" b="0" i="0" dirty="0">
+                <a:solidFill>
+                  <a:srgbClr val="555555"/>
+                </a:solidFill>
+                <a:effectLst/>
+                <a:latin typeface="Noto Sans KR" panose="020B0200000000000000" pitchFamily="50" charset="-127"/>
+                <a:ea typeface="KoPubWorld돋움체 Medium" panose="00000600000000000000"/>
+              </a:rPr>
+              <a:t>LLM</a:t>
+            </a:r>
+            <a:r>
+              <a:rPr lang="ko-KR" altLang="en-US" sz="1200" b="0" i="0" dirty="0">
+                <a:solidFill>
+                  <a:srgbClr val="555555"/>
+                </a:solidFill>
+                <a:effectLst/>
+                <a:latin typeface="Noto Sans KR" panose="020B0200000000000000" pitchFamily="50" charset="-127"/>
+                <a:ea typeface="KoPubWorld돋움체 Medium" panose="00000600000000000000"/>
+              </a:rPr>
+              <a:t>의 추론 능력이 쿼리 합성</a:t>
+            </a:r>
+            <a:endParaRPr lang="en-US" altLang="ko-KR" sz="1200" b="0" i="0" dirty="0">
+              <a:solidFill>
+                <a:srgbClr val="555555"/>
+              </a:solidFill>
+              <a:effectLst/>
+              <a:latin typeface="Noto Sans KR" panose="020B0200000000000000" pitchFamily="50" charset="-127"/>
+              <a:ea typeface="KoPubWorld돋움체 Medium" panose="00000600000000000000"/>
+            </a:endParaRPr>
+          </a:p>
+          <a:p>
+            <a:pPr algn="l">
+              <a:lnSpc>
+                <a:spcPts val="1950"/>
+              </a:lnSpc>
+              <a:spcAft>
+                <a:spcPts val="2100"/>
+              </a:spcAft>
+            </a:pPr>
+            <a:r>
+              <a:rPr lang="en-US" altLang="ko-KR" sz="1200" b="0" i="0" dirty="0">
+                <a:solidFill>
+                  <a:srgbClr val="555555"/>
+                </a:solidFill>
+                <a:effectLst/>
+                <a:latin typeface="Noto Sans KR" panose="020B0200000000000000" pitchFamily="50" charset="-127"/>
+                <a:ea typeface="KoPubWorld돋움체 Medium" panose="00000600000000000000"/>
+              </a:rPr>
+              <a:t>(1) </a:t>
+            </a:r>
+            <a:r>
+              <a:rPr lang="ko-KR" altLang="en-US" sz="1200" b="0" i="0" dirty="0">
+                <a:solidFill>
+                  <a:srgbClr val="555555"/>
+                </a:solidFill>
+                <a:effectLst/>
+                <a:latin typeface="Noto Sans KR" panose="020B0200000000000000" pitchFamily="50" charset="-127"/>
+                <a:ea typeface="KoPubWorld돋움체 Medium" panose="00000600000000000000"/>
+              </a:rPr>
+              <a:t>및 답변 생성</a:t>
+            </a:r>
+            <a:r>
+              <a:rPr lang="en-US" altLang="ko-KR" sz="1200" b="0" i="0" dirty="0">
+                <a:solidFill>
+                  <a:srgbClr val="555555"/>
+                </a:solidFill>
+                <a:effectLst/>
+                <a:latin typeface="Noto Sans KR" panose="020B0200000000000000" pitchFamily="50" charset="-127"/>
+                <a:ea typeface="KoPubWorld돋움체 Medium" panose="00000600000000000000"/>
+              </a:rPr>
+              <a:t>(3) </a:t>
+            </a:r>
+            <a:r>
+              <a:rPr lang="ko-KR" altLang="en-US" sz="1200" b="0" i="0" dirty="0">
+                <a:solidFill>
+                  <a:srgbClr val="555555"/>
+                </a:solidFill>
+                <a:effectLst/>
+                <a:latin typeface="Noto Sans KR" panose="020B0200000000000000" pitchFamily="50" charset="-127"/>
+                <a:ea typeface="KoPubWorld돋움체 Medium" panose="00000600000000000000"/>
+              </a:rPr>
+              <a:t>단계에 모두 통합되며</a:t>
+            </a:r>
+            <a:r>
+              <a:rPr lang="en-US" altLang="ko-KR" sz="1200" b="0" i="0" dirty="0">
+                <a:solidFill>
+                  <a:srgbClr val="555555"/>
+                </a:solidFill>
+                <a:effectLst/>
+                <a:latin typeface="Noto Sans KR" panose="020B0200000000000000" pitchFamily="50" charset="-127"/>
+                <a:ea typeface="KoPubWorld돋움체 Medium" panose="00000600000000000000"/>
+              </a:rPr>
+              <a:t>,</a:t>
+            </a:r>
+          </a:p>
+          <a:p>
+            <a:pPr algn="l">
+              <a:lnSpc>
+                <a:spcPts val="1950"/>
+              </a:lnSpc>
+              <a:spcAft>
+                <a:spcPts val="2100"/>
+              </a:spcAft>
+            </a:pPr>
+            <a:r>
+              <a:rPr lang="en-US" altLang="ko-KR" sz="1200" b="0" i="0" dirty="0">
+                <a:solidFill>
+                  <a:srgbClr val="555555"/>
+                </a:solidFill>
+                <a:effectLst/>
+                <a:latin typeface="Noto Sans KR" panose="020B0200000000000000" pitchFamily="50" charset="-127"/>
+                <a:ea typeface="KoPubWorld돋움체 Medium" panose="00000600000000000000"/>
+              </a:rPr>
+              <a:t>DB </a:t>
+            </a:r>
+            <a:r>
+              <a:rPr lang="ko-KR" altLang="en-US" sz="1200" b="0" i="0" dirty="0">
+                <a:solidFill>
+                  <a:srgbClr val="555555"/>
+                </a:solidFill>
+                <a:effectLst/>
+                <a:latin typeface="Noto Sans KR" panose="020B0200000000000000" pitchFamily="50" charset="-127"/>
+                <a:ea typeface="KoPubWorld돋움체 Medium" panose="00000600000000000000"/>
+              </a:rPr>
+              <a:t>시스템의 </a:t>
+            </a:r>
+            <a:r>
+              <a:rPr lang="en-US" altLang="ko-KR" sz="1200" b="0" i="0" dirty="0">
+                <a:solidFill>
+                  <a:srgbClr val="555555"/>
+                </a:solidFill>
+                <a:effectLst/>
+                <a:latin typeface="Noto Sans KR" panose="020B0200000000000000" pitchFamily="50" charset="-127"/>
+                <a:ea typeface="KoPubWorld돋움체 Medium" panose="00000600000000000000"/>
+              </a:rPr>
+              <a:t>(2) </a:t>
+            </a:r>
+            <a:r>
+              <a:rPr lang="ko-KR" altLang="en-US" sz="1200" b="0" i="0" dirty="0">
+                <a:solidFill>
+                  <a:srgbClr val="555555"/>
+                </a:solidFill>
+                <a:effectLst/>
+                <a:latin typeface="Noto Sans KR" panose="020B0200000000000000" pitchFamily="50" charset="-127"/>
+                <a:ea typeface="KoPubWorld돋움체 Medium" panose="00000600000000000000"/>
+              </a:rPr>
+              <a:t>쿼리 실행은 집계</a:t>
+            </a:r>
+            <a:r>
+              <a:rPr lang="en-US" altLang="ko-KR" sz="1200" b="0" i="0" dirty="0">
+                <a:solidFill>
+                  <a:srgbClr val="555555"/>
+                </a:solidFill>
+                <a:effectLst/>
+                <a:latin typeface="Noto Sans KR" panose="020B0200000000000000" pitchFamily="50" charset="-127"/>
+                <a:ea typeface="KoPubWorld돋움체 Medium" panose="00000600000000000000"/>
+              </a:rPr>
+              <a:t>, </a:t>
+            </a:r>
+            <a:r>
+              <a:rPr lang="ko-KR" altLang="en-US" sz="1200" b="0" i="0" dirty="0">
+                <a:solidFill>
+                  <a:srgbClr val="555555"/>
+                </a:solidFill>
+                <a:effectLst/>
+                <a:latin typeface="Noto Sans KR" panose="020B0200000000000000" pitchFamily="50" charset="-127"/>
+                <a:ea typeface="KoPubWorld돋움체 Medium" panose="00000600000000000000"/>
+              </a:rPr>
+              <a:t>수학 계산</a:t>
+            </a:r>
+            <a:r>
+              <a:rPr lang="en-US" altLang="ko-KR" sz="1200" b="0" i="0" dirty="0">
+                <a:solidFill>
+                  <a:srgbClr val="555555"/>
+                </a:solidFill>
+                <a:effectLst/>
+                <a:latin typeface="Noto Sans KR" panose="020B0200000000000000" pitchFamily="50" charset="-127"/>
+                <a:ea typeface="KoPubWorld돋움체 Medium" panose="00000600000000000000"/>
+              </a:rPr>
+              <a:t>, </a:t>
+            </a:r>
+            <a:r>
+              <a:rPr lang="ko-KR" altLang="en-US" sz="1200" b="0" i="0" dirty="0">
+                <a:solidFill>
+                  <a:srgbClr val="555555"/>
+                </a:solidFill>
+                <a:effectLst/>
+                <a:latin typeface="Noto Sans KR" panose="020B0200000000000000" pitchFamily="50" charset="-127"/>
+                <a:ea typeface="KoPubWorld돋움체 Medium" panose="00000600000000000000"/>
+              </a:rPr>
+              <a:t>필터링 등 계산 작업을 처리하는 데 있어 </a:t>
+            </a:r>
+            <a:r>
+              <a:rPr lang="en-US" altLang="ko-KR" sz="1200" b="0" i="0" dirty="0">
+                <a:solidFill>
+                  <a:srgbClr val="555555"/>
+                </a:solidFill>
+                <a:effectLst/>
+                <a:latin typeface="Noto Sans KR" panose="020B0200000000000000" pitchFamily="50" charset="-127"/>
+                <a:ea typeface="KoPubWorld돋움체 Medium" panose="00000600000000000000"/>
+              </a:rPr>
+              <a:t>RAG</a:t>
+            </a:r>
+            <a:r>
+              <a:rPr lang="ko-KR" altLang="en-US" sz="1200" b="0" i="0" dirty="0">
+                <a:solidFill>
+                  <a:srgbClr val="555555"/>
+                </a:solidFill>
+                <a:effectLst/>
+                <a:latin typeface="Noto Sans KR" panose="020B0200000000000000" pitchFamily="50" charset="-127"/>
+                <a:ea typeface="KoPubWorld돋움체 Medium" panose="00000600000000000000"/>
+              </a:rPr>
+              <a:t>의 비효율성을 해결한다</a:t>
+            </a:r>
+            <a:r>
+              <a:rPr lang="en-US" altLang="ko-KR" sz="1200" b="0" i="0" dirty="0">
+                <a:solidFill>
+                  <a:srgbClr val="555555"/>
+                </a:solidFill>
+                <a:effectLst/>
+                <a:latin typeface="Noto Sans KR" panose="020B0200000000000000" pitchFamily="50" charset="-127"/>
+                <a:ea typeface="KoPubWorld돋움체 Medium" panose="00000600000000000000"/>
+              </a:rPr>
+              <a:t>.</a:t>
+            </a:r>
+          </a:p>
+          <a:p>
+            <a:pPr algn="l">
+              <a:lnSpc>
+                <a:spcPts val="1950"/>
+              </a:lnSpc>
+              <a:spcAft>
+                <a:spcPts val="2100"/>
+              </a:spcAft>
+            </a:pPr>
+            <a:r>
+              <a:rPr lang="ko-KR" altLang="en-US" sz="1200" b="0" i="0" dirty="0">
+                <a:solidFill>
+                  <a:srgbClr val="555555"/>
+                </a:solidFill>
+                <a:effectLst/>
+                <a:latin typeface="Noto Sans KR" panose="020B0200000000000000" pitchFamily="50" charset="-127"/>
+                <a:ea typeface="KoPubWorld돋움체 Medium" panose="00000600000000000000"/>
+              </a:rPr>
+              <a:t>시스템은 의미적 추론</a:t>
+            </a:r>
+            <a:r>
+              <a:rPr lang="en-US" altLang="ko-KR" sz="1200" b="0" i="0" dirty="0">
+                <a:solidFill>
+                  <a:srgbClr val="555555"/>
+                </a:solidFill>
+                <a:effectLst/>
+                <a:latin typeface="Noto Sans KR" panose="020B0200000000000000" pitchFamily="50" charset="-127"/>
+                <a:ea typeface="KoPubWorld돋움체 Medium" panose="00000600000000000000"/>
+              </a:rPr>
+              <a:t>, </a:t>
+            </a:r>
+            <a:r>
+              <a:rPr lang="ko-KR" altLang="en-US" sz="1200" b="0" i="0" dirty="0">
+                <a:solidFill>
+                  <a:srgbClr val="555555"/>
+                </a:solidFill>
+                <a:effectLst/>
+                <a:latin typeface="Noto Sans KR" panose="020B0200000000000000" pitchFamily="50" charset="-127"/>
+                <a:ea typeface="KoPubWorld돋움체 Medium" panose="00000600000000000000"/>
+              </a:rPr>
+              <a:t>세계 지식</a:t>
+            </a:r>
+            <a:r>
+              <a:rPr lang="en-US" altLang="ko-KR" sz="1200" b="0" i="0" dirty="0">
+                <a:solidFill>
+                  <a:srgbClr val="555555"/>
+                </a:solidFill>
+                <a:effectLst/>
+                <a:latin typeface="Noto Sans KR" panose="020B0200000000000000" pitchFamily="50" charset="-127"/>
+                <a:ea typeface="KoPubWorld돋움체 Medium" panose="00000600000000000000"/>
+              </a:rPr>
+              <a:t>, </a:t>
+            </a:r>
+            <a:r>
+              <a:rPr lang="ko-KR" altLang="en-US" sz="1200" b="0" i="0" dirty="0">
+                <a:solidFill>
+                  <a:srgbClr val="555555"/>
+                </a:solidFill>
+                <a:effectLst/>
+                <a:latin typeface="Noto Sans KR" panose="020B0200000000000000" pitchFamily="50" charset="-127"/>
+                <a:ea typeface="KoPubWorld돋움체 Medium" panose="00000600000000000000"/>
+              </a:rPr>
+              <a:t>도메인 지식을 모두 요구하는 복잡한 질문에 답할 수 있게 된다</a:t>
+            </a:r>
+            <a:r>
+              <a:rPr lang="en-US" altLang="ko-KR" sz="1200" b="0" i="0" dirty="0">
+                <a:solidFill>
+                  <a:srgbClr val="555555"/>
+                </a:solidFill>
+                <a:effectLst/>
+                <a:latin typeface="Noto Sans KR" panose="020B0200000000000000" pitchFamily="50" charset="-127"/>
+                <a:ea typeface="KoPubWorld돋움체 Medium" panose="00000600000000000000"/>
+              </a:rPr>
+              <a:t>.</a:t>
+            </a:r>
+          </a:p>
+          <a:p>
+            <a:pPr algn="l">
+              <a:lnSpc>
+                <a:spcPts val="1950"/>
+              </a:lnSpc>
+              <a:spcAft>
+                <a:spcPts val="2100"/>
+              </a:spcAft>
+            </a:pPr>
+            <a:r>
+              <a:rPr lang="ko-KR" altLang="en-US" sz="1200" b="0" i="0" dirty="0">
+                <a:solidFill>
+                  <a:srgbClr val="555555"/>
+                </a:solidFill>
+                <a:effectLst/>
+                <a:latin typeface="Noto Sans KR" panose="020B0200000000000000" pitchFamily="50" charset="-127"/>
+                <a:ea typeface="KoPubWorld돋움체 Medium" panose="00000600000000000000"/>
+              </a:rPr>
+              <a:t>예를 들어</a:t>
+            </a:r>
+            <a:r>
+              <a:rPr lang="en-US" altLang="ko-KR" sz="1200" b="0" i="0" dirty="0">
+                <a:solidFill>
+                  <a:srgbClr val="555555"/>
+                </a:solidFill>
+                <a:effectLst/>
+                <a:latin typeface="Noto Sans KR" panose="020B0200000000000000" pitchFamily="50" charset="-127"/>
+                <a:ea typeface="KoPubWorld돋움체 Medium" panose="00000600000000000000"/>
+              </a:rPr>
+              <a:t>, '</a:t>
+            </a:r>
+            <a:r>
+              <a:rPr lang="ko-KR" altLang="en-US" sz="1200" b="0" i="0" dirty="0">
+                <a:solidFill>
+                  <a:srgbClr val="555555"/>
+                </a:solidFill>
+                <a:effectLst/>
+                <a:latin typeface="Noto Sans KR" panose="020B0200000000000000" pitchFamily="50" charset="-127"/>
+                <a:ea typeface="KoPubWorld돋움체 Medium" panose="00000600000000000000"/>
+              </a:rPr>
+              <a:t>고전으로 여겨지는 최고 수익을 올린 로맨스 영화의 리뷰 요약</a:t>
+            </a:r>
+            <a:r>
+              <a:rPr lang="en-US" altLang="ko-KR" sz="1200" b="0" i="0" dirty="0">
+                <a:solidFill>
+                  <a:srgbClr val="555555"/>
+                </a:solidFill>
+                <a:effectLst/>
+                <a:latin typeface="Noto Sans KR" panose="020B0200000000000000" pitchFamily="50" charset="-127"/>
+                <a:ea typeface="KoPubWorld돋움체 Medium" panose="00000600000000000000"/>
+              </a:rPr>
+              <a:t>'</a:t>
+            </a:r>
+            <a:r>
+              <a:rPr lang="ko-KR" altLang="en-US" sz="1200" b="0" i="0" dirty="0">
+                <a:solidFill>
+                  <a:srgbClr val="555555"/>
+                </a:solidFill>
+                <a:effectLst/>
+                <a:latin typeface="Noto Sans KR" panose="020B0200000000000000" pitchFamily="50" charset="-127"/>
+                <a:ea typeface="KoPubWorld돋움체 Medium" panose="00000600000000000000"/>
+              </a:rPr>
+              <a:t>이라는 질문에 답할 수 있다</a:t>
+            </a:r>
+            <a:r>
+              <a:rPr lang="en-US" altLang="ko-KR" sz="1200" b="0" i="0" dirty="0">
+                <a:solidFill>
+                  <a:srgbClr val="555555"/>
+                </a:solidFill>
+                <a:effectLst/>
+                <a:latin typeface="Noto Sans KR" panose="020B0200000000000000" pitchFamily="50" charset="-127"/>
+                <a:ea typeface="KoPubWorld돋움체 Medium" panose="00000600000000000000"/>
+              </a:rPr>
+              <a:t>. </a:t>
+            </a:r>
+          </a:p>
+          <a:p>
+            <a:pPr algn="l">
+              <a:lnSpc>
+                <a:spcPts val="1950"/>
+              </a:lnSpc>
+              <a:spcAft>
+                <a:spcPts val="2100"/>
+              </a:spcAft>
+            </a:pPr>
+            <a:endParaRPr lang="en-US" altLang="ko-KR" sz="1200" b="0" i="0" dirty="0">
+              <a:solidFill>
+                <a:srgbClr val="555555"/>
+              </a:solidFill>
+              <a:effectLst/>
+              <a:latin typeface="Noto Sans KR" panose="020B0200000000000000" pitchFamily="50" charset="-127"/>
+              <a:ea typeface="KoPubWorld돋움체 Medium" panose="00000600000000000000"/>
+            </a:endParaRPr>
+          </a:p>
+          <a:p>
+            <a:pPr algn="l">
+              <a:lnSpc>
+                <a:spcPts val="1950"/>
+              </a:lnSpc>
+              <a:spcAft>
+                <a:spcPts val="2100"/>
+              </a:spcAft>
+            </a:pPr>
+            <a:r>
+              <a:rPr lang="ko-KR" altLang="en-US" sz="1200" b="0" i="0" dirty="0">
+                <a:solidFill>
+                  <a:srgbClr val="555555"/>
+                </a:solidFill>
+                <a:effectLst/>
+                <a:latin typeface="Noto Sans KR" panose="020B0200000000000000" pitchFamily="50" charset="-127"/>
+                <a:ea typeface="KoPubWorld돋움체 Medium" panose="00000600000000000000"/>
+              </a:rPr>
+              <a:t>이 질문은 </a:t>
+            </a:r>
+            <a:r>
+              <a:rPr lang="en-US" altLang="ko-KR" sz="1200" b="0" i="0" dirty="0">
+                <a:solidFill>
+                  <a:srgbClr val="555555"/>
+                </a:solidFill>
+                <a:effectLst/>
+                <a:latin typeface="Noto Sans KR" panose="020B0200000000000000" pitchFamily="50" charset="-127"/>
+                <a:ea typeface="KoPubWorld돋움체 Medium" panose="00000600000000000000"/>
+              </a:rPr>
+              <a:t>text-SQL </a:t>
+            </a:r>
+            <a:r>
+              <a:rPr lang="ko-KR" altLang="en-US" sz="1200" b="0" i="0" dirty="0">
+                <a:solidFill>
+                  <a:srgbClr val="555555"/>
+                </a:solidFill>
+                <a:effectLst/>
+                <a:latin typeface="Noto Sans KR" panose="020B0200000000000000" pitchFamily="50" charset="-127"/>
+                <a:ea typeface="KoPubWorld돋움체 Medium" panose="00000600000000000000"/>
+              </a:rPr>
+              <a:t>이나 </a:t>
+            </a:r>
+            <a:r>
+              <a:rPr lang="en-US" altLang="ko-KR" sz="1200" b="0" i="0" dirty="0">
+                <a:solidFill>
+                  <a:srgbClr val="555555"/>
+                </a:solidFill>
+                <a:effectLst/>
+                <a:latin typeface="Noto Sans KR" panose="020B0200000000000000" pitchFamily="50" charset="-127"/>
+                <a:ea typeface="KoPubWorld돋움체 Medium" panose="00000600000000000000"/>
+              </a:rPr>
+              <a:t>RAG </a:t>
+            </a:r>
+            <a:r>
+              <a:rPr lang="ko-KR" altLang="en-US" sz="1200" b="0" i="0" dirty="0">
+                <a:solidFill>
+                  <a:srgbClr val="555555"/>
+                </a:solidFill>
+                <a:effectLst/>
+                <a:latin typeface="Noto Sans KR" panose="020B0200000000000000" pitchFamily="50" charset="-127"/>
+                <a:ea typeface="KoPubWorld돋움체 Medium" panose="00000600000000000000"/>
+              </a:rPr>
+              <a:t>에서는 잘 동작하지 않는다</a:t>
+            </a:r>
+            <a:r>
+              <a:rPr lang="en-US" altLang="ko-KR" sz="1200" b="0" i="0" dirty="0">
+                <a:solidFill>
+                  <a:srgbClr val="555555"/>
+                </a:solidFill>
+                <a:effectLst/>
+                <a:latin typeface="Noto Sans KR" panose="020B0200000000000000" pitchFamily="50" charset="-127"/>
+                <a:ea typeface="KoPubWorld돋움체 Medium" panose="00000600000000000000"/>
+              </a:rPr>
+              <a:t>.</a:t>
+            </a:r>
+          </a:p>
+          <a:p>
+            <a:pPr algn="l">
+              <a:lnSpc>
+                <a:spcPts val="1950"/>
+              </a:lnSpc>
+              <a:spcAft>
+                <a:spcPts val="2100"/>
+              </a:spcAft>
+            </a:pPr>
+            <a:r>
+              <a:rPr lang="ko-KR" altLang="en-US" sz="1200" b="0" i="0" dirty="0">
+                <a:solidFill>
+                  <a:srgbClr val="555555"/>
+                </a:solidFill>
+                <a:effectLst/>
+                <a:latin typeface="Noto Sans KR" panose="020B0200000000000000" pitchFamily="50" charset="-127"/>
+                <a:ea typeface="KoPubWorld돋움체 Medium" panose="00000600000000000000"/>
+              </a:rPr>
+              <a:t>왜냐하면</a:t>
+            </a:r>
+            <a:r>
+              <a:rPr lang="en-US" altLang="ko-KR" sz="1200" b="0" i="0" dirty="0">
+                <a:solidFill>
+                  <a:srgbClr val="555555"/>
+                </a:solidFill>
+                <a:effectLst/>
+                <a:latin typeface="Noto Sans KR" panose="020B0200000000000000" pitchFamily="50" charset="-127"/>
+                <a:ea typeface="KoPubWorld돋움체 Medium" panose="00000600000000000000"/>
+              </a:rPr>
+              <a:t>, DB</a:t>
+            </a:r>
+            <a:r>
+              <a:rPr lang="ko-KR" altLang="en-US" sz="1200" b="0" i="0" dirty="0">
+                <a:solidFill>
+                  <a:srgbClr val="555555"/>
+                </a:solidFill>
+                <a:effectLst/>
+                <a:latin typeface="Noto Sans KR" panose="020B0200000000000000" pitchFamily="50" charset="-127"/>
+                <a:ea typeface="KoPubWorld돋움체 Medium" panose="00000600000000000000"/>
+              </a:rPr>
+              <a:t>에서 최고 수익을 올린 로맨스 영화를 찾아야 할 뿐만 아니라 세계 지식을 활용해 해당 영화가 고전인지도 판단해야 하기 때문이다</a:t>
+            </a:r>
+            <a:r>
+              <a:rPr lang="en-US" altLang="ko-KR" sz="1200" b="0" i="0" dirty="0">
+                <a:solidFill>
+                  <a:srgbClr val="555555"/>
+                </a:solidFill>
+                <a:effectLst/>
+                <a:latin typeface="Noto Sans KR" panose="020B0200000000000000" pitchFamily="50" charset="-127"/>
+                <a:ea typeface="KoPubWorld돋움체 Medium" panose="00000600000000000000"/>
+              </a:rPr>
+              <a:t>.</a:t>
+            </a:r>
+          </a:p>
+          <a:p>
+            <a:pPr algn="l">
+              <a:lnSpc>
+                <a:spcPts val="1950"/>
+              </a:lnSpc>
+              <a:spcAft>
+                <a:spcPts val="2100"/>
+              </a:spcAft>
+            </a:pPr>
+            <a:r>
+              <a:rPr lang="en-US" altLang="ko-KR" sz="1200" b="0" i="0" dirty="0">
+                <a:solidFill>
+                  <a:srgbClr val="555555"/>
+                </a:solidFill>
+                <a:effectLst/>
+                <a:latin typeface="Noto Sans KR" panose="020B0200000000000000" pitchFamily="50" charset="-127"/>
+                <a:ea typeface="KoPubWorld돋움체 Medium" panose="00000600000000000000"/>
+              </a:rPr>
+              <a:t> </a:t>
+            </a:r>
+          </a:p>
+          <a:p>
+            <a:pPr algn="l">
+              <a:lnSpc>
+                <a:spcPts val="1950"/>
+              </a:lnSpc>
+              <a:spcAft>
+                <a:spcPts val="2100"/>
+              </a:spcAft>
+            </a:pPr>
+            <a:r>
+              <a:rPr lang="ko-KR" altLang="en-US" sz="1200" b="0" i="0" dirty="0">
+                <a:solidFill>
+                  <a:srgbClr val="555555"/>
+                </a:solidFill>
+                <a:effectLst/>
+                <a:latin typeface="Noto Sans KR" panose="020B0200000000000000" pitchFamily="50" charset="-127"/>
+                <a:ea typeface="KoPubWorld돋움체 Medium" panose="00000600000000000000"/>
+              </a:rPr>
+              <a:t>하지만 </a:t>
+            </a:r>
+            <a:r>
+              <a:rPr lang="en-US" altLang="ko-KR" sz="1200" b="0" i="0" dirty="0">
+                <a:solidFill>
+                  <a:srgbClr val="555555"/>
+                </a:solidFill>
+                <a:effectLst/>
+                <a:latin typeface="Noto Sans KR" panose="020B0200000000000000" pitchFamily="50" charset="-127"/>
+                <a:ea typeface="KoPubWorld돋움체 Medium" panose="00000600000000000000"/>
+              </a:rPr>
+              <a:t>TAG</a:t>
+            </a:r>
+            <a:r>
+              <a:rPr lang="ko-KR" altLang="en-US" sz="1200" b="0" i="0" dirty="0">
+                <a:solidFill>
+                  <a:srgbClr val="555555"/>
+                </a:solidFill>
+                <a:effectLst/>
+                <a:latin typeface="Noto Sans KR" panose="020B0200000000000000" pitchFamily="50" charset="-127"/>
+                <a:ea typeface="KoPubWorld돋움체 Medium" panose="00000600000000000000"/>
+              </a:rPr>
+              <a:t>는</a:t>
+            </a:r>
+          </a:p>
+          <a:p>
+            <a:pPr algn="l">
+              <a:lnSpc>
+                <a:spcPts val="1950"/>
+              </a:lnSpc>
+              <a:spcAft>
+                <a:spcPts val="2100"/>
+              </a:spcAft>
+            </a:pPr>
+            <a:r>
+              <a:rPr lang="ko-KR" altLang="en-US" sz="1200" b="0" i="0" dirty="0">
+                <a:solidFill>
+                  <a:srgbClr val="555555"/>
+                </a:solidFill>
+                <a:effectLst/>
+                <a:latin typeface="Noto Sans KR" panose="020B0200000000000000" pitchFamily="50" charset="-127"/>
+                <a:ea typeface="KoPubWorld돋움체 Medium" panose="00000600000000000000"/>
+              </a:rPr>
+              <a:t>시스템은 관련 영화 데이터를 위한 쿼리를 생성하고</a:t>
+            </a:r>
+            <a:r>
+              <a:rPr lang="en-US" altLang="ko-KR" sz="1200" b="0" i="0" dirty="0">
+                <a:solidFill>
+                  <a:srgbClr val="555555"/>
+                </a:solidFill>
+                <a:effectLst/>
+                <a:latin typeface="Noto Sans KR" panose="020B0200000000000000" pitchFamily="50" charset="-127"/>
+                <a:ea typeface="KoPubWorld돋움체 Medium" panose="00000600000000000000"/>
+              </a:rPr>
+              <a:t>, </a:t>
+            </a:r>
+            <a:r>
+              <a:rPr lang="ko-KR" altLang="en-US" sz="1200" b="0" i="0" dirty="0">
+                <a:solidFill>
+                  <a:srgbClr val="555555"/>
+                </a:solidFill>
+                <a:effectLst/>
+                <a:latin typeface="Noto Sans KR" panose="020B0200000000000000" pitchFamily="50" charset="-127"/>
+                <a:ea typeface="KoPubWorld돋움체 Medium" panose="00000600000000000000"/>
+              </a:rPr>
+              <a:t>필터와 </a:t>
+            </a:r>
+            <a:r>
+              <a:rPr lang="en-US" altLang="ko-KR" sz="1200" b="0" i="0" dirty="0">
+                <a:solidFill>
+                  <a:srgbClr val="555555"/>
+                </a:solidFill>
+                <a:effectLst/>
+                <a:latin typeface="Noto Sans KR" panose="020B0200000000000000" pitchFamily="50" charset="-127"/>
+                <a:ea typeface="KoPubWorld돋움체 Medium" panose="00000600000000000000"/>
+              </a:rPr>
+              <a:t>LLM</a:t>
+            </a:r>
+            <a:r>
+              <a:rPr lang="ko-KR" altLang="en-US" sz="1200" b="0" i="0" dirty="0">
+                <a:solidFill>
+                  <a:srgbClr val="555555"/>
+                </a:solidFill>
+                <a:effectLst/>
+                <a:latin typeface="Noto Sans KR" panose="020B0200000000000000" pitchFamily="50" charset="-127"/>
+                <a:ea typeface="KoPubWorld돋움체 Medium" panose="00000600000000000000"/>
+              </a:rPr>
+              <a:t>을 사용해 수익 순으로 정렬된 고전 로맨스 영화 테이블을 생성한 뒤 </a:t>
+            </a:r>
+          </a:p>
+          <a:p>
+            <a:pPr algn="l">
+              <a:lnSpc>
+                <a:spcPts val="1950"/>
+              </a:lnSpc>
+              <a:spcAft>
+                <a:spcPts val="2100"/>
+              </a:spcAft>
+            </a:pPr>
+            <a:r>
+              <a:rPr lang="ko-KR" altLang="en-US" sz="1200" b="0" i="0" dirty="0">
+                <a:solidFill>
+                  <a:srgbClr val="555555"/>
+                </a:solidFill>
+                <a:effectLst/>
+                <a:latin typeface="Noto Sans KR" panose="020B0200000000000000" pitchFamily="50" charset="-127"/>
+                <a:ea typeface="KoPubWorld돋움체 Medium" panose="00000600000000000000"/>
+              </a:rPr>
+              <a:t>테이블에서 가장 높은 순위의 영화에 대한 리뷰를 요약해 원하는 답변을 제공한다</a:t>
+            </a:r>
+            <a:r>
+              <a:rPr lang="en-US" altLang="ko-KR" sz="1200" b="0" i="0" dirty="0">
+                <a:solidFill>
+                  <a:srgbClr val="555555"/>
+                </a:solidFill>
+                <a:effectLst/>
+                <a:latin typeface="Noto Sans KR" panose="020B0200000000000000" pitchFamily="50" charset="-127"/>
+                <a:ea typeface="KoPubWorld돋움체 Medium" panose="00000600000000000000"/>
+              </a:rPr>
+              <a:t>.</a:t>
+            </a:r>
+          </a:p>
+          <a:p>
+            <a:pPr algn="l">
+              <a:lnSpc>
+                <a:spcPts val="1950"/>
+              </a:lnSpc>
+              <a:spcAft>
+                <a:spcPts val="2100"/>
+              </a:spcAft>
+            </a:pPr>
+            <a:endParaRPr lang="en-US" altLang="ko-KR" sz="1200" b="0" i="0" dirty="0">
+              <a:solidFill>
+                <a:srgbClr val="555555"/>
+              </a:solidFill>
+              <a:effectLst/>
+              <a:latin typeface="Noto Sans KR" panose="020B0200000000000000" pitchFamily="50" charset="-127"/>
+              <a:ea typeface="KoPubWorld돋움체 Medium" panose="00000600000000000000"/>
+            </a:endParaRPr>
+          </a:p>
+          <a:p>
+            <a:pPr algn="l">
+              <a:lnSpc>
+                <a:spcPts val="1950"/>
+              </a:lnSpc>
+              <a:spcAft>
+                <a:spcPts val="2100"/>
+              </a:spcAft>
+            </a:pPr>
+            <a:endParaRPr lang="en-US" altLang="ko-KR" sz="1200" b="0" i="0" dirty="0">
+              <a:solidFill>
+                <a:srgbClr val="555555"/>
+              </a:solidFill>
+              <a:effectLst/>
+              <a:latin typeface="Noto Sans KR" panose="020B0200000000000000" pitchFamily="50" charset="-127"/>
+              <a:ea typeface="KoPubWorld돋움체 Medium" panose="00000600000000000000"/>
+            </a:endParaRPr>
+          </a:p>
+          <a:p>
+            <a:pPr algn="l">
+              <a:lnSpc>
+                <a:spcPts val="1950"/>
+              </a:lnSpc>
+              <a:spcAft>
+                <a:spcPts val="2100"/>
+              </a:spcAft>
+            </a:pPr>
+            <a:r>
+              <a:rPr lang="en-US" altLang="ko-KR" dirty="0"/>
+              <a:t>Natural language to structured query generation via paraphrasing.</a:t>
+            </a:r>
+            <a:r>
+              <a:rPr lang="en-US" altLang="ko-KR" sz="1200" b="0" i="0" dirty="0">
+                <a:solidFill>
+                  <a:srgbClr val="555555"/>
+                </a:solidFill>
+                <a:effectLst/>
+                <a:latin typeface="Noto Sans KR" panose="020B0200000000000000" pitchFamily="50" charset="-127"/>
+                <a:ea typeface="KoPubWorld돋움체 Medium" panose="00000600000000000000"/>
+              </a:rPr>
+              <a:t> IBM (2024) </a:t>
+            </a:r>
+            <a:r>
+              <a:rPr lang="ko-KR" altLang="en-US" dirty="0"/>
+              <a:t>자연어 질문을 </a:t>
+            </a:r>
+            <a:r>
+              <a:rPr lang="en-US" altLang="ko-KR" dirty="0"/>
+              <a:t>SQL</a:t>
+            </a:r>
+            <a:r>
+              <a:rPr lang="ko-KR" altLang="en-US" dirty="0"/>
+              <a:t>로 변환하는 질문 정제 기법</a:t>
+            </a:r>
+            <a:endParaRPr lang="en-US" altLang="ko-KR" dirty="0"/>
+          </a:p>
+          <a:p>
+            <a:pPr algn="l">
+              <a:lnSpc>
+                <a:spcPts val="1950"/>
+              </a:lnSpc>
+              <a:spcAft>
+                <a:spcPts val="2100"/>
+              </a:spcAft>
+            </a:pPr>
+            <a:r>
+              <a:rPr lang="ko-KR" altLang="en-US" dirty="0"/>
+              <a:t>질문 내에서 </a:t>
+            </a:r>
+            <a:r>
+              <a:rPr lang="ko-KR" altLang="en-US" b="1" dirty="0"/>
+              <a:t>중요 키워드</a:t>
+            </a:r>
+            <a:r>
+              <a:rPr lang="en-US" altLang="ko-KR" b="1" dirty="0"/>
+              <a:t>(</a:t>
+            </a:r>
+            <a:r>
+              <a:rPr lang="ko-KR" altLang="en-US" b="1" dirty="0"/>
+              <a:t>조건 값</a:t>
+            </a:r>
+            <a:r>
+              <a:rPr lang="en-US" altLang="ko-KR" b="1" dirty="0"/>
+              <a:t>)</a:t>
+            </a:r>
+            <a:r>
+              <a:rPr lang="ko-KR" altLang="en-US" b="1" dirty="0"/>
+              <a:t>를 추출</a:t>
+            </a:r>
+            <a:r>
+              <a:rPr lang="ko-KR" altLang="en-US" dirty="0"/>
+              <a:t>하고 </a:t>
+            </a:r>
+            <a:r>
+              <a:rPr lang="ko-KR" altLang="en-US" b="1" dirty="0"/>
+              <a:t>다양한 </a:t>
+            </a:r>
+            <a:r>
+              <a:rPr lang="en-US" altLang="ko-KR" b="1" dirty="0"/>
+              <a:t>SQL </a:t>
+            </a:r>
+            <a:r>
+              <a:rPr lang="ko-KR" altLang="en-US" b="1" dirty="0"/>
+              <a:t>후보를 생성한 후</a:t>
+            </a:r>
+            <a:r>
+              <a:rPr lang="en-US" altLang="ko-KR" b="1" dirty="0"/>
+              <a:t>, </a:t>
+            </a:r>
+            <a:r>
+              <a:rPr lang="ko-KR" altLang="en-US" b="1" dirty="0"/>
+              <a:t>가장 적절한 </a:t>
+            </a:r>
+            <a:r>
+              <a:rPr lang="en-US" altLang="ko-KR" b="1" dirty="0"/>
+              <a:t>SQL</a:t>
+            </a:r>
+            <a:r>
+              <a:rPr lang="ko-KR" altLang="en-US" b="1" dirty="0"/>
+              <a:t>을 선택</a:t>
+            </a:r>
+            <a:r>
+              <a:rPr lang="ko-KR" altLang="en-US" dirty="0"/>
+              <a:t>하는 방식</a:t>
+            </a:r>
+            <a:endParaRPr lang="en-US" altLang="ko-KR" dirty="0"/>
+          </a:p>
+          <a:p>
+            <a:pPr algn="l">
+              <a:lnSpc>
+                <a:spcPts val="1950"/>
+              </a:lnSpc>
+              <a:spcAft>
+                <a:spcPts val="2100"/>
+              </a:spcAft>
+            </a:pPr>
+            <a:endParaRPr lang="en-US" altLang="ko-KR" sz="1200" b="0" i="0" dirty="0">
+              <a:solidFill>
+                <a:srgbClr val="555555"/>
+              </a:solidFill>
+              <a:effectLst/>
+              <a:latin typeface="Noto Sans KR" panose="020B0200000000000000" pitchFamily="50" charset="-127"/>
+              <a:ea typeface="KoPubWorld돋움체 Medium" panose="00000600000000000000"/>
+            </a:endParaRPr>
+          </a:p>
+          <a:p>
+            <a:pPr algn="l">
+              <a:lnSpc>
+                <a:spcPts val="1950"/>
+              </a:lnSpc>
+              <a:spcAft>
+                <a:spcPts val="2100"/>
+              </a:spcAft>
+            </a:pPr>
+            <a:r>
+              <a:rPr lang="en-US" altLang="ko-KR" dirty="0"/>
+              <a:t>Template-Based One-Shot Learning SAP(2024)  One-shot Learning </a:t>
+            </a:r>
+            <a:r>
+              <a:rPr lang="ko-KR" altLang="en-US" dirty="0"/>
+              <a:t>기반 </a:t>
+            </a:r>
+            <a:r>
+              <a:rPr lang="en-US" altLang="ko-KR" dirty="0"/>
+              <a:t>Text-to-SQL</a:t>
+            </a:r>
+          </a:p>
+          <a:p>
+            <a:pPr algn="l">
+              <a:lnSpc>
+                <a:spcPts val="1950"/>
+              </a:lnSpc>
+              <a:spcAft>
+                <a:spcPts val="2100"/>
+              </a:spcAft>
+            </a:pPr>
+            <a:r>
+              <a:rPr lang="en-US" altLang="ko-KR" b="1" dirty="0"/>
+              <a:t>SQL </a:t>
+            </a:r>
+            <a:r>
+              <a:rPr lang="ko-KR" altLang="en-US" b="1" dirty="0"/>
+              <a:t>템플릿을 미리 저장</a:t>
+            </a:r>
+            <a:r>
+              <a:rPr lang="ko-KR" altLang="en-US" dirty="0"/>
+              <a:t>하고</a:t>
+            </a:r>
+            <a:r>
+              <a:rPr lang="en-US" altLang="ko-KR" dirty="0"/>
+              <a:t>, </a:t>
+            </a:r>
+            <a:r>
+              <a:rPr lang="ko-KR" altLang="en-US" dirty="0"/>
+              <a:t>자연어 입력을 받아 유사한 템플릿을 자동으로 선택하는 방식</a:t>
+            </a:r>
+            <a:endParaRPr lang="en-US" altLang="ko-KR" dirty="0"/>
+          </a:p>
+          <a:p>
+            <a:pPr algn="l">
+              <a:lnSpc>
+                <a:spcPts val="1950"/>
+              </a:lnSpc>
+              <a:spcAft>
+                <a:spcPts val="2100"/>
+              </a:spcAft>
+            </a:pPr>
+            <a:r>
+              <a:rPr lang="en-US" altLang="ko-KR" b="1" dirty="0"/>
+              <a:t>LLM</a:t>
+            </a:r>
+            <a:r>
+              <a:rPr lang="ko-KR" altLang="en-US" b="1" dirty="0"/>
+              <a:t>을 활용한 템플릿 매칭 기법</a:t>
+            </a:r>
+            <a:r>
+              <a:rPr lang="ko-KR" altLang="en-US" dirty="0"/>
+              <a:t>으로 </a:t>
+            </a:r>
+            <a:r>
+              <a:rPr lang="en-US" altLang="ko-KR" dirty="0"/>
+              <a:t>SQL </a:t>
+            </a:r>
+            <a:r>
+              <a:rPr lang="ko-KR" altLang="en-US" dirty="0"/>
+              <a:t>생성</a:t>
+            </a:r>
+            <a:endParaRPr lang="en-US" altLang="ko-KR" sz="1200" b="0" i="0" dirty="0">
+              <a:solidFill>
+                <a:srgbClr val="555555"/>
+              </a:solidFill>
+              <a:effectLst/>
+              <a:latin typeface="Noto Sans KR" panose="020B0200000000000000" pitchFamily="50" charset="-127"/>
+              <a:ea typeface="KoPubWorld돋움체 Medium" panose="00000600000000000000"/>
+            </a:endParaRPr>
+          </a:p>
+          <a:p>
+            <a:pPr algn="l">
+              <a:lnSpc>
+                <a:spcPts val="1950"/>
+              </a:lnSpc>
+              <a:spcAft>
+                <a:spcPts val="2100"/>
+              </a:spcAft>
+            </a:pPr>
+            <a:endParaRPr lang="en-US" altLang="ko-KR" sz="1200" b="0" i="0" dirty="0">
+              <a:solidFill>
+                <a:srgbClr val="555555"/>
+              </a:solidFill>
+              <a:effectLst/>
+              <a:latin typeface="Noto Sans KR" panose="020B0200000000000000" pitchFamily="50" charset="-127"/>
+              <a:ea typeface="KoPubWorld돋움체 Medium" panose="00000600000000000000"/>
+            </a:endParaRPr>
+          </a:p>
+          <a:p>
+            <a:pPr algn="l"/>
+            <a:endParaRPr lang="ko-KR" altLang="en-US" b="1" i="0" dirty="0">
+              <a:effectLst/>
+              <a:latin typeface="Pretendard GOV"/>
+            </a:endParaRPr>
+          </a:p>
+        </p:txBody>
+      </p:sp>
+      <p:sp>
+        <p:nvSpPr>
+          <p:cNvPr id="4" name="슬라이드 번호 개체 틀 3">
+            <a:extLst>
+              <a:ext uri="{FF2B5EF4-FFF2-40B4-BE49-F238E27FC236}">
+                <a16:creationId xmlns:a16="http://schemas.microsoft.com/office/drawing/2014/main" id="{A8D07CB3-3B3A-CF45-094F-3D82F297475C}"/>
+              </a:ext>
+            </a:extLst>
+          </p:cNvPr>
+          <p:cNvSpPr>
+            <a:spLocks noGrp="1"/>
+          </p:cNvSpPr>
+          <p:nvPr>
+            <p:ph type="sldNum" sz="quarter" idx="5"/>
+          </p:nvPr>
+        </p:nvSpPr>
+        <p:spPr/>
+        <p:txBody>
+          <a:bodyPr/>
+          <a:lstStyle/>
+          <a:p>
+            <a:fld id="{4643E048-7B4A-4117-B6D0-90433868554B}" type="slidenum">
+              <a:rPr lang="ko-KR" altLang="en-US" smtClean="0"/>
+              <a:t>5</a:t>
+            </a:fld>
+            <a:endParaRPr lang="ko-KR" altLang="en-US"/>
+          </a:p>
+        </p:txBody>
+      </p:sp>
+    </p:spTree>
+    <p:extLst>
+      <p:ext uri="{BB962C8B-B14F-4D97-AF65-F5344CB8AC3E}">
+        <p14:creationId xmlns:p14="http://schemas.microsoft.com/office/powerpoint/2010/main" val="1283461529"/>
+      </p:ext>
+    </p:extLst>
+  </p:cSld>
+  <p:clrMapOvr>
+    <a:masterClrMapping/>
+  </p:clrMapOvr>
+</p:notes>
+</file>
+
 <file path=ppt/slideLayouts/slideLayout1.xml><?xml version="1.0" encoding="utf-8"?>
 <p:sldLayout xmlns:a="http://schemas.openxmlformats.org/drawingml/2006/main" xmlns:r="http://schemas.openxmlformats.org/officeDocument/2006/relationships" xmlns:p="http://schemas.openxmlformats.org/presentationml/2006/main" type="title" preserve="1">
   <p:cSld name="제목 슬라이드">
@@ -4054,7 +5642,7 @@
           <a:p>
             <a:fld id="{0D5E1F66-E70E-4992-8451-264A0511747B}" type="datetimeFigureOut">
               <a:rPr lang="ko-KR" altLang="en-US" smtClean="0"/>
-              <a:t>2025-03-05</a:t>
+              <a:t>2025-03-06</a:t>
             </a:fld>
             <a:endParaRPr lang="ko-KR" altLang="en-US"/>
           </a:p>
@@ -4252,7 +5840,7 @@
           <a:p>
             <a:fld id="{0D5E1F66-E70E-4992-8451-264A0511747B}" type="datetimeFigureOut">
               <a:rPr lang="ko-KR" altLang="en-US" smtClean="0"/>
-              <a:t>2025-03-05</a:t>
+              <a:t>2025-03-06</a:t>
             </a:fld>
             <a:endParaRPr lang="ko-KR" altLang="en-US"/>
           </a:p>
@@ -4460,7 +6048,7 @@
           <a:p>
             <a:fld id="{0D5E1F66-E70E-4992-8451-264A0511747B}" type="datetimeFigureOut">
               <a:rPr lang="ko-KR" altLang="en-US" smtClean="0"/>
-              <a:t>2025-03-05</a:t>
+              <a:t>2025-03-06</a:t>
             </a:fld>
             <a:endParaRPr lang="ko-KR" altLang="en-US"/>
           </a:p>
@@ -4658,7 +6246,7 @@
           <a:p>
             <a:fld id="{0D5E1F66-E70E-4992-8451-264A0511747B}" type="datetimeFigureOut">
               <a:rPr lang="ko-KR" altLang="en-US" smtClean="0"/>
-              <a:t>2025-03-05</a:t>
+              <a:t>2025-03-06</a:t>
             </a:fld>
             <a:endParaRPr lang="ko-KR" altLang="en-US"/>
           </a:p>
@@ -4933,7 +6521,7 @@
           <a:p>
             <a:fld id="{0D5E1F66-E70E-4992-8451-264A0511747B}" type="datetimeFigureOut">
               <a:rPr lang="ko-KR" altLang="en-US" smtClean="0"/>
-              <a:t>2025-03-05</a:t>
+              <a:t>2025-03-06</a:t>
             </a:fld>
             <a:endParaRPr lang="ko-KR" altLang="en-US"/>
           </a:p>
@@ -5198,7 +6786,7 @@
           <a:p>
             <a:fld id="{0D5E1F66-E70E-4992-8451-264A0511747B}" type="datetimeFigureOut">
               <a:rPr lang="ko-KR" altLang="en-US" smtClean="0"/>
-              <a:t>2025-03-05</a:t>
+              <a:t>2025-03-06</a:t>
             </a:fld>
             <a:endParaRPr lang="ko-KR" altLang="en-US"/>
           </a:p>
@@ -5610,7 +7198,7 @@
           <a:p>
             <a:fld id="{0D5E1F66-E70E-4992-8451-264A0511747B}" type="datetimeFigureOut">
               <a:rPr lang="ko-KR" altLang="en-US" smtClean="0"/>
-              <a:t>2025-03-05</a:t>
+              <a:t>2025-03-06</a:t>
             </a:fld>
             <a:endParaRPr lang="ko-KR" altLang="en-US"/>
           </a:p>
@@ -5751,7 +7339,7 @@
           <a:p>
             <a:fld id="{0D5E1F66-E70E-4992-8451-264A0511747B}" type="datetimeFigureOut">
               <a:rPr lang="ko-KR" altLang="en-US" smtClean="0"/>
-              <a:t>2025-03-05</a:t>
+              <a:t>2025-03-06</a:t>
             </a:fld>
             <a:endParaRPr lang="ko-KR" altLang="en-US"/>
           </a:p>
@@ -5864,7 +7452,7 @@
           <a:p>
             <a:fld id="{0D5E1F66-E70E-4992-8451-264A0511747B}" type="datetimeFigureOut">
               <a:rPr lang="ko-KR" altLang="en-US" smtClean="0"/>
-              <a:t>2025-03-05</a:t>
+              <a:t>2025-03-06</a:t>
             </a:fld>
             <a:endParaRPr lang="ko-KR" altLang="en-US"/>
           </a:p>
@@ -6175,7 +7763,7 @@
           <a:p>
             <a:fld id="{0D5E1F66-E70E-4992-8451-264A0511747B}" type="datetimeFigureOut">
               <a:rPr lang="ko-KR" altLang="en-US" smtClean="0"/>
-              <a:t>2025-03-05</a:t>
+              <a:t>2025-03-06</a:t>
             </a:fld>
             <a:endParaRPr lang="ko-KR" altLang="en-US"/>
           </a:p>
@@ -6463,7 +8051,7 @@
           <a:p>
             <a:fld id="{0D5E1F66-E70E-4992-8451-264A0511747B}" type="datetimeFigureOut">
               <a:rPr lang="ko-KR" altLang="en-US" smtClean="0"/>
-              <a:t>2025-03-05</a:t>
+              <a:t>2025-03-06</a:t>
             </a:fld>
             <a:endParaRPr lang="ko-KR" altLang="en-US"/>
           </a:p>
@@ -6704,7 +8292,7 @@
           <a:p>
             <a:fld id="{0D5E1F66-E70E-4992-8451-264A0511747B}" type="datetimeFigureOut">
               <a:rPr lang="ko-KR" altLang="en-US" smtClean="0"/>
-              <a:t>2025-03-05</a:t>
+              <a:t>2025-03-06</a:t>
             </a:fld>
             <a:endParaRPr lang="ko-KR" altLang="en-US"/>
           </a:p>
@@ -7269,6 +8857,2067 @@
   <p:cSld>
     <p:spTree>
       <p:nvGrpSpPr>
+        <p:cNvPr id="1" name=""/>
+        <p:cNvGrpSpPr/>
+        <p:nvPr/>
+      </p:nvGrpSpPr>
+      <p:grpSpPr>
+        <a:xfrm>
+          <a:off x="0" y="0"/>
+          <a:ext cx="0" cy="0"/>
+          <a:chOff x="0" y="0"/>
+          <a:chExt cx="0" cy="0"/>
+        </a:xfrm>
+      </p:grpSpPr>
+      <p:graphicFrame>
+        <p:nvGraphicFramePr>
+          <p:cNvPr id="4" name="표 3">
+            <a:extLst>
+              <a:ext uri="{FF2B5EF4-FFF2-40B4-BE49-F238E27FC236}">
+                <a16:creationId xmlns:a16="http://schemas.microsoft.com/office/drawing/2014/main" id="{D047BDBD-7379-497E-A05B-E9D6B7CC756C}"/>
+              </a:ext>
+            </a:extLst>
+          </p:cNvPr>
+          <p:cNvGraphicFramePr>
+            <a:graphicFrameLocks noGrp="1"/>
+          </p:cNvGraphicFramePr>
+          <p:nvPr>
+            <p:extLst>
+              <p:ext uri="{D42A27DB-BD31-4B8C-83A1-F6EECF244321}">
+                <p14:modId xmlns:p14="http://schemas.microsoft.com/office/powerpoint/2010/main" val="546726802"/>
+              </p:ext>
+            </p:extLst>
+          </p:nvPr>
+        </p:nvGraphicFramePr>
+        <p:xfrm>
+          <a:off x="46844" y="4627998"/>
+          <a:ext cx="7056633" cy="779760"/>
+        </p:xfrm>
+        <a:graphic>
+          <a:graphicData uri="http://schemas.openxmlformats.org/drawingml/2006/table">
+            <a:tbl>
+              <a:tblPr firstRow="1" bandRow="1">
+                <a:tableStyleId>{5C22544A-7EE6-4342-B048-85BDC9FD1C3A}</a:tableStyleId>
+              </a:tblPr>
+              <a:tblGrid>
+                <a:gridCol w="838981">
+                  <a:extLst>
+                    <a:ext uri="{9D8B030D-6E8A-4147-A177-3AD203B41FA5}">
+                      <a16:colId xmlns:a16="http://schemas.microsoft.com/office/drawing/2014/main" val="1963920097"/>
+                    </a:ext>
+                  </a:extLst>
+                </a:gridCol>
+                <a:gridCol w="1810542">
+                  <a:extLst>
+                    <a:ext uri="{9D8B030D-6E8A-4147-A177-3AD203B41FA5}">
+                      <a16:colId xmlns:a16="http://schemas.microsoft.com/office/drawing/2014/main" val="888795744"/>
+                    </a:ext>
+                  </a:extLst>
+                </a:gridCol>
+                <a:gridCol w="1942308">
+                  <a:extLst>
+                    <a:ext uri="{9D8B030D-6E8A-4147-A177-3AD203B41FA5}">
+                      <a16:colId xmlns:a16="http://schemas.microsoft.com/office/drawing/2014/main" val="949320744"/>
+                    </a:ext>
+                  </a:extLst>
+                </a:gridCol>
+                <a:gridCol w="2464802">
+                  <a:extLst>
+                    <a:ext uri="{9D8B030D-6E8A-4147-A177-3AD203B41FA5}">
+                      <a16:colId xmlns:a16="http://schemas.microsoft.com/office/drawing/2014/main" val="643325331"/>
+                    </a:ext>
+                  </a:extLst>
+                </a:gridCol>
+              </a:tblGrid>
+              <a:tr h="322560">
+                <a:tc>
+                  <a:txBody>
+                    <a:bodyPr/>
+                    <a:lstStyle/>
+                    <a:p>
+                      <a:pPr latinLnBrk="1"/>
+                      <a:r>
+                        <a:rPr lang="ko-KR" altLang="en-US" sz="800" dirty="0">
+                          <a:solidFill>
+                            <a:schemeClr val="tx1"/>
+                          </a:solidFill>
+                        </a:rPr>
+                        <a:t>종목</a:t>
+                      </a:r>
+                    </a:p>
+                  </a:txBody>
+                  <a:tcPr anchor="ctr">
+                    <a:solidFill>
+                      <a:schemeClr val="tx2">
+                        <a:lumMod val="40000"/>
+                        <a:lumOff val="60000"/>
+                      </a:schemeClr>
+                    </a:solidFill>
+                  </a:tcPr>
+                </a:tc>
+                <a:tc>
+                  <a:txBody>
+                    <a:bodyPr/>
+                    <a:lstStyle/>
+                    <a:p>
+                      <a:pPr latinLnBrk="1"/>
+                      <a:r>
+                        <a:rPr lang="en-US" altLang="ko-KR" sz="800" b="1" dirty="0">
+                          <a:solidFill>
+                            <a:schemeClr val="tx1"/>
+                          </a:solidFill>
+                        </a:rPr>
+                        <a:t>SQL</a:t>
+                      </a:r>
+                      <a:r>
+                        <a:rPr lang="ko-KR" altLang="en-US" sz="800" b="1" dirty="0">
+                          <a:solidFill>
+                            <a:schemeClr val="tx1"/>
+                          </a:solidFill>
+                        </a:rPr>
+                        <a:t> 쿼리</a:t>
+                      </a:r>
+                    </a:p>
+                  </a:txBody>
+                  <a:tcPr anchor="ctr">
+                    <a:solidFill>
+                      <a:schemeClr val="tx2">
+                        <a:lumMod val="40000"/>
+                        <a:lumOff val="60000"/>
+                      </a:schemeClr>
+                    </a:solidFill>
+                  </a:tcPr>
+                </a:tc>
+                <a:tc>
+                  <a:txBody>
+                    <a:bodyPr/>
+                    <a:lstStyle/>
+                    <a:p>
+                      <a:pPr latinLnBrk="1"/>
+                      <a:r>
+                        <a:rPr lang="ko-KR" altLang="en-US" sz="800" dirty="0">
+                          <a:solidFill>
+                            <a:schemeClr val="tx1"/>
+                          </a:solidFill>
+                        </a:rPr>
+                        <a:t>표준 질의문장</a:t>
+                      </a:r>
+                    </a:p>
+                  </a:txBody>
+                  <a:tcPr anchor="ctr">
+                    <a:solidFill>
+                      <a:schemeClr val="tx2">
+                        <a:lumMod val="40000"/>
+                        <a:lumOff val="60000"/>
+                      </a:schemeClr>
+                    </a:solidFill>
+                  </a:tcPr>
+                </a:tc>
+                <a:tc>
+                  <a:txBody>
+                    <a:bodyPr/>
+                    <a:lstStyle/>
+                    <a:p>
+                      <a:pPr latinLnBrk="1"/>
+                      <a:r>
+                        <a:rPr lang="en-US" altLang="ko-KR" sz="800" dirty="0">
+                          <a:solidFill>
+                            <a:schemeClr val="tx1"/>
+                          </a:solidFill>
+                        </a:rPr>
+                        <a:t>Description</a:t>
+                      </a:r>
+                      <a:endParaRPr lang="ko-KR" altLang="en-US" sz="800" dirty="0">
+                        <a:solidFill>
+                          <a:schemeClr val="tx1"/>
+                        </a:solidFill>
+                      </a:endParaRPr>
+                    </a:p>
+                  </a:txBody>
+                  <a:tcPr anchor="ctr">
+                    <a:solidFill>
+                      <a:schemeClr val="tx2">
+                        <a:lumMod val="40000"/>
+                        <a:lumOff val="60000"/>
+                      </a:schemeClr>
+                    </a:solidFill>
+                  </a:tcPr>
+                </a:tc>
+                <a:extLst>
+                  <a:ext uri="{0D108BD9-81ED-4DB2-BD59-A6C34878D82A}">
+                    <a16:rowId xmlns:a16="http://schemas.microsoft.com/office/drawing/2014/main" val="2728646183"/>
+                  </a:ext>
+                </a:extLst>
+              </a:tr>
+              <a:tr h="195413">
+                <a:tc>
+                  <a:txBody>
+                    <a:bodyPr/>
+                    <a:lstStyle/>
+                    <a:p>
+                      <a:pPr latinLnBrk="1"/>
+                      <a:r>
+                        <a:rPr lang="ko-KR" altLang="en-US" sz="800" dirty="0"/>
+                        <a:t>화학물질번호</a:t>
+                      </a:r>
+                    </a:p>
+                  </a:txBody>
+                  <a:tcPr anchor="ctr">
+                    <a:solidFill>
+                      <a:schemeClr val="tx2">
+                        <a:lumMod val="40000"/>
+                        <a:lumOff val="60000"/>
+                      </a:schemeClr>
+                    </a:solidFill>
+                  </a:tcPr>
+                </a:tc>
+                <a:tc>
+                  <a:txBody>
+                    <a:bodyPr/>
+                    <a:lstStyle/>
+                    <a:p>
+                      <a:pPr latinLnBrk="1"/>
+                      <a:r>
+                        <a:rPr lang="en-US" altLang="ko-KR" sz="800" dirty="0"/>
+                        <a:t>SELECT * FROM item</a:t>
+                      </a:r>
+                      <a:endParaRPr lang="ko-KR" altLang="en-US" sz="800" dirty="0"/>
+                    </a:p>
+                    <a:p>
+                      <a:pPr latinLnBrk="1"/>
+                      <a:r>
+                        <a:rPr lang="en-US" altLang="ko-KR" sz="800" dirty="0"/>
+                        <a:t>WHERE </a:t>
+                      </a:r>
+                      <a:r>
+                        <a:rPr lang="ko-KR" altLang="en-US" sz="800" dirty="0"/>
+                        <a:t>화학물질번호 </a:t>
+                      </a:r>
+                      <a:r>
+                        <a:rPr lang="en-US" altLang="ko-KR" sz="800" dirty="0"/>
+                        <a:t>LIKE ‘%71%’ </a:t>
+                      </a:r>
+                    </a:p>
+                    <a:p>
+                      <a:pPr latinLnBrk="1"/>
+                      <a:r>
+                        <a:rPr lang="en-US" altLang="ko-KR" sz="800" dirty="0"/>
+                        <a:t>ORDER BY </a:t>
+                      </a:r>
+                      <a:r>
+                        <a:rPr lang="ko-KR" altLang="en-US" sz="800" dirty="0"/>
+                        <a:t>등록일자 </a:t>
+                      </a:r>
+                      <a:r>
+                        <a:rPr lang="en-US" altLang="ko-KR" sz="800" dirty="0"/>
+                        <a:t>ASC;</a:t>
+                      </a:r>
+                    </a:p>
+                  </a:txBody>
+                  <a:tcPr anchor="ctr">
+                    <a:solidFill>
+                      <a:schemeClr val="tx2">
+                        <a:lumMod val="40000"/>
+                        <a:lumOff val="60000"/>
+                      </a:schemeClr>
+                    </a:solidFill>
+                  </a:tcPr>
+                </a:tc>
+                <a:tc>
+                  <a:txBody>
+                    <a:bodyPr/>
+                    <a:lstStyle/>
+                    <a:p>
+                      <a:pPr latinLnBrk="1"/>
+                      <a:r>
+                        <a:rPr lang="en-US" altLang="ko-KR" sz="800" dirty="0"/>
+                        <a:t>“item </a:t>
+                      </a:r>
+                      <a:r>
+                        <a:rPr lang="ko-KR" altLang="en-US" sz="800" dirty="0"/>
+                        <a:t>테이블에서 숫자 </a:t>
+                      </a:r>
+                      <a:r>
+                        <a:rPr lang="en-US" altLang="ko-KR" sz="800" dirty="0"/>
+                        <a:t>71</a:t>
+                      </a:r>
+                      <a:r>
+                        <a:rPr lang="ko-KR" altLang="en-US" sz="800" dirty="0"/>
+                        <a:t>이 포함되어 있는 화학물질을 등록일자 기준 오름차순으로 정렬해서 보여줘</a:t>
+                      </a:r>
+                      <a:r>
+                        <a:rPr lang="en-US" altLang="ko-KR" sz="800" dirty="0"/>
+                        <a:t>"</a:t>
+                      </a:r>
+                      <a:endParaRPr lang="ko-KR" altLang="en-US" sz="800" dirty="0"/>
+                    </a:p>
+                  </a:txBody>
+                  <a:tcPr anchor="ctr">
+                    <a:solidFill>
+                      <a:schemeClr val="tx2">
+                        <a:lumMod val="40000"/>
+                        <a:lumOff val="60000"/>
+                      </a:schemeClr>
+                    </a:solidFill>
+                  </a:tcPr>
+                </a:tc>
+                <a:tc>
+                  <a:txBody>
+                    <a:bodyPr/>
+                    <a:lstStyle/>
+                    <a:p>
+                      <a:pPr latinLnBrk="1"/>
+                      <a:r>
+                        <a:rPr lang="ko-KR" altLang="en-US" sz="800" dirty="0"/>
+                        <a:t>화학적 동질성을 갖는 물질에 대하여 미국 </a:t>
+                      </a:r>
+                      <a:r>
+                        <a:rPr lang="ko-KR" altLang="en-US" sz="800" dirty="0" err="1"/>
+                        <a:t>화학회</a:t>
+                      </a:r>
+                      <a:r>
+                        <a:rPr lang="en-US" altLang="ko-KR" sz="800" dirty="0"/>
+                        <a:t>(</a:t>
+                      </a:r>
+                      <a:r>
+                        <a:rPr lang="ko-KR" altLang="en-US" sz="800" dirty="0"/>
+                        <a:t>化學會</a:t>
+                      </a:r>
+                      <a:r>
+                        <a:rPr lang="en-US" altLang="ko-KR" sz="800" dirty="0"/>
+                        <a:t>)</a:t>
+                      </a:r>
+                      <a:r>
+                        <a:rPr lang="ko-KR" altLang="en-US" sz="800" dirty="0"/>
+                        <a:t>에서 부여한 고유 번호</a:t>
+                      </a:r>
+                    </a:p>
+                  </a:txBody>
+                  <a:tcPr anchor="ctr">
+                    <a:solidFill>
+                      <a:schemeClr val="tx2">
+                        <a:lumMod val="40000"/>
+                        <a:lumOff val="60000"/>
+                      </a:schemeClr>
+                    </a:solidFill>
+                  </a:tcPr>
+                </a:tc>
+                <a:extLst>
+                  <a:ext uri="{0D108BD9-81ED-4DB2-BD59-A6C34878D82A}">
+                    <a16:rowId xmlns:a16="http://schemas.microsoft.com/office/drawing/2014/main" val="2443107102"/>
+                  </a:ext>
+                </a:extLst>
+              </a:tr>
+            </a:tbl>
+          </a:graphicData>
+        </a:graphic>
+      </p:graphicFrame>
+      <p:sp>
+        <p:nvSpPr>
+          <p:cNvPr id="7" name="TextBox 6">
+            <a:extLst>
+              <a:ext uri="{FF2B5EF4-FFF2-40B4-BE49-F238E27FC236}">
+                <a16:creationId xmlns:a16="http://schemas.microsoft.com/office/drawing/2014/main" id="{67EE16C4-4D99-4F56-AFCF-6BBEE3FCED60}"/>
+              </a:ext>
+            </a:extLst>
+          </p:cNvPr>
+          <p:cNvSpPr txBox="1"/>
+          <p:nvPr/>
+        </p:nvSpPr>
+        <p:spPr>
+          <a:xfrm>
+            <a:off x="0" y="4303448"/>
+            <a:ext cx="2752677" cy="276999"/>
+          </a:xfrm>
+          <a:prstGeom prst="rect">
+            <a:avLst/>
+          </a:prstGeom>
+          <a:noFill/>
+        </p:spPr>
+        <p:txBody>
+          <a:bodyPr wrap="none" rtlCol="0">
+            <a:spAutoFit/>
+          </a:bodyPr>
+          <a:lstStyle/>
+          <a:p>
+            <a:r>
+              <a:rPr lang="ko-KR" altLang="en-US" sz="1200" b="1" dirty="0">
+                <a:latin typeface="Noto Sans" panose="020B0502040504020204" pitchFamily="34" charset="0"/>
+                <a:cs typeface="Noto Sans" panose="020B0502040504020204" pitchFamily="34" charset="0"/>
+              </a:rPr>
+              <a:t>표준 질의문장 </a:t>
+            </a:r>
+            <a:r>
+              <a:rPr lang="en-US" altLang="ko-KR" sz="1200" b="1" dirty="0">
+                <a:latin typeface="Noto Sans" panose="020B0502040504020204" pitchFamily="34" charset="0"/>
+                <a:ea typeface="Noto Sans" panose="020B0502040504020204" pitchFamily="34" charset="0"/>
+                <a:cs typeface="Noto Sans" panose="020B0502040504020204" pitchFamily="34" charset="0"/>
+              </a:rPr>
+              <a:t>- SQL</a:t>
+            </a:r>
+            <a:r>
+              <a:rPr lang="ko-KR" altLang="en-US" sz="1200" b="1" dirty="0">
+                <a:latin typeface="Noto Sans" panose="020B0502040504020204" pitchFamily="34" charset="0"/>
+                <a:cs typeface="Noto Sans" panose="020B0502040504020204" pitchFamily="34" charset="0"/>
+              </a:rPr>
+              <a:t>쿼리 쌍</a:t>
+            </a:r>
+            <a:r>
+              <a:rPr lang="ko-KR" altLang="en-US" sz="1200" dirty="0">
+                <a:latin typeface="Noto Sans" panose="020B0502040504020204" pitchFamily="34" charset="0"/>
+                <a:cs typeface="Noto Sans" panose="020B0502040504020204" pitchFamily="34" charset="0"/>
+              </a:rPr>
+              <a:t> 데이터셋</a:t>
+            </a:r>
+          </a:p>
+        </p:txBody>
+      </p:sp>
+      <p:sp>
+        <p:nvSpPr>
+          <p:cNvPr id="8" name="순서도: 문서 7">
+            <a:extLst>
+              <a:ext uri="{FF2B5EF4-FFF2-40B4-BE49-F238E27FC236}">
+                <a16:creationId xmlns:a16="http://schemas.microsoft.com/office/drawing/2014/main" id="{4412DC0E-723D-472F-8A71-C95DCC88A890}"/>
+              </a:ext>
+            </a:extLst>
+          </p:cNvPr>
+          <p:cNvSpPr/>
+          <p:nvPr/>
+        </p:nvSpPr>
+        <p:spPr>
+          <a:xfrm>
+            <a:off x="894569" y="2849562"/>
+            <a:ext cx="2070913" cy="888603"/>
+          </a:xfrm>
+          <a:prstGeom prst="flowChartDocument">
+            <a:avLst/>
+          </a:prstGeom>
+          <a:solidFill>
+            <a:schemeClr val="bg1"/>
+          </a:solidFill>
+          <a:effectLst>
+            <a:outerShdw blurRad="127000" dist="50800" dir="5400000" algn="ctr" rotWithShape="0">
+              <a:srgbClr val="000000">
+                <a:alpha val="50000"/>
+              </a:srgbClr>
+            </a:outerShdw>
+          </a:effectLst>
+        </p:spPr>
+        <p:style>
+          <a:lnRef idx="2">
+            <a:schemeClr val="accent1">
+              <a:shade val="15000"/>
+            </a:schemeClr>
+          </a:lnRef>
+          <a:fillRef idx="1">
+            <a:schemeClr val="accent1"/>
+          </a:fillRef>
+          <a:effectRef idx="0">
+            <a:schemeClr val="accent1"/>
+          </a:effectRef>
+          <a:fontRef idx="minor">
+            <a:schemeClr val="lt1"/>
+          </a:fontRef>
+        </p:style>
+        <p:txBody>
+          <a:bodyPr rtlCol="0" anchor="ctr"/>
+          <a:lstStyle/>
+          <a:p>
+            <a:pPr algn="ctr"/>
+            <a:r>
+              <a:rPr lang="ko-KR" altLang="en-US" sz="1300" dirty="0">
+                <a:solidFill>
+                  <a:schemeClr val="tx1"/>
+                </a:solidFill>
+                <a:latin typeface="Noto Sans" panose="020B0502040504020204" pitchFamily="34" charset="0"/>
+                <a:cs typeface="Noto Sans" panose="020B0502040504020204" pitchFamily="34" charset="0"/>
+              </a:rPr>
+              <a:t>표준 질의문장의 </a:t>
+            </a:r>
+            <a:r>
+              <a:rPr lang="en-US" altLang="ko-KR" sz="1300" dirty="0">
+                <a:solidFill>
+                  <a:schemeClr val="tx1"/>
+                </a:solidFill>
+                <a:latin typeface="Noto Sans" panose="020B0502040504020204" pitchFamily="34" charset="0"/>
+                <a:ea typeface="Noto Sans" panose="020B0502040504020204" pitchFamily="34" charset="0"/>
+                <a:cs typeface="Noto Sans" panose="020B0502040504020204" pitchFamily="34" charset="0"/>
+              </a:rPr>
+              <a:t>SQL</a:t>
+            </a:r>
+            <a:r>
+              <a:rPr lang="ko-KR" altLang="en-US" sz="1300" dirty="0">
+                <a:solidFill>
+                  <a:schemeClr val="tx1"/>
+                </a:solidFill>
+                <a:latin typeface="Noto Sans" panose="020B0502040504020204" pitchFamily="34" charset="0"/>
+                <a:cs typeface="Noto Sans" panose="020B0502040504020204" pitchFamily="34" charset="0"/>
+              </a:rPr>
+              <a:t>쿼리</a:t>
+            </a:r>
+          </a:p>
+        </p:txBody>
+      </p:sp>
+      <p:cxnSp>
+        <p:nvCxnSpPr>
+          <p:cNvPr id="9" name="직선 화살표 연결선 8">
+            <a:extLst>
+              <a:ext uri="{FF2B5EF4-FFF2-40B4-BE49-F238E27FC236}">
+                <a16:creationId xmlns:a16="http://schemas.microsoft.com/office/drawing/2014/main" id="{90A68A26-9902-46B4-A29C-B606514E5D0C}"/>
+              </a:ext>
+            </a:extLst>
+          </p:cNvPr>
+          <p:cNvCxnSpPr>
+            <a:cxnSpLocks/>
+          </p:cNvCxnSpPr>
+          <p:nvPr/>
+        </p:nvCxnSpPr>
+        <p:spPr>
+          <a:xfrm flipV="1">
+            <a:off x="3557476" y="3126727"/>
+            <a:ext cx="881174" cy="5054"/>
+          </a:xfrm>
+          <a:prstGeom prst="straightConnector1">
+            <a:avLst/>
+          </a:prstGeom>
+          <a:ln>
+            <a:tailEnd type="triangle"/>
+          </a:ln>
+        </p:spPr>
+        <p:style>
+          <a:lnRef idx="1">
+            <a:schemeClr val="dk1"/>
+          </a:lnRef>
+          <a:fillRef idx="0">
+            <a:schemeClr val="dk1"/>
+          </a:fillRef>
+          <a:effectRef idx="0">
+            <a:schemeClr val="dk1"/>
+          </a:effectRef>
+          <a:fontRef idx="minor">
+            <a:schemeClr val="tx1"/>
+          </a:fontRef>
+        </p:style>
+      </p:cxnSp>
+      <p:sp>
+        <p:nvSpPr>
+          <p:cNvPr id="10" name="순서도: 자기 디스크 9">
+            <a:extLst>
+              <a:ext uri="{FF2B5EF4-FFF2-40B4-BE49-F238E27FC236}">
+                <a16:creationId xmlns:a16="http://schemas.microsoft.com/office/drawing/2014/main" id="{BD193AD2-2B90-4888-A666-680B41E0DF41}"/>
+              </a:ext>
+            </a:extLst>
+          </p:cNvPr>
+          <p:cNvSpPr/>
+          <p:nvPr/>
+        </p:nvSpPr>
+        <p:spPr>
+          <a:xfrm>
+            <a:off x="5294714" y="1093653"/>
+            <a:ext cx="1591112" cy="888603"/>
+          </a:xfrm>
+          <a:prstGeom prst="flowChartMagneticDisk">
+            <a:avLst/>
+          </a:prstGeom>
+          <a:noFill/>
+          <a:effectLst>
+            <a:outerShdw blurRad="1270000" dist="50800" dir="5400000" algn="ctr" rotWithShape="0">
+              <a:srgbClr val="000000">
+                <a:alpha val="43137"/>
+              </a:srgbClr>
+            </a:outerShdw>
+          </a:effectLst>
+        </p:spPr>
+        <p:style>
+          <a:lnRef idx="2">
+            <a:schemeClr val="accent1">
+              <a:shade val="15000"/>
+            </a:schemeClr>
+          </a:lnRef>
+          <a:fillRef idx="1">
+            <a:schemeClr val="accent1"/>
+          </a:fillRef>
+          <a:effectRef idx="0">
+            <a:schemeClr val="accent1"/>
+          </a:effectRef>
+          <a:fontRef idx="minor">
+            <a:schemeClr val="lt1"/>
+          </a:fontRef>
+        </p:style>
+        <p:txBody>
+          <a:bodyPr rtlCol="0" anchor="ctr"/>
+          <a:lstStyle/>
+          <a:p>
+            <a:pPr algn="ctr"/>
+            <a:r>
+              <a:rPr lang="en-US" altLang="ko-KR" i="1" dirty="0">
+                <a:solidFill>
+                  <a:schemeClr val="tx1"/>
+                </a:solidFill>
+                <a:latin typeface="Noto Sans" panose="020B0502040504020204" pitchFamily="34" charset="0"/>
+                <a:ea typeface="Noto Sans" panose="020B0502040504020204" pitchFamily="34" charset="0"/>
+                <a:cs typeface="Noto Sans" panose="020B0502040504020204" pitchFamily="34" charset="0"/>
+              </a:rPr>
+              <a:t>RAG</a:t>
+            </a:r>
+            <a:endParaRPr lang="ko-KR" altLang="en-US" i="1" dirty="0">
+              <a:solidFill>
+                <a:schemeClr val="tx1"/>
+              </a:solidFill>
+              <a:latin typeface="Noto Sans" panose="020B0502040504020204" pitchFamily="34" charset="0"/>
+              <a:cs typeface="Noto Sans" panose="020B0502040504020204" pitchFamily="34" charset="0"/>
+            </a:endParaRPr>
+          </a:p>
+        </p:txBody>
+      </p:sp>
+      <p:sp>
+        <p:nvSpPr>
+          <p:cNvPr id="11" name="TextBox 10">
+            <a:extLst>
+              <a:ext uri="{FF2B5EF4-FFF2-40B4-BE49-F238E27FC236}">
+                <a16:creationId xmlns:a16="http://schemas.microsoft.com/office/drawing/2014/main" id="{B7FF14C9-37B7-4ADC-AF95-BCBCDB2FD062}"/>
+              </a:ext>
+            </a:extLst>
+          </p:cNvPr>
+          <p:cNvSpPr txBox="1"/>
+          <p:nvPr/>
+        </p:nvSpPr>
+        <p:spPr>
+          <a:xfrm>
+            <a:off x="4694300" y="823656"/>
+            <a:ext cx="2791939" cy="246221"/>
+          </a:xfrm>
+          <a:prstGeom prst="rect">
+            <a:avLst/>
+          </a:prstGeom>
+          <a:noFill/>
+        </p:spPr>
+        <p:txBody>
+          <a:bodyPr wrap="square" rtlCol="0">
+            <a:spAutoFit/>
+          </a:bodyPr>
+          <a:lstStyle/>
+          <a:p>
+            <a:r>
+              <a:rPr lang="ko-KR" altLang="en-US" sz="1000" dirty="0">
+                <a:latin typeface="Noto Sans" panose="020B0502040504020204" pitchFamily="34" charset="0"/>
+                <a:cs typeface="Noto Sans" panose="020B0502040504020204" pitchFamily="34" charset="0"/>
+              </a:rPr>
+              <a:t>표준 질의문장 데이터셋의 </a:t>
+            </a:r>
+            <a:r>
+              <a:rPr lang="en-US" altLang="ko-KR" sz="1000" dirty="0">
+                <a:latin typeface="Noto Sans" panose="020B0502040504020204" pitchFamily="34" charset="0"/>
+                <a:ea typeface="Noto Sans" panose="020B0502040504020204" pitchFamily="34" charset="0"/>
+                <a:cs typeface="Noto Sans" panose="020B0502040504020204" pitchFamily="34" charset="0"/>
+              </a:rPr>
+              <a:t>Description</a:t>
+            </a:r>
+            <a:r>
+              <a:rPr lang="ko-KR" altLang="en-US" sz="1000" dirty="0">
+                <a:latin typeface="Noto Sans" panose="020B0502040504020204" pitchFamily="34" charset="0"/>
+                <a:cs typeface="Noto Sans" panose="020B0502040504020204" pitchFamily="34" charset="0"/>
+              </a:rPr>
+              <a:t>을 참조</a:t>
+            </a:r>
+          </a:p>
+        </p:txBody>
+      </p:sp>
+      <p:sp>
+        <p:nvSpPr>
+          <p:cNvPr id="12" name="직사각형 11">
+            <a:extLst>
+              <a:ext uri="{FF2B5EF4-FFF2-40B4-BE49-F238E27FC236}">
+                <a16:creationId xmlns:a16="http://schemas.microsoft.com/office/drawing/2014/main" id="{1DB9DE8D-5140-44F3-A7AF-F07EE07257F1}"/>
+              </a:ext>
+            </a:extLst>
+          </p:cNvPr>
+          <p:cNvSpPr/>
+          <p:nvPr/>
+        </p:nvSpPr>
+        <p:spPr>
+          <a:xfrm>
+            <a:off x="5029846" y="2837091"/>
+            <a:ext cx="2132307" cy="888603"/>
+          </a:xfrm>
+          <a:prstGeom prst="rect">
+            <a:avLst/>
+          </a:prstGeom>
+          <a:noFill/>
+          <a:effectLst>
+            <a:outerShdw blurRad="1270000" dist="50800" dir="5400000" algn="ctr" rotWithShape="0">
+              <a:srgbClr val="000000">
+                <a:alpha val="43137"/>
+              </a:srgbClr>
+            </a:outerShdw>
+          </a:effectLst>
+        </p:spPr>
+        <p:style>
+          <a:lnRef idx="2">
+            <a:schemeClr val="accent1">
+              <a:shade val="15000"/>
+            </a:schemeClr>
+          </a:lnRef>
+          <a:fillRef idx="1">
+            <a:schemeClr val="accent1"/>
+          </a:fillRef>
+          <a:effectRef idx="0">
+            <a:schemeClr val="accent1"/>
+          </a:effectRef>
+          <a:fontRef idx="minor">
+            <a:schemeClr val="lt1"/>
+          </a:fontRef>
+        </p:style>
+        <p:txBody>
+          <a:bodyPr rtlCol="0" anchor="ctr"/>
+          <a:lstStyle/>
+          <a:p>
+            <a:pPr algn="ctr"/>
+            <a:r>
+              <a:rPr lang="en-US" altLang="ko-KR" sz="1500" dirty="0">
+                <a:solidFill>
+                  <a:schemeClr val="tx1"/>
+                </a:solidFill>
+                <a:latin typeface="Noto Sans" panose="020B0502040504020204" pitchFamily="34" charset="0"/>
+                <a:ea typeface="Noto Sans" panose="020B0502040504020204" pitchFamily="34" charset="0"/>
+                <a:cs typeface="Noto Sans" panose="020B0502040504020204" pitchFamily="34" charset="0"/>
+              </a:rPr>
+              <a:t>SQL2TEXT</a:t>
+            </a:r>
+            <a:endParaRPr lang="ko-KR" altLang="en-US" sz="1500" dirty="0">
+              <a:solidFill>
+                <a:schemeClr val="tx1"/>
+              </a:solidFill>
+              <a:latin typeface="Noto Sans" panose="020B0502040504020204" pitchFamily="34" charset="0"/>
+              <a:cs typeface="Noto Sans" panose="020B0502040504020204" pitchFamily="34" charset="0"/>
+            </a:endParaRPr>
+          </a:p>
+        </p:txBody>
+      </p:sp>
+      <p:cxnSp>
+        <p:nvCxnSpPr>
+          <p:cNvPr id="13" name="직선 화살표 연결선 12">
+            <a:extLst>
+              <a:ext uri="{FF2B5EF4-FFF2-40B4-BE49-F238E27FC236}">
+                <a16:creationId xmlns:a16="http://schemas.microsoft.com/office/drawing/2014/main" id="{43EDA158-2F92-4CBD-B512-DDFEF6FF61FB}"/>
+              </a:ext>
+            </a:extLst>
+          </p:cNvPr>
+          <p:cNvCxnSpPr>
+            <a:cxnSpLocks/>
+          </p:cNvCxnSpPr>
+          <p:nvPr/>
+        </p:nvCxnSpPr>
+        <p:spPr>
+          <a:xfrm>
+            <a:off x="6090270" y="2085975"/>
+            <a:ext cx="0" cy="347548"/>
+          </a:xfrm>
+          <a:prstGeom prst="straightConnector1">
+            <a:avLst/>
+          </a:prstGeom>
+          <a:ln>
+            <a:tailEnd type="triangle"/>
+          </a:ln>
+        </p:spPr>
+        <p:style>
+          <a:lnRef idx="1">
+            <a:schemeClr val="dk1"/>
+          </a:lnRef>
+          <a:fillRef idx="0">
+            <a:schemeClr val="dk1"/>
+          </a:fillRef>
+          <a:effectRef idx="0">
+            <a:schemeClr val="dk1"/>
+          </a:effectRef>
+          <a:fontRef idx="minor">
+            <a:schemeClr val="tx1"/>
+          </a:fontRef>
+        </p:style>
+      </p:cxnSp>
+      <p:cxnSp>
+        <p:nvCxnSpPr>
+          <p:cNvPr id="19" name="직선 화살표 연결선 18">
+            <a:extLst>
+              <a:ext uri="{FF2B5EF4-FFF2-40B4-BE49-F238E27FC236}">
+                <a16:creationId xmlns:a16="http://schemas.microsoft.com/office/drawing/2014/main" id="{A8C6FDB0-D56B-41B4-B240-12AB6B8A9734}"/>
+              </a:ext>
+            </a:extLst>
+          </p:cNvPr>
+          <p:cNvCxnSpPr/>
+          <p:nvPr/>
+        </p:nvCxnSpPr>
+        <p:spPr>
+          <a:xfrm>
+            <a:off x="7683260" y="3131781"/>
+            <a:ext cx="647700" cy="0"/>
+          </a:xfrm>
+          <a:prstGeom prst="straightConnector1">
+            <a:avLst/>
+          </a:prstGeom>
+          <a:ln>
+            <a:tailEnd type="triangle"/>
+          </a:ln>
+        </p:spPr>
+        <p:style>
+          <a:lnRef idx="1">
+            <a:schemeClr val="dk1"/>
+          </a:lnRef>
+          <a:fillRef idx="0">
+            <a:schemeClr val="dk1"/>
+          </a:fillRef>
+          <a:effectRef idx="0">
+            <a:schemeClr val="dk1"/>
+          </a:effectRef>
+          <a:fontRef idx="minor">
+            <a:schemeClr val="tx1"/>
+          </a:fontRef>
+        </p:style>
+      </p:cxnSp>
+      <p:sp>
+        <p:nvSpPr>
+          <p:cNvPr id="20" name="순서도: 문서 19">
+            <a:extLst>
+              <a:ext uri="{FF2B5EF4-FFF2-40B4-BE49-F238E27FC236}">
+                <a16:creationId xmlns:a16="http://schemas.microsoft.com/office/drawing/2014/main" id="{50A26ACB-09CA-41C6-A971-86190DEFAA2D}"/>
+              </a:ext>
+            </a:extLst>
+          </p:cNvPr>
+          <p:cNvSpPr/>
+          <p:nvPr/>
+        </p:nvSpPr>
+        <p:spPr>
+          <a:xfrm>
+            <a:off x="9415279" y="2396932"/>
+            <a:ext cx="2138913" cy="888602"/>
+          </a:xfrm>
+          <a:prstGeom prst="flowChartDocument">
+            <a:avLst/>
+          </a:prstGeom>
+          <a:solidFill>
+            <a:schemeClr val="bg1"/>
+          </a:solidFill>
+          <a:effectLst>
+            <a:outerShdw blurRad="127000" dist="50800" dir="5400000" algn="ctr" rotWithShape="0">
+              <a:srgbClr val="000000">
+                <a:alpha val="50000"/>
+              </a:srgbClr>
+            </a:outerShdw>
+          </a:effectLst>
+        </p:spPr>
+        <p:style>
+          <a:lnRef idx="2">
+            <a:schemeClr val="accent1">
+              <a:shade val="15000"/>
+            </a:schemeClr>
+          </a:lnRef>
+          <a:fillRef idx="1">
+            <a:schemeClr val="accent1"/>
+          </a:fillRef>
+          <a:effectRef idx="0">
+            <a:schemeClr val="accent1"/>
+          </a:effectRef>
+          <a:fontRef idx="minor">
+            <a:schemeClr val="lt1"/>
+          </a:fontRef>
+        </p:style>
+        <p:txBody>
+          <a:bodyPr rtlCol="0" anchor="ctr"/>
+          <a:lstStyle/>
+          <a:p>
+            <a:pPr algn="ctr"/>
+            <a:endParaRPr lang="ko-KR" altLang="en-US" dirty="0">
+              <a:latin typeface="Noto Sans" panose="020B0502040504020204" pitchFamily="34" charset="0"/>
+              <a:cs typeface="Noto Sans" panose="020B0502040504020204" pitchFamily="34" charset="0"/>
+            </a:endParaRPr>
+          </a:p>
+        </p:txBody>
+      </p:sp>
+      <p:sp>
+        <p:nvSpPr>
+          <p:cNvPr id="21" name="순서도: 문서 20">
+            <a:extLst>
+              <a:ext uri="{FF2B5EF4-FFF2-40B4-BE49-F238E27FC236}">
+                <a16:creationId xmlns:a16="http://schemas.microsoft.com/office/drawing/2014/main" id="{A50EC14A-938E-4998-BD28-27AB9C0F4251}"/>
+              </a:ext>
+            </a:extLst>
+          </p:cNvPr>
+          <p:cNvSpPr/>
+          <p:nvPr/>
+        </p:nvSpPr>
+        <p:spPr>
+          <a:xfrm>
+            <a:off x="9343392" y="2434144"/>
+            <a:ext cx="2138913" cy="888602"/>
+          </a:xfrm>
+          <a:prstGeom prst="flowChartDocument">
+            <a:avLst/>
+          </a:prstGeom>
+          <a:solidFill>
+            <a:schemeClr val="bg1"/>
+          </a:solidFill>
+          <a:effectLst>
+            <a:outerShdw blurRad="127000" dist="50800" dir="5400000" algn="ctr" rotWithShape="0">
+              <a:srgbClr val="000000">
+                <a:alpha val="50000"/>
+              </a:srgbClr>
+            </a:outerShdw>
+          </a:effectLst>
+        </p:spPr>
+        <p:style>
+          <a:lnRef idx="2">
+            <a:schemeClr val="accent1">
+              <a:shade val="15000"/>
+            </a:schemeClr>
+          </a:lnRef>
+          <a:fillRef idx="1">
+            <a:schemeClr val="accent1"/>
+          </a:fillRef>
+          <a:effectRef idx="0">
+            <a:schemeClr val="accent1"/>
+          </a:effectRef>
+          <a:fontRef idx="minor">
+            <a:schemeClr val="lt1"/>
+          </a:fontRef>
+        </p:style>
+        <p:txBody>
+          <a:bodyPr rtlCol="0" anchor="ctr"/>
+          <a:lstStyle/>
+          <a:p>
+            <a:pPr algn="ctr"/>
+            <a:endParaRPr lang="ko-KR" altLang="en-US" dirty="0">
+              <a:latin typeface="Noto Sans" panose="020B0502040504020204" pitchFamily="34" charset="0"/>
+              <a:cs typeface="Noto Sans" panose="020B0502040504020204" pitchFamily="34" charset="0"/>
+            </a:endParaRPr>
+          </a:p>
+        </p:txBody>
+      </p:sp>
+      <p:sp>
+        <p:nvSpPr>
+          <p:cNvPr id="22" name="순서도: 문서 21">
+            <a:extLst>
+              <a:ext uri="{FF2B5EF4-FFF2-40B4-BE49-F238E27FC236}">
+                <a16:creationId xmlns:a16="http://schemas.microsoft.com/office/drawing/2014/main" id="{009AA20E-E9F6-4131-8843-2F79C6D50D98}"/>
+              </a:ext>
+            </a:extLst>
+          </p:cNvPr>
+          <p:cNvSpPr/>
+          <p:nvPr/>
+        </p:nvSpPr>
+        <p:spPr>
+          <a:xfrm>
+            <a:off x="9271505" y="2486184"/>
+            <a:ext cx="2138913" cy="888602"/>
+          </a:xfrm>
+          <a:prstGeom prst="flowChartDocument">
+            <a:avLst/>
+          </a:prstGeom>
+          <a:solidFill>
+            <a:schemeClr val="bg1"/>
+          </a:solidFill>
+          <a:effectLst>
+            <a:outerShdw blurRad="127000" dist="50800" dir="5400000" algn="ctr" rotWithShape="0">
+              <a:srgbClr val="000000">
+                <a:alpha val="50000"/>
+              </a:srgbClr>
+            </a:outerShdw>
+          </a:effectLst>
+        </p:spPr>
+        <p:style>
+          <a:lnRef idx="2">
+            <a:schemeClr val="accent1">
+              <a:shade val="15000"/>
+            </a:schemeClr>
+          </a:lnRef>
+          <a:fillRef idx="1">
+            <a:schemeClr val="accent1"/>
+          </a:fillRef>
+          <a:effectRef idx="0">
+            <a:schemeClr val="accent1"/>
+          </a:effectRef>
+          <a:fontRef idx="minor">
+            <a:schemeClr val="lt1"/>
+          </a:fontRef>
+        </p:style>
+        <p:txBody>
+          <a:bodyPr rtlCol="0" anchor="ctr"/>
+          <a:lstStyle/>
+          <a:p>
+            <a:pPr algn="ctr"/>
+            <a:endParaRPr lang="ko-KR" altLang="en-US" dirty="0">
+              <a:latin typeface="Noto Sans" panose="020B0502040504020204" pitchFamily="34" charset="0"/>
+              <a:cs typeface="Noto Sans" panose="020B0502040504020204" pitchFamily="34" charset="0"/>
+            </a:endParaRPr>
+          </a:p>
+        </p:txBody>
+      </p:sp>
+      <p:sp>
+        <p:nvSpPr>
+          <p:cNvPr id="23" name="순서도: 문서 22">
+            <a:extLst>
+              <a:ext uri="{FF2B5EF4-FFF2-40B4-BE49-F238E27FC236}">
+                <a16:creationId xmlns:a16="http://schemas.microsoft.com/office/drawing/2014/main" id="{26C79174-2F6B-4BC6-A374-90375E9DD1AB}"/>
+              </a:ext>
+            </a:extLst>
+          </p:cNvPr>
+          <p:cNvSpPr/>
+          <p:nvPr/>
+        </p:nvSpPr>
+        <p:spPr>
+          <a:xfrm>
+            <a:off x="9199618" y="2538224"/>
+            <a:ext cx="2138913" cy="888602"/>
+          </a:xfrm>
+          <a:prstGeom prst="flowChartDocument">
+            <a:avLst/>
+          </a:prstGeom>
+          <a:solidFill>
+            <a:schemeClr val="bg1"/>
+          </a:solidFill>
+          <a:effectLst>
+            <a:outerShdw blurRad="127000" dist="50800" dir="5400000" algn="ctr" rotWithShape="0">
+              <a:srgbClr val="000000">
+                <a:alpha val="50000"/>
+              </a:srgbClr>
+            </a:outerShdw>
+          </a:effectLst>
+        </p:spPr>
+        <p:style>
+          <a:lnRef idx="2">
+            <a:schemeClr val="accent1">
+              <a:shade val="15000"/>
+            </a:schemeClr>
+          </a:lnRef>
+          <a:fillRef idx="1">
+            <a:schemeClr val="accent1"/>
+          </a:fillRef>
+          <a:effectRef idx="0">
+            <a:schemeClr val="accent1"/>
+          </a:effectRef>
+          <a:fontRef idx="minor">
+            <a:schemeClr val="lt1"/>
+          </a:fontRef>
+        </p:style>
+        <p:txBody>
+          <a:bodyPr rtlCol="0" anchor="ctr"/>
+          <a:lstStyle/>
+          <a:p>
+            <a:pPr algn="ctr"/>
+            <a:endParaRPr lang="ko-KR" altLang="en-US" dirty="0">
+              <a:latin typeface="Noto Sans" panose="020B0502040504020204" pitchFamily="34" charset="0"/>
+              <a:cs typeface="Noto Sans" panose="020B0502040504020204" pitchFamily="34" charset="0"/>
+            </a:endParaRPr>
+          </a:p>
+        </p:txBody>
+      </p:sp>
+      <p:sp>
+        <p:nvSpPr>
+          <p:cNvPr id="30" name="순서도: 문서 29">
+            <a:extLst>
+              <a:ext uri="{FF2B5EF4-FFF2-40B4-BE49-F238E27FC236}">
+                <a16:creationId xmlns:a16="http://schemas.microsoft.com/office/drawing/2014/main" id="{BD3F903A-F0C5-4E4B-B670-9CC5CED1B0FB}"/>
+              </a:ext>
+            </a:extLst>
+          </p:cNvPr>
+          <p:cNvSpPr/>
+          <p:nvPr/>
+        </p:nvSpPr>
+        <p:spPr>
+          <a:xfrm>
+            <a:off x="9134833" y="2576399"/>
+            <a:ext cx="2138913" cy="888602"/>
+          </a:xfrm>
+          <a:prstGeom prst="flowChartDocument">
+            <a:avLst/>
+          </a:prstGeom>
+          <a:solidFill>
+            <a:schemeClr val="bg1"/>
+          </a:solidFill>
+          <a:effectLst>
+            <a:outerShdw blurRad="127000" dist="50800" dir="5400000" algn="ctr" rotWithShape="0">
+              <a:srgbClr val="000000">
+                <a:alpha val="50000"/>
+              </a:srgbClr>
+            </a:outerShdw>
+          </a:effectLst>
+        </p:spPr>
+        <p:style>
+          <a:lnRef idx="2">
+            <a:schemeClr val="accent1">
+              <a:shade val="15000"/>
+            </a:schemeClr>
+          </a:lnRef>
+          <a:fillRef idx="1">
+            <a:schemeClr val="accent1"/>
+          </a:fillRef>
+          <a:effectRef idx="0">
+            <a:schemeClr val="accent1"/>
+          </a:effectRef>
+          <a:fontRef idx="minor">
+            <a:schemeClr val="lt1"/>
+          </a:fontRef>
+        </p:style>
+        <p:txBody>
+          <a:bodyPr rtlCol="0" anchor="ctr"/>
+          <a:lstStyle/>
+          <a:p>
+            <a:pPr algn="ctr"/>
+            <a:endParaRPr lang="ko-KR" altLang="en-US" dirty="0">
+              <a:latin typeface="Noto Sans" panose="020B0502040504020204" pitchFamily="34" charset="0"/>
+              <a:cs typeface="Noto Sans" panose="020B0502040504020204" pitchFamily="34" charset="0"/>
+            </a:endParaRPr>
+          </a:p>
+        </p:txBody>
+      </p:sp>
+      <p:sp>
+        <p:nvSpPr>
+          <p:cNvPr id="31" name="순서도: 문서 30">
+            <a:extLst>
+              <a:ext uri="{FF2B5EF4-FFF2-40B4-BE49-F238E27FC236}">
+                <a16:creationId xmlns:a16="http://schemas.microsoft.com/office/drawing/2014/main" id="{C7421F67-4520-412F-9DA4-B26CB812AA68}"/>
+              </a:ext>
+            </a:extLst>
+          </p:cNvPr>
+          <p:cNvSpPr/>
+          <p:nvPr/>
+        </p:nvSpPr>
+        <p:spPr>
+          <a:xfrm>
+            <a:off x="9062946" y="2613611"/>
+            <a:ext cx="2138913" cy="888602"/>
+          </a:xfrm>
+          <a:prstGeom prst="flowChartDocument">
+            <a:avLst/>
+          </a:prstGeom>
+          <a:solidFill>
+            <a:schemeClr val="bg1"/>
+          </a:solidFill>
+          <a:effectLst>
+            <a:outerShdw blurRad="127000" dist="50800" dir="5400000" algn="ctr" rotWithShape="0">
+              <a:srgbClr val="000000">
+                <a:alpha val="50000"/>
+              </a:srgbClr>
+            </a:outerShdw>
+          </a:effectLst>
+        </p:spPr>
+        <p:style>
+          <a:lnRef idx="2">
+            <a:schemeClr val="accent1">
+              <a:shade val="15000"/>
+            </a:schemeClr>
+          </a:lnRef>
+          <a:fillRef idx="1">
+            <a:schemeClr val="accent1"/>
+          </a:fillRef>
+          <a:effectRef idx="0">
+            <a:schemeClr val="accent1"/>
+          </a:effectRef>
+          <a:fontRef idx="minor">
+            <a:schemeClr val="lt1"/>
+          </a:fontRef>
+        </p:style>
+        <p:txBody>
+          <a:bodyPr rtlCol="0" anchor="ctr"/>
+          <a:lstStyle/>
+          <a:p>
+            <a:pPr algn="ctr"/>
+            <a:endParaRPr lang="ko-KR" altLang="en-US" dirty="0">
+              <a:latin typeface="Noto Sans" panose="020B0502040504020204" pitchFamily="34" charset="0"/>
+              <a:cs typeface="Noto Sans" panose="020B0502040504020204" pitchFamily="34" charset="0"/>
+            </a:endParaRPr>
+          </a:p>
+        </p:txBody>
+      </p:sp>
+      <p:sp>
+        <p:nvSpPr>
+          <p:cNvPr id="32" name="순서도: 문서 31">
+            <a:extLst>
+              <a:ext uri="{FF2B5EF4-FFF2-40B4-BE49-F238E27FC236}">
+                <a16:creationId xmlns:a16="http://schemas.microsoft.com/office/drawing/2014/main" id="{D6CB28E9-0177-4699-8582-2D3F97C7C5F8}"/>
+              </a:ext>
+            </a:extLst>
+          </p:cNvPr>
+          <p:cNvSpPr/>
+          <p:nvPr/>
+        </p:nvSpPr>
+        <p:spPr>
+          <a:xfrm>
+            <a:off x="8991059" y="2665651"/>
+            <a:ext cx="2138913" cy="888602"/>
+          </a:xfrm>
+          <a:prstGeom prst="flowChartDocument">
+            <a:avLst/>
+          </a:prstGeom>
+          <a:solidFill>
+            <a:schemeClr val="bg1"/>
+          </a:solidFill>
+          <a:effectLst>
+            <a:outerShdw blurRad="127000" dist="50800" dir="5400000" algn="ctr" rotWithShape="0">
+              <a:srgbClr val="000000">
+                <a:alpha val="50000"/>
+              </a:srgbClr>
+            </a:outerShdw>
+          </a:effectLst>
+        </p:spPr>
+        <p:style>
+          <a:lnRef idx="2">
+            <a:schemeClr val="accent1">
+              <a:shade val="15000"/>
+            </a:schemeClr>
+          </a:lnRef>
+          <a:fillRef idx="1">
+            <a:schemeClr val="accent1"/>
+          </a:fillRef>
+          <a:effectRef idx="0">
+            <a:schemeClr val="accent1"/>
+          </a:effectRef>
+          <a:fontRef idx="minor">
+            <a:schemeClr val="lt1"/>
+          </a:fontRef>
+        </p:style>
+        <p:txBody>
+          <a:bodyPr rtlCol="0" anchor="ctr"/>
+          <a:lstStyle/>
+          <a:p>
+            <a:pPr algn="ctr"/>
+            <a:endParaRPr lang="ko-KR" altLang="en-US" dirty="0">
+              <a:latin typeface="Noto Sans" panose="020B0502040504020204" pitchFamily="34" charset="0"/>
+              <a:cs typeface="Noto Sans" panose="020B0502040504020204" pitchFamily="34" charset="0"/>
+            </a:endParaRPr>
+          </a:p>
+        </p:txBody>
+      </p:sp>
+      <p:sp>
+        <p:nvSpPr>
+          <p:cNvPr id="33" name="순서도: 문서 32">
+            <a:extLst>
+              <a:ext uri="{FF2B5EF4-FFF2-40B4-BE49-F238E27FC236}">
+                <a16:creationId xmlns:a16="http://schemas.microsoft.com/office/drawing/2014/main" id="{1260F15D-E487-4237-9F18-BA70B1809BF9}"/>
+              </a:ext>
+            </a:extLst>
+          </p:cNvPr>
+          <p:cNvSpPr/>
+          <p:nvPr/>
+        </p:nvSpPr>
+        <p:spPr>
+          <a:xfrm>
+            <a:off x="8926274" y="2717691"/>
+            <a:ext cx="2138913" cy="888602"/>
+          </a:xfrm>
+          <a:prstGeom prst="flowChartDocument">
+            <a:avLst/>
+          </a:prstGeom>
+          <a:solidFill>
+            <a:schemeClr val="bg1"/>
+          </a:solidFill>
+          <a:effectLst>
+            <a:outerShdw blurRad="127000" dist="50800" dir="5400000" algn="ctr" rotWithShape="0">
+              <a:srgbClr val="000000">
+                <a:alpha val="50000"/>
+              </a:srgbClr>
+            </a:outerShdw>
+          </a:effectLst>
+        </p:spPr>
+        <p:style>
+          <a:lnRef idx="2">
+            <a:schemeClr val="accent1">
+              <a:shade val="15000"/>
+            </a:schemeClr>
+          </a:lnRef>
+          <a:fillRef idx="1">
+            <a:schemeClr val="accent1"/>
+          </a:fillRef>
+          <a:effectRef idx="0">
+            <a:schemeClr val="accent1"/>
+          </a:effectRef>
+          <a:fontRef idx="minor">
+            <a:schemeClr val="lt1"/>
+          </a:fontRef>
+        </p:style>
+        <p:txBody>
+          <a:bodyPr rtlCol="0" anchor="ctr"/>
+          <a:lstStyle/>
+          <a:p>
+            <a:pPr algn="ctr"/>
+            <a:endParaRPr lang="ko-KR" altLang="en-US" dirty="0">
+              <a:latin typeface="Noto Sans" panose="020B0502040504020204" pitchFamily="34" charset="0"/>
+              <a:cs typeface="Noto Sans" panose="020B0502040504020204" pitchFamily="34" charset="0"/>
+            </a:endParaRPr>
+          </a:p>
+        </p:txBody>
+      </p:sp>
+      <p:sp>
+        <p:nvSpPr>
+          <p:cNvPr id="34" name="순서도: 문서 33">
+            <a:extLst>
+              <a:ext uri="{FF2B5EF4-FFF2-40B4-BE49-F238E27FC236}">
+                <a16:creationId xmlns:a16="http://schemas.microsoft.com/office/drawing/2014/main" id="{15F7DFD7-E24C-45DF-9118-BF9740D4BBC8}"/>
+              </a:ext>
+            </a:extLst>
+          </p:cNvPr>
+          <p:cNvSpPr/>
+          <p:nvPr/>
+        </p:nvSpPr>
+        <p:spPr>
+          <a:xfrm>
+            <a:off x="8861489" y="2780030"/>
+            <a:ext cx="2138913" cy="888602"/>
+          </a:xfrm>
+          <a:prstGeom prst="flowChartDocument">
+            <a:avLst/>
+          </a:prstGeom>
+          <a:solidFill>
+            <a:schemeClr val="bg1"/>
+          </a:solidFill>
+          <a:effectLst>
+            <a:outerShdw blurRad="127000" dist="50800" dir="5400000" algn="ctr" rotWithShape="0">
+              <a:srgbClr val="000000">
+                <a:alpha val="50000"/>
+              </a:srgbClr>
+            </a:outerShdw>
+          </a:effectLst>
+        </p:spPr>
+        <p:style>
+          <a:lnRef idx="2">
+            <a:schemeClr val="accent1">
+              <a:shade val="15000"/>
+            </a:schemeClr>
+          </a:lnRef>
+          <a:fillRef idx="1">
+            <a:schemeClr val="accent1"/>
+          </a:fillRef>
+          <a:effectRef idx="0">
+            <a:schemeClr val="accent1"/>
+          </a:effectRef>
+          <a:fontRef idx="minor">
+            <a:schemeClr val="lt1"/>
+          </a:fontRef>
+        </p:style>
+        <p:txBody>
+          <a:bodyPr rtlCol="0" anchor="ctr"/>
+          <a:lstStyle/>
+          <a:p>
+            <a:pPr algn="ctr"/>
+            <a:endParaRPr lang="ko-KR" altLang="en-US" dirty="0">
+              <a:latin typeface="Noto Sans" panose="020B0502040504020204" pitchFamily="34" charset="0"/>
+              <a:cs typeface="Noto Sans" panose="020B0502040504020204" pitchFamily="34" charset="0"/>
+            </a:endParaRPr>
+          </a:p>
+        </p:txBody>
+      </p:sp>
+      <p:sp>
+        <p:nvSpPr>
+          <p:cNvPr id="24" name="순서도: 문서 23">
+            <a:extLst>
+              <a:ext uri="{FF2B5EF4-FFF2-40B4-BE49-F238E27FC236}">
+                <a16:creationId xmlns:a16="http://schemas.microsoft.com/office/drawing/2014/main" id="{E6BDEE81-8EEB-4BA9-A7B9-C99A0BFB57C3}"/>
+              </a:ext>
+            </a:extLst>
+          </p:cNvPr>
+          <p:cNvSpPr/>
+          <p:nvPr/>
+        </p:nvSpPr>
+        <p:spPr>
+          <a:xfrm>
+            <a:off x="8789603" y="2860108"/>
+            <a:ext cx="2132306" cy="870185"/>
+          </a:xfrm>
+          <a:prstGeom prst="flowChartDocument">
+            <a:avLst/>
+          </a:prstGeom>
+          <a:solidFill>
+            <a:schemeClr val="bg1"/>
+          </a:solidFill>
+          <a:effectLst>
+            <a:outerShdw blurRad="127000" dist="50800" dir="5400000" algn="ctr" rotWithShape="0">
+              <a:srgbClr val="000000">
+                <a:alpha val="50000"/>
+              </a:srgbClr>
+            </a:outerShdw>
+          </a:effectLst>
+        </p:spPr>
+        <p:style>
+          <a:lnRef idx="2">
+            <a:schemeClr val="accent1">
+              <a:shade val="15000"/>
+            </a:schemeClr>
+          </a:lnRef>
+          <a:fillRef idx="1">
+            <a:schemeClr val="accent1"/>
+          </a:fillRef>
+          <a:effectRef idx="0">
+            <a:schemeClr val="accent1"/>
+          </a:effectRef>
+          <a:fontRef idx="minor">
+            <a:schemeClr val="lt1"/>
+          </a:fontRef>
+        </p:style>
+        <p:txBody>
+          <a:bodyPr rtlCol="0" anchor="ctr"/>
+          <a:lstStyle/>
+          <a:p>
+            <a:pPr algn="ctr"/>
+            <a:r>
+              <a:rPr lang="ko-KR" altLang="en-US" sz="1500" dirty="0">
+                <a:solidFill>
+                  <a:schemeClr val="tx1"/>
+                </a:solidFill>
+                <a:latin typeface="Noto Sans" panose="020B0502040504020204" pitchFamily="34" charset="0"/>
+                <a:cs typeface="Noto Sans" panose="020B0502040504020204" pitchFamily="34" charset="0"/>
+              </a:rPr>
+              <a:t>비표준 질의문장</a:t>
+            </a:r>
+          </a:p>
+        </p:txBody>
+      </p:sp>
+      <p:sp>
+        <p:nvSpPr>
+          <p:cNvPr id="36" name="TextBox 35">
+            <a:extLst>
+              <a:ext uri="{FF2B5EF4-FFF2-40B4-BE49-F238E27FC236}">
+                <a16:creationId xmlns:a16="http://schemas.microsoft.com/office/drawing/2014/main" id="{804AB476-7E9F-4E48-975F-C481FCD758F9}"/>
+              </a:ext>
+            </a:extLst>
+          </p:cNvPr>
+          <p:cNvSpPr txBox="1"/>
+          <p:nvPr/>
+        </p:nvSpPr>
+        <p:spPr>
+          <a:xfrm>
+            <a:off x="894568" y="2345566"/>
+            <a:ext cx="1858105" cy="461665"/>
+          </a:xfrm>
+          <a:prstGeom prst="rect">
+            <a:avLst/>
+          </a:prstGeom>
+          <a:noFill/>
+        </p:spPr>
+        <p:txBody>
+          <a:bodyPr wrap="square">
+            <a:spAutoFit/>
+          </a:bodyPr>
+          <a:lstStyle/>
+          <a:p>
+            <a:pPr latinLnBrk="1"/>
+            <a:r>
+              <a:rPr lang="en-US" altLang="ko-KR" sz="800" dirty="0">
+                <a:solidFill>
+                  <a:schemeClr val="tx1"/>
+                </a:solidFill>
+                <a:latin typeface="Noto Sans" panose="020B0502040504020204" pitchFamily="34" charset="0"/>
+                <a:ea typeface="Noto Sans" panose="020B0502040504020204" pitchFamily="34" charset="0"/>
+                <a:cs typeface="Noto Sans" panose="020B0502040504020204" pitchFamily="34" charset="0"/>
+              </a:rPr>
+              <a:t>SELECT * FROM item</a:t>
+            </a:r>
+            <a:r>
+              <a:rPr lang="ko-KR" altLang="en-US" sz="800" dirty="0">
+                <a:solidFill>
+                  <a:schemeClr val="tx1"/>
+                </a:solidFill>
+                <a:latin typeface="Noto Sans" panose="020B0502040504020204" pitchFamily="34" charset="0"/>
+                <a:cs typeface="Noto Sans" panose="020B0502040504020204" pitchFamily="34" charset="0"/>
+              </a:rPr>
+              <a:t> </a:t>
+            </a:r>
+          </a:p>
+          <a:p>
+            <a:pPr latinLnBrk="1"/>
+            <a:r>
+              <a:rPr lang="en-US" altLang="ko-KR" sz="800" dirty="0">
+                <a:solidFill>
+                  <a:schemeClr val="tx1"/>
+                </a:solidFill>
+                <a:latin typeface="Noto Sans" panose="020B0502040504020204" pitchFamily="34" charset="0"/>
+                <a:ea typeface="Noto Sans" panose="020B0502040504020204" pitchFamily="34" charset="0"/>
+                <a:cs typeface="Noto Sans" panose="020B0502040504020204" pitchFamily="34" charset="0"/>
+              </a:rPr>
+              <a:t>WHERE </a:t>
+            </a:r>
+            <a:r>
+              <a:rPr lang="ko-KR" altLang="en-US" sz="800" dirty="0">
+                <a:solidFill>
+                  <a:schemeClr val="tx1"/>
+                </a:solidFill>
+                <a:latin typeface="Noto Sans" panose="020B0502040504020204" pitchFamily="34" charset="0"/>
+                <a:cs typeface="Noto Sans" panose="020B0502040504020204" pitchFamily="34" charset="0"/>
+              </a:rPr>
+              <a:t>화학물질번호 </a:t>
+            </a:r>
+            <a:r>
+              <a:rPr lang="en-US" altLang="ko-KR" sz="800" dirty="0">
+                <a:solidFill>
+                  <a:schemeClr val="tx1"/>
+                </a:solidFill>
+                <a:latin typeface="Noto Sans" panose="020B0502040504020204" pitchFamily="34" charset="0"/>
+                <a:ea typeface="Noto Sans" panose="020B0502040504020204" pitchFamily="34" charset="0"/>
+                <a:cs typeface="Noto Sans" panose="020B0502040504020204" pitchFamily="34" charset="0"/>
+              </a:rPr>
+              <a:t>LIKE '%71%' </a:t>
+            </a:r>
+          </a:p>
+          <a:p>
+            <a:pPr latinLnBrk="1"/>
+            <a:r>
+              <a:rPr lang="en-US" altLang="ko-KR" sz="800" dirty="0">
+                <a:solidFill>
+                  <a:schemeClr val="tx1"/>
+                </a:solidFill>
+                <a:latin typeface="Noto Sans" panose="020B0502040504020204" pitchFamily="34" charset="0"/>
+                <a:ea typeface="Noto Sans" panose="020B0502040504020204" pitchFamily="34" charset="0"/>
+                <a:cs typeface="Noto Sans" panose="020B0502040504020204" pitchFamily="34" charset="0"/>
+              </a:rPr>
+              <a:t>ORDER BY </a:t>
+            </a:r>
+            <a:r>
+              <a:rPr lang="ko-KR" altLang="en-US" sz="800" dirty="0">
+                <a:solidFill>
+                  <a:schemeClr val="tx1"/>
+                </a:solidFill>
+                <a:latin typeface="Noto Sans" panose="020B0502040504020204" pitchFamily="34" charset="0"/>
+                <a:ea typeface="Noto Sans" panose="020B0502040504020204" pitchFamily="34" charset="0"/>
+                <a:cs typeface="Noto Sans" panose="020B0502040504020204" pitchFamily="34" charset="0"/>
+              </a:rPr>
+              <a:t>등록일자</a:t>
+            </a:r>
+            <a:r>
+              <a:rPr lang="ko-KR" altLang="en-US" sz="800" dirty="0">
+                <a:solidFill>
+                  <a:schemeClr val="tx1"/>
+                </a:solidFill>
+                <a:latin typeface="Noto Sans" panose="020B0502040504020204" pitchFamily="34" charset="0"/>
+                <a:cs typeface="Noto Sans" panose="020B0502040504020204" pitchFamily="34" charset="0"/>
+              </a:rPr>
+              <a:t> </a:t>
+            </a:r>
+            <a:r>
+              <a:rPr lang="en-US" altLang="ko-KR" sz="800" dirty="0">
+                <a:solidFill>
+                  <a:schemeClr val="tx1"/>
+                </a:solidFill>
+                <a:latin typeface="Noto Sans" panose="020B0502040504020204" pitchFamily="34" charset="0"/>
+                <a:ea typeface="Noto Sans" panose="020B0502040504020204" pitchFamily="34" charset="0"/>
+                <a:cs typeface="Noto Sans" panose="020B0502040504020204" pitchFamily="34" charset="0"/>
+              </a:rPr>
+              <a:t>ASC;</a:t>
+            </a:r>
+          </a:p>
+        </p:txBody>
+      </p:sp>
+      <p:graphicFrame>
+        <p:nvGraphicFramePr>
+          <p:cNvPr id="40" name="표 40">
+            <a:extLst>
+              <a:ext uri="{FF2B5EF4-FFF2-40B4-BE49-F238E27FC236}">
+                <a16:creationId xmlns:a16="http://schemas.microsoft.com/office/drawing/2014/main" id="{C03A6E56-1019-47ED-BD82-364B1A403298}"/>
+              </a:ext>
+            </a:extLst>
+          </p:cNvPr>
+          <p:cNvGraphicFramePr>
+            <a:graphicFrameLocks noGrp="1"/>
+          </p:cNvGraphicFramePr>
+          <p:nvPr>
+            <p:extLst>
+              <p:ext uri="{D42A27DB-BD31-4B8C-83A1-F6EECF244321}">
+                <p14:modId xmlns:p14="http://schemas.microsoft.com/office/powerpoint/2010/main" val="2668172849"/>
+              </p:ext>
+            </p:extLst>
+          </p:nvPr>
+        </p:nvGraphicFramePr>
+        <p:xfrm>
+          <a:off x="8470048" y="4239378"/>
+          <a:ext cx="3675107" cy="1488544"/>
+        </p:xfrm>
+        <a:graphic>
+          <a:graphicData uri="http://schemas.openxmlformats.org/drawingml/2006/table">
+            <a:tbl>
+              <a:tblPr firstRow="1" bandRow="1">
+                <a:tableStyleId>{5C22544A-7EE6-4342-B048-85BDC9FD1C3A}</a:tableStyleId>
+              </a:tblPr>
+              <a:tblGrid>
+                <a:gridCol w="3675107">
+                  <a:extLst>
+                    <a:ext uri="{9D8B030D-6E8A-4147-A177-3AD203B41FA5}">
+                      <a16:colId xmlns:a16="http://schemas.microsoft.com/office/drawing/2014/main" val="2188063730"/>
+                    </a:ext>
+                  </a:extLst>
+                </a:gridCol>
+              </a:tblGrid>
+              <a:tr h="240628">
+                <a:tc>
+                  <a:txBody>
+                    <a:bodyPr/>
+                    <a:lstStyle/>
+                    <a:p>
+                      <a:pPr marL="0" marR="0" lvl="0" indent="0" algn="ctr" defTabSz="914400" rtl="0" eaLnBrk="1" fontAlgn="auto" latinLnBrk="1" hangingPunct="1">
+                        <a:lnSpc>
+                          <a:spcPct val="100000"/>
+                        </a:lnSpc>
+                        <a:spcBef>
+                          <a:spcPts val="0"/>
+                        </a:spcBef>
+                        <a:spcAft>
+                          <a:spcPts val="0"/>
+                        </a:spcAft>
+                        <a:buClrTx/>
+                        <a:buSzTx/>
+                        <a:buFontTx/>
+                        <a:buNone/>
+                        <a:tabLst/>
+                        <a:defRPr/>
+                      </a:pPr>
+                      <a:r>
+                        <a:rPr lang="ko-KR" altLang="en-US" sz="800" b="1" dirty="0">
+                          <a:solidFill>
+                            <a:schemeClr val="tx1"/>
+                          </a:solidFill>
+                        </a:rPr>
+                        <a:t>비표준질의문장</a:t>
+                      </a:r>
+                    </a:p>
+                  </a:txBody>
+                  <a:tcPr anchor="ctr">
+                    <a:solidFill>
+                      <a:schemeClr val="tx2">
+                        <a:lumMod val="40000"/>
+                        <a:lumOff val="60000"/>
+                      </a:schemeClr>
+                    </a:solidFill>
+                  </a:tcPr>
+                </a:tc>
+                <a:extLst>
+                  <a:ext uri="{0D108BD9-81ED-4DB2-BD59-A6C34878D82A}">
+                    <a16:rowId xmlns:a16="http://schemas.microsoft.com/office/drawing/2014/main" val="2584120407"/>
+                  </a:ext>
+                </a:extLst>
+              </a:tr>
+              <a:tr h="415972">
+                <a:tc>
+                  <a:txBody>
+                    <a:bodyPr/>
+                    <a:lstStyle/>
+                    <a:p>
+                      <a:pPr marL="0" marR="0" lvl="0" indent="0" algn="l" defTabSz="914400" rtl="0" eaLnBrk="1" fontAlgn="auto" latinLnBrk="1" hangingPunct="1">
+                        <a:lnSpc>
+                          <a:spcPct val="100000"/>
+                        </a:lnSpc>
+                        <a:spcBef>
+                          <a:spcPts val="0"/>
+                        </a:spcBef>
+                        <a:spcAft>
+                          <a:spcPts val="0"/>
+                        </a:spcAft>
+                        <a:buClrTx/>
+                        <a:buSzTx/>
+                        <a:buFontTx/>
+                        <a:buNone/>
+                        <a:tabLst/>
+                        <a:defRPr/>
+                      </a:pPr>
+                      <a:r>
+                        <a:rPr lang="en-US" altLang="ko-KR" sz="800" b="0" dirty="0">
+                          <a:solidFill>
+                            <a:schemeClr val="tx1"/>
+                          </a:solidFill>
+                        </a:rPr>
+                        <a:t>"</a:t>
+                      </a:r>
+                      <a:r>
+                        <a:rPr lang="ko-KR" altLang="en-US" sz="800" b="0" dirty="0">
+                          <a:solidFill>
+                            <a:schemeClr val="tx1"/>
+                          </a:solidFill>
+                        </a:rPr>
+                        <a:t>화학물질을 찾는데</a:t>
+                      </a:r>
+                      <a:r>
+                        <a:rPr lang="en-US" altLang="ko-KR" sz="800" b="0" dirty="0">
+                          <a:solidFill>
+                            <a:schemeClr val="tx1"/>
+                          </a:solidFill>
+                        </a:rPr>
+                        <a:t>, </a:t>
+                      </a:r>
+                      <a:r>
+                        <a:rPr lang="ko-KR" altLang="en-US" sz="800" b="0" dirty="0">
+                          <a:solidFill>
+                            <a:schemeClr val="tx1"/>
+                          </a:solidFill>
+                        </a:rPr>
+                        <a:t>그 번호 안에 </a:t>
+                      </a:r>
+                      <a:r>
+                        <a:rPr lang="en-US" altLang="ko-KR" sz="800" b="0" dirty="0">
+                          <a:solidFill>
+                            <a:schemeClr val="tx1"/>
+                          </a:solidFill>
+                        </a:rPr>
+                        <a:t>71</a:t>
+                      </a:r>
+                      <a:r>
+                        <a:rPr lang="ko-KR" altLang="en-US" sz="800" b="0" dirty="0">
+                          <a:solidFill>
+                            <a:schemeClr val="tx1"/>
+                          </a:solidFill>
+                        </a:rPr>
+                        <a:t>이라는 숫자가 들어 있는 애들만 뽑아주고</a:t>
+                      </a:r>
+                      <a:r>
+                        <a:rPr lang="en-US" altLang="ko-KR" sz="800" b="0" dirty="0">
+                          <a:solidFill>
+                            <a:schemeClr val="tx1"/>
+                          </a:solidFill>
+                        </a:rPr>
+                        <a:t>, </a:t>
+                      </a:r>
+                      <a:r>
+                        <a:rPr lang="ko-KR" altLang="en-US" sz="800" b="0" dirty="0">
+                          <a:solidFill>
+                            <a:schemeClr val="tx1"/>
+                          </a:solidFill>
+                        </a:rPr>
+                        <a:t>근데 옛날 것부터 먼저 보여줄 수 있어</a:t>
+                      </a:r>
+                      <a:r>
+                        <a:rPr lang="en-US" altLang="ko-KR" sz="800" b="0" dirty="0">
+                          <a:solidFill>
+                            <a:schemeClr val="tx1"/>
+                          </a:solidFill>
+                        </a:rPr>
+                        <a:t>?"</a:t>
+                      </a:r>
+                      <a:endParaRPr lang="ko-KR" altLang="en-US" sz="800" b="0" dirty="0">
+                        <a:solidFill>
+                          <a:schemeClr val="tx1"/>
+                        </a:solidFill>
+                      </a:endParaRPr>
+                    </a:p>
+                  </a:txBody>
+                  <a:tcPr>
+                    <a:solidFill>
+                      <a:schemeClr val="tx2">
+                        <a:lumMod val="40000"/>
+                        <a:lumOff val="60000"/>
+                      </a:schemeClr>
+                    </a:solidFill>
+                  </a:tcPr>
+                </a:tc>
+                <a:extLst>
+                  <a:ext uri="{0D108BD9-81ED-4DB2-BD59-A6C34878D82A}">
+                    <a16:rowId xmlns:a16="http://schemas.microsoft.com/office/drawing/2014/main" val="1185150782"/>
+                  </a:ext>
+                </a:extLst>
+              </a:tr>
+              <a:tr h="415972">
+                <a:tc>
+                  <a:txBody>
+                    <a:bodyPr/>
+                    <a:lstStyle/>
+                    <a:p>
+                      <a:pPr latinLnBrk="1"/>
+                      <a:r>
+                        <a:rPr lang="en-US" altLang="ko-KR" sz="800" dirty="0"/>
+                        <a:t>“</a:t>
+                      </a:r>
+                      <a:r>
+                        <a:rPr lang="ko-KR" altLang="en-US" sz="800" dirty="0"/>
+                        <a:t>화학물질 목록에서 쓸데없는 거 빼고  </a:t>
+                      </a:r>
+                      <a:r>
+                        <a:rPr lang="en-US" altLang="ko-KR" sz="800" dirty="0"/>
+                        <a:t>71 </a:t>
+                      </a:r>
+                      <a:r>
+                        <a:rPr lang="ko-KR" altLang="en-US" sz="800" dirty="0"/>
+                        <a:t>있는 거만 골라서 정리해</a:t>
+                      </a:r>
+                      <a:r>
+                        <a:rPr lang="en-US" altLang="ko-KR" sz="800" dirty="0"/>
+                        <a:t>. </a:t>
+                      </a:r>
+                      <a:r>
+                        <a:rPr lang="ko-KR" altLang="en-US" sz="800" dirty="0"/>
+                        <a:t>날짜 기준으로 빠른 거부터</a:t>
+                      </a:r>
+                      <a:r>
+                        <a:rPr lang="en-US" altLang="ko-KR" sz="800" dirty="0"/>
+                        <a:t>.”</a:t>
+                      </a:r>
+                      <a:endParaRPr lang="ko-KR" altLang="en-US" sz="800" dirty="0">
+                        <a:latin typeface="Noto Sans" panose="020B0502040504020204" pitchFamily="34" charset="0"/>
+                        <a:cs typeface="Noto Sans" panose="020B0502040504020204" pitchFamily="34" charset="0"/>
+                      </a:endParaRPr>
+                    </a:p>
+                  </a:txBody>
+                  <a:tcPr>
+                    <a:solidFill>
+                      <a:schemeClr val="tx2">
+                        <a:lumMod val="40000"/>
+                        <a:lumOff val="60000"/>
+                      </a:schemeClr>
+                    </a:solidFill>
+                  </a:tcPr>
+                </a:tc>
+                <a:extLst>
+                  <a:ext uri="{0D108BD9-81ED-4DB2-BD59-A6C34878D82A}">
+                    <a16:rowId xmlns:a16="http://schemas.microsoft.com/office/drawing/2014/main" val="3638596381"/>
+                  </a:ext>
+                </a:extLst>
+              </a:tr>
+              <a:tr h="415972">
+                <a:tc>
+                  <a:txBody>
+                    <a:bodyPr/>
+                    <a:lstStyle/>
+                    <a:p>
+                      <a:pPr marL="0" marR="0" lvl="0" indent="0" algn="l" defTabSz="914400" rtl="0" eaLnBrk="1" fontAlgn="auto" latinLnBrk="1" hangingPunct="1">
+                        <a:lnSpc>
+                          <a:spcPct val="100000"/>
+                        </a:lnSpc>
+                        <a:spcBef>
+                          <a:spcPts val="0"/>
+                        </a:spcBef>
+                        <a:spcAft>
+                          <a:spcPts val="0"/>
+                        </a:spcAft>
+                        <a:buClrTx/>
+                        <a:buSzTx/>
+                        <a:buFontTx/>
+                        <a:buNone/>
+                        <a:tabLst/>
+                        <a:defRPr/>
+                      </a:pPr>
+                      <a:r>
+                        <a:rPr lang="en-US" altLang="ko-KR" sz="800" dirty="0"/>
+                        <a:t>“</a:t>
+                      </a:r>
+                      <a:r>
+                        <a:rPr lang="ko-KR" altLang="en-US" sz="800" dirty="0"/>
+                        <a:t>화학물질 목록을 펼쳐봐</a:t>
+                      </a:r>
+                      <a:r>
+                        <a:rPr lang="en-US" altLang="ko-KR" sz="800" dirty="0"/>
+                        <a:t>. </a:t>
+                      </a:r>
+                      <a:r>
+                        <a:rPr lang="ko-KR" altLang="en-US" sz="800" dirty="0"/>
+                        <a:t>거기서 </a:t>
+                      </a:r>
+                      <a:r>
+                        <a:rPr lang="en-US" altLang="ko-KR" sz="800" dirty="0"/>
+                        <a:t>71</a:t>
+                      </a:r>
+                      <a:r>
+                        <a:rPr lang="ko-KR" altLang="en-US" sz="800" dirty="0"/>
+                        <a:t>이 숨 쉬고 있는 녀석들만 남겨</a:t>
+                      </a:r>
+                      <a:r>
+                        <a:rPr lang="en-US" altLang="ko-KR" sz="800" dirty="0"/>
+                        <a:t>. </a:t>
+                      </a:r>
+                      <a:r>
+                        <a:rPr lang="ko-KR" altLang="en-US" sz="800" dirty="0"/>
+                        <a:t>그리고 시간의 흐름에 순응하도록 정렬해</a:t>
+                      </a:r>
+                      <a:r>
+                        <a:rPr lang="en-US" altLang="ko-KR" sz="800" dirty="0"/>
+                        <a:t>. </a:t>
+                      </a:r>
+                      <a:r>
+                        <a:rPr lang="ko-KR" altLang="en-US" sz="800" dirty="0"/>
+                        <a:t>과거에서 현재로</a:t>
+                      </a:r>
+                      <a:r>
+                        <a:rPr lang="en-US" altLang="ko-KR" sz="800" dirty="0"/>
+                        <a:t>.”</a:t>
+                      </a:r>
+                      <a:endParaRPr lang="ko-KR" altLang="en-US" sz="800" b="0" dirty="0">
+                        <a:solidFill>
+                          <a:schemeClr val="tx1"/>
+                        </a:solidFill>
+                      </a:endParaRPr>
+                    </a:p>
+                  </a:txBody>
+                  <a:tcPr>
+                    <a:solidFill>
+                      <a:schemeClr val="tx2">
+                        <a:lumMod val="40000"/>
+                        <a:lumOff val="60000"/>
+                      </a:schemeClr>
+                    </a:solidFill>
+                  </a:tcPr>
+                </a:tc>
+                <a:extLst>
+                  <a:ext uri="{0D108BD9-81ED-4DB2-BD59-A6C34878D82A}">
+                    <a16:rowId xmlns:a16="http://schemas.microsoft.com/office/drawing/2014/main" val="2294846471"/>
+                  </a:ext>
+                </a:extLst>
+              </a:tr>
+            </a:tbl>
+          </a:graphicData>
+        </a:graphic>
+      </p:graphicFrame>
+      <p:sp>
+        <p:nvSpPr>
+          <p:cNvPr id="45" name="TextBox 44">
+            <a:extLst>
+              <a:ext uri="{FF2B5EF4-FFF2-40B4-BE49-F238E27FC236}">
+                <a16:creationId xmlns:a16="http://schemas.microsoft.com/office/drawing/2014/main" id="{6A46BB4F-D32C-426A-979F-82A78E2683FE}"/>
+              </a:ext>
+            </a:extLst>
+          </p:cNvPr>
+          <p:cNvSpPr txBox="1"/>
+          <p:nvPr/>
+        </p:nvSpPr>
+        <p:spPr>
+          <a:xfrm>
+            <a:off x="8408084" y="3912675"/>
+            <a:ext cx="1957587" cy="276999"/>
+          </a:xfrm>
+          <a:prstGeom prst="rect">
+            <a:avLst/>
+          </a:prstGeom>
+          <a:noFill/>
+        </p:spPr>
+        <p:txBody>
+          <a:bodyPr wrap="none" rtlCol="0">
+            <a:spAutoFit/>
+          </a:bodyPr>
+          <a:lstStyle/>
+          <a:p>
+            <a:r>
+              <a:rPr lang="ko-KR" altLang="en-US" sz="1200" b="1" dirty="0">
+                <a:latin typeface="Noto Sans" panose="020B0502040504020204" pitchFamily="34" charset="0"/>
+                <a:cs typeface="Noto Sans" panose="020B0502040504020204" pitchFamily="34" charset="0"/>
+              </a:rPr>
+              <a:t>비표준 질의문장 </a:t>
+            </a:r>
+            <a:r>
+              <a:rPr lang="ko-KR" altLang="en-US" sz="1200" dirty="0">
+                <a:latin typeface="Noto Sans" panose="020B0502040504020204" pitchFamily="34" charset="0"/>
+                <a:cs typeface="Noto Sans" panose="020B0502040504020204" pitchFamily="34" charset="0"/>
+              </a:rPr>
+              <a:t>데이터셋</a:t>
+            </a:r>
+            <a:endParaRPr lang="ko-KR" altLang="en-US" sz="1200" b="1" dirty="0">
+              <a:latin typeface="Noto Sans" panose="020B0502040504020204" pitchFamily="34" charset="0"/>
+              <a:cs typeface="Noto Sans" panose="020B0502040504020204" pitchFamily="34" charset="0"/>
+            </a:endParaRPr>
+          </a:p>
+        </p:txBody>
+      </p:sp>
+      <p:sp>
+        <p:nvSpPr>
+          <p:cNvPr id="27" name="TextBox 26">
+            <a:extLst>
+              <a:ext uri="{FF2B5EF4-FFF2-40B4-BE49-F238E27FC236}">
+                <a16:creationId xmlns:a16="http://schemas.microsoft.com/office/drawing/2014/main" id="{F7A99112-11A8-4E63-BA1C-4F2DEEC84C18}"/>
+              </a:ext>
+            </a:extLst>
+          </p:cNvPr>
+          <p:cNvSpPr txBox="1"/>
+          <p:nvPr/>
+        </p:nvSpPr>
+        <p:spPr>
+          <a:xfrm>
+            <a:off x="70338" y="87923"/>
+            <a:ext cx="2949087" cy="461665"/>
+          </a:xfrm>
+          <a:prstGeom prst="rect">
+            <a:avLst/>
+          </a:prstGeom>
+          <a:noFill/>
+        </p:spPr>
+        <p:txBody>
+          <a:bodyPr wrap="square" rtlCol="0">
+            <a:spAutoFit/>
+          </a:bodyPr>
+          <a:lstStyle/>
+          <a:p>
+            <a:r>
+              <a:rPr lang="ko-KR" altLang="en-US" sz="2400" b="1" dirty="0">
+                <a:latin typeface="Noto Sans" panose="020B0502040504020204" pitchFamily="34" charset="0"/>
+                <a:ea typeface="Noto Sans" panose="020B0502040504020204" pitchFamily="34" charset="0"/>
+                <a:cs typeface="Noto Sans" panose="020B0502040504020204" pitchFamily="34" charset="0"/>
+              </a:rPr>
+              <a:t>발명내용 </a:t>
+            </a:r>
+            <a:r>
+              <a:rPr lang="en-US" altLang="ko-KR" sz="2400" b="1" dirty="0">
+                <a:latin typeface="Noto Sans" panose="020B0502040504020204" pitchFamily="34" charset="0"/>
+                <a:ea typeface="Noto Sans" panose="020B0502040504020204" pitchFamily="34" charset="0"/>
+                <a:cs typeface="Noto Sans" panose="020B0502040504020204" pitchFamily="34" charset="0"/>
+              </a:rPr>
+              <a:t>: Phase 1</a:t>
+            </a:r>
+            <a:endParaRPr lang="ko-KR" altLang="en-US" sz="2400" b="1" dirty="0">
+              <a:latin typeface="Noto Sans" panose="020B0502040504020204" pitchFamily="34" charset="0"/>
+              <a:ea typeface="KoPubWorld돋움체 Medium" panose="00000600000000000000" pitchFamily="2" charset="-127"/>
+              <a:cs typeface="Noto Sans" panose="020B0502040504020204" pitchFamily="34" charset="0"/>
+            </a:endParaRPr>
+          </a:p>
+        </p:txBody>
+      </p:sp>
+      <p:sp>
+        <p:nvSpPr>
+          <p:cNvPr id="28" name="TextBox 27">
+            <a:extLst>
+              <a:ext uri="{FF2B5EF4-FFF2-40B4-BE49-F238E27FC236}">
+                <a16:creationId xmlns:a16="http://schemas.microsoft.com/office/drawing/2014/main" id="{70D836FD-5695-48C0-A192-0A936E619658}"/>
+              </a:ext>
+            </a:extLst>
+          </p:cNvPr>
+          <p:cNvSpPr txBox="1"/>
+          <p:nvPr/>
+        </p:nvSpPr>
+        <p:spPr>
+          <a:xfrm>
+            <a:off x="11699631" y="6410326"/>
+            <a:ext cx="432460" cy="276999"/>
+          </a:xfrm>
+          <a:prstGeom prst="rect">
+            <a:avLst/>
+          </a:prstGeom>
+          <a:noFill/>
+        </p:spPr>
+        <p:txBody>
+          <a:bodyPr wrap="square" rtlCol="0">
+            <a:spAutoFit/>
+          </a:bodyPr>
+          <a:lstStyle/>
+          <a:p>
+            <a:r>
+              <a:rPr lang="en-US" altLang="ko-KR" sz="1200" b="1" dirty="0">
+                <a:latin typeface="Noto Sans" panose="020B0502040504020204" pitchFamily="34" charset="0"/>
+                <a:cs typeface="Noto Sans" panose="020B0502040504020204" pitchFamily="34" charset="0"/>
+              </a:rPr>
+              <a:t>7</a:t>
+            </a:r>
+            <a:endParaRPr lang="ko-KR" altLang="en-US" sz="1200" b="1" dirty="0">
+              <a:latin typeface="Noto Sans" panose="020B0502040504020204" pitchFamily="34" charset="0"/>
+              <a:cs typeface="Noto Sans" panose="020B0502040504020204" pitchFamily="34" charset="0"/>
+            </a:endParaRPr>
+          </a:p>
+        </p:txBody>
+      </p:sp>
+    </p:spTree>
+    <p:extLst>
+      <p:ext uri="{BB962C8B-B14F-4D97-AF65-F5344CB8AC3E}">
+        <p14:creationId xmlns:p14="http://schemas.microsoft.com/office/powerpoint/2010/main" val="3794921449"/>
+      </p:ext>
+    </p:extLst>
+  </p:cSld>
+  <p:clrMapOvr>
+    <a:masterClrMapping/>
+  </p:clrMapOvr>
+</p:sld>
+</file>
+
+<file path=ppt/slides/slide11.xml><?xml version="1.0" encoding="utf-8"?>
+<p:sld xmlns:a="http://schemas.openxmlformats.org/drawingml/2006/main" xmlns:r="http://schemas.openxmlformats.org/officeDocument/2006/relationships" xmlns:p="http://schemas.openxmlformats.org/presentationml/2006/main">
+  <p:cSld>
+    <p:spTree>
+      <p:nvGrpSpPr>
         <p:cNvPr id="1" name="">
           <a:extLst>
             <a:ext uri="{FF2B5EF4-FFF2-40B4-BE49-F238E27FC236}">
@@ -8261,7 +11910,7 @@
 </p:sld>
 </file>
 
-<file path=ppt/slides/slide11.xml><?xml version="1.0" encoding="utf-8"?>
+<file path=ppt/slides/slide12.xml><?xml version="1.0" encoding="utf-8"?>
 <p:sld xmlns:a="http://schemas.openxmlformats.org/drawingml/2006/main" xmlns:r="http://schemas.openxmlformats.org/officeDocument/2006/relationships" xmlns:p="http://schemas.openxmlformats.org/presentationml/2006/main">
   <p:cSld>
     <p:spTree>
@@ -9608,7 +13257,7 @@
 </p:sld>
 </file>
 
-<file path=ppt/slides/slide12.xml><?xml version="1.0" encoding="utf-8"?>
+<file path=ppt/slides/slide13.xml><?xml version="1.0" encoding="utf-8"?>
 <p:sld xmlns:a="http://schemas.openxmlformats.org/drawingml/2006/main" xmlns:r="http://schemas.openxmlformats.org/officeDocument/2006/relationships" xmlns:p="http://schemas.openxmlformats.org/presentationml/2006/main">
   <p:cSld>
     <p:spTree>
@@ -11170,7 +14819,7 @@
 </p:sld>
 </file>
 
-<file path=ppt/slides/slide13.xml><?xml version="1.0" encoding="utf-8"?>
+<file path=ppt/slides/slide14.xml><?xml version="1.0" encoding="utf-8"?>
 <p:sld xmlns:a="http://schemas.openxmlformats.org/drawingml/2006/main" xmlns:r="http://schemas.openxmlformats.org/officeDocument/2006/relationships" xmlns:p="http://schemas.openxmlformats.org/presentationml/2006/main">
   <p:cSld>
     <p:spTree>
@@ -11870,7 +15519,7 @@
 </p:sld>
 </file>
 
-<file path=ppt/slides/slide14.xml><?xml version="1.0" encoding="utf-8"?>
+<file path=ppt/slides/slide15.xml><?xml version="1.0" encoding="utf-8"?>
 <p:sld xmlns:a="http://schemas.openxmlformats.org/drawingml/2006/main" xmlns:r="http://schemas.openxmlformats.org/officeDocument/2006/relationships" xmlns:p="http://schemas.openxmlformats.org/presentationml/2006/main">
   <p:cSld>
     <p:spTree>
@@ -13332,7 +16981,7 @@
 </p:sld>
 </file>
 
-<file path=ppt/slides/slide15.xml><?xml version="1.0" encoding="utf-8"?>
+<file path=ppt/slides/slide16.xml><?xml version="1.0" encoding="utf-8"?>
 <p:sld xmlns:a="http://schemas.openxmlformats.org/drawingml/2006/main" xmlns:r="http://schemas.openxmlformats.org/officeDocument/2006/relationships" xmlns:p="http://schemas.openxmlformats.org/presentationml/2006/main">
   <p:cSld>
     <p:spTree>
@@ -13847,7 +17496,7 @@
 </p:sld>
 </file>
 
-<file path=ppt/slides/slide16.xml><?xml version="1.0" encoding="utf-8"?>
+<file path=ppt/slides/slide17.xml><?xml version="1.0" encoding="utf-8"?>
 <p:sld xmlns:a="http://schemas.openxmlformats.org/drawingml/2006/main" xmlns:r="http://schemas.openxmlformats.org/officeDocument/2006/relationships" xmlns:p="http://schemas.openxmlformats.org/presentationml/2006/main">
   <p:cSld>
     <p:spTree>
@@ -15653,6 +19302,58 @@
           </a:prstGeom>
         </p:spPr>
       </p:pic>
+      <p:sp>
+        <p:nvSpPr>
+          <p:cNvPr id="2" name="직사각형 1">
+            <a:extLst>
+              <a:ext uri="{FF2B5EF4-FFF2-40B4-BE49-F238E27FC236}">
+                <a16:creationId xmlns:a16="http://schemas.microsoft.com/office/drawing/2014/main" id="{BB1D6566-7787-4542-82D3-FE01051B5169}"/>
+              </a:ext>
+            </a:extLst>
+          </p:cNvPr>
+          <p:cNvSpPr/>
+          <p:nvPr/>
+        </p:nvSpPr>
+        <p:spPr>
+          <a:xfrm>
+            <a:off x="1146113" y="3644964"/>
+            <a:ext cx="2391171" cy="2334729"/>
+          </a:xfrm>
+          <a:prstGeom prst="rect">
+            <a:avLst/>
+          </a:prstGeom>
+          <a:noFill/>
+          <a:ln w="38100">
+            <a:solidFill>
+              <a:srgbClr val="FF0000"/>
+            </a:solidFill>
+          </a:ln>
+        </p:spPr>
+        <p:style>
+          <a:lnRef idx="2">
+            <a:schemeClr val="accent1">
+              <a:shade val="50000"/>
+            </a:schemeClr>
+          </a:lnRef>
+          <a:fillRef idx="1">
+            <a:schemeClr val="accent1"/>
+          </a:fillRef>
+          <a:effectRef idx="0">
+            <a:schemeClr val="accent1"/>
+          </a:effectRef>
+          <a:fontRef idx="minor">
+            <a:schemeClr val="lt1"/>
+          </a:fontRef>
+        </p:style>
+        <p:txBody>
+          <a:bodyPr rtlCol="0" anchor="ctr"/>
+          <a:lstStyle/>
+          <a:p>
+            <a:pPr algn="ctr"/>
+            <a:endParaRPr lang="ko-KR" altLang="en-US"/>
+          </a:p>
+        </p:txBody>
+      </p:sp>
     </p:spTree>
     <p:extLst>
       <p:ext uri="{BB962C8B-B14F-4D97-AF65-F5344CB8AC3E}">
@@ -15667,6 +19368,129 @@
 </file>
 
 <file path=ppt/slides/slide5.xml><?xml version="1.0" encoding="utf-8"?>
+<p:sld xmlns:a="http://schemas.openxmlformats.org/drawingml/2006/main" xmlns:r="http://schemas.openxmlformats.org/officeDocument/2006/relationships" xmlns:p="http://schemas.openxmlformats.org/presentationml/2006/main">
+  <p:cSld>
+    <p:spTree>
+      <p:nvGrpSpPr>
+        <p:cNvPr id="1" name="">
+          <a:extLst>
+            <a:ext uri="{FF2B5EF4-FFF2-40B4-BE49-F238E27FC236}">
+              <a16:creationId xmlns:a16="http://schemas.microsoft.com/office/drawing/2014/main" id="{796036EF-877B-12D7-0786-32732F6E0303}"/>
+            </a:ext>
+          </a:extLst>
+        </p:cNvPr>
+        <p:cNvGrpSpPr/>
+        <p:nvPr/>
+      </p:nvGrpSpPr>
+      <p:grpSpPr>
+        <a:xfrm>
+          <a:off x="0" y="0"/>
+          <a:ext cx="0" cy="0"/>
+          <a:chOff x="0" y="0"/>
+          <a:chExt cx="0" cy="0"/>
+        </a:xfrm>
+      </p:grpSpPr>
+      <p:sp>
+        <p:nvSpPr>
+          <p:cNvPr id="7" name="TextBox 6">
+            <a:extLst>
+              <a:ext uri="{FF2B5EF4-FFF2-40B4-BE49-F238E27FC236}">
+                <a16:creationId xmlns:a16="http://schemas.microsoft.com/office/drawing/2014/main" id="{6B97D9BC-6B01-7848-75F6-02F0E53223CA}"/>
+              </a:ext>
+            </a:extLst>
+          </p:cNvPr>
+          <p:cNvSpPr txBox="1"/>
+          <p:nvPr/>
+        </p:nvSpPr>
+        <p:spPr>
+          <a:xfrm>
+            <a:off x="70338" y="87923"/>
+            <a:ext cx="5636495" cy="461665"/>
+          </a:xfrm>
+          <a:prstGeom prst="rect">
+            <a:avLst/>
+          </a:prstGeom>
+          <a:noFill/>
+        </p:spPr>
+        <p:txBody>
+          <a:bodyPr wrap="square" rtlCol="0">
+            <a:spAutoFit/>
+          </a:bodyPr>
+          <a:lstStyle/>
+          <a:p>
+            <a:r>
+              <a:rPr lang="ko-KR" altLang="en-US" sz="2400" b="1" dirty="0">
+                <a:latin typeface="Noto Sans" panose="020B0502040504020204" pitchFamily="34" charset="0"/>
+                <a:ea typeface="KoPubWorld돋움체 Medium" panose="00000600000000000000" pitchFamily="2" charset="-127"/>
+                <a:cs typeface="Noto Sans" panose="020B0502040504020204" pitchFamily="34" charset="0"/>
+              </a:rPr>
+              <a:t>관련 특허 </a:t>
+            </a:r>
+            <a:endParaRPr lang="ko-KR" altLang="en-US" sz="2400" dirty="0">
+              <a:latin typeface="Noto Sans" panose="020B0502040504020204" pitchFamily="34" charset="0"/>
+              <a:ea typeface="KoPubWorld돋움체 Medium" panose="00000600000000000000" pitchFamily="2" charset="-127"/>
+              <a:cs typeface="Noto Sans" panose="020B0502040504020204" pitchFamily="34" charset="0"/>
+            </a:endParaRPr>
+          </a:p>
+        </p:txBody>
+      </p:sp>
+      <p:sp>
+        <p:nvSpPr>
+          <p:cNvPr id="6" name="TextBox 5">
+            <a:extLst>
+              <a:ext uri="{FF2B5EF4-FFF2-40B4-BE49-F238E27FC236}">
+                <a16:creationId xmlns:a16="http://schemas.microsoft.com/office/drawing/2014/main" id="{01272997-001D-24BF-608B-BECE0113293B}"/>
+              </a:ext>
+            </a:extLst>
+          </p:cNvPr>
+          <p:cNvSpPr txBox="1"/>
+          <p:nvPr/>
+        </p:nvSpPr>
+        <p:spPr>
+          <a:xfrm>
+            <a:off x="11699631" y="6410326"/>
+            <a:ext cx="432460" cy="276999"/>
+          </a:xfrm>
+          <a:prstGeom prst="rect">
+            <a:avLst/>
+          </a:prstGeom>
+          <a:noFill/>
+        </p:spPr>
+        <p:txBody>
+          <a:bodyPr wrap="square" rtlCol="0">
+            <a:spAutoFit/>
+          </a:bodyPr>
+          <a:lstStyle/>
+          <a:p>
+            <a:r>
+              <a:rPr lang="en-US" altLang="ko-KR" sz="1200" b="1" dirty="0">
+                <a:latin typeface="Noto Sans" panose="020B0502040504020204" pitchFamily="34" charset="0"/>
+                <a:ea typeface="Noto Sans" panose="020B0502040504020204" pitchFamily="34" charset="0"/>
+                <a:cs typeface="Noto Sans" panose="020B0502040504020204" pitchFamily="34" charset="0"/>
+              </a:rPr>
+              <a:t>2</a:t>
+            </a:r>
+            <a:endParaRPr lang="ko-KR" altLang="en-US" sz="1200" b="1" dirty="0">
+              <a:latin typeface="Noto Sans" panose="020B0502040504020204" pitchFamily="34" charset="0"/>
+              <a:cs typeface="Noto Sans" panose="020B0502040504020204" pitchFamily="34" charset="0"/>
+            </a:endParaRPr>
+          </a:p>
+        </p:txBody>
+      </p:sp>
+    </p:spTree>
+    <p:extLst>
+      <p:ext uri="{BB962C8B-B14F-4D97-AF65-F5344CB8AC3E}">
+        <p14:creationId xmlns:p14="http://schemas.microsoft.com/office/powerpoint/2010/main" val="2425123208"/>
+      </p:ext>
+    </p:extLst>
+  </p:cSld>
+  <p:clrMapOvr>
+    <a:masterClrMapping/>
+  </p:clrMapOvr>
+</p:sld>
+</file>
+
+<file path=ppt/slides/slide6.xml><?xml version="1.0" encoding="utf-8"?>
 <p:sld xmlns:a="http://schemas.openxmlformats.org/drawingml/2006/main" xmlns:r="http://schemas.openxmlformats.org/officeDocument/2006/relationships" xmlns:p="http://schemas.openxmlformats.org/presentationml/2006/main">
   <p:cSld>
     <p:spTree>
@@ -16231,7 +20055,7 @@
 </p:sld>
 </file>
 
-<file path=ppt/slides/slide6.xml><?xml version="1.0" encoding="utf-8"?>
+<file path=ppt/slides/slide7.xml><?xml version="1.0" encoding="utf-8"?>
 <p:sld xmlns:a="http://schemas.openxmlformats.org/drawingml/2006/main" xmlns:r="http://schemas.openxmlformats.org/officeDocument/2006/relationships" xmlns:p="http://schemas.openxmlformats.org/presentationml/2006/main">
   <p:cSld>
     <p:spTree>
@@ -17245,7 +21069,7 @@
 </p:sld>
 </file>
 
-<file path=ppt/slides/slide7.xml><?xml version="1.0" encoding="utf-8"?>
+<file path=ppt/slides/slide8.xml><?xml version="1.0" encoding="utf-8"?>
 <p:sld xmlns:a="http://schemas.openxmlformats.org/drawingml/2006/main" xmlns:r="http://schemas.openxmlformats.org/officeDocument/2006/relationships" xmlns:p="http://schemas.openxmlformats.org/presentationml/2006/main">
   <p:cSld>
     <p:spTree>
@@ -18988,7 +22812,7 @@
 </p:sld>
 </file>
 
-<file path=ppt/slides/slide8.xml><?xml version="1.0" encoding="utf-8"?>
+<file path=ppt/slides/slide9.xml><?xml version="1.0" encoding="utf-8"?>
 <p:sld xmlns:a="http://schemas.openxmlformats.org/drawingml/2006/main" xmlns:r="http://schemas.openxmlformats.org/officeDocument/2006/relationships" xmlns:p="http://schemas.openxmlformats.org/presentationml/2006/main">
   <p:cSld>
     <p:spTree>
@@ -20501,2067 +24325,6 @@
     <p:extLst>
       <p:ext uri="{BB962C8B-B14F-4D97-AF65-F5344CB8AC3E}">
         <p14:creationId xmlns:p14="http://schemas.microsoft.com/office/powerpoint/2010/main" val="653898797"/>
-      </p:ext>
-    </p:extLst>
-  </p:cSld>
-  <p:clrMapOvr>
-    <a:masterClrMapping/>
-  </p:clrMapOvr>
-</p:sld>
-</file>
-
-<file path=ppt/slides/slide9.xml><?xml version="1.0" encoding="utf-8"?>
-<p:sld xmlns:a="http://schemas.openxmlformats.org/drawingml/2006/main" xmlns:r="http://schemas.openxmlformats.org/officeDocument/2006/relationships" xmlns:p="http://schemas.openxmlformats.org/presentationml/2006/main">
-  <p:cSld>
-    <p:spTree>
-      <p:nvGrpSpPr>
-        <p:cNvPr id="1" name=""/>
-        <p:cNvGrpSpPr/>
-        <p:nvPr/>
-      </p:nvGrpSpPr>
-      <p:grpSpPr>
-        <a:xfrm>
-          <a:off x="0" y="0"/>
-          <a:ext cx="0" cy="0"/>
-          <a:chOff x="0" y="0"/>
-          <a:chExt cx="0" cy="0"/>
-        </a:xfrm>
-      </p:grpSpPr>
-      <p:graphicFrame>
-        <p:nvGraphicFramePr>
-          <p:cNvPr id="4" name="표 3">
-            <a:extLst>
-              <a:ext uri="{FF2B5EF4-FFF2-40B4-BE49-F238E27FC236}">
-                <a16:creationId xmlns:a16="http://schemas.microsoft.com/office/drawing/2014/main" id="{D047BDBD-7379-497E-A05B-E9D6B7CC756C}"/>
-              </a:ext>
-            </a:extLst>
-          </p:cNvPr>
-          <p:cNvGraphicFramePr>
-            <a:graphicFrameLocks noGrp="1"/>
-          </p:cNvGraphicFramePr>
-          <p:nvPr>
-            <p:extLst>
-              <p:ext uri="{D42A27DB-BD31-4B8C-83A1-F6EECF244321}">
-                <p14:modId xmlns:p14="http://schemas.microsoft.com/office/powerpoint/2010/main" val="546726802"/>
-              </p:ext>
-            </p:extLst>
-          </p:nvPr>
-        </p:nvGraphicFramePr>
-        <p:xfrm>
-          <a:off x="46844" y="4627998"/>
-          <a:ext cx="7056633" cy="779760"/>
-        </p:xfrm>
-        <a:graphic>
-          <a:graphicData uri="http://schemas.openxmlformats.org/drawingml/2006/table">
-            <a:tbl>
-              <a:tblPr firstRow="1" bandRow="1">
-                <a:tableStyleId>{5C22544A-7EE6-4342-B048-85BDC9FD1C3A}</a:tableStyleId>
-              </a:tblPr>
-              <a:tblGrid>
-                <a:gridCol w="838981">
-                  <a:extLst>
-                    <a:ext uri="{9D8B030D-6E8A-4147-A177-3AD203B41FA5}">
-                      <a16:colId xmlns:a16="http://schemas.microsoft.com/office/drawing/2014/main" val="1963920097"/>
-                    </a:ext>
-                  </a:extLst>
-                </a:gridCol>
-                <a:gridCol w="1810542">
-                  <a:extLst>
-                    <a:ext uri="{9D8B030D-6E8A-4147-A177-3AD203B41FA5}">
-                      <a16:colId xmlns:a16="http://schemas.microsoft.com/office/drawing/2014/main" val="888795744"/>
-                    </a:ext>
-                  </a:extLst>
-                </a:gridCol>
-                <a:gridCol w="1942308">
-                  <a:extLst>
-                    <a:ext uri="{9D8B030D-6E8A-4147-A177-3AD203B41FA5}">
-                      <a16:colId xmlns:a16="http://schemas.microsoft.com/office/drawing/2014/main" val="949320744"/>
-                    </a:ext>
-                  </a:extLst>
-                </a:gridCol>
-                <a:gridCol w="2464802">
-                  <a:extLst>
-                    <a:ext uri="{9D8B030D-6E8A-4147-A177-3AD203B41FA5}">
-                      <a16:colId xmlns:a16="http://schemas.microsoft.com/office/drawing/2014/main" val="643325331"/>
-                    </a:ext>
-                  </a:extLst>
-                </a:gridCol>
-              </a:tblGrid>
-              <a:tr h="322560">
-                <a:tc>
-                  <a:txBody>
-                    <a:bodyPr/>
-                    <a:lstStyle/>
-                    <a:p>
-                      <a:pPr latinLnBrk="1"/>
-                      <a:r>
-                        <a:rPr lang="ko-KR" altLang="en-US" sz="800" dirty="0">
-                          <a:solidFill>
-                            <a:schemeClr val="tx1"/>
-                          </a:solidFill>
-                        </a:rPr>
-                        <a:t>종목</a:t>
-                      </a:r>
-                    </a:p>
-                  </a:txBody>
-                  <a:tcPr anchor="ctr">
-                    <a:solidFill>
-                      <a:schemeClr val="tx2">
-                        <a:lumMod val="40000"/>
-                        <a:lumOff val="60000"/>
-                      </a:schemeClr>
-                    </a:solidFill>
-                  </a:tcPr>
-                </a:tc>
-                <a:tc>
-                  <a:txBody>
-                    <a:bodyPr/>
-                    <a:lstStyle/>
-                    <a:p>
-                      <a:pPr latinLnBrk="1"/>
-                      <a:r>
-                        <a:rPr lang="en-US" altLang="ko-KR" sz="800" b="1" dirty="0">
-                          <a:solidFill>
-                            <a:schemeClr val="tx1"/>
-                          </a:solidFill>
-                        </a:rPr>
-                        <a:t>SQL</a:t>
-                      </a:r>
-                      <a:r>
-                        <a:rPr lang="ko-KR" altLang="en-US" sz="800" b="1" dirty="0">
-                          <a:solidFill>
-                            <a:schemeClr val="tx1"/>
-                          </a:solidFill>
-                        </a:rPr>
-                        <a:t> 쿼리</a:t>
-                      </a:r>
-                    </a:p>
-                  </a:txBody>
-                  <a:tcPr anchor="ctr">
-                    <a:solidFill>
-                      <a:schemeClr val="tx2">
-                        <a:lumMod val="40000"/>
-                        <a:lumOff val="60000"/>
-                      </a:schemeClr>
-                    </a:solidFill>
-                  </a:tcPr>
-                </a:tc>
-                <a:tc>
-                  <a:txBody>
-                    <a:bodyPr/>
-                    <a:lstStyle/>
-                    <a:p>
-                      <a:pPr latinLnBrk="1"/>
-                      <a:r>
-                        <a:rPr lang="ko-KR" altLang="en-US" sz="800" dirty="0">
-                          <a:solidFill>
-                            <a:schemeClr val="tx1"/>
-                          </a:solidFill>
-                        </a:rPr>
-                        <a:t>표준 질의문장</a:t>
-                      </a:r>
-                    </a:p>
-                  </a:txBody>
-                  <a:tcPr anchor="ctr">
-                    <a:solidFill>
-                      <a:schemeClr val="tx2">
-                        <a:lumMod val="40000"/>
-                        <a:lumOff val="60000"/>
-                      </a:schemeClr>
-                    </a:solidFill>
-                  </a:tcPr>
-                </a:tc>
-                <a:tc>
-                  <a:txBody>
-                    <a:bodyPr/>
-                    <a:lstStyle/>
-                    <a:p>
-                      <a:pPr latinLnBrk="1"/>
-                      <a:r>
-                        <a:rPr lang="en-US" altLang="ko-KR" sz="800" dirty="0">
-                          <a:solidFill>
-                            <a:schemeClr val="tx1"/>
-                          </a:solidFill>
-                        </a:rPr>
-                        <a:t>Description</a:t>
-                      </a:r>
-                      <a:endParaRPr lang="ko-KR" altLang="en-US" sz="800" dirty="0">
-                        <a:solidFill>
-                          <a:schemeClr val="tx1"/>
-                        </a:solidFill>
-                      </a:endParaRPr>
-                    </a:p>
-                  </a:txBody>
-                  <a:tcPr anchor="ctr">
-                    <a:solidFill>
-                      <a:schemeClr val="tx2">
-                        <a:lumMod val="40000"/>
-                        <a:lumOff val="60000"/>
-                      </a:schemeClr>
-                    </a:solidFill>
-                  </a:tcPr>
-                </a:tc>
-                <a:extLst>
-                  <a:ext uri="{0D108BD9-81ED-4DB2-BD59-A6C34878D82A}">
-                    <a16:rowId xmlns:a16="http://schemas.microsoft.com/office/drawing/2014/main" val="2728646183"/>
-                  </a:ext>
-                </a:extLst>
-              </a:tr>
-              <a:tr h="195413">
-                <a:tc>
-                  <a:txBody>
-                    <a:bodyPr/>
-                    <a:lstStyle/>
-                    <a:p>
-                      <a:pPr latinLnBrk="1"/>
-                      <a:r>
-                        <a:rPr lang="ko-KR" altLang="en-US" sz="800" dirty="0"/>
-                        <a:t>화학물질번호</a:t>
-                      </a:r>
-                    </a:p>
-                  </a:txBody>
-                  <a:tcPr anchor="ctr">
-                    <a:solidFill>
-                      <a:schemeClr val="tx2">
-                        <a:lumMod val="40000"/>
-                        <a:lumOff val="60000"/>
-                      </a:schemeClr>
-                    </a:solidFill>
-                  </a:tcPr>
-                </a:tc>
-                <a:tc>
-                  <a:txBody>
-                    <a:bodyPr/>
-                    <a:lstStyle/>
-                    <a:p>
-                      <a:pPr latinLnBrk="1"/>
-                      <a:r>
-                        <a:rPr lang="en-US" altLang="ko-KR" sz="800" dirty="0"/>
-                        <a:t>SELECT * FROM item</a:t>
-                      </a:r>
-                      <a:endParaRPr lang="ko-KR" altLang="en-US" sz="800" dirty="0"/>
-                    </a:p>
-                    <a:p>
-                      <a:pPr latinLnBrk="1"/>
-                      <a:r>
-                        <a:rPr lang="en-US" altLang="ko-KR" sz="800" dirty="0"/>
-                        <a:t>WHERE </a:t>
-                      </a:r>
-                      <a:r>
-                        <a:rPr lang="ko-KR" altLang="en-US" sz="800" dirty="0"/>
-                        <a:t>화학물질번호 </a:t>
-                      </a:r>
-                      <a:r>
-                        <a:rPr lang="en-US" altLang="ko-KR" sz="800" dirty="0"/>
-                        <a:t>LIKE ‘%71%’ </a:t>
-                      </a:r>
-                    </a:p>
-                    <a:p>
-                      <a:pPr latinLnBrk="1"/>
-                      <a:r>
-                        <a:rPr lang="en-US" altLang="ko-KR" sz="800" dirty="0"/>
-                        <a:t>ORDER BY </a:t>
-                      </a:r>
-                      <a:r>
-                        <a:rPr lang="ko-KR" altLang="en-US" sz="800" dirty="0"/>
-                        <a:t>등록일자 </a:t>
-                      </a:r>
-                      <a:r>
-                        <a:rPr lang="en-US" altLang="ko-KR" sz="800" dirty="0"/>
-                        <a:t>ASC;</a:t>
-                      </a:r>
-                    </a:p>
-                  </a:txBody>
-                  <a:tcPr anchor="ctr">
-                    <a:solidFill>
-                      <a:schemeClr val="tx2">
-                        <a:lumMod val="40000"/>
-                        <a:lumOff val="60000"/>
-                      </a:schemeClr>
-                    </a:solidFill>
-                  </a:tcPr>
-                </a:tc>
-                <a:tc>
-                  <a:txBody>
-                    <a:bodyPr/>
-                    <a:lstStyle/>
-                    <a:p>
-                      <a:pPr latinLnBrk="1"/>
-                      <a:r>
-                        <a:rPr lang="en-US" altLang="ko-KR" sz="800" dirty="0"/>
-                        <a:t>“item </a:t>
-                      </a:r>
-                      <a:r>
-                        <a:rPr lang="ko-KR" altLang="en-US" sz="800" dirty="0"/>
-                        <a:t>테이블에서 숫자 </a:t>
-                      </a:r>
-                      <a:r>
-                        <a:rPr lang="en-US" altLang="ko-KR" sz="800" dirty="0"/>
-                        <a:t>71</a:t>
-                      </a:r>
-                      <a:r>
-                        <a:rPr lang="ko-KR" altLang="en-US" sz="800" dirty="0"/>
-                        <a:t>이 포함되어 있는 화학물질을 등록일자 기준 오름차순으로 정렬해서 보여줘</a:t>
-                      </a:r>
-                      <a:r>
-                        <a:rPr lang="en-US" altLang="ko-KR" sz="800" dirty="0"/>
-                        <a:t>"</a:t>
-                      </a:r>
-                      <a:endParaRPr lang="ko-KR" altLang="en-US" sz="800" dirty="0"/>
-                    </a:p>
-                  </a:txBody>
-                  <a:tcPr anchor="ctr">
-                    <a:solidFill>
-                      <a:schemeClr val="tx2">
-                        <a:lumMod val="40000"/>
-                        <a:lumOff val="60000"/>
-                      </a:schemeClr>
-                    </a:solidFill>
-                  </a:tcPr>
-                </a:tc>
-                <a:tc>
-                  <a:txBody>
-                    <a:bodyPr/>
-                    <a:lstStyle/>
-                    <a:p>
-                      <a:pPr latinLnBrk="1"/>
-                      <a:r>
-                        <a:rPr lang="ko-KR" altLang="en-US" sz="800" dirty="0"/>
-                        <a:t>화학적 동질성을 갖는 물질에 대하여 미국 </a:t>
-                      </a:r>
-                      <a:r>
-                        <a:rPr lang="ko-KR" altLang="en-US" sz="800" dirty="0" err="1"/>
-                        <a:t>화학회</a:t>
-                      </a:r>
-                      <a:r>
-                        <a:rPr lang="en-US" altLang="ko-KR" sz="800" dirty="0"/>
-                        <a:t>(</a:t>
-                      </a:r>
-                      <a:r>
-                        <a:rPr lang="ko-KR" altLang="en-US" sz="800" dirty="0"/>
-                        <a:t>化學會</a:t>
-                      </a:r>
-                      <a:r>
-                        <a:rPr lang="en-US" altLang="ko-KR" sz="800" dirty="0"/>
-                        <a:t>)</a:t>
-                      </a:r>
-                      <a:r>
-                        <a:rPr lang="ko-KR" altLang="en-US" sz="800" dirty="0"/>
-                        <a:t>에서 부여한 고유 번호</a:t>
-                      </a:r>
-                    </a:p>
-                  </a:txBody>
-                  <a:tcPr anchor="ctr">
-                    <a:solidFill>
-                      <a:schemeClr val="tx2">
-                        <a:lumMod val="40000"/>
-                        <a:lumOff val="60000"/>
-                      </a:schemeClr>
-                    </a:solidFill>
-                  </a:tcPr>
-                </a:tc>
-                <a:extLst>
-                  <a:ext uri="{0D108BD9-81ED-4DB2-BD59-A6C34878D82A}">
-                    <a16:rowId xmlns:a16="http://schemas.microsoft.com/office/drawing/2014/main" val="2443107102"/>
-                  </a:ext>
-                </a:extLst>
-              </a:tr>
-            </a:tbl>
-          </a:graphicData>
-        </a:graphic>
-      </p:graphicFrame>
-      <p:sp>
-        <p:nvSpPr>
-          <p:cNvPr id="7" name="TextBox 6">
-            <a:extLst>
-              <a:ext uri="{FF2B5EF4-FFF2-40B4-BE49-F238E27FC236}">
-                <a16:creationId xmlns:a16="http://schemas.microsoft.com/office/drawing/2014/main" id="{67EE16C4-4D99-4F56-AFCF-6BBEE3FCED60}"/>
-              </a:ext>
-            </a:extLst>
-          </p:cNvPr>
-          <p:cNvSpPr txBox="1"/>
-          <p:nvPr/>
-        </p:nvSpPr>
-        <p:spPr>
-          <a:xfrm>
-            <a:off x="0" y="4303448"/>
-            <a:ext cx="2752677" cy="276999"/>
-          </a:xfrm>
-          <a:prstGeom prst="rect">
-            <a:avLst/>
-          </a:prstGeom>
-          <a:noFill/>
-        </p:spPr>
-        <p:txBody>
-          <a:bodyPr wrap="none" rtlCol="0">
-            <a:spAutoFit/>
-          </a:bodyPr>
-          <a:lstStyle/>
-          <a:p>
-            <a:r>
-              <a:rPr lang="ko-KR" altLang="en-US" sz="1200" b="1" dirty="0">
-                <a:latin typeface="Noto Sans" panose="020B0502040504020204" pitchFamily="34" charset="0"/>
-                <a:cs typeface="Noto Sans" panose="020B0502040504020204" pitchFamily="34" charset="0"/>
-              </a:rPr>
-              <a:t>표준 질의문장 </a:t>
-            </a:r>
-            <a:r>
-              <a:rPr lang="en-US" altLang="ko-KR" sz="1200" b="1" dirty="0">
-                <a:latin typeface="Noto Sans" panose="020B0502040504020204" pitchFamily="34" charset="0"/>
-                <a:ea typeface="Noto Sans" panose="020B0502040504020204" pitchFamily="34" charset="0"/>
-                <a:cs typeface="Noto Sans" panose="020B0502040504020204" pitchFamily="34" charset="0"/>
-              </a:rPr>
-              <a:t>- SQL</a:t>
-            </a:r>
-            <a:r>
-              <a:rPr lang="ko-KR" altLang="en-US" sz="1200" b="1" dirty="0">
-                <a:latin typeface="Noto Sans" panose="020B0502040504020204" pitchFamily="34" charset="0"/>
-                <a:cs typeface="Noto Sans" panose="020B0502040504020204" pitchFamily="34" charset="0"/>
-              </a:rPr>
-              <a:t>쿼리 쌍</a:t>
-            </a:r>
-            <a:r>
-              <a:rPr lang="ko-KR" altLang="en-US" sz="1200" dirty="0">
-                <a:latin typeface="Noto Sans" panose="020B0502040504020204" pitchFamily="34" charset="0"/>
-                <a:cs typeface="Noto Sans" panose="020B0502040504020204" pitchFamily="34" charset="0"/>
-              </a:rPr>
-              <a:t> 데이터셋</a:t>
-            </a:r>
-          </a:p>
-        </p:txBody>
-      </p:sp>
-      <p:sp>
-        <p:nvSpPr>
-          <p:cNvPr id="8" name="순서도: 문서 7">
-            <a:extLst>
-              <a:ext uri="{FF2B5EF4-FFF2-40B4-BE49-F238E27FC236}">
-                <a16:creationId xmlns:a16="http://schemas.microsoft.com/office/drawing/2014/main" id="{4412DC0E-723D-472F-8A71-C95DCC88A890}"/>
-              </a:ext>
-            </a:extLst>
-          </p:cNvPr>
-          <p:cNvSpPr/>
-          <p:nvPr/>
-        </p:nvSpPr>
-        <p:spPr>
-          <a:xfrm>
-            <a:off x="894569" y="2849562"/>
-            <a:ext cx="2070913" cy="888603"/>
-          </a:xfrm>
-          <a:prstGeom prst="flowChartDocument">
-            <a:avLst/>
-          </a:prstGeom>
-          <a:solidFill>
-            <a:schemeClr val="bg1"/>
-          </a:solidFill>
-          <a:effectLst>
-            <a:outerShdw blurRad="127000" dist="50800" dir="5400000" algn="ctr" rotWithShape="0">
-              <a:srgbClr val="000000">
-                <a:alpha val="50000"/>
-              </a:srgbClr>
-            </a:outerShdw>
-          </a:effectLst>
-        </p:spPr>
-        <p:style>
-          <a:lnRef idx="2">
-            <a:schemeClr val="accent1">
-              <a:shade val="15000"/>
-            </a:schemeClr>
-          </a:lnRef>
-          <a:fillRef idx="1">
-            <a:schemeClr val="accent1"/>
-          </a:fillRef>
-          <a:effectRef idx="0">
-            <a:schemeClr val="accent1"/>
-          </a:effectRef>
-          <a:fontRef idx="minor">
-            <a:schemeClr val="lt1"/>
-          </a:fontRef>
-        </p:style>
-        <p:txBody>
-          <a:bodyPr rtlCol="0" anchor="ctr"/>
-          <a:lstStyle/>
-          <a:p>
-            <a:pPr algn="ctr"/>
-            <a:r>
-              <a:rPr lang="ko-KR" altLang="en-US" sz="1300" dirty="0">
-                <a:solidFill>
-                  <a:schemeClr val="tx1"/>
-                </a:solidFill>
-                <a:latin typeface="Noto Sans" panose="020B0502040504020204" pitchFamily="34" charset="0"/>
-                <a:cs typeface="Noto Sans" panose="020B0502040504020204" pitchFamily="34" charset="0"/>
-              </a:rPr>
-              <a:t>표준 질의문장의 </a:t>
-            </a:r>
-            <a:r>
-              <a:rPr lang="en-US" altLang="ko-KR" sz="1300" dirty="0">
-                <a:solidFill>
-                  <a:schemeClr val="tx1"/>
-                </a:solidFill>
-                <a:latin typeface="Noto Sans" panose="020B0502040504020204" pitchFamily="34" charset="0"/>
-                <a:ea typeface="Noto Sans" panose="020B0502040504020204" pitchFamily="34" charset="0"/>
-                <a:cs typeface="Noto Sans" panose="020B0502040504020204" pitchFamily="34" charset="0"/>
-              </a:rPr>
-              <a:t>SQL</a:t>
-            </a:r>
-            <a:r>
-              <a:rPr lang="ko-KR" altLang="en-US" sz="1300" dirty="0">
-                <a:solidFill>
-                  <a:schemeClr val="tx1"/>
-                </a:solidFill>
-                <a:latin typeface="Noto Sans" panose="020B0502040504020204" pitchFamily="34" charset="0"/>
-                <a:cs typeface="Noto Sans" panose="020B0502040504020204" pitchFamily="34" charset="0"/>
-              </a:rPr>
-              <a:t>쿼리</a:t>
-            </a:r>
-          </a:p>
-        </p:txBody>
-      </p:sp>
-      <p:cxnSp>
-        <p:nvCxnSpPr>
-          <p:cNvPr id="9" name="직선 화살표 연결선 8">
-            <a:extLst>
-              <a:ext uri="{FF2B5EF4-FFF2-40B4-BE49-F238E27FC236}">
-                <a16:creationId xmlns:a16="http://schemas.microsoft.com/office/drawing/2014/main" id="{90A68A26-9902-46B4-A29C-B606514E5D0C}"/>
-              </a:ext>
-            </a:extLst>
-          </p:cNvPr>
-          <p:cNvCxnSpPr>
-            <a:cxnSpLocks/>
-          </p:cNvCxnSpPr>
-          <p:nvPr/>
-        </p:nvCxnSpPr>
-        <p:spPr>
-          <a:xfrm flipV="1">
-            <a:off x="3557476" y="3126727"/>
-            <a:ext cx="881174" cy="5054"/>
-          </a:xfrm>
-          <a:prstGeom prst="straightConnector1">
-            <a:avLst/>
-          </a:prstGeom>
-          <a:ln>
-            <a:tailEnd type="triangle"/>
-          </a:ln>
-        </p:spPr>
-        <p:style>
-          <a:lnRef idx="1">
-            <a:schemeClr val="dk1"/>
-          </a:lnRef>
-          <a:fillRef idx="0">
-            <a:schemeClr val="dk1"/>
-          </a:fillRef>
-          <a:effectRef idx="0">
-            <a:schemeClr val="dk1"/>
-          </a:effectRef>
-          <a:fontRef idx="minor">
-            <a:schemeClr val="tx1"/>
-          </a:fontRef>
-        </p:style>
-      </p:cxnSp>
-      <p:sp>
-        <p:nvSpPr>
-          <p:cNvPr id="10" name="순서도: 자기 디스크 9">
-            <a:extLst>
-              <a:ext uri="{FF2B5EF4-FFF2-40B4-BE49-F238E27FC236}">
-                <a16:creationId xmlns:a16="http://schemas.microsoft.com/office/drawing/2014/main" id="{BD193AD2-2B90-4888-A666-680B41E0DF41}"/>
-              </a:ext>
-            </a:extLst>
-          </p:cNvPr>
-          <p:cNvSpPr/>
-          <p:nvPr/>
-        </p:nvSpPr>
-        <p:spPr>
-          <a:xfrm>
-            <a:off x="5294714" y="1093653"/>
-            <a:ext cx="1591112" cy="888603"/>
-          </a:xfrm>
-          <a:prstGeom prst="flowChartMagneticDisk">
-            <a:avLst/>
-          </a:prstGeom>
-          <a:noFill/>
-          <a:effectLst>
-            <a:outerShdw blurRad="1270000" dist="50800" dir="5400000" algn="ctr" rotWithShape="0">
-              <a:srgbClr val="000000">
-                <a:alpha val="43137"/>
-              </a:srgbClr>
-            </a:outerShdw>
-          </a:effectLst>
-        </p:spPr>
-        <p:style>
-          <a:lnRef idx="2">
-            <a:schemeClr val="accent1">
-              <a:shade val="15000"/>
-            </a:schemeClr>
-          </a:lnRef>
-          <a:fillRef idx="1">
-            <a:schemeClr val="accent1"/>
-          </a:fillRef>
-          <a:effectRef idx="0">
-            <a:schemeClr val="accent1"/>
-          </a:effectRef>
-          <a:fontRef idx="minor">
-            <a:schemeClr val="lt1"/>
-          </a:fontRef>
-        </p:style>
-        <p:txBody>
-          <a:bodyPr rtlCol="0" anchor="ctr"/>
-          <a:lstStyle/>
-          <a:p>
-            <a:pPr algn="ctr"/>
-            <a:r>
-              <a:rPr lang="en-US" altLang="ko-KR" i="1" dirty="0">
-                <a:solidFill>
-                  <a:schemeClr val="tx1"/>
-                </a:solidFill>
-                <a:latin typeface="Noto Sans" panose="020B0502040504020204" pitchFamily="34" charset="0"/>
-                <a:ea typeface="Noto Sans" panose="020B0502040504020204" pitchFamily="34" charset="0"/>
-                <a:cs typeface="Noto Sans" panose="020B0502040504020204" pitchFamily="34" charset="0"/>
-              </a:rPr>
-              <a:t>RAG</a:t>
-            </a:r>
-            <a:endParaRPr lang="ko-KR" altLang="en-US" i="1" dirty="0">
-              <a:solidFill>
-                <a:schemeClr val="tx1"/>
-              </a:solidFill>
-              <a:latin typeface="Noto Sans" panose="020B0502040504020204" pitchFamily="34" charset="0"/>
-              <a:cs typeface="Noto Sans" panose="020B0502040504020204" pitchFamily="34" charset="0"/>
-            </a:endParaRPr>
-          </a:p>
-        </p:txBody>
-      </p:sp>
-      <p:sp>
-        <p:nvSpPr>
-          <p:cNvPr id="11" name="TextBox 10">
-            <a:extLst>
-              <a:ext uri="{FF2B5EF4-FFF2-40B4-BE49-F238E27FC236}">
-                <a16:creationId xmlns:a16="http://schemas.microsoft.com/office/drawing/2014/main" id="{B7FF14C9-37B7-4ADC-AF95-BCBCDB2FD062}"/>
-              </a:ext>
-            </a:extLst>
-          </p:cNvPr>
-          <p:cNvSpPr txBox="1"/>
-          <p:nvPr/>
-        </p:nvSpPr>
-        <p:spPr>
-          <a:xfrm>
-            <a:off x="4694300" y="823656"/>
-            <a:ext cx="2791939" cy="246221"/>
-          </a:xfrm>
-          <a:prstGeom prst="rect">
-            <a:avLst/>
-          </a:prstGeom>
-          <a:noFill/>
-        </p:spPr>
-        <p:txBody>
-          <a:bodyPr wrap="square" rtlCol="0">
-            <a:spAutoFit/>
-          </a:bodyPr>
-          <a:lstStyle/>
-          <a:p>
-            <a:r>
-              <a:rPr lang="ko-KR" altLang="en-US" sz="1000" dirty="0">
-                <a:latin typeface="Noto Sans" panose="020B0502040504020204" pitchFamily="34" charset="0"/>
-                <a:cs typeface="Noto Sans" panose="020B0502040504020204" pitchFamily="34" charset="0"/>
-              </a:rPr>
-              <a:t>표준 질의문장 데이터셋의 </a:t>
-            </a:r>
-            <a:r>
-              <a:rPr lang="en-US" altLang="ko-KR" sz="1000" dirty="0">
-                <a:latin typeface="Noto Sans" panose="020B0502040504020204" pitchFamily="34" charset="0"/>
-                <a:ea typeface="Noto Sans" panose="020B0502040504020204" pitchFamily="34" charset="0"/>
-                <a:cs typeface="Noto Sans" panose="020B0502040504020204" pitchFamily="34" charset="0"/>
-              </a:rPr>
-              <a:t>Description</a:t>
-            </a:r>
-            <a:r>
-              <a:rPr lang="ko-KR" altLang="en-US" sz="1000" dirty="0">
-                <a:latin typeface="Noto Sans" panose="020B0502040504020204" pitchFamily="34" charset="0"/>
-                <a:cs typeface="Noto Sans" panose="020B0502040504020204" pitchFamily="34" charset="0"/>
-              </a:rPr>
-              <a:t>을 참조</a:t>
-            </a:r>
-          </a:p>
-        </p:txBody>
-      </p:sp>
-      <p:sp>
-        <p:nvSpPr>
-          <p:cNvPr id="12" name="직사각형 11">
-            <a:extLst>
-              <a:ext uri="{FF2B5EF4-FFF2-40B4-BE49-F238E27FC236}">
-                <a16:creationId xmlns:a16="http://schemas.microsoft.com/office/drawing/2014/main" id="{1DB9DE8D-5140-44F3-A7AF-F07EE07257F1}"/>
-              </a:ext>
-            </a:extLst>
-          </p:cNvPr>
-          <p:cNvSpPr/>
-          <p:nvPr/>
-        </p:nvSpPr>
-        <p:spPr>
-          <a:xfrm>
-            <a:off x="5029846" y="2837091"/>
-            <a:ext cx="2132307" cy="888603"/>
-          </a:xfrm>
-          <a:prstGeom prst="rect">
-            <a:avLst/>
-          </a:prstGeom>
-          <a:noFill/>
-          <a:effectLst>
-            <a:outerShdw blurRad="1270000" dist="50800" dir="5400000" algn="ctr" rotWithShape="0">
-              <a:srgbClr val="000000">
-                <a:alpha val="43137"/>
-              </a:srgbClr>
-            </a:outerShdw>
-          </a:effectLst>
-        </p:spPr>
-        <p:style>
-          <a:lnRef idx="2">
-            <a:schemeClr val="accent1">
-              <a:shade val="15000"/>
-            </a:schemeClr>
-          </a:lnRef>
-          <a:fillRef idx="1">
-            <a:schemeClr val="accent1"/>
-          </a:fillRef>
-          <a:effectRef idx="0">
-            <a:schemeClr val="accent1"/>
-          </a:effectRef>
-          <a:fontRef idx="minor">
-            <a:schemeClr val="lt1"/>
-          </a:fontRef>
-        </p:style>
-        <p:txBody>
-          <a:bodyPr rtlCol="0" anchor="ctr"/>
-          <a:lstStyle/>
-          <a:p>
-            <a:pPr algn="ctr"/>
-            <a:r>
-              <a:rPr lang="en-US" altLang="ko-KR" sz="1500" dirty="0">
-                <a:solidFill>
-                  <a:schemeClr val="tx1"/>
-                </a:solidFill>
-                <a:latin typeface="Noto Sans" panose="020B0502040504020204" pitchFamily="34" charset="0"/>
-                <a:ea typeface="Noto Sans" panose="020B0502040504020204" pitchFamily="34" charset="0"/>
-                <a:cs typeface="Noto Sans" panose="020B0502040504020204" pitchFamily="34" charset="0"/>
-              </a:rPr>
-              <a:t>SQL2TEXT</a:t>
-            </a:r>
-            <a:endParaRPr lang="ko-KR" altLang="en-US" sz="1500" dirty="0">
-              <a:solidFill>
-                <a:schemeClr val="tx1"/>
-              </a:solidFill>
-              <a:latin typeface="Noto Sans" panose="020B0502040504020204" pitchFamily="34" charset="0"/>
-              <a:cs typeface="Noto Sans" panose="020B0502040504020204" pitchFamily="34" charset="0"/>
-            </a:endParaRPr>
-          </a:p>
-        </p:txBody>
-      </p:sp>
-      <p:cxnSp>
-        <p:nvCxnSpPr>
-          <p:cNvPr id="13" name="직선 화살표 연결선 12">
-            <a:extLst>
-              <a:ext uri="{FF2B5EF4-FFF2-40B4-BE49-F238E27FC236}">
-                <a16:creationId xmlns:a16="http://schemas.microsoft.com/office/drawing/2014/main" id="{43EDA158-2F92-4CBD-B512-DDFEF6FF61FB}"/>
-              </a:ext>
-            </a:extLst>
-          </p:cNvPr>
-          <p:cNvCxnSpPr>
-            <a:cxnSpLocks/>
-          </p:cNvCxnSpPr>
-          <p:nvPr/>
-        </p:nvCxnSpPr>
-        <p:spPr>
-          <a:xfrm>
-            <a:off x="6090270" y="2085975"/>
-            <a:ext cx="0" cy="347548"/>
-          </a:xfrm>
-          <a:prstGeom prst="straightConnector1">
-            <a:avLst/>
-          </a:prstGeom>
-          <a:ln>
-            <a:tailEnd type="triangle"/>
-          </a:ln>
-        </p:spPr>
-        <p:style>
-          <a:lnRef idx="1">
-            <a:schemeClr val="dk1"/>
-          </a:lnRef>
-          <a:fillRef idx="0">
-            <a:schemeClr val="dk1"/>
-          </a:fillRef>
-          <a:effectRef idx="0">
-            <a:schemeClr val="dk1"/>
-          </a:effectRef>
-          <a:fontRef idx="minor">
-            <a:schemeClr val="tx1"/>
-          </a:fontRef>
-        </p:style>
-      </p:cxnSp>
-      <p:cxnSp>
-        <p:nvCxnSpPr>
-          <p:cNvPr id="19" name="직선 화살표 연결선 18">
-            <a:extLst>
-              <a:ext uri="{FF2B5EF4-FFF2-40B4-BE49-F238E27FC236}">
-                <a16:creationId xmlns:a16="http://schemas.microsoft.com/office/drawing/2014/main" id="{A8C6FDB0-D56B-41B4-B240-12AB6B8A9734}"/>
-              </a:ext>
-            </a:extLst>
-          </p:cNvPr>
-          <p:cNvCxnSpPr/>
-          <p:nvPr/>
-        </p:nvCxnSpPr>
-        <p:spPr>
-          <a:xfrm>
-            <a:off x="7683260" y="3131781"/>
-            <a:ext cx="647700" cy="0"/>
-          </a:xfrm>
-          <a:prstGeom prst="straightConnector1">
-            <a:avLst/>
-          </a:prstGeom>
-          <a:ln>
-            <a:tailEnd type="triangle"/>
-          </a:ln>
-        </p:spPr>
-        <p:style>
-          <a:lnRef idx="1">
-            <a:schemeClr val="dk1"/>
-          </a:lnRef>
-          <a:fillRef idx="0">
-            <a:schemeClr val="dk1"/>
-          </a:fillRef>
-          <a:effectRef idx="0">
-            <a:schemeClr val="dk1"/>
-          </a:effectRef>
-          <a:fontRef idx="minor">
-            <a:schemeClr val="tx1"/>
-          </a:fontRef>
-        </p:style>
-      </p:cxnSp>
-      <p:sp>
-        <p:nvSpPr>
-          <p:cNvPr id="20" name="순서도: 문서 19">
-            <a:extLst>
-              <a:ext uri="{FF2B5EF4-FFF2-40B4-BE49-F238E27FC236}">
-                <a16:creationId xmlns:a16="http://schemas.microsoft.com/office/drawing/2014/main" id="{50A26ACB-09CA-41C6-A971-86190DEFAA2D}"/>
-              </a:ext>
-            </a:extLst>
-          </p:cNvPr>
-          <p:cNvSpPr/>
-          <p:nvPr/>
-        </p:nvSpPr>
-        <p:spPr>
-          <a:xfrm>
-            <a:off x="9415279" y="2396932"/>
-            <a:ext cx="2138913" cy="888602"/>
-          </a:xfrm>
-          <a:prstGeom prst="flowChartDocument">
-            <a:avLst/>
-          </a:prstGeom>
-          <a:solidFill>
-            <a:schemeClr val="bg1"/>
-          </a:solidFill>
-          <a:effectLst>
-            <a:outerShdw blurRad="127000" dist="50800" dir="5400000" algn="ctr" rotWithShape="0">
-              <a:srgbClr val="000000">
-                <a:alpha val="50000"/>
-              </a:srgbClr>
-            </a:outerShdw>
-          </a:effectLst>
-        </p:spPr>
-        <p:style>
-          <a:lnRef idx="2">
-            <a:schemeClr val="accent1">
-              <a:shade val="15000"/>
-            </a:schemeClr>
-          </a:lnRef>
-          <a:fillRef idx="1">
-            <a:schemeClr val="accent1"/>
-          </a:fillRef>
-          <a:effectRef idx="0">
-            <a:schemeClr val="accent1"/>
-          </a:effectRef>
-          <a:fontRef idx="minor">
-            <a:schemeClr val="lt1"/>
-          </a:fontRef>
-        </p:style>
-        <p:txBody>
-          <a:bodyPr rtlCol="0" anchor="ctr"/>
-          <a:lstStyle/>
-          <a:p>
-            <a:pPr algn="ctr"/>
-            <a:endParaRPr lang="ko-KR" altLang="en-US" dirty="0">
-              <a:latin typeface="Noto Sans" panose="020B0502040504020204" pitchFamily="34" charset="0"/>
-              <a:cs typeface="Noto Sans" panose="020B0502040504020204" pitchFamily="34" charset="0"/>
-            </a:endParaRPr>
-          </a:p>
-        </p:txBody>
-      </p:sp>
-      <p:sp>
-        <p:nvSpPr>
-          <p:cNvPr id="21" name="순서도: 문서 20">
-            <a:extLst>
-              <a:ext uri="{FF2B5EF4-FFF2-40B4-BE49-F238E27FC236}">
-                <a16:creationId xmlns:a16="http://schemas.microsoft.com/office/drawing/2014/main" id="{A50EC14A-938E-4998-BD28-27AB9C0F4251}"/>
-              </a:ext>
-            </a:extLst>
-          </p:cNvPr>
-          <p:cNvSpPr/>
-          <p:nvPr/>
-        </p:nvSpPr>
-        <p:spPr>
-          <a:xfrm>
-            <a:off x="9343392" y="2434144"/>
-            <a:ext cx="2138913" cy="888602"/>
-          </a:xfrm>
-          <a:prstGeom prst="flowChartDocument">
-            <a:avLst/>
-          </a:prstGeom>
-          <a:solidFill>
-            <a:schemeClr val="bg1"/>
-          </a:solidFill>
-          <a:effectLst>
-            <a:outerShdw blurRad="127000" dist="50800" dir="5400000" algn="ctr" rotWithShape="0">
-              <a:srgbClr val="000000">
-                <a:alpha val="50000"/>
-              </a:srgbClr>
-            </a:outerShdw>
-          </a:effectLst>
-        </p:spPr>
-        <p:style>
-          <a:lnRef idx="2">
-            <a:schemeClr val="accent1">
-              <a:shade val="15000"/>
-            </a:schemeClr>
-          </a:lnRef>
-          <a:fillRef idx="1">
-            <a:schemeClr val="accent1"/>
-          </a:fillRef>
-          <a:effectRef idx="0">
-            <a:schemeClr val="accent1"/>
-          </a:effectRef>
-          <a:fontRef idx="minor">
-            <a:schemeClr val="lt1"/>
-          </a:fontRef>
-        </p:style>
-        <p:txBody>
-          <a:bodyPr rtlCol="0" anchor="ctr"/>
-          <a:lstStyle/>
-          <a:p>
-            <a:pPr algn="ctr"/>
-            <a:endParaRPr lang="ko-KR" altLang="en-US" dirty="0">
-              <a:latin typeface="Noto Sans" panose="020B0502040504020204" pitchFamily="34" charset="0"/>
-              <a:cs typeface="Noto Sans" panose="020B0502040504020204" pitchFamily="34" charset="0"/>
-            </a:endParaRPr>
-          </a:p>
-        </p:txBody>
-      </p:sp>
-      <p:sp>
-        <p:nvSpPr>
-          <p:cNvPr id="22" name="순서도: 문서 21">
-            <a:extLst>
-              <a:ext uri="{FF2B5EF4-FFF2-40B4-BE49-F238E27FC236}">
-                <a16:creationId xmlns:a16="http://schemas.microsoft.com/office/drawing/2014/main" id="{009AA20E-E9F6-4131-8843-2F79C6D50D98}"/>
-              </a:ext>
-            </a:extLst>
-          </p:cNvPr>
-          <p:cNvSpPr/>
-          <p:nvPr/>
-        </p:nvSpPr>
-        <p:spPr>
-          <a:xfrm>
-            <a:off x="9271505" y="2486184"/>
-            <a:ext cx="2138913" cy="888602"/>
-          </a:xfrm>
-          <a:prstGeom prst="flowChartDocument">
-            <a:avLst/>
-          </a:prstGeom>
-          <a:solidFill>
-            <a:schemeClr val="bg1"/>
-          </a:solidFill>
-          <a:effectLst>
-            <a:outerShdw blurRad="127000" dist="50800" dir="5400000" algn="ctr" rotWithShape="0">
-              <a:srgbClr val="000000">
-                <a:alpha val="50000"/>
-              </a:srgbClr>
-            </a:outerShdw>
-          </a:effectLst>
-        </p:spPr>
-        <p:style>
-          <a:lnRef idx="2">
-            <a:schemeClr val="accent1">
-              <a:shade val="15000"/>
-            </a:schemeClr>
-          </a:lnRef>
-          <a:fillRef idx="1">
-            <a:schemeClr val="accent1"/>
-          </a:fillRef>
-          <a:effectRef idx="0">
-            <a:schemeClr val="accent1"/>
-          </a:effectRef>
-          <a:fontRef idx="minor">
-            <a:schemeClr val="lt1"/>
-          </a:fontRef>
-        </p:style>
-        <p:txBody>
-          <a:bodyPr rtlCol="0" anchor="ctr"/>
-          <a:lstStyle/>
-          <a:p>
-            <a:pPr algn="ctr"/>
-            <a:endParaRPr lang="ko-KR" altLang="en-US" dirty="0">
-              <a:latin typeface="Noto Sans" panose="020B0502040504020204" pitchFamily="34" charset="0"/>
-              <a:cs typeface="Noto Sans" panose="020B0502040504020204" pitchFamily="34" charset="0"/>
-            </a:endParaRPr>
-          </a:p>
-        </p:txBody>
-      </p:sp>
-      <p:sp>
-        <p:nvSpPr>
-          <p:cNvPr id="23" name="순서도: 문서 22">
-            <a:extLst>
-              <a:ext uri="{FF2B5EF4-FFF2-40B4-BE49-F238E27FC236}">
-                <a16:creationId xmlns:a16="http://schemas.microsoft.com/office/drawing/2014/main" id="{26C79174-2F6B-4BC6-A374-90375E9DD1AB}"/>
-              </a:ext>
-            </a:extLst>
-          </p:cNvPr>
-          <p:cNvSpPr/>
-          <p:nvPr/>
-        </p:nvSpPr>
-        <p:spPr>
-          <a:xfrm>
-            <a:off x="9199618" y="2538224"/>
-            <a:ext cx="2138913" cy="888602"/>
-          </a:xfrm>
-          <a:prstGeom prst="flowChartDocument">
-            <a:avLst/>
-          </a:prstGeom>
-          <a:solidFill>
-            <a:schemeClr val="bg1"/>
-          </a:solidFill>
-          <a:effectLst>
-            <a:outerShdw blurRad="127000" dist="50800" dir="5400000" algn="ctr" rotWithShape="0">
-              <a:srgbClr val="000000">
-                <a:alpha val="50000"/>
-              </a:srgbClr>
-            </a:outerShdw>
-          </a:effectLst>
-        </p:spPr>
-        <p:style>
-          <a:lnRef idx="2">
-            <a:schemeClr val="accent1">
-              <a:shade val="15000"/>
-            </a:schemeClr>
-          </a:lnRef>
-          <a:fillRef idx="1">
-            <a:schemeClr val="accent1"/>
-          </a:fillRef>
-          <a:effectRef idx="0">
-            <a:schemeClr val="accent1"/>
-          </a:effectRef>
-          <a:fontRef idx="minor">
-            <a:schemeClr val="lt1"/>
-          </a:fontRef>
-        </p:style>
-        <p:txBody>
-          <a:bodyPr rtlCol="0" anchor="ctr"/>
-          <a:lstStyle/>
-          <a:p>
-            <a:pPr algn="ctr"/>
-            <a:endParaRPr lang="ko-KR" altLang="en-US" dirty="0">
-              <a:latin typeface="Noto Sans" panose="020B0502040504020204" pitchFamily="34" charset="0"/>
-              <a:cs typeface="Noto Sans" panose="020B0502040504020204" pitchFamily="34" charset="0"/>
-            </a:endParaRPr>
-          </a:p>
-        </p:txBody>
-      </p:sp>
-      <p:sp>
-        <p:nvSpPr>
-          <p:cNvPr id="30" name="순서도: 문서 29">
-            <a:extLst>
-              <a:ext uri="{FF2B5EF4-FFF2-40B4-BE49-F238E27FC236}">
-                <a16:creationId xmlns:a16="http://schemas.microsoft.com/office/drawing/2014/main" id="{BD3F903A-F0C5-4E4B-B670-9CC5CED1B0FB}"/>
-              </a:ext>
-            </a:extLst>
-          </p:cNvPr>
-          <p:cNvSpPr/>
-          <p:nvPr/>
-        </p:nvSpPr>
-        <p:spPr>
-          <a:xfrm>
-            <a:off x="9134833" y="2576399"/>
-            <a:ext cx="2138913" cy="888602"/>
-          </a:xfrm>
-          <a:prstGeom prst="flowChartDocument">
-            <a:avLst/>
-          </a:prstGeom>
-          <a:solidFill>
-            <a:schemeClr val="bg1"/>
-          </a:solidFill>
-          <a:effectLst>
-            <a:outerShdw blurRad="127000" dist="50800" dir="5400000" algn="ctr" rotWithShape="0">
-              <a:srgbClr val="000000">
-                <a:alpha val="50000"/>
-              </a:srgbClr>
-            </a:outerShdw>
-          </a:effectLst>
-        </p:spPr>
-        <p:style>
-          <a:lnRef idx="2">
-            <a:schemeClr val="accent1">
-              <a:shade val="15000"/>
-            </a:schemeClr>
-          </a:lnRef>
-          <a:fillRef idx="1">
-            <a:schemeClr val="accent1"/>
-          </a:fillRef>
-          <a:effectRef idx="0">
-            <a:schemeClr val="accent1"/>
-          </a:effectRef>
-          <a:fontRef idx="minor">
-            <a:schemeClr val="lt1"/>
-          </a:fontRef>
-        </p:style>
-        <p:txBody>
-          <a:bodyPr rtlCol="0" anchor="ctr"/>
-          <a:lstStyle/>
-          <a:p>
-            <a:pPr algn="ctr"/>
-            <a:endParaRPr lang="ko-KR" altLang="en-US" dirty="0">
-              <a:latin typeface="Noto Sans" panose="020B0502040504020204" pitchFamily="34" charset="0"/>
-              <a:cs typeface="Noto Sans" panose="020B0502040504020204" pitchFamily="34" charset="0"/>
-            </a:endParaRPr>
-          </a:p>
-        </p:txBody>
-      </p:sp>
-      <p:sp>
-        <p:nvSpPr>
-          <p:cNvPr id="31" name="순서도: 문서 30">
-            <a:extLst>
-              <a:ext uri="{FF2B5EF4-FFF2-40B4-BE49-F238E27FC236}">
-                <a16:creationId xmlns:a16="http://schemas.microsoft.com/office/drawing/2014/main" id="{C7421F67-4520-412F-9DA4-B26CB812AA68}"/>
-              </a:ext>
-            </a:extLst>
-          </p:cNvPr>
-          <p:cNvSpPr/>
-          <p:nvPr/>
-        </p:nvSpPr>
-        <p:spPr>
-          <a:xfrm>
-            <a:off x="9062946" y="2613611"/>
-            <a:ext cx="2138913" cy="888602"/>
-          </a:xfrm>
-          <a:prstGeom prst="flowChartDocument">
-            <a:avLst/>
-          </a:prstGeom>
-          <a:solidFill>
-            <a:schemeClr val="bg1"/>
-          </a:solidFill>
-          <a:effectLst>
-            <a:outerShdw blurRad="127000" dist="50800" dir="5400000" algn="ctr" rotWithShape="0">
-              <a:srgbClr val="000000">
-                <a:alpha val="50000"/>
-              </a:srgbClr>
-            </a:outerShdw>
-          </a:effectLst>
-        </p:spPr>
-        <p:style>
-          <a:lnRef idx="2">
-            <a:schemeClr val="accent1">
-              <a:shade val="15000"/>
-            </a:schemeClr>
-          </a:lnRef>
-          <a:fillRef idx="1">
-            <a:schemeClr val="accent1"/>
-          </a:fillRef>
-          <a:effectRef idx="0">
-            <a:schemeClr val="accent1"/>
-          </a:effectRef>
-          <a:fontRef idx="minor">
-            <a:schemeClr val="lt1"/>
-          </a:fontRef>
-        </p:style>
-        <p:txBody>
-          <a:bodyPr rtlCol="0" anchor="ctr"/>
-          <a:lstStyle/>
-          <a:p>
-            <a:pPr algn="ctr"/>
-            <a:endParaRPr lang="ko-KR" altLang="en-US" dirty="0">
-              <a:latin typeface="Noto Sans" panose="020B0502040504020204" pitchFamily="34" charset="0"/>
-              <a:cs typeface="Noto Sans" panose="020B0502040504020204" pitchFamily="34" charset="0"/>
-            </a:endParaRPr>
-          </a:p>
-        </p:txBody>
-      </p:sp>
-      <p:sp>
-        <p:nvSpPr>
-          <p:cNvPr id="32" name="순서도: 문서 31">
-            <a:extLst>
-              <a:ext uri="{FF2B5EF4-FFF2-40B4-BE49-F238E27FC236}">
-                <a16:creationId xmlns:a16="http://schemas.microsoft.com/office/drawing/2014/main" id="{D6CB28E9-0177-4699-8582-2D3F97C7C5F8}"/>
-              </a:ext>
-            </a:extLst>
-          </p:cNvPr>
-          <p:cNvSpPr/>
-          <p:nvPr/>
-        </p:nvSpPr>
-        <p:spPr>
-          <a:xfrm>
-            <a:off x="8991059" y="2665651"/>
-            <a:ext cx="2138913" cy="888602"/>
-          </a:xfrm>
-          <a:prstGeom prst="flowChartDocument">
-            <a:avLst/>
-          </a:prstGeom>
-          <a:solidFill>
-            <a:schemeClr val="bg1"/>
-          </a:solidFill>
-          <a:effectLst>
-            <a:outerShdw blurRad="127000" dist="50800" dir="5400000" algn="ctr" rotWithShape="0">
-              <a:srgbClr val="000000">
-                <a:alpha val="50000"/>
-              </a:srgbClr>
-            </a:outerShdw>
-          </a:effectLst>
-        </p:spPr>
-        <p:style>
-          <a:lnRef idx="2">
-            <a:schemeClr val="accent1">
-              <a:shade val="15000"/>
-            </a:schemeClr>
-          </a:lnRef>
-          <a:fillRef idx="1">
-            <a:schemeClr val="accent1"/>
-          </a:fillRef>
-          <a:effectRef idx="0">
-            <a:schemeClr val="accent1"/>
-          </a:effectRef>
-          <a:fontRef idx="minor">
-            <a:schemeClr val="lt1"/>
-          </a:fontRef>
-        </p:style>
-        <p:txBody>
-          <a:bodyPr rtlCol="0" anchor="ctr"/>
-          <a:lstStyle/>
-          <a:p>
-            <a:pPr algn="ctr"/>
-            <a:endParaRPr lang="ko-KR" altLang="en-US" dirty="0">
-              <a:latin typeface="Noto Sans" panose="020B0502040504020204" pitchFamily="34" charset="0"/>
-              <a:cs typeface="Noto Sans" panose="020B0502040504020204" pitchFamily="34" charset="0"/>
-            </a:endParaRPr>
-          </a:p>
-        </p:txBody>
-      </p:sp>
-      <p:sp>
-        <p:nvSpPr>
-          <p:cNvPr id="33" name="순서도: 문서 32">
-            <a:extLst>
-              <a:ext uri="{FF2B5EF4-FFF2-40B4-BE49-F238E27FC236}">
-                <a16:creationId xmlns:a16="http://schemas.microsoft.com/office/drawing/2014/main" id="{1260F15D-E487-4237-9F18-BA70B1809BF9}"/>
-              </a:ext>
-            </a:extLst>
-          </p:cNvPr>
-          <p:cNvSpPr/>
-          <p:nvPr/>
-        </p:nvSpPr>
-        <p:spPr>
-          <a:xfrm>
-            <a:off x="8926274" y="2717691"/>
-            <a:ext cx="2138913" cy="888602"/>
-          </a:xfrm>
-          <a:prstGeom prst="flowChartDocument">
-            <a:avLst/>
-          </a:prstGeom>
-          <a:solidFill>
-            <a:schemeClr val="bg1"/>
-          </a:solidFill>
-          <a:effectLst>
-            <a:outerShdw blurRad="127000" dist="50800" dir="5400000" algn="ctr" rotWithShape="0">
-              <a:srgbClr val="000000">
-                <a:alpha val="50000"/>
-              </a:srgbClr>
-            </a:outerShdw>
-          </a:effectLst>
-        </p:spPr>
-        <p:style>
-          <a:lnRef idx="2">
-            <a:schemeClr val="accent1">
-              <a:shade val="15000"/>
-            </a:schemeClr>
-          </a:lnRef>
-          <a:fillRef idx="1">
-            <a:schemeClr val="accent1"/>
-          </a:fillRef>
-          <a:effectRef idx="0">
-            <a:schemeClr val="accent1"/>
-          </a:effectRef>
-          <a:fontRef idx="minor">
-            <a:schemeClr val="lt1"/>
-          </a:fontRef>
-        </p:style>
-        <p:txBody>
-          <a:bodyPr rtlCol="0" anchor="ctr"/>
-          <a:lstStyle/>
-          <a:p>
-            <a:pPr algn="ctr"/>
-            <a:endParaRPr lang="ko-KR" altLang="en-US" dirty="0">
-              <a:latin typeface="Noto Sans" panose="020B0502040504020204" pitchFamily="34" charset="0"/>
-              <a:cs typeface="Noto Sans" panose="020B0502040504020204" pitchFamily="34" charset="0"/>
-            </a:endParaRPr>
-          </a:p>
-        </p:txBody>
-      </p:sp>
-      <p:sp>
-        <p:nvSpPr>
-          <p:cNvPr id="34" name="순서도: 문서 33">
-            <a:extLst>
-              <a:ext uri="{FF2B5EF4-FFF2-40B4-BE49-F238E27FC236}">
-                <a16:creationId xmlns:a16="http://schemas.microsoft.com/office/drawing/2014/main" id="{15F7DFD7-E24C-45DF-9118-BF9740D4BBC8}"/>
-              </a:ext>
-            </a:extLst>
-          </p:cNvPr>
-          <p:cNvSpPr/>
-          <p:nvPr/>
-        </p:nvSpPr>
-        <p:spPr>
-          <a:xfrm>
-            <a:off x="8861489" y="2780030"/>
-            <a:ext cx="2138913" cy="888602"/>
-          </a:xfrm>
-          <a:prstGeom prst="flowChartDocument">
-            <a:avLst/>
-          </a:prstGeom>
-          <a:solidFill>
-            <a:schemeClr val="bg1"/>
-          </a:solidFill>
-          <a:effectLst>
-            <a:outerShdw blurRad="127000" dist="50800" dir="5400000" algn="ctr" rotWithShape="0">
-              <a:srgbClr val="000000">
-                <a:alpha val="50000"/>
-              </a:srgbClr>
-            </a:outerShdw>
-          </a:effectLst>
-        </p:spPr>
-        <p:style>
-          <a:lnRef idx="2">
-            <a:schemeClr val="accent1">
-              <a:shade val="15000"/>
-            </a:schemeClr>
-          </a:lnRef>
-          <a:fillRef idx="1">
-            <a:schemeClr val="accent1"/>
-          </a:fillRef>
-          <a:effectRef idx="0">
-            <a:schemeClr val="accent1"/>
-          </a:effectRef>
-          <a:fontRef idx="minor">
-            <a:schemeClr val="lt1"/>
-          </a:fontRef>
-        </p:style>
-        <p:txBody>
-          <a:bodyPr rtlCol="0" anchor="ctr"/>
-          <a:lstStyle/>
-          <a:p>
-            <a:pPr algn="ctr"/>
-            <a:endParaRPr lang="ko-KR" altLang="en-US" dirty="0">
-              <a:latin typeface="Noto Sans" panose="020B0502040504020204" pitchFamily="34" charset="0"/>
-              <a:cs typeface="Noto Sans" panose="020B0502040504020204" pitchFamily="34" charset="0"/>
-            </a:endParaRPr>
-          </a:p>
-        </p:txBody>
-      </p:sp>
-      <p:sp>
-        <p:nvSpPr>
-          <p:cNvPr id="24" name="순서도: 문서 23">
-            <a:extLst>
-              <a:ext uri="{FF2B5EF4-FFF2-40B4-BE49-F238E27FC236}">
-                <a16:creationId xmlns:a16="http://schemas.microsoft.com/office/drawing/2014/main" id="{E6BDEE81-8EEB-4BA9-A7B9-C99A0BFB57C3}"/>
-              </a:ext>
-            </a:extLst>
-          </p:cNvPr>
-          <p:cNvSpPr/>
-          <p:nvPr/>
-        </p:nvSpPr>
-        <p:spPr>
-          <a:xfrm>
-            <a:off x="8789603" y="2860108"/>
-            <a:ext cx="2132306" cy="870185"/>
-          </a:xfrm>
-          <a:prstGeom prst="flowChartDocument">
-            <a:avLst/>
-          </a:prstGeom>
-          <a:solidFill>
-            <a:schemeClr val="bg1"/>
-          </a:solidFill>
-          <a:effectLst>
-            <a:outerShdw blurRad="127000" dist="50800" dir="5400000" algn="ctr" rotWithShape="0">
-              <a:srgbClr val="000000">
-                <a:alpha val="50000"/>
-              </a:srgbClr>
-            </a:outerShdw>
-          </a:effectLst>
-        </p:spPr>
-        <p:style>
-          <a:lnRef idx="2">
-            <a:schemeClr val="accent1">
-              <a:shade val="15000"/>
-            </a:schemeClr>
-          </a:lnRef>
-          <a:fillRef idx="1">
-            <a:schemeClr val="accent1"/>
-          </a:fillRef>
-          <a:effectRef idx="0">
-            <a:schemeClr val="accent1"/>
-          </a:effectRef>
-          <a:fontRef idx="minor">
-            <a:schemeClr val="lt1"/>
-          </a:fontRef>
-        </p:style>
-        <p:txBody>
-          <a:bodyPr rtlCol="0" anchor="ctr"/>
-          <a:lstStyle/>
-          <a:p>
-            <a:pPr algn="ctr"/>
-            <a:r>
-              <a:rPr lang="ko-KR" altLang="en-US" sz="1500" dirty="0">
-                <a:solidFill>
-                  <a:schemeClr val="tx1"/>
-                </a:solidFill>
-                <a:latin typeface="Noto Sans" panose="020B0502040504020204" pitchFamily="34" charset="0"/>
-                <a:cs typeface="Noto Sans" panose="020B0502040504020204" pitchFamily="34" charset="0"/>
-              </a:rPr>
-              <a:t>비표준 질의문장</a:t>
-            </a:r>
-          </a:p>
-        </p:txBody>
-      </p:sp>
-      <p:sp>
-        <p:nvSpPr>
-          <p:cNvPr id="36" name="TextBox 35">
-            <a:extLst>
-              <a:ext uri="{FF2B5EF4-FFF2-40B4-BE49-F238E27FC236}">
-                <a16:creationId xmlns:a16="http://schemas.microsoft.com/office/drawing/2014/main" id="{804AB476-7E9F-4E48-975F-C481FCD758F9}"/>
-              </a:ext>
-            </a:extLst>
-          </p:cNvPr>
-          <p:cNvSpPr txBox="1"/>
-          <p:nvPr/>
-        </p:nvSpPr>
-        <p:spPr>
-          <a:xfrm>
-            <a:off x="894568" y="2345566"/>
-            <a:ext cx="1858105" cy="461665"/>
-          </a:xfrm>
-          <a:prstGeom prst="rect">
-            <a:avLst/>
-          </a:prstGeom>
-          <a:noFill/>
-        </p:spPr>
-        <p:txBody>
-          <a:bodyPr wrap="square">
-            <a:spAutoFit/>
-          </a:bodyPr>
-          <a:lstStyle/>
-          <a:p>
-            <a:pPr latinLnBrk="1"/>
-            <a:r>
-              <a:rPr lang="en-US" altLang="ko-KR" sz="800" dirty="0">
-                <a:solidFill>
-                  <a:schemeClr val="tx1"/>
-                </a:solidFill>
-                <a:latin typeface="Noto Sans" panose="020B0502040504020204" pitchFamily="34" charset="0"/>
-                <a:ea typeface="Noto Sans" panose="020B0502040504020204" pitchFamily="34" charset="0"/>
-                <a:cs typeface="Noto Sans" panose="020B0502040504020204" pitchFamily="34" charset="0"/>
-              </a:rPr>
-              <a:t>SELECT * FROM item</a:t>
-            </a:r>
-            <a:r>
-              <a:rPr lang="ko-KR" altLang="en-US" sz="800" dirty="0">
-                <a:solidFill>
-                  <a:schemeClr val="tx1"/>
-                </a:solidFill>
-                <a:latin typeface="Noto Sans" panose="020B0502040504020204" pitchFamily="34" charset="0"/>
-                <a:cs typeface="Noto Sans" panose="020B0502040504020204" pitchFamily="34" charset="0"/>
-              </a:rPr>
-              <a:t> </a:t>
-            </a:r>
-          </a:p>
-          <a:p>
-            <a:pPr latinLnBrk="1"/>
-            <a:r>
-              <a:rPr lang="en-US" altLang="ko-KR" sz="800" dirty="0">
-                <a:solidFill>
-                  <a:schemeClr val="tx1"/>
-                </a:solidFill>
-                <a:latin typeface="Noto Sans" panose="020B0502040504020204" pitchFamily="34" charset="0"/>
-                <a:ea typeface="Noto Sans" panose="020B0502040504020204" pitchFamily="34" charset="0"/>
-                <a:cs typeface="Noto Sans" panose="020B0502040504020204" pitchFamily="34" charset="0"/>
-              </a:rPr>
-              <a:t>WHERE </a:t>
-            </a:r>
-            <a:r>
-              <a:rPr lang="ko-KR" altLang="en-US" sz="800" dirty="0">
-                <a:solidFill>
-                  <a:schemeClr val="tx1"/>
-                </a:solidFill>
-                <a:latin typeface="Noto Sans" panose="020B0502040504020204" pitchFamily="34" charset="0"/>
-                <a:cs typeface="Noto Sans" panose="020B0502040504020204" pitchFamily="34" charset="0"/>
-              </a:rPr>
-              <a:t>화학물질번호 </a:t>
-            </a:r>
-            <a:r>
-              <a:rPr lang="en-US" altLang="ko-KR" sz="800" dirty="0">
-                <a:solidFill>
-                  <a:schemeClr val="tx1"/>
-                </a:solidFill>
-                <a:latin typeface="Noto Sans" panose="020B0502040504020204" pitchFamily="34" charset="0"/>
-                <a:ea typeface="Noto Sans" panose="020B0502040504020204" pitchFamily="34" charset="0"/>
-                <a:cs typeface="Noto Sans" panose="020B0502040504020204" pitchFamily="34" charset="0"/>
-              </a:rPr>
-              <a:t>LIKE '%71%' </a:t>
-            </a:r>
-          </a:p>
-          <a:p>
-            <a:pPr latinLnBrk="1"/>
-            <a:r>
-              <a:rPr lang="en-US" altLang="ko-KR" sz="800" dirty="0">
-                <a:solidFill>
-                  <a:schemeClr val="tx1"/>
-                </a:solidFill>
-                <a:latin typeface="Noto Sans" panose="020B0502040504020204" pitchFamily="34" charset="0"/>
-                <a:ea typeface="Noto Sans" panose="020B0502040504020204" pitchFamily="34" charset="0"/>
-                <a:cs typeface="Noto Sans" panose="020B0502040504020204" pitchFamily="34" charset="0"/>
-              </a:rPr>
-              <a:t>ORDER BY </a:t>
-            </a:r>
-            <a:r>
-              <a:rPr lang="ko-KR" altLang="en-US" sz="800" dirty="0">
-                <a:solidFill>
-                  <a:schemeClr val="tx1"/>
-                </a:solidFill>
-                <a:latin typeface="Noto Sans" panose="020B0502040504020204" pitchFamily="34" charset="0"/>
-                <a:ea typeface="Noto Sans" panose="020B0502040504020204" pitchFamily="34" charset="0"/>
-                <a:cs typeface="Noto Sans" panose="020B0502040504020204" pitchFamily="34" charset="0"/>
-              </a:rPr>
-              <a:t>등록일자</a:t>
-            </a:r>
-            <a:r>
-              <a:rPr lang="ko-KR" altLang="en-US" sz="800" dirty="0">
-                <a:solidFill>
-                  <a:schemeClr val="tx1"/>
-                </a:solidFill>
-                <a:latin typeface="Noto Sans" panose="020B0502040504020204" pitchFamily="34" charset="0"/>
-                <a:cs typeface="Noto Sans" panose="020B0502040504020204" pitchFamily="34" charset="0"/>
-              </a:rPr>
-              <a:t> </a:t>
-            </a:r>
-            <a:r>
-              <a:rPr lang="en-US" altLang="ko-KR" sz="800" dirty="0">
-                <a:solidFill>
-                  <a:schemeClr val="tx1"/>
-                </a:solidFill>
-                <a:latin typeface="Noto Sans" panose="020B0502040504020204" pitchFamily="34" charset="0"/>
-                <a:ea typeface="Noto Sans" panose="020B0502040504020204" pitchFamily="34" charset="0"/>
-                <a:cs typeface="Noto Sans" panose="020B0502040504020204" pitchFamily="34" charset="0"/>
-              </a:rPr>
-              <a:t>ASC;</a:t>
-            </a:r>
-          </a:p>
-        </p:txBody>
-      </p:sp>
-      <p:graphicFrame>
-        <p:nvGraphicFramePr>
-          <p:cNvPr id="40" name="표 40">
-            <a:extLst>
-              <a:ext uri="{FF2B5EF4-FFF2-40B4-BE49-F238E27FC236}">
-                <a16:creationId xmlns:a16="http://schemas.microsoft.com/office/drawing/2014/main" id="{C03A6E56-1019-47ED-BD82-364B1A403298}"/>
-              </a:ext>
-            </a:extLst>
-          </p:cNvPr>
-          <p:cNvGraphicFramePr>
-            <a:graphicFrameLocks noGrp="1"/>
-          </p:cNvGraphicFramePr>
-          <p:nvPr>
-            <p:extLst>
-              <p:ext uri="{D42A27DB-BD31-4B8C-83A1-F6EECF244321}">
-                <p14:modId xmlns:p14="http://schemas.microsoft.com/office/powerpoint/2010/main" val="2668172849"/>
-              </p:ext>
-            </p:extLst>
-          </p:nvPr>
-        </p:nvGraphicFramePr>
-        <p:xfrm>
-          <a:off x="8470048" y="4239378"/>
-          <a:ext cx="3675107" cy="1488544"/>
-        </p:xfrm>
-        <a:graphic>
-          <a:graphicData uri="http://schemas.openxmlformats.org/drawingml/2006/table">
-            <a:tbl>
-              <a:tblPr firstRow="1" bandRow="1">
-                <a:tableStyleId>{5C22544A-7EE6-4342-B048-85BDC9FD1C3A}</a:tableStyleId>
-              </a:tblPr>
-              <a:tblGrid>
-                <a:gridCol w="3675107">
-                  <a:extLst>
-                    <a:ext uri="{9D8B030D-6E8A-4147-A177-3AD203B41FA5}">
-                      <a16:colId xmlns:a16="http://schemas.microsoft.com/office/drawing/2014/main" val="2188063730"/>
-                    </a:ext>
-                  </a:extLst>
-                </a:gridCol>
-              </a:tblGrid>
-              <a:tr h="240628">
-                <a:tc>
-                  <a:txBody>
-                    <a:bodyPr/>
-                    <a:lstStyle/>
-                    <a:p>
-                      <a:pPr marL="0" marR="0" lvl="0" indent="0" algn="ctr" defTabSz="914400" rtl="0" eaLnBrk="1" fontAlgn="auto" latinLnBrk="1" hangingPunct="1">
-                        <a:lnSpc>
-                          <a:spcPct val="100000"/>
-                        </a:lnSpc>
-                        <a:spcBef>
-                          <a:spcPts val="0"/>
-                        </a:spcBef>
-                        <a:spcAft>
-                          <a:spcPts val="0"/>
-                        </a:spcAft>
-                        <a:buClrTx/>
-                        <a:buSzTx/>
-                        <a:buFontTx/>
-                        <a:buNone/>
-                        <a:tabLst/>
-                        <a:defRPr/>
-                      </a:pPr>
-                      <a:r>
-                        <a:rPr lang="ko-KR" altLang="en-US" sz="800" b="1" dirty="0">
-                          <a:solidFill>
-                            <a:schemeClr val="tx1"/>
-                          </a:solidFill>
-                        </a:rPr>
-                        <a:t>비표준질의문장</a:t>
-                      </a:r>
-                    </a:p>
-                  </a:txBody>
-                  <a:tcPr anchor="ctr">
-                    <a:solidFill>
-                      <a:schemeClr val="tx2">
-                        <a:lumMod val="40000"/>
-                        <a:lumOff val="60000"/>
-                      </a:schemeClr>
-                    </a:solidFill>
-                  </a:tcPr>
-                </a:tc>
-                <a:extLst>
-                  <a:ext uri="{0D108BD9-81ED-4DB2-BD59-A6C34878D82A}">
-                    <a16:rowId xmlns:a16="http://schemas.microsoft.com/office/drawing/2014/main" val="2584120407"/>
-                  </a:ext>
-                </a:extLst>
-              </a:tr>
-              <a:tr h="415972">
-                <a:tc>
-                  <a:txBody>
-                    <a:bodyPr/>
-                    <a:lstStyle/>
-                    <a:p>
-                      <a:pPr marL="0" marR="0" lvl="0" indent="0" algn="l" defTabSz="914400" rtl="0" eaLnBrk="1" fontAlgn="auto" latinLnBrk="1" hangingPunct="1">
-                        <a:lnSpc>
-                          <a:spcPct val="100000"/>
-                        </a:lnSpc>
-                        <a:spcBef>
-                          <a:spcPts val="0"/>
-                        </a:spcBef>
-                        <a:spcAft>
-                          <a:spcPts val="0"/>
-                        </a:spcAft>
-                        <a:buClrTx/>
-                        <a:buSzTx/>
-                        <a:buFontTx/>
-                        <a:buNone/>
-                        <a:tabLst/>
-                        <a:defRPr/>
-                      </a:pPr>
-                      <a:r>
-                        <a:rPr lang="en-US" altLang="ko-KR" sz="800" b="0" dirty="0">
-                          <a:solidFill>
-                            <a:schemeClr val="tx1"/>
-                          </a:solidFill>
-                        </a:rPr>
-                        <a:t>"</a:t>
-                      </a:r>
-                      <a:r>
-                        <a:rPr lang="ko-KR" altLang="en-US" sz="800" b="0" dirty="0">
-                          <a:solidFill>
-                            <a:schemeClr val="tx1"/>
-                          </a:solidFill>
-                        </a:rPr>
-                        <a:t>화학물질을 찾는데</a:t>
-                      </a:r>
-                      <a:r>
-                        <a:rPr lang="en-US" altLang="ko-KR" sz="800" b="0" dirty="0">
-                          <a:solidFill>
-                            <a:schemeClr val="tx1"/>
-                          </a:solidFill>
-                        </a:rPr>
-                        <a:t>, </a:t>
-                      </a:r>
-                      <a:r>
-                        <a:rPr lang="ko-KR" altLang="en-US" sz="800" b="0" dirty="0">
-                          <a:solidFill>
-                            <a:schemeClr val="tx1"/>
-                          </a:solidFill>
-                        </a:rPr>
-                        <a:t>그 번호 안에 </a:t>
-                      </a:r>
-                      <a:r>
-                        <a:rPr lang="en-US" altLang="ko-KR" sz="800" b="0" dirty="0">
-                          <a:solidFill>
-                            <a:schemeClr val="tx1"/>
-                          </a:solidFill>
-                        </a:rPr>
-                        <a:t>71</a:t>
-                      </a:r>
-                      <a:r>
-                        <a:rPr lang="ko-KR" altLang="en-US" sz="800" b="0" dirty="0">
-                          <a:solidFill>
-                            <a:schemeClr val="tx1"/>
-                          </a:solidFill>
-                        </a:rPr>
-                        <a:t>이라는 숫자가 들어 있는 애들만 뽑아주고</a:t>
-                      </a:r>
-                      <a:r>
-                        <a:rPr lang="en-US" altLang="ko-KR" sz="800" b="0" dirty="0">
-                          <a:solidFill>
-                            <a:schemeClr val="tx1"/>
-                          </a:solidFill>
-                        </a:rPr>
-                        <a:t>, </a:t>
-                      </a:r>
-                      <a:r>
-                        <a:rPr lang="ko-KR" altLang="en-US" sz="800" b="0" dirty="0">
-                          <a:solidFill>
-                            <a:schemeClr val="tx1"/>
-                          </a:solidFill>
-                        </a:rPr>
-                        <a:t>근데 옛날 것부터 먼저 보여줄 수 있어</a:t>
-                      </a:r>
-                      <a:r>
-                        <a:rPr lang="en-US" altLang="ko-KR" sz="800" b="0" dirty="0">
-                          <a:solidFill>
-                            <a:schemeClr val="tx1"/>
-                          </a:solidFill>
-                        </a:rPr>
-                        <a:t>?"</a:t>
-                      </a:r>
-                      <a:endParaRPr lang="ko-KR" altLang="en-US" sz="800" b="0" dirty="0">
-                        <a:solidFill>
-                          <a:schemeClr val="tx1"/>
-                        </a:solidFill>
-                      </a:endParaRPr>
-                    </a:p>
-                  </a:txBody>
-                  <a:tcPr>
-                    <a:solidFill>
-                      <a:schemeClr val="tx2">
-                        <a:lumMod val="40000"/>
-                        <a:lumOff val="60000"/>
-                      </a:schemeClr>
-                    </a:solidFill>
-                  </a:tcPr>
-                </a:tc>
-                <a:extLst>
-                  <a:ext uri="{0D108BD9-81ED-4DB2-BD59-A6C34878D82A}">
-                    <a16:rowId xmlns:a16="http://schemas.microsoft.com/office/drawing/2014/main" val="1185150782"/>
-                  </a:ext>
-                </a:extLst>
-              </a:tr>
-              <a:tr h="415972">
-                <a:tc>
-                  <a:txBody>
-                    <a:bodyPr/>
-                    <a:lstStyle/>
-                    <a:p>
-                      <a:pPr latinLnBrk="1"/>
-                      <a:r>
-                        <a:rPr lang="en-US" altLang="ko-KR" sz="800" dirty="0"/>
-                        <a:t>“</a:t>
-                      </a:r>
-                      <a:r>
-                        <a:rPr lang="ko-KR" altLang="en-US" sz="800" dirty="0"/>
-                        <a:t>화학물질 목록에서 쓸데없는 거 빼고  </a:t>
-                      </a:r>
-                      <a:r>
-                        <a:rPr lang="en-US" altLang="ko-KR" sz="800" dirty="0"/>
-                        <a:t>71 </a:t>
-                      </a:r>
-                      <a:r>
-                        <a:rPr lang="ko-KR" altLang="en-US" sz="800" dirty="0"/>
-                        <a:t>있는 거만 골라서 정리해</a:t>
-                      </a:r>
-                      <a:r>
-                        <a:rPr lang="en-US" altLang="ko-KR" sz="800" dirty="0"/>
-                        <a:t>. </a:t>
-                      </a:r>
-                      <a:r>
-                        <a:rPr lang="ko-KR" altLang="en-US" sz="800" dirty="0"/>
-                        <a:t>날짜 기준으로 빠른 거부터</a:t>
-                      </a:r>
-                      <a:r>
-                        <a:rPr lang="en-US" altLang="ko-KR" sz="800" dirty="0"/>
-                        <a:t>.”</a:t>
-                      </a:r>
-                      <a:endParaRPr lang="ko-KR" altLang="en-US" sz="800" dirty="0">
-                        <a:latin typeface="Noto Sans" panose="020B0502040504020204" pitchFamily="34" charset="0"/>
-                        <a:cs typeface="Noto Sans" panose="020B0502040504020204" pitchFamily="34" charset="0"/>
-                      </a:endParaRPr>
-                    </a:p>
-                  </a:txBody>
-                  <a:tcPr>
-                    <a:solidFill>
-                      <a:schemeClr val="tx2">
-                        <a:lumMod val="40000"/>
-                        <a:lumOff val="60000"/>
-                      </a:schemeClr>
-                    </a:solidFill>
-                  </a:tcPr>
-                </a:tc>
-                <a:extLst>
-                  <a:ext uri="{0D108BD9-81ED-4DB2-BD59-A6C34878D82A}">
-                    <a16:rowId xmlns:a16="http://schemas.microsoft.com/office/drawing/2014/main" val="3638596381"/>
-                  </a:ext>
-                </a:extLst>
-              </a:tr>
-              <a:tr h="415972">
-                <a:tc>
-                  <a:txBody>
-                    <a:bodyPr/>
-                    <a:lstStyle/>
-                    <a:p>
-                      <a:pPr marL="0" marR="0" lvl="0" indent="0" algn="l" defTabSz="914400" rtl="0" eaLnBrk="1" fontAlgn="auto" latinLnBrk="1" hangingPunct="1">
-                        <a:lnSpc>
-                          <a:spcPct val="100000"/>
-                        </a:lnSpc>
-                        <a:spcBef>
-                          <a:spcPts val="0"/>
-                        </a:spcBef>
-                        <a:spcAft>
-                          <a:spcPts val="0"/>
-                        </a:spcAft>
-                        <a:buClrTx/>
-                        <a:buSzTx/>
-                        <a:buFontTx/>
-                        <a:buNone/>
-                        <a:tabLst/>
-                        <a:defRPr/>
-                      </a:pPr>
-                      <a:r>
-                        <a:rPr lang="en-US" altLang="ko-KR" sz="800" dirty="0"/>
-                        <a:t>“</a:t>
-                      </a:r>
-                      <a:r>
-                        <a:rPr lang="ko-KR" altLang="en-US" sz="800" dirty="0"/>
-                        <a:t>화학물질 목록을 펼쳐봐</a:t>
-                      </a:r>
-                      <a:r>
-                        <a:rPr lang="en-US" altLang="ko-KR" sz="800" dirty="0"/>
-                        <a:t>. </a:t>
-                      </a:r>
-                      <a:r>
-                        <a:rPr lang="ko-KR" altLang="en-US" sz="800" dirty="0"/>
-                        <a:t>거기서 </a:t>
-                      </a:r>
-                      <a:r>
-                        <a:rPr lang="en-US" altLang="ko-KR" sz="800" dirty="0"/>
-                        <a:t>71</a:t>
-                      </a:r>
-                      <a:r>
-                        <a:rPr lang="ko-KR" altLang="en-US" sz="800" dirty="0"/>
-                        <a:t>이 숨 쉬고 있는 녀석들만 남겨</a:t>
-                      </a:r>
-                      <a:r>
-                        <a:rPr lang="en-US" altLang="ko-KR" sz="800" dirty="0"/>
-                        <a:t>. </a:t>
-                      </a:r>
-                      <a:r>
-                        <a:rPr lang="ko-KR" altLang="en-US" sz="800" dirty="0"/>
-                        <a:t>그리고 시간의 흐름에 순응하도록 정렬해</a:t>
-                      </a:r>
-                      <a:r>
-                        <a:rPr lang="en-US" altLang="ko-KR" sz="800" dirty="0"/>
-                        <a:t>. </a:t>
-                      </a:r>
-                      <a:r>
-                        <a:rPr lang="ko-KR" altLang="en-US" sz="800" dirty="0"/>
-                        <a:t>과거에서 현재로</a:t>
-                      </a:r>
-                      <a:r>
-                        <a:rPr lang="en-US" altLang="ko-KR" sz="800" dirty="0"/>
-                        <a:t>.”</a:t>
-                      </a:r>
-                      <a:endParaRPr lang="ko-KR" altLang="en-US" sz="800" b="0" dirty="0">
-                        <a:solidFill>
-                          <a:schemeClr val="tx1"/>
-                        </a:solidFill>
-                      </a:endParaRPr>
-                    </a:p>
-                  </a:txBody>
-                  <a:tcPr>
-                    <a:solidFill>
-                      <a:schemeClr val="tx2">
-                        <a:lumMod val="40000"/>
-                        <a:lumOff val="60000"/>
-                      </a:schemeClr>
-                    </a:solidFill>
-                  </a:tcPr>
-                </a:tc>
-                <a:extLst>
-                  <a:ext uri="{0D108BD9-81ED-4DB2-BD59-A6C34878D82A}">
-                    <a16:rowId xmlns:a16="http://schemas.microsoft.com/office/drawing/2014/main" val="2294846471"/>
-                  </a:ext>
-                </a:extLst>
-              </a:tr>
-            </a:tbl>
-          </a:graphicData>
-        </a:graphic>
-      </p:graphicFrame>
-      <p:sp>
-        <p:nvSpPr>
-          <p:cNvPr id="45" name="TextBox 44">
-            <a:extLst>
-              <a:ext uri="{FF2B5EF4-FFF2-40B4-BE49-F238E27FC236}">
-                <a16:creationId xmlns:a16="http://schemas.microsoft.com/office/drawing/2014/main" id="{6A46BB4F-D32C-426A-979F-82A78E2683FE}"/>
-              </a:ext>
-            </a:extLst>
-          </p:cNvPr>
-          <p:cNvSpPr txBox="1"/>
-          <p:nvPr/>
-        </p:nvSpPr>
-        <p:spPr>
-          <a:xfrm>
-            <a:off x="8408084" y="3912675"/>
-            <a:ext cx="1957587" cy="276999"/>
-          </a:xfrm>
-          <a:prstGeom prst="rect">
-            <a:avLst/>
-          </a:prstGeom>
-          <a:noFill/>
-        </p:spPr>
-        <p:txBody>
-          <a:bodyPr wrap="none" rtlCol="0">
-            <a:spAutoFit/>
-          </a:bodyPr>
-          <a:lstStyle/>
-          <a:p>
-            <a:r>
-              <a:rPr lang="ko-KR" altLang="en-US" sz="1200" b="1" dirty="0">
-                <a:latin typeface="Noto Sans" panose="020B0502040504020204" pitchFamily="34" charset="0"/>
-                <a:cs typeface="Noto Sans" panose="020B0502040504020204" pitchFamily="34" charset="0"/>
-              </a:rPr>
-              <a:t>비표준 질의문장 </a:t>
-            </a:r>
-            <a:r>
-              <a:rPr lang="ko-KR" altLang="en-US" sz="1200" dirty="0">
-                <a:latin typeface="Noto Sans" panose="020B0502040504020204" pitchFamily="34" charset="0"/>
-                <a:cs typeface="Noto Sans" panose="020B0502040504020204" pitchFamily="34" charset="0"/>
-              </a:rPr>
-              <a:t>데이터셋</a:t>
-            </a:r>
-            <a:endParaRPr lang="ko-KR" altLang="en-US" sz="1200" b="1" dirty="0">
-              <a:latin typeface="Noto Sans" panose="020B0502040504020204" pitchFamily="34" charset="0"/>
-              <a:cs typeface="Noto Sans" panose="020B0502040504020204" pitchFamily="34" charset="0"/>
-            </a:endParaRPr>
-          </a:p>
-        </p:txBody>
-      </p:sp>
-      <p:sp>
-        <p:nvSpPr>
-          <p:cNvPr id="27" name="TextBox 26">
-            <a:extLst>
-              <a:ext uri="{FF2B5EF4-FFF2-40B4-BE49-F238E27FC236}">
-                <a16:creationId xmlns:a16="http://schemas.microsoft.com/office/drawing/2014/main" id="{F7A99112-11A8-4E63-BA1C-4F2DEEC84C18}"/>
-              </a:ext>
-            </a:extLst>
-          </p:cNvPr>
-          <p:cNvSpPr txBox="1"/>
-          <p:nvPr/>
-        </p:nvSpPr>
-        <p:spPr>
-          <a:xfrm>
-            <a:off x="70338" y="87923"/>
-            <a:ext cx="2949087" cy="461665"/>
-          </a:xfrm>
-          <a:prstGeom prst="rect">
-            <a:avLst/>
-          </a:prstGeom>
-          <a:noFill/>
-        </p:spPr>
-        <p:txBody>
-          <a:bodyPr wrap="square" rtlCol="0">
-            <a:spAutoFit/>
-          </a:bodyPr>
-          <a:lstStyle/>
-          <a:p>
-            <a:r>
-              <a:rPr lang="ko-KR" altLang="en-US" sz="2400" b="1" dirty="0">
-                <a:latin typeface="Noto Sans" panose="020B0502040504020204" pitchFamily="34" charset="0"/>
-                <a:ea typeface="Noto Sans" panose="020B0502040504020204" pitchFamily="34" charset="0"/>
-                <a:cs typeface="Noto Sans" panose="020B0502040504020204" pitchFamily="34" charset="0"/>
-              </a:rPr>
-              <a:t>발명내용 </a:t>
-            </a:r>
-            <a:r>
-              <a:rPr lang="en-US" altLang="ko-KR" sz="2400" b="1" dirty="0">
-                <a:latin typeface="Noto Sans" panose="020B0502040504020204" pitchFamily="34" charset="0"/>
-                <a:ea typeface="Noto Sans" panose="020B0502040504020204" pitchFamily="34" charset="0"/>
-                <a:cs typeface="Noto Sans" panose="020B0502040504020204" pitchFamily="34" charset="0"/>
-              </a:rPr>
-              <a:t>: Phase 1</a:t>
-            </a:r>
-            <a:endParaRPr lang="ko-KR" altLang="en-US" sz="2400" b="1" dirty="0">
-              <a:latin typeface="Noto Sans" panose="020B0502040504020204" pitchFamily="34" charset="0"/>
-              <a:ea typeface="KoPubWorld돋움체 Medium" panose="00000600000000000000" pitchFamily="2" charset="-127"/>
-              <a:cs typeface="Noto Sans" panose="020B0502040504020204" pitchFamily="34" charset="0"/>
-            </a:endParaRPr>
-          </a:p>
-        </p:txBody>
-      </p:sp>
-      <p:sp>
-        <p:nvSpPr>
-          <p:cNvPr id="28" name="TextBox 27">
-            <a:extLst>
-              <a:ext uri="{FF2B5EF4-FFF2-40B4-BE49-F238E27FC236}">
-                <a16:creationId xmlns:a16="http://schemas.microsoft.com/office/drawing/2014/main" id="{70D836FD-5695-48C0-A192-0A936E619658}"/>
-              </a:ext>
-            </a:extLst>
-          </p:cNvPr>
-          <p:cNvSpPr txBox="1"/>
-          <p:nvPr/>
-        </p:nvSpPr>
-        <p:spPr>
-          <a:xfrm>
-            <a:off x="11699631" y="6410326"/>
-            <a:ext cx="432460" cy="276999"/>
-          </a:xfrm>
-          <a:prstGeom prst="rect">
-            <a:avLst/>
-          </a:prstGeom>
-          <a:noFill/>
-        </p:spPr>
-        <p:txBody>
-          <a:bodyPr wrap="square" rtlCol="0">
-            <a:spAutoFit/>
-          </a:bodyPr>
-          <a:lstStyle/>
-          <a:p>
-            <a:r>
-              <a:rPr lang="en-US" altLang="ko-KR" sz="1200" b="1" dirty="0">
-                <a:latin typeface="Noto Sans" panose="020B0502040504020204" pitchFamily="34" charset="0"/>
-                <a:cs typeface="Noto Sans" panose="020B0502040504020204" pitchFamily="34" charset="0"/>
-              </a:rPr>
-              <a:t>7</a:t>
-            </a:r>
-            <a:endParaRPr lang="ko-KR" altLang="en-US" sz="1200" b="1" dirty="0">
-              <a:latin typeface="Noto Sans" panose="020B0502040504020204" pitchFamily="34" charset="0"/>
-              <a:cs typeface="Noto Sans" panose="020B0502040504020204" pitchFamily="34" charset="0"/>
-            </a:endParaRPr>
-          </a:p>
-        </p:txBody>
-      </p:sp>
-    </p:spTree>
-    <p:extLst>
-      <p:ext uri="{BB962C8B-B14F-4D97-AF65-F5344CB8AC3E}">
-        <p14:creationId xmlns:p14="http://schemas.microsoft.com/office/powerpoint/2010/main" val="3794921449"/>
       </p:ext>
     </p:extLst>
   </p:cSld>
